--- a/CF-Project1.pptx
+++ b/CF-Project1.pptx
@@ -1,34 +1,34 @@
 
 <file path=ppt/presentation.xml><?xml version="1.0" encoding="utf-8"?>
-<p:presentation xmlns:a="http://schemas.openxmlformats.org/drawingml/2006/main" xmlns:r="http://schemas.openxmlformats.org/officeDocument/2006/relationships" xmlns:p="http://schemas.openxmlformats.org/presentationml/2006/main" strictFirstAndLastChars="0" saveSubsetFonts="1" autoCompressPictures="0">
+<p:presentation xmlns:a="http://schemas.openxmlformats.org/drawingml/2006/main" xmlns:r="http://schemas.openxmlformats.org/officeDocument/2006/relationships" xmlns:mc="http://schemas.openxmlformats.org/markup-compatibility/2006" xmlns:mv="urn:schemas-microsoft-com:mac:vml" xmlns:p="http://schemas.openxmlformats.org/presentationml/2006/main" xmlns:c="http://schemas.openxmlformats.org/drawingml/2006/chart" xmlns:dgm="http://schemas.openxmlformats.org/drawingml/2006/diagram" xmlns:o="urn:schemas-microsoft-com:office:office" xmlns:v="urn:schemas-microsoft-com:vml" xmlns:pvml="urn:schemas-microsoft-com:office:powerpoint" xmlns:com="http://schemas.openxmlformats.org/drawingml/2006/compatibility" xmlns:p14="http://schemas.microsoft.com/office/powerpoint/2010/main" xmlns:p15="http://schemas.microsoft.com/office/powerpoint/2012/main" xmlns:ahyp="http://schemas.microsoft.com/office/drawing/2018/hyperlinkcolor" autoCompressPictures="0" strictFirstAndLastChars="0" saveSubsetFonts="1">
   <p:sldMasterIdLst>
-    <p:sldMasterId id="2147483659" r:id="rId1"/>
+    <p:sldMasterId id="2147483659" r:id="rId4"/>
   </p:sldMasterIdLst>
   <p:notesMasterIdLst>
-    <p:notesMasterId r:id="rId18"/>
+    <p:notesMasterId r:id="rId5"/>
   </p:notesMasterIdLst>
   <p:sldIdLst>
-    <p:sldId id="256" r:id="rId2"/>
-    <p:sldId id="257" r:id="rId3"/>
-    <p:sldId id="258" r:id="rId4"/>
-    <p:sldId id="259" r:id="rId5"/>
-    <p:sldId id="260" r:id="rId6"/>
-    <p:sldId id="261" r:id="rId7"/>
-    <p:sldId id="262" r:id="rId8"/>
-    <p:sldId id="263" r:id="rId9"/>
-    <p:sldId id="264" r:id="rId10"/>
-    <p:sldId id="265" r:id="rId11"/>
-    <p:sldId id="266" r:id="rId12"/>
-    <p:sldId id="267" r:id="rId13"/>
-    <p:sldId id="268" r:id="rId14"/>
-    <p:sldId id="269" r:id="rId15"/>
-    <p:sldId id="270" r:id="rId16"/>
-    <p:sldId id="271" r:id="rId17"/>
+    <p:sldId id="256" r:id="rId6"/>
+    <p:sldId id="257" r:id="rId7"/>
+    <p:sldId id="258" r:id="rId8"/>
+    <p:sldId id="259" r:id="rId9"/>
+    <p:sldId id="260" r:id="rId10"/>
+    <p:sldId id="261" r:id="rId11"/>
+    <p:sldId id="262" r:id="rId12"/>
+    <p:sldId id="263" r:id="rId13"/>
+    <p:sldId id="264" r:id="rId14"/>
+    <p:sldId id="265" r:id="rId15"/>
+    <p:sldId id="266" r:id="rId16"/>
+    <p:sldId id="267" r:id="rId17"/>
+    <p:sldId id="268" r:id="rId18"/>
+    <p:sldId id="269" r:id="rId19"/>
+    <p:sldId id="270" r:id="rId20"/>
+    <p:sldId id="271" r:id="rId21"/>
   </p:sldIdLst>
-  <p:sldSz cx="9144000" cy="5143500" type="screen16x9"/>
+  <p:sldSz cy="5143500" cx="9144000"/>
   <p:notesSz cx="6858000" cy="9144000"/>
   <p:defaultTextStyle>
-    <a:defPPr marR="0" lvl="0" algn="l" rtl="0">
+    <a:defPPr lvl="0" marR="0" rtl="0" algn="l">
       <a:lnSpc>
         <a:spcPct val="100000"/>
       </a:lnSpc>
@@ -39,7 +39,7 @@
         <a:spcPts val="0"/>
       </a:spcAft>
     </a:defPPr>
-    <a:lvl1pPr marR="0" lvl="0" algn="l" rtl="0">
+    <a:lvl1pPr lvl="0" marR="0" rtl="0" algn="l">
       <a:lnSpc>
         <a:spcPct val="100000"/>
       </a:lnSpc>
@@ -53,7 +53,7 @@
         <a:srgbClr val="000000"/>
       </a:buClr>
       <a:buFont typeface="Arial"/>
-      <a:defRPr sz="1400" b="0" i="0" u="none" strike="noStrike" cap="none">
+      <a:defRPr b="0" i="0" sz="1400" u="none" cap="none" strike="noStrike">
         <a:solidFill>
           <a:srgbClr val="000000"/>
         </a:solidFill>
@@ -63,7 +63,7 @@
         <a:sym typeface="Arial"/>
       </a:defRPr>
     </a:lvl1pPr>
-    <a:lvl2pPr marR="0" lvl="1" algn="l" rtl="0">
+    <a:lvl2pPr lvl="1" marR="0" rtl="0" algn="l">
       <a:lnSpc>
         <a:spcPct val="100000"/>
       </a:lnSpc>
@@ -77,7 +77,7 @@
         <a:srgbClr val="000000"/>
       </a:buClr>
       <a:buFont typeface="Arial"/>
-      <a:defRPr sz="1400" b="0" i="0" u="none" strike="noStrike" cap="none">
+      <a:defRPr b="0" i="0" sz="1400" u="none" cap="none" strike="noStrike">
         <a:solidFill>
           <a:srgbClr val="000000"/>
         </a:solidFill>
@@ -87,7 +87,7 @@
         <a:sym typeface="Arial"/>
       </a:defRPr>
     </a:lvl2pPr>
-    <a:lvl3pPr marR="0" lvl="2" algn="l" rtl="0">
+    <a:lvl3pPr lvl="2" marR="0" rtl="0" algn="l">
       <a:lnSpc>
         <a:spcPct val="100000"/>
       </a:lnSpc>
@@ -101,7 +101,7 @@
         <a:srgbClr val="000000"/>
       </a:buClr>
       <a:buFont typeface="Arial"/>
-      <a:defRPr sz="1400" b="0" i="0" u="none" strike="noStrike" cap="none">
+      <a:defRPr b="0" i="0" sz="1400" u="none" cap="none" strike="noStrike">
         <a:solidFill>
           <a:srgbClr val="000000"/>
         </a:solidFill>
@@ -111,7 +111,7 @@
         <a:sym typeface="Arial"/>
       </a:defRPr>
     </a:lvl3pPr>
-    <a:lvl4pPr marR="0" lvl="3" algn="l" rtl="0">
+    <a:lvl4pPr lvl="3" marR="0" rtl="0" algn="l">
       <a:lnSpc>
         <a:spcPct val="100000"/>
       </a:lnSpc>
@@ -125,7 +125,7 @@
         <a:srgbClr val="000000"/>
       </a:buClr>
       <a:buFont typeface="Arial"/>
-      <a:defRPr sz="1400" b="0" i="0" u="none" strike="noStrike" cap="none">
+      <a:defRPr b="0" i="0" sz="1400" u="none" cap="none" strike="noStrike">
         <a:solidFill>
           <a:srgbClr val="000000"/>
         </a:solidFill>
@@ -135,7 +135,7 @@
         <a:sym typeface="Arial"/>
       </a:defRPr>
     </a:lvl4pPr>
-    <a:lvl5pPr marR="0" lvl="4" algn="l" rtl="0">
+    <a:lvl5pPr lvl="4" marR="0" rtl="0" algn="l">
       <a:lnSpc>
         <a:spcPct val="100000"/>
       </a:lnSpc>
@@ -149,7 +149,7 @@
         <a:srgbClr val="000000"/>
       </a:buClr>
       <a:buFont typeface="Arial"/>
-      <a:defRPr sz="1400" b="0" i="0" u="none" strike="noStrike" cap="none">
+      <a:defRPr b="0" i="0" sz="1400" u="none" cap="none" strike="noStrike">
         <a:solidFill>
           <a:srgbClr val="000000"/>
         </a:solidFill>
@@ -159,7 +159,7 @@
         <a:sym typeface="Arial"/>
       </a:defRPr>
     </a:lvl5pPr>
-    <a:lvl6pPr marR="0" lvl="5" algn="l" rtl="0">
+    <a:lvl6pPr lvl="5" marR="0" rtl="0" algn="l">
       <a:lnSpc>
         <a:spcPct val="100000"/>
       </a:lnSpc>
@@ -173,7 +173,7 @@
         <a:srgbClr val="000000"/>
       </a:buClr>
       <a:buFont typeface="Arial"/>
-      <a:defRPr sz="1400" b="0" i="0" u="none" strike="noStrike" cap="none">
+      <a:defRPr b="0" i="0" sz="1400" u="none" cap="none" strike="noStrike">
         <a:solidFill>
           <a:srgbClr val="000000"/>
         </a:solidFill>
@@ -183,7 +183,7 @@
         <a:sym typeface="Arial"/>
       </a:defRPr>
     </a:lvl6pPr>
-    <a:lvl7pPr marR="0" lvl="6" algn="l" rtl="0">
+    <a:lvl7pPr lvl="6" marR="0" rtl="0" algn="l">
       <a:lnSpc>
         <a:spcPct val="100000"/>
       </a:lnSpc>
@@ -197,7 +197,7 @@
         <a:srgbClr val="000000"/>
       </a:buClr>
       <a:buFont typeface="Arial"/>
-      <a:defRPr sz="1400" b="0" i="0" u="none" strike="noStrike" cap="none">
+      <a:defRPr b="0" i="0" sz="1400" u="none" cap="none" strike="noStrike">
         <a:solidFill>
           <a:srgbClr val="000000"/>
         </a:solidFill>
@@ -207,7 +207,7 @@
         <a:sym typeface="Arial"/>
       </a:defRPr>
     </a:lvl7pPr>
-    <a:lvl8pPr marR="0" lvl="7" algn="l" rtl="0">
+    <a:lvl8pPr lvl="7" marR="0" rtl="0" algn="l">
       <a:lnSpc>
         <a:spcPct val="100000"/>
       </a:lnSpc>
@@ -221,7 +221,7 @@
         <a:srgbClr val="000000"/>
       </a:buClr>
       <a:buFont typeface="Arial"/>
-      <a:defRPr sz="1400" b="0" i="0" u="none" strike="noStrike" cap="none">
+      <a:defRPr b="0" i="0" sz="1400" u="none" cap="none" strike="noStrike">
         <a:solidFill>
           <a:srgbClr val="000000"/>
         </a:solidFill>
@@ -231,7 +231,7 @@
         <a:sym typeface="Arial"/>
       </a:defRPr>
     </a:lvl8pPr>
-    <a:lvl9pPr marR="0" lvl="8" algn="l" rtl="0">
+    <a:lvl9pPr lvl="8" marR="0" rtl="0" algn="l">
       <a:lnSpc>
         <a:spcPct val="100000"/>
       </a:lnSpc>
@@ -245,7 +245,7 @@
         <a:srgbClr val="000000"/>
       </a:buClr>
       <a:buFont typeface="Arial"/>
-      <a:defRPr sz="1400" b="0" i="0" u="none" strike="noStrike" cap="none">
+      <a:defRPr b="0" i="0" sz="1400" u="none" cap="none" strike="noStrike">
         <a:solidFill>
           <a:srgbClr val="000000"/>
         </a:solidFill>
@@ -258,7 +258,7 @@
   </p:defaultTextStyle>
   <p:extLst>
     <p:ext uri="{EFAFB233-063F-42B5-8137-9DF3F51BA10A}">
-      <p15:sldGuideLst xmlns:ahyp="http://schemas.microsoft.com/office/drawing/2018/hyperlinkcolor" xmlns:p15="http://schemas.microsoft.com/office/powerpoint/2012/main" xmlns:p14="http://schemas.microsoft.com/office/powerpoint/2010/main" xmlns:com="http://schemas.openxmlformats.org/drawingml/2006/compatibility" xmlns:pvml="urn:schemas-microsoft-com:office:powerpoint" xmlns:v="urn:schemas-microsoft-com:vml" xmlns:o="urn:schemas-microsoft-com:office:office" xmlns:dgm="http://schemas.openxmlformats.org/drawingml/2006/diagram" xmlns:c="http://schemas.openxmlformats.org/drawingml/2006/chart" xmlns:mv="urn:schemas-microsoft-com:mac:vml" xmlns:mc="http://schemas.openxmlformats.org/markup-compatibility/2006" xmlns="">
+      <p15:sldGuideLst>
         <p15:guide id="1" orient="horz" pos="1620">
           <p15:clr>
             <a:srgbClr val="A4A3A4"/>
@@ -276,16 +276,11 @@
 </file>
 
 <file path=ppt/notesMasters/notesMaster1.xml><?xml version="1.0" encoding="utf-8"?>
-<p:notesMaster xmlns:a="http://schemas.openxmlformats.org/drawingml/2006/main" xmlns:r="http://schemas.openxmlformats.org/officeDocument/2006/relationships" xmlns:p="http://schemas.openxmlformats.org/presentationml/2006/main">
+<p:notesMaster xmlns:a="http://schemas.openxmlformats.org/drawingml/2006/main" xmlns:r="http://schemas.openxmlformats.org/officeDocument/2006/relationships" xmlns:mc="http://schemas.openxmlformats.org/markup-compatibility/2006" xmlns:mv="urn:schemas-microsoft-com:mac:vml" xmlns:p="http://schemas.openxmlformats.org/presentationml/2006/main" xmlns:c="http://schemas.openxmlformats.org/drawingml/2006/chart" xmlns:dgm="http://schemas.openxmlformats.org/drawingml/2006/diagram" xmlns:o="urn:schemas-microsoft-com:office:office" xmlns:v="urn:schemas-microsoft-com:vml" xmlns:pvml="urn:schemas-microsoft-com:office:powerpoint" xmlns:com="http://schemas.openxmlformats.org/drawingml/2006/compatibility" xmlns:p14="http://schemas.microsoft.com/office/powerpoint/2010/main" xmlns:p15="http://schemas.microsoft.com/office/powerpoint/2012/main" xmlns:ahyp="http://schemas.microsoft.com/office/drawing/2018/hyperlinkcolor">
   <p:cSld>
-    <p:bg>
-      <p:bgRef idx="1001">
-        <a:schemeClr val="bg1"/>
-      </p:bgRef>
-    </p:bg>
     <p:spTree>
       <p:nvGrpSpPr>
-        <p:cNvPr id="1" name="Shape 2"/>
+        <p:cNvPr id="2" name="Shape 2"/>
         <p:cNvGrpSpPr/>
         <p:nvPr/>
       </p:nvGrpSpPr>
@@ -300,11 +295,9 @@
       <p:sp>
         <p:nvSpPr>
           <p:cNvPr id="3" name="Google Shape;3;n"/>
-          <p:cNvSpPr>
-            <a:spLocks noGrp="1" noRot="1" noChangeAspect="1"/>
-          </p:cNvSpPr>
+          <p:cNvSpPr/>
           <p:nvPr>
-            <p:ph type="sldImg" idx="2"/>
+            <p:ph idx="2" type="sldImg"/>
           </p:nvPr>
         </p:nvSpPr>
         <p:spPr>
@@ -313,13 +306,9 @@
             <a:ext cx="6096075" cy="3429000"/>
           </a:xfrm>
           <a:custGeom>
-            <a:avLst/>
-            <a:gdLst/>
-            <a:ahLst/>
-            <a:cxnLst/>
-            <a:rect l="l" t="t" r="r" b="b"/>
+            <a:rect b="b" l="l" r="r" t="t"/>
             <a:pathLst>
-              <a:path w="120000" h="120000" extrusionOk="0">
+              <a:path extrusionOk="0" h="120000" w="120000">
                 <a:moveTo>
                   <a:pt x="0" y="0"/>
                 </a:moveTo>
@@ -337,25 +326,23 @@
             </a:pathLst>
           </a:custGeom>
           <a:noFill/>
-          <a:ln w="9525" cap="flat" cmpd="sng">
+          <a:ln cap="flat" cmpd="sng" w="9525">
             <a:solidFill>
               <a:srgbClr val="000000"/>
             </a:solidFill>
             <a:prstDash val="solid"/>
             <a:round/>
-            <a:headEnd type="none" w="sm" len="sm"/>
-            <a:tailEnd type="none" w="sm" len="sm"/>
+            <a:headEnd len="sm" w="sm" type="none"/>
+            <a:tailEnd len="sm" w="sm" type="none"/>
           </a:ln>
         </p:spPr>
       </p:sp>
       <p:sp>
         <p:nvSpPr>
           <p:cNvPr id="4" name="Google Shape;4;n"/>
-          <p:cNvSpPr txBox="1">
-            <a:spLocks noGrp="1"/>
-          </p:cNvSpPr>
+          <p:cNvSpPr txBox="1"/>
           <p:nvPr>
-            <p:ph type="body" idx="1"/>
+            <p:ph idx="1" type="body"/>
           </p:nvPr>
         </p:nvSpPr>
         <p:spPr>
@@ -372,11 +359,11 @@
           </a:ln>
         </p:spPr>
         <p:txBody>
-          <a:bodyPr spcFirstLastPara="1" wrap="square" lIns="91425" tIns="91425" rIns="91425" bIns="91425" anchor="t" anchorCtr="0">
+          <a:bodyPr anchorCtr="0" anchor="t" bIns="91425" lIns="91425" spcFirstLastPara="1" rIns="91425" wrap="square" tIns="91425">
             <a:noAutofit/>
           </a:bodyPr>
           <a:lstStyle>
-            <a:lvl1pPr marL="457200" lvl="0" indent="-298450">
+            <a:lvl1pPr indent="-298450" lvl="0" marL="457200">
               <a:spcBef>
                 <a:spcPts val="0"/>
               </a:spcBef>
@@ -387,7 +374,7 @@
               <a:buChar char="●"/>
               <a:defRPr sz="1100"/>
             </a:lvl1pPr>
-            <a:lvl2pPr marL="914400" lvl="1" indent="-298450">
+            <a:lvl2pPr indent="-298450" lvl="1" marL="914400">
               <a:spcBef>
                 <a:spcPts val="0"/>
               </a:spcBef>
@@ -398,7 +385,7 @@
               <a:buChar char="○"/>
               <a:defRPr sz="1100"/>
             </a:lvl2pPr>
-            <a:lvl3pPr marL="1371600" lvl="2" indent="-298450">
+            <a:lvl3pPr indent="-298450" lvl="2" marL="1371600">
               <a:spcBef>
                 <a:spcPts val="0"/>
               </a:spcBef>
@@ -409,7 +396,7 @@
               <a:buChar char="■"/>
               <a:defRPr sz="1100"/>
             </a:lvl3pPr>
-            <a:lvl4pPr marL="1828800" lvl="3" indent="-298450">
+            <a:lvl4pPr indent="-298450" lvl="3" marL="1828800">
               <a:spcBef>
                 <a:spcPts val="0"/>
               </a:spcBef>
@@ -420,7 +407,7 @@
               <a:buChar char="●"/>
               <a:defRPr sz="1100"/>
             </a:lvl4pPr>
-            <a:lvl5pPr marL="2286000" lvl="4" indent="-298450">
+            <a:lvl5pPr indent="-298450" lvl="4" marL="2286000">
               <a:spcBef>
                 <a:spcPts val="0"/>
               </a:spcBef>
@@ -431,7 +418,7 @@
               <a:buChar char="○"/>
               <a:defRPr sz="1100"/>
             </a:lvl5pPr>
-            <a:lvl6pPr marL="2743200" lvl="5" indent="-298450">
+            <a:lvl6pPr indent="-298450" lvl="5" marL="2743200">
               <a:spcBef>
                 <a:spcPts val="0"/>
               </a:spcBef>
@@ -442,7 +429,7 @@
               <a:buChar char="■"/>
               <a:defRPr sz="1100"/>
             </a:lvl6pPr>
-            <a:lvl7pPr marL="3200400" lvl="6" indent="-298450">
+            <a:lvl7pPr indent="-298450" lvl="6" marL="3200400">
               <a:spcBef>
                 <a:spcPts val="0"/>
               </a:spcBef>
@@ -453,7 +440,7 @@
               <a:buChar char="●"/>
               <a:defRPr sz="1100"/>
             </a:lvl7pPr>
-            <a:lvl8pPr marL="3657600" lvl="7" indent="-298450">
+            <a:lvl8pPr indent="-298450" lvl="7" marL="3657600">
               <a:spcBef>
                 <a:spcPts val="0"/>
               </a:spcBef>
@@ -464,7 +451,7 @@
               <a:buChar char="○"/>
               <a:defRPr sz="1100"/>
             </a:lvl8pPr>
-            <a:lvl9pPr marL="4114800" lvl="8" indent="-298450">
+            <a:lvl9pPr indent="-298450" lvl="8" marL="4114800">
               <a:spcBef>
                 <a:spcPts val="0"/>
               </a:spcBef>
@@ -476,21 +463,14 @@
               <a:defRPr sz="1100"/>
             </a:lvl9pPr>
           </a:lstStyle>
-          <a:p>
-            <a:endParaRPr/>
-          </a:p>
+          <a:p/>
         </p:txBody>
       </p:sp>
     </p:spTree>
-    <p:extLst>
-      <p:ext uri="{BB962C8B-B14F-4D97-AF65-F5344CB8AC3E}">
-        <p14:creationId xmlns:p14="http://schemas.microsoft.com/office/powerpoint/2010/main" val="1043901050"/>
-      </p:ext>
-    </p:extLst>
   </p:cSld>
-  <p:clrMap bg1="lt1" tx1="dk1" bg2="dk2" tx2="lt2" accent1="accent1" accent2="accent2" accent3="accent3" accent4="accent4" accent5="accent5" accent6="accent6" hlink="hlink" folHlink="folHlink"/>
+  <p:clrMap accent1="accent1" accent2="accent2" accent3="accent3" accent4="accent4" accent5="accent5" accent6="accent6" bg1="lt1" bg2="dk2" tx1="dk1" tx2="lt2" folHlink="folHlink" hlink="hlink"/>
   <p:notesStyle>
-    <a:defPPr marR="0" lvl="0" algn="l" rtl="0">
+    <a:defPPr lvl="0" marR="0" rtl="0" algn="l">
       <a:lnSpc>
         <a:spcPct val="100000"/>
       </a:lnSpc>
@@ -501,7 +481,7 @@
         <a:spcPts val="0"/>
       </a:spcAft>
     </a:defPPr>
-    <a:lvl1pPr marR="0" lvl="0" algn="l" rtl="0">
+    <a:lvl1pPr lvl="0" marR="0" rtl="0" algn="l">
       <a:lnSpc>
         <a:spcPct val="100000"/>
       </a:lnSpc>
@@ -515,7 +495,7 @@
         <a:srgbClr val="000000"/>
       </a:buClr>
       <a:buFont typeface="Arial"/>
-      <a:defRPr sz="1400" b="0" i="0" u="none" strike="noStrike" cap="none">
+      <a:defRPr b="0" i="0" sz="1400" u="none" cap="none" strike="noStrike">
         <a:solidFill>
           <a:srgbClr val="000000"/>
         </a:solidFill>
@@ -525,7 +505,7 @@
         <a:sym typeface="Arial"/>
       </a:defRPr>
     </a:lvl1pPr>
-    <a:lvl2pPr marR="0" lvl="1" algn="l" rtl="0">
+    <a:lvl2pPr lvl="1" marR="0" rtl="0" algn="l">
       <a:lnSpc>
         <a:spcPct val="100000"/>
       </a:lnSpc>
@@ -539,7 +519,7 @@
         <a:srgbClr val="000000"/>
       </a:buClr>
       <a:buFont typeface="Arial"/>
-      <a:defRPr sz="1400" b="0" i="0" u="none" strike="noStrike" cap="none">
+      <a:defRPr b="0" i="0" sz="1400" u="none" cap="none" strike="noStrike">
         <a:solidFill>
           <a:srgbClr val="000000"/>
         </a:solidFill>
@@ -549,7 +529,7 @@
         <a:sym typeface="Arial"/>
       </a:defRPr>
     </a:lvl2pPr>
-    <a:lvl3pPr marR="0" lvl="2" algn="l" rtl="0">
+    <a:lvl3pPr lvl="2" marR="0" rtl="0" algn="l">
       <a:lnSpc>
         <a:spcPct val="100000"/>
       </a:lnSpc>
@@ -563,7 +543,7 @@
         <a:srgbClr val="000000"/>
       </a:buClr>
       <a:buFont typeface="Arial"/>
-      <a:defRPr sz="1400" b="0" i="0" u="none" strike="noStrike" cap="none">
+      <a:defRPr b="0" i="0" sz="1400" u="none" cap="none" strike="noStrike">
         <a:solidFill>
           <a:srgbClr val="000000"/>
         </a:solidFill>
@@ -573,7 +553,7 @@
         <a:sym typeface="Arial"/>
       </a:defRPr>
     </a:lvl3pPr>
-    <a:lvl4pPr marR="0" lvl="3" algn="l" rtl="0">
+    <a:lvl4pPr lvl="3" marR="0" rtl="0" algn="l">
       <a:lnSpc>
         <a:spcPct val="100000"/>
       </a:lnSpc>
@@ -587,7 +567,7 @@
         <a:srgbClr val="000000"/>
       </a:buClr>
       <a:buFont typeface="Arial"/>
-      <a:defRPr sz="1400" b="0" i="0" u="none" strike="noStrike" cap="none">
+      <a:defRPr b="0" i="0" sz="1400" u="none" cap="none" strike="noStrike">
         <a:solidFill>
           <a:srgbClr val="000000"/>
         </a:solidFill>
@@ -597,7 +577,7 @@
         <a:sym typeface="Arial"/>
       </a:defRPr>
     </a:lvl4pPr>
-    <a:lvl5pPr marR="0" lvl="4" algn="l" rtl="0">
+    <a:lvl5pPr lvl="4" marR="0" rtl="0" algn="l">
       <a:lnSpc>
         <a:spcPct val="100000"/>
       </a:lnSpc>
@@ -611,7 +591,7 @@
         <a:srgbClr val="000000"/>
       </a:buClr>
       <a:buFont typeface="Arial"/>
-      <a:defRPr sz="1400" b="0" i="0" u="none" strike="noStrike" cap="none">
+      <a:defRPr b="0" i="0" sz="1400" u="none" cap="none" strike="noStrike">
         <a:solidFill>
           <a:srgbClr val="000000"/>
         </a:solidFill>
@@ -621,7 +601,7 @@
         <a:sym typeface="Arial"/>
       </a:defRPr>
     </a:lvl5pPr>
-    <a:lvl6pPr marR="0" lvl="5" algn="l" rtl="0">
+    <a:lvl6pPr lvl="5" marR="0" rtl="0" algn="l">
       <a:lnSpc>
         <a:spcPct val="100000"/>
       </a:lnSpc>
@@ -635,7 +615,7 @@
         <a:srgbClr val="000000"/>
       </a:buClr>
       <a:buFont typeface="Arial"/>
-      <a:defRPr sz="1400" b="0" i="0" u="none" strike="noStrike" cap="none">
+      <a:defRPr b="0" i="0" sz="1400" u="none" cap="none" strike="noStrike">
         <a:solidFill>
           <a:srgbClr val="000000"/>
         </a:solidFill>
@@ -645,7 +625,7 @@
         <a:sym typeface="Arial"/>
       </a:defRPr>
     </a:lvl6pPr>
-    <a:lvl7pPr marR="0" lvl="6" algn="l" rtl="0">
+    <a:lvl7pPr lvl="6" marR="0" rtl="0" algn="l">
       <a:lnSpc>
         <a:spcPct val="100000"/>
       </a:lnSpc>
@@ -659,7 +639,7 @@
         <a:srgbClr val="000000"/>
       </a:buClr>
       <a:buFont typeface="Arial"/>
-      <a:defRPr sz="1400" b="0" i="0" u="none" strike="noStrike" cap="none">
+      <a:defRPr b="0" i="0" sz="1400" u="none" cap="none" strike="noStrike">
         <a:solidFill>
           <a:srgbClr val="000000"/>
         </a:solidFill>
@@ -669,7 +649,7 @@
         <a:sym typeface="Arial"/>
       </a:defRPr>
     </a:lvl7pPr>
-    <a:lvl8pPr marR="0" lvl="7" algn="l" rtl="0">
+    <a:lvl8pPr lvl="7" marR="0" rtl="0" algn="l">
       <a:lnSpc>
         <a:spcPct val="100000"/>
       </a:lnSpc>
@@ -683,7 +663,7 @@
         <a:srgbClr val="000000"/>
       </a:buClr>
       <a:buFont typeface="Arial"/>
-      <a:defRPr sz="1400" b="0" i="0" u="none" strike="noStrike" cap="none">
+      <a:defRPr b="0" i="0" sz="1400" u="none" cap="none" strike="noStrike">
         <a:solidFill>
           <a:srgbClr val="000000"/>
         </a:solidFill>
@@ -693,7 +673,7 @@
         <a:sym typeface="Arial"/>
       </a:defRPr>
     </a:lvl8pPr>
-    <a:lvl9pPr marR="0" lvl="8" algn="l" rtl="0">
+    <a:lvl9pPr lvl="8" marR="0" rtl="0" algn="l">
       <a:lnSpc>
         <a:spcPct val="100000"/>
       </a:lnSpc>
@@ -707,7 +687,7 @@
         <a:srgbClr val="000000"/>
       </a:buClr>
       <a:buFont typeface="Arial"/>
-      <a:defRPr sz="1400" b="0" i="0" u="none" strike="noStrike" cap="none">
+      <a:defRPr b="0" i="0" sz="1400" u="none" cap="none" strike="noStrike">
         <a:solidFill>
           <a:srgbClr val="000000"/>
         </a:solidFill>
@@ -722,11 +702,11 @@
 </file>
 
 <file path=ppt/notesSlides/notesSlide1.xml><?xml version="1.0" encoding="utf-8"?>
-<p:notes xmlns:a="http://schemas.openxmlformats.org/drawingml/2006/main" xmlns:r="http://schemas.openxmlformats.org/officeDocument/2006/relationships" xmlns:p="http://schemas.openxmlformats.org/presentationml/2006/main" showMasterSp="0" showMasterPhAnim="0">
+<p:notes xmlns:a="http://schemas.openxmlformats.org/drawingml/2006/main" xmlns:r="http://schemas.openxmlformats.org/officeDocument/2006/relationships" xmlns:mc="http://schemas.openxmlformats.org/markup-compatibility/2006" xmlns:mv="urn:schemas-microsoft-com:mac:vml" xmlns:p="http://schemas.openxmlformats.org/presentationml/2006/main" xmlns:c="http://schemas.openxmlformats.org/drawingml/2006/chart" xmlns:dgm="http://schemas.openxmlformats.org/drawingml/2006/diagram" xmlns:o="urn:schemas-microsoft-com:office:office" xmlns:v="urn:schemas-microsoft-com:vml" xmlns:pvml="urn:schemas-microsoft-com:office:powerpoint" xmlns:com="http://schemas.openxmlformats.org/drawingml/2006/compatibility" xmlns:p14="http://schemas.microsoft.com/office/powerpoint/2010/main" xmlns:p15="http://schemas.microsoft.com/office/powerpoint/2012/main" xmlns:ahyp="http://schemas.microsoft.com/office/drawing/2018/hyperlinkcolor" showMasterPhAnim="0" showMasterSp="0">
   <p:cSld>
     <p:spTree>
       <p:nvGrpSpPr>
-        <p:cNvPr id="1" name="Shape 50"/>
+        <p:cNvPr id="50" name="Shape 50"/>
         <p:cNvGrpSpPr/>
         <p:nvPr/>
       </p:nvGrpSpPr>
@@ -741,11 +721,9 @@
       <p:sp>
         <p:nvSpPr>
           <p:cNvPr id="51" name="Google Shape;51;p:notes"/>
-          <p:cNvSpPr>
-            <a:spLocks noGrp="1" noRot="1" noChangeAspect="1"/>
-          </p:cNvSpPr>
+          <p:cNvSpPr/>
           <p:nvPr>
-            <p:ph type="sldImg" idx="2"/>
+            <p:ph idx="2" type="sldImg"/>
           </p:nvPr>
         </p:nvSpPr>
         <p:spPr>
@@ -754,13 +732,9 @@
             <a:ext cx="6096075" cy="3429000"/>
           </a:xfrm>
           <a:custGeom>
-            <a:avLst/>
-            <a:gdLst/>
-            <a:ahLst/>
-            <a:cxnLst/>
-            <a:rect l="l" t="t" r="r" b="b"/>
+            <a:rect b="b" l="l" r="r" t="t"/>
             <a:pathLst>
-              <a:path w="120000" h="120000" extrusionOk="0">
+              <a:path extrusionOk="0" h="120000" w="120000">
                 <a:moveTo>
                   <a:pt x="0" y="0"/>
                 </a:moveTo>
@@ -782,11 +756,9 @@
       <p:sp>
         <p:nvSpPr>
           <p:cNvPr id="52" name="Google Shape;52;p:notes"/>
-          <p:cNvSpPr txBox="1">
-            <a:spLocks noGrp="1"/>
-          </p:cNvSpPr>
+          <p:cNvSpPr txBox="1"/>
           <p:nvPr>
-            <p:ph type="body" idx="1"/>
+            <p:ph idx="1" type="body"/>
           </p:nvPr>
         </p:nvSpPr>
         <p:spPr>
@@ -799,12 +771,12 @@
           </a:prstGeom>
         </p:spPr>
         <p:txBody>
-          <a:bodyPr spcFirstLastPara="1" wrap="square" lIns="91425" tIns="91425" rIns="91425" bIns="91425" anchor="t" anchorCtr="0">
+          <a:bodyPr anchorCtr="0" anchor="t" bIns="91425" lIns="91425" spcFirstLastPara="1" rIns="91425" wrap="square" tIns="91425">
             <a:noAutofit/>
           </a:bodyPr>
           <a:lstStyle/>
           <a:p>
-            <a:pPr marL="0" lvl="0" indent="0" algn="l" rtl="0">
+            <a:pPr indent="0" lvl="0" marL="0" rtl="0" algn="l">
               <a:spcBef>
                 <a:spcPts val="0"/>
               </a:spcBef>
@@ -813,6 +785,9 @@
               </a:spcAft>
               <a:buNone/>
             </a:pPr>
+            <a:r>
+              <a:t/>
+            </a:r>
             <a:endParaRPr/>
           </a:p>
         </p:txBody>
@@ -826,11 +801,11 @@
 </file>
 
 <file path=ppt/notesSlides/notesSlide10.xml><?xml version="1.0" encoding="utf-8"?>
-<p:notes xmlns:a="http://schemas.openxmlformats.org/drawingml/2006/main" xmlns:r="http://schemas.openxmlformats.org/officeDocument/2006/relationships" xmlns:p="http://schemas.openxmlformats.org/presentationml/2006/main" showMasterSp="0" showMasterPhAnim="0">
+<p:notes xmlns:a="http://schemas.openxmlformats.org/drawingml/2006/main" xmlns:r="http://schemas.openxmlformats.org/officeDocument/2006/relationships" xmlns:mc="http://schemas.openxmlformats.org/markup-compatibility/2006" xmlns:mv="urn:schemas-microsoft-com:mac:vml" xmlns:p="http://schemas.openxmlformats.org/presentationml/2006/main" xmlns:c="http://schemas.openxmlformats.org/drawingml/2006/chart" xmlns:dgm="http://schemas.openxmlformats.org/drawingml/2006/diagram" xmlns:o="urn:schemas-microsoft-com:office:office" xmlns:v="urn:schemas-microsoft-com:vml" xmlns:pvml="urn:schemas-microsoft-com:office:powerpoint" xmlns:com="http://schemas.openxmlformats.org/drawingml/2006/compatibility" xmlns:p14="http://schemas.microsoft.com/office/powerpoint/2010/main" xmlns:p15="http://schemas.microsoft.com/office/powerpoint/2012/main" xmlns:ahyp="http://schemas.microsoft.com/office/drawing/2018/hyperlinkcolor" showMasterPhAnim="0" showMasterSp="0">
   <p:cSld>
     <p:spTree>
       <p:nvGrpSpPr>
-        <p:cNvPr id="1" name="Shape 110"/>
+        <p:cNvPr id="110" name="Shape 110"/>
         <p:cNvGrpSpPr/>
         <p:nvPr/>
       </p:nvGrpSpPr>
@@ -845,11 +820,9 @@
       <p:sp>
         <p:nvSpPr>
           <p:cNvPr id="111" name="Google Shape;111;gbcf296bf5b_1_32:notes"/>
-          <p:cNvSpPr>
-            <a:spLocks noGrp="1" noRot="1" noChangeAspect="1"/>
-          </p:cNvSpPr>
+          <p:cNvSpPr/>
           <p:nvPr>
-            <p:ph type="sldImg" idx="2"/>
+            <p:ph idx="2" type="sldImg"/>
           </p:nvPr>
         </p:nvSpPr>
         <p:spPr>
@@ -858,13 +831,9 @@
             <a:ext cx="6096000" cy="3429000"/>
           </a:xfrm>
           <a:custGeom>
-            <a:avLst/>
-            <a:gdLst/>
-            <a:ahLst/>
-            <a:cxnLst/>
-            <a:rect l="l" t="t" r="r" b="b"/>
+            <a:rect b="b" l="l" r="r" t="t"/>
             <a:pathLst>
-              <a:path w="120000" h="120000" extrusionOk="0">
+              <a:path extrusionOk="0" h="120000" w="120000">
                 <a:moveTo>
                   <a:pt x="0" y="0"/>
                 </a:moveTo>
@@ -886,11 +855,9 @@
       <p:sp>
         <p:nvSpPr>
           <p:cNvPr id="112" name="Google Shape;112;gbcf296bf5b_1_32:notes"/>
-          <p:cNvSpPr txBox="1">
-            <a:spLocks noGrp="1"/>
-          </p:cNvSpPr>
+          <p:cNvSpPr txBox="1"/>
           <p:nvPr>
-            <p:ph type="body" idx="1"/>
+            <p:ph idx="1" type="body"/>
           </p:nvPr>
         </p:nvSpPr>
         <p:spPr>
@@ -903,12 +870,12 @@
           </a:prstGeom>
         </p:spPr>
         <p:txBody>
-          <a:bodyPr spcFirstLastPara="1" wrap="square" lIns="91425" tIns="91425" rIns="91425" bIns="91425" anchor="t" anchorCtr="0">
+          <a:bodyPr anchorCtr="0" anchor="t" bIns="91425" lIns="91425" spcFirstLastPara="1" rIns="91425" wrap="square" tIns="91425">
             <a:noAutofit/>
           </a:bodyPr>
           <a:lstStyle/>
           <a:p>
-            <a:pPr marL="0" lvl="0" indent="0" algn="l" rtl="0">
+            <a:pPr indent="0" lvl="0" marL="0" rtl="0" algn="l">
               <a:spcBef>
                 <a:spcPts val="0"/>
               </a:spcBef>
@@ -917,6 +884,9 @@
               </a:spcAft>
               <a:buNone/>
             </a:pPr>
+            <a:r>
+              <a:t/>
+            </a:r>
             <a:endParaRPr/>
           </a:p>
         </p:txBody>
@@ -930,11 +900,11 @@
 </file>
 
 <file path=ppt/notesSlides/notesSlide11.xml><?xml version="1.0" encoding="utf-8"?>
-<p:notes xmlns:a="http://schemas.openxmlformats.org/drawingml/2006/main" xmlns:r="http://schemas.openxmlformats.org/officeDocument/2006/relationships" xmlns:p="http://schemas.openxmlformats.org/presentationml/2006/main" showMasterSp="0" showMasterPhAnim="0">
+<p:notes xmlns:a="http://schemas.openxmlformats.org/drawingml/2006/main" xmlns:r="http://schemas.openxmlformats.org/officeDocument/2006/relationships" xmlns:mc="http://schemas.openxmlformats.org/markup-compatibility/2006" xmlns:mv="urn:schemas-microsoft-com:mac:vml" xmlns:p="http://schemas.openxmlformats.org/presentationml/2006/main" xmlns:c="http://schemas.openxmlformats.org/drawingml/2006/chart" xmlns:dgm="http://schemas.openxmlformats.org/drawingml/2006/diagram" xmlns:o="urn:schemas-microsoft-com:office:office" xmlns:v="urn:schemas-microsoft-com:vml" xmlns:pvml="urn:schemas-microsoft-com:office:powerpoint" xmlns:com="http://schemas.openxmlformats.org/drawingml/2006/compatibility" xmlns:p14="http://schemas.microsoft.com/office/powerpoint/2010/main" xmlns:p15="http://schemas.microsoft.com/office/powerpoint/2012/main" xmlns:ahyp="http://schemas.microsoft.com/office/drawing/2018/hyperlinkcolor" showMasterPhAnim="0" showMasterSp="0">
   <p:cSld>
     <p:spTree>
       <p:nvGrpSpPr>
-        <p:cNvPr id="1" name="Shape 116"/>
+        <p:cNvPr id="116" name="Shape 116"/>
         <p:cNvGrpSpPr/>
         <p:nvPr/>
       </p:nvGrpSpPr>
@@ -949,11 +919,9 @@
       <p:sp>
         <p:nvSpPr>
           <p:cNvPr id="117" name="Google Shape;117;gbcf296bf5b_1_50:notes"/>
-          <p:cNvSpPr>
-            <a:spLocks noGrp="1" noRot="1" noChangeAspect="1"/>
-          </p:cNvSpPr>
+          <p:cNvSpPr/>
           <p:nvPr>
-            <p:ph type="sldImg" idx="2"/>
+            <p:ph idx="2" type="sldImg"/>
           </p:nvPr>
         </p:nvSpPr>
         <p:spPr>
@@ -962,13 +930,9 @@
             <a:ext cx="6096000" cy="3429000"/>
           </a:xfrm>
           <a:custGeom>
-            <a:avLst/>
-            <a:gdLst/>
-            <a:ahLst/>
-            <a:cxnLst/>
-            <a:rect l="l" t="t" r="r" b="b"/>
+            <a:rect b="b" l="l" r="r" t="t"/>
             <a:pathLst>
-              <a:path w="120000" h="120000" extrusionOk="0">
+              <a:path extrusionOk="0" h="120000" w="120000">
                 <a:moveTo>
                   <a:pt x="0" y="0"/>
                 </a:moveTo>
@@ -990,11 +954,9 @@
       <p:sp>
         <p:nvSpPr>
           <p:cNvPr id="118" name="Google Shape;118;gbcf296bf5b_1_50:notes"/>
-          <p:cNvSpPr txBox="1">
-            <a:spLocks noGrp="1"/>
-          </p:cNvSpPr>
+          <p:cNvSpPr txBox="1"/>
           <p:nvPr>
-            <p:ph type="body" idx="1"/>
+            <p:ph idx="1" type="body"/>
           </p:nvPr>
         </p:nvSpPr>
         <p:spPr>
@@ -1007,12 +969,12 @@
           </a:prstGeom>
         </p:spPr>
         <p:txBody>
-          <a:bodyPr spcFirstLastPara="1" wrap="square" lIns="91425" tIns="91425" rIns="91425" bIns="91425" anchor="t" anchorCtr="0">
+          <a:bodyPr anchorCtr="0" anchor="t" bIns="91425" lIns="91425" spcFirstLastPara="1" rIns="91425" wrap="square" tIns="91425">
             <a:noAutofit/>
           </a:bodyPr>
           <a:lstStyle/>
           <a:p>
-            <a:pPr marL="0" lvl="0" indent="0" algn="l" rtl="0">
+            <a:pPr indent="0" lvl="0" marL="0" rtl="0" algn="l">
               <a:spcBef>
                 <a:spcPts val="0"/>
               </a:spcBef>
@@ -1021,6 +983,9 @@
               </a:spcAft>
               <a:buNone/>
             </a:pPr>
+            <a:r>
+              <a:t/>
+            </a:r>
             <a:endParaRPr/>
           </a:p>
         </p:txBody>
@@ -1034,11 +999,11 @@
 </file>
 
 <file path=ppt/notesSlides/notesSlide12.xml><?xml version="1.0" encoding="utf-8"?>
-<p:notes xmlns:a="http://schemas.openxmlformats.org/drawingml/2006/main" xmlns:r="http://schemas.openxmlformats.org/officeDocument/2006/relationships" xmlns:p="http://schemas.openxmlformats.org/presentationml/2006/main" showMasterSp="0" showMasterPhAnim="0">
+<p:notes xmlns:a="http://schemas.openxmlformats.org/drawingml/2006/main" xmlns:r="http://schemas.openxmlformats.org/officeDocument/2006/relationships" xmlns:mc="http://schemas.openxmlformats.org/markup-compatibility/2006" xmlns:mv="urn:schemas-microsoft-com:mac:vml" xmlns:p="http://schemas.openxmlformats.org/presentationml/2006/main" xmlns:c="http://schemas.openxmlformats.org/drawingml/2006/chart" xmlns:dgm="http://schemas.openxmlformats.org/drawingml/2006/diagram" xmlns:o="urn:schemas-microsoft-com:office:office" xmlns:v="urn:schemas-microsoft-com:vml" xmlns:pvml="urn:schemas-microsoft-com:office:powerpoint" xmlns:com="http://schemas.openxmlformats.org/drawingml/2006/compatibility" xmlns:p14="http://schemas.microsoft.com/office/powerpoint/2010/main" xmlns:p15="http://schemas.microsoft.com/office/powerpoint/2012/main" xmlns:ahyp="http://schemas.microsoft.com/office/drawing/2018/hyperlinkcolor" showMasterPhAnim="0" showMasterSp="0">
   <p:cSld>
     <p:spTree>
       <p:nvGrpSpPr>
-        <p:cNvPr id="1" name="Shape 122"/>
+        <p:cNvPr id="122" name="Shape 122"/>
         <p:cNvGrpSpPr/>
         <p:nvPr/>
       </p:nvGrpSpPr>
@@ -1053,11 +1018,9 @@
       <p:sp>
         <p:nvSpPr>
           <p:cNvPr id="123" name="Google Shape;123;gbcf296bf5b_1_59:notes"/>
-          <p:cNvSpPr>
-            <a:spLocks noGrp="1" noRot="1" noChangeAspect="1"/>
-          </p:cNvSpPr>
+          <p:cNvSpPr/>
           <p:nvPr>
-            <p:ph type="sldImg" idx="2"/>
+            <p:ph idx="2" type="sldImg"/>
           </p:nvPr>
         </p:nvSpPr>
         <p:spPr>
@@ -1066,13 +1029,9 @@
             <a:ext cx="6096000" cy="3429000"/>
           </a:xfrm>
           <a:custGeom>
-            <a:avLst/>
-            <a:gdLst/>
-            <a:ahLst/>
-            <a:cxnLst/>
-            <a:rect l="l" t="t" r="r" b="b"/>
+            <a:rect b="b" l="l" r="r" t="t"/>
             <a:pathLst>
-              <a:path w="120000" h="120000" extrusionOk="0">
+              <a:path extrusionOk="0" h="120000" w="120000">
                 <a:moveTo>
                   <a:pt x="0" y="0"/>
                 </a:moveTo>
@@ -1094,11 +1053,9 @@
       <p:sp>
         <p:nvSpPr>
           <p:cNvPr id="124" name="Google Shape;124;gbcf296bf5b_1_59:notes"/>
-          <p:cNvSpPr txBox="1">
-            <a:spLocks noGrp="1"/>
-          </p:cNvSpPr>
+          <p:cNvSpPr txBox="1"/>
           <p:nvPr>
-            <p:ph type="body" idx="1"/>
+            <p:ph idx="1" type="body"/>
           </p:nvPr>
         </p:nvSpPr>
         <p:spPr>
@@ -1111,12 +1068,12 @@
           </a:prstGeom>
         </p:spPr>
         <p:txBody>
-          <a:bodyPr spcFirstLastPara="1" wrap="square" lIns="91425" tIns="91425" rIns="91425" bIns="91425" anchor="t" anchorCtr="0">
+          <a:bodyPr anchorCtr="0" anchor="t" bIns="91425" lIns="91425" spcFirstLastPara="1" rIns="91425" wrap="square" tIns="91425">
             <a:noAutofit/>
           </a:bodyPr>
           <a:lstStyle/>
           <a:p>
-            <a:pPr marL="0" lvl="0" indent="0" algn="l" rtl="0">
+            <a:pPr indent="0" lvl="0" marL="0" rtl="0" algn="l">
               <a:spcBef>
                 <a:spcPts val="0"/>
               </a:spcBef>
@@ -1125,6 +1082,9 @@
               </a:spcAft>
               <a:buNone/>
             </a:pPr>
+            <a:r>
+              <a:t/>
+            </a:r>
             <a:endParaRPr/>
           </a:p>
         </p:txBody>
@@ -1138,11 +1098,11 @@
 </file>
 
 <file path=ppt/notesSlides/notesSlide13.xml><?xml version="1.0" encoding="utf-8"?>
-<p:notes xmlns:a="http://schemas.openxmlformats.org/drawingml/2006/main" xmlns:r="http://schemas.openxmlformats.org/officeDocument/2006/relationships" xmlns:p="http://schemas.openxmlformats.org/presentationml/2006/main" showMasterSp="0" showMasterPhAnim="0">
+<p:notes xmlns:a="http://schemas.openxmlformats.org/drawingml/2006/main" xmlns:r="http://schemas.openxmlformats.org/officeDocument/2006/relationships" xmlns:mc="http://schemas.openxmlformats.org/markup-compatibility/2006" xmlns:mv="urn:schemas-microsoft-com:mac:vml" xmlns:p="http://schemas.openxmlformats.org/presentationml/2006/main" xmlns:c="http://schemas.openxmlformats.org/drawingml/2006/chart" xmlns:dgm="http://schemas.openxmlformats.org/drawingml/2006/diagram" xmlns:o="urn:schemas-microsoft-com:office:office" xmlns:v="urn:schemas-microsoft-com:vml" xmlns:pvml="urn:schemas-microsoft-com:office:powerpoint" xmlns:com="http://schemas.openxmlformats.org/drawingml/2006/compatibility" xmlns:p14="http://schemas.microsoft.com/office/powerpoint/2010/main" xmlns:p15="http://schemas.microsoft.com/office/powerpoint/2012/main" xmlns:ahyp="http://schemas.microsoft.com/office/drawing/2018/hyperlinkcolor" showMasterPhAnim="0" showMasterSp="0">
   <p:cSld>
     <p:spTree>
       <p:nvGrpSpPr>
-        <p:cNvPr id="1" name="Shape 129"/>
+        <p:cNvPr id="129" name="Shape 129"/>
         <p:cNvGrpSpPr/>
         <p:nvPr/>
       </p:nvGrpSpPr>
@@ -1157,11 +1117,9 @@
       <p:sp>
         <p:nvSpPr>
           <p:cNvPr id="130" name="Google Shape;130;gbcf296bf5b_1_66:notes"/>
-          <p:cNvSpPr>
-            <a:spLocks noGrp="1" noRot="1" noChangeAspect="1"/>
-          </p:cNvSpPr>
+          <p:cNvSpPr/>
           <p:nvPr>
-            <p:ph type="sldImg" idx="2"/>
+            <p:ph idx="2" type="sldImg"/>
           </p:nvPr>
         </p:nvSpPr>
         <p:spPr>
@@ -1170,13 +1128,9 @@
             <a:ext cx="6096000" cy="3429000"/>
           </a:xfrm>
           <a:custGeom>
-            <a:avLst/>
-            <a:gdLst/>
-            <a:ahLst/>
-            <a:cxnLst/>
-            <a:rect l="l" t="t" r="r" b="b"/>
+            <a:rect b="b" l="l" r="r" t="t"/>
             <a:pathLst>
-              <a:path w="120000" h="120000" extrusionOk="0">
+              <a:path extrusionOk="0" h="120000" w="120000">
                 <a:moveTo>
                   <a:pt x="0" y="0"/>
                 </a:moveTo>
@@ -1198,11 +1152,9 @@
       <p:sp>
         <p:nvSpPr>
           <p:cNvPr id="131" name="Google Shape;131;gbcf296bf5b_1_66:notes"/>
-          <p:cNvSpPr txBox="1">
-            <a:spLocks noGrp="1"/>
-          </p:cNvSpPr>
+          <p:cNvSpPr txBox="1"/>
           <p:nvPr>
-            <p:ph type="body" idx="1"/>
+            <p:ph idx="1" type="body"/>
           </p:nvPr>
         </p:nvSpPr>
         <p:spPr>
@@ -1215,12 +1167,12 @@
           </a:prstGeom>
         </p:spPr>
         <p:txBody>
-          <a:bodyPr spcFirstLastPara="1" wrap="square" lIns="91425" tIns="91425" rIns="91425" bIns="91425" anchor="t" anchorCtr="0">
+          <a:bodyPr anchorCtr="0" anchor="t" bIns="91425" lIns="91425" spcFirstLastPara="1" rIns="91425" wrap="square" tIns="91425">
             <a:noAutofit/>
           </a:bodyPr>
           <a:lstStyle/>
           <a:p>
-            <a:pPr marL="0" lvl="0" indent="0" algn="l" rtl="0">
+            <a:pPr indent="0" lvl="0" marL="0" rtl="0" algn="l">
               <a:spcBef>
                 <a:spcPts val="0"/>
               </a:spcBef>
@@ -1229,6 +1181,9 @@
               </a:spcAft>
               <a:buNone/>
             </a:pPr>
+            <a:r>
+              <a:t/>
+            </a:r>
             <a:endParaRPr/>
           </a:p>
         </p:txBody>
@@ -1242,11 +1197,11 @@
 </file>
 
 <file path=ppt/notesSlides/notesSlide14.xml><?xml version="1.0" encoding="utf-8"?>
-<p:notes xmlns:a="http://schemas.openxmlformats.org/drawingml/2006/main" xmlns:r="http://schemas.openxmlformats.org/officeDocument/2006/relationships" xmlns:p="http://schemas.openxmlformats.org/presentationml/2006/main" showMasterSp="0" showMasterPhAnim="0">
+<p:notes xmlns:a="http://schemas.openxmlformats.org/drawingml/2006/main" xmlns:r="http://schemas.openxmlformats.org/officeDocument/2006/relationships" xmlns:mc="http://schemas.openxmlformats.org/markup-compatibility/2006" xmlns:mv="urn:schemas-microsoft-com:mac:vml" xmlns:p="http://schemas.openxmlformats.org/presentationml/2006/main" xmlns:c="http://schemas.openxmlformats.org/drawingml/2006/chart" xmlns:dgm="http://schemas.openxmlformats.org/drawingml/2006/diagram" xmlns:o="urn:schemas-microsoft-com:office:office" xmlns:v="urn:schemas-microsoft-com:vml" xmlns:pvml="urn:schemas-microsoft-com:office:powerpoint" xmlns:com="http://schemas.openxmlformats.org/drawingml/2006/compatibility" xmlns:p14="http://schemas.microsoft.com/office/powerpoint/2010/main" xmlns:p15="http://schemas.microsoft.com/office/powerpoint/2012/main" xmlns:ahyp="http://schemas.microsoft.com/office/drawing/2018/hyperlinkcolor" showMasterPhAnim="0" showMasterSp="0">
   <p:cSld>
     <p:spTree>
       <p:nvGrpSpPr>
-        <p:cNvPr id="1" name="Shape 137"/>
+        <p:cNvPr id="137" name="Shape 137"/>
         <p:cNvGrpSpPr/>
         <p:nvPr/>
       </p:nvGrpSpPr>
@@ -1261,11 +1216,9 @@
       <p:sp>
         <p:nvSpPr>
           <p:cNvPr id="138" name="Google Shape;138;gbcf296bf5b_1_101:notes"/>
-          <p:cNvSpPr>
-            <a:spLocks noGrp="1" noRot="1" noChangeAspect="1"/>
-          </p:cNvSpPr>
+          <p:cNvSpPr/>
           <p:nvPr>
-            <p:ph type="sldImg" idx="2"/>
+            <p:ph idx="2" type="sldImg"/>
           </p:nvPr>
         </p:nvSpPr>
         <p:spPr>
@@ -1274,13 +1227,9 @@
             <a:ext cx="6096000" cy="3429000"/>
           </a:xfrm>
           <a:custGeom>
-            <a:avLst/>
-            <a:gdLst/>
-            <a:ahLst/>
-            <a:cxnLst/>
-            <a:rect l="l" t="t" r="r" b="b"/>
+            <a:rect b="b" l="l" r="r" t="t"/>
             <a:pathLst>
-              <a:path w="120000" h="120000" extrusionOk="0">
+              <a:path extrusionOk="0" h="120000" w="120000">
                 <a:moveTo>
                   <a:pt x="0" y="0"/>
                 </a:moveTo>
@@ -1302,11 +1251,9 @@
       <p:sp>
         <p:nvSpPr>
           <p:cNvPr id="139" name="Google Shape;139;gbcf296bf5b_1_101:notes"/>
-          <p:cNvSpPr txBox="1">
-            <a:spLocks noGrp="1"/>
-          </p:cNvSpPr>
+          <p:cNvSpPr txBox="1"/>
           <p:nvPr>
-            <p:ph type="body" idx="1"/>
+            <p:ph idx="1" type="body"/>
           </p:nvPr>
         </p:nvSpPr>
         <p:spPr>
@@ -1319,12 +1266,12 @@
           </a:prstGeom>
         </p:spPr>
         <p:txBody>
-          <a:bodyPr spcFirstLastPara="1" wrap="square" lIns="91425" tIns="91425" rIns="91425" bIns="91425" anchor="t" anchorCtr="0">
+          <a:bodyPr anchorCtr="0" anchor="t" bIns="91425" lIns="91425" spcFirstLastPara="1" rIns="91425" wrap="square" tIns="91425">
             <a:noAutofit/>
           </a:bodyPr>
           <a:lstStyle/>
           <a:p>
-            <a:pPr marL="0" lvl="0" indent="0" algn="l" rtl="0">
+            <a:pPr indent="0" lvl="0" marL="0" rtl="0" algn="l">
               <a:spcBef>
                 <a:spcPts val="0"/>
               </a:spcBef>
@@ -1333,6 +1280,9 @@
               </a:spcAft>
               <a:buNone/>
             </a:pPr>
+            <a:r>
+              <a:t/>
+            </a:r>
             <a:endParaRPr/>
           </a:p>
         </p:txBody>
@@ -1346,11 +1296,11 @@
 </file>
 
 <file path=ppt/notesSlides/notesSlide15.xml><?xml version="1.0" encoding="utf-8"?>
-<p:notes xmlns:a="http://schemas.openxmlformats.org/drawingml/2006/main" xmlns:r="http://schemas.openxmlformats.org/officeDocument/2006/relationships" xmlns:p="http://schemas.openxmlformats.org/presentationml/2006/main" showMasterSp="0" showMasterPhAnim="0">
+<p:notes xmlns:a="http://schemas.openxmlformats.org/drawingml/2006/main" xmlns:r="http://schemas.openxmlformats.org/officeDocument/2006/relationships" xmlns:mc="http://schemas.openxmlformats.org/markup-compatibility/2006" xmlns:mv="urn:schemas-microsoft-com:mac:vml" xmlns:p="http://schemas.openxmlformats.org/presentationml/2006/main" xmlns:c="http://schemas.openxmlformats.org/drawingml/2006/chart" xmlns:dgm="http://schemas.openxmlformats.org/drawingml/2006/diagram" xmlns:o="urn:schemas-microsoft-com:office:office" xmlns:v="urn:schemas-microsoft-com:vml" xmlns:pvml="urn:schemas-microsoft-com:office:powerpoint" xmlns:com="http://schemas.openxmlformats.org/drawingml/2006/compatibility" xmlns:p14="http://schemas.microsoft.com/office/powerpoint/2010/main" xmlns:p15="http://schemas.microsoft.com/office/powerpoint/2012/main" xmlns:ahyp="http://schemas.microsoft.com/office/drawing/2018/hyperlinkcolor" showMasterPhAnim="0" showMasterSp="0">
   <p:cSld>
     <p:spTree>
       <p:nvGrpSpPr>
-        <p:cNvPr id="1" name="Shape 145"/>
+        <p:cNvPr id="145" name="Shape 145"/>
         <p:cNvGrpSpPr/>
         <p:nvPr/>
       </p:nvGrpSpPr>
@@ -1365,11 +1315,9 @@
       <p:sp>
         <p:nvSpPr>
           <p:cNvPr id="146" name="Google Shape;146;gbcf296bf5b_1_0:notes"/>
-          <p:cNvSpPr>
-            <a:spLocks noGrp="1" noRot="1" noChangeAspect="1"/>
-          </p:cNvSpPr>
+          <p:cNvSpPr/>
           <p:nvPr>
-            <p:ph type="sldImg" idx="2"/>
+            <p:ph idx="2" type="sldImg"/>
           </p:nvPr>
         </p:nvSpPr>
         <p:spPr>
@@ -1378,13 +1326,9 @@
             <a:ext cx="6096000" cy="3429000"/>
           </a:xfrm>
           <a:custGeom>
-            <a:avLst/>
-            <a:gdLst/>
-            <a:ahLst/>
-            <a:cxnLst/>
-            <a:rect l="l" t="t" r="r" b="b"/>
+            <a:rect b="b" l="l" r="r" t="t"/>
             <a:pathLst>
-              <a:path w="120000" h="120000" extrusionOk="0">
+              <a:path extrusionOk="0" h="120000" w="120000">
                 <a:moveTo>
                   <a:pt x="0" y="0"/>
                 </a:moveTo>
@@ -1406,11 +1350,9 @@
       <p:sp>
         <p:nvSpPr>
           <p:cNvPr id="147" name="Google Shape;147;gbcf296bf5b_1_0:notes"/>
-          <p:cNvSpPr txBox="1">
-            <a:spLocks noGrp="1"/>
-          </p:cNvSpPr>
+          <p:cNvSpPr txBox="1"/>
           <p:nvPr>
-            <p:ph type="body" idx="1"/>
+            <p:ph idx="1" type="body"/>
           </p:nvPr>
         </p:nvSpPr>
         <p:spPr>
@@ -1423,12 +1365,12 @@
           </a:prstGeom>
         </p:spPr>
         <p:txBody>
-          <a:bodyPr spcFirstLastPara="1" wrap="square" lIns="91425" tIns="91425" rIns="91425" bIns="91425" anchor="t" anchorCtr="0">
+          <a:bodyPr anchorCtr="0" anchor="t" bIns="91425" lIns="91425" spcFirstLastPara="1" rIns="91425" wrap="square" tIns="91425">
             <a:noAutofit/>
           </a:bodyPr>
           <a:lstStyle/>
           <a:p>
-            <a:pPr marL="0" lvl="0" indent="0" algn="l" rtl="0">
+            <a:pPr indent="0" lvl="0" marL="0" rtl="0" algn="l">
               <a:spcBef>
                 <a:spcPts val="0"/>
               </a:spcBef>
@@ -1437,6 +1379,9 @@
               </a:spcAft>
               <a:buNone/>
             </a:pPr>
+            <a:r>
+              <a:t/>
+            </a:r>
             <a:endParaRPr/>
           </a:p>
         </p:txBody>
@@ -1450,11 +1395,11 @@
 </file>
 
 <file path=ppt/notesSlides/notesSlide16.xml><?xml version="1.0" encoding="utf-8"?>
-<p:notes xmlns:a="http://schemas.openxmlformats.org/drawingml/2006/main" xmlns:r="http://schemas.openxmlformats.org/officeDocument/2006/relationships" xmlns:p="http://schemas.openxmlformats.org/presentationml/2006/main" showMasterSp="0" showMasterPhAnim="0">
+<p:notes xmlns:a="http://schemas.openxmlformats.org/drawingml/2006/main" xmlns:r="http://schemas.openxmlformats.org/officeDocument/2006/relationships" xmlns:mc="http://schemas.openxmlformats.org/markup-compatibility/2006" xmlns:mv="urn:schemas-microsoft-com:mac:vml" xmlns:p="http://schemas.openxmlformats.org/presentationml/2006/main" xmlns:c="http://schemas.openxmlformats.org/drawingml/2006/chart" xmlns:dgm="http://schemas.openxmlformats.org/drawingml/2006/diagram" xmlns:o="urn:schemas-microsoft-com:office:office" xmlns:v="urn:schemas-microsoft-com:vml" xmlns:pvml="urn:schemas-microsoft-com:office:powerpoint" xmlns:com="http://schemas.openxmlformats.org/drawingml/2006/compatibility" xmlns:p14="http://schemas.microsoft.com/office/powerpoint/2010/main" xmlns:p15="http://schemas.microsoft.com/office/powerpoint/2012/main" xmlns:ahyp="http://schemas.microsoft.com/office/drawing/2018/hyperlinkcolor" showMasterPhAnim="0" showMasterSp="0">
   <p:cSld>
     <p:spTree>
       <p:nvGrpSpPr>
-        <p:cNvPr id="1" name="Shape 152"/>
+        <p:cNvPr id="152" name="Shape 152"/>
         <p:cNvGrpSpPr/>
         <p:nvPr/>
       </p:nvGrpSpPr>
@@ -1469,11 +1414,9 @@
       <p:sp>
         <p:nvSpPr>
           <p:cNvPr id="153" name="Google Shape;153;gbcf296bf5b_1_114:notes"/>
-          <p:cNvSpPr>
-            <a:spLocks noGrp="1" noRot="1" noChangeAspect="1"/>
-          </p:cNvSpPr>
+          <p:cNvSpPr/>
           <p:nvPr>
-            <p:ph type="sldImg" idx="2"/>
+            <p:ph idx="2" type="sldImg"/>
           </p:nvPr>
         </p:nvSpPr>
         <p:spPr>
@@ -1482,13 +1425,9 @@
             <a:ext cx="6096000" cy="3429000"/>
           </a:xfrm>
           <a:custGeom>
-            <a:avLst/>
-            <a:gdLst/>
-            <a:ahLst/>
-            <a:cxnLst/>
-            <a:rect l="l" t="t" r="r" b="b"/>
+            <a:rect b="b" l="l" r="r" t="t"/>
             <a:pathLst>
-              <a:path w="120000" h="120000" extrusionOk="0">
+              <a:path extrusionOk="0" h="120000" w="120000">
                 <a:moveTo>
                   <a:pt x="0" y="0"/>
                 </a:moveTo>
@@ -1510,11 +1449,9 @@
       <p:sp>
         <p:nvSpPr>
           <p:cNvPr id="154" name="Google Shape;154;gbcf296bf5b_1_114:notes"/>
-          <p:cNvSpPr txBox="1">
-            <a:spLocks noGrp="1"/>
-          </p:cNvSpPr>
+          <p:cNvSpPr txBox="1"/>
           <p:nvPr>
-            <p:ph type="body" idx="1"/>
+            <p:ph idx="1" type="body"/>
           </p:nvPr>
         </p:nvSpPr>
         <p:spPr>
@@ -1527,12 +1464,12 @@
           </a:prstGeom>
         </p:spPr>
         <p:txBody>
-          <a:bodyPr spcFirstLastPara="1" wrap="square" lIns="91425" tIns="91425" rIns="91425" bIns="91425" anchor="t" anchorCtr="0">
+          <a:bodyPr anchorCtr="0" anchor="t" bIns="91425" lIns="91425" spcFirstLastPara="1" rIns="91425" wrap="square" tIns="91425">
             <a:noAutofit/>
           </a:bodyPr>
           <a:lstStyle/>
           <a:p>
-            <a:pPr marL="0" lvl="0" indent="0" algn="l" rtl="0">
+            <a:pPr indent="0" lvl="0" marL="0" rtl="0" algn="l">
               <a:spcBef>
                 <a:spcPts val="0"/>
               </a:spcBef>
@@ -1541,6 +1478,9 @@
               </a:spcAft>
               <a:buNone/>
             </a:pPr>
+            <a:r>
+              <a:t/>
+            </a:r>
             <a:endParaRPr/>
           </a:p>
         </p:txBody>
@@ -1554,11 +1494,11 @@
 </file>
 
 <file path=ppt/notesSlides/notesSlide2.xml><?xml version="1.0" encoding="utf-8"?>
-<p:notes xmlns:a="http://schemas.openxmlformats.org/drawingml/2006/main" xmlns:r="http://schemas.openxmlformats.org/officeDocument/2006/relationships" xmlns:p="http://schemas.openxmlformats.org/presentationml/2006/main" showMasterSp="0" showMasterPhAnim="0">
+<p:notes xmlns:a="http://schemas.openxmlformats.org/drawingml/2006/main" xmlns:r="http://schemas.openxmlformats.org/officeDocument/2006/relationships" xmlns:mc="http://schemas.openxmlformats.org/markup-compatibility/2006" xmlns:mv="urn:schemas-microsoft-com:mac:vml" xmlns:p="http://schemas.openxmlformats.org/presentationml/2006/main" xmlns:c="http://schemas.openxmlformats.org/drawingml/2006/chart" xmlns:dgm="http://schemas.openxmlformats.org/drawingml/2006/diagram" xmlns:o="urn:schemas-microsoft-com:office:office" xmlns:v="urn:schemas-microsoft-com:vml" xmlns:pvml="urn:schemas-microsoft-com:office:powerpoint" xmlns:com="http://schemas.openxmlformats.org/drawingml/2006/compatibility" xmlns:p14="http://schemas.microsoft.com/office/powerpoint/2010/main" xmlns:p15="http://schemas.microsoft.com/office/powerpoint/2012/main" xmlns:ahyp="http://schemas.microsoft.com/office/drawing/2018/hyperlinkcolor" showMasterPhAnim="0" showMasterSp="0">
   <p:cSld>
     <p:spTree>
       <p:nvGrpSpPr>
-        <p:cNvPr id="1" name="Shape 56"/>
+        <p:cNvPr id="56" name="Shape 56"/>
         <p:cNvGrpSpPr/>
         <p:nvPr/>
       </p:nvGrpSpPr>
@@ -1573,26 +1513,20 @@
       <p:sp>
         <p:nvSpPr>
           <p:cNvPr id="57" name="Google Shape;57;gbcf296bf5b_1_5:notes"/>
-          <p:cNvSpPr>
-            <a:spLocks noGrp="1" noRot="1" noChangeAspect="1"/>
-          </p:cNvSpPr>
+          <p:cNvSpPr/>
           <p:nvPr>
-            <p:ph type="sldImg" idx="2"/>
+            <p:ph idx="2" type="sldImg"/>
           </p:nvPr>
         </p:nvSpPr>
         <p:spPr>
           <a:xfrm>
-            <a:off x="381000" y="685800"/>
+            <a:off x="381300" y="685800"/>
             <a:ext cx="6096000" cy="3429000"/>
           </a:xfrm>
           <a:custGeom>
-            <a:avLst/>
-            <a:gdLst/>
-            <a:ahLst/>
-            <a:cxnLst/>
-            <a:rect l="l" t="t" r="r" b="b"/>
+            <a:rect b="b" l="l" r="r" t="t"/>
             <a:pathLst>
-              <a:path w="120000" h="120000" extrusionOk="0">
+              <a:path extrusionOk="0" h="120000" w="120000">
                 <a:moveTo>
                   <a:pt x="0" y="0"/>
                 </a:moveTo>
@@ -1614,11 +1548,9 @@
       <p:sp>
         <p:nvSpPr>
           <p:cNvPr id="58" name="Google Shape;58;gbcf296bf5b_1_5:notes"/>
-          <p:cNvSpPr txBox="1">
-            <a:spLocks noGrp="1"/>
-          </p:cNvSpPr>
+          <p:cNvSpPr txBox="1"/>
           <p:nvPr>
-            <p:ph type="body" idx="1"/>
+            <p:ph idx="1" type="body"/>
           </p:nvPr>
         </p:nvSpPr>
         <p:spPr>
@@ -1631,12 +1563,12 @@
           </a:prstGeom>
         </p:spPr>
         <p:txBody>
-          <a:bodyPr spcFirstLastPara="1" wrap="square" lIns="91425" tIns="91425" rIns="91425" bIns="91425" anchor="t" anchorCtr="0">
+          <a:bodyPr anchorCtr="0" anchor="t" bIns="91425" lIns="91425" spcFirstLastPara="1" rIns="91425" wrap="square" tIns="91425">
             <a:noAutofit/>
           </a:bodyPr>
           <a:lstStyle/>
           <a:p>
-            <a:pPr marL="0" lvl="0" indent="0" algn="l" rtl="0">
+            <a:pPr indent="0" lvl="0" marL="0" rtl="0" algn="l">
               <a:spcBef>
                 <a:spcPts val="0"/>
               </a:spcBef>
@@ -1645,6 +1577,9 @@
               </a:spcAft>
               <a:buNone/>
             </a:pPr>
+            <a:r>
+              <a:t/>
+            </a:r>
             <a:endParaRPr/>
           </a:p>
         </p:txBody>
@@ -1658,11 +1593,11 @@
 </file>
 
 <file path=ppt/notesSlides/notesSlide3.xml><?xml version="1.0" encoding="utf-8"?>
-<p:notes xmlns:a="http://schemas.openxmlformats.org/drawingml/2006/main" xmlns:r="http://schemas.openxmlformats.org/officeDocument/2006/relationships" xmlns:p="http://schemas.openxmlformats.org/presentationml/2006/main" showMasterSp="0" showMasterPhAnim="0">
+<p:notes xmlns:a="http://schemas.openxmlformats.org/drawingml/2006/main" xmlns:r="http://schemas.openxmlformats.org/officeDocument/2006/relationships" xmlns:mc="http://schemas.openxmlformats.org/markup-compatibility/2006" xmlns:mv="urn:schemas-microsoft-com:mac:vml" xmlns:p="http://schemas.openxmlformats.org/presentationml/2006/main" xmlns:c="http://schemas.openxmlformats.org/drawingml/2006/chart" xmlns:dgm="http://schemas.openxmlformats.org/drawingml/2006/diagram" xmlns:o="urn:schemas-microsoft-com:office:office" xmlns:v="urn:schemas-microsoft-com:vml" xmlns:pvml="urn:schemas-microsoft-com:office:powerpoint" xmlns:com="http://schemas.openxmlformats.org/drawingml/2006/compatibility" xmlns:p14="http://schemas.microsoft.com/office/powerpoint/2010/main" xmlns:p15="http://schemas.microsoft.com/office/powerpoint/2012/main" xmlns:ahyp="http://schemas.microsoft.com/office/drawing/2018/hyperlinkcolor" showMasterPhAnim="0" showMasterSp="0">
   <p:cSld>
     <p:spTree>
       <p:nvGrpSpPr>
-        <p:cNvPr id="1" name="Shape 62"/>
+        <p:cNvPr id="62" name="Shape 62"/>
         <p:cNvGrpSpPr/>
         <p:nvPr/>
       </p:nvGrpSpPr>
@@ -1677,11 +1612,9 @@
       <p:sp>
         <p:nvSpPr>
           <p:cNvPr id="63" name="Google Shape;63;gbcf296bf5b_7_10:notes"/>
-          <p:cNvSpPr>
-            <a:spLocks noGrp="1" noRot="1" noChangeAspect="1"/>
-          </p:cNvSpPr>
+          <p:cNvSpPr/>
           <p:nvPr>
-            <p:ph type="sldImg" idx="2"/>
+            <p:ph idx="2" type="sldImg"/>
           </p:nvPr>
         </p:nvSpPr>
         <p:spPr>
@@ -1690,13 +1623,9 @@
             <a:ext cx="6096000" cy="3429000"/>
           </a:xfrm>
           <a:custGeom>
-            <a:avLst/>
-            <a:gdLst/>
-            <a:ahLst/>
-            <a:cxnLst/>
-            <a:rect l="l" t="t" r="r" b="b"/>
+            <a:rect b="b" l="l" r="r" t="t"/>
             <a:pathLst>
-              <a:path w="120000" h="120000" extrusionOk="0">
+              <a:path extrusionOk="0" h="120000" w="120000">
                 <a:moveTo>
                   <a:pt x="0" y="0"/>
                 </a:moveTo>
@@ -1718,11 +1647,9 @@
       <p:sp>
         <p:nvSpPr>
           <p:cNvPr id="64" name="Google Shape;64;gbcf296bf5b_7_10:notes"/>
-          <p:cNvSpPr txBox="1">
-            <a:spLocks noGrp="1"/>
-          </p:cNvSpPr>
+          <p:cNvSpPr txBox="1"/>
           <p:nvPr>
-            <p:ph type="body" idx="1"/>
+            <p:ph idx="1" type="body"/>
           </p:nvPr>
         </p:nvSpPr>
         <p:spPr>
@@ -1735,12 +1662,12 @@
           </a:prstGeom>
         </p:spPr>
         <p:txBody>
-          <a:bodyPr spcFirstLastPara="1" wrap="square" lIns="91425" tIns="91425" rIns="91425" bIns="91425" anchor="t" anchorCtr="0">
+          <a:bodyPr anchorCtr="0" anchor="t" bIns="91425" lIns="91425" spcFirstLastPara="1" rIns="91425" wrap="square" tIns="91425">
             <a:noAutofit/>
           </a:bodyPr>
           <a:lstStyle/>
           <a:p>
-            <a:pPr marL="0" lvl="0" indent="0" algn="l" rtl="0">
+            <a:pPr indent="0" lvl="0" marL="0" rtl="0" algn="l">
               <a:spcBef>
                 <a:spcPts val="0"/>
               </a:spcBef>
@@ -1749,6 +1676,9 @@
               </a:spcAft>
               <a:buNone/>
             </a:pPr>
+            <a:r>
+              <a:t/>
+            </a:r>
             <a:endParaRPr/>
           </a:p>
         </p:txBody>
@@ -1762,11 +1692,11 @@
 </file>
 
 <file path=ppt/notesSlides/notesSlide4.xml><?xml version="1.0" encoding="utf-8"?>
-<p:notes xmlns:a="http://schemas.openxmlformats.org/drawingml/2006/main" xmlns:r="http://schemas.openxmlformats.org/officeDocument/2006/relationships" xmlns:p="http://schemas.openxmlformats.org/presentationml/2006/main" showMasterSp="0" showMasterPhAnim="0">
+<p:notes xmlns:a="http://schemas.openxmlformats.org/drawingml/2006/main" xmlns:r="http://schemas.openxmlformats.org/officeDocument/2006/relationships" xmlns:mc="http://schemas.openxmlformats.org/markup-compatibility/2006" xmlns:mv="urn:schemas-microsoft-com:mac:vml" xmlns:p="http://schemas.openxmlformats.org/presentationml/2006/main" xmlns:c="http://schemas.openxmlformats.org/drawingml/2006/chart" xmlns:dgm="http://schemas.openxmlformats.org/drawingml/2006/diagram" xmlns:o="urn:schemas-microsoft-com:office:office" xmlns:v="urn:schemas-microsoft-com:vml" xmlns:pvml="urn:schemas-microsoft-com:office:powerpoint" xmlns:com="http://schemas.openxmlformats.org/drawingml/2006/compatibility" xmlns:p14="http://schemas.microsoft.com/office/powerpoint/2010/main" xmlns:p15="http://schemas.microsoft.com/office/powerpoint/2012/main" xmlns:ahyp="http://schemas.microsoft.com/office/drawing/2018/hyperlinkcolor" showMasterPhAnim="0" showMasterSp="0">
   <p:cSld>
     <p:spTree>
       <p:nvGrpSpPr>
-        <p:cNvPr id="1" name="Shape 71"/>
+        <p:cNvPr id="71" name="Shape 71"/>
         <p:cNvGrpSpPr/>
         <p:nvPr/>
       </p:nvGrpSpPr>
@@ -1781,11 +1711,9 @@
       <p:sp>
         <p:nvSpPr>
           <p:cNvPr id="72" name="Google Shape;72;gbcf296bf5b_1_10:notes"/>
-          <p:cNvSpPr>
-            <a:spLocks noGrp="1" noRot="1" noChangeAspect="1"/>
-          </p:cNvSpPr>
+          <p:cNvSpPr/>
           <p:nvPr>
-            <p:ph type="sldImg" idx="2"/>
+            <p:ph idx="2" type="sldImg"/>
           </p:nvPr>
         </p:nvSpPr>
         <p:spPr>
@@ -1794,13 +1722,9 @@
             <a:ext cx="6096000" cy="3429000"/>
           </a:xfrm>
           <a:custGeom>
-            <a:avLst/>
-            <a:gdLst/>
-            <a:ahLst/>
-            <a:cxnLst/>
-            <a:rect l="l" t="t" r="r" b="b"/>
+            <a:rect b="b" l="l" r="r" t="t"/>
             <a:pathLst>
-              <a:path w="120000" h="120000" extrusionOk="0">
+              <a:path extrusionOk="0" h="120000" w="120000">
                 <a:moveTo>
                   <a:pt x="0" y="0"/>
                 </a:moveTo>
@@ -1822,11 +1746,9 @@
       <p:sp>
         <p:nvSpPr>
           <p:cNvPr id="73" name="Google Shape;73;gbcf296bf5b_1_10:notes"/>
-          <p:cNvSpPr txBox="1">
-            <a:spLocks noGrp="1"/>
-          </p:cNvSpPr>
+          <p:cNvSpPr txBox="1"/>
           <p:nvPr>
-            <p:ph type="body" idx="1"/>
+            <p:ph idx="1" type="body"/>
           </p:nvPr>
         </p:nvSpPr>
         <p:spPr>
@@ -1839,12 +1761,12 @@
           </a:prstGeom>
         </p:spPr>
         <p:txBody>
-          <a:bodyPr spcFirstLastPara="1" wrap="square" lIns="91425" tIns="91425" rIns="91425" bIns="91425" anchor="t" anchorCtr="0">
+          <a:bodyPr anchorCtr="0" anchor="t" bIns="91425" lIns="91425" spcFirstLastPara="1" rIns="91425" wrap="square" tIns="91425">
             <a:noAutofit/>
           </a:bodyPr>
           <a:lstStyle/>
           <a:p>
-            <a:pPr marL="0" lvl="0" indent="0" algn="l" rtl="0">
+            <a:pPr indent="0" lvl="0" marL="0" rtl="0" algn="l">
               <a:spcBef>
                 <a:spcPts val="0"/>
               </a:spcBef>
@@ -1853,6 +1775,9 @@
               </a:spcAft>
               <a:buNone/>
             </a:pPr>
+            <a:r>
+              <a:t/>
+            </a:r>
             <a:endParaRPr/>
           </a:p>
         </p:txBody>
@@ -1866,11 +1791,11 @@
 </file>
 
 <file path=ppt/notesSlides/notesSlide5.xml><?xml version="1.0" encoding="utf-8"?>
-<p:notes xmlns:a="http://schemas.openxmlformats.org/drawingml/2006/main" xmlns:r="http://schemas.openxmlformats.org/officeDocument/2006/relationships" xmlns:p="http://schemas.openxmlformats.org/presentationml/2006/main" showMasterSp="0" showMasterPhAnim="0">
+<p:notes xmlns:a="http://schemas.openxmlformats.org/drawingml/2006/main" xmlns:r="http://schemas.openxmlformats.org/officeDocument/2006/relationships" xmlns:mc="http://schemas.openxmlformats.org/markup-compatibility/2006" xmlns:mv="urn:schemas-microsoft-com:mac:vml" xmlns:p="http://schemas.openxmlformats.org/presentationml/2006/main" xmlns:c="http://schemas.openxmlformats.org/drawingml/2006/chart" xmlns:dgm="http://schemas.openxmlformats.org/drawingml/2006/diagram" xmlns:o="urn:schemas-microsoft-com:office:office" xmlns:v="urn:schemas-microsoft-com:vml" xmlns:pvml="urn:schemas-microsoft-com:office:powerpoint" xmlns:com="http://schemas.openxmlformats.org/drawingml/2006/compatibility" xmlns:p14="http://schemas.microsoft.com/office/powerpoint/2010/main" xmlns:p15="http://schemas.microsoft.com/office/powerpoint/2012/main" xmlns:ahyp="http://schemas.microsoft.com/office/drawing/2018/hyperlinkcolor" showMasterPhAnim="0" showMasterSp="0">
   <p:cSld>
     <p:spTree>
       <p:nvGrpSpPr>
-        <p:cNvPr id="1" name="Shape 77"/>
+        <p:cNvPr id="77" name="Shape 77"/>
         <p:cNvGrpSpPr/>
         <p:nvPr/>
       </p:nvGrpSpPr>
@@ -1885,11 +1810,9 @@
       <p:sp>
         <p:nvSpPr>
           <p:cNvPr id="78" name="Google Shape;78;gbcf296bf5b_1_76:notes"/>
-          <p:cNvSpPr>
-            <a:spLocks noGrp="1" noRot="1" noChangeAspect="1"/>
-          </p:cNvSpPr>
+          <p:cNvSpPr/>
           <p:nvPr>
-            <p:ph type="sldImg" idx="2"/>
+            <p:ph idx="2" type="sldImg"/>
           </p:nvPr>
         </p:nvSpPr>
         <p:spPr>
@@ -1898,13 +1821,9 @@
             <a:ext cx="6096000" cy="3429000"/>
           </a:xfrm>
           <a:custGeom>
-            <a:avLst/>
-            <a:gdLst/>
-            <a:ahLst/>
-            <a:cxnLst/>
-            <a:rect l="l" t="t" r="r" b="b"/>
+            <a:rect b="b" l="l" r="r" t="t"/>
             <a:pathLst>
-              <a:path w="120000" h="120000" extrusionOk="0">
+              <a:path extrusionOk="0" h="120000" w="120000">
                 <a:moveTo>
                   <a:pt x="0" y="0"/>
                 </a:moveTo>
@@ -1926,11 +1845,9 @@
       <p:sp>
         <p:nvSpPr>
           <p:cNvPr id="79" name="Google Shape;79;gbcf296bf5b_1_76:notes"/>
-          <p:cNvSpPr txBox="1">
-            <a:spLocks noGrp="1"/>
-          </p:cNvSpPr>
+          <p:cNvSpPr txBox="1"/>
           <p:nvPr>
-            <p:ph type="body" idx="1"/>
+            <p:ph idx="1" type="body"/>
           </p:nvPr>
         </p:nvSpPr>
         <p:spPr>
@@ -1943,12 +1860,12 @@
           </a:prstGeom>
         </p:spPr>
         <p:txBody>
-          <a:bodyPr spcFirstLastPara="1" wrap="square" lIns="91425" tIns="91425" rIns="91425" bIns="91425" anchor="t" anchorCtr="0">
+          <a:bodyPr anchorCtr="0" anchor="t" bIns="91425" lIns="91425" spcFirstLastPara="1" rIns="91425" wrap="square" tIns="91425">
             <a:noAutofit/>
           </a:bodyPr>
           <a:lstStyle/>
           <a:p>
-            <a:pPr marL="0" lvl="0" indent="0" algn="l" rtl="0">
+            <a:pPr indent="0" lvl="0" marL="0" rtl="0" algn="l">
               <a:spcBef>
                 <a:spcPts val="0"/>
               </a:spcBef>
@@ -1957,6 +1874,9 @@
               </a:spcAft>
               <a:buNone/>
             </a:pPr>
+            <a:r>
+              <a:t/>
+            </a:r>
             <a:endParaRPr/>
           </a:p>
         </p:txBody>
@@ -1970,11 +1890,11 @@
 </file>
 
 <file path=ppt/notesSlides/notesSlide6.xml><?xml version="1.0" encoding="utf-8"?>
-<p:notes xmlns:a="http://schemas.openxmlformats.org/drawingml/2006/main" xmlns:r="http://schemas.openxmlformats.org/officeDocument/2006/relationships" xmlns:p="http://schemas.openxmlformats.org/presentationml/2006/main" showMasterSp="0" showMasterPhAnim="0">
+<p:notes xmlns:a="http://schemas.openxmlformats.org/drawingml/2006/main" xmlns:r="http://schemas.openxmlformats.org/officeDocument/2006/relationships" xmlns:mc="http://schemas.openxmlformats.org/markup-compatibility/2006" xmlns:mv="urn:schemas-microsoft-com:mac:vml" xmlns:p="http://schemas.openxmlformats.org/presentationml/2006/main" xmlns:c="http://schemas.openxmlformats.org/drawingml/2006/chart" xmlns:dgm="http://schemas.openxmlformats.org/drawingml/2006/diagram" xmlns:o="urn:schemas-microsoft-com:office:office" xmlns:v="urn:schemas-microsoft-com:vml" xmlns:pvml="urn:schemas-microsoft-com:office:powerpoint" xmlns:com="http://schemas.openxmlformats.org/drawingml/2006/compatibility" xmlns:p14="http://schemas.microsoft.com/office/powerpoint/2010/main" xmlns:p15="http://schemas.microsoft.com/office/powerpoint/2012/main" xmlns:ahyp="http://schemas.microsoft.com/office/drawing/2018/hyperlinkcolor" showMasterPhAnim="0" showMasterSp="0">
   <p:cSld>
     <p:spTree>
       <p:nvGrpSpPr>
-        <p:cNvPr id="1" name="Shape 83"/>
+        <p:cNvPr id="83" name="Shape 83"/>
         <p:cNvGrpSpPr/>
         <p:nvPr/>
       </p:nvGrpSpPr>
@@ -1989,11 +1909,9 @@
       <p:sp>
         <p:nvSpPr>
           <p:cNvPr id="84" name="Google Shape;84;gbcf296bf5b_1_87:notes"/>
-          <p:cNvSpPr>
-            <a:spLocks noGrp="1" noRot="1" noChangeAspect="1"/>
-          </p:cNvSpPr>
+          <p:cNvSpPr/>
           <p:nvPr>
-            <p:ph type="sldImg" idx="2"/>
+            <p:ph idx="2" type="sldImg"/>
           </p:nvPr>
         </p:nvSpPr>
         <p:spPr>
@@ -2002,13 +1920,9 @@
             <a:ext cx="6096000" cy="3429000"/>
           </a:xfrm>
           <a:custGeom>
-            <a:avLst/>
-            <a:gdLst/>
-            <a:ahLst/>
-            <a:cxnLst/>
-            <a:rect l="l" t="t" r="r" b="b"/>
+            <a:rect b="b" l="l" r="r" t="t"/>
             <a:pathLst>
-              <a:path w="120000" h="120000" extrusionOk="0">
+              <a:path extrusionOk="0" h="120000" w="120000">
                 <a:moveTo>
                   <a:pt x="0" y="0"/>
                 </a:moveTo>
@@ -2030,11 +1944,9 @@
       <p:sp>
         <p:nvSpPr>
           <p:cNvPr id="85" name="Google Shape;85;gbcf296bf5b_1_87:notes"/>
-          <p:cNvSpPr txBox="1">
-            <a:spLocks noGrp="1"/>
-          </p:cNvSpPr>
+          <p:cNvSpPr txBox="1"/>
           <p:nvPr>
-            <p:ph type="body" idx="1"/>
+            <p:ph idx="1" type="body"/>
           </p:nvPr>
         </p:nvSpPr>
         <p:spPr>
@@ -2047,12 +1959,12 @@
           </a:prstGeom>
         </p:spPr>
         <p:txBody>
-          <a:bodyPr spcFirstLastPara="1" wrap="square" lIns="91425" tIns="91425" rIns="91425" bIns="91425" anchor="t" anchorCtr="0">
+          <a:bodyPr anchorCtr="0" anchor="t" bIns="91425" lIns="91425" spcFirstLastPara="1" rIns="91425" wrap="square" tIns="91425">
             <a:noAutofit/>
           </a:bodyPr>
           <a:lstStyle/>
           <a:p>
-            <a:pPr marL="0" lvl="0" indent="0" algn="l" rtl="0">
+            <a:pPr indent="0" lvl="0" marL="0" rtl="0" algn="l">
               <a:spcBef>
                 <a:spcPts val="0"/>
               </a:spcBef>
@@ -2061,6 +1973,9 @@
               </a:spcAft>
               <a:buNone/>
             </a:pPr>
+            <a:r>
+              <a:t/>
+            </a:r>
             <a:endParaRPr/>
           </a:p>
         </p:txBody>
@@ -2074,11 +1989,11 @@
 </file>
 
 <file path=ppt/notesSlides/notesSlide7.xml><?xml version="1.0" encoding="utf-8"?>
-<p:notes xmlns:a="http://schemas.openxmlformats.org/drawingml/2006/main" xmlns:r="http://schemas.openxmlformats.org/officeDocument/2006/relationships" xmlns:p="http://schemas.openxmlformats.org/presentationml/2006/main" showMasterSp="0" showMasterPhAnim="0">
+<p:notes xmlns:a="http://schemas.openxmlformats.org/drawingml/2006/main" xmlns:r="http://schemas.openxmlformats.org/officeDocument/2006/relationships" xmlns:mc="http://schemas.openxmlformats.org/markup-compatibility/2006" xmlns:mv="urn:schemas-microsoft-com:mac:vml" xmlns:p="http://schemas.openxmlformats.org/presentationml/2006/main" xmlns:c="http://schemas.openxmlformats.org/drawingml/2006/chart" xmlns:dgm="http://schemas.openxmlformats.org/drawingml/2006/diagram" xmlns:o="urn:schemas-microsoft-com:office:office" xmlns:v="urn:schemas-microsoft-com:vml" xmlns:pvml="urn:schemas-microsoft-com:office:powerpoint" xmlns:com="http://schemas.openxmlformats.org/drawingml/2006/compatibility" xmlns:p14="http://schemas.microsoft.com/office/powerpoint/2010/main" xmlns:p15="http://schemas.microsoft.com/office/powerpoint/2012/main" xmlns:ahyp="http://schemas.microsoft.com/office/drawing/2018/hyperlinkcolor" showMasterPhAnim="0" showMasterSp="0">
   <p:cSld>
     <p:spTree>
       <p:nvGrpSpPr>
-        <p:cNvPr id="1" name="Shape 89"/>
+        <p:cNvPr id="89" name="Shape 89"/>
         <p:cNvGrpSpPr/>
         <p:nvPr/>
       </p:nvGrpSpPr>
@@ -2093,11 +2008,9 @@
       <p:sp>
         <p:nvSpPr>
           <p:cNvPr id="90" name="Google Shape;90;gbcf296bf5b_1_15:notes"/>
-          <p:cNvSpPr>
-            <a:spLocks noGrp="1" noRot="1" noChangeAspect="1"/>
-          </p:cNvSpPr>
+          <p:cNvSpPr/>
           <p:nvPr>
-            <p:ph type="sldImg" idx="2"/>
+            <p:ph idx="2" type="sldImg"/>
           </p:nvPr>
         </p:nvSpPr>
         <p:spPr>
@@ -2106,13 +2019,9 @@
             <a:ext cx="6096000" cy="3429000"/>
           </a:xfrm>
           <a:custGeom>
-            <a:avLst/>
-            <a:gdLst/>
-            <a:ahLst/>
-            <a:cxnLst/>
-            <a:rect l="l" t="t" r="r" b="b"/>
+            <a:rect b="b" l="l" r="r" t="t"/>
             <a:pathLst>
-              <a:path w="120000" h="120000" extrusionOk="0">
+              <a:path extrusionOk="0" h="120000" w="120000">
                 <a:moveTo>
                   <a:pt x="0" y="0"/>
                 </a:moveTo>
@@ -2134,11 +2043,9 @@
       <p:sp>
         <p:nvSpPr>
           <p:cNvPr id="91" name="Google Shape;91;gbcf296bf5b_1_15:notes"/>
-          <p:cNvSpPr txBox="1">
-            <a:spLocks noGrp="1"/>
-          </p:cNvSpPr>
+          <p:cNvSpPr txBox="1"/>
           <p:nvPr>
-            <p:ph type="body" idx="1"/>
+            <p:ph idx="1" type="body"/>
           </p:nvPr>
         </p:nvSpPr>
         <p:spPr>
@@ -2151,12 +2058,12 @@
           </a:prstGeom>
         </p:spPr>
         <p:txBody>
-          <a:bodyPr spcFirstLastPara="1" wrap="square" lIns="91425" tIns="91425" rIns="91425" bIns="91425" anchor="t" anchorCtr="0">
+          <a:bodyPr anchorCtr="0" anchor="t" bIns="91425" lIns="91425" spcFirstLastPara="1" rIns="91425" wrap="square" tIns="91425">
             <a:noAutofit/>
           </a:bodyPr>
           <a:lstStyle/>
           <a:p>
-            <a:pPr marL="0" lvl="0" indent="0" algn="l" rtl="0">
+            <a:pPr indent="0" lvl="0" marL="0" rtl="0" algn="l">
               <a:spcBef>
                 <a:spcPts val="0"/>
               </a:spcBef>
@@ -2165,6 +2072,9 @@
               </a:spcAft>
               <a:buNone/>
             </a:pPr>
+            <a:r>
+              <a:t/>
+            </a:r>
             <a:endParaRPr/>
           </a:p>
         </p:txBody>
@@ -2178,11 +2088,11 @@
 </file>
 
 <file path=ppt/notesSlides/notesSlide8.xml><?xml version="1.0" encoding="utf-8"?>
-<p:notes xmlns:a="http://schemas.openxmlformats.org/drawingml/2006/main" xmlns:r="http://schemas.openxmlformats.org/officeDocument/2006/relationships" xmlns:p="http://schemas.openxmlformats.org/presentationml/2006/main" showMasterSp="0" showMasterPhAnim="0">
+<p:notes xmlns:a="http://schemas.openxmlformats.org/drawingml/2006/main" xmlns:r="http://schemas.openxmlformats.org/officeDocument/2006/relationships" xmlns:mc="http://schemas.openxmlformats.org/markup-compatibility/2006" xmlns:mv="urn:schemas-microsoft-com:mac:vml" xmlns:p="http://schemas.openxmlformats.org/presentationml/2006/main" xmlns:c="http://schemas.openxmlformats.org/drawingml/2006/chart" xmlns:dgm="http://schemas.openxmlformats.org/drawingml/2006/diagram" xmlns:o="urn:schemas-microsoft-com:office:office" xmlns:v="urn:schemas-microsoft-com:vml" xmlns:pvml="urn:schemas-microsoft-com:office:powerpoint" xmlns:com="http://schemas.openxmlformats.org/drawingml/2006/compatibility" xmlns:p14="http://schemas.microsoft.com/office/powerpoint/2010/main" xmlns:p15="http://schemas.microsoft.com/office/powerpoint/2012/main" xmlns:ahyp="http://schemas.microsoft.com/office/drawing/2018/hyperlinkcolor" showMasterPhAnim="0" showMasterSp="0">
   <p:cSld>
     <p:spTree>
       <p:nvGrpSpPr>
-        <p:cNvPr id="1" name="Shape 96"/>
+        <p:cNvPr id="96" name="Shape 96"/>
         <p:cNvGrpSpPr/>
         <p:nvPr/>
       </p:nvGrpSpPr>
@@ -2197,26 +2107,20 @@
       <p:sp>
         <p:nvSpPr>
           <p:cNvPr id="97" name="Google Shape;97;gbcf296bf5b_1_37:notes"/>
-          <p:cNvSpPr>
-            <a:spLocks noGrp="1" noRot="1" noChangeAspect="1"/>
-          </p:cNvSpPr>
+          <p:cNvSpPr/>
           <p:nvPr>
-            <p:ph type="sldImg" idx="2"/>
+            <p:ph idx="2" type="sldImg"/>
           </p:nvPr>
         </p:nvSpPr>
         <p:spPr>
           <a:xfrm>
-            <a:off x="381000" y="685800"/>
+            <a:off x="381300" y="685800"/>
             <a:ext cx="6096000" cy="3429000"/>
           </a:xfrm>
           <a:custGeom>
-            <a:avLst/>
-            <a:gdLst/>
-            <a:ahLst/>
-            <a:cxnLst/>
-            <a:rect l="l" t="t" r="r" b="b"/>
+            <a:rect b="b" l="l" r="r" t="t"/>
             <a:pathLst>
-              <a:path w="120000" h="120000" extrusionOk="0">
+              <a:path extrusionOk="0" h="120000" w="120000">
                 <a:moveTo>
                   <a:pt x="0" y="0"/>
                 </a:moveTo>
@@ -2238,11 +2142,9 @@
       <p:sp>
         <p:nvSpPr>
           <p:cNvPr id="98" name="Google Shape;98;gbcf296bf5b_1_37:notes"/>
-          <p:cNvSpPr txBox="1">
-            <a:spLocks noGrp="1"/>
-          </p:cNvSpPr>
+          <p:cNvSpPr txBox="1"/>
           <p:nvPr>
-            <p:ph type="body" idx="1"/>
+            <p:ph idx="1" type="body"/>
           </p:nvPr>
         </p:nvSpPr>
         <p:spPr>
@@ -2255,12 +2157,12 @@
           </a:prstGeom>
         </p:spPr>
         <p:txBody>
-          <a:bodyPr spcFirstLastPara="1" wrap="square" lIns="91425" tIns="91425" rIns="91425" bIns="91425" anchor="t" anchorCtr="0">
+          <a:bodyPr anchorCtr="0" anchor="t" bIns="91425" lIns="91425" spcFirstLastPara="1" rIns="91425" wrap="square" tIns="91425">
             <a:noAutofit/>
           </a:bodyPr>
           <a:lstStyle/>
           <a:p>
-            <a:pPr marL="0" lvl="0" indent="0" algn="l" rtl="0">
+            <a:pPr indent="0" lvl="0" marL="0" rtl="0" algn="l">
               <a:spcBef>
                 <a:spcPts val="0"/>
               </a:spcBef>
@@ -2269,6 +2171,9 @@
               </a:spcAft>
               <a:buNone/>
             </a:pPr>
+            <a:r>
+              <a:t/>
+            </a:r>
             <a:endParaRPr/>
           </a:p>
         </p:txBody>
@@ -2282,11 +2187,11 @@
 </file>
 
 <file path=ppt/notesSlides/notesSlide9.xml><?xml version="1.0" encoding="utf-8"?>
-<p:notes xmlns:a="http://schemas.openxmlformats.org/drawingml/2006/main" xmlns:r="http://schemas.openxmlformats.org/officeDocument/2006/relationships" xmlns:p="http://schemas.openxmlformats.org/presentationml/2006/main" showMasterSp="0" showMasterPhAnim="0">
+<p:notes xmlns:a="http://schemas.openxmlformats.org/drawingml/2006/main" xmlns:r="http://schemas.openxmlformats.org/officeDocument/2006/relationships" xmlns:mc="http://schemas.openxmlformats.org/markup-compatibility/2006" xmlns:mv="urn:schemas-microsoft-com:mac:vml" xmlns:p="http://schemas.openxmlformats.org/presentationml/2006/main" xmlns:c="http://schemas.openxmlformats.org/drawingml/2006/chart" xmlns:dgm="http://schemas.openxmlformats.org/drawingml/2006/diagram" xmlns:o="urn:schemas-microsoft-com:office:office" xmlns:v="urn:schemas-microsoft-com:vml" xmlns:pvml="urn:schemas-microsoft-com:office:powerpoint" xmlns:com="http://schemas.openxmlformats.org/drawingml/2006/compatibility" xmlns:p14="http://schemas.microsoft.com/office/powerpoint/2010/main" xmlns:p15="http://schemas.microsoft.com/office/powerpoint/2012/main" xmlns:ahyp="http://schemas.microsoft.com/office/drawing/2018/hyperlinkcolor" showMasterPhAnim="0" showMasterSp="0">
   <p:cSld>
     <p:spTree>
       <p:nvGrpSpPr>
-        <p:cNvPr id="1" name="Shape 103"/>
+        <p:cNvPr id="103" name="Shape 103"/>
         <p:cNvGrpSpPr/>
         <p:nvPr/>
       </p:nvGrpSpPr>
@@ -2301,11 +2206,9 @@
       <p:sp>
         <p:nvSpPr>
           <p:cNvPr id="104" name="Google Shape;104;gbcf296bf5b_1_20:notes"/>
-          <p:cNvSpPr>
-            <a:spLocks noGrp="1" noRot="1" noChangeAspect="1"/>
-          </p:cNvSpPr>
+          <p:cNvSpPr/>
           <p:nvPr>
-            <p:ph type="sldImg" idx="2"/>
+            <p:ph idx="2" type="sldImg"/>
           </p:nvPr>
         </p:nvSpPr>
         <p:spPr>
@@ -2314,13 +2217,9 @@
             <a:ext cx="6096000" cy="3429000"/>
           </a:xfrm>
           <a:custGeom>
-            <a:avLst/>
-            <a:gdLst/>
-            <a:ahLst/>
-            <a:cxnLst/>
-            <a:rect l="l" t="t" r="r" b="b"/>
+            <a:rect b="b" l="l" r="r" t="t"/>
             <a:pathLst>
-              <a:path w="120000" h="120000" extrusionOk="0">
+              <a:path extrusionOk="0" h="120000" w="120000">
                 <a:moveTo>
                   <a:pt x="0" y="0"/>
                 </a:moveTo>
@@ -2342,11 +2241,9 @@
       <p:sp>
         <p:nvSpPr>
           <p:cNvPr id="105" name="Google Shape;105;gbcf296bf5b_1_20:notes"/>
-          <p:cNvSpPr txBox="1">
-            <a:spLocks noGrp="1"/>
-          </p:cNvSpPr>
+          <p:cNvSpPr txBox="1"/>
           <p:nvPr>
-            <p:ph type="body" idx="1"/>
+            <p:ph idx="1" type="body"/>
           </p:nvPr>
         </p:nvSpPr>
         <p:spPr>
@@ -2359,12 +2256,12 @@
           </a:prstGeom>
         </p:spPr>
         <p:txBody>
-          <a:bodyPr spcFirstLastPara="1" wrap="square" lIns="91425" tIns="91425" rIns="91425" bIns="91425" anchor="t" anchorCtr="0">
+          <a:bodyPr anchorCtr="0" anchor="t" bIns="91425" lIns="91425" spcFirstLastPara="1" rIns="91425" wrap="square" tIns="91425">
             <a:noAutofit/>
           </a:bodyPr>
           <a:lstStyle/>
           <a:p>
-            <a:pPr marL="0" lvl="0" indent="0" algn="l" rtl="0">
+            <a:pPr indent="0" lvl="0" marL="0" rtl="0" algn="l">
               <a:spcBef>
                 <a:spcPts val="0"/>
               </a:spcBef>
@@ -2373,6 +2270,9 @@
               </a:spcAft>
               <a:buNone/>
             </a:pPr>
+            <a:r>
+              <a:t/>
+            </a:r>
             <a:endParaRPr/>
           </a:p>
         </p:txBody>
@@ -2386,11 +2286,11 @@
 </file>
 
 <file path=ppt/slideLayouts/slideLayout1.xml><?xml version="1.0" encoding="utf-8"?>
-<p:sldLayout xmlns:a="http://schemas.openxmlformats.org/drawingml/2006/main" xmlns:r="http://schemas.openxmlformats.org/officeDocument/2006/relationships" xmlns:p="http://schemas.openxmlformats.org/presentationml/2006/main" matchingName="Title slide" type="title">
+<p:sldLayout xmlns:a="http://schemas.openxmlformats.org/drawingml/2006/main" xmlns:r="http://schemas.openxmlformats.org/officeDocument/2006/relationships" xmlns:mc="http://schemas.openxmlformats.org/markup-compatibility/2006" xmlns:mv="urn:schemas-microsoft-com:mac:vml" xmlns:p="http://schemas.openxmlformats.org/presentationml/2006/main" xmlns:c="http://schemas.openxmlformats.org/drawingml/2006/chart" xmlns:dgm="http://schemas.openxmlformats.org/drawingml/2006/diagram" xmlns:o="urn:schemas-microsoft-com:office:office" xmlns:v="urn:schemas-microsoft-com:vml" xmlns:pvml="urn:schemas-microsoft-com:office:powerpoint" xmlns:com="http://schemas.openxmlformats.org/drawingml/2006/compatibility" xmlns:p14="http://schemas.microsoft.com/office/powerpoint/2010/main" xmlns:p15="http://schemas.microsoft.com/office/powerpoint/2012/main" xmlns:ahyp="http://schemas.microsoft.com/office/drawing/2018/hyperlinkcolor" matchingName="Title slide" type="title">
   <p:cSld name="TITLE">
     <p:spTree>
       <p:nvGrpSpPr>
-        <p:cNvPr id="1" name="Shape 9"/>
+        <p:cNvPr id="9" name="Shape 9"/>
         <p:cNvGrpSpPr/>
         <p:nvPr/>
       </p:nvGrpSpPr>
@@ -2405,9 +2305,7 @@
       <p:sp>
         <p:nvSpPr>
           <p:cNvPr id="10" name="Google Shape;10;p2"/>
-          <p:cNvSpPr txBox="1">
-            <a:spLocks noGrp="1"/>
-          </p:cNvSpPr>
+          <p:cNvSpPr txBox="1"/>
           <p:nvPr>
             <p:ph type="ctrTitle"/>
           </p:nvPr>
@@ -2422,7 +2320,7 @@
           </a:prstGeom>
         </p:spPr>
         <p:txBody>
-          <a:bodyPr spcFirstLastPara="1" wrap="square" lIns="91425" tIns="91425" rIns="91425" bIns="91425" anchor="b" anchorCtr="0">
+          <a:bodyPr anchorCtr="0" anchor="b" bIns="91425" lIns="91425" spcFirstLastPara="1" rIns="91425" wrap="square" tIns="91425">
             <a:normAutofit/>
           </a:bodyPr>
           <a:lstStyle>
@@ -2526,19 +2424,15 @@
               <a:defRPr sz="5200"/>
             </a:lvl9pPr>
           </a:lstStyle>
-          <a:p>
-            <a:endParaRPr/>
-          </a:p>
+          <a:p/>
         </p:txBody>
       </p:sp>
       <p:sp>
         <p:nvSpPr>
           <p:cNvPr id="11" name="Google Shape;11;p2"/>
-          <p:cNvSpPr txBox="1">
-            <a:spLocks noGrp="1"/>
-          </p:cNvSpPr>
+          <p:cNvSpPr txBox="1"/>
           <p:nvPr>
-            <p:ph type="subTitle" idx="1"/>
+            <p:ph idx="1" type="subTitle"/>
           </p:nvPr>
         </p:nvSpPr>
         <p:spPr>
@@ -2551,7 +2445,7 @@
           </a:prstGeom>
         </p:spPr>
         <p:txBody>
-          <a:bodyPr spcFirstLastPara="1" wrap="square" lIns="91425" tIns="91425" rIns="91425" bIns="91425" anchor="t" anchorCtr="0">
+          <a:bodyPr anchorCtr="0" anchor="t" bIns="91425" lIns="91425" spcFirstLastPara="1" rIns="91425" wrap="square" tIns="91425">
             <a:normAutofit/>
           </a:bodyPr>
           <a:lstStyle>
@@ -2682,19 +2576,15 @@
               <a:defRPr sz="2800"/>
             </a:lvl9pPr>
           </a:lstStyle>
-          <a:p>
-            <a:endParaRPr/>
-          </a:p>
+          <a:p/>
         </p:txBody>
       </p:sp>
       <p:sp>
         <p:nvSpPr>
           <p:cNvPr id="12" name="Google Shape;12;p2"/>
-          <p:cNvSpPr txBox="1">
-            <a:spLocks noGrp="1"/>
-          </p:cNvSpPr>
+          <p:cNvSpPr txBox="1"/>
           <p:nvPr>
-            <p:ph type="sldNum" idx="12"/>
+            <p:ph idx="12" type="sldNum"/>
           </p:nvPr>
         </p:nvSpPr>
         <p:spPr>
@@ -2707,7 +2597,7 @@
           </a:prstGeom>
         </p:spPr>
         <p:txBody>
-          <a:bodyPr spcFirstLastPara="1" wrap="square" lIns="91425" tIns="91425" rIns="91425" bIns="91425" anchor="ctr" anchorCtr="0">
+          <a:bodyPr anchorCtr="0" anchor="ctr" bIns="91425" lIns="91425" spcFirstLastPara="1" rIns="91425" wrap="square" tIns="91425">
             <a:normAutofit/>
           </a:bodyPr>
           <a:lstStyle>
@@ -2749,7 +2639,7 @@
             </a:lvl9pPr>
           </a:lstStyle>
           <a:p>
-            <a:pPr marL="0" lvl="0" indent="0" algn="r" rtl="0">
+            <a:pPr indent="0" lvl="0" marL="0" rtl="0" algn="r">
               <a:spcBef>
                 <a:spcPts val="0"/>
               </a:spcBef>
@@ -2775,11 +2665,11 @@
 </file>
 
 <file path=ppt/slideLayouts/slideLayout10.xml><?xml version="1.0" encoding="utf-8"?>
-<p:sldLayout xmlns:a="http://schemas.openxmlformats.org/drawingml/2006/main" xmlns:r="http://schemas.openxmlformats.org/officeDocument/2006/relationships" xmlns:p="http://schemas.openxmlformats.org/presentationml/2006/main" matchingName="Big number">
+<p:sldLayout xmlns:a="http://schemas.openxmlformats.org/drawingml/2006/main" xmlns:r="http://schemas.openxmlformats.org/officeDocument/2006/relationships" xmlns:mc="http://schemas.openxmlformats.org/markup-compatibility/2006" xmlns:mv="urn:schemas-microsoft-com:mac:vml" xmlns:p="http://schemas.openxmlformats.org/presentationml/2006/main" xmlns:c="http://schemas.openxmlformats.org/drawingml/2006/chart" xmlns:dgm="http://schemas.openxmlformats.org/drawingml/2006/diagram" xmlns:o="urn:schemas-microsoft-com:office:office" xmlns:v="urn:schemas-microsoft-com:vml" xmlns:pvml="urn:schemas-microsoft-com:office:powerpoint" xmlns:com="http://schemas.openxmlformats.org/drawingml/2006/compatibility" xmlns:p14="http://schemas.microsoft.com/office/powerpoint/2010/main" xmlns:p15="http://schemas.microsoft.com/office/powerpoint/2012/main" xmlns:ahyp="http://schemas.microsoft.com/office/drawing/2018/hyperlinkcolor" matchingName="Big number">
   <p:cSld name="BIG_NUMBER">
     <p:spTree>
       <p:nvGrpSpPr>
-        <p:cNvPr id="1" name="Shape 44"/>
+        <p:cNvPr id="44" name="Shape 44"/>
         <p:cNvGrpSpPr/>
         <p:nvPr/>
       </p:nvGrpSpPr>
@@ -2794,11 +2684,9 @@
       <p:sp>
         <p:nvSpPr>
           <p:cNvPr id="45" name="Google Shape;45;p11"/>
-          <p:cNvSpPr txBox="1">
-            <a:spLocks noGrp="1"/>
-          </p:cNvSpPr>
+          <p:cNvSpPr txBox="1"/>
           <p:nvPr>
-            <p:ph type="title" hasCustomPrompt="1"/>
+            <p:ph hasCustomPrompt="1" type="title"/>
           </p:nvPr>
         </p:nvSpPr>
         <p:spPr>
@@ -2811,7 +2699,7 @@
           </a:prstGeom>
         </p:spPr>
         <p:txBody>
-          <a:bodyPr spcFirstLastPara="1" wrap="square" lIns="91425" tIns="91425" rIns="91425" bIns="91425" anchor="b" anchorCtr="0">
+          <a:bodyPr anchorCtr="0" anchor="b" bIns="91425" lIns="91425" spcFirstLastPara="1" rIns="91425" wrap="square" tIns="91425">
             <a:normAutofit/>
           </a:bodyPr>
           <a:lstStyle>
@@ -2925,11 +2813,9 @@
       <p:sp>
         <p:nvSpPr>
           <p:cNvPr id="46" name="Google Shape;46;p11"/>
-          <p:cNvSpPr txBox="1">
-            <a:spLocks noGrp="1"/>
-          </p:cNvSpPr>
+          <p:cNvSpPr txBox="1"/>
           <p:nvPr>
-            <p:ph type="body" idx="1"/>
+            <p:ph idx="1" type="body"/>
           </p:nvPr>
         </p:nvSpPr>
         <p:spPr>
@@ -2942,11 +2828,11 @@
           </a:prstGeom>
         </p:spPr>
         <p:txBody>
-          <a:bodyPr spcFirstLastPara="1" wrap="square" lIns="91425" tIns="91425" rIns="91425" bIns="91425" anchor="t" anchorCtr="0">
+          <a:bodyPr anchorCtr="0" anchor="t" bIns="91425" lIns="91425" spcFirstLastPara="1" rIns="91425" wrap="square" tIns="91425">
             <a:normAutofit/>
           </a:bodyPr>
           <a:lstStyle>
-            <a:lvl1pPr marL="457200" lvl="0" indent="-342900" algn="ctr">
+            <a:lvl1pPr indent="-342900" lvl="0" marL="457200" algn="ctr">
               <a:spcBef>
                 <a:spcPts val="0"/>
               </a:spcBef>
@@ -2957,7 +2843,7 @@
               <a:buChar char="●"/>
               <a:defRPr/>
             </a:lvl1pPr>
-            <a:lvl2pPr marL="914400" lvl="1" indent="-317500" algn="ctr">
+            <a:lvl2pPr indent="-317500" lvl="1" marL="914400" algn="ctr">
               <a:spcBef>
                 <a:spcPts val="0"/>
               </a:spcBef>
@@ -2968,7 +2854,7 @@
               <a:buChar char="○"/>
               <a:defRPr/>
             </a:lvl2pPr>
-            <a:lvl3pPr marL="1371600" lvl="2" indent="-317500" algn="ctr">
+            <a:lvl3pPr indent="-317500" lvl="2" marL="1371600" algn="ctr">
               <a:spcBef>
                 <a:spcPts val="0"/>
               </a:spcBef>
@@ -2979,7 +2865,7 @@
               <a:buChar char="■"/>
               <a:defRPr/>
             </a:lvl3pPr>
-            <a:lvl4pPr marL="1828800" lvl="3" indent="-317500" algn="ctr">
+            <a:lvl4pPr indent="-317500" lvl="3" marL="1828800" algn="ctr">
               <a:spcBef>
                 <a:spcPts val="0"/>
               </a:spcBef>
@@ -2990,7 +2876,7 @@
               <a:buChar char="●"/>
               <a:defRPr/>
             </a:lvl4pPr>
-            <a:lvl5pPr marL="2286000" lvl="4" indent="-317500" algn="ctr">
+            <a:lvl5pPr indent="-317500" lvl="4" marL="2286000" algn="ctr">
               <a:spcBef>
                 <a:spcPts val="0"/>
               </a:spcBef>
@@ -3001,7 +2887,7 @@
               <a:buChar char="○"/>
               <a:defRPr/>
             </a:lvl5pPr>
-            <a:lvl6pPr marL="2743200" lvl="5" indent="-317500" algn="ctr">
+            <a:lvl6pPr indent="-317500" lvl="5" marL="2743200" algn="ctr">
               <a:spcBef>
                 <a:spcPts val="0"/>
               </a:spcBef>
@@ -3012,7 +2898,7 @@
               <a:buChar char="■"/>
               <a:defRPr/>
             </a:lvl6pPr>
-            <a:lvl7pPr marL="3200400" lvl="6" indent="-317500" algn="ctr">
+            <a:lvl7pPr indent="-317500" lvl="6" marL="3200400" algn="ctr">
               <a:spcBef>
                 <a:spcPts val="0"/>
               </a:spcBef>
@@ -3023,7 +2909,7 @@
               <a:buChar char="●"/>
               <a:defRPr/>
             </a:lvl7pPr>
-            <a:lvl8pPr marL="3657600" lvl="7" indent="-317500" algn="ctr">
+            <a:lvl8pPr indent="-317500" lvl="7" marL="3657600" algn="ctr">
               <a:spcBef>
                 <a:spcPts val="0"/>
               </a:spcBef>
@@ -3034,7 +2920,7 @@
               <a:buChar char="○"/>
               <a:defRPr/>
             </a:lvl8pPr>
-            <a:lvl9pPr marL="4114800" lvl="8" indent="-317500" algn="ctr">
+            <a:lvl9pPr indent="-317500" lvl="8" marL="4114800" algn="ctr">
               <a:spcBef>
                 <a:spcPts val="0"/>
               </a:spcBef>
@@ -3046,19 +2932,15 @@
               <a:defRPr/>
             </a:lvl9pPr>
           </a:lstStyle>
-          <a:p>
-            <a:endParaRPr/>
-          </a:p>
+          <a:p/>
         </p:txBody>
       </p:sp>
       <p:sp>
         <p:nvSpPr>
           <p:cNvPr id="47" name="Google Shape;47;p11"/>
-          <p:cNvSpPr txBox="1">
-            <a:spLocks noGrp="1"/>
-          </p:cNvSpPr>
+          <p:cNvSpPr txBox="1"/>
           <p:nvPr>
-            <p:ph type="sldNum" idx="12"/>
+            <p:ph idx="12" type="sldNum"/>
           </p:nvPr>
         </p:nvSpPr>
         <p:spPr>
@@ -3071,7 +2953,7 @@
           </a:prstGeom>
         </p:spPr>
         <p:txBody>
-          <a:bodyPr spcFirstLastPara="1" wrap="square" lIns="91425" tIns="91425" rIns="91425" bIns="91425" anchor="ctr" anchorCtr="0">
+          <a:bodyPr anchorCtr="0" anchor="ctr" bIns="91425" lIns="91425" spcFirstLastPara="1" rIns="91425" wrap="square" tIns="91425">
             <a:normAutofit/>
           </a:bodyPr>
           <a:lstStyle>
@@ -3113,7 +2995,7 @@
             </a:lvl9pPr>
           </a:lstStyle>
           <a:p>
-            <a:pPr marL="0" lvl="0" indent="0" algn="r" rtl="0">
+            <a:pPr indent="0" lvl="0" marL="0" rtl="0" algn="r">
               <a:spcBef>
                 <a:spcPts val="0"/>
               </a:spcBef>
@@ -3139,11 +3021,11 @@
 </file>
 
 <file path=ppt/slideLayouts/slideLayout11.xml><?xml version="1.0" encoding="utf-8"?>
-<p:sldLayout xmlns:a="http://schemas.openxmlformats.org/drawingml/2006/main" xmlns:r="http://schemas.openxmlformats.org/officeDocument/2006/relationships" xmlns:p="http://schemas.openxmlformats.org/presentationml/2006/main" matchingName="Blank" type="blank">
+<p:sldLayout xmlns:a="http://schemas.openxmlformats.org/drawingml/2006/main" xmlns:r="http://schemas.openxmlformats.org/officeDocument/2006/relationships" xmlns:mc="http://schemas.openxmlformats.org/markup-compatibility/2006" xmlns:mv="urn:schemas-microsoft-com:mac:vml" xmlns:p="http://schemas.openxmlformats.org/presentationml/2006/main" xmlns:c="http://schemas.openxmlformats.org/drawingml/2006/chart" xmlns:dgm="http://schemas.openxmlformats.org/drawingml/2006/diagram" xmlns:o="urn:schemas-microsoft-com:office:office" xmlns:v="urn:schemas-microsoft-com:vml" xmlns:pvml="urn:schemas-microsoft-com:office:powerpoint" xmlns:com="http://schemas.openxmlformats.org/drawingml/2006/compatibility" xmlns:p14="http://schemas.microsoft.com/office/powerpoint/2010/main" xmlns:p15="http://schemas.microsoft.com/office/powerpoint/2012/main" xmlns:ahyp="http://schemas.microsoft.com/office/drawing/2018/hyperlinkcolor" matchingName="Blank" type="blank">
   <p:cSld name="BLANK">
     <p:spTree>
       <p:nvGrpSpPr>
-        <p:cNvPr id="1" name="Shape 48"/>
+        <p:cNvPr id="48" name="Shape 48"/>
         <p:cNvGrpSpPr/>
         <p:nvPr/>
       </p:nvGrpSpPr>
@@ -3158,11 +3040,9 @@
       <p:sp>
         <p:nvSpPr>
           <p:cNvPr id="49" name="Google Shape;49;p12"/>
-          <p:cNvSpPr txBox="1">
-            <a:spLocks noGrp="1"/>
-          </p:cNvSpPr>
+          <p:cNvSpPr txBox="1"/>
           <p:nvPr>
-            <p:ph type="sldNum" idx="12"/>
+            <p:ph idx="12" type="sldNum"/>
           </p:nvPr>
         </p:nvSpPr>
         <p:spPr>
@@ -3175,7 +3055,7 @@
           </a:prstGeom>
         </p:spPr>
         <p:txBody>
-          <a:bodyPr spcFirstLastPara="1" wrap="square" lIns="91425" tIns="91425" rIns="91425" bIns="91425" anchor="ctr" anchorCtr="0">
+          <a:bodyPr anchorCtr="0" anchor="ctr" bIns="91425" lIns="91425" spcFirstLastPara="1" rIns="91425" wrap="square" tIns="91425">
             <a:normAutofit/>
           </a:bodyPr>
           <a:lstStyle>
@@ -3217,7 +3097,7 @@
             </a:lvl9pPr>
           </a:lstStyle>
           <a:p>
-            <a:pPr marL="0" lvl="0" indent="0" algn="r" rtl="0">
+            <a:pPr indent="0" lvl="0" marL="0" rtl="0" algn="r">
               <a:spcBef>
                 <a:spcPts val="0"/>
               </a:spcBef>
@@ -3243,11 +3123,11 @@
 </file>
 
 <file path=ppt/slideLayouts/slideLayout2.xml><?xml version="1.0" encoding="utf-8"?>
-<p:sldLayout xmlns:a="http://schemas.openxmlformats.org/drawingml/2006/main" xmlns:r="http://schemas.openxmlformats.org/officeDocument/2006/relationships" xmlns:p="http://schemas.openxmlformats.org/presentationml/2006/main" matchingName="Section header" type="secHead">
+<p:sldLayout xmlns:a="http://schemas.openxmlformats.org/drawingml/2006/main" xmlns:r="http://schemas.openxmlformats.org/officeDocument/2006/relationships" xmlns:mc="http://schemas.openxmlformats.org/markup-compatibility/2006" xmlns:mv="urn:schemas-microsoft-com:mac:vml" xmlns:p="http://schemas.openxmlformats.org/presentationml/2006/main" xmlns:c="http://schemas.openxmlformats.org/drawingml/2006/chart" xmlns:dgm="http://schemas.openxmlformats.org/drawingml/2006/diagram" xmlns:o="urn:schemas-microsoft-com:office:office" xmlns:v="urn:schemas-microsoft-com:vml" xmlns:pvml="urn:schemas-microsoft-com:office:powerpoint" xmlns:com="http://schemas.openxmlformats.org/drawingml/2006/compatibility" xmlns:p14="http://schemas.microsoft.com/office/powerpoint/2010/main" xmlns:p15="http://schemas.microsoft.com/office/powerpoint/2012/main" xmlns:ahyp="http://schemas.microsoft.com/office/drawing/2018/hyperlinkcolor" matchingName="Section header" type="secHead">
   <p:cSld name="SECTION_HEADER">
     <p:spTree>
       <p:nvGrpSpPr>
-        <p:cNvPr id="1" name="Shape 13"/>
+        <p:cNvPr id="13" name="Shape 13"/>
         <p:cNvGrpSpPr/>
         <p:nvPr/>
       </p:nvGrpSpPr>
@@ -3262,9 +3142,7 @@
       <p:sp>
         <p:nvSpPr>
           <p:cNvPr id="14" name="Google Shape;14;p3"/>
-          <p:cNvSpPr txBox="1">
-            <a:spLocks noGrp="1"/>
-          </p:cNvSpPr>
+          <p:cNvSpPr txBox="1"/>
           <p:nvPr>
             <p:ph type="title"/>
           </p:nvPr>
@@ -3279,7 +3157,7 @@
           </a:prstGeom>
         </p:spPr>
         <p:txBody>
-          <a:bodyPr spcFirstLastPara="1" wrap="square" lIns="91425" tIns="91425" rIns="91425" bIns="91425" anchor="ctr" anchorCtr="0">
+          <a:bodyPr anchorCtr="0" anchor="ctr" bIns="91425" lIns="91425" spcFirstLastPara="1" rIns="91425" wrap="square" tIns="91425">
             <a:normAutofit/>
           </a:bodyPr>
           <a:lstStyle>
@@ -3383,19 +3261,15 @@
               <a:defRPr sz="3600"/>
             </a:lvl9pPr>
           </a:lstStyle>
-          <a:p>
-            <a:endParaRPr/>
-          </a:p>
+          <a:p/>
         </p:txBody>
       </p:sp>
       <p:sp>
         <p:nvSpPr>
           <p:cNvPr id="15" name="Google Shape;15;p3"/>
-          <p:cNvSpPr txBox="1">
-            <a:spLocks noGrp="1"/>
-          </p:cNvSpPr>
+          <p:cNvSpPr txBox="1"/>
           <p:nvPr>
-            <p:ph type="sldNum" idx="12"/>
+            <p:ph idx="12" type="sldNum"/>
           </p:nvPr>
         </p:nvSpPr>
         <p:spPr>
@@ -3408,7 +3282,7 @@
           </a:prstGeom>
         </p:spPr>
         <p:txBody>
-          <a:bodyPr spcFirstLastPara="1" wrap="square" lIns="91425" tIns="91425" rIns="91425" bIns="91425" anchor="ctr" anchorCtr="0">
+          <a:bodyPr anchorCtr="0" anchor="ctr" bIns="91425" lIns="91425" spcFirstLastPara="1" rIns="91425" wrap="square" tIns="91425">
             <a:normAutofit/>
           </a:bodyPr>
           <a:lstStyle>
@@ -3450,7 +3324,7 @@
             </a:lvl9pPr>
           </a:lstStyle>
           <a:p>
-            <a:pPr marL="0" lvl="0" indent="0" algn="r" rtl="0">
+            <a:pPr indent="0" lvl="0" marL="0" rtl="0" algn="r">
               <a:spcBef>
                 <a:spcPts val="0"/>
               </a:spcBef>
@@ -3476,11 +3350,11 @@
 </file>
 
 <file path=ppt/slideLayouts/slideLayout3.xml><?xml version="1.0" encoding="utf-8"?>
-<p:sldLayout xmlns:a="http://schemas.openxmlformats.org/drawingml/2006/main" xmlns:r="http://schemas.openxmlformats.org/officeDocument/2006/relationships" xmlns:p="http://schemas.openxmlformats.org/presentationml/2006/main" matchingName="Title and body" type="tx">
+<p:sldLayout xmlns:a="http://schemas.openxmlformats.org/drawingml/2006/main" xmlns:r="http://schemas.openxmlformats.org/officeDocument/2006/relationships" xmlns:mc="http://schemas.openxmlformats.org/markup-compatibility/2006" xmlns:mv="urn:schemas-microsoft-com:mac:vml" xmlns:p="http://schemas.openxmlformats.org/presentationml/2006/main" xmlns:c="http://schemas.openxmlformats.org/drawingml/2006/chart" xmlns:dgm="http://schemas.openxmlformats.org/drawingml/2006/diagram" xmlns:o="urn:schemas-microsoft-com:office:office" xmlns:v="urn:schemas-microsoft-com:vml" xmlns:pvml="urn:schemas-microsoft-com:office:powerpoint" xmlns:com="http://schemas.openxmlformats.org/drawingml/2006/compatibility" xmlns:p14="http://schemas.microsoft.com/office/powerpoint/2010/main" xmlns:p15="http://schemas.microsoft.com/office/powerpoint/2012/main" xmlns:ahyp="http://schemas.microsoft.com/office/drawing/2018/hyperlinkcolor" matchingName="Title and body" type="tx">
   <p:cSld name="TITLE_AND_BODY">
     <p:spTree>
       <p:nvGrpSpPr>
-        <p:cNvPr id="1" name="Shape 16"/>
+        <p:cNvPr id="16" name="Shape 16"/>
         <p:cNvGrpSpPr/>
         <p:nvPr/>
       </p:nvGrpSpPr>
@@ -3495,9 +3369,7 @@
       <p:sp>
         <p:nvSpPr>
           <p:cNvPr id="17" name="Google Shape;17;p4"/>
-          <p:cNvSpPr txBox="1">
-            <a:spLocks noGrp="1"/>
-          </p:cNvSpPr>
+          <p:cNvSpPr txBox="1"/>
           <p:nvPr>
             <p:ph type="title"/>
           </p:nvPr>
@@ -3512,7 +3384,7 @@
           </a:prstGeom>
         </p:spPr>
         <p:txBody>
-          <a:bodyPr spcFirstLastPara="1" wrap="square" lIns="91425" tIns="91425" rIns="91425" bIns="91425" anchor="t" anchorCtr="0">
+          <a:bodyPr anchorCtr="0" anchor="t" bIns="91425" lIns="91425" spcFirstLastPara="1" rIns="91425" wrap="square" tIns="91425">
             <a:normAutofit/>
           </a:bodyPr>
           <a:lstStyle>
@@ -3616,19 +3488,15 @@
               <a:defRPr/>
             </a:lvl9pPr>
           </a:lstStyle>
-          <a:p>
-            <a:endParaRPr/>
-          </a:p>
+          <a:p/>
         </p:txBody>
       </p:sp>
       <p:sp>
         <p:nvSpPr>
           <p:cNvPr id="18" name="Google Shape;18;p4"/>
-          <p:cNvSpPr txBox="1">
-            <a:spLocks noGrp="1"/>
-          </p:cNvSpPr>
+          <p:cNvSpPr txBox="1"/>
           <p:nvPr>
-            <p:ph type="body" idx="1"/>
+            <p:ph idx="1" type="body"/>
           </p:nvPr>
         </p:nvSpPr>
         <p:spPr>
@@ -3641,11 +3509,11 @@
           </a:prstGeom>
         </p:spPr>
         <p:txBody>
-          <a:bodyPr spcFirstLastPara="1" wrap="square" lIns="91425" tIns="91425" rIns="91425" bIns="91425" anchor="t" anchorCtr="0">
+          <a:bodyPr anchorCtr="0" anchor="t" bIns="91425" lIns="91425" spcFirstLastPara="1" rIns="91425" wrap="square" tIns="91425">
             <a:normAutofit/>
           </a:bodyPr>
           <a:lstStyle>
-            <a:lvl1pPr marL="457200" lvl="0" indent="-342900">
+            <a:lvl1pPr indent="-342900" lvl="0" marL="457200">
               <a:spcBef>
                 <a:spcPts val="0"/>
               </a:spcBef>
@@ -3656,7 +3524,7 @@
               <a:buChar char="●"/>
               <a:defRPr/>
             </a:lvl1pPr>
-            <a:lvl2pPr marL="914400" lvl="1" indent="-317500">
+            <a:lvl2pPr indent="-317500" lvl="1" marL="914400">
               <a:spcBef>
                 <a:spcPts val="0"/>
               </a:spcBef>
@@ -3667,7 +3535,7 @@
               <a:buChar char="○"/>
               <a:defRPr/>
             </a:lvl2pPr>
-            <a:lvl3pPr marL="1371600" lvl="2" indent="-317500">
+            <a:lvl3pPr indent="-317500" lvl="2" marL="1371600">
               <a:spcBef>
                 <a:spcPts val="0"/>
               </a:spcBef>
@@ -3678,7 +3546,7 @@
               <a:buChar char="■"/>
               <a:defRPr/>
             </a:lvl3pPr>
-            <a:lvl4pPr marL="1828800" lvl="3" indent="-317500">
+            <a:lvl4pPr indent="-317500" lvl="3" marL="1828800">
               <a:spcBef>
                 <a:spcPts val="0"/>
               </a:spcBef>
@@ -3689,7 +3557,7 @@
               <a:buChar char="●"/>
               <a:defRPr/>
             </a:lvl4pPr>
-            <a:lvl5pPr marL="2286000" lvl="4" indent="-317500">
+            <a:lvl5pPr indent="-317500" lvl="4" marL="2286000">
               <a:spcBef>
                 <a:spcPts val="0"/>
               </a:spcBef>
@@ -3700,7 +3568,7 @@
               <a:buChar char="○"/>
               <a:defRPr/>
             </a:lvl5pPr>
-            <a:lvl6pPr marL="2743200" lvl="5" indent="-317500">
+            <a:lvl6pPr indent="-317500" lvl="5" marL="2743200">
               <a:spcBef>
                 <a:spcPts val="0"/>
               </a:spcBef>
@@ -3711,7 +3579,7 @@
               <a:buChar char="■"/>
               <a:defRPr/>
             </a:lvl6pPr>
-            <a:lvl7pPr marL="3200400" lvl="6" indent="-317500">
+            <a:lvl7pPr indent="-317500" lvl="6" marL="3200400">
               <a:spcBef>
                 <a:spcPts val="0"/>
               </a:spcBef>
@@ -3722,7 +3590,7 @@
               <a:buChar char="●"/>
               <a:defRPr/>
             </a:lvl7pPr>
-            <a:lvl8pPr marL="3657600" lvl="7" indent="-317500">
+            <a:lvl8pPr indent="-317500" lvl="7" marL="3657600">
               <a:spcBef>
                 <a:spcPts val="0"/>
               </a:spcBef>
@@ -3733,7 +3601,7 @@
               <a:buChar char="○"/>
               <a:defRPr/>
             </a:lvl8pPr>
-            <a:lvl9pPr marL="4114800" lvl="8" indent="-317500">
+            <a:lvl9pPr indent="-317500" lvl="8" marL="4114800">
               <a:spcBef>
                 <a:spcPts val="0"/>
               </a:spcBef>
@@ -3745,19 +3613,15 @@
               <a:defRPr/>
             </a:lvl9pPr>
           </a:lstStyle>
-          <a:p>
-            <a:endParaRPr/>
-          </a:p>
+          <a:p/>
         </p:txBody>
       </p:sp>
       <p:sp>
         <p:nvSpPr>
           <p:cNvPr id="19" name="Google Shape;19;p4"/>
-          <p:cNvSpPr txBox="1">
-            <a:spLocks noGrp="1"/>
-          </p:cNvSpPr>
+          <p:cNvSpPr txBox="1"/>
           <p:nvPr>
-            <p:ph type="sldNum" idx="12"/>
+            <p:ph idx="12" type="sldNum"/>
           </p:nvPr>
         </p:nvSpPr>
         <p:spPr>
@@ -3770,7 +3634,7 @@
           </a:prstGeom>
         </p:spPr>
         <p:txBody>
-          <a:bodyPr spcFirstLastPara="1" wrap="square" lIns="91425" tIns="91425" rIns="91425" bIns="91425" anchor="ctr" anchorCtr="0">
+          <a:bodyPr anchorCtr="0" anchor="ctr" bIns="91425" lIns="91425" spcFirstLastPara="1" rIns="91425" wrap="square" tIns="91425">
             <a:normAutofit/>
           </a:bodyPr>
           <a:lstStyle>
@@ -3812,7 +3676,7 @@
             </a:lvl9pPr>
           </a:lstStyle>
           <a:p>
-            <a:pPr marL="0" lvl="0" indent="0" algn="r" rtl="0">
+            <a:pPr indent="0" lvl="0" marL="0" rtl="0" algn="r">
               <a:spcBef>
                 <a:spcPts val="0"/>
               </a:spcBef>
@@ -3838,11 +3702,11 @@
 </file>
 
 <file path=ppt/slideLayouts/slideLayout4.xml><?xml version="1.0" encoding="utf-8"?>
-<p:sldLayout xmlns:a="http://schemas.openxmlformats.org/drawingml/2006/main" xmlns:r="http://schemas.openxmlformats.org/officeDocument/2006/relationships" xmlns:p="http://schemas.openxmlformats.org/presentationml/2006/main" matchingName="Title and two columns" type="twoColTx">
+<p:sldLayout xmlns:a="http://schemas.openxmlformats.org/drawingml/2006/main" xmlns:r="http://schemas.openxmlformats.org/officeDocument/2006/relationships" xmlns:mc="http://schemas.openxmlformats.org/markup-compatibility/2006" xmlns:mv="urn:schemas-microsoft-com:mac:vml" xmlns:p="http://schemas.openxmlformats.org/presentationml/2006/main" xmlns:c="http://schemas.openxmlformats.org/drawingml/2006/chart" xmlns:dgm="http://schemas.openxmlformats.org/drawingml/2006/diagram" xmlns:o="urn:schemas-microsoft-com:office:office" xmlns:v="urn:schemas-microsoft-com:vml" xmlns:pvml="urn:schemas-microsoft-com:office:powerpoint" xmlns:com="http://schemas.openxmlformats.org/drawingml/2006/compatibility" xmlns:p14="http://schemas.microsoft.com/office/powerpoint/2010/main" xmlns:p15="http://schemas.microsoft.com/office/powerpoint/2012/main" xmlns:ahyp="http://schemas.microsoft.com/office/drawing/2018/hyperlinkcolor" matchingName="Title and two columns" type="twoColTx">
   <p:cSld name="TITLE_AND_TWO_COLUMNS">
     <p:spTree>
       <p:nvGrpSpPr>
-        <p:cNvPr id="1" name="Shape 20"/>
+        <p:cNvPr id="20" name="Shape 20"/>
         <p:cNvGrpSpPr/>
         <p:nvPr/>
       </p:nvGrpSpPr>
@@ -3857,9 +3721,7 @@
       <p:sp>
         <p:nvSpPr>
           <p:cNvPr id="21" name="Google Shape;21;p5"/>
-          <p:cNvSpPr txBox="1">
-            <a:spLocks noGrp="1"/>
-          </p:cNvSpPr>
+          <p:cNvSpPr txBox="1"/>
           <p:nvPr>
             <p:ph type="title"/>
           </p:nvPr>
@@ -3874,7 +3736,7 @@
           </a:prstGeom>
         </p:spPr>
         <p:txBody>
-          <a:bodyPr spcFirstLastPara="1" wrap="square" lIns="91425" tIns="91425" rIns="91425" bIns="91425" anchor="t" anchorCtr="0">
+          <a:bodyPr anchorCtr="0" anchor="t" bIns="91425" lIns="91425" spcFirstLastPara="1" rIns="91425" wrap="square" tIns="91425">
             <a:normAutofit/>
           </a:bodyPr>
           <a:lstStyle>
@@ -3978,19 +3840,15 @@
               <a:defRPr/>
             </a:lvl9pPr>
           </a:lstStyle>
-          <a:p>
-            <a:endParaRPr/>
-          </a:p>
+          <a:p/>
         </p:txBody>
       </p:sp>
       <p:sp>
         <p:nvSpPr>
           <p:cNvPr id="22" name="Google Shape;22;p5"/>
-          <p:cNvSpPr txBox="1">
-            <a:spLocks noGrp="1"/>
-          </p:cNvSpPr>
+          <p:cNvSpPr txBox="1"/>
           <p:nvPr>
-            <p:ph type="body" idx="1"/>
+            <p:ph idx="1" type="body"/>
           </p:nvPr>
         </p:nvSpPr>
         <p:spPr>
@@ -4003,11 +3861,11 @@
           </a:prstGeom>
         </p:spPr>
         <p:txBody>
-          <a:bodyPr spcFirstLastPara="1" wrap="square" lIns="91425" tIns="91425" rIns="91425" bIns="91425" anchor="t" anchorCtr="0">
+          <a:bodyPr anchorCtr="0" anchor="t" bIns="91425" lIns="91425" spcFirstLastPara="1" rIns="91425" wrap="square" tIns="91425">
             <a:normAutofit/>
           </a:bodyPr>
           <a:lstStyle>
-            <a:lvl1pPr marL="457200" lvl="0" indent="-317500">
+            <a:lvl1pPr indent="-317500" lvl="0" marL="457200">
               <a:spcBef>
                 <a:spcPts val="0"/>
               </a:spcBef>
@@ -4018,7 +3876,7 @@
               <a:buChar char="●"/>
               <a:defRPr sz="1400"/>
             </a:lvl1pPr>
-            <a:lvl2pPr marL="914400" lvl="1" indent="-304800">
+            <a:lvl2pPr indent="-304800" lvl="1" marL="914400">
               <a:spcBef>
                 <a:spcPts val="0"/>
               </a:spcBef>
@@ -4029,7 +3887,7 @@
               <a:buChar char="○"/>
               <a:defRPr sz="1200"/>
             </a:lvl2pPr>
-            <a:lvl3pPr marL="1371600" lvl="2" indent="-304800">
+            <a:lvl3pPr indent="-304800" lvl="2" marL="1371600">
               <a:spcBef>
                 <a:spcPts val="0"/>
               </a:spcBef>
@@ -4040,7 +3898,7 @@
               <a:buChar char="■"/>
               <a:defRPr sz="1200"/>
             </a:lvl3pPr>
-            <a:lvl4pPr marL="1828800" lvl="3" indent="-304800">
+            <a:lvl4pPr indent="-304800" lvl="3" marL="1828800">
               <a:spcBef>
                 <a:spcPts val="0"/>
               </a:spcBef>
@@ -4051,7 +3909,7 @@
               <a:buChar char="●"/>
               <a:defRPr sz="1200"/>
             </a:lvl4pPr>
-            <a:lvl5pPr marL="2286000" lvl="4" indent="-304800">
+            <a:lvl5pPr indent="-304800" lvl="4" marL="2286000">
               <a:spcBef>
                 <a:spcPts val="0"/>
               </a:spcBef>
@@ -4062,7 +3920,7 @@
               <a:buChar char="○"/>
               <a:defRPr sz="1200"/>
             </a:lvl5pPr>
-            <a:lvl6pPr marL="2743200" lvl="5" indent="-304800">
+            <a:lvl6pPr indent="-304800" lvl="5" marL="2743200">
               <a:spcBef>
                 <a:spcPts val="0"/>
               </a:spcBef>
@@ -4073,7 +3931,7 @@
               <a:buChar char="■"/>
               <a:defRPr sz="1200"/>
             </a:lvl6pPr>
-            <a:lvl7pPr marL="3200400" lvl="6" indent="-304800">
+            <a:lvl7pPr indent="-304800" lvl="6" marL="3200400">
               <a:spcBef>
                 <a:spcPts val="0"/>
               </a:spcBef>
@@ -4084,7 +3942,7 @@
               <a:buChar char="●"/>
               <a:defRPr sz="1200"/>
             </a:lvl7pPr>
-            <a:lvl8pPr marL="3657600" lvl="7" indent="-304800">
+            <a:lvl8pPr indent="-304800" lvl="7" marL="3657600">
               <a:spcBef>
                 <a:spcPts val="0"/>
               </a:spcBef>
@@ -4095,7 +3953,7 @@
               <a:buChar char="○"/>
               <a:defRPr sz="1200"/>
             </a:lvl8pPr>
-            <a:lvl9pPr marL="4114800" lvl="8" indent="-304800">
+            <a:lvl9pPr indent="-304800" lvl="8" marL="4114800">
               <a:spcBef>
                 <a:spcPts val="0"/>
               </a:spcBef>
@@ -4107,19 +3965,15 @@
               <a:defRPr sz="1200"/>
             </a:lvl9pPr>
           </a:lstStyle>
-          <a:p>
-            <a:endParaRPr/>
-          </a:p>
+          <a:p/>
         </p:txBody>
       </p:sp>
       <p:sp>
         <p:nvSpPr>
           <p:cNvPr id="23" name="Google Shape;23;p5"/>
-          <p:cNvSpPr txBox="1">
-            <a:spLocks noGrp="1"/>
-          </p:cNvSpPr>
+          <p:cNvSpPr txBox="1"/>
           <p:nvPr>
-            <p:ph type="body" idx="2"/>
+            <p:ph idx="2" type="body"/>
           </p:nvPr>
         </p:nvSpPr>
         <p:spPr>
@@ -4132,11 +3986,11 @@
           </a:prstGeom>
         </p:spPr>
         <p:txBody>
-          <a:bodyPr spcFirstLastPara="1" wrap="square" lIns="91425" tIns="91425" rIns="91425" bIns="91425" anchor="t" anchorCtr="0">
+          <a:bodyPr anchorCtr="0" anchor="t" bIns="91425" lIns="91425" spcFirstLastPara="1" rIns="91425" wrap="square" tIns="91425">
             <a:normAutofit/>
           </a:bodyPr>
           <a:lstStyle>
-            <a:lvl1pPr marL="457200" lvl="0" indent="-317500">
+            <a:lvl1pPr indent="-317500" lvl="0" marL="457200">
               <a:spcBef>
                 <a:spcPts val="0"/>
               </a:spcBef>
@@ -4147,7 +4001,7 @@
               <a:buChar char="●"/>
               <a:defRPr sz="1400"/>
             </a:lvl1pPr>
-            <a:lvl2pPr marL="914400" lvl="1" indent="-304800">
+            <a:lvl2pPr indent="-304800" lvl="1" marL="914400">
               <a:spcBef>
                 <a:spcPts val="0"/>
               </a:spcBef>
@@ -4158,7 +4012,7 @@
               <a:buChar char="○"/>
               <a:defRPr sz="1200"/>
             </a:lvl2pPr>
-            <a:lvl3pPr marL="1371600" lvl="2" indent="-304800">
+            <a:lvl3pPr indent="-304800" lvl="2" marL="1371600">
               <a:spcBef>
                 <a:spcPts val="0"/>
               </a:spcBef>
@@ -4169,7 +4023,7 @@
               <a:buChar char="■"/>
               <a:defRPr sz="1200"/>
             </a:lvl3pPr>
-            <a:lvl4pPr marL="1828800" lvl="3" indent="-304800">
+            <a:lvl4pPr indent="-304800" lvl="3" marL="1828800">
               <a:spcBef>
                 <a:spcPts val="0"/>
               </a:spcBef>
@@ -4180,7 +4034,7 @@
               <a:buChar char="●"/>
               <a:defRPr sz="1200"/>
             </a:lvl4pPr>
-            <a:lvl5pPr marL="2286000" lvl="4" indent="-304800">
+            <a:lvl5pPr indent="-304800" lvl="4" marL="2286000">
               <a:spcBef>
                 <a:spcPts val="0"/>
               </a:spcBef>
@@ -4191,7 +4045,7 @@
               <a:buChar char="○"/>
               <a:defRPr sz="1200"/>
             </a:lvl5pPr>
-            <a:lvl6pPr marL="2743200" lvl="5" indent="-304800">
+            <a:lvl6pPr indent="-304800" lvl="5" marL="2743200">
               <a:spcBef>
                 <a:spcPts val="0"/>
               </a:spcBef>
@@ -4202,7 +4056,7 @@
               <a:buChar char="■"/>
               <a:defRPr sz="1200"/>
             </a:lvl6pPr>
-            <a:lvl7pPr marL="3200400" lvl="6" indent="-304800">
+            <a:lvl7pPr indent="-304800" lvl="6" marL="3200400">
               <a:spcBef>
                 <a:spcPts val="0"/>
               </a:spcBef>
@@ -4213,7 +4067,7 @@
               <a:buChar char="●"/>
               <a:defRPr sz="1200"/>
             </a:lvl7pPr>
-            <a:lvl8pPr marL="3657600" lvl="7" indent="-304800">
+            <a:lvl8pPr indent="-304800" lvl="7" marL="3657600">
               <a:spcBef>
                 <a:spcPts val="0"/>
               </a:spcBef>
@@ -4224,7 +4078,7 @@
               <a:buChar char="○"/>
               <a:defRPr sz="1200"/>
             </a:lvl8pPr>
-            <a:lvl9pPr marL="4114800" lvl="8" indent="-304800">
+            <a:lvl9pPr indent="-304800" lvl="8" marL="4114800">
               <a:spcBef>
                 <a:spcPts val="0"/>
               </a:spcBef>
@@ -4236,19 +4090,15 @@
               <a:defRPr sz="1200"/>
             </a:lvl9pPr>
           </a:lstStyle>
-          <a:p>
-            <a:endParaRPr/>
-          </a:p>
+          <a:p/>
         </p:txBody>
       </p:sp>
       <p:sp>
         <p:nvSpPr>
           <p:cNvPr id="24" name="Google Shape;24;p5"/>
-          <p:cNvSpPr txBox="1">
-            <a:spLocks noGrp="1"/>
-          </p:cNvSpPr>
+          <p:cNvSpPr txBox="1"/>
           <p:nvPr>
-            <p:ph type="sldNum" idx="12"/>
+            <p:ph idx="12" type="sldNum"/>
           </p:nvPr>
         </p:nvSpPr>
         <p:spPr>
@@ -4261,7 +4111,7 @@
           </a:prstGeom>
         </p:spPr>
         <p:txBody>
-          <a:bodyPr spcFirstLastPara="1" wrap="square" lIns="91425" tIns="91425" rIns="91425" bIns="91425" anchor="ctr" anchorCtr="0">
+          <a:bodyPr anchorCtr="0" anchor="ctr" bIns="91425" lIns="91425" spcFirstLastPara="1" rIns="91425" wrap="square" tIns="91425">
             <a:normAutofit/>
           </a:bodyPr>
           <a:lstStyle>
@@ -4303,7 +4153,7 @@
             </a:lvl9pPr>
           </a:lstStyle>
           <a:p>
-            <a:pPr marL="0" lvl="0" indent="0" algn="r" rtl="0">
+            <a:pPr indent="0" lvl="0" marL="0" rtl="0" algn="r">
               <a:spcBef>
                 <a:spcPts val="0"/>
               </a:spcBef>
@@ -4329,11 +4179,11 @@
 </file>
 
 <file path=ppt/slideLayouts/slideLayout5.xml><?xml version="1.0" encoding="utf-8"?>
-<p:sldLayout xmlns:a="http://schemas.openxmlformats.org/drawingml/2006/main" xmlns:r="http://schemas.openxmlformats.org/officeDocument/2006/relationships" xmlns:p="http://schemas.openxmlformats.org/presentationml/2006/main" matchingName="Title only" type="titleOnly">
+<p:sldLayout xmlns:a="http://schemas.openxmlformats.org/drawingml/2006/main" xmlns:r="http://schemas.openxmlformats.org/officeDocument/2006/relationships" xmlns:mc="http://schemas.openxmlformats.org/markup-compatibility/2006" xmlns:mv="urn:schemas-microsoft-com:mac:vml" xmlns:p="http://schemas.openxmlformats.org/presentationml/2006/main" xmlns:c="http://schemas.openxmlformats.org/drawingml/2006/chart" xmlns:dgm="http://schemas.openxmlformats.org/drawingml/2006/diagram" xmlns:o="urn:schemas-microsoft-com:office:office" xmlns:v="urn:schemas-microsoft-com:vml" xmlns:pvml="urn:schemas-microsoft-com:office:powerpoint" xmlns:com="http://schemas.openxmlformats.org/drawingml/2006/compatibility" xmlns:p14="http://schemas.microsoft.com/office/powerpoint/2010/main" xmlns:p15="http://schemas.microsoft.com/office/powerpoint/2012/main" xmlns:ahyp="http://schemas.microsoft.com/office/drawing/2018/hyperlinkcolor" matchingName="Title only" type="titleOnly">
   <p:cSld name="TITLE_ONLY">
     <p:spTree>
       <p:nvGrpSpPr>
-        <p:cNvPr id="1" name="Shape 25"/>
+        <p:cNvPr id="25" name="Shape 25"/>
         <p:cNvGrpSpPr/>
         <p:nvPr/>
       </p:nvGrpSpPr>
@@ -4348,9 +4198,7 @@
       <p:sp>
         <p:nvSpPr>
           <p:cNvPr id="26" name="Google Shape;26;p6"/>
-          <p:cNvSpPr txBox="1">
-            <a:spLocks noGrp="1"/>
-          </p:cNvSpPr>
+          <p:cNvSpPr txBox="1"/>
           <p:nvPr>
             <p:ph type="title"/>
           </p:nvPr>
@@ -4365,7 +4213,7 @@
           </a:prstGeom>
         </p:spPr>
         <p:txBody>
-          <a:bodyPr spcFirstLastPara="1" wrap="square" lIns="91425" tIns="91425" rIns="91425" bIns="91425" anchor="t" anchorCtr="0">
+          <a:bodyPr anchorCtr="0" anchor="t" bIns="91425" lIns="91425" spcFirstLastPara="1" rIns="91425" wrap="square" tIns="91425">
             <a:normAutofit/>
           </a:bodyPr>
           <a:lstStyle>
@@ -4469,19 +4317,15 @@
               <a:defRPr/>
             </a:lvl9pPr>
           </a:lstStyle>
-          <a:p>
-            <a:endParaRPr/>
-          </a:p>
+          <a:p/>
         </p:txBody>
       </p:sp>
       <p:sp>
         <p:nvSpPr>
           <p:cNvPr id="27" name="Google Shape;27;p6"/>
-          <p:cNvSpPr txBox="1">
-            <a:spLocks noGrp="1"/>
-          </p:cNvSpPr>
+          <p:cNvSpPr txBox="1"/>
           <p:nvPr>
-            <p:ph type="sldNum" idx="12"/>
+            <p:ph idx="12" type="sldNum"/>
           </p:nvPr>
         </p:nvSpPr>
         <p:spPr>
@@ -4494,7 +4338,7 @@
           </a:prstGeom>
         </p:spPr>
         <p:txBody>
-          <a:bodyPr spcFirstLastPara="1" wrap="square" lIns="91425" tIns="91425" rIns="91425" bIns="91425" anchor="ctr" anchorCtr="0">
+          <a:bodyPr anchorCtr="0" anchor="ctr" bIns="91425" lIns="91425" spcFirstLastPara="1" rIns="91425" wrap="square" tIns="91425">
             <a:normAutofit/>
           </a:bodyPr>
           <a:lstStyle>
@@ -4536,7 +4380,7 @@
             </a:lvl9pPr>
           </a:lstStyle>
           <a:p>
-            <a:pPr marL="0" lvl="0" indent="0" algn="r" rtl="0">
+            <a:pPr indent="0" lvl="0" marL="0" rtl="0" algn="r">
               <a:spcBef>
                 <a:spcPts val="0"/>
               </a:spcBef>
@@ -4562,11 +4406,11 @@
 </file>
 
 <file path=ppt/slideLayouts/slideLayout6.xml><?xml version="1.0" encoding="utf-8"?>
-<p:sldLayout xmlns:a="http://schemas.openxmlformats.org/drawingml/2006/main" xmlns:r="http://schemas.openxmlformats.org/officeDocument/2006/relationships" xmlns:p="http://schemas.openxmlformats.org/presentationml/2006/main" matchingName="One column text">
+<p:sldLayout xmlns:a="http://schemas.openxmlformats.org/drawingml/2006/main" xmlns:r="http://schemas.openxmlformats.org/officeDocument/2006/relationships" xmlns:mc="http://schemas.openxmlformats.org/markup-compatibility/2006" xmlns:mv="urn:schemas-microsoft-com:mac:vml" xmlns:p="http://schemas.openxmlformats.org/presentationml/2006/main" xmlns:c="http://schemas.openxmlformats.org/drawingml/2006/chart" xmlns:dgm="http://schemas.openxmlformats.org/drawingml/2006/diagram" xmlns:o="urn:schemas-microsoft-com:office:office" xmlns:v="urn:schemas-microsoft-com:vml" xmlns:pvml="urn:schemas-microsoft-com:office:powerpoint" xmlns:com="http://schemas.openxmlformats.org/drawingml/2006/compatibility" xmlns:p14="http://schemas.microsoft.com/office/powerpoint/2010/main" xmlns:p15="http://schemas.microsoft.com/office/powerpoint/2012/main" xmlns:ahyp="http://schemas.microsoft.com/office/drawing/2018/hyperlinkcolor" matchingName="One column text">
   <p:cSld name="ONE_COLUMN_TEXT">
     <p:spTree>
       <p:nvGrpSpPr>
-        <p:cNvPr id="1" name="Shape 28"/>
+        <p:cNvPr id="28" name="Shape 28"/>
         <p:cNvGrpSpPr/>
         <p:nvPr/>
       </p:nvGrpSpPr>
@@ -4581,9 +4425,7 @@
       <p:sp>
         <p:nvSpPr>
           <p:cNvPr id="29" name="Google Shape;29;p7"/>
-          <p:cNvSpPr txBox="1">
-            <a:spLocks noGrp="1"/>
-          </p:cNvSpPr>
+          <p:cNvSpPr txBox="1"/>
           <p:nvPr>
             <p:ph type="title"/>
           </p:nvPr>
@@ -4598,7 +4440,7 @@
           </a:prstGeom>
         </p:spPr>
         <p:txBody>
-          <a:bodyPr spcFirstLastPara="1" wrap="square" lIns="91425" tIns="91425" rIns="91425" bIns="91425" anchor="b" anchorCtr="0">
+          <a:bodyPr anchorCtr="0" anchor="b" bIns="91425" lIns="91425" spcFirstLastPara="1" rIns="91425" wrap="square" tIns="91425">
             <a:normAutofit/>
           </a:bodyPr>
           <a:lstStyle>
@@ -4702,19 +4544,15 @@
               <a:defRPr sz="2400"/>
             </a:lvl9pPr>
           </a:lstStyle>
-          <a:p>
-            <a:endParaRPr/>
-          </a:p>
+          <a:p/>
         </p:txBody>
       </p:sp>
       <p:sp>
         <p:nvSpPr>
           <p:cNvPr id="30" name="Google Shape;30;p7"/>
-          <p:cNvSpPr txBox="1">
-            <a:spLocks noGrp="1"/>
-          </p:cNvSpPr>
+          <p:cNvSpPr txBox="1"/>
           <p:nvPr>
-            <p:ph type="body" idx="1"/>
+            <p:ph idx="1" type="body"/>
           </p:nvPr>
         </p:nvSpPr>
         <p:spPr>
@@ -4727,11 +4565,11 @@
           </a:prstGeom>
         </p:spPr>
         <p:txBody>
-          <a:bodyPr spcFirstLastPara="1" wrap="square" lIns="91425" tIns="91425" rIns="91425" bIns="91425" anchor="t" anchorCtr="0">
+          <a:bodyPr anchorCtr="0" anchor="t" bIns="91425" lIns="91425" spcFirstLastPara="1" rIns="91425" wrap="square" tIns="91425">
             <a:normAutofit/>
           </a:bodyPr>
           <a:lstStyle>
-            <a:lvl1pPr marL="457200" lvl="0" indent="-304800">
+            <a:lvl1pPr indent="-304800" lvl="0" marL="457200">
               <a:spcBef>
                 <a:spcPts val="0"/>
               </a:spcBef>
@@ -4742,7 +4580,7 @@
               <a:buChar char="●"/>
               <a:defRPr sz="1200"/>
             </a:lvl1pPr>
-            <a:lvl2pPr marL="914400" lvl="1" indent="-304800">
+            <a:lvl2pPr indent="-304800" lvl="1" marL="914400">
               <a:spcBef>
                 <a:spcPts val="0"/>
               </a:spcBef>
@@ -4753,7 +4591,7 @@
               <a:buChar char="○"/>
               <a:defRPr sz="1200"/>
             </a:lvl2pPr>
-            <a:lvl3pPr marL="1371600" lvl="2" indent="-304800">
+            <a:lvl3pPr indent="-304800" lvl="2" marL="1371600">
               <a:spcBef>
                 <a:spcPts val="0"/>
               </a:spcBef>
@@ -4764,7 +4602,7 @@
               <a:buChar char="■"/>
               <a:defRPr sz="1200"/>
             </a:lvl3pPr>
-            <a:lvl4pPr marL="1828800" lvl="3" indent="-304800">
+            <a:lvl4pPr indent="-304800" lvl="3" marL="1828800">
               <a:spcBef>
                 <a:spcPts val="0"/>
               </a:spcBef>
@@ -4775,7 +4613,7 @@
               <a:buChar char="●"/>
               <a:defRPr sz="1200"/>
             </a:lvl4pPr>
-            <a:lvl5pPr marL="2286000" lvl="4" indent="-304800">
+            <a:lvl5pPr indent="-304800" lvl="4" marL="2286000">
               <a:spcBef>
                 <a:spcPts val="0"/>
               </a:spcBef>
@@ -4786,7 +4624,7 @@
               <a:buChar char="○"/>
               <a:defRPr sz="1200"/>
             </a:lvl5pPr>
-            <a:lvl6pPr marL="2743200" lvl="5" indent="-304800">
+            <a:lvl6pPr indent="-304800" lvl="5" marL="2743200">
               <a:spcBef>
                 <a:spcPts val="0"/>
               </a:spcBef>
@@ -4797,7 +4635,7 @@
               <a:buChar char="■"/>
               <a:defRPr sz="1200"/>
             </a:lvl6pPr>
-            <a:lvl7pPr marL="3200400" lvl="6" indent="-304800">
+            <a:lvl7pPr indent="-304800" lvl="6" marL="3200400">
               <a:spcBef>
                 <a:spcPts val="0"/>
               </a:spcBef>
@@ -4808,7 +4646,7 @@
               <a:buChar char="●"/>
               <a:defRPr sz="1200"/>
             </a:lvl7pPr>
-            <a:lvl8pPr marL="3657600" lvl="7" indent="-304800">
+            <a:lvl8pPr indent="-304800" lvl="7" marL="3657600">
               <a:spcBef>
                 <a:spcPts val="0"/>
               </a:spcBef>
@@ -4819,7 +4657,7 @@
               <a:buChar char="○"/>
               <a:defRPr sz="1200"/>
             </a:lvl8pPr>
-            <a:lvl9pPr marL="4114800" lvl="8" indent="-304800">
+            <a:lvl9pPr indent="-304800" lvl="8" marL="4114800">
               <a:spcBef>
                 <a:spcPts val="0"/>
               </a:spcBef>
@@ -4831,19 +4669,15 @@
               <a:defRPr sz="1200"/>
             </a:lvl9pPr>
           </a:lstStyle>
-          <a:p>
-            <a:endParaRPr/>
-          </a:p>
+          <a:p/>
         </p:txBody>
       </p:sp>
       <p:sp>
         <p:nvSpPr>
           <p:cNvPr id="31" name="Google Shape;31;p7"/>
-          <p:cNvSpPr txBox="1">
-            <a:spLocks noGrp="1"/>
-          </p:cNvSpPr>
+          <p:cNvSpPr txBox="1"/>
           <p:nvPr>
-            <p:ph type="sldNum" idx="12"/>
+            <p:ph idx="12" type="sldNum"/>
           </p:nvPr>
         </p:nvSpPr>
         <p:spPr>
@@ -4856,7 +4690,7 @@
           </a:prstGeom>
         </p:spPr>
         <p:txBody>
-          <a:bodyPr spcFirstLastPara="1" wrap="square" lIns="91425" tIns="91425" rIns="91425" bIns="91425" anchor="ctr" anchorCtr="0">
+          <a:bodyPr anchorCtr="0" anchor="ctr" bIns="91425" lIns="91425" spcFirstLastPara="1" rIns="91425" wrap="square" tIns="91425">
             <a:normAutofit/>
           </a:bodyPr>
           <a:lstStyle>
@@ -4898,7 +4732,7 @@
             </a:lvl9pPr>
           </a:lstStyle>
           <a:p>
-            <a:pPr marL="0" lvl="0" indent="0" algn="r" rtl="0">
+            <a:pPr indent="0" lvl="0" marL="0" rtl="0" algn="r">
               <a:spcBef>
                 <a:spcPts val="0"/>
               </a:spcBef>
@@ -4924,11 +4758,11 @@
 </file>
 
 <file path=ppt/slideLayouts/slideLayout7.xml><?xml version="1.0" encoding="utf-8"?>
-<p:sldLayout xmlns:a="http://schemas.openxmlformats.org/drawingml/2006/main" xmlns:r="http://schemas.openxmlformats.org/officeDocument/2006/relationships" xmlns:p="http://schemas.openxmlformats.org/presentationml/2006/main" matchingName="Main point">
+<p:sldLayout xmlns:a="http://schemas.openxmlformats.org/drawingml/2006/main" xmlns:r="http://schemas.openxmlformats.org/officeDocument/2006/relationships" xmlns:mc="http://schemas.openxmlformats.org/markup-compatibility/2006" xmlns:mv="urn:schemas-microsoft-com:mac:vml" xmlns:p="http://schemas.openxmlformats.org/presentationml/2006/main" xmlns:c="http://schemas.openxmlformats.org/drawingml/2006/chart" xmlns:dgm="http://schemas.openxmlformats.org/drawingml/2006/diagram" xmlns:o="urn:schemas-microsoft-com:office:office" xmlns:v="urn:schemas-microsoft-com:vml" xmlns:pvml="urn:schemas-microsoft-com:office:powerpoint" xmlns:com="http://schemas.openxmlformats.org/drawingml/2006/compatibility" xmlns:p14="http://schemas.microsoft.com/office/powerpoint/2010/main" xmlns:p15="http://schemas.microsoft.com/office/powerpoint/2012/main" xmlns:ahyp="http://schemas.microsoft.com/office/drawing/2018/hyperlinkcolor" matchingName="Main point">
   <p:cSld name="MAIN_POINT">
     <p:spTree>
       <p:nvGrpSpPr>
-        <p:cNvPr id="1" name="Shape 32"/>
+        <p:cNvPr id="32" name="Shape 32"/>
         <p:cNvGrpSpPr/>
         <p:nvPr/>
       </p:nvGrpSpPr>
@@ -4943,9 +4777,7 @@
       <p:sp>
         <p:nvSpPr>
           <p:cNvPr id="33" name="Google Shape;33;p8"/>
-          <p:cNvSpPr txBox="1">
-            <a:spLocks noGrp="1"/>
-          </p:cNvSpPr>
+          <p:cNvSpPr txBox="1"/>
           <p:nvPr>
             <p:ph type="title"/>
           </p:nvPr>
@@ -4960,7 +4792,7 @@
           </a:prstGeom>
         </p:spPr>
         <p:txBody>
-          <a:bodyPr spcFirstLastPara="1" wrap="square" lIns="91425" tIns="91425" rIns="91425" bIns="91425" anchor="ctr" anchorCtr="0">
+          <a:bodyPr anchorCtr="0" anchor="ctr" bIns="91425" lIns="91425" spcFirstLastPara="1" rIns="91425" wrap="square" tIns="91425">
             <a:normAutofit/>
           </a:bodyPr>
           <a:lstStyle>
@@ -5064,19 +4896,15 @@
               <a:defRPr sz="4800"/>
             </a:lvl9pPr>
           </a:lstStyle>
-          <a:p>
-            <a:endParaRPr/>
-          </a:p>
+          <a:p/>
         </p:txBody>
       </p:sp>
       <p:sp>
         <p:nvSpPr>
           <p:cNvPr id="34" name="Google Shape;34;p8"/>
-          <p:cNvSpPr txBox="1">
-            <a:spLocks noGrp="1"/>
-          </p:cNvSpPr>
+          <p:cNvSpPr txBox="1"/>
           <p:nvPr>
-            <p:ph type="sldNum" idx="12"/>
+            <p:ph idx="12" type="sldNum"/>
           </p:nvPr>
         </p:nvSpPr>
         <p:spPr>
@@ -5089,7 +4917,7 @@
           </a:prstGeom>
         </p:spPr>
         <p:txBody>
-          <a:bodyPr spcFirstLastPara="1" wrap="square" lIns="91425" tIns="91425" rIns="91425" bIns="91425" anchor="ctr" anchorCtr="0">
+          <a:bodyPr anchorCtr="0" anchor="ctr" bIns="91425" lIns="91425" spcFirstLastPara="1" rIns="91425" wrap="square" tIns="91425">
             <a:normAutofit/>
           </a:bodyPr>
           <a:lstStyle>
@@ -5131,7 +4959,7 @@
             </a:lvl9pPr>
           </a:lstStyle>
           <a:p>
-            <a:pPr marL="0" lvl="0" indent="0" algn="r" rtl="0">
+            <a:pPr indent="0" lvl="0" marL="0" rtl="0" algn="r">
               <a:spcBef>
                 <a:spcPts val="0"/>
               </a:spcBef>
@@ -5157,11 +4985,11 @@
 </file>
 
 <file path=ppt/slideLayouts/slideLayout8.xml><?xml version="1.0" encoding="utf-8"?>
-<p:sldLayout xmlns:a="http://schemas.openxmlformats.org/drawingml/2006/main" xmlns:r="http://schemas.openxmlformats.org/officeDocument/2006/relationships" xmlns:p="http://schemas.openxmlformats.org/presentationml/2006/main" matchingName="Section title and description">
+<p:sldLayout xmlns:a="http://schemas.openxmlformats.org/drawingml/2006/main" xmlns:r="http://schemas.openxmlformats.org/officeDocument/2006/relationships" xmlns:mc="http://schemas.openxmlformats.org/markup-compatibility/2006" xmlns:mv="urn:schemas-microsoft-com:mac:vml" xmlns:p="http://schemas.openxmlformats.org/presentationml/2006/main" xmlns:c="http://schemas.openxmlformats.org/drawingml/2006/chart" xmlns:dgm="http://schemas.openxmlformats.org/drawingml/2006/diagram" xmlns:o="urn:schemas-microsoft-com:office:office" xmlns:v="urn:schemas-microsoft-com:vml" xmlns:pvml="urn:schemas-microsoft-com:office:powerpoint" xmlns:com="http://schemas.openxmlformats.org/drawingml/2006/compatibility" xmlns:p14="http://schemas.microsoft.com/office/powerpoint/2010/main" xmlns:p15="http://schemas.microsoft.com/office/powerpoint/2012/main" xmlns:ahyp="http://schemas.microsoft.com/office/drawing/2018/hyperlinkcolor" matchingName="Section title and description">
   <p:cSld name="SECTION_TITLE_AND_DESCRIPTION">
     <p:spTree>
       <p:nvGrpSpPr>
-        <p:cNvPr id="1" name="Shape 35"/>
+        <p:cNvPr id="35" name="Shape 35"/>
         <p:cNvGrpSpPr/>
         <p:nvPr/>
       </p:nvGrpSpPr>
@@ -5195,12 +5023,12 @@
           </a:ln>
         </p:spPr>
         <p:txBody>
-          <a:bodyPr spcFirstLastPara="1" wrap="square" lIns="91425" tIns="91425" rIns="91425" bIns="91425" anchor="ctr" anchorCtr="0">
+          <a:bodyPr anchorCtr="0" anchor="ctr" bIns="91425" lIns="91425" spcFirstLastPara="1" rIns="91425" wrap="square" tIns="91425">
             <a:noAutofit/>
           </a:bodyPr>
           <a:lstStyle/>
           <a:p>
-            <a:pPr marL="0" lvl="0" indent="0" algn="l" rtl="0">
+            <a:pPr indent="0" lvl="0" marL="0" rtl="0" algn="l">
               <a:spcBef>
                 <a:spcPts val="0"/>
               </a:spcBef>
@@ -5209,6 +5037,9 @@
               </a:spcAft>
               <a:buNone/>
             </a:pPr>
+            <a:r>
+              <a:t/>
+            </a:r>
             <a:endParaRPr/>
           </a:p>
         </p:txBody>
@@ -5216,9 +5047,7 @@
       <p:sp>
         <p:nvSpPr>
           <p:cNvPr id="37" name="Google Shape;37;p9"/>
-          <p:cNvSpPr txBox="1">
-            <a:spLocks noGrp="1"/>
-          </p:cNvSpPr>
+          <p:cNvSpPr txBox="1"/>
           <p:nvPr>
             <p:ph type="title"/>
           </p:nvPr>
@@ -5233,7 +5062,7 @@
           </a:prstGeom>
         </p:spPr>
         <p:txBody>
-          <a:bodyPr spcFirstLastPara="1" wrap="square" lIns="91425" tIns="91425" rIns="91425" bIns="91425" anchor="b" anchorCtr="0">
+          <a:bodyPr anchorCtr="0" anchor="b" bIns="91425" lIns="91425" spcFirstLastPara="1" rIns="91425" wrap="square" tIns="91425">
             <a:normAutofit/>
           </a:bodyPr>
           <a:lstStyle>
@@ -5337,19 +5166,15 @@
               <a:defRPr sz="4200"/>
             </a:lvl9pPr>
           </a:lstStyle>
-          <a:p>
-            <a:endParaRPr/>
-          </a:p>
+          <a:p/>
         </p:txBody>
       </p:sp>
       <p:sp>
         <p:nvSpPr>
           <p:cNvPr id="38" name="Google Shape;38;p9"/>
-          <p:cNvSpPr txBox="1">
-            <a:spLocks noGrp="1"/>
-          </p:cNvSpPr>
+          <p:cNvSpPr txBox="1"/>
           <p:nvPr>
-            <p:ph type="subTitle" idx="1"/>
+            <p:ph idx="1" type="subTitle"/>
           </p:nvPr>
         </p:nvSpPr>
         <p:spPr>
@@ -5362,7 +5187,7 @@
           </a:prstGeom>
         </p:spPr>
         <p:txBody>
-          <a:bodyPr spcFirstLastPara="1" wrap="square" lIns="91425" tIns="91425" rIns="91425" bIns="91425" anchor="t" anchorCtr="0">
+          <a:bodyPr anchorCtr="0" anchor="t" bIns="91425" lIns="91425" spcFirstLastPara="1" rIns="91425" wrap="square" tIns="91425">
             <a:normAutofit/>
           </a:bodyPr>
           <a:lstStyle>
@@ -5493,19 +5318,15 @@
               <a:defRPr sz="2100"/>
             </a:lvl9pPr>
           </a:lstStyle>
-          <a:p>
-            <a:endParaRPr/>
-          </a:p>
+          <a:p/>
         </p:txBody>
       </p:sp>
       <p:sp>
         <p:nvSpPr>
           <p:cNvPr id="39" name="Google Shape;39;p9"/>
-          <p:cNvSpPr txBox="1">
-            <a:spLocks noGrp="1"/>
-          </p:cNvSpPr>
+          <p:cNvSpPr txBox="1"/>
           <p:nvPr>
-            <p:ph type="body" idx="2"/>
+            <p:ph idx="2" type="body"/>
           </p:nvPr>
         </p:nvSpPr>
         <p:spPr>
@@ -5518,11 +5339,11 @@
           </a:prstGeom>
         </p:spPr>
         <p:txBody>
-          <a:bodyPr spcFirstLastPara="1" wrap="square" lIns="91425" tIns="91425" rIns="91425" bIns="91425" anchor="ctr" anchorCtr="0">
+          <a:bodyPr anchorCtr="0" anchor="ctr" bIns="91425" lIns="91425" spcFirstLastPara="1" rIns="91425" wrap="square" tIns="91425">
             <a:normAutofit/>
           </a:bodyPr>
           <a:lstStyle>
-            <a:lvl1pPr marL="457200" lvl="0" indent="-342900">
+            <a:lvl1pPr indent="-342900" lvl="0" marL="457200">
               <a:spcBef>
                 <a:spcPts val="0"/>
               </a:spcBef>
@@ -5533,7 +5354,7 @@
               <a:buChar char="●"/>
               <a:defRPr/>
             </a:lvl1pPr>
-            <a:lvl2pPr marL="914400" lvl="1" indent="-317500">
+            <a:lvl2pPr indent="-317500" lvl="1" marL="914400">
               <a:spcBef>
                 <a:spcPts val="0"/>
               </a:spcBef>
@@ -5544,7 +5365,7 @@
               <a:buChar char="○"/>
               <a:defRPr/>
             </a:lvl2pPr>
-            <a:lvl3pPr marL="1371600" lvl="2" indent="-317500">
+            <a:lvl3pPr indent="-317500" lvl="2" marL="1371600">
               <a:spcBef>
                 <a:spcPts val="0"/>
               </a:spcBef>
@@ -5555,7 +5376,7 @@
               <a:buChar char="■"/>
               <a:defRPr/>
             </a:lvl3pPr>
-            <a:lvl4pPr marL="1828800" lvl="3" indent="-317500">
+            <a:lvl4pPr indent="-317500" lvl="3" marL="1828800">
               <a:spcBef>
                 <a:spcPts val="0"/>
               </a:spcBef>
@@ -5566,7 +5387,7 @@
               <a:buChar char="●"/>
               <a:defRPr/>
             </a:lvl4pPr>
-            <a:lvl5pPr marL="2286000" lvl="4" indent="-317500">
+            <a:lvl5pPr indent="-317500" lvl="4" marL="2286000">
               <a:spcBef>
                 <a:spcPts val="0"/>
               </a:spcBef>
@@ -5577,7 +5398,7 @@
               <a:buChar char="○"/>
               <a:defRPr/>
             </a:lvl5pPr>
-            <a:lvl6pPr marL="2743200" lvl="5" indent="-317500">
+            <a:lvl6pPr indent="-317500" lvl="5" marL="2743200">
               <a:spcBef>
                 <a:spcPts val="0"/>
               </a:spcBef>
@@ -5588,7 +5409,7 @@
               <a:buChar char="■"/>
               <a:defRPr/>
             </a:lvl6pPr>
-            <a:lvl7pPr marL="3200400" lvl="6" indent="-317500">
+            <a:lvl7pPr indent="-317500" lvl="6" marL="3200400">
               <a:spcBef>
                 <a:spcPts val="0"/>
               </a:spcBef>
@@ -5599,7 +5420,7 @@
               <a:buChar char="●"/>
               <a:defRPr/>
             </a:lvl7pPr>
-            <a:lvl8pPr marL="3657600" lvl="7" indent="-317500">
+            <a:lvl8pPr indent="-317500" lvl="7" marL="3657600">
               <a:spcBef>
                 <a:spcPts val="0"/>
               </a:spcBef>
@@ -5610,7 +5431,7 @@
               <a:buChar char="○"/>
               <a:defRPr/>
             </a:lvl8pPr>
-            <a:lvl9pPr marL="4114800" lvl="8" indent="-317500">
+            <a:lvl9pPr indent="-317500" lvl="8" marL="4114800">
               <a:spcBef>
                 <a:spcPts val="0"/>
               </a:spcBef>
@@ -5622,19 +5443,15 @@
               <a:defRPr/>
             </a:lvl9pPr>
           </a:lstStyle>
-          <a:p>
-            <a:endParaRPr/>
-          </a:p>
+          <a:p/>
         </p:txBody>
       </p:sp>
       <p:sp>
         <p:nvSpPr>
           <p:cNvPr id="40" name="Google Shape;40;p9"/>
-          <p:cNvSpPr txBox="1">
-            <a:spLocks noGrp="1"/>
-          </p:cNvSpPr>
+          <p:cNvSpPr txBox="1"/>
           <p:nvPr>
-            <p:ph type="sldNum" idx="12"/>
+            <p:ph idx="12" type="sldNum"/>
           </p:nvPr>
         </p:nvSpPr>
         <p:spPr>
@@ -5647,7 +5464,7 @@
           </a:prstGeom>
         </p:spPr>
         <p:txBody>
-          <a:bodyPr spcFirstLastPara="1" wrap="square" lIns="91425" tIns="91425" rIns="91425" bIns="91425" anchor="ctr" anchorCtr="0">
+          <a:bodyPr anchorCtr="0" anchor="ctr" bIns="91425" lIns="91425" spcFirstLastPara="1" rIns="91425" wrap="square" tIns="91425">
             <a:normAutofit/>
           </a:bodyPr>
           <a:lstStyle>
@@ -5689,7 +5506,7 @@
             </a:lvl9pPr>
           </a:lstStyle>
           <a:p>
-            <a:pPr marL="0" lvl="0" indent="0" algn="r" rtl="0">
+            <a:pPr indent="0" lvl="0" marL="0" rtl="0" algn="r">
               <a:spcBef>
                 <a:spcPts val="0"/>
               </a:spcBef>
@@ -5715,11 +5532,11 @@
 </file>
 
 <file path=ppt/slideLayouts/slideLayout9.xml><?xml version="1.0" encoding="utf-8"?>
-<p:sldLayout xmlns:a="http://schemas.openxmlformats.org/drawingml/2006/main" xmlns:r="http://schemas.openxmlformats.org/officeDocument/2006/relationships" xmlns:p="http://schemas.openxmlformats.org/presentationml/2006/main" matchingName="Caption">
+<p:sldLayout xmlns:a="http://schemas.openxmlformats.org/drawingml/2006/main" xmlns:r="http://schemas.openxmlformats.org/officeDocument/2006/relationships" xmlns:mc="http://schemas.openxmlformats.org/markup-compatibility/2006" xmlns:mv="urn:schemas-microsoft-com:mac:vml" xmlns:p="http://schemas.openxmlformats.org/presentationml/2006/main" xmlns:c="http://schemas.openxmlformats.org/drawingml/2006/chart" xmlns:dgm="http://schemas.openxmlformats.org/drawingml/2006/diagram" xmlns:o="urn:schemas-microsoft-com:office:office" xmlns:v="urn:schemas-microsoft-com:vml" xmlns:pvml="urn:schemas-microsoft-com:office:powerpoint" xmlns:com="http://schemas.openxmlformats.org/drawingml/2006/compatibility" xmlns:p14="http://schemas.microsoft.com/office/powerpoint/2010/main" xmlns:p15="http://schemas.microsoft.com/office/powerpoint/2012/main" xmlns:ahyp="http://schemas.microsoft.com/office/drawing/2018/hyperlinkcolor" matchingName="Caption">
   <p:cSld name="CAPTION_ONLY">
     <p:spTree>
       <p:nvGrpSpPr>
-        <p:cNvPr id="1" name="Shape 41"/>
+        <p:cNvPr id="41" name="Shape 41"/>
         <p:cNvGrpSpPr/>
         <p:nvPr/>
       </p:nvGrpSpPr>
@@ -5734,11 +5551,9 @@
       <p:sp>
         <p:nvSpPr>
           <p:cNvPr id="42" name="Google Shape;42;p10"/>
-          <p:cNvSpPr txBox="1">
-            <a:spLocks noGrp="1"/>
-          </p:cNvSpPr>
+          <p:cNvSpPr txBox="1"/>
           <p:nvPr>
-            <p:ph type="body" idx="1"/>
+            <p:ph idx="1" type="body"/>
           </p:nvPr>
         </p:nvSpPr>
         <p:spPr>
@@ -5751,11 +5566,11 @@
           </a:prstGeom>
         </p:spPr>
         <p:txBody>
-          <a:bodyPr spcFirstLastPara="1" wrap="square" lIns="91425" tIns="91425" rIns="91425" bIns="91425" anchor="ctr" anchorCtr="0">
+          <a:bodyPr anchorCtr="0" anchor="ctr" bIns="91425" lIns="91425" spcFirstLastPara="1" rIns="91425" wrap="square" tIns="91425">
             <a:normAutofit/>
           </a:bodyPr>
           <a:lstStyle>
-            <a:lvl1pPr marL="457200" lvl="0" indent="-228600">
+            <a:lvl1pPr indent="-228600" lvl="0" marL="457200">
               <a:lnSpc>
                 <a:spcPct val="100000"/>
               </a:lnSpc>
@@ -5770,19 +5585,15 @@
               <a:defRPr/>
             </a:lvl1pPr>
           </a:lstStyle>
-          <a:p>
-            <a:endParaRPr/>
-          </a:p>
+          <a:p/>
         </p:txBody>
       </p:sp>
       <p:sp>
         <p:nvSpPr>
           <p:cNvPr id="43" name="Google Shape;43;p10"/>
-          <p:cNvSpPr txBox="1">
-            <a:spLocks noGrp="1"/>
-          </p:cNvSpPr>
+          <p:cNvSpPr txBox="1"/>
           <p:nvPr>
-            <p:ph type="sldNum" idx="12"/>
+            <p:ph idx="12" type="sldNum"/>
           </p:nvPr>
         </p:nvSpPr>
         <p:spPr>
@@ -5795,7 +5606,7 @@
           </a:prstGeom>
         </p:spPr>
         <p:txBody>
-          <a:bodyPr spcFirstLastPara="1" wrap="square" lIns="91425" tIns="91425" rIns="91425" bIns="91425" anchor="ctr" anchorCtr="0">
+          <a:bodyPr anchorCtr="0" anchor="ctr" bIns="91425" lIns="91425" spcFirstLastPara="1" rIns="91425" wrap="square" tIns="91425">
             <a:normAutofit/>
           </a:bodyPr>
           <a:lstStyle>
@@ -5837,7 +5648,7 @@
             </a:lvl9pPr>
           </a:lstStyle>
           <a:p>
-            <a:pPr marL="0" lvl="0" indent="0" algn="r" rtl="0">
+            <a:pPr indent="0" lvl="0" marL="0" rtl="0" algn="r">
               <a:spcBef>
                 <a:spcPts val="0"/>
               </a:spcBef>
@@ -5863,19 +5674,18 @@
 </file>
 
 <file path=ppt/slideMasters/slideMaster1.xml><?xml version="1.0" encoding="utf-8"?>
-<p:sldMaster xmlns:a="http://schemas.openxmlformats.org/drawingml/2006/main" xmlns:r="http://schemas.openxmlformats.org/officeDocument/2006/relationships" xmlns:p="http://schemas.openxmlformats.org/presentationml/2006/main">
+<p:sldMaster xmlns:a="http://schemas.openxmlformats.org/drawingml/2006/main" xmlns:r="http://schemas.openxmlformats.org/officeDocument/2006/relationships" xmlns:mc="http://schemas.openxmlformats.org/markup-compatibility/2006" xmlns:mv="urn:schemas-microsoft-com:mac:vml" xmlns:p="http://schemas.openxmlformats.org/presentationml/2006/main" xmlns:c="http://schemas.openxmlformats.org/drawingml/2006/chart" xmlns:dgm="http://schemas.openxmlformats.org/drawingml/2006/diagram" xmlns:o="urn:schemas-microsoft-com:office:office" xmlns:v="urn:schemas-microsoft-com:vml" xmlns:pvml="urn:schemas-microsoft-com:office:powerpoint" xmlns:com="http://schemas.openxmlformats.org/drawingml/2006/compatibility" xmlns:p14="http://schemas.microsoft.com/office/powerpoint/2010/main" xmlns:p15="http://schemas.microsoft.com/office/powerpoint/2012/main" xmlns:ahyp="http://schemas.microsoft.com/office/drawing/2018/hyperlinkcolor">
   <p:cSld name="simple-light-2">
     <p:bg>
       <p:bgPr>
         <a:solidFill>
           <a:schemeClr val="lt1"/>
         </a:solidFill>
-        <a:effectLst/>
       </p:bgPr>
     </p:bg>
     <p:spTree>
       <p:nvGrpSpPr>
-        <p:cNvPr id="1" name="Shape 5"/>
+        <p:cNvPr id="5" name="Shape 5"/>
         <p:cNvGrpSpPr/>
         <p:nvPr/>
       </p:nvGrpSpPr>
@@ -5890,9 +5700,7 @@
       <p:sp>
         <p:nvSpPr>
           <p:cNvPr id="6" name="Google Shape;6;p1"/>
-          <p:cNvSpPr txBox="1">
-            <a:spLocks noGrp="1"/>
-          </p:cNvSpPr>
+          <p:cNvSpPr txBox="1"/>
           <p:nvPr>
             <p:ph type="title"/>
           </p:nvPr>
@@ -5911,7 +5719,7 @@
           </a:ln>
         </p:spPr>
         <p:txBody>
-          <a:bodyPr spcFirstLastPara="1" wrap="square" lIns="91425" tIns="91425" rIns="91425" bIns="91425" anchor="t" anchorCtr="0">
+          <a:bodyPr anchorCtr="0" anchor="t" bIns="91425" lIns="91425" spcFirstLastPara="1" rIns="91425" wrap="square" tIns="91425">
             <a:normAutofit/>
           </a:bodyPr>
           <a:lstStyle>
@@ -6078,19 +5886,15 @@
               </a:defRPr>
             </a:lvl9pPr>
           </a:lstStyle>
-          <a:p>
-            <a:endParaRPr/>
-          </a:p>
+          <a:p/>
         </p:txBody>
       </p:sp>
       <p:sp>
         <p:nvSpPr>
           <p:cNvPr id="7" name="Google Shape;7;p1"/>
-          <p:cNvSpPr txBox="1">
-            <a:spLocks noGrp="1"/>
-          </p:cNvSpPr>
+          <p:cNvSpPr txBox="1"/>
           <p:nvPr>
-            <p:ph type="body" idx="1"/>
+            <p:ph idx="1" type="body"/>
           </p:nvPr>
         </p:nvSpPr>
         <p:spPr>
@@ -6107,11 +5911,11 @@
           </a:ln>
         </p:spPr>
         <p:txBody>
-          <a:bodyPr spcFirstLastPara="1" wrap="square" lIns="91425" tIns="91425" rIns="91425" bIns="91425" anchor="t" anchorCtr="0">
+          <a:bodyPr anchorCtr="0" anchor="t" bIns="91425" lIns="91425" spcFirstLastPara="1" rIns="91425" wrap="square" tIns="91425">
             <a:normAutofit/>
           </a:bodyPr>
           <a:lstStyle>
-            <a:lvl1pPr marL="457200" lvl="0" indent="-342900">
+            <a:lvl1pPr indent="-342900" lvl="0" marL="457200">
               <a:lnSpc>
                 <a:spcPct val="115000"/>
               </a:lnSpc>
@@ -6132,7 +5936,7 @@
                 </a:solidFill>
               </a:defRPr>
             </a:lvl1pPr>
-            <a:lvl2pPr marL="914400" lvl="1" indent="-317500">
+            <a:lvl2pPr indent="-317500" lvl="1" marL="914400">
               <a:lnSpc>
                 <a:spcPct val="115000"/>
               </a:lnSpc>
@@ -6153,7 +5957,7 @@
                 </a:solidFill>
               </a:defRPr>
             </a:lvl2pPr>
-            <a:lvl3pPr marL="1371600" lvl="2" indent="-317500">
+            <a:lvl3pPr indent="-317500" lvl="2" marL="1371600">
               <a:lnSpc>
                 <a:spcPct val="115000"/>
               </a:lnSpc>
@@ -6174,7 +5978,7 @@
                 </a:solidFill>
               </a:defRPr>
             </a:lvl3pPr>
-            <a:lvl4pPr marL="1828800" lvl="3" indent="-317500">
+            <a:lvl4pPr indent="-317500" lvl="3" marL="1828800">
               <a:lnSpc>
                 <a:spcPct val="115000"/>
               </a:lnSpc>
@@ -6195,7 +5999,7 @@
                 </a:solidFill>
               </a:defRPr>
             </a:lvl4pPr>
-            <a:lvl5pPr marL="2286000" lvl="4" indent="-317500">
+            <a:lvl5pPr indent="-317500" lvl="4" marL="2286000">
               <a:lnSpc>
                 <a:spcPct val="115000"/>
               </a:lnSpc>
@@ -6216,7 +6020,7 @@
                 </a:solidFill>
               </a:defRPr>
             </a:lvl5pPr>
-            <a:lvl6pPr marL="2743200" lvl="5" indent="-317500">
+            <a:lvl6pPr indent="-317500" lvl="5" marL="2743200">
               <a:lnSpc>
                 <a:spcPct val="115000"/>
               </a:lnSpc>
@@ -6237,7 +6041,7 @@
                 </a:solidFill>
               </a:defRPr>
             </a:lvl6pPr>
-            <a:lvl7pPr marL="3200400" lvl="6" indent="-317500">
+            <a:lvl7pPr indent="-317500" lvl="6" marL="3200400">
               <a:lnSpc>
                 <a:spcPct val="115000"/>
               </a:lnSpc>
@@ -6258,7 +6062,7 @@
                 </a:solidFill>
               </a:defRPr>
             </a:lvl7pPr>
-            <a:lvl8pPr marL="3657600" lvl="7" indent="-317500">
+            <a:lvl8pPr indent="-317500" lvl="7" marL="3657600">
               <a:lnSpc>
                 <a:spcPct val="115000"/>
               </a:lnSpc>
@@ -6279,7 +6083,7 @@
                 </a:solidFill>
               </a:defRPr>
             </a:lvl8pPr>
-            <a:lvl9pPr marL="4114800" lvl="8" indent="-317500">
+            <a:lvl9pPr indent="-317500" lvl="8" marL="4114800">
               <a:lnSpc>
                 <a:spcPct val="115000"/>
               </a:lnSpc>
@@ -6301,19 +6105,15 @@
               </a:defRPr>
             </a:lvl9pPr>
           </a:lstStyle>
-          <a:p>
-            <a:endParaRPr/>
-          </a:p>
+          <a:p/>
         </p:txBody>
       </p:sp>
       <p:sp>
         <p:nvSpPr>
           <p:cNvPr id="8" name="Google Shape;8;p1"/>
-          <p:cNvSpPr txBox="1">
-            <a:spLocks noGrp="1"/>
-          </p:cNvSpPr>
+          <p:cNvSpPr txBox="1"/>
           <p:nvPr>
-            <p:ph type="sldNum" idx="12"/>
+            <p:ph idx="12" type="sldNum"/>
           </p:nvPr>
         </p:nvSpPr>
         <p:spPr>
@@ -6330,7 +6130,7 @@
           </a:ln>
         </p:spPr>
         <p:txBody>
-          <a:bodyPr spcFirstLastPara="1" wrap="square" lIns="91425" tIns="91425" rIns="91425" bIns="91425" anchor="ctr" anchorCtr="0">
+          <a:bodyPr anchorCtr="0" anchor="ctr" bIns="91425" lIns="91425" spcFirstLastPara="1" rIns="91425" wrap="square" tIns="91425">
             <a:normAutofit/>
           </a:bodyPr>
           <a:lstStyle>
@@ -6408,7 +6208,7 @@
             </a:lvl9pPr>
           </a:lstStyle>
           <a:p>
-            <a:pPr marL="0" lvl="0" indent="0" algn="r" rtl="0">
+            <a:pPr indent="0" lvl="0" marL="0" rtl="0" algn="r">
               <a:spcBef>
                 <a:spcPts val="0"/>
               </a:spcBef>
@@ -6427,7 +6227,7 @@
       </p:sp>
     </p:spTree>
   </p:cSld>
-  <p:clrMap bg1="lt1" tx1="dk1" bg2="dk2" tx2="lt2" accent1="accent1" accent2="accent2" accent3="accent3" accent4="accent4" accent5="accent5" accent6="accent6" hlink="hlink" folHlink="folHlink"/>
+  <p:clrMap accent1="accent1" accent2="accent2" accent3="accent3" accent4="accent4" accent5="accent5" accent6="accent6" bg1="lt1" bg2="dk2" tx1="dk1" tx2="lt2" folHlink="folHlink" hlink="hlink"/>
   <p:sldLayoutIdLst>
     <p:sldLayoutId id="2147483648" r:id="rId1"/>
     <p:sldLayoutId id="2147483649" r:id="rId2"/>
@@ -6441,10 +6241,10 @@
     <p:sldLayoutId id="2147483657" r:id="rId10"/>
     <p:sldLayoutId id="2147483658" r:id="rId11"/>
   </p:sldLayoutIdLst>
-  <p:hf sldNum="0" hdr="0" ftr="0" dt="0"/>
+  <p:hf dt="0" ftr="0" hdr="0" sldNum="0"/>
   <p:txStyles>
     <p:titleStyle>
-      <a:defPPr marR="0" lvl="0" algn="l" rtl="0">
+      <a:defPPr lvl="0" marR="0" rtl="0" algn="l">
         <a:lnSpc>
           <a:spcPct val="100000"/>
         </a:lnSpc>
@@ -6455,7 +6255,7 @@
           <a:spcPts val="0"/>
         </a:spcAft>
       </a:defPPr>
-      <a:lvl1pPr marR="0" lvl="0" algn="l" rtl="0">
+      <a:lvl1pPr lvl="0" marR="0" rtl="0" algn="l">
         <a:lnSpc>
           <a:spcPct val="100000"/>
         </a:lnSpc>
@@ -6469,7 +6269,7 @@
           <a:srgbClr val="000000"/>
         </a:buClr>
         <a:buFont typeface="Arial"/>
-        <a:defRPr sz="1400" b="0" i="0" u="none" strike="noStrike" cap="none">
+        <a:defRPr b="0" i="0" sz="1400" u="none" cap="none" strike="noStrike">
           <a:solidFill>
             <a:srgbClr val="000000"/>
           </a:solidFill>
@@ -6479,7 +6279,7 @@
           <a:sym typeface="Arial"/>
         </a:defRPr>
       </a:lvl1pPr>
-      <a:lvl2pPr marR="0" lvl="1" algn="l" rtl="0">
+      <a:lvl2pPr lvl="1" marR="0" rtl="0" algn="l">
         <a:lnSpc>
           <a:spcPct val="100000"/>
         </a:lnSpc>
@@ -6493,7 +6293,7 @@
           <a:srgbClr val="000000"/>
         </a:buClr>
         <a:buFont typeface="Arial"/>
-        <a:defRPr sz="1400" b="0" i="0" u="none" strike="noStrike" cap="none">
+        <a:defRPr b="0" i="0" sz="1400" u="none" cap="none" strike="noStrike">
           <a:solidFill>
             <a:srgbClr val="000000"/>
           </a:solidFill>
@@ -6503,7 +6303,7 @@
           <a:sym typeface="Arial"/>
         </a:defRPr>
       </a:lvl2pPr>
-      <a:lvl3pPr marR="0" lvl="2" algn="l" rtl="0">
+      <a:lvl3pPr lvl="2" marR="0" rtl="0" algn="l">
         <a:lnSpc>
           <a:spcPct val="100000"/>
         </a:lnSpc>
@@ -6517,7 +6317,7 @@
           <a:srgbClr val="000000"/>
         </a:buClr>
         <a:buFont typeface="Arial"/>
-        <a:defRPr sz="1400" b="0" i="0" u="none" strike="noStrike" cap="none">
+        <a:defRPr b="0" i="0" sz="1400" u="none" cap="none" strike="noStrike">
           <a:solidFill>
             <a:srgbClr val="000000"/>
           </a:solidFill>
@@ -6527,7 +6327,7 @@
           <a:sym typeface="Arial"/>
         </a:defRPr>
       </a:lvl3pPr>
-      <a:lvl4pPr marR="0" lvl="3" algn="l" rtl="0">
+      <a:lvl4pPr lvl="3" marR="0" rtl="0" algn="l">
         <a:lnSpc>
           <a:spcPct val="100000"/>
         </a:lnSpc>
@@ -6541,7 +6341,7 @@
           <a:srgbClr val="000000"/>
         </a:buClr>
         <a:buFont typeface="Arial"/>
-        <a:defRPr sz="1400" b="0" i="0" u="none" strike="noStrike" cap="none">
+        <a:defRPr b="0" i="0" sz="1400" u="none" cap="none" strike="noStrike">
           <a:solidFill>
             <a:srgbClr val="000000"/>
           </a:solidFill>
@@ -6551,7 +6351,7 @@
           <a:sym typeface="Arial"/>
         </a:defRPr>
       </a:lvl4pPr>
-      <a:lvl5pPr marR="0" lvl="4" algn="l" rtl="0">
+      <a:lvl5pPr lvl="4" marR="0" rtl="0" algn="l">
         <a:lnSpc>
           <a:spcPct val="100000"/>
         </a:lnSpc>
@@ -6565,7 +6365,7 @@
           <a:srgbClr val="000000"/>
         </a:buClr>
         <a:buFont typeface="Arial"/>
-        <a:defRPr sz="1400" b="0" i="0" u="none" strike="noStrike" cap="none">
+        <a:defRPr b="0" i="0" sz="1400" u="none" cap="none" strike="noStrike">
           <a:solidFill>
             <a:srgbClr val="000000"/>
           </a:solidFill>
@@ -6575,7 +6375,7 @@
           <a:sym typeface="Arial"/>
         </a:defRPr>
       </a:lvl5pPr>
-      <a:lvl6pPr marR="0" lvl="5" algn="l" rtl="0">
+      <a:lvl6pPr lvl="5" marR="0" rtl="0" algn="l">
         <a:lnSpc>
           <a:spcPct val="100000"/>
         </a:lnSpc>
@@ -6589,7 +6389,7 @@
           <a:srgbClr val="000000"/>
         </a:buClr>
         <a:buFont typeface="Arial"/>
-        <a:defRPr sz="1400" b="0" i="0" u="none" strike="noStrike" cap="none">
+        <a:defRPr b="0" i="0" sz="1400" u="none" cap="none" strike="noStrike">
           <a:solidFill>
             <a:srgbClr val="000000"/>
           </a:solidFill>
@@ -6599,7 +6399,7 @@
           <a:sym typeface="Arial"/>
         </a:defRPr>
       </a:lvl6pPr>
-      <a:lvl7pPr marR="0" lvl="6" algn="l" rtl="0">
+      <a:lvl7pPr lvl="6" marR="0" rtl="0" algn="l">
         <a:lnSpc>
           <a:spcPct val="100000"/>
         </a:lnSpc>
@@ -6613,7 +6413,7 @@
           <a:srgbClr val="000000"/>
         </a:buClr>
         <a:buFont typeface="Arial"/>
-        <a:defRPr sz="1400" b="0" i="0" u="none" strike="noStrike" cap="none">
+        <a:defRPr b="0" i="0" sz="1400" u="none" cap="none" strike="noStrike">
           <a:solidFill>
             <a:srgbClr val="000000"/>
           </a:solidFill>
@@ -6623,7 +6423,7 @@
           <a:sym typeface="Arial"/>
         </a:defRPr>
       </a:lvl7pPr>
-      <a:lvl8pPr marR="0" lvl="7" algn="l" rtl="0">
+      <a:lvl8pPr lvl="7" marR="0" rtl="0" algn="l">
         <a:lnSpc>
           <a:spcPct val="100000"/>
         </a:lnSpc>
@@ -6637,7 +6437,7 @@
           <a:srgbClr val="000000"/>
         </a:buClr>
         <a:buFont typeface="Arial"/>
-        <a:defRPr sz="1400" b="0" i="0" u="none" strike="noStrike" cap="none">
+        <a:defRPr b="0" i="0" sz="1400" u="none" cap="none" strike="noStrike">
           <a:solidFill>
             <a:srgbClr val="000000"/>
           </a:solidFill>
@@ -6647,7 +6447,7 @@
           <a:sym typeface="Arial"/>
         </a:defRPr>
       </a:lvl8pPr>
-      <a:lvl9pPr marR="0" lvl="8" algn="l" rtl="0">
+      <a:lvl9pPr lvl="8" marR="0" rtl="0" algn="l">
         <a:lnSpc>
           <a:spcPct val="100000"/>
         </a:lnSpc>
@@ -6661,7 +6461,7 @@
           <a:srgbClr val="000000"/>
         </a:buClr>
         <a:buFont typeface="Arial"/>
-        <a:defRPr sz="1400" b="0" i="0" u="none" strike="noStrike" cap="none">
+        <a:defRPr b="0" i="0" sz="1400" u="none" cap="none" strike="noStrike">
           <a:solidFill>
             <a:srgbClr val="000000"/>
           </a:solidFill>
@@ -6673,7 +6473,7 @@
       </a:lvl9pPr>
     </p:titleStyle>
     <p:bodyStyle>
-      <a:defPPr marR="0" lvl="0" algn="l" rtl="0">
+      <a:defPPr lvl="0" marR="0" rtl="0" algn="l">
         <a:lnSpc>
           <a:spcPct val="100000"/>
         </a:lnSpc>
@@ -6684,7 +6484,7 @@
           <a:spcPts val="0"/>
         </a:spcAft>
       </a:defPPr>
-      <a:lvl1pPr marR="0" lvl="0" algn="l" rtl="0">
+      <a:lvl1pPr lvl="0" marR="0" rtl="0" algn="l">
         <a:lnSpc>
           <a:spcPct val="100000"/>
         </a:lnSpc>
@@ -6698,7 +6498,7 @@
           <a:srgbClr val="000000"/>
         </a:buClr>
         <a:buFont typeface="Arial"/>
-        <a:defRPr sz="1400" b="0" i="0" u="none" strike="noStrike" cap="none">
+        <a:defRPr b="0" i="0" sz="1400" u="none" cap="none" strike="noStrike">
           <a:solidFill>
             <a:srgbClr val="000000"/>
           </a:solidFill>
@@ -6708,7 +6508,7 @@
           <a:sym typeface="Arial"/>
         </a:defRPr>
       </a:lvl1pPr>
-      <a:lvl2pPr marR="0" lvl="1" algn="l" rtl="0">
+      <a:lvl2pPr lvl="1" marR="0" rtl="0" algn="l">
         <a:lnSpc>
           <a:spcPct val="100000"/>
         </a:lnSpc>
@@ -6722,7 +6522,7 @@
           <a:srgbClr val="000000"/>
         </a:buClr>
         <a:buFont typeface="Arial"/>
-        <a:defRPr sz="1400" b="0" i="0" u="none" strike="noStrike" cap="none">
+        <a:defRPr b="0" i="0" sz="1400" u="none" cap="none" strike="noStrike">
           <a:solidFill>
             <a:srgbClr val="000000"/>
           </a:solidFill>
@@ -6732,7 +6532,7 @@
           <a:sym typeface="Arial"/>
         </a:defRPr>
       </a:lvl2pPr>
-      <a:lvl3pPr marR="0" lvl="2" algn="l" rtl="0">
+      <a:lvl3pPr lvl="2" marR="0" rtl="0" algn="l">
         <a:lnSpc>
           <a:spcPct val="100000"/>
         </a:lnSpc>
@@ -6746,7 +6546,7 @@
           <a:srgbClr val="000000"/>
         </a:buClr>
         <a:buFont typeface="Arial"/>
-        <a:defRPr sz="1400" b="0" i="0" u="none" strike="noStrike" cap="none">
+        <a:defRPr b="0" i="0" sz="1400" u="none" cap="none" strike="noStrike">
           <a:solidFill>
             <a:srgbClr val="000000"/>
           </a:solidFill>
@@ -6756,7 +6556,7 @@
           <a:sym typeface="Arial"/>
         </a:defRPr>
       </a:lvl3pPr>
-      <a:lvl4pPr marR="0" lvl="3" algn="l" rtl="0">
+      <a:lvl4pPr lvl="3" marR="0" rtl="0" algn="l">
         <a:lnSpc>
           <a:spcPct val="100000"/>
         </a:lnSpc>
@@ -6770,7 +6570,7 @@
           <a:srgbClr val="000000"/>
         </a:buClr>
         <a:buFont typeface="Arial"/>
-        <a:defRPr sz="1400" b="0" i="0" u="none" strike="noStrike" cap="none">
+        <a:defRPr b="0" i="0" sz="1400" u="none" cap="none" strike="noStrike">
           <a:solidFill>
             <a:srgbClr val="000000"/>
           </a:solidFill>
@@ -6780,7 +6580,7 @@
           <a:sym typeface="Arial"/>
         </a:defRPr>
       </a:lvl4pPr>
-      <a:lvl5pPr marR="0" lvl="4" algn="l" rtl="0">
+      <a:lvl5pPr lvl="4" marR="0" rtl="0" algn="l">
         <a:lnSpc>
           <a:spcPct val="100000"/>
         </a:lnSpc>
@@ -6794,7 +6594,7 @@
           <a:srgbClr val="000000"/>
         </a:buClr>
         <a:buFont typeface="Arial"/>
-        <a:defRPr sz="1400" b="0" i="0" u="none" strike="noStrike" cap="none">
+        <a:defRPr b="0" i="0" sz="1400" u="none" cap="none" strike="noStrike">
           <a:solidFill>
             <a:srgbClr val="000000"/>
           </a:solidFill>
@@ -6804,7 +6604,7 @@
           <a:sym typeface="Arial"/>
         </a:defRPr>
       </a:lvl5pPr>
-      <a:lvl6pPr marR="0" lvl="5" algn="l" rtl="0">
+      <a:lvl6pPr lvl="5" marR="0" rtl="0" algn="l">
         <a:lnSpc>
           <a:spcPct val="100000"/>
         </a:lnSpc>
@@ -6818,7 +6618,7 @@
           <a:srgbClr val="000000"/>
         </a:buClr>
         <a:buFont typeface="Arial"/>
-        <a:defRPr sz="1400" b="0" i="0" u="none" strike="noStrike" cap="none">
+        <a:defRPr b="0" i="0" sz="1400" u="none" cap="none" strike="noStrike">
           <a:solidFill>
             <a:srgbClr val="000000"/>
           </a:solidFill>
@@ -6828,7 +6628,7 @@
           <a:sym typeface="Arial"/>
         </a:defRPr>
       </a:lvl6pPr>
-      <a:lvl7pPr marR="0" lvl="6" algn="l" rtl="0">
+      <a:lvl7pPr lvl="6" marR="0" rtl="0" algn="l">
         <a:lnSpc>
           <a:spcPct val="100000"/>
         </a:lnSpc>
@@ -6842,7 +6642,7 @@
           <a:srgbClr val="000000"/>
         </a:buClr>
         <a:buFont typeface="Arial"/>
-        <a:defRPr sz="1400" b="0" i="0" u="none" strike="noStrike" cap="none">
+        <a:defRPr b="0" i="0" sz="1400" u="none" cap="none" strike="noStrike">
           <a:solidFill>
             <a:srgbClr val="000000"/>
           </a:solidFill>
@@ -6852,7 +6652,7 @@
           <a:sym typeface="Arial"/>
         </a:defRPr>
       </a:lvl7pPr>
-      <a:lvl8pPr marR="0" lvl="7" algn="l" rtl="0">
+      <a:lvl8pPr lvl="7" marR="0" rtl="0" algn="l">
         <a:lnSpc>
           <a:spcPct val="100000"/>
         </a:lnSpc>
@@ -6866,7 +6666,7 @@
           <a:srgbClr val="000000"/>
         </a:buClr>
         <a:buFont typeface="Arial"/>
-        <a:defRPr sz="1400" b="0" i="0" u="none" strike="noStrike" cap="none">
+        <a:defRPr b="0" i="0" sz="1400" u="none" cap="none" strike="noStrike">
           <a:solidFill>
             <a:srgbClr val="000000"/>
           </a:solidFill>
@@ -6876,7 +6676,7 @@
           <a:sym typeface="Arial"/>
         </a:defRPr>
       </a:lvl8pPr>
-      <a:lvl9pPr marR="0" lvl="8" algn="l" rtl="0">
+      <a:lvl9pPr lvl="8" marR="0" rtl="0" algn="l">
         <a:lnSpc>
           <a:spcPct val="100000"/>
         </a:lnSpc>
@@ -6890,7 +6690,7 @@
           <a:srgbClr val="000000"/>
         </a:buClr>
         <a:buFont typeface="Arial"/>
-        <a:defRPr sz="1400" b="0" i="0" u="none" strike="noStrike" cap="none">
+        <a:defRPr b="0" i="0" sz="1400" u="none" cap="none" strike="noStrike">
           <a:solidFill>
             <a:srgbClr val="000000"/>
           </a:solidFill>
@@ -6902,7 +6702,7 @@
       </a:lvl9pPr>
     </p:bodyStyle>
     <p:otherStyle>
-      <a:defPPr marR="0" lvl="0" algn="l" rtl="0">
+      <a:defPPr lvl="0" marR="0" rtl="0" algn="l">
         <a:lnSpc>
           <a:spcPct val="100000"/>
         </a:lnSpc>
@@ -6913,7 +6713,7 @@
           <a:spcPts val="0"/>
         </a:spcAft>
       </a:defPPr>
-      <a:lvl1pPr marR="0" lvl="0" algn="l" rtl="0">
+      <a:lvl1pPr lvl="0" marR="0" rtl="0" algn="l">
         <a:lnSpc>
           <a:spcPct val="100000"/>
         </a:lnSpc>
@@ -6927,7 +6727,7 @@
           <a:srgbClr val="000000"/>
         </a:buClr>
         <a:buFont typeface="Arial"/>
-        <a:defRPr sz="1400" b="0" i="0" u="none" strike="noStrike" cap="none">
+        <a:defRPr b="0" i="0" sz="1400" u="none" cap="none" strike="noStrike">
           <a:solidFill>
             <a:srgbClr val="000000"/>
           </a:solidFill>
@@ -6937,7 +6737,7 @@
           <a:sym typeface="Arial"/>
         </a:defRPr>
       </a:lvl1pPr>
-      <a:lvl2pPr marR="0" lvl="1" algn="l" rtl="0">
+      <a:lvl2pPr lvl="1" marR="0" rtl="0" algn="l">
         <a:lnSpc>
           <a:spcPct val="100000"/>
         </a:lnSpc>
@@ -6951,7 +6751,7 @@
           <a:srgbClr val="000000"/>
         </a:buClr>
         <a:buFont typeface="Arial"/>
-        <a:defRPr sz="1400" b="0" i="0" u="none" strike="noStrike" cap="none">
+        <a:defRPr b="0" i="0" sz="1400" u="none" cap="none" strike="noStrike">
           <a:solidFill>
             <a:srgbClr val="000000"/>
           </a:solidFill>
@@ -6961,7 +6761,7 @@
           <a:sym typeface="Arial"/>
         </a:defRPr>
       </a:lvl2pPr>
-      <a:lvl3pPr marR="0" lvl="2" algn="l" rtl="0">
+      <a:lvl3pPr lvl="2" marR="0" rtl="0" algn="l">
         <a:lnSpc>
           <a:spcPct val="100000"/>
         </a:lnSpc>
@@ -6975,7 +6775,7 @@
           <a:srgbClr val="000000"/>
         </a:buClr>
         <a:buFont typeface="Arial"/>
-        <a:defRPr sz="1400" b="0" i="0" u="none" strike="noStrike" cap="none">
+        <a:defRPr b="0" i="0" sz="1400" u="none" cap="none" strike="noStrike">
           <a:solidFill>
             <a:srgbClr val="000000"/>
           </a:solidFill>
@@ -6985,7 +6785,7 @@
           <a:sym typeface="Arial"/>
         </a:defRPr>
       </a:lvl3pPr>
-      <a:lvl4pPr marR="0" lvl="3" algn="l" rtl="0">
+      <a:lvl4pPr lvl="3" marR="0" rtl="0" algn="l">
         <a:lnSpc>
           <a:spcPct val="100000"/>
         </a:lnSpc>
@@ -6999,7 +6799,7 @@
           <a:srgbClr val="000000"/>
         </a:buClr>
         <a:buFont typeface="Arial"/>
-        <a:defRPr sz="1400" b="0" i="0" u="none" strike="noStrike" cap="none">
+        <a:defRPr b="0" i="0" sz="1400" u="none" cap="none" strike="noStrike">
           <a:solidFill>
             <a:srgbClr val="000000"/>
           </a:solidFill>
@@ -7009,7 +6809,7 @@
           <a:sym typeface="Arial"/>
         </a:defRPr>
       </a:lvl4pPr>
-      <a:lvl5pPr marR="0" lvl="4" algn="l" rtl="0">
+      <a:lvl5pPr lvl="4" marR="0" rtl="0" algn="l">
         <a:lnSpc>
           <a:spcPct val="100000"/>
         </a:lnSpc>
@@ -7023,7 +6823,7 @@
           <a:srgbClr val="000000"/>
         </a:buClr>
         <a:buFont typeface="Arial"/>
-        <a:defRPr sz="1400" b="0" i="0" u="none" strike="noStrike" cap="none">
+        <a:defRPr b="0" i="0" sz="1400" u="none" cap="none" strike="noStrike">
           <a:solidFill>
             <a:srgbClr val="000000"/>
           </a:solidFill>
@@ -7033,7 +6833,7 @@
           <a:sym typeface="Arial"/>
         </a:defRPr>
       </a:lvl5pPr>
-      <a:lvl6pPr marR="0" lvl="5" algn="l" rtl="0">
+      <a:lvl6pPr lvl="5" marR="0" rtl="0" algn="l">
         <a:lnSpc>
           <a:spcPct val="100000"/>
         </a:lnSpc>
@@ -7047,7 +6847,7 @@
           <a:srgbClr val="000000"/>
         </a:buClr>
         <a:buFont typeface="Arial"/>
-        <a:defRPr sz="1400" b="0" i="0" u="none" strike="noStrike" cap="none">
+        <a:defRPr b="0" i="0" sz="1400" u="none" cap="none" strike="noStrike">
           <a:solidFill>
             <a:srgbClr val="000000"/>
           </a:solidFill>
@@ -7057,7 +6857,7 @@
           <a:sym typeface="Arial"/>
         </a:defRPr>
       </a:lvl6pPr>
-      <a:lvl7pPr marR="0" lvl="6" algn="l" rtl="0">
+      <a:lvl7pPr lvl="6" marR="0" rtl="0" algn="l">
         <a:lnSpc>
           <a:spcPct val="100000"/>
         </a:lnSpc>
@@ -7071,7 +6871,7 @@
           <a:srgbClr val="000000"/>
         </a:buClr>
         <a:buFont typeface="Arial"/>
-        <a:defRPr sz="1400" b="0" i="0" u="none" strike="noStrike" cap="none">
+        <a:defRPr b="0" i="0" sz="1400" u="none" cap="none" strike="noStrike">
           <a:solidFill>
             <a:srgbClr val="000000"/>
           </a:solidFill>
@@ -7081,7 +6881,7 @@
           <a:sym typeface="Arial"/>
         </a:defRPr>
       </a:lvl7pPr>
-      <a:lvl8pPr marR="0" lvl="7" algn="l" rtl="0">
+      <a:lvl8pPr lvl="7" marR="0" rtl="0" algn="l">
         <a:lnSpc>
           <a:spcPct val="100000"/>
         </a:lnSpc>
@@ -7095,7 +6895,7 @@
           <a:srgbClr val="000000"/>
         </a:buClr>
         <a:buFont typeface="Arial"/>
-        <a:defRPr sz="1400" b="0" i="0" u="none" strike="noStrike" cap="none">
+        <a:defRPr b="0" i="0" sz="1400" u="none" cap="none" strike="noStrike">
           <a:solidFill>
             <a:srgbClr val="000000"/>
           </a:solidFill>
@@ -7105,7 +6905,7 @@
           <a:sym typeface="Arial"/>
         </a:defRPr>
       </a:lvl8pPr>
-      <a:lvl9pPr marR="0" lvl="8" algn="l" rtl="0">
+      <a:lvl9pPr lvl="8" marR="0" rtl="0" algn="l">
         <a:lnSpc>
           <a:spcPct val="100000"/>
         </a:lnSpc>
@@ -7119,7 +6919,7 @@
           <a:srgbClr val="000000"/>
         </a:buClr>
         <a:buFont typeface="Arial"/>
-        <a:defRPr sz="1400" b="0" i="0" u="none" strike="noStrike" cap="none">
+        <a:defRPr b="0" i="0" sz="1400" u="none" cap="none" strike="noStrike">
           <a:solidFill>
             <a:srgbClr val="000000"/>
           </a:solidFill>
@@ -7135,11 +6935,11 @@
 </file>
 
 <file path=ppt/slides/slide1.xml><?xml version="1.0" encoding="utf-8"?>
-<p:sld xmlns:a="http://schemas.openxmlformats.org/drawingml/2006/main" xmlns:r="http://schemas.openxmlformats.org/officeDocument/2006/relationships" xmlns:p="http://schemas.openxmlformats.org/presentationml/2006/main">
+<p:sld xmlns:a="http://schemas.openxmlformats.org/drawingml/2006/main" xmlns:r="http://schemas.openxmlformats.org/officeDocument/2006/relationships" xmlns:mc="http://schemas.openxmlformats.org/markup-compatibility/2006" xmlns:mv="urn:schemas-microsoft-com:mac:vml" xmlns:p="http://schemas.openxmlformats.org/presentationml/2006/main" xmlns:c="http://schemas.openxmlformats.org/drawingml/2006/chart" xmlns:dgm="http://schemas.openxmlformats.org/drawingml/2006/diagram" xmlns:o="urn:schemas-microsoft-com:office:office" xmlns:v="urn:schemas-microsoft-com:vml" xmlns:pvml="urn:schemas-microsoft-com:office:powerpoint" xmlns:com="http://schemas.openxmlformats.org/drawingml/2006/compatibility" xmlns:p14="http://schemas.microsoft.com/office/powerpoint/2010/main" xmlns:p15="http://schemas.microsoft.com/office/powerpoint/2012/main" xmlns:ahyp="http://schemas.microsoft.com/office/drawing/2018/hyperlinkcolor">
   <p:cSld>
     <p:spTree>
       <p:nvGrpSpPr>
-        <p:cNvPr id="1" name="Shape 53"/>
+        <p:cNvPr id="53" name="Shape 53"/>
         <p:cNvGrpSpPr/>
         <p:nvPr/>
       </p:nvGrpSpPr>
@@ -7154,9 +6954,7 @@
       <p:sp>
         <p:nvSpPr>
           <p:cNvPr id="54" name="Google Shape;54;p13"/>
-          <p:cNvSpPr txBox="1">
-            <a:spLocks noGrp="1"/>
-          </p:cNvSpPr>
+          <p:cNvSpPr txBox="1"/>
           <p:nvPr>
             <p:ph type="ctrTitle"/>
           </p:nvPr>
@@ -7171,12 +6969,12 @@
           </a:prstGeom>
         </p:spPr>
         <p:txBody>
-          <a:bodyPr spcFirstLastPara="1" wrap="square" lIns="91425" tIns="91425" rIns="91425" bIns="91425" anchor="b" anchorCtr="0">
+          <a:bodyPr anchorCtr="0" anchor="b" bIns="91425" lIns="91425" spcFirstLastPara="1" rIns="91425" wrap="square" tIns="91425">
             <a:normAutofit/>
           </a:bodyPr>
           <a:lstStyle/>
           <a:p>
-            <a:pPr marL="0" lvl="0" indent="0" algn="ctr" rtl="0">
+            <a:pPr indent="0" lvl="0" marL="0" rtl="0" algn="ctr">
               <a:spcBef>
                 <a:spcPts val="0"/>
               </a:spcBef>
@@ -7196,11 +6994,9 @@
       <p:sp>
         <p:nvSpPr>
           <p:cNvPr id="55" name="Google Shape;55;p13"/>
-          <p:cNvSpPr txBox="1">
-            <a:spLocks noGrp="1"/>
-          </p:cNvSpPr>
+          <p:cNvSpPr txBox="1"/>
           <p:nvPr>
-            <p:ph type="subTitle" idx="1"/>
+            <p:ph idx="1" type="subTitle"/>
           </p:nvPr>
         </p:nvSpPr>
         <p:spPr>
@@ -7213,12 +7009,12 @@
           </a:prstGeom>
         </p:spPr>
         <p:txBody>
-          <a:bodyPr spcFirstLastPara="1" wrap="square" lIns="91425" tIns="91425" rIns="91425" bIns="91425" anchor="t" anchorCtr="0">
+          <a:bodyPr anchorCtr="0" anchor="t" bIns="91425" lIns="91425" spcFirstLastPara="1" rIns="91425" wrap="square" tIns="91425">
             <a:normAutofit/>
           </a:bodyPr>
           <a:lstStyle/>
           <a:p>
-            <a:pPr marL="0" lvl="0" indent="0" algn="ctr" rtl="0">
+            <a:pPr indent="0" lvl="0" marL="0" rtl="0" algn="ctr">
               <a:spcBef>
                 <a:spcPts val="0"/>
               </a:spcBef>
@@ -7234,7 +7030,7 @@
             <a:endParaRPr sz="1800"/>
           </a:p>
           <a:p>
-            <a:pPr marL="0" lvl="0" indent="0" algn="ctr" rtl="0">
+            <a:pPr indent="0" lvl="0" marL="0" rtl="0" algn="ctr">
               <a:spcBef>
                 <a:spcPts val="0"/>
               </a:spcBef>
@@ -7243,10 +7039,13 @@
               </a:spcAft>
               <a:buNone/>
             </a:pPr>
+            <a:r>
+              <a:t/>
+            </a:r>
             <a:endParaRPr sz="1800"/>
           </a:p>
           <a:p>
-            <a:pPr marL="0" lvl="0" indent="0" algn="ctr" rtl="0">
+            <a:pPr indent="0" lvl="0" marL="0" rtl="0" algn="ctr">
               <a:spcBef>
                 <a:spcPts val="0"/>
               </a:spcBef>
@@ -7255,10 +7054,13 @@
               </a:spcAft>
               <a:buNone/>
             </a:pPr>
+            <a:r>
+              <a:t/>
+            </a:r>
             <a:endParaRPr sz="1800"/>
           </a:p>
           <a:p>
-            <a:pPr marL="0" lvl="0" indent="0" algn="ctr" rtl="0">
+            <a:pPr indent="0" lvl="0" marL="0" rtl="0" algn="ctr">
               <a:spcBef>
                 <a:spcPts val="0"/>
               </a:spcBef>
@@ -7274,7 +7076,7 @@
             <a:endParaRPr sz="1600"/>
           </a:p>
           <a:p>
-            <a:pPr marL="0" lvl="0" indent="0" algn="ctr" rtl="0">
+            <a:pPr indent="0" lvl="0" marL="0" rtl="0" algn="ctr">
               <a:spcBef>
                 <a:spcPts val="0"/>
               </a:spcBef>
@@ -7283,6 +7085,9 @@
               </a:spcAft>
               <a:buNone/>
             </a:pPr>
+            <a:r>
+              <a:t/>
+            </a:r>
             <a:endParaRPr sz="1800"/>
           </a:p>
         </p:txBody>
@@ -7296,11 +7101,11 @@
 </file>
 
 <file path=ppt/slides/slide10.xml><?xml version="1.0" encoding="utf-8"?>
-<p:sld xmlns:a="http://schemas.openxmlformats.org/drawingml/2006/main" xmlns:r="http://schemas.openxmlformats.org/officeDocument/2006/relationships" xmlns:p="http://schemas.openxmlformats.org/presentationml/2006/main">
+<p:sld xmlns:a="http://schemas.openxmlformats.org/drawingml/2006/main" xmlns:r="http://schemas.openxmlformats.org/officeDocument/2006/relationships" xmlns:mc="http://schemas.openxmlformats.org/markup-compatibility/2006" xmlns:mv="urn:schemas-microsoft-com:mac:vml" xmlns:p="http://schemas.openxmlformats.org/presentationml/2006/main" xmlns:c="http://schemas.openxmlformats.org/drawingml/2006/chart" xmlns:dgm="http://schemas.openxmlformats.org/drawingml/2006/diagram" xmlns:o="urn:schemas-microsoft-com:office:office" xmlns:v="urn:schemas-microsoft-com:vml" xmlns:pvml="urn:schemas-microsoft-com:office:powerpoint" xmlns:com="http://schemas.openxmlformats.org/drawingml/2006/compatibility" xmlns:p14="http://schemas.microsoft.com/office/powerpoint/2010/main" xmlns:p15="http://schemas.microsoft.com/office/powerpoint/2012/main" xmlns:ahyp="http://schemas.microsoft.com/office/drawing/2018/hyperlinkcolor">
   <p:cSld>
     <p:spTree>
       <p:nvGrpSpPr>
-        <p:cNvPr id="1" name="Shape 113"/>
+        <p:cNvPr id="113" name="Shape 113"/>
         <p:cNvGrpSpPr/>
         <p:nvPr/>
       </p:nvGrpSpPr>
@@ -7360,12 +7165,12 @@
           </a:ln>
         </p:spPr>
         <p:txBody>
-          <a:bodyPr spcFirstLastPara="1" wrap="square" lIns="91425" tIns="91425" rIns="91425" bIns="91425" anchor="t" anchorCtr="0">
+          <a:bodyPr anchorCtr="0" anchor="t" bIns="91425" lIns="91425" spcFirstLastPara="1" rIns="91425" wrap="square" tIns="91425">
             <a:spAutoFit/>
           </a:bodyPr>
           <a:lstStyle/>
           <a:p>
-            <a:pPr marL="0" lvl="0" indent="0" algn="l" rtl="0">
+            <a:pPr indent="0" lvl="0" marL="0" rtl="0" algn="l">
               <a:spcBef>
                 <a:spcPts val="0"/>
               </a:spcBef>
@@ -7391,11 +7196,11 @@
 </file>
 
 <file path=ppt/slides/slide11.xml><?xml version="1.0" encoding="utf-8"?>
-<p:sld xmlns:a="http://schemas.openxmlformats.org/drawingml/2006/main" xmlns:r="http://schemas.openxmlformats.org/officeDocument/2006/relationships" xmlns:p="http://schemas.openxmlformats.org/presentationml/2006/main">
+<p:sld xmlns:a="http://schemas.openxmlformats.org/drawingml/2006/main" xmlns:r="http://schemas.openxmlformats.org/officeDocument/2006/relationships" xmlns:mc="http://schemas.openxmlformats.org/markup-compatibility/2006" xmlns:mv="urn:schemas-microsoft-com:mac:vml" xmlns:p="http://schemas.openxmlformats.org/presentationml/2006/main" xmlns:c="http://schemas.openxmlformats.org/drawingml/2006/chart" xmlns:dgm="http://schemas.openxmlformats.org/drawingml/2006/diagram" xmlns:o="urn:schemas-microsoft-com:office:office" xmlns:v="urn:schemas-microsoft-com:vml" xmlns:pvml="urn:schemas-microsoft-com:office:powerpoint" xmlns:com="http://schemas.openxmlformats.org/drawingml/2006/compatibility" xmlns:p14="http://schemas.microsoft.com/office/powerpoint/2010/main" xmlns:p15="http://schemas.microsoft.com/office/powerpoint/2012/main" xmlns:ahyp="http://schemas.microsoft.com/office/drawing/2018/hyperlinkcolor">
   <p:cSld>
     <p:spTree>
       <p:nvGrpSpPr>
-        <p:cNvPr id="1" name="Shape 119"/>
+        <p:cNvPr id="119" name="Shape 119"/>
         <p:cNvGrpSpPr/>
         <p:nvPr/>
       </p:nvGrpSpPr>
@@ -7427,12 +7232,12 @@
           </a:ln>
         </p:spPr>
         <p:txBody>
-          <a:bodyPr spcFirstLastPara="1" wrap="square" lIns="91425" tIns="91425" rIns="91425" bIns="91425" anchor="t" anchorCtr="0">
+          <a:bodyPr anchorCtr="0" anchor="t" bIns="91425" lIns="91425" spcFirstLastPara="1" rIns="91425" wrap="square" tIns="91425">
             <a:spAutoFit/>
           </a:bodyPr>
           <a:lstStyle/>
           <a:p>
-            <a:pPr marL="0" lvl="0" indent="0" algn="l" rtl="0">
+            <a:pPr indent="0" lvl="0" marL="0" rtl="0" algn="l">
               <a:spcBef>
                 <a:spcPts val="0"/>
               </a:spcBef>
@@ -7486,11 +7291,11 @@
 </file>
 
 <file path=ppt/slides/slide12.xml><?xml version="1.0" encoding="utf-8"?>
-<p:sld xmlns:a="http://schemas.openxmlformats.org/drawingml/2006/main" xmlns:r="http://schemas.openxmlformats.org/officeDocument/2006/relationships" xmlns:p="http://schemas.openxmlformats.org/presentationml/2006/main">
+<p:sld xmlns:a="http://schemas.openxmlformats.org/drawingml/2006/main" xmlns:r="http://schemas.openxmlformats.org/officeDocument/2006/relationships" xmlns:mc="http://schemas.openxmlformats.org/markup-compatibility/2006" xmlns:mv="urn:schemas-microsoft-com:mac:vml" xmlns:p="http://schemas.openxmlformats.org/presentationml/2006/main" xmlns:c="http://schemas.openxmlformats.org/drawingml/2006/chart" xmlns:dgm="http://schemas.openxmlformats.org/drawingml/2006/diagram" xmlns:o="urn:schemas-microsoft-com:office:office" xmlns:v="urn:schemas-microsoft-com:vml" xmlns:pvml="urn:schemas-microsoft-com:office:powerpoint" xmlns:com="http://schemas.openxmlformats.org/drawingml/2006/compatibility" xmlns:p14="http://schemas.microsoft.com/office/powerpoint/2010/main" xmlns:p15="http://schemas.microsoft.com/office/powerpoint/2012/main" xmlns:ahyp="http://schemas.microsoft.com/office/drawing/2018/hyperlinkcolor">
   <p:cSld>
     <p:spTree>
       <p:nvGrpSpPr>
-        <p:cNvPr id="1" name="Shape 125"/>
+        <p:cNvPr id="125" name="Shape 125"/>
         <p:cNvGrpSpPr/>
         <p:nvPr/>
       </p:nvGrpSpPr>
@@ -7505,9 +7310,7 @@
       <p:sp>
         <p:nvSpPr>
           <p:cNvPr id="126" name="Google Shape;126;p24"/>
-          <p:cNvSpPr txBox="1">
-            <a:spLocks noGrp="1"/>
-          </p:cNvSpPr>
+          <p:cNvSpPr txBox="1"/>
           <p:nvPr>
             <p:ph type="title"/>
           </p:nvPr>
@@ -7522,12 +7325,12 @@
           </a:prstGeom>
         </p:spPr>
         <p:txBody>
-          <a:bodyPr spcFirstLastPara="1" wrap="square" lIns="91425" tIns="91425" rIns="91425" bIns="91425" anchor="t" anchorCtr="0">
+          <a:bodyPr anchorCtr="0" anchor="t" bIns="91425" lIns="91425" spcFirstLastPara="1" rIns="91425" wrap="square" tIns="91425">
             <a:normAutofit fontScale="90000"/>
           </a:bodyPr>
           <a:lstStyle/>
           <a:p>
-            <a:pPr marL="0" lvl="0" indent="0" algn="l" rtl="0">
+            <a:pPr indent="0" lvl="0" marL="0" rtl="0" algn="l">
               <a:spcBef>
                 <a:spcPts val="0"/>
               </a:spcBef>
@@ -7592,12 +7395,12 @@
           </a:ln>
         </p:spPr>
         <p:txBody>
-          <a:bodyPr spcFirstLastPara="1" wrap="square" lIns="91425" tIns="91425" rIns="91425" bIns="91425" anchor="t" anchorCtr="0">
+          <a:bodyPr anchorCtr="0" anchor="t" bIns="91425" lIns="91425" spcFirstLastPara="1" rIns="91425" wrap="square" tIns="91425">
             <a:spAutoFit/>
           </a:bodyPr>
           <a:lstStyle/>
           <a:p>
-            <a:pPr marL="0" lvl="0" indent="0" algn="l" rtl="0">
+            <a:pPr indent="0" lvl="0" marL="0" rtl="0" algn="l">
               <a:spcBef>
                 <a:spcPts val="0"/>
               </a:spcBef>
@@ -7623,11 +7426,11 @@
 </file>
 
 <file path=ppt/slides/slide13.xml><?xml version="1.0" encoding="utf-8"?>
-<p:sld xmlns:a="http://schemas.openxmlformats.org/drawingml/2006/main" xmlns:r="http://schemas.openxmlformats.org/officeDocument/2006/relationships" xmlns:p="http://schemas.openxmlformats.org/presentationml/2006/main">
+<p:sld xmlns:a="http://schemas.openxmlformats.org/drawingml/2006/main" xmlns:r="http://schemas.openxmlformats.org/officeDocument/2006/relationships" xmlns:mc="http://schemas.openxmlformats.org/markup-compatibility/2006" xmlns:mv="urn:schemas-microsoft-com:mac:vml" xmlns:p="http://schemas.openxmlformats.org/presentationml/2006/main" xmlns:c="http://schemas.openxmlformats.org/drawingml/2006/chart" xmlns:dgm="http://schemas.openxmlformats.org/drawingml/2006/diagram" xmlns:o="urn:schemas-microsoft-com:office:office" xmlns:v="urn:schemas-microsoft-com:vml" xmlns:pvml="urn:schemas-microsoft-com:office:powerpoint" xmlns:com="http://schemas.openxmlformats.org/drawingml/2006/compatibility" xmlns:p14="http://schemas.microsoft.com/office/powerpoint/2010/main" xmlns:p15="http://schemas.microsoft.com/office/powerpoint/2012/main" xmlns:ahyp="http://schemas.microsoft.com/office/drawing/2018/hyperlinkcolor">
   <p:cSld>
     <p:spTree>
       <p:nvGrpSpPr>
-        <p:cNvPr id="1" name="Shape 132"/>
+        <p:cNvPr id="132" name="Shape 132"/>
         <p:cNvGrpSpPr/>
         <p:nvPr/>
       </p:nvGrpSpPr>
@@ -7642,9 +7445,7 @@
       <p:sp>
         <p:nvSpPr>
           <p:cNvPr id="133" name="Google Shape;133;p25"/>
-          <p:cNvSpPr txBox="1">
-            <a:spLocks noGrp="1"/>
-          </p:cNvSpPr>
+          <p:cNvSpPr txBox="1"/>
           <p:nvPr>
             <p:ph type="title"/>
           </p:nvPr>
@@ -7659,12 +7460,12 @@
           </a:prstGeom>
         </p:spPr>
         <p:txBody>
-          <a:bodyPr spcFirstLastPara="1" wrap="square" lIns="91425" tIns="91425" rIns="91425" bIns="91425" anchor="t" anchorCtr="0">
+          <a:bodyPr anchorCtr="0" anchor="t" bIns="91425" lIns="91425" spcFirstLastPara="1" rIns="91425" wrap="square" tIns="91425">
             <a:normAutofit fontScale="90000"/>
           </a:bodyPr>
           <a:lstStyle/>
           <a:p>
-            <a:pPr marL="0" lvl="0" indent="0" algn="l" rtl="0">
+            <a:pPr indent="0" lvl="0" marL="0" rtl="0" algn="l">
               <a:spcBef>
                 <a:spcPts val="0"/>
               </a:spcBef>
@@ -7757,12 +7558,12 @@
           </a:ln>
         </p:spPr>
         <p:txBody>
-          <a:bodyPr spcFirstLastPara="1" wrap="square" lIns="91425" tIns="91425" rIns="91425" bIns="91425" anchor="t" anchorCtr="0">
+          <a:bodyPr anchorCtr="0" anchor="t" bIns="91425" lIns="91425" spcFirstLastPara="1" rIns="91425" wrap="square" tIns="91425">
             <a:spAutoFit/>
           </a:bodyPr>
           <a:lstStyle/>
           <a:p>
-            <a:pPr marL="0" lvl="0" indent="0" algn="l" rtl="0">
+            <a:pPr indent="0" lvl="0" marL="0" rtl="0" algn="l">
               <a:spcBef>
                 <a:spcPts val="0"/>
               </a:spcBef>
@@ -7788,11 +7589,11 @@
 </file>
 
 <file path=ppt/slides/slide14.xml><?xml version="1.0" encoding="utf-8"?>
-<p:sld xmlns:a="http://schemas.openxmlformats.org/drawingml/2006/main" xmlns:r="http://schemas.openxmlformats.org/officeDocument/2006/relationships" xmlns:p="http://schemas.openxmlformats.org/presentationml/2006/main">
+<p:sld xmlns:a="http://schemas.openxmlformats.org/drawingml/2006/main" xmlns:r="http://schemas.openxmlformats.org/officeDocument/2006/relationships" xmlns:mc="http://schemas.openxmlformats.org/markup-compatibility/2006" xmlns:mv="urn:schemas-microsoft-com:mac:vml" xmlns:p="http://schemas.openxmlformats.org/presentationml/2006/main" xmlns:c="http://schemas.openxmlformats.org/drawingml/2006/chart" xmlns:dgm="http://schemas.openxmlformats.org/drawingml/2006/diagram" xmlns:o="urn:schemas-microsoft-com:office:office" xmlns:v="urn:schemas-microsoft-com:vml" xmlns:pvml="urn:schemas-microsoft-com:office:powerpoint" xmlns:com="http://schemas.openxmlformats.org/drawingml/2006/compatibility" xmlns:p14="http://schemas.microsoft.com/office/powerpoint/2010/main" xmlns:p15="http://schemas.microsoft.com/office/powerpoint/2012/main" xmlns:ahyp="http://schemas.microsoft.com/office/drawing/2018/hyperlinkcolor">
   <p:cSld>
     <p:spTree>
       <p:nvGrpSpPr>
-        <p:cNvPr id="1" name="Shape 140"/>
+        <p:cNvPr id="140" name="Shape 140"/>
         <p:cNvGrpSpPr/>
         <p:nvPr/>
       </p:nvGrpSpPr>
@@ -7807,9 +7608,7 @@
       <p:sp>
         <p:nvSpPr>
           <p:cNvPr id="141" name="Google Shape;141;p26"/>
-          <p:cNvSpPr txBox="1">
-            <a:spLocks noGrp="1"/>
-          </p:cNvSpPr>
+          <p:cNvSpPr txBox="1"/>
           <p:nvPr>
             <p:ph type="title"/>
           </p:nvPr>
@@ -7824,12 +7623,12 @@
           </a:prstGeom>
         </p:spPr>
         <p:txBody>
-          <a:bodyPr spcFirstLastPara="1" wrap="square" lIns="91425" tIns="91425" rIns="91425" bIns="91425" anchor="t" anchorCtr="0">
+          <a:bodyPr anchorCtr="0" anchor="t" bIns="91425" lIns="91425" spcFirstLastPara="1" rIns="91425" wrap="square" tIns="91425">
             <a:normAutofit fontScale="90000"/>
           </a:bodyPr>
           <a:lstStyle/>
           <a:p>
-            <a:pPr marL="0" lvl="0" indent="0" algn="l" rtl="0">
+            <a:pPr indent="0" lvl="0" marL="0" rtl="0" algn="l">
               <a:spcBef>
                 <a:spcPts val="0"/>
               </a:spcBef>
@@ -7927,12 +7726,12 @@
           </a:ln>
         </p:spPr>
         <p:txBody>
-          <a:bodyPr spcFirstLastPara="1" wrap="square" lIns="91425" tIns="91425" rIns="91425" bIns="91425" anchor="t" anchorCtr="0">
+          <a:bodyPr anchorCtr="0" anchor="t" bIns="91425" lIns="91425" spcFirstLastPara="1" rIns="91425" wrap="square" tIns="91425">
             <a:spAutoFit/>
           </a:bodyPr>
           <a:lstStyle/>
           <a:p>
-            <a:pPr marL="0" lvl="0" indent="0" algn="l" rtl="0">
+            <a:pPr indent="0" lvl="0" marL="0" rtl="0" algn="l">
               <a:spcBef>
                 <a:spcPts val="0"/>
               </a:spcBef>
@@ -7958,11 +7757,11 @@
 </file>
 
 <file path=ppt/slides/slide15.xml><?xml version="1.0" encoding="utf-8"?>
-<p:sld xmlns:a="http://schemas.openxmlformats.org/drawingml/2006/main" xmlns:r="http://schemas.openxmlformats.org/officeDocument/2006/relationships" xmlns:p="http://schemas.openxmlformats.org/presentationml/2006/main">
+<p:sld xmlns:a="http://schemas.openxmlformats.org/drawingml/2006/main" xmlns:r="http://schemas.openxmlformats.org/officeDocument/2006/relationships" xmlns:mc="http://schemas.openxmlformats.org/markup-compatibility/2006" xmlns:mv="urn:schemas-microsoft-com:mac:vml" xmlns:p="http://schemas.openxmlformats.org/presentationml/2006/main" xmlns:c="http://schemas.openxmlformats.org/drawingml/2006/chart" xmlns:dgm="http://schemas.openxmlformats.org/drawingml/2006/diagram" xmlns:o="urn:schemas-microsoft-com:office:office" xmlns:v="urn:schemas-microsoft-com:vml" xmlns:pvml="urn:schemas-microsoft-com:office:powerpoint" xmlns:com="http://schemas.openxmlformats.org/drawingml/2006/compatibility" xmlns:p14="http://schemas.microsoft.com/office/powerpoint/2010/main" xmlns:p15="http://schemas.microsoft.com/office/powerpoint/2012/main" xmlns:ahyp="http://schemas.microsoft.com/office/drawing/2018/hyperlinkcolor">
   <p:cSld>
     <p:spTree>
       <p:nvGrpSpPr>
-        <p:cNvPr id="1" name="Shape 148"/>
+        <p:cNvPr id="148" name="Shape 148"/>
         <p:cNvGrpSpPr/>
         <p:nvPr/>
       </p:nvGrpSpPr>
@@ -7977,9 +7776,7 @@
       <p:sp>
         <p:nvSpPr>
           <p:cNvPr id="149" name="Google Shape;149;p27"/>
-          <p:cNvSpPr txBox="1">
-            <a:spLocks noGrp="1"/>
-          </p:cNvSpPr>
+          <p:cNvSpPr txBox="1"/>
           <p:nvPr>
             <p:ph type="title"/>
           </p:nvPr>
@@ -7994,12 +7791,12 @@
           </a:prstGeom>
         </p:spPr>
         <p:txBody>
-          <a:bodyPr spcFirstLastPara="1" wrap="square" lIns="91425" tIns="91425" rIns="91425" bIns="91425" anchor="t" anchorCtr="0">
+          <a:bodyPr anchorCtr="0" anchor="t" bIns="91425" lIns="91425" spcFirstLastPara="1" rIns="91425" wrap="square" tIns="91425">
             <a:normAutofit fontScale="90000"/>
           </a:bodyPr>
           <a:lstStyle/>
           <a:p>
-            <a:pPr marL="0" lvl="0" indent="0" algn="l" rtl="0">
+            <a:pPr indent="0" lvl="0" marL="0" rtl="0" algn="l">
               <a:spcBef>
                 <a:spcPts val="0"/>
               </a:spcBef>
@@ -8036,12 +7833,12 @@
           </a:ln>
         </p:spPr>
         <p:txBody>
-          <a:bodyPr spcFirstLastPara="1" wrap="square" lIns="91425" tIns="91425" rIns="91425" bIns="91425" anchor="t" anchorCtr="0">
+          <a:bodyPr anchorCtr="0" anchor="t" bIns="91425" lIns="91425" spcFirstLastPara="1" rIns="91425" wrap="square" tIns="91425">
             <a:spAutoFit/>
           </a:bodyPr>
           <a:lstStyle/>
           <a:p>
-            <a:pPr marL="0" lvl="0" indent="0" algn="l" rtl="0">
+            <a:pPr indent="0" lvl="0" marL="0" rtl="0" algn="l">
               <a:spcBef>
                 <a:spcPts val="0"/>
               </a:spcBef>
@@ -8095,11 +7892,11 @@
 </file>
 
 <file path=ppt/slides/slide16.xml><?xml version="1.0" encoding="utf-8"?>
-<p:sld xmlns:a="http://schemas.openxmlformats.org/drawingml/2006/main" xmlns:r="http://schemas.openxmlformats.org/officeDocument/2006/relationships" xmlns:p="http://schemas.openxmlformats.org/presentationml/2006/main">
+<p:sld xmlns:a="http://schemas.openxmlformats.org/drawingml/2006/main" xmlns:r="http://schemas.openxmlformats.org/officeDocument/2006/relationships" xmlns:mc="http://schemas.openxmlformats.org/markup-compatibility/2006" xmlns:mv="urn:schemas-microsoft-com:mac:vml" xmlns:p="http://schemas.openxmlformats.org/presentationml/2006/main" xmlns:c="http://schemas.openxmlformats.org/drawingml/2006/chart" xmlns:dgm="http://schemas.openxmlformats.org/drawingml/2006/diagram" xmlns:o="urn:schemas-microsoft-com:office:office" xmlns:v="urn:schemas-microsoft-com:vml" xmlns:pvml="urn:schemas-microsoft-com:office:powerpoint" xmlns:com="http://schemas.openxmlformats.org/drawingml/2006/compatibility" xmlns:p14="http://schemas.microsoft.com/office/powerpoint/2010/main" xmlns:p15="http://schemas.microsoft.com/office/powerpoint/2012/main" xmlns:ahyp="http://schemas.microsoft.com/office/drawing/2018/hyperlinkcolor">
   <p:cSld>
     <p:spTree>
       <p:nvGrpSpPr>
-        <p:cNvPr id="1" name="Shape 155"/>
+        <p:cNvPr id="155" name="Shape 155"/>
         <p:cNvGrpSpPr/>
         <p:nvPr/>
       </p:nvGrpSpPr>
@@ -8114,9 +7911,7 @@
       <p:sp>
         <p:nvSpPr>
           <p:cNvPr id="156" name="Google Shape;156;p28"/>
-          <p:cNvSpPr txBox="1">
-            <a:spLocks noGrp="1"/>
-          </p:cNvSpPr>
+          <p:cNvSpPr txBox="1"/>
           <p:nvPr>
             <p:ph type="title"/>
           </p:nvPr>
@@ -8131,12 +7926,12 @@
           </a:prstGeom>
         </p:spPr>
         <p:txBody>
-          <a:bodyPr spcFirstLastPara="1" wrap="square" lIns="91425" tIns="91425" rIns="91425" bIns="91425" anchor="t" anchorCtr="0">
+          <a:bodyPr anchorCtr="0" anchor="t" bIns="91425" lIns="91425" spcFirstLastPara="1" rIns="91425" wrap="square" tIns="91425">
             <a:noAutofit/>
           </a:bodyPr>
           <a:lstStyle/>
           <a:p>
-            <a:pPr marL="0" lvl="0" indent="0" algn="l" rtl="0">
+            <a:pPr indent="0" lvl="0" marL="0" rtl="0" algn="l">
               <a:spcBef>
                 <a:spcPts val="0"/>
               </a:spcBef>
@@ -8157,9 +7952,7 @@
       <p:sp>
         <p:nvSpPr>
           <p:cNvPr id="157" name="Google Shape;157;p28"/>
-          <p:cNvSpPr txBox="1">
-            <a:spLocks noGrp="1"/>
-          </p:cNvSpPr>
+          <p:cNvSpPr txBox="1"/>
           <p:nvPr>
             <p:ph type="title"/>
           </p:nvPr>
@@ -8174,12 +7967,12 @@
           </a:prstGeom>
         </p:spPr>
         <p:txBody>
-          <a:bodyPr spcFirstLastPara="1" wrap="square" lIns="91425" tIns="91425" rIns="91425" bIns="91425" anchor="t" anchorCtr="0">
+          <a:bodyPr anchorCtr="0" anchor="t" bIns="91425" lIns="91425" spcFirstLastPara="1" rIns="91425" wrap="square" tIns="91425">
             <a:normAutofit/>
           </a:bodyPr>
           <a:lstStyle/>
           <a:p>
-            <a:pPr marL="0" lvl="0" indent="0" algn="l" rtl="0">
+            <a:pPr indent="0" lvl="0" marL="0" rtl="0" algn="l">
               <a:spcBef>
                 <a:spcPts val="0"/>
               </a:spcBef>
@@ -8205,11 +7998,11 @@
 </file>
 
 <file path=ppt/slides/slide2.xml><?xml version="1.0" encoding="utf-8"?>
-<p:sld xmlns:a="http://schemas.openxmlformats.org/drawingml/2006/main" xmlns:r="http://schemas.openxmlformats.org/officeDocument/2006/relationships" xmlns:p="http://schemas.openxmlformats.org/presentationml/2006/main">
+<p:sld xmlns:a="http://schemas.openxmlformats.org/drawingml/2006/main" xmlns:r="http://schemas.openxmlformats.org/officeDocument/2006/relationships" xmlns:mc="http://schemas.openxmlformats.org/markup-compatibility/2006" xmlns:mv="urn:schemas-microsoft-com:mac:vml" xmlns:p="http://schemas.openxmlformats.org/presentationml/2006/main" xmlns:c="http://schemas.openxmlformats.org/drawingml/2006/chart" xmlns:dgm="http://schemas.openxmlformats.org/drawingml/2006/diagram" xmlns:o="urn:schemas-microsoft-com:office:office" xmlns:v="urn:schemas-microsoft-com:vml" xmlns:pvml="urn:schemas-microsoft-com:office:powerpoint" xmlns:com="http://schemas.openxmlformats.org/drawingml/2006/compatibility" xmlns:p14="http://schemas.microsoft.com/office/powerpoint/2010/main" xmlns:p15="http://schemas.microsoft.com/office/powerpoint/2012/main" xmlns:ahyp="http://schemas.microsoft.com/office/drawing/2018/hyperlinkcolor">
   <p:cSld>
     <p:spTree>
       <p:nvGrpSpPr>
-        <p:cNvPr id="1" name="Shape 59"/>
+        <p:cNvPr id="59" name="Shape 59"/>
         <p:cNvGrpSpPr/>
         <p:nvPr/>
       </p:nvGrpSpPr>
@@ -8224,9 +8017,7 @@
       <p:sp>
         <p:nvSpPr>
           <p:cNvPr id="60" name="Google Shape;60;p14"/>
-          <p:cNvSpPr txBox="1">
-            <a:spLocks noGrp="1"/>
-          </p:cNvSpPr>
+          <p:cNvSpPr txBox="1"/>
           <p:nvPr>
             <p:ph type="ctrTitle"/>
           </p:nvPr>
@@ -8241,12 +8032,12 @@
           </a:prstGeom>
         </p:spPr>
         <p:txBody>
-          <a:bodyPr spcFirstLastPara="1" wrap="square" lIns="91425" tIns="91425" rIns="91425" bIns="91425" anchor="b" anchorCtr="0">
+          <a:bodyPr anchorCtr="0" anchor="b" bIns="91425" lIns="91425" spcFirstLastPara="1" rIns="91425" wrap="square" tIns="91425">
             <a:normAutofit fontScale="90000"/>
           </a:bodyPr>
           <a:lstStyle/>
           <a:p>
-            <a:pPr marL="0" lvl="0" indent="0" algn="l" rtl="0">
+            <a:pPr indent="0" lvl="0" marL="0" rtl="0" algn="l">
               <a:spcBef>
                 <a:spcPts val="0"/>
               </a:spcBef>
@@ -8266,11 +8057,9 @@
       <p:sp>
         <p:nvSpPr>
           <p:cNvPr id="61" name="Google Shape;61;p14"/>
-          <p:cNvSpPr txBox="1">
-            <a:spLocks noGrp="1"/>
-          </p:cNvSpPr>
+          <p:cNvSpPr txBox="1"/>
           <p:nvPr>
-            <p:ph type="subTitle" idx="1"/>
+            <p:ph idx="1" type="subTitle"/>
           </p:nvPr>
         </p:nvSpPr>
         <p:spPr>
@@ -8283,12 +8072,12 @@
           </a:prstGeom>
         </p:spPr>
         <p:txBody>
-          <a:bodyPr spcFirstLastPara="1" wrap="square" lIns="91425" tIns="91425" rIns="91425" bIns="91425" anchor="t" anchorCtr="0">
-            <a:normAutofit fontScale="77500" lnSpcReduction="20000"/>
+          <a:bodyPr anchorCtr="0" anchor="t" bIns="91425" lIns="91425" spcFirstLastPara="1" rIns="91425" wrap="square" tIns="91425">
+            <a:normAutofit fontScale="77500" lnSpcReduction="10000"/>
           </a:bodyPr>
           <a:lstStyle/>
           <a:p>
-            <a:pPr marL="457200" lvl="0" indent="-346710" algn="l" rtl="0">
+            <a:pPr indent="-346710" lvl="0" marL="457200" rtl="0" algn="l">
               <a:lnSpc>
                 <a:spcPct val="115000"/>
               </a:lnSpc>
@@ -8302,13 +8091,13 @@
               <a:buAutoNum type="arabicPeriod"/>
             </a:pPr>
             <a:r>
-              <a:rPr lang="en" sz="2400" dirty="0"/>
+              <a:rPr lang="en" sz="2400"/>
               <a:t>Fundamental setup: weak metrics for GME, a brick and mortar video game company during a global pandemic</a:t>
             </a:r>
-            <a:endParaRPr sz="2400" dirty="0"/>
+            <a:endParaRPr sz="2400"/>
           </a:p>
           <a:p>
-            <a:pPr marL="914400" lvl="0" indent="-457200" algn="l" rtl="0">
+            <a:pPr indent="0" lvl="0" marL="457200" rtl="0" algn="l">
               <a:lnSpc>
                 <a:spcPct val="115000"/>
               </a:lnSpc>
@@ -8318,13 +8107,15 @@
               <a:spcAft>
                 <a:spcPts val="0"/>
               </a:spcAft>
-              <a:buFont typeface="+mj-lt"/>
-              <a:buAutoNum type="arabicPeriod"/>
+              <a:buNone/>
             </a:pPr>
-            <a:endParaRPr sz="2400" dirty="0"/>
+            <a:r>
+              <a:t/>
+            </a:r>
+            <a:endParaRPr sz="2400"/>
           </a:p>
           <a:p>
-            <a:pPr marL="457200" lvl="0" indent="-346710" algn="l" rtl="0">
+            <a:pPr indent="-346710" lvl="0" marL="457200" rtl="0" algn="l">
               <a:lnSpc>
                 <a:spcPct val="115000"/>
               </a:lnSpc>
@@ -8338,13 +8129,13 @@
               <a:buAutoNum type="arabicPeriod"/>
             </a:pPr>
             <a:r>
-              <a:rPr lang="en" sz="2400" dirty="0"/>
+              <a:rPr lang="en" sz="2400"/>
               <a:t>Technical setup: hedge funds had accumulated a very large short position</a:t>
             </a:r>
-            <a:endParaRPr sz="2400" dirty="0"/>
+            <a:endParaRPr sz="2400"/>
           </a:p>
           <a:p>
-            <a:pPr marL="914400" lvl="0" indent="-457200" algn="l" rtl="0">
+            <a:pPr indent="0" lvl="0" marL="457200" rtl="0" algn="l">
               <a:lnSpc>
                 <a:spcPct val="115000"/>
               </a:lnSpc>
@@ -8354,13 +8145,15 @@
               <a:spcAft>
                 <a:spcPts val="0"/>
               </a:spcAft>
-              <a:buFont typeface="+mj-lt"/>
-              <a:buAutoNum type="arabicPeriod"/>
+              <a:buNone/>
             </a:pPr>
-            <a:endParaRPr sz="2400" dirty="0"/>
+            <a:r>
+              <a:t/>
+            </a:r>
+            <a:endParaRPr sz="2400"/>
           </a:p>
           <a:p>
-            <a:pPr marL="457200" lvl="0" indent="-346710" algn="l" rtl="0">
+            <a:pPr indent="-346710" lvl="0" marL="457200" rtl="0" algn="l">
               <a:lnSpc>
                 <a:spcPct val="115000"/>
               </a:lnSpc>
@@ -8374,13 +8167,13 @@
               <a:buAutoNum type="arabicPeriod"/>
             </a:pPr>
             <a:r>
-              <a:rPr lang="en" sz="2400" dirty="0"/>
+              <a:rPr lang="en" sz="2400"/>
               <a:t>Sentiment analysis: daily movements in stock prices impacted by WSB posts</a:t>
             </a:r>
-            <a:endParaRPr sz="2400" dirty="0"/>
+            <a:endParaRPr sz="2400"/>
           </a:p>
           <a:p>
-            <a:pPr marL="914400" lvl="0" indent="-457200" algn="l" rtl="0">
+            <a:pPr indent="0" lvl="0" marL="457200" rtl="0" algn="l">
               <a:lnSpc>
                 <a:spcPct val="115000"/>
               </a:lnSpc>
@@ -8390,13 +8183,15 @@
               <a:spcAft>
                 <a:spcPts val="0"/>
               </a:spcAft>
-              <a:buFont typeface="+mj-lt"/>
-              <a:buAutoNum type="arabicPeriod"/>
+              <a:buNone/>
             </a:pPr>
-            <a:endParaRPr sz="2400" dirty="0"/>
+            <a:r>
+              <a:t/>
+            </a:r>
+            <a:endParaRPr sz="2400"/>
           </a:p>
           <a:p>
-            <a:pPr marL="457200" lvl="0" indent="-346710" algn="l" rtl="0">
+            <a:pPr indent="-346710" lvl="0" marL="457200" rtl="0" algn="l">
               <a:lnSpc>
                 <a:spcPct val="115000"/>
               </a:lnSpc>
@@ -8410,13 +8205,13 @@
               <a:buAutoNum type="arabicPeriod"/>
             </a:pPr>
             <a:r>
-              <a:rPr lang="en" sz="2400" dirty="0"/>
+              <a:rPr lang="en" sz="2400"/>
               <a:t>Returns, betas, and sharpes</a:t>
             </a:r>
-            <a:endParaRPr sz="2400" dirty="0"/>
+            <a:endParaRPr sz="2400"/>
           </a:p>
           <a:p>
-            <a:pPr marL="914400" lvl="0" indent="-457200" algn="l" rtl="0">
+            <a:pPr indent="0" lvl="0" marL="457200" rtl="0" algn="l">
               <a:lnSpc>
                 <a:spcPct val="115000"/>
               </a:lnSpc>
@@ -8426,13 +8221,15 @@
               <a:spcAft>
                 <a:spcPts val="0"/>
               </a:spcAft>
-              <a:buFont typeface="+mj-lt"/>
-              <a:buAutoNum type="arabicPeriod"/>
+              <a:buNone/>
             </a:pPr>
-            <a:endParaRPr sz="2400" dirty="0"/>
+            <a:r>
+              <a:t/>
+            </a:r>
+            <a:endParaRPr sz="2400"/>
           </a:p>
           <a:p>
-            <a:pPr marL="457200" lvl="0" indent="-346710" algn="l" rtl="0">
+            <a:pPr indent="-346710" lvl="0" marL="457200" rtl="0" algn="l">
               <a:lnSpc>
                 <a:spcPct val="115000"/>
               </a:lnSpc>
@@ -8446,10 +8243,10 @@
               <a:buAutoNum type="arabicPeriod"/>
             </a:pPr>
             <a:r>
-              <a:rPr lang="en" sz="2400" dirty="0"/>
+              <a:rPr lang="en" sz="2400"/>
               <a:t>Who’s next?: Monte Carlo simulation of current hot WSB stocks</a:t>
             </a:r>
-            <a:endParaRPr sz="2400" dirty="0"/>
+            <a:endParaRPr sz="2400"/>
           </a:p>
         </p:txBody>
       </p:sp>
@@ -8462,11 +8259,11 @@
 </file>
 
 <file path=ppt/slides/slide3.xml><?xml version="1.0" encoding="utf-8"?>
-<p:sld xmlns:a="http://schemas.openxmlformats.org/drawingml/2006/main" xmlns:r="http://schemas.openxmlformats.org/officeDocument/2006/relationships" xmlns:p="http://schemas.openxmlformats.org/presentationml/2006/main">
+<p:sld xmlns:a="http://schemas.openxmlformats.org/drawingml/2006/main" xmlns:r="http://schemas.openxmlformats.org/officeDocument/2006/relationships" xmlns:mc="http://schemas.openxmlformats.org/markup-compatibility/2006" xmlns:mv="urn:schemas-microsoft-com:mac:vml" xmlns:p="http://schemas.openxmlformats.org/presentationml/2006/main" xmlns:c="http://schemas.openxmlformats.org/drawingml/2006/chart" xmlns:dgm="http://schemas.openxmlformats.org/drawingml/2006/diagram" xmlns:o="urn:schemas-microsoft-com:office:office" xmlns:v="urn:schemas-microsoft-com:vml" xmlns:pvml="urn:schemas-microsoft-com:office:powerpoint" xmlns:com="http://schemas.openxmlformats.org/drawingml/2006/compatibility" xmlns:p14="http://schemas.microsoft.com/office/powerpoint/2010/main" xmlns:p15="http://schemas.microsoft.com/office/powerpoint/2012/main" xmlns:ahyp="http://schemas.microsoft.com/office/drawing/2018/hyperlinkcolor">
   <p:cSld>
     <p:spTree>
       <p:nvGrpSpPr>
-        <p:cNvPr id="1" name="Shape 65"/>
+        <p:cNvPr id="65" name="Shape 65"/>
         <p:cNvGrpSpPr/>
         <p:nvPr/>
       </p:nvGrpSpPr>
@@ -8481,9 +8278,7 @@
       <p:sp>
         <p:nvSpPr>
           <p:cNvPr id="66" name="Google Shape;66;p15"/>
-          <p:cNvSpPr txBox="1">
-            <a:spLocks noGrp="1"/>
-          </p:cNvSpPr>
+          <p:cNvSpPr txBox="1"/>
           <p:nvPr>
             <p:ph type="title"/>
           </p:nvPr>
@@ -8498,12 +8293,12 @@
           </a:prstGeom>
         </p:spPr>
         <p:txBody>
-          <a:bodyPr spcFirstLastPara="1" wrap="square" lIns="91425" tIns="91425" rIns="91425" bIns="91425" anchor="t" anchorCtr="0">
+          <a:bodyPr anchorCtr="0" anchor="t" bIns="91425" lIns="91425" spcFirstLastPara="1" rIns="91425" wrap="square" tIns="91425">
             <a:normAutofit/>
           </a:bodyPr>
           <a:lstStyle/>
           <a:p>
-            <a:pPr marL="0" lvl="0" indent="0" algn="l" rtl="0">
+            <a:pPr indent="0" lvl="0" marL="0" rtl="0" algn="l">
               <a:spcBef>
                 <a:spcPts val="0"/>
               </a:spcBef>
@@ -8519,7 +8314,7 @@
             <a:endParaRPr/>
           </a:p>
           <a:p>
-            <a:pPr marL="0" lvl="0" indent="0" algn="l" rtl="0">
+            <a:pPr indent="0" lvl="0" marL="0" rtl="0" algn="l">
               <a:spcBef>
                 <a:spcPts val="0"/>
               </a:spcBef>
@@ -8533,6 +8328,9 @@
               <a:buFont typeface="Arial"/>
               <a:buNone/>
             </a:pPr>
+            <a:r>
+              <a:t/>
+            </a:r>
             <a:endParaRPr/>
           </a:p>
         </p:txBody>
@@ -8540,11 +8338,9 @@
       <p:sp>
         <p:nvSpPr>
           <p:cNvPr id="67" name="Google Shape;67;p15"/>
-          <p:cNvSpPr txBox="1">
-            <a:spLocks noGrp="1"/>
-          </p:cNvSpPr>
+          <p:cNvSpPr txBox="1"/>
           <p:nvPr>
-            <p:ph type="body" idx="1"/>
+            <p:ph idx="1" type="body"/>
           </p:nvPr>
         </p:nvSpPr>
         <p:spPr>
@@ -8557,12 +8353,12 @@
           </a:prstGeom>
         </p:spPr>
         <p:txBody>
-          <a:bodyPr spcFirstLastPara="1" wrap="square" lIns="91425" tIns="91425" rIns="91425" bIns="91425" anchor="t" anchorCtr="0">
-            <a:normAutofit fontScale="92500" lnSpcReduction="20000"/>
+          <a:bodyPr anchorCtr="0" anchor="t" bIns="91425" lIns="91425" spcFirstLastPara="1" rIns="91425" wrap="square" tIns="91425">
+            <a:normAutofit fontScale="85000" lnSpcReduction="20000"/>
           </a:bodyPr>
           <a:lstStyle/>
           <a:p>
-            <a:pPr marL="0" lvl="0" indent="0" algn="l" rtl="0">
+            <a:pPr indent="0" lvl="0" marL="0" rtl="0" algn="l">
               <a:lnSpc>
                 <a:spcPct val="90000"/>
               </a:lnSpc>
@@ -8594,7 +8390,7 @@
             </a:endParaRPr>
           </a:p>
           <a:p>
-            <a:pPr marL="0" lvl="0" indent="0" algn="l" rtl="0">
+            <a:pPr indent="0" lvl="0" marL="0" rtl="0" algn="l">
               <a:lnSpc>
                 <a:spcPct val="90000"/>
               </a:lnSpc>
@@ -8626,7 +8422,7 @@
             </a:endParaRPr>
           </a:p>
           <a:p>
-            <a:pPr marL="0" lvl="0" indent="0" algn="l" rtl="0">
+            <a:pPr indent="0" lvl="0" marL="0" rtl="0" algn="l">
               <a:lnSpc>
                 <a:spcPct val="90000"/>
               </a:lnSpc>
@@ -8658,7 +8454,7 @@
             </a:endParaRPr>
           </a:p>
           <a:p>
-            <a:pPr marL="0" lvl="0" indent="0" algn="l" rtl="0">
+            <a:pPr indent="0" lvl="0" marL="0" rtl="0" algn="l">
               <a:lnSpc>
                 <a:spcPct val="90000"/>
               </a:lnSpc>
@@ -8690,7 +8486,7 @@
             </a:endParaRPr>
           </a:p>
           <a:p>
-            <a:pPr marL="0" lvl="0" indent="0" algn="l" rtl="0">
+            <a:pPr indent="0" lvl="0" marL="0" rtl="0" algn="l">
               <a:lnSpc>
                 <a:spcPct val="90000"/>
               </a:lnSpc>
@@ -8722,7 +8518,7 @@
             </a:endParaRPr>
           </a:p>
           <a:p>
-            <a:pPr marL="0" lvl="0" indent="0" algn="l" rtl="0">
+            <a:pPr indent="0" lvl="0" marL="0" rtl="0" algn="l">
               <a:lnSpc>
                 <a:spcPct val="90000"/>
               </a:lnSpc>
@@ -8754,7 +8550,7 @@
             </a:endParaRPr>
           </a:p>
           <a:p>
-            <a:pPr marL="0" lvl="0" indent="0" algn="l" rtl="0">
+            <a:pPr indent="0" lvl="0" marL="0" rtl="0" algn="l">
               <a:spcBef>
                 <a:spcPts val="0"/>
               </a:spcBef>
@@ -8763,6 +8559,9 @@
               </a:spcAft>
               <a:buNone/>
             </a:pPr>
+            <a:r>
+              <a:t/>
+            </a:r>
             <a:endParaRPr/>
           </a:p>
         </p:txBody>
@@ -8815,12 +8614,12 @@
           </a:ln>
         </p:spPr>
         <p:txBody>
-          <a:bodyPr spcFirstLastPara="1" wrap="square" lIns="91425" tIns="91425" rIns="91425" bIns="91425" anchor="t" anchorCtr="0">
+          <a:bodyPr anchorCtr="0" anchor="t" bIns="91425" lIns="91425" spcFirstLastPara="1" rIns="91425" wrap="square" tIns="91425">
             <a:spAutoFit/>
           </a:bodyPr>
           <a:lstStyle/>
           <a:p>
-            <a:pPr marL="0" lvl="0" indent="0" algn="l" rtl="0">
+            <a:pPr indent="0" lvl="0" marL="0" rtl="0" algn="l">
               <a:lnSpc>
                 <a:spcPct val="115000"/>
               </a:lnSpc>
@@ -8868,12 +8667,12 @@
           </a:ln>
         </p:spPr>
         <p:txBody>
-          <a:bodyPr spcFirstLastPara="1" wrap="square" lIns="91425" tIns="91425" rIns="91425" bIns="91425" anchor="t" anchorCtr="0">
+          <a:bodyPr anchorCtr="0" anchor="t" bIns="91425" lIns="91425" spcFirstLastPara="1" rIns="91425" wrap="square" tIns="91425">
             <a:spAutoFit/>
           </a:bodyPr>
           <a:lstStyle/>
           <a:p>
-            <a:pPr marL="0" lvl="0" indent="0" algn="l" rtl="0">
+            <a:pPr indent="0" lvl="0" marL="0" rtl="0" algn="l">
               <a:spcBef>
                 <a:spcPts val="0"/>
               </a:spcBef>
@@ -8908,11 +8707,11 @@
 </file>
 
 <file path=ppt/slides/slide4.xml><?xml version="1.0" encoding="utf-8"?>
-<p:sld xmlns:a="http://schemas.openxmlformats.org/drawingml/2006/main" xmlns:r="http://schemas.openxmlformats.org/officeDocument/2006/relationships" xmlns:p="http://schemas.openxmlformats.org/presentationml/2006/main">
+<p:sld xmlns:a="http://schemas.openxmlformats.org/drawingml/2006/main" xmlns:r="http://schemas.openxmlformats.org/officeDocument/2006/relationships" xmlns:mc="http://schemas.openxmlformats.org/markup-compatibility/2006" xmlns:mv="urn:schemas-microsoft-com:mac:vml" xmlns:p="http://schemas.openxmlformats.org/presentationml/2006/main" xmlns:c="http://schemas.openxmlformats.org/drawingml/2006/chart" xmlns:dgm="http://schemas.openxmlformats.org/drawingml/2006/diagram" xmlns:o="urn:schemas-microsoft-com:office:office" xmlns:v="urn:schemas-microsoft-com:vml" xmlns:pvml="urn:schemas-microsoft-com:office:powerpoint" xmlns:com="http://schemas.openxmlformats.org/drawingml/2006/compatibility" xmlns:p14="http://schemas.microsoft.com/office/powerpoint/2010/main" xmlns:p15="http://schemas.microsoft.com/office/powerpoint/2012/main" xmlns:ahyp="http://schemas.microsoft.com/office/drawing/2018/hyperlinkcolor">
   <p:cSld>
     <p:spTree>
       <p:nvGrpSpPr>
-        <p:cNvPr id="1" name="Shape 74"/>
+        <p:cNvPr id="74" name="Shape 74"/>
         <p:cNvGrpSpPr/>
         <p:nvPr/>
       </p:nvGrpSpPr>
@@ -8972,12 +8771,12 @@
           </a:ln>
         </p:spPr>
         <p:txBody>
-          <a:bodyPr spcFirstLastPara="1" wrap="square" lIns="91425" tIns="91425" rIns="91425" bIns="91425" anchor="t" anchorCtr="0">
+          <a:bodyPr anchorCtr="0" anchor="t" bIns="91425" lIns="91425" spcFirstLastPara="1" rIns="91425" wrap="square" tIns="91425">
             <a:spAutoFit/>
           </a:bodyPr>
           <a:lstStyle/>
           <a:p>
-            <a:pPr marL="0" lvl="0" indent="0" algn="l" rtl="0">
+            <a:pPr indent="0" lvl="0" marL="0" rtl="0" algn="l">
               <a:spcBef>
                 <a:spcPts val="0"/>
               </a:spcBef>
@@ -9003,11 +8802,11 @@
 </file>
 
 <file path=ppt/slides/slide5.xml><?xml version="1.0" encoding="utf-8"?>
-<p:sld xmlns:a="http://schemas.openxmlformats.org/drawingml/2006/main" xmlns:r="http://schemas.openxmlformats.org/officeDocument/2006/relationships" xmlns:p="http://schemas.openxmlformats.org/presentationml/2006/main">
+<p:sld xmlns:a="http://schemas.openxmlformats.org/drawingml/2006/main" xmlns:r="http://schemas.openxmlformats.org/officeDocument/2006/relationships" xmlns:mc="http://schemas.openxmlformats.org/markup-compatibility/2006" xmlns:mv="urn:schemas-microsoft-com:mac:vml" xmlns:p="http://schemas.openxmlformats.org/presentationml/2006/main" xmlns:c="http://schemas.openxmlformats.org/drawingml/2006/chart" xmlns:dgm="http://schemas.openxmlformats.org/drawingml/2006/diagram" xmlns:o="urn:schemas-microsoft-com:office:office" xmlns:v="urn:schemas-microsoft-com:vml" xmlns:pvml="urn:schemas-microsoft-com:office:powerpoint" xmlns:com="http://schemas.openxmlformats.org/drawingml/2006/compatibility" xmlns:p14="http://schemas.microsoft.com/office/powerpoint/2010/main" xmlns:p15="http://schemas.microsoft.com/office/powerpoint/2012/main" xmlns:ahyp="http://schemas.microsoft.com/office/drawing/2018/hyperlinkcolor">
   <p:cSld>
     <p:spTree>
       <p:nvGrpSpPr>
-        <p:cNvPr id="1" name="Shape 80"/>
+        <p:cNvPr id="80" name="Shape 80"/>
         <p:cNvGrpSpPr/>
         <p:nvPr/>
       </p:nvGrpSpPr>
@@ -9067,12 +8866,12 @@
           </a:ln>
         </p:spPr>
         <p:txBody>
-          <a:bodyPr spcFirstLastPara="1" wrap="square" lIns="91425" tIns="91425" rIns="91425" bIns="91425" anchor="t" anchorCtr="0">
+          <a:bodyPr anchorCtr="0" anchor="t" bIns="91425" lIns="91425" spcFirstLastPara="1" rIns="91425" wrap="square" tIns="91425">
             <a:spAutoFit/>
           </a:bodyPr>
           <a:lstStyle/>
           <a:p>
-            <a:pPr marL="0" lvl="0" indent="0" algn="l" rtl="0">
+            <a:pPr indent="0" lvl="0" marL="0" rtl="0" algn="l">
               <a:spcBef>
                 <a:spcPts val="0"/>
               </a:spcBef>
@@ -9098,11 +8897,11 @@
 </file>
 
 <file path=ppt/slides/slide6.xml><?xml version="1.0" encoding="utf-8"?>
-<p:sld xmlns:a="http://schemas.openxmlformats.org/drawingml/2006/main" xmlns:r="http://schemas.openxmlformats.org/officeDocument/2006/relationships" xmlns:p="http://schemas.openxmlformats.org/presentationml/2006/main">
+<p:sld xmlns:a="http://schemas.openxmlformats.org/drawingml/2006/main" xmlns:r="http://schemas.openxmlformats.org/officeDocument/2006/relationships" xmlns:mc="http://schemas.openxmlformats.org/markup-compatibility/2006" xmlns:mv="urn:schemas-microsoft-com:mac:vml" xmlns:p="http://schemas.openxmlformats.org/presentationml/2006/main" xmlns:c="http://schemas.openxmlformats.org/drawingml/2006/chart" xmlns:dgm="http://schemas.openxmlformats.org/drawingml/2006/diagram" xmlns:o="urn:schemas-microsoft-com:office:office" xmlns:v="urn:schemas-microsoft-com:vml" xmlns:pvml="urn:schemas-microsoft-com:office:powerpoint" xmlns:com="http://schemas.openxmlformats.org/drawingml/2006/compatibility" xmlns:p14="http://schemas.microsoft.com/office/powerpoint/2010/main" xmlns:p15="http://schemas.microsoft.com/office/powerpoint/2012/main" xmlns:ahyp="http://schemas.microsoft.com/office/drawing/2018/hyperlinkcolor">
   <p:cSld>
     <p:spTree>
       <p:nvGrpSpPr>
-        <p:cNvPr id="1" name="Shape 86"/>
+        <p:cNvPr id="86" name="Shape 86"/>
         <p:cNvGrpSpPr/>
         <p:nvPr/>
       </p:nvGrpSpPr>
@@ -9162,12 +8961,12 @@
           </a:ln>
         </p:spPr>
         <p:txBody>
-          <a:bodyPr spcFirstLastPara="1" wrap="square" lIns="91425" tIns="91425" rIns="91425" bIns="91425" anchor="t" anchorCtr="0">
+          <a:bodyPr anchorCtr="0" anchor="t" bIns="91425" lIns="91425" spcFirstLastPara="1" rIns="91425" wrap="square" tIns="91425">
             <a:spAutoFit/>
           </a:bodyPr>
           <a:lstStyle/>
           <a:p>
-            <a:pPr marL="0" lvl="0" indent="0" algn="l" rtl="0">
+            <a:pPr indent="0" lvl="0" marL="0" rtl="0" algn="l">
               <a:spcBef>
                 <a:spcPts val="0"/>
               </a:spcBef>
@@ -9193,11 +8992,11 @@
 </file>
 
 <file path=ppt/slides/slide7.xml><?xml version="1.0" encoding="utf-8"?>
-<p:sld xmlns:a="http://schemas.openxmlformats.org/drawingml/2006/main" xmlns:r="http://schemas.openxmlformats.org/officeDocument/2006/relationships" xmlns:p="http://schemas.openxmlformats.org/presentationml/2006/main">
+<p:sld xmlns:a="http://schemas.openxmlformats.org/drawingml/2006/main" xmlns:r="http://schemas.openxmlformats.org/officeDocument/2006/relationships" xmlns:mc="http://schemas.openxmlformats.org/markup-compatibility/2006" xmlns:mv="urn:schemas-microsoft-com:mac:vml" xmlns:p="http://schemas.openxmlformats.org/presentationml/2006/main" xmlns:c="http://schemas.openxmlformats.org/drawingml/2006/chart" xmlns:dgm="http://schemas.openxmlformats.org/drawingml/2006/diagram" xmlns:o="urn:schemas-microsoft-com:office:office" xmlns:v="urn:schemas-microsoft-com:vml" xmlns:pvml="urn:schemas-microsoft-com:office:powerpoint" xmlns:com="http://schemas.openxmlformats.org/drawingml/2006/compatibility" xmlns:p14="http://schemas.microsoft.com/office/powerpoint/2010/main" xmlns:p15="http://schemas.microsoft.com/office/powerpoint/2012/main" xmlns:ahyp="http://schemas.microsoft.com/office/drawing/2018/hyperlinkcolor">
   <p:cSld>
     <p:spTree>
       <p:nvGrpSpPr>
-        <p:cNvPr id="1" name="Shape 92"/>
+        <p:cNvPr id="92" name="Shape 92"/>
         <p:cNvGrpSpPr/>
         <p:nvPr/>
       </p:nvGrpSpPr>
@@ -9212,9 +9011,7 @@
       <p:sp>
         <p:nvSpPr>
           <p:cNvPr id="93" name="Google Shape;93;p19"/>
-          <p:cNvSpPr txBox="1">
-            <a:spLocks noGrp="1"/>
-          </p:cNvSpPr>
+          <p:cNvSpPr txBox="1"/>
           <p:nvPr>
             <p:ph type="title"/>
           </p:nvPr>
@@ -9229,12 +9026,12 @@
           </a:prstGeom>
         </p:spPr>
         <p:txBody>
-          <a:bodyPr spcFirstLastPara="1" wrap="square" lIns="91425" tIns="91425" rIns="91425" bIns="91425" anchor="t" anchorCtr="0">
+          <a:bodyPr anchorCtr="0" anchor="t" bIns="91425" lIns="91425" spcFirstLastPara="1" rIns="91425" wrap="square" tIns="91425">
             <a:normAutofit fontScale="90000"/>
           </a:bodyPr>
           <a:lstStyle/>
           <a:p>
-            <a:pPr marL="0" lvl="0" indent="0" algn="l" rtl="0">
+            <a:pPr indent="0" lvl="0" marL="0" rtl="0" algn="l">
               <a:spcBef>
                 <a:spcPts val="0"/>
               </a:spcBef>
@@ -9271,12 +9068,12 @@
           </a:ln>
         </p:spPr>
         <p:txBody>
-          <a:bodyPr spcFirstLastPara="1" wrap="square" lIns="91425" tIns="91425" rIns="91425" bIns="91425" anchor="t" anchorCtr="0">
+          <a:bodyPr anchorCtr="0" anchor="t" bIns="91425" lIns="91425" spcFirstLastPara="1" rIns="91425" wrap="square" tIns="91425">
             <a:spAutoFit/>
           </a:bodyPr>
           <a:lstStyle/>
           <a:p>
-            <a:pPr marL="0" lvl="0" indent="0" algn="l" rtl="0">
+            <a:pPr indent="0" lvl="0" marL="0" rtl="0" algn="l">
               <a:spcBef>
                 <a:spcPts val="0"/>
               </a:spcBef>
@@ -9330,11 +9127,11 @@
 </file>
 
 <file path=ppt/slides/slide8.xml><?xml version="1.0" encoding="utf-8"?>
-<p:sld xmlns:a="http://schemas.openxmlformats.org/drawingml/2006/main" xmlns:r="http://schemas.openxmlformats.org/officeDocument/2006/relationships" xmlns:p="http://schemas.openxmlformats.org/presentationml/2006/main">
+<p:sld xmlns:a="http://schemas.openxmlformats.org/drawingml/2006/main" xmlns:r="http://schemas.openxmlformats.org/officeDocument/2006/relationships" xmlns:mc="http://schemas.openxmlformats.org/markup-compatibility/2006" xmlns:mv="urn:schemas-microsoft-com:mac:vml" xmlns:p="http://schemas.openxmlformats.org/presentationml/2006/main" xmlns:c="http://schemas.openxmlformats.org/drawingml/2006/chart" xmlns:dgm="http://schemas.openxmlformats.org/drawingml/2006/diagram" xmlns:o="urn:schemas-microsoft-com:office:office" xmlns:v="urn:schemas-microsoft-com:vml" xmlns:pvml="urn:schemas-microsoft-com:office:powerpoint" xmlns:com="http://schemas.openxmlformats.org/drawingml/2006/compatibility" xmlns:p14="http://schemas.microsoft.com/office/powerpoint/2010/main" xmlns:p15="http://schemas.microsoft.com/office/powerpoint/2012/main" xmlns:ahyp="http://schemas.microsoft.com/office/drawing/2018/hyperlinkcolor">
   <p:cSld>
     <p:spTree>
       <p:nvGrpSpPr>
-        <p:cNvPr id="1" name="Shape 99"/>
+        <p:cNvPr id="99" name="Shape 99"/>
         <p:cNvGrpSpPr/>
         <p:nvPr/>
       </p:nvGrpSpPr>
@@ -9349,9 +9146,7 @@
       <p:sp>
         <p:nvSpPr>
           <p:cNvPr id="100" name="Google Shape;100;p20"/>
-          <p:cNvSpPr txBox="1">
-            <a:spLocks noGrp="1"/>
-          </p:cNvSpPr>
+          <p:cNvSpPr txBox="1"/>
           <p:nvPr>
             <p:ph type="title"/>
           </p:nvPr>
@@ -9366,12 +9161,12 @@
           </a:prstGeom>
         </p:spPr>
         <p:txBody>
-          <a:bodyPr spcFirstLastPara="1" wrap="square" lIns="91425" tIns="91425" rIns="91425" bIns="91425" anchor="t" anchorCtr="0">
+          <a:bodyPr anchorCtr="0" anchor="t" bIns="91425" lIns="91425" spcFirstLastPara="1" rIns="91425" wrap="square" tIns="91425">
             <a:normAutofit fontScale="90000"/>
           </a:bodyPr>
           <a:lstStyle/>
           <a:p>
-            <a:pPr marL="0" lvl="0" indent="0" algn="l" rtl="0">
+            <a:pPr indent="0" lvl="0" marL="0" rtl="0" algn="l">
               <a:spcBef>
                 <a:spcPts val="0"/>
               </a:spcBef>
@@ -9425,7 +9220,7 @@
         <p:spPr>
           <a:xfrm>
             <a:off x="541275" y="4487050"/>
-            <a:ext cx="8062200" cy="400079"/>
+            <a:ext cx="8062200" cy="400200"/>
           </a:xfrm>
           <a:prstGeom prst="rect">
             <a:avLst/>
@@ -9436,12 +9231,12 @@
           </a:ln>
         </p:spPr>
         <p:txBody>
-          <a:bodyPr spcFirstLastPara="1" wrap="square" lIns="91425" tIns="91425" rIns="91425" bIns="91425" anchor="t" anchorCtr="0">
+          <a:bodyPr anchorCtr="0" anchor="t" bIns="91425" lIns="91425" spcFirstLastPara="1" rIns="91425" wrap="square" tIns="91425">
             <a:spAutoFit/>
           </a:bodyPr>
           <a:lstStyle/>
           <a:p>
-            <a:pPr marL="0" lvl="0" indent="0" algn="l" rtl="0">
+            <a:pPr indent="0" lvl="0" marL="0" rtl="0" algn="l">
               <a:spcBef>
                 <a:spcPts val="0"/>
               </a:spcBef>
@@ -9451,18 +9246,10 @@
               <a:buNone/>
             </a:pPr>
             <a:r>
-              <a:rPr lang="en" dirty="0"/>
-              <a:t>Sources: Reddit, </a:t>
+              <a:rPr lang="en"/>
+              <a:t>Sources: Reddit, Kaggle	Python package: wordcloud		Data from 1/15/21 to 2/10/21</a:t>
             </a:r>
-            <a:r>
-              <a:rPr lang="en" dirty="0" smtClean="0"/>
-              <a:t>Kaggle        Python </a:t>
-            </a:r>
-            <a:r>
-              <a:rPr lang="en" dirty="0"/>
-              <a:t>package: worldcloud		Data from 1/15/21 to 2/10/21</a:t>
-            </a:r>
-            <a:endParaRPr dirty="0"/>
+            <a:endParaRPr/>
           </a:p>
         </p:txBody>
       </p:sp>
@@ -9475,11 +9262,11 @@
 </file>
 
 <file path=ppt/slides/slide9.xml><?xml version="1.0" encoding="utf-8"?>
-<p:sld xmlns:a="http://schemas.openxmlformats.org/drawingml/2006/main" xmlns:r="http://schemas.openxmlformats.org/officeDocument/2006/relationships" xmlns:p="http://schemas.openxmlformats.org/presentationml/2006/main">
+<p:sld xmlns:a="http://schemas.openxmlformats.org/drawingml/2006/main" xmlns:r="http://schemas.openxmlformats.org/officeDocument/2006/relationships" xmlns:mc="http://schemas.openxmlformats.org/markup-compatibility/2006" xmlns:mv="urn:schemas-microsoft-com:mac:vml" xmlns:p="http://schemas.openxmlformats.org/presentationml/2006/main" xmlns:c="http://schemas.openxmlformats.org/drawingml/2006/chart" xmlns:dgm="http://schemas.openxmlformats.org/drawingml/2006/diagram" xmlns:o="urn:schemas-microsoft-com:office:office" xmlns:v="urn:schemas-microsoft-com:vml" xmlns:pvml="urn:schemas-microsoft-com:office:powerpoint" xmlns:com="http://schemas.openxmlformats.org/drawingml/2006/compatibility" xmlns:p14="http://schemas.microsoft.com/office/powerpoint/2010/main" xmlns:p15="http://schemas.microsoft.com/office/powerpoint/2012/main" xmlns:ahyp="http://schemas.microsoft.com/office/drawing/2018/hyperlinkcolor">
   <p:cSld>
     <p:spTree>
       <p:nvGrpSpPr>
-        <p:cNvPr id="1" name="Shape 106"/>
+        <p:cNvPr id="106" name="Shape 106"/>
         <p:cNvGrpSpPr/>
         <p:nvPr/>
       </p:nvGrpSpPr>
@@ -9494,9 +9281,7 @@
       <p:sp>
         <p:nvSpPr>
           <p:cNvPr id="107" name="Google Shape;107;p21"/>
-          <p:cNvSpPr txBox="1">
-            <a:spLocks noGrp="1"/>
-          </p:cNvSpPr>
+          <p:cNvSpPr txBox="1"/>
           <p:nvPr>
             <p:ph type="title"/>
           </p:nvPr>
@@ -9511,12 +9296,12 @@
           </a:prstGeom>
         </p:spPr>
         <p:txBody>
-          <a:bodyPr spcFirstLastPara="1" wrap="square" lIns="91425" tIns="91425" rIns="91425" bIns="91425" anchor="t" anchorCtr="0">
+          <a:bodyPr anchorCtr="0" anchor="t" bIns="91425" lIns="91425" spcFirstLastPara="1" rIns="91425" wrap="square" tIns="91425">
             <a:normAutofit fontScale="90000"/>
           </a:bodyPr>
           <a:lstStyle/>
           <a:p>
-            <a:pPr marL="0" lvl="0" indent="0" algn="l" rtl="0">
+            <a:pPr indent="0" lvl="0" marL="0" rtl="0" algn="l">
               <a:spcBef>
                 <a:spcPts val="0"/>
               </a:spcBef>
@@ -9581,12 +9366,12 @@
           </a:ln>
         </p:spPr>
         <p:txBody>
-          <a:bodyPr spcFirstLastPara="1" wrap="square" lIns="91425" tIns="91425" rIns="91425" bIns="91425" anchor="t" anchorCtr="0">
+          <a:bodyPr anchorCtr="0" anchor="t" bIns="91425" lIns="91425" spcFirstLastPara="1" rIns="91425" wrap="square" tIns="91425">
             <a:spAutoFit/>
           </a:bodyPr>
           <a:lstStyle/>
           <a:p>
-            <a:pPr marL="0" lvl="0" indent="0" algn="l" rtl="0">
+            <a:pPr indent="0" lvl="0" marL="0" rtl="0" algn="l">
               <a:spcBef>
                 <a:spcPts val="0"/>
               </a:spcBef>
@@ -9612,7 +9397,7 @@
 </file>
 
 <file path=ppt/theme/theme1.xml><?xml version="1.0" encoding="utf-8"?>
-<a:theme xmlns:a="http://schemas.openxmlformats.org/drawingml/2006/main" name="Simple Light">
+<a:theme xmlns:a="http://schemas.openxmlformats.org/drawingml/2006/main" xmlns:r="http://schemas.openxmlformats.org/officeDocument/2006/relationships" name="Simple Light">
   <a:themeElements>
     <a:clrScheme name="Simple Light">
       <a:dk1>
@@ -9887,13 +9672,11 @@
       </a:bgFillStyleLst>
     </a:fmtScheme>
   </a:themeElements>
-  <a:objectDefaults/>
-  <a:extraClrSchemeLst/>
 </a:theme>
 </file>
 
 <file path=ppt/theme/theme2.xml><?xml version="1.0" encoding="utf-8"?>
-<a:theme xmlns:a="http://schemas.openxmlformats.org/drawingml/2006/main">
+<a:theme xmlns:a="http://schemas.openxmlformats.org/drawingml/2006/main" xmlns:r="http://schemas.openxmlformats.org/officeDocument/2006/relationships">
   <a:themeElements>
     <a:clrScheme name="Default">
       <a:dk1>
@@ -10168,7 +9951,5 @@
       </a:bgFillStyleLst>
     </a:fmtScheme>
   </a:themeElements>
-  <a:objectDefaults/>
-  <a:extraClrSchemeLst/>
 </a:theme>
 </file>
--- a/CF-Project1.pptx
+++ b/CF-Project1.pptx
@@ -1,34 +1,35 @@
 
 <file path=ppt/presentation.xml><?xml version="1.0" encoding="utf-8"?>
-<p:presentation xmlns:a="http://schemas.openxmlformats.org/drawingml/2006/main" xmlns:r="http://schemas.openxmlformats.org/officeDocument/2006/relationships" xmlns:mc="http://schemas.openxmlformats.org/markup-compatibility/2006" xmlns:mv="urn:schemas-microsoft-com:mac:vml" xmlns:p="http://schemas.openxmlformats.org/presentationml/2006/main" xmlns:c="http://schemas.openxmlformats.org/drawingml/2006/chart" xmlns:dgm="http://schemas.openxmlformats.org/drawingml/2006/diagram" xmlns:o="urn:schemas-microsoft-com:office:office" xmlns:v="urn:schemas-microsoft-com:vml" xmlns:pvml="urn:schemas-microsoft-com:office:powerpoint" xmlns:com="http://schemas.openxmlformats.org/drawingml/2006/compatibility" xmlns:p14="http://schemas.microsoft.com/office/powerpoint/2010/main" xmlns:p15="http://schemas.microsoft.com/office/powerpoint/2012/main" xmlns:ahyp="http://schemas.microsoft.com/office/drawing/2018/hyperlinkcolor" autoCompressPictures="0" strictFirstAndLastChars="0" saveSubsetFonts="1">
+<p:presentation xmlns:a="http://schemas.openxmlformats.org/drawingml/2006/main" xmlns:r="http://schemas.openxmlformats.org/officeDocument/2006/relationships" xmlns:p="http://schemas.openxmlformats.org/presentationml/2006/main" strictFirstAndLastChars="0" saveSubsetFonts="1" autoCompressPictures="0">
   <p:sldMasterIdLst>
-    <p:sldMasterId id="2147483659" r:id="rId4"/>
+    <p:sldMasterId id="2147483659" r:id="rId1"/>
   </p:sldMasterIdLst>
   <p:notesMasterIdLst>
-    <p:notesMasterId r:id="rId5"/>
+    <p:notesMasterId r:id="rId19"/>
   </p:notesMasterIdLst>
   <p:sldIdLst>
-    <p:sldId id="256" r:id="rId6"/>
-    <p:sldId id="257" r:id="rId7"/>
-    <p:sldId id="258" r:id="rId8"/>
-    <p:sldId id="259" r:id="rId9"/>
-    <p:sldId id="260" r:id="rId10"/>
-    <p:sldId id="261" r:id="rId11"/>
-    <p:sldId id="262" r:id="rId12"/>
-    <p:sldId id="263" r:id="rId13"/>
-    <p:sldId id="264" r:id="rId14"/>
-    <p:sldId id="265" r:id="rId15"/>
-    <p:sldId id="266" r:id="rId16"/>
-    <p:sldId id="267" r:id="rId17"/>
-    <p:sldId id="268" r:id="rId18"/>
-    <p:sldId id="269" r:id="rId19"/>
-    <p:sldId id="270" r:id="rId20"/>
-    <p:sldId id="271" r:id="rId21"/>
+    <p:sldId id="256" r:id="rId2"/>
+    <p:sldId id="257" r:id="rId3"/>
+    <p:sldId id="258" r:id="rId4"/>
+    <p:sldId id="259" r:id="rId5"/>
+    <p:sldId id="260" r:id="rId6"/>
+    <p:sldId id="261" r:id="rId7"/>
+    <p:sldId id="262" r:id="rId8"/>
+    <p:sldId id="263" r:id="rId9"/>
+    <p:sldId id="264" r:id="rId10"/>
+    <p:sldId id="265" r:id="rId11"/>
+    <p:sldId id="266" r:id="rId12"/>
+    <p:sldId id="267" r:id="rId13"/>
+    <p:sldId id="268" r:id="rId14"/>
+    <p:sldId id="269" r:id="rId15"/>
+    <p:sldId id="270" r:id="rId16"/>
+    <p:sldId id="271" r:id="rId17"/>
+    <p:sldId id="272" r:id="rId18"/>
   </p:sldIdLst>
-  <p:sldSz cy="5143500" cx="9144000"/>
+  <p:sldSz cx="9144000" cy="5143500" type="screen16x9"/>
   <p:notesSz cx="6858000" cy="9144000"/>
   <p:defaultTextStyle>
-    <a:defPPr lvl="0" marR="0" rtl="0" algn="l">
+    <a:defPPr marR="0" lvl="0" algn="l" rtl="0">
       <a:lnSpc>
         <a:spcPct val="100000"/>
       </a:lnSpc>
@@ -39,7 +40,7 @@
         <a:spcPts val="0"/>
       </a:spcAft>
     </a:defPPr>
-    <a:lvl1pPr lvl="0" marR="0" rtl="0" algn="l">
+    <a:lvl1pPr marR="0" lvl="0" algn="l" rtl="0">
       <a:lnSpc>
         <a:spcPct val="100000"/>
       </a:lnSpc>
@@ -53,7 +54,7 @@
         <a:srgbClr val="000000"/>
       </a:buClr>
       <a:buFont typeface="Arial"/>
-      <a:defRPr b="0" i="0" sz="1400" u="none" cap="none" strike="noStrike">
+      <a:defRPr sz="1400" b="0" i="0" u="none" strike="noStrike" cap="none">
         <a:solidFill>
           <a:srgbClr val="000000"/>
         </a:solidFill>
@@ -63,7 +64,7 @@
         <a:sym typeface="Arial"/>
       </a:defRPr>
     </a:lvl1pPr>
-    <a:lvl2pPr lvl="1" marR="0" rtl="0" algn="l">
+    <a:lvl2pPr marR="0" lvl="1" algn="l" rtl="0">
       <a:lnSpc>
         <a:spcPct val="100000"/>
       </a:lnSpc>
@@ -77,7 +78,7 @@
         <a:srgbClr val="000000"/>
       </a:buClr>
       <a:buFont typeface="Arial"/>
-      <a:defRPr b="0" i="0" sz="1400" u="none" cap="none" strike="noStrike">
+      <a:defRPr sz="1400" b="0" i="0" u="none" strike="noStrike" cap="none">
         <a:solidFill>
           <a:srgbClr val="000000"/>
         </a:solidFill>
@@ -87,7 +88,7 @@
         <a:sym typeface="Arial"/>
       </a:defRPr>
     </a:lvl2pPr>
-    <a:lvl3pPr lvl="2" marR="0" rtl="0" algn="l">
+    <a:lvl3pPr marR="0" lvl="2" algn="l" rtl="0">
       <a:lnSpc>
         <a:spcPct val="100000"/>
       </a:lnSpc>
@@ -101,7 +102,7 @@
         <a:srgbClr val="000000"/>
       </a:buClr>
       <a:buFont typeface="Arial"/>
-      <a:defRPr b="0" i="0" sz="1400" u="none" cap="none" strike="noStrike">
+      <a:defRPr sz="1400" b="0" i="0" u="none" strike="noStrike" cap="none">
         <a:solidFill>
           <a:srgbClr val="000000"/>
         </a:solidFill>
@@ -111,7 +112,7 @@
         <a:sym typeface="Arial"/>
       </a:defRPr>
     </a:lvl3pPr>
-    <a:lvl4pPr lvl="3" marR="0" rtl="0" algn="l">
+    <a:lvl4pPr marR="0" lvl="3" algn="l" rtl="0">
       <a:lnSpc>
         <a:spcPct val="100000"/>
       </a:lnSpc>
@@ -125,7 +126,7 @@
         <a:srgbClr val="000000"/>
       </a:buClr>
       <a:buFont typeface="Arial"/>
-      <a:defRPr b="0" i="0" sz="1400" u="none" cap="none" strike="noStrike">
+      <a:defRPr sz="1400" b="0" i="0" u="none" strike="noStrike" cap="none">
         <a:solidFill>
           <a:srgbClr val="000000"/>
         </a:solidFill>
@@ -135,7 +136,7 @@
         <a:sym typeface="Arial"/>
       </a:defRPr>
     </a:lvl4pPr>
-    <a:lvl5pPr lvl="4" marR="0" rtl="0" algn="l">
+    <a:lvl5pPr marR="0" lvl="4" algn="l" rtl="0">
       <a:lnSpc>
         <a:spcPct val="100000"/>
       </a:lnSpc>
@@ -149,7 +150,7 @@
         <a:srgbClr val="000000"/>
       </a:buClr>
       <a:buFont typeface="Arial"/>
-      <a:defRPr b="0" i="0" sz="1400" u="none" cap="none" strike="noStrike">
+      <a:defRPr sz="1400" b="0" i="0" u="none" strike="noStrike" cap="none">
         <a:solidFill>
           <a:srgbClr val="000000"/>
         </a:solidFill>
@@ -159,7 +160,7 @@
         <a:sym typeface="Arial"/>
       </a:defRPr>
     </a:lvl5pPr>
-    <a:lvl6pPr lvl="5" marR="0" rtl="0" algn="l">
+    <a:lvl6pPr marR="0" lvl="5" algn="l" rtl="0">
       <a:lnSpc>
         <a:spcPct val="100000"/>
       </a:lnSpc>
@@ -173,7 +174,7 @@
         <a:srgbClr val="000000"/>
       </a:buClr>
       <a:buFont typeface="Arial"/>
-      <a:defRPr b="0" i="0" sz="1400" u="none" cap="none" strike="noStrike">
+      <a:defRPr sz="1400" b="0" i="0" u="none" strike="noStrike" cap="none">
         <a:solidFill>
           <a:srgbClr val="000000"/>
         </a:solidFill>
@@ -183,7 +184,7 @@
         <a:sym typeface="Arial"/>
       </a:defRPr>
     </a:lvl6pPr>
-    <a:lvl7pPr lvl="6" marR="0" rtl="0" algn="l">
+    <a:lvl7pPr marR="0" lvl="6" algn="l" rtl="0">
       <a:lnSpc>
         <a:spcPct val="100000"/>
       </a:lnSpc>
@@ -197,7 +198,7 @@
         <a:srgbClr val="000000"/>
       </a:buClr>
       <a:buFont typeface="Arial"/>
-      <a:defRPr b="0" i="0" sz="1400" u="none" cap="none" strike="noStrike">
+      <a:defRPr sz="1400" b="0" i="0" u="none" strike="noStrike" cap="none">
         <a:solidFill>
           <a:srgbClr val="000000"/>
         </a:solidFill>
@@ -207,7 +208,7 @@
         <a:sym typeface="Arial"/>
       </a:defRPr>
     </a:lvl7pPr>
-    <a:lvl8pPr lvl="7" marR="0" rtl="0" algn="l">
+    <a:lvl8pPr marR="0" lvl="7" algn="l" rtl="0">
       <a:lnSpc>
         <a:spcPct val="100000"/>
       </a:lnSpc>
@@ -221,7 +222,7 @@
         <a:srgbClr val="000000"/>
       </a:buClr>
       <a:buFont typeface="Arial"/>
-      <a:defRPr b="0" i="0" sz="1400" u="none" cap="none" strike="noStrike">
+      <a:defRPr sz="1400" b="0" i="0" u="none" strike="noStrike" cap="none">
         <a:solidFill>
           <a:srgbClr val="000000"/>
         </a:solidFill>
@@ -231,7 +232,7 @@
         <a:sym typeface="Arial"/>
       </a:defRPr>
     </a:lvl8pPr>
-    <a:lvl9pPr lvl="8" marR="0" rtl="0" algn="l">
+    <a:lvl9pPr marR="0" lvl="8" algn="l" rtl="0">
       <a:lnSpc>
         <a:spcPct val="100000"/>
       </a:lnSpc>
@@ -245,7 +246,7 @@
         <a:srgbClr val="000000"/>
       </a:buClr>
       <a:buFont typeface="Arial"/>
-      <a:defRPr b="0" i="0" sz="1400" u="none" cap="none" strike="noStrike">
+      <a:defRPr sz="1400" b="0" i="0" u="none" strike="noStrike" cap="none">
         <a:solidFill>
           <a:srgbClr val="000000"/>
         </a:solidFill>
@@ -258,7 +259,7 @@
   </p:defaultTextStyle>
   <p:extLst>
     <p:ext uri="{EFAFB233-063F-42B5-8137-9DF3F51BA10A}">
-      <p15:sldGuideLst>
+      <p15:sldGuideLst xmlns:ahyp="http://schemas.microsoft.com/office/drawing/2018/hyperlinkcolor" xmlns:p15="http://schemas.microsoft.com/office/powerpoint/2012/main" xmlns:p14="http://schemas.microsoft.com/office/powerpoint/2010/main" xmlns:com="http://schemas.openxmlformats.org/drawingml/2006/compatibility" xmlns:pvml="urn:schemas-microsoft-com:office:powerpoint" xmlns:v="urn:schemas-microsoft-com:vml" xmlns:o="urn:schemas-microsoft-com:office:office" xmlns:dgm="http://schemas.openxmlformats.org/drawingml/2006/diagram" xmlns:c="http://schemas.openxmlformats.org/drawingml/2006/chart" xmlns:mv="urn:schemas-microsoft-com:mac:vml" xmlns:mc="http://schemas.openxmlformats.org/markup-compatibility/2006" xmlns="">
         <p15:guide id="1" orient="horz" pos="1620">
           <p15:clr>
             <a:srgbClr val="A4A3A4"/>
@@ -276,11 +277,16 @@
 </file>
 
 <file path=ppt/notesMasters/notesMaster1.xml><?xml version="1.0" encoding="utf-8"?>
-<p:notesMaster xmlns:a="http://schemas.openxmlformats.org/drawingml/2006/main" xmlns:r="http://schemas.openxmlformats.org/officeDocument/2006/relationships" xmlns:mc="http://schemas.openxmlformats.org/markup-compatibility/2006" xmlns:mv="urn:schemas-microsoft-com:mac:vml" xmlns:p="http://schemas.openxmlformats.org/presentationml/2006/main" xmlns:c="http://schemas.openxmlformats.org/drawingml/2006/chart" xmlns:dgm="http://schemas.openxmlformats.org/drawingml/2006/diagram" xmlns:o="urn:schemas-microsoft-com:office:office" xmlns:v="urn:schemas-microsoft-com:vml" xmlns:pvml="urn:schemas-microsoft-com:office:powerpoint" xmlns:com="http://schemas.openxmlformats.org/drawingml/2006/compatibility" xmlns:p14="http://schemas.microsoft.com/office/powerpoint/2010/main" xmlns:p15="http://schemas.microsoft.com/office/powerpoint/2012/main" xmlns:ahyp="http://schemas.microsoft.com/office/drawing/2018/hyperlinkcolor">
+<p:notesMaster xmlns:a="http://schemas.openxmlformats.org/drawingml/2006/main" xmlns:r="http://schemas.openxmlformats.org/officeDocument/2006/relationships" xmlns:p="http://schemas.openxmlformats.org/presentationml/2006/main">
   <p:cSld>
+    <p:bg>
+      <p:bgRef idx="1001">
+        <a:schemeClr val="bg1"/>
+      </p:bgRef>
+    </p:bg>
     <p:spTree>
       <p:nvGrpSpPr>
-        <p:cNvPr id="2" name="Shape 2"/>
+        <p:cNvPr id="1" name="Shape 2"/>
         <p:cNvGrpSpPr/>
         <p:nvPr/>
       </p:nvGrpSpPr>
@@ -295,9 +301,11 @@
       <p:sp>
         <p:nvSpPr>
           <p:cNvPr id="3" name="Google Shape;3;n"/>
-          <p:cNvSpPr/>
+          <p:cNvSpPr>
+            <a:spLocks noGrp="1" noRot="1" noChangeAspect="1"/>
+          </p:cNvSpPr>
           <p:nvPr>
-            <p:ph idx="2" type="sldImg"/>
+            <p:ph type="sldImg" idx="2"/>
           </p:nvPr>
         </p:nvSpPr>
         <p:spPr>
@@ -306,9 +314,13 @@
             <a:ext cx="6096075" cy="3429000"/>
           </a:xfrm>
           <a:custGeom>
-            <a:rect b="b" l="l" r="r" t="t"/>
+            <a:avLst/>
+            <a:gdLst/>
+            <a:ahLst/>
+            <a:cxnLst/>
+            <a:rect l="l" t="t" r="r" b="b"/>
             <a:pathLst>
-              <a:path extrusionOk="0" h="120000" w="120000">
+              <a:path w="120000" h="120000" extrusionOk="0">
                 <a:moveTo>
                   <a:pt x="0" y="0"/>
                 </a:moveTo>
@@ -326,23 +338,25 @@
             </a:pathLst>
           </a:custGeom>
           <a:noFill/>
-          <a:ln cap="flat" cmpd="sng" w="9525">
+          <a:ln w="9525" cap="flat" cmpd="sng">
             <a:solidFill>
               <a:srgbClr val="000000"/>
             </a:solidFill>
             <a:prstDash val="solid"/>
             <a:round/>
-            <a:headEnd len="sm" w="sm" type="none"/>
-            <a:tailEnd len="sm" w="sm" type="none"/>
+            <a:headEnd type="none" w="sm" len="sm"/>
+            <a:tailEnd type="none" w="sm" len="sm"/>
           </a:ln>
         </p:spPr>
       </p:sp>
       <p:sp>
         <p:nvSpPr>
           <p:cNvPr id="4" name="Google Shape;4;n"/>
-          <p:cNvSpPr txBox="1"/>
+          <p:cNvSpPr txBox="1">
+            <a:spLocks noGrp="1"/>
+          </p:cNvSpPr>
           <p:nvPr>
-            <p:ph idx="1" type="body"/>
+            <p:ph type="body" idx="1"/>
           </p:nvPr>
         </p:nvSpPr>
         <p:spPr>
@@ -359,11 +373,11 @@
           </a:ln>
         </p:spPr>
         <p:txBody>
-          <a:bodyPr anchorCtr="0" anchor="t" bIns="91425" lIns="91425" spcFirstLastPara="1" rIns="91425" wrap="square" tIns="91425">
+          <a:bodyPr spcFirstLastPara="1" wrap="square" lIns="91425" tIns="91425" rIns="91425" bIns="91425" anchor="t" anchorCtr="0">
             <a:noAutofit/>
           </a:bodyPr>
           <a:lstStyle>
-            <a:lvl1pPr indent="-298450" lvl="0" marL="457200">
+            <a:lvl1pPr marL="457200" lvl="0" indent="-298450">
               <a:spcBef>
                 <a:spcPts val="0"/>
               </a:spcBef>
@@ -374,7 +388,7 @@
               <a:buChar char="●"/>
               <a:defRPr sz="1100"/>
             </a:lvl1pPr>
-            <a:lvl2pPr indent="-298450" lvl="1" marL="914400">
+            <a:lvl2pPr marL="914400" lvl="1" indent="-298450">
               <a:spcBef>
                 <a:spcPts val="0"/>
               </a:spcBef>
@@ -385,7 +399,7 @@
               <a:buChar char="○"/>
               <a:defRPr sz="1100"/>
             </a:lvl2pPr>
-            <a:lvl3pPr indent="-298450" lvl="2" marL="1371600">
+            <a:lvl3pPr marL="1371600" lvl="2" indent="-298450">
               <a:spcBef>
                 <a:spcPts val="0"/>
               </a:spcBef>
@@ -396,7 +410,7 @@
               <a:buChar char="■"/>
               <a:defRPr sz="1100"/>
             </a:lvl3pPr>
-            <a:lvl4pPr indent="-298450" lvl="3" marL="1828800">
+            <a:lvl4pPr marL="1828800" lvl="3" indent="-298450">
               <a:spcBef>
                 <a:spcPts val="0"/>
               </a:spcBef>
@@ -407,7 +421,7 @@
               <a:buChar char="●"/>
               <a:defRPr sz="1100"/>
             </a:lvl4pPr>
-            <a:lvl5pPr indent="-298450" lvl="4" marL="2286000">
+            <a:lvl5pPr marL="2286000" lvl="4" indent="-298450">
               <a:spcBef>
                 <a:spcPts val="0"/>
               </a:spcBef>
@@ -418,7 +432,7 @@
               <a:buChar char="○"/>
               <a:defRPr sz="1100"/>
             </a:lvl5pPr>
-            <a:lvl6pPr indent="-298450" lvl="5" marL="2743200">
+            <a:lvl6pPr marL="2743200" lvl="5" indent="-298450">
               <a:spcBef>
                 <a:spcPts val="0"/>
               </a:spcBef>
@@ -429,7 +443,7 @@
               <a:buChar char="■"/>
               <a:defRPr sz="1100"/>
             </a:lvl6pPr>
-            <a:lvl7pPr indent="-298450" lvl="6" marL="3200400">
+            <a:lvl7pPr marL="3200400" lvl="6" indent="-298450">
               <a:spcBef>
                 <a:spcPts val="0"/>
               </a:spcBef>
@@ -440,7 +454,7 @@
               <a:buChar char="●"/>
               <a:defRPr sz="1100"/>
             </a:lvl7pPr>
-            <a:lvl8pPr indent="-298450" lvl="7" marL="3657600">
+            <a:lvl8pPr marL="3657600" lvl="7" indent="-298450">
               <a:spcBef>
                 <a:spcPts val="0"/>
               </a:spcBef>
@@ -451,7 +465,7 @@
               <a:buChar char="○"/>
               <a:defRPr sz="1100"/>
             </a:lvl8pPr>
-            <a:lvl9pPr indent="-298450" lvl="8" marL="4114800">
+            <a:lvl9pPr marL="4114800" lvl="8" indent="-298450">
               <a:spcBef>
                 <a:spcPts val="0"/>
               </a:spcBef>
@@ -463,14 +477,21 @@
               <a:defRPr sz="1100"/>
             </a:lvl9pPr>
           </a:lstStyle>
-          <a:p/>
+          <a:p>
+            <a:endParaRPr/>
+          </a:p>
         </p:txBody>
       </p:sp>
     </p:spTree>
+    <p:extLst>
+      <p:ext uri="{BB962C8B-B14F-4D97-AF65-F5344CB8AC3E}">
+        <p14:creationId xmlns:p14="http://schemas.microsoft.com/office/powerpoint/2010/main" val="106210392"/>
+      </p:ext>
+    </p:extLst>
   </p:cSld>
-  <p:clrMap accent1="accent1" accent2="accent2" accent3="accent3" accent4="accent4" accent5="accent5" accent6="accent6" bg1="lt1" bg2="dk2" tx1="dk1" tx2="lt2" folHlink="folHlink" hlink="hlink"/>
+  <p:clrMap bg1="lt1" tx1="dk1" bg2="dk2" tx2="lt2" accent1="accent1" accent2="accent2" accent3="accent3" accent4="accent4" accent5="accent5" accent6="accent6" hlink="hlink" folHlink="folHlink"/>
   <p:notesStyle>
-    <a:defPPr lvl="0" marR="0" rtl="0" algn="l">
+    <a:defPPr marR="0" lvl="0" algn="l" rtl="0">
       <a:lnSpc>
         <a:spcPct val="100000"/>
       </a:lnSpc>
@@ -481,7 +502,7 @@
         <a:spcPts val="0"/>
       </a:spcAft>
     </a:defPPr>
-    <a:lvl1pPr lvl="0" marR="0" rtl="0" algn="l">
+    <a:lvl1pPr marR="0" lvl="0" algn="l" rtl="0">
       <a:lnSpc>
         <a:spcPct val="100000"/>
       </a:lnSpc>
@@ -495,7 +516,7 @@
         <a:srgbClr val="000000"/>
       </a:buClr>
       <a:buFont typeface="Arial"/>
-      <a:defRPr b="0" i="0" sz="1400" u="none" cap="none" strike="noStrike">
+      <a:defRPr sz="1400" b="0" i="0" u="none" strike="noStrike" cap="none">
         <a:solidFill>
           <a:srgbClr val="000000"/>
         </a:solidFill>
@@ -505,7 +526,7 @@
         <a:sym typeface="Arial"/>
       </a:defRPr>
     </a:lvl1pPr>
-    <a:lvl2pPr lvl="1" marR="0" rtl="0" algn="l">
+    <a:lvl2pPr marR="0" lvl="1" algn="l" rtl="0">
       <a:lnSpc>
         <a:spcPct val="100000"/>
       </a:lnSpc>
@@ -519,7 +540,7 @@
         <a:srgbClr val="000000"/>
       </a:buClr>
       <a:buFont typeface="Arial"/>
-      <a:defRPr b="0" i="0" sz="1400" u="none" cap="none" strike="noStrike">
+      <a:defRPr sz="1400" b="0" i="0" u="none" strike="noStrike" cap="none">
         <a:solidFill>
           <a:srgbClr val="000000"/>
         </a:solidFill>
@@ -529,7 +550,7 @@
         <a:sym typeface="Arial"/>
       </a:defRPr>
     </a:lvl2pPr>
-    <a:lvl3pPr lvl="2" marR="0" rtl="0" algn="l">
+    <a:lvl3pPr marR="0" lvl="2" algn="l" rtl="0">
       <a:lnSpc>
         <a:spcPct val="100000"/>
       </a:lnSpc>
@@ -543,7 +564,7 @@
         <a:srgbClr val="000000"/>
       </a:buClr>
       <a:buFont typeface="Arial"/>
-      <a:defRPr b="0" i="0" sz="1400" u="none" cap="none" strike="noStrike">
+      <a:defRPr sz="1400" b="0" i="0" u="none" strike="noStrike" cap="none">
         <a:solidFill>
           <a:srgbClr val="000000"/>
         </a:solidFill>
@@ -553,7 +574,7 @@
         <a:sym typeface="Arial"/>
       </a:defRPr>
     </a:lvl3pPr>
-    <a:lvl4pPr lvl="3" marR="0" rtl="0" algn="l">
+    <a:lvl4pPr marR="0" lvl="3" algn="l" rtl="0">
       <a:lnSpc>
         <a:spcPct val="100000"/>
       </a:lnSpc>
@@ -567,7 +588,7 @@
         <a:srgbClr val="000000"/>
       </a:buClr>
       <a:buFont typeface="Arial"/>
-      <a:defRPr b="0" i="0" sz="1400" u="none" cap="none" strike="noStrike">
+      <a:defRPr sz="1400" b="0" i="0" u="none" strike="noStrike" cap="none">
         <a:solidFill>
           <a:srgbClr val="000000"/>
         </a:solidFill>
@@ -577,7 +598,7 @@
         <a:sym typeface="Arial"/>
       </a:defRPr>
     </a:lvl4pPr>
-    <a:lvl5pPr lvl="4" marR="0" rtl="0" algn="l">
+    <a:lvl5pPr marR="0" lvl="4" algn="l" rtl="0">
       <a:lnSpc>
         <a:spcPct val="100000"/>
       </a:lnSpc>
@@ -591,7 +612,7 @@
         <a:srgbClr val="000000"/>
       </a:buClr>
       <a:buFont typeface="Arial"/>
-      <a:defRPr b="0" i="0" sz="1400" u="none" cap="none" strike="noStrike">
+      <a:defRPr sz="1400" b="0" i="0" u="none" strike="noStrike" cap="none">
         <a:solidFill>
           <a:srgbClr val="000000"/>
         </a:solidFill>
@@ -601,7 +622,7 @@
         <a:sym typeface="Arial"/>
       </a:defRPr>
     </a:lvl5pPr>
-    <a:lvl6pPr lvl="5" marR="0" rtl="0" algn="l">
+    <a:lvl6pPr marR="0" lvl="5" algn="l" rtl="0">
       <a:lnSpc>
         <a:spcPct val="100000"/>
       </a:lnSpc>
@@ -615,7 +636,7 @@
         <a:srgbClr val="000000"/>
       </a:buClr>
       <a:buFont typeface="Arial"/>
-      <a:defRPr b="0" i="0" sz="1400" u="none" cap="none" strike="noStrike">
+      <a:defRPr sz="1400" b="0" i="0" u="none" strike="noStrike" cap="none">
         <a:solidFill>
           <a:srgbClr val="000000"/>
         </a:solidFill>
@@ -625,7 +646,7 @@
         <a:sym typeface="Arial"/>
       </a:defRPr>
     </a:lvl6pPr>
-    <a:lvl7pPr lvl="6" marR="0" rtl="0" algn="l">
+    <a:lvl7pPr marR="0" lvl="6" algn="l" rtl="0">
       <a:lnSpc>
         <a:spcPct val="100000"/>
       </a:lnSpc>
@@ -639,7 +660,7 @@
         <a:srgbClr val="000000"/>
       </a:buClr>
       <a:buFont typeface="Arial"/>
-      <a:defRPr b="0" i="0" sz="1400" u="none" cap="none" strike="noStrike">
+      <a:defRPr sz="1400" b="0" i="0" u="none" strike="noStrike" cap="none">
         <a:solidFill>
           <a:srgbClr val="000000"/>
         </a:solidFill>
@@ -649,7 +670,7 @@
         <a:sym typeface="Arial"/>
       </a:defRPr>
     </a:lvl7pPr>
-    <a:lvl8pPr lvl="7" marR="0" rtl="0" algn="l">
+    <a:lvl8pPr marR="0" lvl="7" algn="l" rtl="0">
       <a:lnSpc>
         <a:spcPct val="100000"/>
       </a:lnSpc>
@@ -663,7 +684,7 @@
         <a:srgbClr val="000000"/>
       </a:buClr>
       <a:buFont typeface="Arial"/>
-      <a:defRPr b="0" i="0" sz="1400" u="none" cap="none" strike="noStrike">
+      <a:defRPr sz="1400" b="0" i="0" u="none" strike="noStrike" cap="none">
         <a:solidFill>
           <a:srgbClr val="000000"/>
         </a:solidFill>
@@ -673,7 +694,7 @@
         <a:sym typeface="Arial"/>
       </a:defRPr>
     </a:lvl8pPr>
-    <a:lvl9pPr lvl="8" marR="0" rtl="0" algn="l">
+    <a:lvl9pPr marR="0" lvl="8" algn="l" rtl="0">
       <a:lnSpc>
         <a:spcPct val="100000"/>
       </a:lnSpc>
@@ -687,7 +708,7 @@
         <a:srgbClr val="000000"/>
       </a:buClr>
       <a:buFont typeface="Arial"/>
-      <a:defRPr b="0" i="0" sz="1400" u="none" cap="none" strike="noStrike">
+      <a:defRPr sz="1400" b="0" i="0" u="none" strike="noStrike" cap="none">
         <a:solidFill>
           <a:srgbClr val="000000"/>
         </a:solidFill>
@@ -702,11 +723,11 @@
 </file>
 
 <file path=ppt/notesSlides/notesSlide1.xml><?xml version="1.0" encoding="utf-8"?>
-<p:notes xmlns:a="http://schemas.openxmlformats.org/drawingml/2006/main" xmlns:r="http://schemas.openxmlformats.org/officeDocument/2006/relationships" xmlns:mc="http://schemas.openxmlformats.org/markup-compatibility/2006" xmlns:mv="urn:schemas-microsoft-com:mac:vml" xmlns:p="http://schemas.openxmlformats.org/presentationml/2006/main" xmlns:c="http://schemas.openxmlformats.org/drawingml/2006/chart" xmlns:dgm="http://schemas.openxmlformats.org/drawingml/2006/diagram" xmlns:o="urn:schemas-microsoft-com:office:office" xmlns:v="urn:schemas-microsoft-com:vml" xmlns:pvml="urn:schemas-microsoft-com:office:powerpoint" xmlns:com="http://schemas.openxmlformats.org/drawingml/2006/compatibility" xmlns:p14="http://schemas.microsoft.com/office/powerpoint/2010/main" xmlns:p15="http://schemas.microsoft.com/office/powerpoint/2012/main" xmlns:ahyp="http://schemas.microsoft.com/office/drawing/2018/hyperlinkcolor" showMasterPhAnim="0" showMasterSp="0">
+<p:notes xmlns:a="http://schemas.openxmlformats.org/drawingml/2006/main" xmlns:r="http://schemas.openxmlformats.org/officeDocument/2006/relationships" xmlns:p="http://schemas.openxmlformats.org/presentationml/2006/main" showMasterSp="0" showMasterPhAnim="0">
   <p:cSld>
     <p:spTree>
       <p:nvGrpSpPr>
-        <p:cNvPr id="50" name="Shape 50"/>
+        <p:cNvPr id="1" name="Shape 50"/>
         <p:cNvGrpSpPr/>
         <p:nvPr/>
       </p:nvGrpSpPr>
@@ -721,20 +742,26 @@
       <p:sp>
         <p:nvSpPr>
           <p:cNvPr id="51" name="Google Shape;51;p:notes"/>
-          <p:cNvSpPr/>
+          <p:cNvSpPr>
+            <a:spLocks noGrp="1" noRot="1" noChangeAspect="1"/>
+          </p:cNvSpPr>
           <p:nvPr>
-            <p:ph idx="2" type="sldImg"/>
+            <p:ph type="sldImg" idx="2"/>
           </p:nvPr>
         </p:nvSpPr>
         <p:spPr>
           <a:xfrm>
-            <a:off x="381300" y="685800"/>
-            <a:ext cx="6096075" cy="3429000"/>
+            <a:off x="381000" y="685800"/>
+            <a:ext cx="6096000" cy="3429000"/>
           </a:xfrm>
           <a:custGeom>
-            <a:rect b="b" l="l" r="r" t="t"/>
+            <a:avLst/>
+            <a:gdLst/>
+            <a:ahLst/>
+            <a:cxnLst/>
+            <a:rect l="l" t="t" r="r" b="b"/>
             <a:pathLst>
-              <a:path extrusionOk="0" h="120000" w="120000">
+              <a:path w="120000" h="120000" extrusionOk="0">
                 <a:moveTo>
                   <a:pt x="0" y="0"/>
                 </a:moveTo>
@@ -756,9 +783,11 @@
       <p:sp>
         <p:nvSpPr>
           <p:cNvPr id="52" name="Google Shape;52;p:notes"/>
-          <p:cNvSpPr txBox="1"/>
+          <p:cNvSpPr txBox="1">
+            <a:spLocks noGrp="1"/>
+          </p:cNvSpPr>
           <p:nvPr>
-            <p:ph idx="1" type="body"/>
+            <p:ph type="body" idx="1"/>
           </p:nvPr>
         </p:nvSpPr>
         <p:spPr>
@@ -771,12 +800,12 @@
           </a:prstGeom>
         </p:spPr>
         <p:txBody>
-          <a:bodyPr anchorCtr="0" anchor="t" bIns="91425" lIns="91425" spcFirstLastPara="1" rIns="91425" wrap="square" tIns="91425">
+          <a:bodyPr spcFirstLastPara="1" wrap="square" lIns="91425" tIns="91425" rIns="91425" bIns="91425" anchor="t" anchorCtr="0">
             <a:noAutofit/>
           </a:bodyPr>
           <a:lstStyle/>
           <a:p>
-            <a:pPr indent="0" lvl="0" marL="0" rtl="0" algn="l">
+            <a:pPr marL="0" lvl="0" indent="0" algn="l" rtl="0">
               <a:spcBef>
                 <a:spcPts val="0"/>
               </a:spcBef>
@@ -785,9 +814,6 @@
               </a:spcAft>
               <a:buNone/>
             </a:pPr>
-            <a:r>
-              <a:t/>
-            </a:r>
             <a:endParaRPr/>
           </a:p>
         </p:txBody>
@@ -801,11 +827,11 @@
 </file>
 
 <file path=ppt/notesSlides/notesSlide10.xml><?xml version="1.0" encoding="utf-8"?>
-<p:notes xmlns:a="http://schemas.openxmlformats.org/drawingml/2006/main" xmlns:r="http://schemas.openxmlformats.org/officeDocument/2006/relationships" xmlns:mc="http://schemas.openxmlformats.org/markup-compatibility/2006" xmlns:mv="urn:schemas-microsoft-com:mac:vml" xmlns:p="http://schemas.openxmlformats.org/presentationml/2006/main" xmlns:c="http://schemas.openxmlformats.org/drawingml/2006/chart" xmlns:dgm="http://schemas.openxmlformats.org/drawingml/2006/diagram" xmlns:o="urn:schemas-microsoft-com:office:office" xmlns:v="urn:schemas-microsoft-com:vml" xmlns:pvml="urn:schemas-microsoft-com:office:powerpoint" xmlns:com="http://schemas.openxmlformats.org/drawingml/2006/compatibility" xmlns:p14="http://schemas.microsoft.com/office/powerpoint/2010/main" xmlns:p15="http://schemas.microsoft.com/office/powerpoint/2012/main" xmlns:ahyp="http://schemas.microsoft.com/office/drawing/2018/hyperlinkcolor" showMasterPhAnim="0" showMasterSp="0">
+<p:notes xmlns:a="http://schemas.openxmlformats.org/drawingml/2006/main" xmlns:r="http://schemas.openxmlformats.org/officeDocument/2006/relationships" xmlns:p="http://schemas.openxmlformats.org/presentationml/2006/main" showMasterSp="0" showMasterPhAnim="0">
   <p:cSld>
     <p:spTree>
       <p:nvGrpSpPr>
-        <p:cNvPr id="110" name="Shape 110"/>
+        <p:cNvPr id="1" name="Shape 111"/>
         <p:cNvGrpSpPr/>
         <p:nvPr/>
       </p:nvGrpSpPr>
@@ -819,21 +845,27 @@
       </p:grpSpPr>
       <p:sp>
         <p:nvSpPr>
-          <p:cNvPr id="111" name="Google Shape;111;gbcf296bf5b_1_32:notes"/>
-          <p:cNvSpPr/>
+          <p:cNvPr id="112" name="Google Shape;112;gbcf296bf5b_1_37:notes"/>
+          <p:cNvSpPr>
+            <a:spLocks noGrp="1" noRot="1" noChangeAspect="1"/>
+          </p:cNvSpPr>
           <p:nvPr>
-            <p:ph idx="2" type="sldImg"/>
+            <p:ph type="sldImg" idx="2"/>
           </p:nvPr>
         </p:nvSpPr>
         <p:spPr>
           <a:xfrm>
-            <a:off x="381300" y="685800"/>
+            <a:off x="381000" y="685800"/>
             <a:ext cx="6096000" cy="3429000"/>
           </a:xfrm>
           <a:custGeom>
-            <a:rect b="b" l="l" r="r" t="t"/>
+            <a:avLst/>
+            <a:gdLst/>
+            <a:ahLst/>
+            <a:cxnLst/>
+            <a:rect l="l" t="t" r="r" b="b"/>
             <a:pathLst>
-              <a:path extrusionOk="0" h="120000" w="120000">
+              <a:path w="120000" h="120000" extrusionOk="0">
                 <a:moveTo>
                   <a:pt x="0" y="0"/>
                 </a:moveTo>
@@ -854,10 +886,12 @@
       </p:sp>
       <p:sp>
         <p:nvSpPr>
-          <p:cNvPr id="112" name="Google Shape;112;gbcf296bf5b_1_32:notes"/>
-          <p:cNvSpPr txBox="1"/>
+          <p:cNvPr id="113" name="Google Shape;113;gbcf296bf5b_1_37:notes"/>
+          <p:cNvSpPr txBox="1">
+            <a:spLocks noGrp="1"/>
+          </p:cNvSpPr>
           <p:nvPr>
-            <p:ph idx="1" type="body"/>
+            <p:ph type="body" idx="1"/>
           </p:nvPr>
         </p:nvSpPr>
         <p:spPr>
@@ -870,12 +904,12 @@
           </a:prstGeom>
         </p:spPr>
         <p:txBody>
-          <a:bodyPr anchorCtr="0" anchor="t" bIns="91425" lIns="91425" spcFirstLastPara="1" rIns="91425" wrap="square" tIns="91425">
+          <a:bodyPr spcFirstLastPara="1" wrap="square" lIns="91425" tIns="91425" rIns="91425" bIns="91425" anchor="t" anchorCtr="0">
             <a:noAutofit/>
           </a:bodyPr>
           <a:lstStyle/>
           <a:p>
-            <a:pPr indent="0" lvl="0" marL="0" rtl="0" algn="l">
+            <a:pPr marL="0" lvl="0" indent="0" algn="l" rtl="0">
               <a:spcBef>
                 <a:spcPts val="0"/>
               </a:spcBef>
@@ -884,9 +918,6 @@
               </a:spcAft>
               <a:buNone/>
             </a:pPr>
-            <a:r>
-              <a:t/>
-            </a:r>
             <a:endParaRPr/>
           </a:p>
         </p:txBody>
@@ -900,11 +931,11 @@
 </file>
 
 <file path=ppt/notesSlides/notesSlide11.xml><?xml version="1.0" encoding="utf-8"?>
-<p:notes xmlns:a="http://schemas.openxmlformats.org/drawingml/2006/main" xmlns:r="http://schemas.openxmlformats.org/officeDocument/2006/relationships" xmlns:mc="http://schemas.openxmlformats.org/markup-compatibility/2006" xmlns:mv="urn:schemas-microsoft-com:mac:vml" xmlns:p="http://schemas.openxmlformats.org/presentationml/2006/main" xmlns:c="http://schemas.openxmlformats.org/drawingml/2006/chart" xmlns:dgm="http://schemas.openxmlformats.org/drawingml/2006/diagram" xmlns:o="urn:schemas-microsoft-com:office:office" xmlns:v="urn:schemas-microsoft-com:vml" xmlns:pvml="urn:schemas-microsoft-com:office:powerpoint" xmlns:com="http://schemas.openxmlformats.org/drawingml/2006/compatibility" xmlns:p14="http://schemas.microsoft.com/office/powerpoint/2010/main" xmlns:p15="http://schemas.microsoft.com/office/powerpoint/2012/main" xmlns:ahyp="http://schemas.microsoft.com/office/drawing/2018/hyperlinkcolor" showMasterPhAnim="0" showMasterSp="0">
+<p:notes xmlns:a="http://schemas.openxmlformats.org/drawingml/2006/main" xmlns:r="http://schemas.openxmlformats.org/officeDocument/2006/relationships" xmlns:p="http://schemas.openxmlformats.org/presentationml/2006/main" showMasterSp="0" showMasterPhAnim="0">
   <p:cSld>
     <p:spTree>
       <p:nvGrpSpPr>
-        <p:cNvPr id="116" name="Shape 116"/>
+        <p:cNvPr id="1" name="Shape 118"/>
         <p:cNvGrpSpPr/>
         <p:nvPr/>
       </p:nvGrpSpPr>
@@ -918,21 +949,27 @@
       </p:grpSpPr>
       <p:sp>
         <p:nvSpPr>
-          <p:cNvPr id="117" name="Google Shape;117;gbcf296bf5b_1_50:notes"/>
-          <p:cNvSpPr/>
+          <p:cNvPr id="119" name="Google Shape;119;gbcf296bf5b_1_32:notes"/>
+          <p:cNvSpPr>
+            <a:spLocks noGrp="1" noRot="1" noChangeAspect="1"/>
+          </p:cNvSpPr>
           <p:nvPr>
-            <p:ph idx="2" type="sldImg"/>
+            <p:ph type="sldImg" idx="2"/>
           </p:nvPr>
         </p:nvSpPr>
         <p:spPr>
           <a:xfrm>
-            <a:off x="381300" y="685800"/>
+            <a:off x="381000" y="685800"/>
             <a:ext cx="6096000" cy="3429000"/>
           </a:xfrm>
           <a:custGeom>
-            <a:rect b="b" l="l" r="r" t="t"/>
+            <a:avLst/>
+            <a:gdLst/>
+            <a:ahLst/>
+            <a:cxnLst/>
+            <a:rect l="l" t="t" r="r" b="b"/>
             <a:pathLst>
-              <a:path extrusionOk="0" h="120000" w="120000">
+              <a:path w="120000" h="120000" extrusionOk="0">
                 <a:moveTo>
                   <a:pt x="0" y="0"/>
                 </a:moveTo>
@@ -953,10 +990,12 @@
       </p:sp>
       <p:sp>
         <p:nvSpPr>
-          <p:cNvPr id="118" name="Google Shape;118;gbcf296bf5b_1_50:notes"/>
-          <p:cNvSpPr txBox="1"/>
+          <p:cNvPr id="120" name="Google Shape;120;gbcf296bf5b_1_32:notes"/>
+          <p:cNvSpPr txBox="1">
+            <a:spLocks noGrp="1"/>
+          </p:cNvSpPr>
           <p:nvPr>
-            <p:ph idx="1" type="body"/>
+            <p:ph type="body" idx="1"/>
           </p:nvPr>
         </p:nvSpPr>
         <p:spPr>
@@ -969,12 +1008,12 @@
           </a:prstGeom>
         </p:spPr>
         <p:txBody>
-          <a:bodyPr anchorCtr="0" anchor="t" bIns="91425" lIns="91425" spcFirstLastPara="1" rIns="91425" wrap="square" tIns="91425">
+          <a:bodyPr spcFirstLastPara="1" wrap="square" lIns="91425" tIns="91425" rIns="91425" bIns="91425" anchor="t" anchorCtr="0">
             <a:noAutofit/>
           </a:bodyPr>
           <a:lstStyle/>
           <a:p>
-            <a:pPr indent="0" lvl="0" marL="0" rtl="0" algn="l">
+            <a:pPr marL="0" lvl="0" indent="0" algn="l" rtl="0">
               <a:spcBef>
                 <a:spcPts val="0"/>
               </a:spcBef>
@@ -983,9 +1022,6 @@
               </a:spcAft>
               <a:buNone/>
             </a:pPr>
-            <a:r>
-              <a:t/>
-            </a:r>
             <a:endParaRPr/>
           </a:p>
         </p:txBody>
@@ -999,11 +1035,11 @@
 </file>
 
 <file path=ppt/notesSlides/notesSlide12.xml><?xml version="1.0" encoding="utf-8"?>
-<p:notes xmlns:a="http://schemas.openxmlformats.org/drawingml/2006/main" xmlns:r="http://schemas.openxmlformats.org/officeDocument/2006/relationships" xmlns:mc="http://schemas.openxmlformats.org/markup-compatibility/2006" xmlns:mv="urn:schemas-microsoft-com:mac:vml" xmlns:p="http://schemas.openxmlformats.org/presentationml/2006/main" xmlns:c="http://schemas.openxmlformats.org/drawingml/2006/chart" xmlns:dgm="http://schemas.openxmlformats.org/drawingml/2006/diagram" xmlns:o="urn:schemas-microsoft-com:office:office" xmlns:v="urn:schemas-microsoft-com:vml" xmlns:pvml="urn:schemas-microsoft-com:office:powerpoint" xmlns:com="http://schemas.openxmlformats.org/drawingml/2006/compatibility" xmlns:p14="http://schemas.microsoft.com/office/powerpoint/2010/main" xmlns:p15="http://schemas.microsoft.com/office/powerpoint/2012/main" xmlns:ahyp="http://schemas.microsoft.com/office/drawing/2018/hyperlinkcolor" showMasterPhAnim="0" showMasterSp="0">
+<p:notes xmlns:a="http://schemas.openxmlformats.org/drawingml/2006/main" xmlns:r="http://schemas.openxmlformats.org/officeDocument/2006/relationships" xmlns:p="http://schemas.openxmlformats.org/presentationml/2006/main" showMasterSp="0" showMasterPhAnim="0">
   <p:cSld>
     <p:spTree>
       <p:nvGrpSpPr>
-        <p:cNvPr id="122" name="Shape 122"/>
+        <p:cNvPr id="1" name="Shape 124"/>
         <p:cNvGrpSpPr/>
         <p:nvPr/>
       </p:nvGrpSpPr>
@@ -1017,21 +1053,27 @@
       </p:grpSpPr>
       <p:sp>
         <p:nvSpPr>
-          <p:cNvPr id="123" name="Google Shape;123;gbcf296bf5b_1_59:notes"/>
-          <p:cNvSpPr/>
+          <p:cNvPr id="125" name="Google Shape;125;gbcf296bf5b_1_50:notes"/>
+          <p:cNvSpPr>
+            <a:spLocks noGrp="1" noRot="1" noChangeAspect="1"/>
+          </p:cNvSpPr>
           <p:nvPr>
-            <p:ph idx="2" type="sldImg"/>
+            <p:ph type="sldImg" idx="2"/>
           </p:nvPr>
         </p:nvSpPr>
         <p:spPr>
           <a:xfrm>
-            <a:off x="381300" y="685800"/>
+            <a:off x="381000" y="685800"/>
             <a:ext cx="6096000" cy="3429000"/>
           </a:xfrm>
           <a:custGeom>
-            <a:rect b="b" l="l" r="r" t="t"/>
+            <a:avLst/>
+            <a:gdLst/>
+            <a:ahLst/>
+            <a:cxnLst/>
+            <a:rect l="l" t="t" r="r" b="b"/>
             <a:pathLst>
-              <a:path extrusionOk="0" h="120000" w="120000">
+              <a:path w="120000" h="120000" extrusionOk="0">
                 <a:moveTo>
                   <a:pt x="0" y="0"/>
                 </a:moveTo>
@@ -1052,10 +1094,12 @@
       </p:sp>
       <p:sp>
         <p:nvSpPr>
-          <p:cNvPr id="124" name="Google Shape;124;gbcf296bf5b_1_59:notes"/>
-          <p:cNvSpPr txBox="1"/>
+          <p:cNvPr id="126" name="Google Shape;126;gbcf296bf5b_1_50:notes"/>
+          <p:cNvSpPr txBox="1">
+            <a:spLocks noGrp="1"/>
+          </p:cNvSpPr>
           <p:nvPr>
-            <p:ph idx="1" type="body"/>
+            <p:ph type="body" idx="1"/>
           </p:nvPr>
         </p:nvSpPr>
         <p:spPr>
@@ -1068,12 +1112,12 @@
           </a:prstGeom>
         </p:spPr>
         <p:txBody>
-          <a:bodyPr anchorCtr="0" anchor="t" bIns="91425" lIns="91425" spcFirstLastPara="1" rIns="91425" wrap="square" tIns="91425">
+          <a:bodyPr spcFirstLastPara="1" wrap="square" lIns="91425" tIns="91425" rIns="91425" bIns="91425" anchor="t" anchorCtr="0">
             <a:noAutofit/>
           </a:bodyPr>
           <a:lstStyle/>
           <a:p>
-            <a:pPr indent="0" lvl="0" marL="0" rtl="0" algn="l">
+            <a:pPr marL="0" lvl="0" indent="0" algn="l" rtl="0">
               <a:spcBef>
                 <a:spcPts val="0"/>
               </a:spcBef>
@@ -1082,9 +1126,6 @@
               </a:spcAft>
               <a:buNone/>
             </a:pPr>
-            <a:r>
-              <a:t/>
-            </a:r>
             <a:endParaRPr/>
           </a:p>
         </p:txBody>
@@ -1098,11 +1139,11 @@
 </file>
 
 <file path=ppt/notesSlides/notesSlide13.xml><?xml version="1.0" encoding="utf-8"?>
-<p:notes xmlns:a="http://schemas.openxmlformats.org/drawingml/2006/main" xmlns:r="http://schemas.openxmlformats.org/officeDocument/2006/relationships" xmlns:mc="http://schemas.openxmlformats.org/markup-compatibility/2006" xmlns:mv="urn:schemas-microsoft-com:mac:vml" xmlns:p="http://schemas.openxmlformats.org/presentationml/2006/main" xmlns:c="http://schemas.openxmlformats.org/drawingml/2006/chart" xmlns:dgm="http://schemas.openxmlformats.org/drawingml/2006/diagram" xmlns:o="urn:schemas-microsoft-com:office:office" xmlns:v="urn:schemas-microsoft-com:vml" xmlns:pvml="urn:schemas-microsoft-com:office:powerpoint" xmlns:com="http://schemas.openxmlformats.org/drawingml/2006/compatibility" xmlns:p14="http://schemas.microsoft.com/office/powerpoint/2010/main" xmlns:p15="http://schemas.microsoft.com/office/powerpoint/2012/main" xmlns:ahyp="http://schemas.microsoft.com/office/drawing/2018/hyperlinkcolor" showMasterPhAnim="0" showMasterSp="0">
+<p:notes xmlns:a="http://schemas.openxmlformats.org/drawingml/2006/main" xmlns:r="http://schemas.openxmlformats.org/officeDocument/2006/relationships" xmlns:p="http://schemas.openxmlformats.org/presentationml/2006/main" showMasterSp="0" showMasterPhAnim="0">
   <p:cSld>
     <p:spTree>
       <p:nvGrpSpPr>
-        <p:cNvPr id="129" name="Shape 129"/>
+        <p:cNvPr id="1" name="Shape 130"/>
         <p:cNvGrpSpPr/>
         <p:nvPr/>
       </p:nvGrpSpPr>
@@ -1116,21 +1157,27 @@
       </p:grpSpPr>
       <p:sp>
         <p:nvSpPr>
-          <p:cNvPr id="130" name="Google Shape;130;gbcf296bf5b_1_66:notes"/>
-          <p:cNvSpPr/>
+          <p:cNvPr id="131" name="Google Shape;131;gbcf296bf5b_1_59:notes"/>
+          <p:cNvSpPr>
+            <a:spLocks noGrp="1" noRot="1" noChangeAspect="1"/>
+          </p:cNvSpPr>
           <p:nvPr>
-            <p:ph idx="2" type="sldImg"/>
+            <p:ph type="sldImg" idx="2"/>
           </p:nvPr>
         </p:nvSpPr>
         <p:spPr>
           <a:xfrm>
-            <a:off x="381300" y="685800"/>
+            <a:off x="381000" y="685800"/>
             <a:ext cx="6096000" cy="3429000"/>
           </a:xfrm>
           <a:custGeom>
-            <a:rect b="b" l="l" r="r" t="t"/>
+            <a:avLst/>
+            <a:gdLst/>
+            <a:ahLst/>
+            <a:cxnLst/>
+            <a:rect l="l" t="t" r="r" b="b"/>
             <a:pathLst>
-              <a:path extrusionOk="0" h="120000" w="120000">
+              <a:path w="120000" h="120000" extrusionOk="0">
                 <a:moveTo>
                   <a:pt x="0" y="0"/>
                 </a:moveTo>
@@ -1151,10 +1198,12 @@
       </p:sp>
       <p:sp>
         <p:nvSpPr>
-          <p:cNvPr id="131" name="Google Shape;131;gbcf296bf5b_1_66:notes"/>
-          <p:cNvSpPr txBox="1"/>
+          <p:cNvPr id="132" name="Google Shape;132;gbcf296bf5b_1_59:notes"/>
+          <p:cNvSpPr txBox="1">
+            <a:spLocks noGrp="1"/>
+          </p:cNvSpPr>
           <p:nvPr>
-            <p:ph idx="1" type="body"/>
+            <p:ph type="body" idx="1"/>
           </p:nvPr>
         </p:nvSpPr>
         <p:spPr>
@@ -1167,12 +1216,12 @@
           </a:prstGeom>
         </p:spPr>
         <p:txBody>
-          <a:bodyPr anchorCtr="0" anchor="t" bIns="91425" lIns="91425" spcFirstLastPara="1" rIns="91425" wrap="square" tIns="91425">
+          <a:bodyPr spcFirstLastPara="1" wrap="square" lIns="91425" tIns="91425" rIns="91425" bIns="91425" anchor="t" anchorCtr="0">
             <a:noAutofit/>
           </a:bodyPr>
           <a:lstStyle/>
           <a:p>
-            <a:pPr indent="0" lvl="0" marL="0" rtl="0" algn="l">
+            <a:pPr marL="0" lvl="0" indent="0" algn="l" rtl="0">
               <a:spcBef>
                 <a:spcPts val="0"/>
               </a:spcBef>
@@ -1181,9 +1230,6 @@
               </a:spcAft>
               <a:buNone/>
             </a:pPr>
-            <a:r>
-              <a:t/>
-            </a:r>
             <a:endParaRPr/>
           </a:p>
         </p:txBody>
@@ -1197,11 +1243,11 @@
 </file>
 
 <file path=ppt/notesSlides/notesSlide14.xml><?xml version="1.0" encoding="utf-8"?>
-<p:notes xmlns:a="http://schemas.openxmlformats.org/drawingml/2006/main" xmlns:r="http://schemas.openxmlformats.org/officeDocument/2006/relationships" xmlns:mc="http://schemas.openxmlformats.org/markup-compatibility/2006" xmlns:mv="urn:schemas-microsoft-com:mac:vml" xmlns:p="http://schemas.openxmlformats.org/presentationml/2006/main" xmlns:c="http://schemas.openxmlformats.org/drawingml/2006/chart" xmlns:dgm="http://schemas.openxmlformats.org/drawingml/2006/diagram" xmlns:o="urn:schemas-microsoft-com:office:office" xmlns:v="urn:schemas-microsoft-com:vml" xmlns:pvml="urn:schemas-microsoft-com:office:powerpoint" xmlns:com="http://schemas.openxmlformats.org/drawingml/2006/compatibility" xmlns:p14="http://schemas.microsoft.com/office/powerpoint/2010/main" xmlns:p15="http://schemas.microsoft.com/office/powerpoint/2012/main" xmlns:ahyp="http://schemas.microsoft.com/office/drawing/2018/hyperlinkcolor" showMasterPhAnim="0" showMasterSp="0">
+<p:notes xmlns:a="http://schemas.openxmlformats.org/drawingml/2006/main" xmlns:r="http://schemas.openxmlformats.org/officeDocument/2006/relationships" xmlns:p="http://schemas.openxmlformats.org/presentationml/2006/main" showMasterSp="0" showMasterPhAnim="0">
   <p:cSld>
     <p:spTree>
       <p:nvGrpSpPr>
-        <p:cNvPr id="137" name="Shape 137"/>
+        <p:cNvPr id="1" name="Shape 137"/>
         <p:cNvGrpSpPr/>
         <p:nvPr/>
       </p:nvGrpSpPr>
@@ -1215,21 +1261,27 @@
       </p:grpSpPr>
       <p:sp>
         <p:nvSpPr>
-          <p:cNvPr id="138" name="Google Shape;138;gbcf296bf5b_1_101:notes"/>
-          <p:cNvSpPr/>
+          <p:cNvPr id="138" name="Google Shape;138;gbcf296bf5b_1_66:notes"/>
+          <p:cNvSpPr>
+            <a:spLocks noGrp="1" noRot="1" noChangeAspect="1"/>
+          </p:cNvSpPr>
           <p:nvPr>
-            <p:ph idx="2" type="sldImg"/>
+            <p:ph type="sldImg" idx="2"/>
           </p:nvPr>
         </p:nvSpPr>
         <p:spPr>
           <a:xfrm>
-            <a:off x="381300" y="685800"/>
+            <a:off x="381000" y="685800"/>
             <a:ext cx="6096000" cy="3429000"/>
           </a:xfrm>
           <a:custGeom>
-            <a:rect b="b" l="l" r="r" t="t"/>
+            <a:avLst/>
+            <a:gdLst/>
+            <a:ahLst/>
+            <a:cxnLst/>
+            <a:rect l="l" t="t" r="r" b="b"/>
             <a:pathLst>
-              <a:path extrusionOk="0" h="120000" w="120000">
+              <a:path w="120000" h="120000" extrusionOk="0">
                 <a:moveTo>
                   <a:pt x="0" y="0"/>
                 </a:moveTo>
@@ -1250,10 +1302,12 @@
       </p:sp>
       <p:sp>
         <p:nvSpPr>
-          <p:cNvPr id="139" name="Google Shape;139;gbcf296bf5b_1_101:notes"/>
-          <p:cNvSpPr txBox="1"/>
+          <p:cNvPr id="139" name="Google Shape;139;gbcf296bf5b_1_66:notes"/>
+          <p:cNvSpPr txBox="1">
+            <a:spLocks noGrp="1"/>
+          </p:cNvSpPr>
           <p:nvPr>
-            <p:ph idx="1" type="body"/>
+            <p:ph type="body" idx="1"/>
           </p:nvPr>
         </p:nvSpPr>
         <p:spPr>
@@ -1266,12 +1320,12 @@
           </a:prstGeom>
         </p:spPr>
         <p:txBody>
-          <a:bodyPr anchorCtr="0" anchor="t" bIns="91425" lIns="91425" spcFirstLastPara="1" rIns="91425" wrap="square" tIns="91425">
+          <a:bodyPr spcFirstLastPara="1" wrap="square" lIns="91425" tIns="91425" rIns="91425" bIns="91425" anchor="t" anchorCtr="0">
             <a:noAutofit/>
           </a:bodyPr>
           <a:lstStyle/>
           <a:p>
-            <a:pPr indent="0" lvl="0" marL="0" rtl="0" algn="l">
+            <a:pPr marL="0" lvl="0" indent="0" algn="l" rtl="0">
               <a:spcBef>
                 <a:spcPts val="0"/>
               </a:spcBef>
@@ -1280,9 +1334,6 @@
               </a:spcAft>
               <a:buNone/>
             </a:pPr>
-            <a:r>
-              <a:t/>
-            </a:r>
             <a:endParaRPr/>
           </a:p>
         </p:txBody>
@@ -1296,11 +1347,11 @@
 </file>
 
 <file path=ppt/notesSlides/notesSlide15.xml><?xml version="1.0" encoding="utf-8"?>
-<p:notes xmlns:a="http://schemas.openxmlformats.org/drawingml/2006/main" xmlns:r="http://schemas.openxmlformats.org/officeDocument/2006/relationships" xmlns:mc="http://schemas.openxmlformats.org/markup-compatibility/2006" xmlns:mv="urn:schemas-microsoft-com:mac:vml" xmlns:p="http://schemas.openxmlformats.org/presentationml/2006/main" xmlns:c="http://schemas.openxmlformats.org/drawingml/2006/chart" xmlns:dgm="http://schemas.openxmlformats.org/drawingml/2006/diagram" xmlns:o="urn:schemas-microsoft-com:office:office" xmlns:v="urn:schemas-microsoft-com:vml" xmlns:pvml="urn:schemas-microsoft-com:office:powerpoint" xmlns:com="http://schemas.openxmlformats.org/drawingml/2006/compatibility" xmlns:p14="http://schemas.microsoft.com/office/powerpoint/2010/main" xmlns:p15="http://schemas.microsoft.com/office/powerpoint/2012/main" xmlns:ahyp="http://schemas.microsoft.com/office/drawing/2018/hyperlinkcolor" showMasterPhAnim="0" showMasterSp="0">
+<p:notes xmlns:a="http://schemas.openxmlformats.org/drawingml/2006/main" xmlns:r="http://schemas.openxmlformats.org/officeDocument/2006/relationships" xmlns:p="http://schemas.openxmlformats.org/presentationml/2006/main" showMasterSp="0" showMasterPhAnim="0">
   <p:cSld>
     <p:spTree>
       <p:nvGrpSpPr>
-        <p:cNvPr id="145" name="Shape 145"/>
+        <p:cNvPr id="1" name="Shape 145"/>
         <p:cNvGrpSpPr/>
         <p:nvPr/>
       </p:nvGrpSpPr>
@@ -1314,21 +1365,27 @@
       </p:grpSpPr>
       <p:sp>
         <p:nvSpPr>
-          <p:cNvPr id="146" name="Google Shape;146;gbcf296bf5b_1_0:notes"/>
-          <p:cNvSpPr/>
+          <p:cNvPr id="146" name="Google Shape;146;gbcf296bf5b_1_101:notes"/>
+          <p:cNvSpPr>
+            <a:spLocks noGrp="1" noRot="1" noChangeAspect="1"/>
+          </p:cNvSpPr>
           <p:nvPr>
-            <p:ph idx="2" type="sldImg"/>
+            <p:ph type="sldImg" idx="2"/>
           </p:nvPr>
         </p:nvSpPr>
         <p:spPr>
           <a:xfrm>
-            <a:off x="381300" y="685800"/>
+            <a:off x="381000" y="685800"/>
             <a:ext cx="6096000" cy="3429000"/>
           </a:xfrm>
           <a:custGeom>
-            <a:rect b="b" l="l" r="r" t="t"/>
+            <a:avLst/>
+            <a:gdLst/>
+            <a:ahLst/>
+            <a:cxnLst/>
+            <a:rect l="l" t="t" r="r" b="b"/>
             <a:pathLst>
-              <a:path extrusionOk="0" h="120000" w="120000">
+              <a:path w="120000" h="120000" extrusionOk="0">
                 <a:moveTo>
                   <a:pt x="0" y="0"/>
                 </a:moveTo>
@@ -1349,10 +1406,12 @@
       </p:sp>
       <p:sp>
         <p:nvSpPr>
-          <p:cNvPr id="147" name="Google Shape;147;gbcf296bf5b_1_0:notes"/>
-          <p:cNvSpPr txBox="1"/>
+          <p:cNvPr id="147" name="Google Shape;147;gbcf296bf5b_1_101:notes"/>
+          <p:cNvSpPr txBox="1">
+            <a:spLocks noGrp="1"/>
+          </p:cNvSpPr>
           <p:nvPr>
-            <p:ph idx="1" type="body"/>
+            <p:ph type="body" idx="1"/>
           </p:nvPr>
         </p:nvSpPr>
         <p:spPr>
@@ -1365,12 +1424,12 @@
           </a:prstGeom>
         </p:spPr>
         <p:txBody>
-          <a:bodyPr anchorCtr="0" anchor="t" bIns="91425" lIns="91425" spcFirstLastPara="1" rIns="91425" wrap="square" tIns="91425">
+          <a:bodyPr spcFirstLastPara="1" wrap="square" lIns="91425" tIns="91425" rIns="91425" bIns="91425" anchor="t" anchorCtr="0">
             <a:noAutofit/>
           </a:bodyPr>
           <a:lstStyle/>
           <a:p>
-            <a:pPr indent="0" lvl="0" marL="0" rtl="0" algn="l">
+            <a:pPr marL="0" lvl="0" indent="0" algn="l" rtl="0">
               <a:spcBef>
                 <a:spcPts val="0"/>
               </a:spcBef>
@@ -1379,9 +1438,6 @@
               </a:spcAft>
               <a:buNone/>
             </a:pPr>
-            <a:r>
-              <a:t/>
-            </a:r>
             <a:endParaRPr/>
           </a:p>
         </p:txBody>
@@ -1395,11 +1451,11 @@
 </file>
 
 <file path=ppt/notesSlides/notesSlide16.xml><?xml version="1.0" encoding="utf-8"?>
-<p:notes xmlns:a="http://schemas.openxmlformats.org/drawingml/2006/main" xmlns:r="http://schemas.openxmlformats.org/officeDocument/2006/relationships" xmlns:mc="http://schemas.openxmlformats.org/markup-compatibility/2006" xmlns:mv="urn:schemas-microsoft-com:mac:vml" xmlns:p="http://schemas.openxmlformats.org/presentationml/2006/main" xmlns:c="http://schemas.openxmlformats.org/drawingml/2006/chart" xmlns:dgm="http://schemas.openxmlformats.org/drawingml/2006/diagram" xmlns:o="urn:schemas-microsoft-com:office:office" xmlns:v="urn:schemas-microsoft-com:vml" xmlns:pvml="urn:schemas-microsoft-com:office:powerpoint" xmlns:com="http://schemas.openxmlformats.org/drawingml/2006/compatibility" xmlns:p14="http://schemas.microsoft.com/office/powerpoint/2010/main" xmlns:p15="http://schemas.microsoft.com/office/powerpoint/2012/main" xmlns:ahyp="http://schemas.microsoft.com/office/drawing/2018/hyperlinkcolor" showMasterPhAnim="0" showMasterSp="0">
+<p:notes xmlns:a="http://schemas.openxmlformats.org/drawingml/2006/main" xmlns:r="http://schemas.openxmlformats.org/officeDocument/2006/relationships" xmlns:p="http://schemas.openxmlformats.org/presentationml/2006/main" showMasterSp="0" showMasterPhAnim="0">
   <p:cSld>
     <p:spTree>
       <p:nvGrpSpPr>
-        <p:cNvPr id="152" name="Shape 152"/>
+        <p:cNvPr id="1" name="Shape 153"/>
         <p:cNvGrpSpPr/>
         <p:nvPr/>
       </p:nvGrpSpPr>
@@ -1413,21 +1469,27 @@
       </p:grpSpPr>
       <p:sp>
         <p:nvSpPr>
-          <p:cNvPr id="153" name="Google Shape;153;gbcf296bf5b_1_114:notes"/>
-          <p:cNvSpPr/>
+          <p:cNvPr id="154" name="Google Shape;154;gbcf296bf5b_1_0:notes"/>
+          <p:cNvSpPr>
+            <a:spLocks noGrp="1" noRot="1" noChangeAspect="1"/>
+          </p:cNvSpPr>
           <p:nvPr>
-            <p:ph idx="2" type="sldImg"/>
+            <p:ph type="sldImg" idx="2"/>
           </p:nvPr>
         </p:nvSpPr>
         <p:spPr>
           <a:xfrm>
-            <a:off x="381300" y="685800"/>
+            <a:off x="381000" y="685800"/>
             <a:ext cx="6096000" cy="3429000"/>
           </a:xfrm>
           <a:custGeom>
-            <a:rect b="b" l="l" r="r" t="t"/>
+            <a:avLst/>
+            <a:gdLst/>
+            <a:ahLst/>
+            <a:cxnLst/>
+            <a:rect l="l" t="t" r="r" b="b"/>
             <a:pathLst>
-              <a:path extrusionOk="0" h="120000" w="120000">
+              <a:path w="120000" h="120000" extrusionOk="0">
                 <a:moveTo>
                   <a:pt x="0" y="0"/>
                 </a:moveTo>
@@ -1448,10 +1510,12 @@
       </p:sp>
       <p:sp>
         <p:nvSpPr>
-          <p:cNvPr id="154" name="Google Shape;154;gbcf296bf5b_1_114:notes"/>
-          <p:cNvSpPr txBox="1"/>
+          <p:cNvPr id="155" name="Google Shape;155;gbcf296bf5b_1_0:notes"/>
+          <p:cNvSpPr txBox="1">
+            <a:spLocks noGrp="1"/>
+          </p:cNvSpPr>
           <p:nvPr>
-            <p:ph idx="1" type="body"/>
+            <p:ph type="body" idx="1"/>
           </p:nvPr>
         </p:nvSpPr>
         <p:spPr>
@@ -1464,12 +1528,12 @@
           </a:prstGeom>
         </p:spPr>
         <p:txBody>
-          <a:bodyPr anchorCtr="0" anchor="t" bIns="91425" lIns="91425" spcFirstLastPara="1" rIns="91425" wrap="square" tIns="91425">
+          <a:bodyPr spcFirstLastPara="1" wrap="square" lIns="91425" tIns="91425" rIns="91425" bIns="91425" anchor="t" anchorCtr="0">
             <a:noAutofit/>
           </a:bodyPr>
           <a:lstStyle/>
           <a:p>
-            <a:pPr indent="0" lvl="0" marL="0" rtl="0" algn="l">
+            <a:pPr marL="0" lvl="0" indent="0" algn="l" rtl="0">
               <a:spcBef>
                 <a:spcPts val="0"/>
               </a:spcBef>
@@ -1478,9 +1542,6 @@
               </a:spcAft>
               <a:buNone/>
             </a:pPr>
-            <a:r>
-              <a:t/>
-            </a:r>
             <a:endParaRPr/>
           </a:p>
         </p:txBody>
@@ -1493,12 +1554,12 @@
 </p:notes>
 </file>
 
-<file path=ppt/notesSlides/notesSlide2.xml><?xml version="1.0" encoding="utf-8"?>
-<p:notes xmlns:a="http://schemas.openxmlformats.org/drawingml/2006/main" xmlns:r="http://schemas.openxmlformats.org/officeDocument/2006/relationships" xmlns:mc="http://schemas.openxmlformats.org/markup-compatibility/2006" xmlns:mv="urn:schemas-microsoft-com:mac:vml" xmlns:p="http://schemas.openxmlformats.org/presentationml/2006/main" xmlns:c="http://schemas.openxmlformats.org/drawingml/2006/chart" xmlns:dgm="http://schemas.openxmlformats.org/drawingml/2006/diagram" xmlns:o="urn:schemas-microsoft-com:office:office" xmlns:v="urn:schemas-microsoft-com:vml" xmlns:pvml="urn:schemas-microsoft-com:office:powerpoint" xmlns:com="http://schemas.openxmlformats.org/drawingml/2006/compatibility" xmlns:p14="http://schemas.microsoft.com/office/powerpoint/2010/main" xmlns:p15="http://schemas.microsoft.com/office/powerpoint/2012/main" xmlns:ahyp="http://schemas.microsoft.com/office/drawing/2018/hyperlinkcolor" showMasterPhAnim="0" showMasterSp="0">
+<file path=ppt/notesSlides/notesSlide17.xml><?xml version="1.0" encoding="utf-8"?>
+<p:notes xmlns:a="http://schemas.openxmlformats.org/drawingml/2006/main" xmlns:r="http://schemas.openxmlformats.org/officeDocument/2006/relationships" xmlns:p="http://schemas.openxmlformats.org/presentationml/2006/main" showMasterSp="0" showMasterPhAnim="0">
   <p:cSld>
     <p:spTree>
       <p:nvGrpSpPr>
-        <p:cNvPr id="56" name="Shape 56"/>
+        <p:cNvPr id="1" name="Shape 160"/>
         <p:cNvGrpSpPr/>
         <p:nvPr/>
       </p:nvGrpSpPr>
@@ -1512,21 +1573,27 @@
       </p:grpSpPr>
       <p:sp>
         <p:nvSpPr>
-          <p:cNvPr id="57" name="Google Shape;57;gbcf296bf5b_1_5:notes"/>
-          <p:cNvSpPr/>
+          <p:cNvPr id="161" name="Google Shape;161;gbcf296bf5b_1_114:notes"/>
+          <p:cNvSpPr>
+            <a:spLocks noGrp="1" noRot="1" noChangeAspect="1"/>
+          </p:cNvSpPr>
           <p:nvPr>
-            <p:ph idx="2" type="sldImg"/>
+            <p:ph type="sldImg" idx="2"/>
           </p:nvPr>
         </p:nvSpPr>
         <p:spPr>
           <a:xfrm>
-            <a:off x="381300" y="685800"/>
+            <a:off x="381000" y="685800"/>
             <a:ext cx="6096000" cy="3429000"/>
           </a:xfrm>
           <a:custGeom>
-            <a:rect b="b" l="l" r="r" t="t"/>
+            <a:avLst/>
+            <a:gdLst/>
+            <a:ahLst/>
+            <a:cxnLst/>
+            <a:rect l="l" t="t" r="r" b="b"/>
             <a:pathLst>
-              <a:path extrusionOk="0" h="120000" w="120000">
+              <a:path w="120000" h="120000" extrusionOk="0">
                 <a:moveTo>
                   <a:pt x="0" y="0"/>
                 </a:moveTo>
@@ -1547,10 +1614,12 @@
       </p:sp>
       <p:sp>
         <p:nvSpPr>
-          <p:cNvPr id="58" name="Google Shape;58;gbcf296bf5b_1_5:notes"/>
-          <p:cNvSpPr txBox="1"/>
+          <p:cNvPr id="162" name="Google Shape;162;gbcf296bf5b_1_114:notes"/>
+          <p:cNvSpPr txBox="1">
+            <a:spLocks noGrp="1"/>
+          </p:cNvSpPr>
           <p:nvPr>
-            <p:ph idx="1" type="body"/>
+            <p:ph type="body" idx="1"/>
           </p:nvPr>
         </p:nvSpPr>
         <p:spPr>
@@ -1563,12 +1632,12 @@
           </a:prstGeom>
         </p:spPr>
         <p:txBody>
-          <a:bodyPr anchorCtr="0" anchor="t" bIns="91425" lIns="91425" spcFirstLastPara="1" rIns="91425" wrap="square" tIns="91425">
+          <a:bodyPr spcFirstLastPara="1" wrap="square" lIns="91425" tIns="91425" rIns="91425" bIns="91425" anchor="t" anchorCtr="0">
             <a:noAutofit/>
           </a:bodyPr>
           <a:lstStyle/>
           <a:p>
-            <a:pPr indent="0" lvl="0" marL="0" rtl="0" algn="l">
+            <a:pPr marL="0" lvl="0" indent="0" algn="l" rtl="0">
               <a:spcBef>
                 <a:spcPts val="0"/>
               </a:spcBef>
@@ -1577,9 +1646,6 @@
               </a:spcAft>
               <a:buNone/>
             </a:pPr>
-            <a:r>
-              <a:t/>
-            </a:r>
             <a:endParaRPr/>
           </a:p>
         </p:txBody>
@@ -1592,12 +1658,12 @@
 </p:notes>
 </file>
 
-<file path=ppt/notesSlides/notesSlide3.xml><?xml version="1.0" encoding="utf-8"?>
-<p:notes xmlns:a="http://schemas.openxmlformats.org/drawingml/2006/main" xmlns:r="http://schemas.openxmlformats.org/officeDocument/2006/relationships" xmlns:mc="http://schemas.openxmlformats.org/markup-compatibility/2006" xmlns:mv="urn:schemas-microsoft-com:mac:vml" xmlns:p="http://schemas.openxmlformats.org/presentationml/2006/main" xmlns:c="http://schemas.openxmlformats.org/drawingml/2006/chart" xmlns:dgm="http://schemas.openxmlformats.org/drawingml/2006/diagram" xmlns:o="urn:schemas-microsoft-com:office:office" xmlns:v="urn:schemas-microsoft-com:vml" xmlns:pvml="urn:schemas-microsoft-com:office:powerpoint" xmlns:com="http://schemas.openxmlformats.org/drawingml/2006/compatibility" xmlns:p14="http://schemas.microsoft.com/office/powerpoint/2010/main" xmlns:p15="http://schemas.microsoft.com/office/powerpoint/2012/main" xmlns:ahyp="http://schemas.microsoft.com/office/drawing/2018/hyperlinkcolor" showMasterPhAnim="0" showMasterSp="0">
+<file path=ppt/notesSlides/notesSlide2.xml><?xml version="1.0" encoding="utf-8"?>
+<p:notes xmlns:a="http://schemas.openxmlformats.org/drawingml/2006/main" xmlns:r="http://schemas.openxmlformats.org/officeDocument/2006/relationships" xmlns:p="http://schemas.openxmlformats.org/presentationml/2006/main" showMasterSp="0" showMasterPhAnim="0">
   <p:cSld>
     <p:spTree>
       <p:nvGrpSpPr>
-        <p:cNvPr id="62" name="Shape 62"/>
+        <p:cNvPr id="1" name="Shape 56"/>
         <p:cNvGrpSpPr/>
         <p:nvPr/>
       </p:nvGrpSpPr>
@@ -1611,21 +1677,27 @@
       </p:grpSpPr>
       <p:sp>
         <p:nvSpPr>
-          <p:cNvPr id="63" name="Google Shape;63;gbcf296bf5b_7_10:notes"/>
-          <p:cNvSpPr/>
+          <p:cNvPr id="57" name="Google Shape;57;gbcf296bf5b_1_5:notes"/>
+          <p:cNvSpPr>
+            <a:spLocks noGrp="1" noRot="1" noChangeAspect="1"/>
+          </p:cNvSpPr>
           <p:nvPr>
-            <p:ph idx="2" type="sldImg"/>
+            <p:ph type="sldImg" idx="2"/>
           </p:nvPr>
         </p:nvSpPr>
         <p:spPr>
           <a:xfrm>
-            <a:off x="381300" y="685800"/>
+            <a:off x="381000" y="685800"/>
             <a:ext cx="6096000" cy="3429000"/>
           </a:xfrm>
           <a:custGeom>
-            <a:rect b="b" l="l" r="r" t="t"/>
+            <a:avLst/>
+            <a:gdLst/>
+            <a:ahLst/>
+            <a:cxnLst/>
+            <a:rect l="l" t="t" r="r" b="b"/>
             <a:pathLst>
-              <a:path extrusionOk="0" h="120000" w="120000">
+              <a:path w="120000" h="120000" extrusionOk="0">
                 <a:moveTo>
                   <a:pt x="0" y="0"/>
                 </a:moveTo>
@@ -1646,10 +1718,12 @@
       </p:sp>
       <p:sp>
         <p:nvSpPr>
-          <p:cNvPr id="64" name="Google Shape;64;gbcf296bf5b_7_10:notes"/>
-          <p:cNvSpPr txBox="1"/>
+          <p:cNvPr id="58" name="Google Shape;58;gbcf296bf5b_1_5:notes"/>
+          <p:cNvSpPr txBox="1">
+            <a:spLocks noGrp="1"/>
+          </p:cNvSpPr>
           <p:nvPr>
-            <p:ph idx="1" type="body"/>
+            <p:ph type="body" idx="1"/>
           </p:nvPr>
         </p:nvSpPr>
         <p:spPr>
@@ -1662,12 +1736,12 @@
           </a:prstGeom>
         </p:spPr>
         <p:txBody>
-          <a:bodyPr anchorCtr="0" anchor="t" bIns="91425" lIns="91425" spcFirstLastPara="1" rIns="91425" wrap="square" tIns="91425">
+          <a:bodyPr spcFirstLastPara="1" wrap="square" lIns="91425" tIns="91425" rIns="91425" bIns="91425" anchor="t" anchorCtr="0">
             <a:noAutofit/>
           </a:bodyPr>
           <a:lstStyle/>
           <a:p>
-            <a:pPr indent="0" lvl="0" marL="0" rtl="0" algn="l">
+            <a:pPr marL="0" lvl="0" indent="0" algn="l" rtl="0">
               <a:spcBef>
                 <a:spcPts val="0"/>
               </a:spcBef>
@@ -1676,9 +1750,6 @@
               </a:spcAft>
               <a:buNone/>
             </a:pPr>
-            <a:r>
-              <a:t/>
-            </a:r>
             <a:endParaRPr/>
           </a:p>
         </p:txBody>
@@ -1691,12 +1762,12 @@
 </p:notes>
 </file>
 
-<file path=ppt/notesSlides/notesSlide4.xml><?xml version="1.0" encoding="utf-8"?>
-<p:notes xmlns:a="http://schemas.openxmlformats.org/drawingml/2006/main" xmlns:r="http://schemas.openxmlformats.org/officeDocument/2006/relationships" xmlns:mc="http://schemas.openxmlformats.org/markup-compatibility/2006" xmlns:mv="urn:schemas-microsoft-com:mac:vml" xmlns:p="http://schemas.openxmlformats.org/presentationml/2006/main" xmlns:c="http://schemas.openxmlformats.org/drawingml/2006/chart" xmlns:dgm="http://schemas.openxmlformats.org/drawingml/2006/diagram" xmlns:o="urn:schemas-microsoft-com:office:office" xmlns:v="urn:schemas-microsoft-com:vml" xmlns:pvml="urn:schemas-microsoft-com:office:powerpoint" xmlns:com="http://schemas.openxmlformats.org/drawingml/2006/compatibility" xmlns:p14="http://schemas.microsoft.com/office/powerpoint/2010/main" xmlns:p15="http://schemas.microsoft.com/office/powerpoint/2012/main" xmlns:ahyp="http://schemas.microsoft.com/office/drawing/2018/hyperlinkcolor" showMasterPhAnim="0" showMasterSp="0">
+<file path=ppt/notesSlides/notesSlide3.xml><?xml version="1.0" encoding="utf-8"?>
+<p:notes xmlns:a="http://schemas.openxmlformats.org/drawingml/2006/main" xmlns:r="http://schemas.openxmlformats.org/officeDocument/2006/relationships" xmlns:p="http://schemas.openxmlformats.org/presentationml/2006/main" showMasterSp="0" showMasterPhAnim="0">
   <p:cSld>
     <p:spTree>
       <p:nvGrpSpPr>
-        <p:cNvPr id="71" name="Shape 71"/>
+        <p:cNvPr id="1" name="Shape 62"/>
         <p:cNvGrpSpPr/>
         <p:nvPr/>
       </p:nvGrpSpPr>
@@ -1710,21 +1781,27 @@
       </p:grpSpPr>
       <p:sp>
         <p:nvSpPr>
-          <p:cNvPr id="72" name="Google Shape;72;gbcf296bf5b_1_10:notes"/>
-          <p:cNvSpPr/>
+          <p:cNvPr id="63" name="Google Shape;63;gbd9c1a23f1_1_0:notes"/>
+          <p:cNvSpPr>
+            <a:spLocks noGrp="1" noRot="1" noChangeAspect="1"/>
+          </p:cNvSpPr>
           <p:nvPr>
-            <p:ph idx="2" type="sldImg"/>
+            <p:ph type="sldImg" idx="2"/>
           </p:nvPr>
         </p:nvSpPr>
         <p:spPr>
           <a:xfrm>
-            <a:off x="381300" y="685800"/>
+            <a:off x="381000" y="685800"/>
             <a:ext cx="6096000" cy="3429000"/>
           </a:xfrm>
           <a:custGeom>
-            <a:rect b="b" l="l" r="r" t="t"/>
+            <a:avLst/>
+            <a:gdLst/>
+            <a:ahLst/>
+            <a:cxnLst/>
+            <a:rect l="l" t="t" r="r" b="b"/>
             <a:pathLst>
-              <a:path extrusionOk="0" h="120000" w="120000">
+              <a:path w="120000" h="120000" extrusionOk="0">
                 <a:moveTo>
                   <a:pt x="0" y="0"/>
                 </a:moveTo>
@@ -1745,10 +1822,12 @@
       </p:sp>
       <p:sp>
         <p:nvSpPr>
-          <p:cNvPr id="73" name="Google Shape;73;gbcf296bf5b_1_10:notes"/>
-          <p:cNvSpPr txBox="1"/>
+          <p:cNvPr id="64" name="Google Shape;64;gbd9c1a23f1_1_0:notes"/>
+          <p:cNvSpPr txBox="1">
+            <a:spLocks noGrp="1"/>
+          </p:cNvSpPr>
           <p:nvPr>
-            <p:ph idx="1" type="body"/>
+            <p:ph type="body" idx="1"/>
           </p:nvPr>
         </p:nvSpPr>
         <p:spPr>
@@ -1761,12 +1840,12 @@
           </a:prstGeom>
         </p:spPr>
         <p:txBody>
-          <a:bodyPr anchorCtr="0" anchor="t" bIns="91425" lIns="91425" spcFirstLastPara="1" rIns="91425" wrap="square" tIns="91425">
+          <a:bodyPr spcFirstLastPara="1" wrap="square" lIns="91425" tIns="91425" rIns="91425" bIns="91425" anchor="t" anchorCtr="0">
             <a:noAutofit/>
           </a:bodyPr>
           <a:lstStyle/>
           <a:p>
-            <a:pPr indent="0" lvl="0" marL="0" rtl="0" algn="l">
+            <a:pPr marL="0" lvl="0" indent="0" algn="l" rtl="0">
               <a:spcBef>
                 <a:spcPts val="0"/>
               </a:spcBef>
@@ -1775,9 +1854,6 @@
               </a:spcAft>
               <a:buNone/>
             </a:pPr>
-            <a:r>
-              <a:t/>
-            </a:r>
             <a:endParaRPr/>
           </a:p>
         </p:txBody>
@@ -1790,12 +1866,12 @@
 </p:notes>
 </file>
 
-<file path=ppt/notesSlides/notesSlide5.xml><?xml version="1.0" encoding="utf-8"?>
-<p:notes xmlns:a="http://schemas.openxmlformats.org/drawingml/2006/main" xmlns:r="http://schemas.openxmlformats.org/officeDocument/2006/relationships" xmlns:mc="http://schemas.openxmlformats.org/markup-compatibility/2006" xmlns:mv="urn:schemas-microsoft-com:mac:vml" xmlns:p="http://schemas.openxmlformats.org/presentationml/2006/main" xmlns:c="http://schemas.openxmlformats.org/drawingml/2006/chart" xmlns:dgm="http://schemas.openxmlformats.org/drawingml/2006/diagram" xmlns:o="urn:schemas-microsoft-com:office:office" xmlns:v="urn:schemas-microsoft-com:vml" xmlns:pvml="urn:schemas-microsoft-com:office:powerpoint" xmlns:com="http://schemas.openxmlformats.org/drawingml/2006/compatibility" xmlns:p14="http://schemas.microsoft.com/office/powerpoint/2010/main" xmlns:p15="http://schemas.microsoft.com/office/powerpoint/2012/main" xmlns:ahyp="http://schemas.microsoft.com/office/drawing/2018/hyperlinkcolor" showMasterPhAnim="0" showMasterSp="0">
+<file path=ppt/notesSlides/notesSlide4.xml><?xml version="1.0" encoding="utf-8"?>
+<p:notes xmlns:a="http://schemas.openxmlformats.org/drawingml/2006/main" xmlns:r="http://schemas.openxmlformats.org/officeDocument/2006/relationships" xmlns:p="http://schemas.openxmlformats.org/presentationml/2006/main" showMasterSp="0" showMasterPhAnim="0">
   <p:cSld>
     <p:spTree>
       <p:nvGrpSpPr>
-        <p:cNvPr id="77" name="Shape 77"/>
+        <p:cNvPr id="1" name="Shape 69"/>
         <p:cNvGrpSpPr/>
         <p:nvPr/>
       </p:nvGrpSpPr>
@@ -1809,21 +1885,27 @@
       </p:grpSpPr>
       <p:sp>
         <p:nvSpPr>
-          <p:cNvPr id="78" name="Google Shape;78;gbcf296bf5b_1_76:notes"/>
-          <p:cNvSpPr/>
+          <p:cNvPr id="70" name="Google Shape;70;gbcf296bf5b_7_10:notes"/>
+          <p:cNvSpPr>
+            <a:spLocks noGrp="1" noRot="1" noChangeAspect="1"/>
+          </p:cNvSpPr>
           <p:nvPr>
-            <p:ph idx="2" type="sldImg"/>
+            <p:ph type="sldImg" idx="2"/>
           </p:nvPr>
         </p:nvSpPr>
         <p:spPr>
           <a:xfrm>
-            <a:off x="381300" y="685800"/>
+            <a:off x="381000" y="685800"/>
             <a:ext cx="6096000" cy="3429000"/>
           </a:xfrm>
           <a:custGeom>
-            <a:rect b="b" l="l" r="r" t="t"/>
+            <a:avLst/>
+            <a:gdLst/>
+            <a:ahLst/>
+            <a:cxnLst/>
+            <a:rect l="l" t="t" r="r" b="b"/>
             <a:pathLst>
-              <a:path extrusionOk="0" h="120000" w="120000">
+              <a:path w="120000" h="120000" extrusionOk="0">
                 <a:moveTo>
                   <a:pt x="0" y="0"/>
                 </a:moveTo>
@@ -1844,10 +1926,12 @@
       </p:sp>
       <p:sp>
         <p:nvSpPr>
-          <p:cNvPr id="79" name="Google Shape;79;gbcf296bf5b_1_76:notes"/>
-          <p:cNvSpPr txBox="1"/>
+          <p:cNvPr id="71" name="Google Shape;71;gbcf296bf5b_7_10:notes"/>
+          <p:cNvSpPr txBox="1">
+            <a:spLocks noGrp="1"/>
+          </p:cNvSpPr>
           <p:nvPr>
-            <p:ph idx="1" type="body"/>
+            <p:ph type="body" idx="1"/>
           </p:nvPr>
         </p:nvSpPr>
         <p:spPr>
@@ -1860,12 +1944,12 @@
           </a:prstGeom>
         </p:spPr>
         <p:txBody>
-          <a:bodyPr anchorCtr="0" anchor="t" bIns="91425" lIns="91425" spcFirstLastPara="1" rIns="91425" wrap="square" tIns="91425">
+          <a:bodyPr spcFirstLastPara="1" wrap="square" lIns="91425" tIns="91425" rIns="91425" bIns="91425" anchor="t" anchorCtr="0">
             <a:noAutofit/>
           </a:bodyPr>
           <a:lstStyle/>
           <a:p>
-            <a:pPr indent="0" lvl="0" marL="0" rtl="0" algn="l">
+            <a:pPr marL="0" lvl="0" indent="0" algn="l" rtl="0">
               <a:spcBef>
                 <a:spcPts val="0"/>
               </a:spcBef>
@@ -1874,9 +1958,6 @@
               </a:spcAft>
               <a:buNone/>
             </a:pPr>
-            <a:r>
-              <a:t/>
-            </a:r>
             <a:endParaRPr/>
           </a:p>
         </p:txBody>
@@ -1889,12 +1970,12 @@
 </p:notes>
 </file>
 
-<file path=ppt/notesSlides/notesSlide6.xml><?xml version="1.0" encoding="utf-8"?>
-<p:notes xmlns:a="http://schemas.openxmlformats.org/drawingml/2006/main" xmlns:r="http://schemas.openxmlformats.org/officeDocument/2006/relationships" xmlns:mc="http://schemas.openxmlformats.org/markup-compatibility/2006" xmlns:mv="urn:schemas-microsoft-com:mac:vml" xmlns:p="http://schemas.openxmlformats.org/presentationml/2006/main" xmlns:c="http://schemas.openxmlformats.org/drawingml/2006/chart" xmlns:dgm="http://schemas.openxmlformats.org/drawingml/2006/diagram" xmlns:o="urn:schemas-microsoft-com:office:office" xmlns:v="urn:schemas-microsoft-com:vml" xmlns:pvml="urn:schemas-microsoft-com:office:powerpoint" xmlns:com="http://schemas.openxmlformats.org/drawingml/2006/compatibility" xmlns:p14="http://schemas.microsoft.com/office/powerpoint/2010/main" xmlns:p15="http://schemas.microsoft.com/office/powerpoint/2012/main" xmlns:ahyp="http://schemas.microsoft.com/office/drawing/2018/hyperlinkcolor" showMasterPhAnim="0" showMasterSp="0">
+<file path=ppt/notesSlides/notesSlide5.xml><?xml version="1.0" encoding="utf-8"?>
+<p:notes xmlns:a="http://schemas.openxmlformats.org/drawingml/2006/main" xmlns:r="http://schemas.openxmlformats.org/officeDocument/2006/relationships" xmlns:p="http://schemas.openxmlformats.org/presentationml/2006/main" showMasterSp="0" showMasterPhAnim="0">
   <p:cSld>
     <p:spTree>
       <p:nvGrpSpPr>
-        <p:cNvPr id="83" name="Shape 83"/>
+        <p:cNvPr id="1" name="Shape 78"/>
         <p:cNvGrpSpPr/>
         <p:nvPr/>
       </p:nvGrpSpPr>
@@ -1908,21 +1989,27 @@
       </p:grpSpPr>
       <p:sp>
         <p:nvSpPr>
-          <p:cNvPr id="84" name="Google Shape;84;gbcf296bf5b_1_87:notes"/>
-          <p:cNvSpPr/>
+          <p:cNvPr id="79" name="Google Shape;79;gbcf296bf5b_1_10:notes"/>
+          <p:cNvSpPr>
+            <a:spLocks noGrp="1" noRot="1" noChangeAspect="1"/>
+          </p:cNvSpPr>
           <p:nvPr>
-            <p:ph idx="2" type="sldImg"/>
+            <p:ph type="sldImg" idx="2"/>
           </p:nvPr>
         </p:nvSpPr>
         <p:spPr>
           <a:xfrm>
-            <a:off x="381300" y="685800"/>
+            <a:off x="381000" y="685800"/>
             <a:ext cx="6096000" cy="3429000"/>
           </a:xfrm>
           <a:custGeom>
-            <a:rect b="b" l="l" r="r" t="t"/>
+            <a:avLst/>
+            <a:gdLst/>
+            <a:ahLst/>
+            <a:cxnLst/>
+            <a:rect l="l" t="t" r="r" b="b"/>
             <a:pathLst>
-              <a:path extrusionOk="0" h="120000" w="120000">
+              <a:path w="120000" h="120000" extrusionOk="0">
                 <a:moveTo>
                   <a:pt x="0" y="0"/>
                 </a:moveTo>
@@ -1943,10 +2030,12 @@
       </p:sp>
       <p:sp>
         <p:nvSpPr>
-          <p:cNvPr id="85" name="Google Shape;85;gbcf296bf5b_1_87:notes"/>
-          <p:cNvSpPr txBox="1"/>
+          <p:cNvPr id="80" name="Google Shape;80;gbcf296bf5b_1_10:notes"/>
+          <p:cNvSpPr txBox="1">
+            <a:spLocks noGrp="1"/>
+          </p:cNvSpPr>
           <p:nvPr>
-            <p:ph idx="1" type="body"/>
+            <p:ph type="body" idx="1"/>
           </p:nvPr>
         </p:nvSpPr>
         <p:spPr>
@@ -1959,12 +2048,12 @@
           </a:prstGeom>
         </p:spPr>
         <p:txBody>
-          <a:bodyPr anchorCtr="0" anchor="t" bIns="91425" lIns="91425" spcFirstLastPara="1" rIns="91425" wrap="square" tIns="91425">
+          <a:bodyPr spcFirstLastPara="1" wrap="square" lIns="91425" tIns="91425" rIns="91425" bIns="91425" anchor="t" anchorCtr="0">
             <a:noAutofit/>
           </a:bodyPr>
           <a:lstStyle/>
           <a:p>
-            <a:pPr indent="0" lvl="0" marL="0" rtl="0" algn="l">
+            <a:pPr marL="0" lvl="0" indent="0" algn="l" rtl="0">
               <a:spcBef>
                 <a:spcPts val="0"/>
               </a:spcBef>
@@ -1973,9 +2062,6 @@
               </a:spcAft>
               <a:buNone/>
             </a:pPr>
-            <a:r>
-              <a:t/>
-            </a:r>
             <a:endParaRPr/>
           </a:p>
         </p:txBody>
@@ -1988,12 +2074,12 @@
 </p:notes>
 </file>
 
-<file path=ppt/notesSlides/notesSlide7.xml><?xml version="1.0" encoding="utf-8"?>
-<p:notes xmlns:a="http://schemas.openxmlformats.org/drawingml/2006/main" xmlns:r="http://schemas.openxmlformats.org/officeDocument/2006/relationships" xmlns:mc="http://schemas.openxmlformats.org/markup-compatibility/2006" xmlns:mv="urn:schemas-microsoft-com:mac:vml" xmlns:p="http://schemas.openxmlformats.org/presentationml/2006/main" xmlns:c="http://schemas.openxmlformats.org/drawingml/2006/chart" xmlns:dgm="http://schemas.openxmlformats.org/drawingml/2006/diagram" xmlns:o="urn:schemas-microsoft-com:office:office" xmlns:v="urn:schemas-microsoft-com:vml" xmlns:pvml="urn:schemas-microsoft-com:office:powerpoint" xmlns:com="http://schemas.openxmlformats.org/drawingml/2006/compatibility" xmlns:p14="http://schemas.microsoft.com/office/powerpoint/2010/main" xmlns:p15="http://schemas.microsoft.com/office/powerpoint/2012/main" xmlns:ahyp="http://schemas.microsoft.com/office/drawing/2018/hyperlinkcolor" showMasterPhAnim="0" showMasterSp="0">
+<file path=ppt/notesSlides/notesSlide6.xml><?xml version="1.0" encoding="utf-8"?>
+<p:notes xmlns:a="http://schemas.openxmlformats.org/drawingml/2006/main" xmlns:r="http://schemas.openxmlformats.org/officeDocument/2006/relationships" xmlns:p="http://schemas.openxmlformats.org/presentationml/2006/main" showMasterSp="0" showMasterPhAnim="0">
   <p:cSld>
     <p:spTree>
       <p:nvGrpSpPr>
-        <p:cNvPr id="89" name="Shape 89"/>
+        <p:cNvPr id="1" name="Shape 84"/>
         <p:cNvGrpSpPr/>
         <p:nvPr/>
       </p:nvGrpSpPr>
@@ -2007,21 +2093,27 @@
       </p:grpSpPr>
       <p:sp>
         <p:nvSpPr>
-          <p:cNvPr id="90" name="Google Shape;90;gbcf296bf5b_1_15:notes"/>
-          <p:cNvSpPr/>
+          <p:cNvPr id="85" name="Google Shape;85;gbcf296bf5b_1_76:notes"/>
+          <p:cNvSpPr>
+            <a:spLocks noGrp="1" noRot="1" noChangeAspect="1"/>
+          </p:cNvSpPr>
           <p:nvPr>
-            <p:ph idx="2" type="sldImg"/>
+            <p:ph type="sldImg" idx="2"/>
           </p:nvPr>
         </p:nvSpPr>
         <p:spPr>
           <a:xfrm>
-            <a:off x="381300" y="685800"/>
+            <a:off x="381000" y="685800"/>
             <a:ext cx="6096000" cy="3429000"/>
           </a:xfrm>
           <a:custGeom>
-            <a:rect b="b" l="l" r="r" t="t"/>
+            <a:avLst/>
+            <a:gdLst/>
+            <a:ahLst/>
+            <a:cxnLst/>
+            <a:rect l="l" t="t" r="r" b="b"/>
             <a:pathLst>
-              <a:path extrusionOk="0" h="120000" w="120000">
+              <a:path w="120000" h="120000" extrusionOk="0">
                 <a:moveTo>
                   <a:pt x="0" y="0"/>
                 </a:moveTo>
@@ -2042,10 +2134,12 @@
       </p:sp>
       <p:sp>
         <p:nvSpPr>
-          <p:cNvPr id="91" name="Google Shape;91;gbcf296bf5b_1_15:notes"/>
-          <p:cNvSpPr txBox="1"/>
+          <p:cNvPr id="86" name="Google Shape;86;gbcf296bf5b_1_76:notes"/>
+          <p:cNvSpPr txBox="1">
+            <a:spLocks noGrp="1"/>
+          </p:cNvSpPr>
           <p:nvPr>
-            <p:ph idx="1" type="body"/>
+            <p:ph type="body" idx="1"/>
           </p:nvPr>
         </p:nvSpPr>
         <p:spPr>
@@ -2058,12 +2152,12 @@
           </a:prstGeom>
         </p:spPr>
         <p:txBody>
-          <a:bodyPr anchorCtr="0" anchor="t" bIns="91425" lIns="91425" spcFirstLastPara="1" rIns="91425" wrap="square" tIns="91425">
+          <a:bodyPr spcFirstLastPara="1" wrap="square" lIns="91425" tIns="91425" rIns="91425" bIns="91425" anchor="t" anchorCtr="0">
             <a:noAutofit/>
           </a:bodyPr>
           <a:lstStyle/>
           <a:p>
-            <a:pPr indent="0" lvl="0" marL="0" rtl="0" algn="l">
+            <a:pPr marL="0" lvl="0" indent="0" algn="l" rtl="0">
               <a:spcBef>
                 <a:spcPts val="0"/>
               </a:spcBef>
@@ -2072,9 +2166,6 @@
               </a:spcAft>
               <a:buNone/>
             </a:pPr>
-            <a:r>
-              <a:t/>
-            </a:r>
             <a:endParaRPr/>
           </a:p>
         </p:txBody>
@@ -2087,12 +2178,12 @@
 </p:notes>
 </file>
 
-<file path=ppt/notesSlides/notesSlide8.xml><?xml version="1.0" encoding="utf-8"?>
-<p:notes xmlns:a="http://schemas.openxmlformats.org/drawingml/2006/main" xmlns:r="http://schemas.openxmlformats.org/officeDocument/2006/relationships" xmlns:mc="http://schemas.openxmlformats.org/markup-compatibility/2006" xmlns:mv="urn:schemas-microsoft-com:mac:vml" xmlns:p="http://schemas.openxmlformats.org/presentationml/2006/main" xmlns:c="http://schemas.openxmlformats.org/drawingml/2006/chart" xmlns:dgm="http://schemas.openxmlformats.org/drawingml/2006/diagram" xmlns:o="urn:schemas-microsoft-com:office:office" xmlns:v="urn:schemas-microsoft-com:vml" xmlns:pvml="urn:schemas-microsoft-com:office:powerpoint" xmlns:com="http://schemas.openxmlformats.org/drawingml/2006/compatibility" xmlns:p14="http://schemas.microsoft.com/office/powerpoint/2010/main" xmlns:p15="http://schemas.microsoft.com/office/powerpoint/2012/main" xmlns:ahyp="http://schemas.microsoft.com/office/drawing/2018/hyperlinkcolor" showMasterPhAnim="0" showMasterSp="0">
+<file path=ppt/notesSlides/notesSlide7.xml><?xml version="1.0" encoding="utf-8"?>
+<p:notes xmlns:a="http://schemas.openxmlformats.org/drawingml/2006/main" xmlns:r="http://schemas.openxmlformats.org/officeDocument/2006/relationships" xmlns:p="http://schemas.openxmlformats.org/presentationml/2006/main" showMasterSp="0" showMasterPhAnim="0">
   <p:cSld>
     <p:spTree>
       <p:nvGrpSpPr>
-        <p:cNvPr id="96" name="Shape 96"/>
+        <p:cNvPr id="1" name="Shape 90"/>
         <p:cNvGrpSpPr/>
         <p:nvPr/>
       </p:nvGrpSpPr>
@@ -2106,21 +2197,27 @@
       </p:grpSpPr>
       <p:sp>
         <p:nvSpPr>
-          <p:cNvPr id="97" name="Google Shape;97;gbcf296bf5b_1_37:notes"/>
-          <p:cNvSpPr/>
+          <p:cNvPr id="91" name="Google Shape;91;gbcf296bf5b_1_87:notes"/>
+          <p:cNvSpPr>
+            <a:spLocks noGrp="1" noRot="1" noChangeAspect="1"/>
+          </p:cNvSpPr>
           <p:nvPr>
-            <p:ph idx="2" type="sldImg"/>
+            <p:ph type="sldImg" idx="2"/>
           </p:nvPr>
         </p:nvSpPr>
         <p:spPr>
           <a:xfrm>
-            <a:off x="381300" y="685800"/>
+            <a:off x="381000" y="685800"/>
             <a:ext cx="6096000" cy="3429000"/>
           </a:xfrm>
           <a:custGeom>
-            <a:rect b="b" l="l" r="r" t="t"/>
+            <a:avLst/>
+            <a:gdLst/>
+            <a:ahLst/>
+            <a:cxnLst/>
+            <a:rect l="l" t="t" r="r" b="b"/>
             <a:pathLst>
-              <a:path extrusionOk="0" h="120000" w="120000">
+              <a:path w="120000" h="120000" extrusionOk="0">
                 <a:moveTo>
                   <a:pt x="0" y="0"/>
                 </a:moveTo>
@@ -2141,10 +2238,12 @@
       </p:sp>
       <p:sp>
         <p:nvSpPr>
-          <p:cNvPr id="98" name="Google Shape;98;gbcf296bf5b_1_37:notes"/>
-          <p:cNvSpPr txBox="1"/>
+          <p:cNvPr id="92" name="Google Shape;92;gbcf296bf5b_1_87:notes"/>
+          <p:cNvSpPr txBox="1">
+            <a:spLocks noGrp="1"/>
+          </p:cNvSpPr>
           <p:nvPr>
-            <p:ph idx="1" type="body"/>
+            <p:ph type="body" idx="1"/>
           </p:nvPr>
         </p:nvSpPr>
         <p:spPr>
@@ -2157,12 +2256,12 @@
           </a:prstGeom>
         </p:spPr>
         <p:txBody>
-          <a:bodyPr anchorCtr="0" anchor="t" bIns="91425" lIns="91425" spcFirstLastPara="1" rIns="91425" wrap="square" tIns="91425">
+          <a:bodyPr spcFirstLastPara="1" wrap="square" lIns="91425" tIns="91425" rIns="91425" bIns="91425" anchor="t" anchorCtr="0">
             <a:noAutofit/>
           </a:bodyPr>
           <a:lstStyle/>
           <a:p>
-            <a:pPr indent="0" lvl="0" marL="0" rtl="0" algn="l">
+            <a:pPr marL="0" lvl="0" indent="0" algn="l" rtl="0">
               <a:spcBef>
                 <a:spcPts val="0"/>
               </a:spcBef>
@@ -2171,9 +2270,6 @@
               </a:spcAft>
               <a:buNone/>
             </a:pPr>
-            <a:r>
-              <a:t/>
-            </a:r>
             <a:endParaRPr/>
           </a:p>
         </p:txBody>
@@ -2186,12 +2282,12 @@
 </p:notes>
 </file>
 
-<file path=ppt/notesSlides/notesSlide9.xml><?xml version="1.0" encoding="utf-8"?>
-<p:notes xmlns:a="http://schemas.openxmlformats.org/drawingml/2006/main" xmlns:r="http://schemas.openxmlformats.org/officeDocument/2006/relationships" xmlns:mc="http://schemas.openxmlformats.org/markup-compatibility/2006" xmlns:mv="urn:schemas-microsoft-com:mac:vml" xmlns:p="http://schemas.openxmlformats.org/presentationml/2006/main" xmlns:c="http://schemas.openxmlformats.org/drawingml/2006/chart" xmlns:dgm="http://schemas.openxmlformats.org/drawingml/2006/diagram" xmlns:o="urn:schemas-microsoft-com:office:office" xmlns:v="urn:schemas-microsoft-com:vml" xmlns:pvml="urn:schemas-microsoft-com:office:powerpoint" xmlns:com="http://schemas.openxmlformats.org/drawingml/2006/compatibility" xmlns:p14="http://schemas.microsoft.com/office/powerpoint/2010/main" xmlns:p15="http://schemas.microsoft.com/office/powerpoint/2012/main" xmlns:ahyp="http://schemas.microsoft.com/office/drawing/2018/hyperlinkcolor" showMasterPhAnim="0" showMasterSp="0">
+<file path=ppt/notesSlides/notesSlide8.xml><?xml version="1.0" encoding="utf-8"?>
+<p:notes xmlns:a="http://schemas.openxmlformats.org/drawingml/2006/main" xmlns:r="http://schemas.openxmlformats.org/officeDocument/2006/relationships" xmlns:p="http://schemas.openxmlformats.org/presentationml/2006/main" showMasterSp="0" showMasterPhAnim="0">
   <p:cSld>
     <p:spTree>
       <p:nvGrpSpPr>
-        <p:cNvPr id="103" name="Shape 103"/>
+        <p:cNvPr id="1" name="Shape 96"/>
         <p:cNvGrpSpPr/>
         <p:nvPr/>
       </p:nvGrpSpPr>
@@ -2205,21 +2301,27 @@
       </p:grpSpPr>
       <p:sp>
         <p:nvSpPr>
-          <p:cNvPr id="104" name="Google Shape;104;gbcf296bf5b_1_20:notes"/>
-          <p:cNvSpPr/>
+          <p:cNvPr id="97" name="Google Shape;97;gbcf296bf5b_1_15:notes"/>
+          <p:cNvSpPr>
+            <a:spLocks noGrp="1" noRot="1" noChangeAspect="1"/>
+          </p:cNvSpPr>
           <p:nvPr>
-            <p:ph idx="2" type="sldImg"/>
+            <p:ph type="sldImg" idx="2"/>
           </p:nvPr>
         </p:nvSpPr>
         <p:spPr>
           <a:xfrm>
-            <a:off x="381300" y="685800"/>
+            <a:off x="381000" y="685800"/>
             <a:ext cx="6096000" cy="3429000"/>
           </a:xfrm>
           <a:custGeom>
-            <a:rect b="b" l="l" r="r" t="t"/>
+            <a:avLst/>
+            <a:gdLst/>
+            <a:ahLst/>
+            <a:cxnLst/>
+            <a:rect l="l" t="t" r="r" b="b"/>
             <a:pathLst>
-              <a:path extrusionOk="0" h="120000" w="120000">
+              <a:path w="120000" h="120000" extrusionOk="0">
                 <a:moveTo>
                   <a:pt x="0" y="0"/>
                 </a:moveTo>
@@ -2240,10 +2342,12 @@
       </p:sp>
       <p:sp>
         <p:nvSpPr>
-          <p:cNvPr id="105" name="Google Shape;105;gbcf296bf5b_1_20:notes"/>
-          <p:cNvSpPr txBox="1"/>
+          <p:cNvPr id="98" name="Google Shape;98;gbcf296bf5b_1_15:notes"/>
+          <p:cNvSpPr txBox="1">
+            <a:spLocks noGrp="1"/>
+          </p:cNvSpPr>
           <p:nvPr>
-            <p:ph idx="1" type="body"/>
+            <p:ph type="body" idx="1"/>
           </p:nvPr>
         </p:nvSpPr>
         <p:spPr>
@@ -2256,12 +2360,12 @@
           </a:prstGeom>
         </p:spPr>
         <p:txBody>
-          <a:bodyPr anchorCtr="0" anchor="t" bIns="91425" lIns="91425" spcFirstLastPara="1" rIns="91425" wrap="square" tIns="91425">
+          <a:bodyPr spcFirstLastPara="1" wrap="square" lIns="91425" tIns="91425" rIns="91425" bIns="91425" anchor="t" anchorCtr="0">
             <a:noAutofit/>
           </a:bodyPr>
           <a:lstStyle/>
           <a:p>
-            <a:pPr indent="0" lvl="0" marL="0" rtl="0" algn="l">
+            <a:pPr marL="0" lvl="0" indent="0" algn="l" rtl="0">
               <a:spcBef>
                 <a:spcPts val="0"/>
               </a:spcBef>
@@ -2270,9 +2374,110 @@
               </a:spcAft>
               <a:buNone/>
             </a:pPr>
-            <a:r>
-              <a:t/>
-            </a:r>
+            <a:endParaRPr/>
+          </a:p>
+        </p:txBody>
+      </p:sp>
+    </p:spTree>
+  </p:cSld>
+  <p:clrMapOvr>
+    <a:masterClrMapping/>
+  </p:clrMapOvr>
+</p:notes>
+</file>
+
+<file path=ppt/notesSlides/notesSlide9.xml><?xml version="1.0" encoding="utf-8"?>
+<p:notes xmlns:a="http://schemas.openxmlformats.org/drawingml/2006/main" xmlns:r="http://schemas.openxmlformats.org/officeDocument/2006/relationships" xmlns:p="http://schemas.openxmlformats.org/presentationml/2006/main" showMasterSp="0" showMasterPhAnim="0">
+  <p:cSld>
+    <p:spTree>
+      <p:nvGrpSpPr>
+        <p:cNvPr id="1" name="Shape 104"/>
+        <p:cNvGrpSpPr/>
+        <p:nvPr/>
+      </p:nvGrpSpPr>
+      <p:grpSpPr>
+        <a:xfrm>
+          <a:off x="0" y="0"/>
+          <a:ext cx="0" cy="0"/>
+          <a:chOff x="0" y="0"/>
+          <a:chExt cx="0" cy="0"/>
+        </a:xfrm>
+      </p:grpSpPr>
+      <p:sp>
+        <p:nvSpPr>
+          <p:cNvPr id="105" name="Google Shape;105;gbcf296bf5b_1_20:notes"/>
+          <p:cNvSpPr>
+            <a:spLocks noGrp="1" noRot="1" noChangeAspect="1"/>
+          </p:cNvSpPr>
+          <p:nvPr>
+            <p:ph type="sldImg" idx="2"/>
+          </p:nvPr>
+        </p:nvSpPr>
+        <p:spPr>
+          <a:xfrm>
+            <a:off x="381000" y="685800"/>
+            <a:ext cx="6096000" cy="3429000"/>
+          </a:xfrm>
+          <a:custGeom>
+            <a:avLst/>
+            <a:gdLst/>
+            <a:ahLst/>
+            <a:cxnLst/>
+            <a:rect l="l" t="t" r="r" b="b"/>
+            <a:pathLst>
+              <a:path w="120000" h="120000" extrusionOk="0">
+                <a:moveTo>
+                  <a:pt x="0" y="0"/>
+                </a:moveTo>
+                <a:lnTo>
+                  <a:pt x="120000" y="0"/>
+                </a:lnTo>
+                <a:lnTo>
+                  <a:pt x="120000" y="120000"/>
+                </a:lnTo>
+                <a:lnTo>
+                  <a:pt x="0" y="120000"/>
+                </a:lnTo>
+                <a:close/>
+              </a:path>
+            </a:pathLst>
+          </a:custGeom>
+        </p:spPr>
+      </p:sp>
+      <p:sp>
+        <p:nvSpPr>
+          <p:cNvPr id="106" name="Google Shape;106;gbcf296bf5b_1_20:notes"/>
+          <p:cNvSpPr txBox="1">
+            <a:spLocks noGrp="1"/>
+          </p:cNvSpPr>
+          <p:nvPr>
+            <p:ph type="body" idx="1"/>
+          </p:nvPr>
+        </p:nvSpPr>
+        <p:spPr>
+          <a:xfrm>
+            <a:off x="685800" y="4343400"/>
+            <a:ext cx="5486400" cy="4114800"/>
+          </a:xfrm>
+          <a:prstGeom prst="rect">
+            <a:avLst/>
+          </a:prstGeom>
+        </p:spPr>
+        <p:txBody>
+          <a:bodyPr spcFirstLastPara="1" wrap="square" lIns="91425" tIns="91425" rIns="91425" bIns="91425" anchor="t" anchorCtr="0">
+            <a:noAutofit/>
+          </a:bodyPr>
+          <a:lstStyle/>
+          <a:p>
+            <a:pPr marL="0" lvl="0" indent="0" algn="l" rtl="0">
+              <a:spcBef>
+                <a:spcPts val="0"/>
+              </a:spcBef>
+              <a:spcAft>
+                <a:spcPts val="0"/>
+              </a:spcAft>
+              <a:buNone/>
+            </a:pPr>
             <a:endParaRPr/>
           </a:p>
         </p:txBody>
@@ -2286,11 +2491,11 @@
 </file>
 
 <file path=ppt/slideLayouts/slideLayout1.xml><?xml version="1.0" encoding="utf-8"?>
-<p:sldLayout xmlns:a="http://schemas.openxmlformats.org/drawingml/2006/main" xmlns:r="http://schemas.openxmlformats.org/officeDocument/2006/relationships" xmlns:mc="http://schemas.openxmlformats.org/markup-compatibility/2006" xmlns:mv="urn:schemas-microsoft-com:mac:vml" xmlns:p="http://schemas.openxmlformats.org/presentationml/2006/main" xmlns:c="http://schemas.openxmlformats.org/drawingml/2006/chart" xmlns:dgm="http://schemas.openxmlformats.org/drawingml/2006/diagram" xmlns:o="urn:schemas-microsoft-com:office:office" xmlns:v="urn:schemas-microsoft-com:vml" xmlns:pvml="urn:schemas-microsoft-com:office:powerpoint" xmlns:com="http://schemas.openxmlformats.org/drawingml/2006/compatibility" xmlns:p14="http://schemas.microsoft.com/office/powerpoint/2010/main" xmlns:p15="http://schemas.microsoft.com/office/powerpoint/2012/main" xmlns:ahyp="http://schemas.microsoft.com/office/drawing/2018/hyperlinkcolor" matchingName="Title slide" type="title">
+<p:sldLayout xmlns:a="http://schemas.openxmlformats.org/drawingml/2006/main" xmlns:r="http://schemas.openxmlformats.org/officeDocument/2006/relationships" xmlns:p="http://schemas.openxmlformats.org/presentationml/2006/main" matchingName="Title slide" type="title">
   <p:cSld name="TITLE">
     <p:spTree>
       <p:nvGrpSpPr>
-        <p:cNvPr id="9" name="Shape 9"/>
+        <p:cNvPr id="1" name="Shape 9"/>
         <p:cNvGrpSpPr/>
         <p:nvPr/>
       </p:nvGrpSpPr>
@@ -2305,7 +2510,9 @@
       <p:sp>
         <p:nvSpPr>
           <p:cNvPr id="10" name="Google Shape;10;p2"/>
-          <p:cNvSpPr txBox="1"/>
+          <p:cNvSpPr txBox="1">
+            <a:spLocks noGrp="1"/>
+          </p:cNvSpPr>
           <p:nvPr>
             <p:ph type="ctrTitle"/>
           </p:nvPr>
@@ -2320,7 +2527,7 @@
           </a:prstGeom>
         </p:spPr>
         <p:txBody>
-          <a:bodyPr anchorCtr="0" anchor="b" bIns="91425" lIns="91425" spcFirstLastPara="1" rIns="91425" wrap="square" tIns="91425">
+          <a:bodyPr spcFirstLastPara="1" wrap="square" lIns="91425" tIns="91425" rIns="91425" bIns="91425" anchor="b" anchorCtr="0">
             <a:normAutofit/>
           </a:bodyPr>
           <a:lstStyle>
@@ -2424,15 +2631,19 @@
               <a:defRPr sz="5200"/>
             </a:lvl9pPr>
           </a:lstStyle>
-          <a:p/>
+          <a:p>
+            <a:endParaRPr/>
+          </a:p>
         </p:txBody>
       </p:sp>
       <p:sp>
         <p:nvSpPr>
           <p:cNvPr id="11" name="Google Shape;11;p2"/>
-          <p:cNvSpPr txBox="1"/>
+          <p:cNvSpPr txBox="1">
+            <a:spLocks noGrp="1"/>
+          </p:cNvSpPr>
           <p:nvPr>
-            <p:ph idx="1" type="subTitle"/>
+            <p:ph type="subTitle" idx="1"/>
           </p:nvPr>
         </p:nvSpPr>
         <p:spPr>
@@ -2445,7 +2656,7 @@
           </a:prstGeom>
         </p:spPr>
         <p:txBody>
-          <a:bodyPr anchorCtr="0" anchor="t" bIns="91425" lIns="91425" spcFirstLastPara="1" rIns="91425" wrap="square" tIns="91425">
+          <a:bodyPr spcFirstLastPara="1" wrap="square" lIns="91425" tIns="91425" rIns="91425" bIns="91425" anchor="t" anchorCtr="0">
             <a:normAutofit/>
           </a:bodyPr>
           <a:lstStyle>
@@ -2576,15 +2787,19 @@
               <a:defRPr sz="2800"/>
             </a:lvl9pPr>
           </a:lstStyle>
-          <a:p/>
+          <a:p>
+            <a:endParaRPr/>
+          </a:p>
         </p:txBody>
       </p:sp>
       <p:sp>
         <p:nvSpPr>
           <p:cNvPr id="12" name="Google Shape;12;p2"/>
-          <p:cNvSpPr txBox="1"/>
+          <p:cNvSpPr txBox="1">
+            <a:spLocks noGrp="1"/>
+          </p:cNvSpPr>
           <p:nvPr>
-            <p:ph idx="12" type="sldNum"/>
+            <p:ph type="sldNum" idx="12"/>
           </p:nvPr>
         </p:nvSpPr>
         <p:spPr>
@@ -2597,7 +2812,7 @@
           </a:prstGeom>
         </p:spPr>
         <p:txBody>
-          <a:bodyPr anchorCtr="0" anchor="ctr" bIns="91425" lIns="91425" spcFirstLastPara="1" rIns="91425" wrap="square" tIns="91425">
+          <a:bodyPr spcFirstLastPara="1" wrap="square" lIns="91425" tIns="91425" rIns="91425" bIns="91425" anchor="ctr" anchorCtr="0">
             <a:normAutofit/>
           </a:bodyPr>
           <a:lstStyle>
@@ -2639,7 +2854,7 @@
             </a:lvl9pPr>
           </a:lstStyle>
           <a:p>
-            <a:pPr indent="0" lvl="0" marL="0" rtl="0" algn="r">
+            <a:pPr marL="0" lvl="0" indent="0" algn="r" rtl="0">
               <a:spcBef>
                 <a:spcPts val="0"/>
               </a:spcBef>
@@ -2665,11 +2880,11 @@
 </file>
 
 <file path=ppt/slideLayouts/slideLayout10.xml><?xml version="1.0" encoding="utf-8"?>
-<p:sldLayout xmlns:a="http://schemas.openxmlformats.org/drawingml/2006/main" xmlns:r="http://schemas.openxmlformats.org/officeDocument/2006/relationships" xmlns:mc="http://schemas.openxmlformats.org/markup-compatibility/2006" xmlns:mv="urn:schemas-microsoft-com:mac:vml" xmlns:p="http://schemas.openxmlformats.org/presentationml/2006/main" xmlns:c="http://schemas.openxmlformats.org/drawingml/2006/chart" xmlns:dgm="http://schemas.openxmlformats.org/drawingml/2006/diagram" xmlns:o="urn:schemas-microsoft-com:office:office" xmlns:v="urn:schemas-microsoft-com:vml" xmlns:pvml="urn:schemas-microsoft-com:office:powerpoint" xmlns:com="http://schemas.openxmlformats.org/drawingml/2006/compatibility" xmlns:p14="http://schemas.microsoft.com/office/powerpoint/2010/main" xmlns:p15="http://schemas.microsoft.com/office/powerpoint/2012/main" xmlns:ahyp="http://schemas.microsoft.com/office/drawing/2018/hyperlinkcolor" matchingName="Big number">
+<p:sldLayout xmlns:a="http://schemas.openxmlformats.org/drawingml/2006/main" xmlns:r="http://schemas.openxmlformats.org/officeDocument/2006/relationships" xmlns:p="http://schemas.openxmlformats.org/presentationml/2006/main" matchingName="Big number">
   <p:cSld name="BIG_NUMBER">
     <p:spTree>
       <p:nvGrpSpPr>
-        <p:cNvPr id="44" name="Shape 44"/>
+        <p:cNvPr id="1" name="Shape 44"/>
         <p:cNvGrpSpPr/>
         <p:nvPr/>
       </p:nvGrpSpPr>
@@ -2684,9 +2899,11 @@
       <p:sp>
         <p:nvSpPr>
           <p:cNvPr id="45" name="Google Shape;45;p11"/>
-          <p:cNvSpPr txBox="1"/>
+          <p:cNvSpPr txBox="1">
+            <a:spLocks noGrp="1"/>
+          </p:cNvSpPr>
           <p:nvPr>
-            <p:ph hasCustomPrompt="1" type="title"/>
+            <p:ph type="title" hasCustomPrompt="1"/>
           </p:nvPr>
         </p:nvSpPr>
         <p:spPr>
@@ -2699,7 +2916,7 @@
           </a:prstGeom>
         </p:spPr>
         <p:txBody>
-          <a:bodyPr anchorCtr="0" anchor="b" bIns="91425" lIns="91425" spcFirstLastPara="1" rIns="91425" wrap="square" tIns="91425">
+          <a:bodyPr spcFirstLastPara="1" wrap="square" lIns="91425" tIns="91425" rIns="91425" bIns="91425" anchor="b" anchorCtr="0">
             <a:normAutofit/>
           </a:bodyPr>
           <a:lstStyle>
@@ -2813,9 +3030,11 @@
       <p:sp>
         <p:nvSpPr>
           <p:cNvPr id="46" name="Google Shape;46;p11"/>
-          <p:cNvSpPr txBox="1"/>
+          <p:cNvSpPr txBox="1">
+            <a:spLocks noGrp="1"/>
+          </p:cNvSpPr>
           <p:nvPr>
-            <p:ph idx="1" type="body"/>
+            <p:ph type="body" idx="1"/>
           </p:nvPr>
         </p:nvSpPr>
         <p:spPr>
@@ -2828,11 +3047,11 @@
           </a:prstGeom>
         </p:spPr>
         <p:txBody>
-          <a:bodyPr anchorCtr="0" anchor="t" bIns="91425" lIns="91425" spcFirstLastPara="1" rIns="91425" wrap="square" tIns="91425">
+          <a:bodyPr spcFirstLastPara="1" wrap="square" lIns="91425" tIns="91425" rIns="91425" bIns="91425" anchor="t" anchorCtr="0">
             <a:normAutofit/>
           </a:bodyPr>
           <a:lstStyle>
-            <a:lvl1pPr indent="-342900" lvl="0" marL="457200" algn="ctr">
+            <a:lvl1pPr marL="457200" lvl="0" indent="-342900" algn="ctr">
               <a:spcBef>
                 <a:spcPts val="0"/>
               </a:spcBef>
@@ -2843,7 +3062,7 @@
               <a:buChar char="●"/>
               <a:defRPr/>
             </a:lvl1pPr>
-            <a:lvl2pPr indent="-317500" lvl="1" marL="914400" algn="ctr">
+            <a:lvl2pPr marL="914400" lvl="1" indent="-317500" algn="ctr">
               <a:spcBef>
                 <a:spcPts val="0"/>
               </a:spcBef>
@@ -2854,7 +3073,7 @@
               <a:buChar char="○"/>
               <a:defRPr/>
             </a:lvl2pPr>
-            <a:lvl3pPr indent="-317500" lvl="2" marL="1371600" algn="ctr">
+            <a:lvl3pPr marL="1371600" lvl="2" indent="-317500" algn="ctr">
               <a:spcBef>
                 <a:spcPts val="0"/>
               </a:spcBef>
@@ -2865,7 +3084,7 @@
               <a:buChar char="■"/>
               <a:defRPr/>
             </a:lvl3pPr>
-            <a:lvl4pPr indent="-317500" lvl="3" marL="1828800" algn="ctr">
+            <a:lvl4pPr marL="1828800" lvl="3" indent="-317500" algn="ctr">
               <a:spcBef>
                 <a:spcPts val="0"/>
               </a:spcBef>
@@ -2876,7 +3095,7 @@
               <a:buChar char="●"/>
               <a:defRPr/>
             </a:lvl4pPr>
-            <a:lvl5pPr indent="-317500" lvl="4" marL="2286000" algn="ctr">
+            <a:lvl5pPr marL="2286000" lvl="4" indent="-317500" algn="ctr">
               <a:spcBef>
                 <a:spcPts val="0"/>
               </a:spcBef>
@@ -2887,7 +3106,7 @@
               <a:buChar char="○"/>
               <a:defRPr/>
             </a:lvl5pPr>
-            <a:lvl6pPr indent="-317500" lvl="5" marL="2743200" algn="ctr">
+            <a:lvl6pPr marL="2743200" lvl="5" indent="-317500" algn="ctr">
               <a:spcBef>
                 <a:spcPts val="0"/>
               </a:spcBef>
@@ -2898,7 +3117,7 @@
               <a:buChar char="■"/>
               <a:defRPr/>
             </a:lvl6pPr>
-            <a:lvl7pPr indent="-317500" lvl="6" marL="3200400" algn="ctr">
+            <a:lvl7pPr marL="3200400" lvl="6" indent="-317500" algn="ctr">
               <a:spcBef>
                 <a:spcPts val="0"/>
               </a:spcBef>
@@ -2909,7 +3128,7 @@
               <a:buChar char="●"/>
               <a:defRPr/>
             </a:lvl7pPr>
-            <a:lvl8pPr indent="-317500" lvl="7" marL="3657600" algn="ctr">
+            <a:lvl8pPr marL="3657600" lvl="7" indent="-317500" algn="ctr">
               <a:spcBef>
                 <a:spcPts val="0"/>
               </a:spcBef>
@@ -2920,7 +3139,7 @@
               <a:buChar char="○"/>
               <a:defRPr/>
             </a:lvl8pPr>
-            <a:lvl9pPr indent="-317500" lvl="8" marL="4114800" algn="ctr">
+            <a:lvl9pPr marL="4114800" lvl="8" indent="-317500" algn="ctr">
               <a:spcBef>
                 <a:spcPts val="0"/>
               </a:spcBef>
@@ -2932,15 +3151,19 @@
               <a:defRPr/>
             </a:lvl9pPr>
           </a:lstStyle>
-          <a:p/>
+          <a:p>
+            <a:endParaRPr/>
+          </a:p>
         </p:txBody>
       </p:sp>
       <p:sp>
         <p:nvSpPr>
           <p:cNvPr id="47" name="Google Shape;47;p11"/>
-          <p:cNvSpPr txBox="1"/>
+          <p:cNvSpPr txBox="1">
+            <a:spLocks noGrp="1"/>
+          </p:cNvSpPr>
           <p:nvPr>
-            <p:ph idx="12" type="sldNum"/>
+            <p:ph type="sldNum" idx="12"/>
           </p:nvPr>
         </p:nvSpPr>
         <p:spPr>
@@ -2953,7 +3176,7 @@
           </a:prstGeom>
         </p:spPr>
         <p:txBody>
-          <a:bodyPr anchorCtr="0" anchor="ctr" bIns="91425" lIns="91425" spcFirstLastPara="1" rIns="91425" wrap="square" tIns="91425">
+          <a:bodyPr spcFirstLastPara="1" wrap="square" lIns="91425" tIns="91425" rIns="91425" bIns="91425" anchor="ctr" anchorCtr="0">
             <a:normAutofit/>
           </a:bodyPr>
           <a:lstStyle>
@@ -2995,7 +3218,7 @@
             </a:lvl9pPr>
           </a:lstStyle>
           <a:p>
-            <a:pPr indent="0" lvl="0" marL="0" rtl="0" algn="r">
+            <a:pPr marL="0" lvl="0" indent="0" algn="r" rtl="0">
               <a:spcBef>
                 <a:spcPts val="0"/>
               </a:spcBef>
@@ -3021,11 +3244,11 @@
 </file>
 
 <file path=ppt/slideLayouts/slideLayout11.xml><?xml version="1.0" encoding="utf-8"?>
-<p:sldLayout xmlns:a="http://schemas.openxmlformats.org/drawingml/2006/main" xmlns:r="http://schemas.openxmlformats.org/officeDocument/2006/relationships" xmlns:mc="http://schemas.openxmlformats.org/markup-compatibility/2006" xmlns:mv="urn:schemas-microsoft-com:mac:vml" xmlns:p="http://schemas.openxmlformats.org/presentationml/2006/main" xmlns:c="http://schemas.openxmlformats.org/drawingml/2006/chart" xmlns:dgm="http://schemas.openxmlformats.org/drawingml/2006/diagram" xmlns:o="urn:schemas-microsoft-com:office:office" xmlns:v="urn:schemas-microsoft-com:vml" xmlns:pvml="urn:schemas-microsoft-com:office:powerpoint" xmlns:com="http://schemas.openxmlformats.org/drawingml/2006/compatibility" xmlns:p14="http://schemas.microsoft.com/office/powerpoint/2010/main" xmlns:p15="http://schemas.microsoft.com/office/powerpoint/2012/main" xmlns:ahyp="http://schemas.microsoft.com/office/drawing/2018/hyperlinkcolor" matchingName="Blank" type="blank">
+<p:sldLayout xmlns:a="http://schemas.openxmlformats.org/drawingml/2006/main" xmlns:r="http://schemas.openxmlformats.org/officeDocument/2006/relationships" xmlns:p="http://schemas.openxmlformats.org/presentationml/2006/main" matchingName="Blank" type="blank">
   <p:cSld name="BLANK">
     <p:spTree>
       <p:nvGrpSpPr>
-        <p:cNvPr id="48" name="Shape 48"/>
+        <p:cNvPr id="1" name="Shape 48"/>
         <p:cNvGrpSpPr/>
         <p:nvPr/>
       </p:nvGrpSpPr>
@@ -3040,9 +3263,11 @@
       <p:sp>
         <p:nvSpPr>
           <p:cNvPr id="49" name="Google Shape;49;p12"/>
-          <p:cNvSpPr txBox="1"/>
+          <p:cNvSpPr txBox="1">
+            <a:spLocks noGrp="1"/>
+          </p:cNvSpPr>
           <p:nvPr>
-            <p:ph idx="12" type="sldNum"/>
+            <p:ph type="sldNum" idx="12"/>
           </p:nvPr>
         </p:nvSpPr>
         <p:spPr>
@@ -3055,7 +3280,7 @@
           </a:prstGeom>
         </p:spPr>
         <p:txBody>
-          <a:bodyPr anchorCtr="0" anchor="ctr" bIns="91425" lIns="91425" spcFirstLastPara="1" rIns="91425" wrap="square" tIns="91425">
+          <a:bodyPr spcFirstLastPara="1" wrap="square" lIns="91425" tIns="91425" rIns="91425" bIns="91425" anchor="ctr" anchorCtr="0">
             <a:normAutofit/>
           </a:bodyPr>
           <a:lstStyle>
@@ -3097,7 +3322,7 @@
             </a:lvl9pPr>
           </a:lstStyle>
           <a:p>
-            <a:pPr indent="0" lvl="0" marL="0" rtl="0" algn="r">
+            <a:pPr marL="0" lvl="0" indent="0" algn="r" rtl="0">
               <a:spcBef>
                 <a:spcPts val="0"/>
               </a:spcBef>
@@ -3123,11 +3348,11 @@
 </file>
 
 <file path=ppt/slideLayouts/slideLayout2.xml><?xml version="1.0" encoding="utf-8"?>
-<p:sldLayout xmlns:a="http://schemas.openxmlformats.org/drawingml/2006/main" xmlns:r="http://schemas.openxmlformats.org/officeDocument/2006/relationships" xmlns:mc="http://schemas.openxmlformats.org/markup-compatibility/2006" xmlns:mv="urn:schemas-microsoft-com:mac:vml" xmlns:p="http://schemas.openxmlformats.org/presentationml/2006/main" xmlns:c="http://schemas.openxmlformats.org/drawingml/2006/chart" xmlns:dgm="http://schemas.openxmlformats.org/drawingml/2006/diagram" xmlns:o="urn:schemas-microsoft-com:office:office" xmlns:v="urn:schemas-microsoft-com:vml" xmlns:pvml="urn:schemas-microsoft-com:office:powerpoint" xmlns:com="http://schemas.openxmlformats.org/drawingml/2006/compatibility" xmlns:p14="http://schemas.microsoft.com/office/powerpoint/2010/main" xmlns:p15="http://schemas.microsoft.com/office/powerpoint/2012/main" xmlns:ahyp="http://schemas.microsoft.com/office/drawing/2018/hyperlinkcolor" matchingName="Section header" type="secHead">
+<p:sldLayout xmlns:a="http://schemas.openxmlformats.org/drawingml/2006/main" xmlns:r="http://schemas.openxmlformats.org/officeDocument/2006/relationships" xmlns:p="http://schemas.openxmlformats.org/presentationml/2006/main" matchingName="Section header" type="secHead">
   <p:cSld name="SECTION_HEADER">
     <p:spTree>
       <p:nvGrpSpPr>
-        <p:cNvPr id="13" name="Shape 13"/>
+        <p:cNvPr id="1" name="Shape 13"/>
         <p:cNvGrpSpPr/>
         <p:nvPr/>
       </p:nvGrpSpPr>
@@ -3142,7 +3367,9 @@
       <p:sp>
         <p:nvSpPr>
           <p:cNvPr id="14" name="Google Shape;14;p3"/>
-          <p:cNvSpPr txBox="1"/>
+          <p:cNvSpPr txBox="1">
+            <a:spLocks noGrp="1"/>
+          </p:cNvSpPr>
           <p:nvPr>
             <p:ph type="title"/>
           </p:nvPr>
@@ -3157,7 +3384,7 @@
           </a:prstGeom>
         </p:spPr>
         <p:txBody>
-          <a:bodyPr anchorCtr="0" anchor="ctr" bIns="91425" lIns="91425" spcFirstLastPara="1" rIns="91425" wrap="square" tIns="91425">
+          <a:bodyPr spcFirstLastPara="1" wrap="square" lIns="91425" tIns="91425" rIns="91425" bIns="91425" anchor="ctr" anchorCtr="0">
             <a:normAutofit/>
           </a:bodyPr>
           <a:lstStyle>
@@ -3261,15 +3488,19 @@
               <a:defRPr sz="3600"/>
             </a:lvl9pPr>
           </a:lstStyle>
-          <a:p/>
+          <a:p>
+            <a:endParaRPr/>
+          </a:p>
         </p:txBody>
       </p:sp>
       <p:sp>
         <p:nvSpPr>
           <p:cNvPr id="15" name="Google Shape;15;p3"/>
-          <p:cNvSpPr txBox="1"/>
+          <p:cNvSpPr txBox="1">
+            <a:spLocks noGrp="1"/>
+          </p:cNvSpPr>
           <p:nvPr>
-            <p:ph idx="12" type="sldNum"/>
+            <p:ph type="sldNum" idx="12"/>
           </p:nvPr>
         </p:nvSpPr>
         <p:spPr>
@@ -3282,7 +3513,7 @@
           </a:prstGeom>
         </p:spPr>
         <p:txBody>
-          <a:bodyPr anchorCtr="0" anchor="ctr" bIns="91425" lIns="91425" spcFirstLastPara="1" rIns="91425" wrap="square" tIns="91425">
+          <a:bodyPr spcFirstLastPara="1" wrap="square" lIns="91425" tIns="91425" rIns="91425" bIns="91425" anchor="ctr" anchorCtr="0">
             <a:normAutofit/>
           </a:bodyPr>
           <a:lstStyle>
@@ -3324,7 +3555,7 @@
             </a:lvl9pPr>
           </a:lstStyle>
           <a:p>
-            <a:pPr indent="0" lvl="0" marL="0" rtl="0" algn="r">
+            <a:pPr marL="0" lvl="0" indent="0" algn="r" rtl="0">
               <a:spcBef>
                 <a:spcPts val="0"/>
               </a:spcBef>
@@ -3350,11 +3581,11 @@
 </file>
 
 <file path=ppt/slideLayouts/slideLayout3.xml><?xml version="1.0" encoding="utf-8"?>
-<p:sldLayout xmlns:a="http://schemas.openxmlformats.org/drawingml/2006/main" xmlns:r="http://schemas.openxmlformats.org/officeDocument/2006/relationships" xmlns:mc="http://schemas.openxmlformats.org/markup-compatibility/2006" xmlns:mv="urn:schemas-microsoft-com:mac:vml" xmlns:p="http://schemas.openxmlformats.org/presentationml/2006/main" xmlns:c="http://schemas.openxmlformats.org/drawingml/2006/chart" xmlns:dgm="http://schemas.openxmlformats.org/drawingml/2006/diagram" xmlns:o="urn:schemas-microsoft-com:office:office" xmlns:v="urn:schemas-microsoft-com:vml" xmlns:pvml="urn:schemas-microsoft-com:office:powerpoint" xmlns:com="http://schemas.openxmlformats.org/drawingml/2006/compatibility" xmlns:p14="http://schemas.microsoft.com/office/powerpoint/2010/main" xmlns:p15="http://schemas.microsoft.com/office/powerpoint/2012/main" xmlns:ahyp="http://schemas.microsoft.com/office/drawing/2018/hyperlinkcolor" matchingName="Title and body" type="tx">
+<p:sldLayout xmlns:a="http://schemas.openxmlformats.org/drawingml/2006/main" xmlns:r="http://schemas.openxmlformats.org/officeDocument/2006/relationships" xmlns:p="http://schemas.openxmlformats.org/presentationml/2006/main" matchingName="Title and body" type="tx">
   <p:cSld name="TITLE_AND_BODY">
     <p:spTree>
       <p:nvGrpSpPr>
-        <p:cNvPr id="16" name="Shape 16"/>
+        <p:cNvPr id="1" name="Shape 16"/>
         <p:cNvGrpSpPr/>
         <p:nvPr/>
       </p:nvGrpSpPr>
@@ -3369,7 +3600,9 @@
       <p:sp>
         <p:nvSpPr>
           <p:cNvPr id="17" name="Google Shape;17;p4"/>
-          <p:cNvSpPr txBox="1"/>
+          <p:cNvSpPr txBox="1">
+            <a:spLocks noGrp="1"/>
+          </p:cNvSpPr>
           <p:nvPr>
             <p:ph type="title"/>
           </p:nvPr>
@@ -3384,7 +3617,7 @@
           </a:prstGeom>
         </p:spPr>
         <p:txBody>
-          <a:bodyPr anchorCtr="0" anchor="t" bIns="91425" lIns="91425" spcFirstLastPara="1" rIns="91425" wrap="square" tIns="91425">
+          <a:bodyPr spcFirstLastPara="1" wrap="square" lIns="91425" tIns="91425" rIns="91425" bIns="91425" anchor="t" anchorCtr="0">
             <a:normAutofit/>
           </a:bodyPr>
           <a:lstStyle>
@@ -3488,15 +3721,19 @@
               <a:defRPr/>
             </a:lvl9pPr>
           </a:lstStyle>
-          <a:p/>
+          <a:p>
+            <a:endParaRPr/>
+          </a:p>
         </p:txBody>
       </p:sp>
       <p:sp>
         <p:nvSpPr>
           <p:cNvPr id="18" name="Google Shape;18;p4"/>
-          <p:cNvSpPr txBox="1"/>
+          <p:cNvSpPr txBox="1">
+            <a:spLocks noGrp="1"/>
+          </p:cNvSpPr>
           <p:nvPr>
-            <p:ph idx="1" type="body"/>
+            <p:ph type="body" idx="1"/>
           </p:nvPr>
         </p:nvSpPr>
         <p:spPr>
@@ -3509,11 +3746,11 @@
           </a:prstGeom>
         </p:spPr>
         <p:txBody>
-          <a:bodyPr anchorCtr="0" anchor="t" bIns="91425" lIns="91425" spcFirstLastPara="1" rIns="91425" wrap="square" tIns="91425">
+          <a:bodyPr spcFirstLastPara="1" wrap="square" lIns="91425" tIns="91425" rIns="91425" bIns="91425" anchor="t" anchorCtr="0">
             <a:normAutofit/>
           </a:bodyPr>
           <a:lstStyle>
-            <a:lvl1pPr indent="-342900" lvl="0" marL="457200">
+            <a:lvl1pPr marL="457200" lvl="0" indent="-342900">
               <a:spcBef>
                 <a:spcPts val="0"/>
               </a:spcBef>
@@ -3524,7 +3761,7 @@
               <a:buChar char="●"/>
               <a:defRPr/>
             </a:lvl1pPr>
-            <a:lvl2pPr indent="-317500" lvl="1" marL="914400">
+            <a:lvl2pPr marL="914400" lvl="1" indent="-317500">
               <a:spcBef>
                 <a:spcPts val="0"/>
               </a:spcBef>
@@ -3535,7 +3772,7 @@
               <a:buChar char="○"/>
               <a:defRPr/>
             </a:lvl2pPr>
-            <a:lvl3pPr indent="-317500" lvl="2" marL="1371600">
+            <a:lvl3pPr marL="1371600" lvl="2" indent="-317500">
               <a:spcBef>
                 <a:spcPts val="0"/>
               </a:spcBef>
@@ -3546,7 +3783,7 @@
               <a:buChar char="■"/>
               <a:defRPr/>
             </a:lvl3pPr>
-            <a:lvl4pPr indent="-317500" lvl="3" marL="1828800">
+            <a:lvl4pPr marL="1828800" lvl="3" indent="-317500">
               <a:spcBef>
                 <a:spcPts val="0"/>
               </a:spcBef>
@@ -3557,7 +3794,7 @@
               <a:buChar char="●"/>
               <a:defRPr/>
             </a:lvl4pPr>
-            <a:lvl5pPr indent="-317500" lvl="4" marL="2286000">
+            <a:lvl5pPr marL="2286000" lvl="4" indent="-317500">
               <a:spcBef>
                 <a:spcPts val="0"/>
               </a:spcBef>
@@ -3568,7 +3805,7 @@
               <a:buChar char="○"/>
               <a:defRPr/>
             </a:lvl5pPr>
-            <a:lvl6pPr indent="-317500" lvl="5" marL="2743200">
+            <a:lvl6pPr marL="2743200" lvl="5" indent="-317500">
               <a:spcBef>
                 <a:spcPts val="0"/>
               </a:spcBef>
@@ -3579,7 +3816,7 @@
               <a:buChar char="■"/>
               <a:defRPr/>
             </a:lvl6pPr>
-            <a:lvl7pPr indent="-317500" lvl="6" marL="3200400">
+            <a:lvl7pPr marL="3200400" lvl="6" indent="-317500">
               <a:spcBef>
                 <a:spcPts val="0"/>
               </a:spcBef>
@@ -3590,7 +3827,7 @@
               <a:buChar char="●"/>
               <a:defRPr/>
             </a:lvl7pPr>
-            <a:lvl8pPr indent="-317500" lvl="7" marL="3657600">
+            <a:lvl8pPr marL="3657600" lvl="7" indent="-317500">
               <a:spcBef>
                 <a:spcPts val="0"/>
               </a:spcBef>
@@ -3601,7 +3838,7 @@
               <a:buChar char="○"/>
               <a:defRPr/>
             </a:lvl8pPr>
-            <a:lvl9pPr indent="-317500" lvl="8" marL="4114800">
+            <a:lvl9pPr marL="4114800" lvl="8" indent="-317500">
               <a:spcBef>
                 <a:spcPts val="0"/>
               </a:spcBef>
@@ -3613,15 +3850,19 @@
               <a:defRPr/>
             </a:lvl9pPr>
           </a:lstStyle>
-          <a:p/>
+          <a:p>
+            <a:endParaRPr/>
+          </a:p>
         </p:txBody>
       </p:sp>
       <p:sp>
         <p:nvSpPr>
           <p:cNvPr id="19" name="Google Shape;19;p4"/>
-          <p:cNvSpPr txBox="1"/>
+          <p:cNvSpPr txBox="1">
+            <a:spLocks noGrp="1"/>
+          </p:cNvSpPr>
           <p:nvPr>
-            <p:ph idx="12" type="sldNum"/>
+            <p:ph type="sldNum" idx="12"/>
           </p:nvPr>
         </p:nvSpPr>
         <p:spPr>
@@ -3634,7 +3875,7 @@
           </a:prstGeom>
         </p:spPr>
         <p:txBody>
-          <a:bodyPr anchorCtr="0" anchor="ctr" bIns="91425" lIns="91425" spcFirstLastPara="1" rIns="91425" wrap="square" tIns="91425">
+          <a:bodyPr spcFirstLastPara="1" wrap="square" lIns="91425" tIns="91425" rIns="91425" bIns="91425" anchor="ctr" anchorCtr="0">
             <a:normAutofit/>
           </a:bodyPr>
           <a:lstStyle>
@@ -3676,7 +3917,7 @@
             </a:lvl9pPr>
           </a:lstStyle>
           <a:p>
-            <a:pPr indent="0" lvl="0" marL="0" rtl="0" algn="r">
+            <a:pPr marL="0" lvl="0" indent="0" algn="r" rtl="0">
               <a:spcBef>
                 <a:spcPts val="0"/>
               </a:spcBef>
@@ -3702,11 +3943,11 @@
 </file>
 
 <file path=ppt/slideLayouts/slideLayout4.xml><?xml version="1.0" encoding="utf-8"?>
-<p:sldLayout xmlns:a="http://schemas.openxmlformats.org/drawingml/2006/main" xmlns:r="http://schemas.openxmlformats.org/officeDocument/2006/relationships" xmlns:mc="http://schemas.openxmlformats.org/markup-compatibility/2006" xmlns:mv="urn:schemas-microsoft-com:mac:vml" xmlns:p="http://schemas.openxmlformats.org/presentationml/2006/main" xmlns:c="http://schemas.openxmlformats.org/drawingml/2006/chart" xmlns:dgm="http://schemas.openxmlformats.org/drawingml/2006/diagram" xmlns:o="urn:schemas-microsoft-com:office:office" xmlns:v="urn:schemas-microsoft-com:vml" xmlns:pvml="urn:schemas-microsoft-com:office:powerpoint" xmlns:com="http://schemas.openxmlformats.org/drawingml/2006/compatibility" xmlns:p14="http://schemas.microsoft.com/office/powerpoint/2010/main" xmlns:p15="http://schemas.microsoft.com/office/powerpoint/2012/main" xmlns:ahyp="http://schemas.microsoft.com/office/drawing/2018/hyperlinkcolor" matchingName="Title and two columns" type="twoColTx">
+<p:sldLayout xmlns:a="http://schemas.openxmlformats.org/drawingml/2006/main" xmlns:r="http://schemas.openxmlformats.org/officeDocument/2006/relationships" xmlns:p="http://schemas.openxmlformats.org/presentationml/2006/main" matchingName="Title and two columns" type="twoColTx">
   <p:cSld name="TITLE_AND_TWO_COLUMNS">
     <p:spTree>
       <p:nvGrpSpPr>
-        <p:cNvPr id="20" name="Shape 20"/>
+        <p:cNvPr id="1" name="Shape 20"/>
         <p:cNvGrpSpPr/>
         <p:nvPr/>
       </p:nvGrpSpPr>
@@ -3721,7 +3962,9 @@
       <p:sp>
         <p:nvSpPr>
           <p:cNvPr id="21" name="Google Shape;21;p5"/>
-          <p:cNvSpPr txBox="1"/>
+          <p:cNvSpPr txBox="1">
+            <a:spLocks noGrp="1"/>
+          </p:cNvSpPr>
           <p:nvPr>
             <p:ph type="title"/>
           </p:nvPr>
@@ -3736,7 +3979,7 @@
           </a:prstGeom>
         </p:spPr>
         <p:txBody>
-          <a:bodyPr anchorCtr="0" anchor="t" bIns="91425" lIns="91425" spcFirstLastPara="1" rIns="91425" wrap="square" tIns="91425">
+          <a:bodyPr spcFirstLastPara="1" wrap="square" lIns="91425" tIns="91425" rIns="91425" bIns="91425" anchor="t" anchorCtr="0">
             <a:normAutofit/>
           </a:bodyPr>
           <a:lstStyle>
@@ -3840,15 +4083,19 @@
               <a:defRPr/>
             </a:lvl9pPr>
           </a:lstStyle>
-          <a:p/>
+          <a:p>
+            <a:endParaRPr/>
+          </a:p>
         </p:txBody>
       </p:sp>
       <p:sp>
         <p:nvSpPr>
           <p:cNvPr id="22" name="Google Shape;22;p5"/>
-          <p:cNvSpPr txBox="1"/>
+          <p:cNvSpPr txBox="1">
+            <a:spLocks noGrp="1"/>
+          </p:cNvSpPr>
           <p:nvPr>
-            <p:ph idx="1" type="body"/>
+            <p:ph type="body" idx="1"/>
           </p:nvPr>
         </p:nvSpPr>
         <p:spPr>
@@ -3861,11 +4108,11 @@
           </a:prstGeom>
         </p:spPr>
         <p:txBody>
-          <a:bodyPr anchorCtr="0" anchor="t" bIns="91425" lIns="91425" spcFirstLastPara="1" rIns="91425" wrap="square" tIns="91425">
+          <a:bodyPr spcFirstLastPara="1" wrap="square" lIns="91425" tIns="91425" rIns="91425" bIns="91425" anchor="t" anchorCtr="0">
             <a:normAutofit/>
           </a:bodyPr>
           <a:lstStyle>
-            <a:lvl1pPr indent="-317500" lvl="0" marL="457200">
+            <a:lvl1pPr marL="457200" lvl="0" indent="-317500">
               <a:spcBef>
                 <a:spcPts val="0"/>
               </a:spcBef>
@@ -3876,7 +4123,7 @@
               <a:buChar char="●"/>
               <a:defRPr sz="1400"/>
             </a:lvl1pPr>
-            <a:lvl2pPr indent="-304800" lvl="1" marL="914400">
+            <a:lvl2pPr marL="914400" lvl="1" indent="-304800">
               <a:spcBef>
                 <a:spcPts val="0"/>
               </a:spcBef>
@@ -3887,7 +4134,7 @@
               <a:buChar char="○"/>
               <a:defRPr sz="1200"/>
             </a:lvl2pPr>
-            <a:lvl3pPr indent="-304800" lvl="2" marL="1371600">
+            <a:lvl3pPr marL="1371600" lvl="2" indent="-304800">
               <a:spcBef>
                 <a:spcPts val="0"/>
               </a:spcBef>
@@ -3898,7 +4145,7 @@
               <a:buChar char="■"/>
               <a:defRPr sz="1200"/>
             </a:lvl3pPr>
-            <a:lvl4pPr indent="-304800" lvl="3" marL="1828800">
+            <a:lvl4pPr marL="1828800" lvl="3" indent="-304800">
               <a:spcBef>
                 <a:spcPts val="0"/>
               </a:spcBef>
@@ -3909,7 +4156,7 @@
               <a:buChar char="●"/>
               <a:defRPr sz="1200"/>
             </a:lvl4pPr>
-            <a:lvl5pPr indent="-304800" lvl="4" marL="2286000">
+            <a:lvl5pPr marL="2286000" lvl="4" indent="-304800">
               <a:spcBef>
                 <a:spcPts val="0"/>
               </a:spcBef>
@@ -3920,7 +4167,7 @@
               <a:buChar char="○"/>
               <a:defRPr sz="1200"/>
             </a:lvl5pPr>
-            <a:lvl6pPr indent="-304800" lvl="5" marL="2743200">
+            <a:lvl6pPr marL="2743200" lvl="5" indent="-304800">
               <a:spcBef>
                 <a:spcPts val="0"/>
               </a:spcBef>
@@ -3931,7 +4178,7 @@
               <a:buChar char="■"/>
               <a:defRPr sz="1200"/>
             </a:lvl6pPr>
-            <a:lvl7pPr indent="-304800" lvl="6" marL="3200400">
+            <a:lvl7pPr marL="3200400" lvl="6" indent="-304800">
               <a:spcBef>
                 <a:spcPts val="0"/>
               </a:spcBef>
@@ -3942,7 +4189,7 @@
               <a:buChar char="●"/>
               <a:defRPr sz="1200"/>
             </a:lvl7pPr>
-            <a:lvl8pPr indent="-304800" lvl="7" marL="3657600">
+            <a:lvl8pPr marL="3657600" lvl="7" indent="-304800">
               <a:spcBef>
                 <a:spcPts val="0"/>
               </a:spcBef>
@@ -3953,7 +4200,7 @@
               <a:buChar char="○"/>
               <a:defRPr sz="1200"/>
             </a:lvl8pPr>
-            <a:lvl9pPr indent="-304800" lvl="8" marL="4114800">
+            <a:lvl9pPr marL="4114800" lvl="8" indent="-304800">
               <a:spcBef>
                 <a:spcPts val="0"/>
               </a:spcBef>
@@ -3965,15 +4212,19 @@
               <a:defRPr sz="1200"/>
             </a:lvl9pPr>
           </a:lstStyle>
-          <a:p/>
+          <a:p>
+            <a:endParaRPr/>
+          </a:p>
         </p:txBody>
       </p:sp>
       <p:sp>
         <p:nvSpPr>
           <p:cNvPr id="23" name="Google Shape;23;p5"/>
-          <p:cNvSpPr txBox="1"/>
+          <p:cNvSpPr txBox="1">
+            <a:spLocks noGrp="1"/>
+          </p:cNvSpPr>
           <p:nvPr>
-            <p:ph idx="2" type="body"/>
+            <p:ph type="body" idx="2"/>
           </p:nvPr>
         </p:nvSpPr>
         <p:spPr>
@@ -3986,11 +4237,11 @@
           </a:prstGeom>
         </p:spPr>
         <p:txBody>
-          <a:bodyPr anchorCtr="0" anchor="t" bIns="91425" lIns="91425" spcFirstLastPara="1" rIns="91425" wrap="square" tIns="91425">
+          <a:bodyPr spcFirstLastPara="1" wrap="square" lIns="91425" tIns="91425" rIns="91425" bIns="91425" anchor="t" anchorCtr="0">
             <a:normAutofit/>
           </a:bodyPr>
           <a:lstStyle>
-            <a:lvl1pPr indent="-317500" lvl="0" marL="457200">
+            <a:lvl1pPr marL="457200" lvl="0" indent="-317500">
               <a:spcBef>
                 <a:spcPts val="0"/>
               </a:spcBef>
@@ -4001,7 +4252,7 @@
               <a:buChar char="●"/>
               <a:defRPr sz="1400"/>
             </a:lvl1pPr>
-            <a:lvl2pPr indent="-304800" lvl="1" marL="914400">
+            <a:lvl2pPr marL="914400" lvl="1" indent="-304800">
               <a:spcBef>
                 <a:spcPts val="0"/>
               </a:spcBef>
@@ -4012,7 +4263,7 @@
               <a:buChar char="○"/>
               <a:defRPr sz="1200"/>
             </a:lvl2pPr>
-            <a:lvl3pPr indent="-304800" lvl="2" marL="1371600">
+            <a:lvl3pPr marL="1371600" lvl="2" indent="-304800">
               <a:spcBef>
                 <a:spcPts val="0"/>
               </a:spcBef>
@@ -4023,7 +4274,7 @@
               <a:buChar char="■"/>
               <a:defRPr sz="1200"/>
             </a:lvl3pPr>
-            <a:lvl4pPr indent="-304800" lvl="3" marL="1828800">
+            <a:lvl4pPr marL="1828800" lvl="3" indent="-304800">
               <a:spcBef>
                 <a:spcPts val="0"/>
               </a:spcBef>
@@ -4034,7 +4285,7 @@
               <a:buChar char="●"/>
               <a:defRPr sz="1200"/>
             </a:lvl4pPr>
-            <a:lvl5pPr indent="-304800" lvl="4" marL="2286000">
+            <a:lvl5pPr marL="2286000" lvl="4" indent="-304800">
               <a:spcBef>
                 <a:spcPts val="0"/>
               </a:spcBef>
@@ -4045,7 +4296,7 @@
               <a:buChar char="○"/>
               <a:defRPr sz="1200"/>
             </a:lvl5pPr>
-            <a:lvl6pPr indent="-304800" lvl="5" marL="2743200">
+            <a:lvl6pPr marL="2743200" lvl="5" indent="-304800">
               <a:spcBef>
                 <a:spcPts val="0"/>
               </a:spcBef>
@@ -4056,7 +4307,7 @@
               <a:buChar char="■"/>
               <a:defRPr sz="1200"/>
             </a:lvl6pPr>
-            <a:lvl7pPr indent="-304800" lvl="6" marL="3200400">
+            <a:lvl7pPr marL="3200400" lvl="6" indent="-304800">
               <a:spcBef>
                 <a:spcPts val="0"/>
               </a:spcBef>
@@ -4067,7 +4318,7 @@
               <a:buChar char="●"/>
               <a:defRPr sz="1200"/>
             </a:lvl7pPr>
-            <a:lvl8pPr indent="-304800" lvl="7" marL="3657600">
+            <a:lvl8pPr marL="3657600" lvl="7" indent="-304800">
               <a:spcBef>
                 <a:spcPts val="0"/>
               </a:spcBef>
@@ -4078,7 +4329,7 @@
               <a:buChar char="○"/>
               <a:defRPr sz="1200"/>
             </a:lvl8pPr>
-            <a:lvl9pPr indent="-304800" lvl="8" marL="4114800">
+            <a:lvl9pPr marL="4114800" lvl="8" indent="-304800">
               <a:spcBef>
                 <a:spcPts val="0"/>
               </a:spcBef>
@@ -4090,15 +4341,19 @@
               <a:defRPr sz="1200"/>
             </a:lvl9pPr>
           </a:lstStyle>
-          <a:p/>
+          <a:p>
+            <a:endParaRPr/>
+          </a:p>
         </p:txBody>
       </p:sp>
       <p:sp>
         <p:nvSpPr>
           <p:cNvPr id="24" name="Google Shape;24;p5"/>
-          <p:cNvSpPr txBox="1"/>
+          <p:cNvSpPr txBox="1">
+            <a:spLocks noGrp="1"/>
+          </p:cNvSpPr>
           <p:nvPr>
-            <p:ph idx="12" type="sldNum"/>
+            <p:ph type="sldNum" idx="12"/>
           </p:nvPr>
         </p:nvSpPr>
         <p:spPr>
@@ -4111,7 +4366,7 @@
           </a:prstGeom>
         </p:spPr>
         <p:txBody>
-          <a:bodyPr anchorCtr="0" anchor="ctr" bIns="91425" lIns="91425" spcFirstLastPara="1" rIns="91425" wrap="square" tIns="91425">
+          <a:bodyPr spcFirstLastPara="1" wrap="square" lIns="91425" tIns="91425" rIns="91425" bIns="91425" anchor="ctr" anchorCtr="0">
             <a:normAutofit/>
           </a:bodyPr>
           <a:lstStyle>
@@ -4153,7 +4408,7 @@
             </a:lvl9pPr>
           </a:lstStyle>
           <a:p>
-            <a:pPr indent="0" lvl="0" marL="0" rtl="0" algn="r">
+            <a:pPr marL="0" lvl="0" indent="0" algn="r" rtl="0">
               <a:spcBef>
                 <a:spcPts val="0"/>
               </a:spcBef>
@@ -4179,11 +4434,11 @@
 </file>
 
 <file path=ppt/slideLayouts/slideLayout5.xml><?xml version="1.0" encoding="utf-8"?>
-<p:sldLayout xmlns:a="http://schemas.openxmlformats.org/drawingml/2006/main" xmlns:r="http://schemas.openxmlformats.org/officeDocument/2006/relationships" xmlns:mc="http://schemas.openxmlformats.org/markup-compatibility/2006" xmlns:mv="urn:schemas-microsoft-com:mac:vml" xmlns:p="http://schemas.openxmlformats.org/presentationml/2006/main" xmlns:c="http://schemas.openxmlformats.org/drawingml/2006/chart" xmlns:dgm="http://schemas.openxmlformats.org/drawingml/2006/diagram" xmlns:o="urn:schemas-microsoft-com:office:office" xmlns:v="urn:schemas-microsoft-com:vml" xmlns:pvml="urn:schemas-microsoft-com:office:powerpoint" xmlns:com="http://schemas.openxmlformats.org/drawingml/2006/compatibility" xmlns:p14="http://schemas.microsoft.com/office/powerpoint/2010/main" xmlns:p15="http://schemas.microsoft.com/office/powerpoint/2012/main" xmlns:ahyp="http://schemas.microsoft.com/office/drawing/2018/hyperlinkcolor" matchingName="Title only" type="titleOnly">
+<p:sldLayout xmlns:a="http://schemas.openxmlformats.org/drawingml/2006/main" xmlns:r="http://schemas.openxmlformats.org/officeDocument/2006/relationships" xmlns:p="http://schemas.openxmlformats.org/presentationml/2006/main" matchingName="Title only" type="titleOnly">
   <p:cSld name="TITLE_ONLY">
     <p:spTree>
       <p:nvGrpSpPr>
-        <p:cNvPr id="25" name="Shape 25"/>
+        <p:cNvPr id="1" name="Shape 25"/>
         <p:cNvGrpSpPr/>
         <p:nvPr/>
       </p:nvGrpSpPr>
@@ -4198,7 +4453,9 @@
       <p:sp>
         <p:nvSpPr>
           <p:cNvPr id="26" name="Google Shape;26;p6"/>
-          <p:cNvSpPr txBox="1"/>
+          <p:cNvSpPr txBox="1">
+            <a:spLocks noGrp="1"/>
+          </p:cNvSpPr>
           <p:nvPr>
             <p:ph type="title"/>
           </p:nvPr>
@@ -4213,7 +4470,7 @@
           </a:prstGeom>
         </p:spPr>
         <p:txBody>
-          <a:bodyPr anchorCtr="0" anchor="t" bIns="91425" lIns="91425" spcFirstLastPara="1" rIns="91425" wrap="square" tIns="91425">
+          <a:bodyPr spcFirstLastPara="1" wrap="square" lIns="91425" tIns="91425" rIns="91425" bIns="91425" anchor="t" anchorCtr="0">
             <a:normAutofit/>
           </a:bodyPr>
           <a:lstStyle>
@@ -4317,15 +4574,19 @@
               <a:defRPr/>
             </a:lvl9pPr>
           </a:lstStyle>
-          <a:p/>
+          <a:p>
+            <a:endParaRPr/>
+          </a:p>
         </p:txBody>
       </p:sp>
       <p:sp>
         <p:nvSpPr>
           <p:cNvPr id="27" name="Google Shape;27;p6"/>
-          <p:cNvSpPr txBox="1"/>
+          <p:cNvSpPr txBox="1">
+            <a:spLocks noGrp="1"/>
+          </p:cNvSpPr>
           <p:nvPr>
-            <p:ph idx="12" type="sldNum"/>
+            <p:ph type="sldNum" idx="12"/>
           </p:nvPr>
         </p:nvSpPr>
         <p:spPr>
@@ -4338,7 +4599,7 @@
           </a:prstGeom>
         </p:spPr>
         <p:txBody>
-          <a:bodyPr anchorCtr="0" anchor="ctr" bIns="91425" lIns="91425" spcFirstLastPara="1" rIns="91425" wrap="square" tIns="91425">
+          <a:bodyPr spcFirstLastPara="1" wrap="square" lIns="91425" tIns="91425" rIns="91425" bIns="91425" anchor="ctr" anchorCtr="0">
             <a:normAutofit/>
           </a:bodyPr>
           <a:lstStyle>
@@ -4380,7 +4641,7 @@
             </a:lvl9pPr>
           </a:lstStyle>
           <a:p>
-            <a:pPr indent="0" lvl="0" marL="0" rtl="0" algn="r">
+            <a:pPr marL="0" lvl="0" indent="0" algn="r" rtl="0">
               <a:spcBef>
                 <a:spcPts val="0"/>
               </a:spcBef>
@@ -4406,11 +4667,11 @@
 </file>
 
 <file path=ppt/slideLayouts/slideLayout6.xml><?xml version="1.0" encoding="utf-8"?>
-<p:sldLayout xmlns:a="http://schemas.openxmlformats.org/drawingml/2006/main" xmlns:r="http://schemas.openxmlformats.org/officeDocument/2006/relationships" xmlns:mc="http://schemas.openxmlformats.org/markup-compatibility/2006" xmlns:mv="urn:schemas-microsoft-com:mac:vml" xmlns:p="http://schemas.openxmlformats.org/presentationml/2006/main" xmlns:c="http://schemas.openxmlformats.org/drawingml/2006/chart" xmlns:dgm="http://schemas.openxmlformats.org/drawingml/2006/diagram" xmlns:o="urn:schemas-microsoft-com:office:office" xmlns:v="urn:schemas-microsoft-com:vml" xmlns:pvml="urn:schemas-microsoft-com:office:powerpoint" xmlns:com="http://schemas.openxmlformats.org/drawingml/2006/compatibility" xmlns:p14="http://schemas.microsoft.com/office/powerpoint/2010/main" xmlns:p15="http://schemas.microsoft.com/office/powerpoint/2012/main" xmlns:ahyp="http://schemas.microsoft.com/office/drawing/2018/hyperlinkcolor" matchingName="One column text">
+<p:sldLayout xmlns:a="http://schemas.openxmlformats.org/drawingml/2006/main" xmlns:r="http://schemas.openxmlformats.org/officeDocument/2006/relationships" xmlns:p="http://schemas.openxmlformats.org/presentationml/2006/main" matchingName="One column text">
   <p:cSld name="ONE_COLUMN_TEXT">
     <p:spTree>
       <p:nvGrpSpPr>
-        <p:cNvPr id="28" name="Shape 28"/>
+        <p:cNvPr id="1" name="Shape 28"/>
         <p:cNvGrpSpPr/>
         <p:nvPr/>
       </p:nvGrpSpPr>
@@ -4425,7 +4686,9 @@
       <p:sp>
         <p:nvSpPr>
           <p:cNvPr id="29" name="Google Shape;29;p7"/>
-          <p:cNvSpPr txBox="1"/>
+          <p:cNvSpPr txBox="1">
+            <a:spLocks noGrp="1"/>
+          </p:cNvSpPr>
           <p:nvPr>
             <p:ph type="title"/>
           </p:nvPr>
@@ -4440,7 +4703,7 @@
           </a:prstGeom>
         </p:spPr>
         <p:txBody>
-          <a:bodyPr anchorCtr="0" anchor="b" bIns="91425" lIns="91425" spcFirstLastPara="1" rIns="91425" wrap="square" tIns="91425">
+          <a:bodyPr spcFirstLastPara="1" wrap="square" lIns="91425" tIns="91425" rIns="91425" bIns="91425" anchor="b" anchorCtr="0">
             <a:normAutofit/>
           </a:bodyPr>
           <a:lstStyle>
@@ -4544,15 +4807,19 @@
               <a:defRPr sz="2400"/>
             </a:lvl9pPr>
           </a:lstStyle>
-          <a:p/>
+          <a:p>
+            <a:endParaRPr/>
+          </a:p>
         </p:txBody>
       </p:sp>
       <p:sp>
         <p:nvSpPr>
           <p:cNvPr id="30" name="Google Shape;30;p7"/>
-          <p:cNvSpPr txBox="1"/>
+          <p:cNvSpPr txBox="1">
+            <a:spLocks noGrp="1"/>
+          </p:cNvSpPr>
           <p:nvPr>
-            <p:ph idx="1" type="body"/>
+            <p:ph type="body" idx="1"/>
           </p:nvPr>
         </p:nvSpPr>
         <p:spPr>
@@ -4565,11 +4832,11 @@
           </a:prstGeom>
         </p:spPr>
         <p:txBody>
-          <a:bodyPr anchorCtr="0" anchor="t" bIns="91425" lIns="91425" spcFirstLastPara="1" rIns="91425" wrap="square" tIns="91425">
+          <a:bodyPr spcFirstLastPara="1" wrap="square" lIns="91425" tIns="91425" rIns="91425" bIns="91425" anchor="t" anchorCtr="0">
             <a:normAutofit/>
           </a:bodyPr>
           <a:lstStyle>
-            <a:lvl1pPr indent="-304800" lvl="0" marL="457200">
+            <a:lvl1pPr marL="457200" lvl="0" indent="-304800">
               <a:spcBef>
                 <a:spcPts val="0"/>
               </a:spcBef>
@@ -4580,7 +4847,7 @@
               <a:buChar char="●"/>
               <a:defRPr sz="1200"/>
             </a:lvl1pPr>
-            <a:lvl2pPr indent="-304800" lvl="1" marL="914400">
+            <a:lvl2pPr marL="914400" lvl="1" indent="-304800">
               <a:spcBef>
                 <a:spcPts val="0"/>
               </a:spcBef>
@@ -4591,7 +4858,7 @@
               <a:buChar char="○"/>
               <a:defRPr sz="1200"/>
             </a:lvl2pPr>
-            <a:lvl3pPr indent="-304800" lvl="2" marL="1371600">
+            <a:lvl3pPr marL="1371600" lvl="2" indent="-304800">
               <a:spcBef>
                 <a:spcPts val="0"/>
               </a:spcBef>
@@ -4602,7 +4869,7 @@
               <a:buChar char="■"/>
               <a:defRPr sz="1200"/>
             </a:lvl3pPr>
-            <a:lvl4pPr indent="-304800" lvl="3" marL="1828800">
+            <a:lvl4pPr marL="1828800" lvl="3" indent="-304800">
               <a:spcBef>
                 <a:spcPts val="0"/>
               </a:spcBef>
@@ -4613,7 +4880,7 @@
               <a:buChar char="●"/>
               <a:defRPr sz="1200"/>
             </a:lvl4pPr>
-            <a:lvl5pPr indent="-304800" lvl="4" marL="2286000">
+            <a:lvl5pPr marL="2286000" lvl="4" indent="-304800">
               <a:spcBef>
                 <a:spcPts val="0"/>
               </a:spcBef>
@@ -4624,7 +4891,7 @@
               <a:buChar char="○"/>
               <a:defRPr sz="1200"/>
             </a:lvl5pPr>
-            <a:lvl6pPr indent="-304800" lvl="5" marL="2743200">
+            <a:lvl6pPr marL="2743200" lvl="5" indent="-304800">
               <a:spcBef>
                 <a:spcPts val="0"/>
               </a:spcBef>
@@ -4635,7 +4902,7 @@
               <a:buChar char="■"/>
               <a:defRPr sz="1200"/>
             </a:lvl6pPr>
-            <a:lvl7pPr indent="-304800" lvl="6" marL="3200400">
+            <a:lvl7pPr marL="3200400" lvl="6" indent="-304800">
               <a:spcBef>
                 <a:spcPts val="0"/>
               </a:spcBef>
@@ -4646,7 +4913,7 @@
               <a:buChar char="●"/>
               <a:defRPr sz="1200"/>
             </a:lvl7pPr>
-            <a:lvl8pPr indent="-304800" lvl="7" marL="3657600">
+            <a:lvl8pPr marL="3657600" lvl="7" indent="-304800">
               <a:spcBef>
                 <a:spcPts val="0"/>
               </a:spcBef>
@@ -4657,7 +4924,7 @@
               <a:buChar char="○"/>
               <a:defRPr sz="1200"/>
             </a:lvl8pPr>
-            <a:lvl9pPr indent="-304800" lvl="8" marL="4114800">
+            <a:lvl9pPr marL="4114800" lvl="8" indent="-304800">
               <a:spcBef>
                 <a:spcPts val="0"/>
               </a:spcBef>
@@ -4669,15 +4936,19 @@
               <a:defRPr sz="1200"/>
             </a:lvl9pPr>
           </a:lstStyle>
-          <a:p/>
+          <a:p>
+            <a:endParaRPr/>
+          </a:p>
         </p:txBody>
       </p:sp>
       <p:sp>
         <p:nvSpPr>
           <p:cNvPr id="31" name="Google Shape;31;p7"/>
-          <p:cNvSpPr txBox="1"/>
+          <p:cNvSpPr txBox="1">
+            <a:spLocks noGrp="1"/>
+          </p:cNvSpPr>
           <p:nvPr>
-            <p:ph idx="12" type="sldNum"/>
+            <p:ph type="sldNum" idx="12"/>
           </p:nvPr>
         </p:nvSpPr>
         <p:spPr>
@@ -4690,7 +4961,7 @@
           </a:prstGeom>
         </p:spPr>
         <p:txBody>
-          <a:bodyPr anchorCtr="0" anchor="ctr" bIns="91425" lIns="91425" spcFirstLastPara="1" rIns="91425" wrap="square" tIns="91425">
+          <a:bodyPr spcFirstLastPara="1" wrap="square" lIns="91425" tIns="91425" rIns="91425" bIns="91425" anchor="ctr" anchorCtr="0">
             <a:normAutofit/>
           </a:bodyPr>
           <a:lstStyle>
@@ -4732,7 +5003,7 @@
             </a:lvl9pPr>
           </a:lstStyle>
           <a:p>
-            <a:pPr indent="0" lvl="0" marL="0" rtl="0" algn="r">
+            <a:pPr marL="0" lvl="0" indent="0" algn="r" rtl="0">
               <a:spcBef>
                 <a:spcPts val="0"/>
               </a:spcBef>
@@ -4758,11 +5029,11 @@
 </file>
 
 <file path=ppt/slideLayouts/slideLayout7.xml><?xml version="1.0" encoding="utf-8"?>
-<p:sldLayout xmlns:a="http://schemas.openxmlformats.org/drawingml/2006/main" xmlns:r="http://schemas.openxmlformats.org/officeDocument/2006/relationships" xmlns:mc="http://schemas.openxmlformats.org/markup-compatibility/2006" xmlns:mv="urn:schemas-microsoft-com:mac:vml" xmlns:p="http://schemas.openxmlformats.org/presentationml/2006/main" xmlns:c="http://schemas.openxmlformats.org/drawingml/2006/chart" xmlns:dgm="http://schemas.openxmlformats.org/drawingml/2006/diagram" xmlns:o="urn:schemas-microsoft-com:office:office" xmlns:v="urn:schemas-microsoft-com:vml" xmlns:pvml="urn:schemas-microsoft-com:office:powerpoint" xmlns:com="http://schemas.openxmlformats.org/drawingml/2006/compatibility" xmlns:p14="http://schemas.microsoft.com/office/powerpoint/2010/main" xmlns:p15="http://schemas.microsoft.com/office/powerpoint/2012/main" xmlns:ahyp="http://schemas.microsoft.com/office/drawing/2018/hyperlinkcolor" matchingName="Main point">
+<p:sldLayout xmlns:a="http://schemas.openxmlformats.org/drawingml/2006/main" xmlns:r="http://schemas.openxmlformats.org/officeDocument/2006/relationships" xmlns:p="http://schemas.openxmlformats.org/presentationml/2006/main" matchingName="Main point">
   <p:cSld name="MAIN_POINT">
     <p:spTree>
       <p:nvGrpSpPr>
-        <p:cNvPr id="32" name="Shape 32"/>
+        <p:cNvPr id="1" name="Shape 32"/>
         <p:cNvGrpSpPr/>
         <p:nvPr/>
       </p:nvGrpSpPr>
@@ -4777,7 +5048,9 @@
       <p:sp>
         <p:nvSpPr>
           <p:cNvPr id="33" name="Google Shape;33;p8"/>
-          <p:cNvSpPr txBox="1"/>
+          <p:cNvSpPr txBox="1">
+            <a:spLocks noGrp="1"/>
+          </p:cNvSpPr>
           <p:nvPr>
             <p:ph type="title"/>
           </p:nvPr>
@@ -4792,7 +5065,7 @@
           </a:prstGeom>
         </p:spPr>
         <p:txBody>
-          <a:bodyPr anchorCtr="0" anchor="ctr" bIns="91425" lIns="91425" spcFirstLastPara="1" rIns="91425" wrap="square" tIns="91425">
+          <a:bodyPr spcFirstLastPara="1" wrap="square" lIns="91425" tIns="91425" rIns="91425" bIns="91425" anchor="ctr" anchorCtr="0">
             <a:normAutofit/>
           </a:bodyPr>
           <a:lstStyle>
@@ -4896,15 +5169,19 @@
               <a:defRPr sz="4800"/>
             </a:lvl9pPr>
           </a:lstStyle>
-          <a:p/>
+          <a:p>
+            <a:endParaRPr/>
+          </a:p>
         </p:txBody>
       </p:sp>
       <p:sp>
         <p:nvSpPr>
           <p:cNvPr id="34" name="Google Shape;34;p8"/>
-          <p:cNvSpPr txBox="1"/>
+          <p:cNvSpPr txBox="1">
+            <a:spLocks noGrp="1"/>
+          </p:cNvSpPr>
           <p:nvPr>
-            <p:ph idx="12" type="sldNum"/>
+            <p:ph type="sldNum" idx="12"/>
           </p:nvPr>
         </p:nvSpPr>
         <p:spPr>
@@ -4917,7 +5194,7 @@
           </a:prstGeom>
         </p:spPr>
         <p:txBody>
-          <a:bodyPr anchorCtr="0" anchor="ctr" bIns="91425" lIns="91425" spcFirstLastPara="1" rIns="91425" wrap="square" tIns="91425">
+          <a:bodyPr spcFirstLastPara="1" wrap="square" lIns="91425" tIns="91425" rIns="91425" bIns="91425" anchor="ctr" anchorCtr="0">
             <a:normAutofit/>
           </a:bodyPr>
           <a:lstStyle>
@@ -4959,7 +5236,7 @@
             </a:lvl9pPr>
           </a:lstStyle>
           <a:p>
-            <a:pPr indent="0" lvl="0" marL="0" rtl="0" algn="r">
+            <a:pPr marL="0" lvl="0" indent="0" algn="r" rtl="0">
               <a:spcBef>
                 <a:spcPts val="0"/>
               </a:spcBef>
@@ -4985,11 +5262,11 @@
 </file>
 
 <file path=ppt/slideLayouts/slideLayout8.xml><?xml version="1.0" encoding="utf-8"?>
-<p:sldLayout xmlns:a="http://schemas.openxmlformats.org/drawingml/2006/main" xmlns:r="http://schemas.openxmlformats.org/officeDocument/2006/relationships" xmlns:mc="http://schemas.openxmlformats.org/markup-compatibility/2006" xmlns:mv="urn:schemas-microsoft-com:mac:vml" xmlns:p="http://schemas.openxmlformats.org/presentationml/2006/main" xmlns:c="http://schemas.openxmlformats.org/drawingml/2006/chart" xmlns:dgm="http://schemas.openxmlformats.org/drawingml/2006/diagram" xmlns:o="urn:schemas-microsoft-com:office:office" xmlns:v="urn:schemas-microsoft-com:vml" xmlns:pvml="urn:schemas-microsoft-com:office:powerpoint" xmlns:com="http://schemas.openxmlformats.org/drawingml/2006/compatibility" xmlns:p14="http://schemas.microsoft.com/office/powerpoint/2010/main" xmlns:p15="http://schemas.microsoft.com/office/powerpoint/2012/main" xmlns:ahyp="http://schemas.microsoft.com/office/drawing/2018/hyperlinkcolor" matchingName="Section title and description">
+<p:sldLayout xmlns:a="http://schemas.openxmlformats.org/drawingml/2006/main" xmlns:r="http://schemas.openxmlformats.org/officeDocument/2006/relationships" xmlns:p="http://schemas.openxmlformats.org/presentationml/2006/main" matchingName="Section title and description">
   <p:cSld name="SECTION_TITLE_AND_DESCRIPTION">
     <p:spTree>
       <p:nvGrpSpPr>
-        <p:cNvPr id="35" name="Shape 35"/>
+        <p:cNvPr id="1" name="Shape 35"/>
         <p:cNvGrpSpPr/>
         <p:nvPr/>
       </p:nvGrpSpPr>
@@ -5023,12 +5300,12 @@
           </a:ln>
         </p:spPr>
         <p:txBody>
-          <a:bodyPr anchorCtr="0" anchor="ctr" bIns="91425" lIns="91425" spcFirstLastPara="1" rIns="91425" wrap="square" tIns="91425">
+          <a:bodyPr spcFirstLastPara="1" wrap="square" lIns="91425" tIns="91425" rIns="91425" bIns="91425" anchor="ctr" anchorCtr="0">
             <a:noAutofit/>
           </a:bodyPr>
           <a:lstStyle/>
           <a:p>
-            <a:pPr indent="0" lvl="0" marL="0" rtl="0" algn="l">
+            <a:pPr marL="0" lvl="0" indent="0" algn="l" rtl="0">
               <a:spcBef>
                 <a:spcPts val="0"/>
               </a:spcBef>
@@ -5037,9 +5314,6 @@
               </a:spcAft>
               <a:buNone/>
             </a:pPr>
-            <a:r>
-              <a:t/>
-            </a:r>
             <a:endParaRPr/>
           </a:p>
         </p:txBody>
@@ -5047,7 +5321,9 @@
       <p:sp>
         <p:nvSpPr>
           <p:cNvPr id="37" name="Google Shape;37;p9"/>
-          <p:cNvSpPr txBox="1"/>
+          <p:cNvSpPr txBox="1">
+            <a:spLocks noGrp="1"/>
+          </p:cNvSpPr>
           <p:nvPr>
             <p:ph type="title"/>
           </p:nvPr>
@@ -5062,7 +5338,7 @@
           </a:prstGeom>
         </p:spPr>
         <p:txBody>
-          <a:bodyPr anchorCtr="0" anchor="b" bIns="91425" lIns="91425" spcFirstLastPara="1" rIns="91425" wrap="square" tIns="91425">
+          <a:bodyPr spcFirstLastPara="1" wrap="square" lIns="91425" tIns="91425" rIns="91425" bIns="91425" anchor="b" anchorCtr="0">
             <a:normAutofit/>
           </a:bodyPr>
           <a:lstStyle>
@@ -5166,15 +5442,19 @@
               <a:defRPr sz="4200"/>
             </a:lvl9pPr>
           </a:lstStyle>
-          <a:p/>
+          <a:p>
+            <a:endParaRPr/>
+          </a:p>
         </p:txBody>
       </p:sp>
       <p:sp>
         <p:nvSpPr>
           <p:cNvPr id="38" name="Google Shape;38;p9"/>
-          <p:cNvSpPr txBox="1"/>
+          <p:cNvSpPr txBox="1">
+            <a:spLocks noGrp="1"/>
+          </p:cNvSpPr>
           <p:nvPr>
-            <p:ph idx="1" type="subTitle"/>
+            <p:ph type="subTitle" idx="1"/>
           </p:nvPr>
         </p:nvSpPr>
         <p:spPr>
@@ -5187,7 +5467,7 @@
           </a:prstGeom>
         </p:spPr>
         <p:txBody>
-          <a:bodyPr anchorCtr="0" anchor="t" bIns="91425" lIns="91425" spcFirstLastPara="1" rIns="91425" wrap="square" tIns="91425">
+          <a:bodyPr spcFirstLastPara="1" wrap="square" lIns="91425" tIns="91425" rIns="91425" bIns="91425" anchor="t" anchorCtr="0">
             <a:normAutofit/>
           </a:bodyPr>
           <a:lstStyle>
@@ -5318,15 +5598,19 @@
               <a:defRPr sz="2100"/>
             </a:lvl9pPr>
           </a:lstStyle>
-          <a:p/>
+          <a:p>
+            <a:endParaRPr/>
+          </a:p>
         </p:txBody>
       </p:sp>
       <p:sp>
         <p:nvSpPr>
           <p:cNvPr id="39" name="Google Shape;39;p9"/>
-          <p:cNvSpPr txBox="1"/>
+          <p:cNvSpPr txBox="1">
+            <a:spLocks noGrp="1"/>
+          </p:cNvSpPr>
           <p:nvPr>
-            <p:ph idx="2" type="body"/>
+            <p:ph type="body" idx="2"/>
           </p:nvPr>
         </p:nvSpPr>
         <p:spPr>
@@ -5339,11 +5623,11 @@
           </a:prstGeom>
         </p:spPr>
         <p:txBody>
-          <a:bodyPr anchorCtr="0" anchor="ctr" bIns="91425" lIns="91425" spcFirstLastPara="1" rIns="91425" wrap="square" tIns="91425">
+          <a:bodyPr spcFirstLastPara="1" wrap="square" lIns="91425" tIns="91425" rIns="91425" bIns="91425" anchor="ctr" anchorCtr="0">
             <a:normAutofit/>
           </a:bodyPr>
           <a:lstStyle>
-            <a:lvl1pPr indent="-342900" lvl="0" marL="457200">
+            <a:lvl1pPr marL="457200" lvl="0" indent="-342900">
               <a:spcBef>
                 <a:spcPts val="0"/>
               </a:spcBef>
@@ -5354,7 +5638,7 @@
               <a:buChar char="●"/>
               <a:defRPr/>
             </a:lvl1pPr>
-            <a:lvl2pPr indent="-317500" lvl="1" marL="914400">
+            <a:lvl2pPr marL="914400" lvl="1" indent="-317500">
               <a:spcBef>
                 <a:spcPts val="0"/>
               </a:spcBef>
@@ -5365,7 +5649,7 @@
               <a:buChar char="○"/>
               <a:defRPr/>
             </a:lvl2pPr>
-            <a:lvl3pPr indent="-317500" lvl="2" marL="1371600">
+            <a:lvl3pPr marL="1371600" lvl="2" indent="-317500">
               <a:spcBef>
                 <a:spcPts val="0"/>
               </a:spcBef>
@@ -5376,7 +5660,7 @@
               <a:buChar char="■"/>
               <a:defRPr/>
             </a:lvl3pPr>
-            <a:lvl4pPr indent="-317500" lvl="3" marL="1828800">
+            <a:lvl4pPr marL="1828800" lvl="3" indent="-317500">
               <a:spcBef>
                 <a:spcPts val="0"/>
               </a:spcBef>
@@ -5387,7 +5671,7 @@
               <a:buChar char="●"/>
               <a:defRPr/>
             </a:lvl4pPr>
-            <a:lvl5pPr indent="-317500" lvl="4" marL="2286000">
+            <a:lvl5pPr marL="2286000" lvl="4" indent="-317500">
               <a:spcBef>
                 <a:spcPts val="0"/>
               </a:spcBef>
@@ -5398,7 +5682,7 @@
               <a:buChar char="○"/>
               <a:defRPr/>
             </a:lvl5pPr>
-            <a:lvl6pPr indent="-317500" lvl="5" marL="2743200">
+            <a:lvl6pPr marL="2743200" lvl="5" indent="-317500">
               <a:spcBef>
                 <a:spcPts val="0"/>
               </a:spcBef>
@@ -5409,7 +5693,7 @@
               <a:buChar char="■"/>
               <a:defRPr/>
             </a:lvl6pPr>
-            <a:lvl7pPr indent="-317500" lvl="6" marL="3200400">
+            <a:lvl7pPr marL="3200400" lvl="6" indent="-317500">
               <a:spcBef>
                 <a:spcPts val="0"/>
               </a:spcBef>
@@ -5420,7 +5704,7 @@
               <a:buChar char="●"/>
               <a:defRPr/>
             </a:lvl7pPr>
-            <a:lvl8pPr indent="-317500" lvl="7" marL="3657600">
+            <a:lvl8pPr marL="3657600" lvl="7" indent="-317500">
               <a:spcBef>
                 <a:spcPts val="0"/>
               </a:spcBef>
@@ -5431,7 +5715,7 @@
               <a:buChar char="○"/>
               <a:defRPr/>
             </a:lvl8pPr>
-            <a:lvl9pPr indent="-317500" lvl="8" marL="4114800">
+            <a:lvl9pPr marL="4114800" lvl="8" indent="-317500">
               <a:spcBef>
                 <a:spcPts val="0"/>
               </a:spcBef>
@@ -5443,15 +5727,19 @@
               <a:defRPr/>
             </a:lvl9pPr>
           </a:lstStyle>
-          <a:p/>
+          <a:p>
+            <a:endParaRPr/>
+          </a:p>
         </p:txBody>
       </p:sp>
       <p:sp>
         <p:nvSpPr>
           <p:cNvPr id="40" name="Google Shape;40;p9"/>
-          <p:cNvSpPr txBox="1"/>
+          <p:cNvSpPr txBox="1">
+            <a:spLocks noGrp="1"/>
+          </p:cNvSpPr>
           <p:nvPr>
-            <p:ph idx="12" type="sldNum"/>
+            <p:ph type="sldNum" idx="12"/>
           </p:nvPr>
         </p:nvSpPr>
         <p:spPr>
@@ -5464,7 +5752,7 @@
           </a:prstGeom>
         </p:spPr>
         <p:txBody>
-          <a:bodyPr anchorCtr="0" anchor="ctr" bIns="91425" lIns="91425" spcFirstLastPara="1" rIns="91425" wrap="square" tIns="91425">
+          <a:bodyPr spcFirstLastPara="1" wrap="square" lIns="91425" tIns="91425" rIns="91425" bIns="91425" anchor="ctr" anchorCtr="0">
             <a:normAutofit/>
           </a:bodyPr>
           <a:lstStyle>
@@ -5506,7 +5794,7 @@
             </a:lvl9pPr>
           </a:lstStyle>
           <a:p>
-            <a:pPr indent="0" lvl="0" marL="0" rtl="0" algn="r">
+            <a:pPr marL="0" lvl="0" indent="0" algn="r" rtl="0">
               <a:spcBef>
                 <a:spcPts val="0"/>
               </a:spcBef>
@@ -5532,11 +5820,11 @@
 </file>
 
 <file path=ppt/slideLayouts/slideLayout9.xml><?xml version="1.0" encoding="utf-8"?>
-<p:sldLayout xmlns:a="http://schemas.openxmlformats.org/drawingml/2006/main" xmlns:r="http://schemas.openxmlformats.org/officeDocument/2006/relationships" xmlns:mc="http://schemas.openxmlformats.org/markup-compatibility/2006" xmlns:mv="urn:schemas-microsoft-com:mac:vml" xmlns:p="http://schemas.openxmlformats.org/presentationml/2006/main" xmlns:c="http://schemas.openxmlformats.org/drawingml/2006/chart" xmlns:dgm="http://schemas.openxmlformats.org/drawingml/2006/diagram" xmlns:o="urn:schemas-microsoft-com:office:office" xmlns:v="urn:schemas-microsoft-com:vml" xmlns:pvml="urn:schemas-microsoft-com:office:powerpoint" xmlns:com="http://schemas.openxmlformats.org/drawingml/2006/compatibility" xmlns:p14="http://schemas.microsoft.com/office/powerpoint/2010/main" xmlns:p15="http://schemas.microsoft.com/office/powerpoint/2012/main" xmlns:ahyp="http://schemas.microsoft.com/office/drawing/2018/hyperlinkcolor" matchingName="Caption">
+<p:sldLayout xmlns:a="http://schemas.openxmlformats.org/drawingml/2006/main" xmlns:r="http://schemas.openxmlformats.org/officeDocument/2006/relationships" xmlns:p="http://schemas.openxmlformats.org/presentationml/2006/main" matchingName="Caption">
   <p:cSld name="CAPTION_ONLY">
     <p:spTree>
       <p:nvGrpSpPr>
-        <p:cNvPr id="41" name="Shape 41"/>
+        <p:cNvPr id="1" name="Shape 41"/>
         <p:cNvGrpSpPr/>
         <p:nvPr/>
       </p:nvGrpSpPr>
@@ -5551,9 +5839,11 @@
       <p:sp>
         <p:nvSpPr>
           <p:cNvPr id="42" name="Google Shape;42;p10"/>
-          <p:cNvSpPr txBox="1"/>
+          <p:cNvSpPr txBox="1">
+            <a:spLocks noGrp="1"/>
+          </p:cNvSpPr>
           <p:nvPr>
-            <p:ph idx="1" type="body"/>
+            <p:ph type="body" idx="1"/>
           </p:nvPr>
         </p:nvSpPr>
         <p:spPr>
@@ -5566,11 +5856,11 @@
           </a:prstGeom>
         </p:spPr>
         <p:txBody>
-          <a:bodyPr anchorCtr="0" anchor="ctr" bIns="91425" lIns="91425" spcFirstLastPara="1" rIns="91425" wrap="square" tIns="91425">
+          <a:bodyPr spcFirstLastPara="1" wrap="square" lIns="91425" tIns="91425" rIns="91425" bIns="91425" anchor="ctr" anchorCtr="0">
             <a:normAutofit/>
           </a:bodyPr>
           <a:lstStyle>
-            <a:lvl1pPr indent="-228600" lvl="0" marL="457200">
+            <a:lvl1pPr marL="457200" lvl="0" indent="-228600">
               <a:lnSpc>
                 <a:spcPct val="100000"/>
               </a:lnSpc>
@@ -5585,15 +5875,19 @@
               <a:defRPr/>
             </a:lvl1pPr>
           </a:lstStyle>
-          <a:p/>
+          <a:p>
+            <a:endParaRPr/>
+          </a:p>
         </p:txBody>
       </p:sp>
       <p:sp>
         <p:nvSpPr>
           <p:cNvPr id="43" name="Google Shape;43;p10"/>
-          <p:cNvSpPr txBox="1"/>
+          <p:cNvSpPr txBox="1">
+            <a:spLocks noGrp="1"/>
+          </p:cNvSpPr>
           <p:nvPr>
-            <p:ph idx="12" type="sldNum"/>
+            <p:ph type="sldNum" idx="12"/>
           </p:nvPr>
         </p:nvSpPr>
         <p:spPr>
@@ -5606,7 +5900,7 @@
           </a:prstGeom>
         </p:spPr>
         <p:txBody>
-          <a:bodyPr anchorCtr="0" anchor="ctr" bIns="91425" lIns="91425" spcFirstLastPara="1" rIns="91425" wrap="square" tIns="91425">
+          <a:bodyPr spcFirstLastPara="1" wrap="square" lIns="91425" tIns="91425" rIns="91425" bIns="91425" anchor="ctr" anchorCtr="0">
             <a:normAutofit/>
           </a:bodyPr>
           <a:lstStyle>
@@ -5648,7 +5942,7 @@
             </a:lvl9pPr>
           </a:lstStyle>
           <a:p>
-            <a:pPr indent="0" lvl="0" marL="0" rtl="0" algn="r">
+            <a:pPr marL="0" lvl="0" indent="0" algn="r" rtl="0">
               <a:spcBef>
                 <a:spcPts val="0"/>
               </a:spcBef>
@@ -5674,18 +5968,19 @@
 </file>
 
 <file path=ppt/slideMasters/slideMaster1.xml><?xml version="1.0" encoding="utf-8"?>
-<p:sldMaster xmlns:a="http://schemas.openxmlformats.org/drawingml/2006/main" xmlns:r="http://schemas.openxmlformats.org/officeDocument/2006/relationships" xmlns:mc="http://schemas.openxmlformats.org/markup-compatibility/2006" xmlns:mv="urn:schemas-microsoft-com:mac:vml" xmlns:p="http://schemas.openxmlformats.org/presentationml/2006/main" xmlns:c="http://schemas.openxmlformats.org/drawingml/2006/chart" xmlns:dgm="http://schemas.openxmlformats.org/drawingml/2006/diagram" xmlns:o="urn:schemas-microsoft-com:office:office" xmlns:v="urn:schemas-microsoft-com:vml" xmlns:pvml="urn:schemas-microsoft-com:office:powerpoint" xmlns:com="http://schemas.openxmlformats.org/drawingml/2006/compatibility" xmlns:p14="http://schemas.microsoft.com/office/powerpoint/2010/main" xmlns:p15="http://schemas.microsoft.com/office/powerpoint/2012/main" xmlns:ahyp="http://schemas.microsoft.com/office/drawing/2018/hyperlinkcolor">
+<p:sldMaster xmlns:a="http://schemas.openxmlformats.org/drawingml/2006/main" xmlns:r="http://schemas.openxmlformats.org/officeDocument/2006/relationships" xmlns:p="http://schemas.openxmlformats.org/presentationml/2006/main">
   <p:cSld name="simple-light-2">
     <p:bg>
       <p:bgPr>
         <a:solidFill>
           <a:schemeClr val="lt1"/>
         </a:solidFill>
+        <a:effectLst/>
       </p:bgPr>
     </p:bg>
     <p:spTree>
       <p:nvGrpSpPr>
-        <p:cNvPr id="5" name="Shape 5"/>
+        <p:cNvPr id="1" name="Shape 5"/>
         <p:cNvGrpSpPr/>
         <p:nvPr/>
       </p:nvGrpSpPr>
@@ -5700,7 +5995,9 @@
       <p:sp>
         <p:nvSpPr>
           <p:cNvPr id="6" name="Google Shape;6;p1"/>
-          <p:cNvSpPr txBox="1"/>
+          <p:cNvSpPr txBox="1">
+            <a:spLocks noGrp="1"/>
+          </p:cNvSpPr>
           <p:nvPr>
             <p:ph type="title"/>
           </p:nvPr>
@@ -5719,7 +6016,7 @@
           </a:ln>
         </p:spPr>
         <p:txBody>
-          <a:bodyPr anchorCtr="0" anchor="t" bIns="91425" lIns="91425" spcFirstLastPara="1" rIns="91425" wrap="square" tIns="91425">
+          <a:bodyPr spcFirstLastPara="1" wrap="square" lIns="91425" tIns="91425" rIns="91425" bIns="91425" anchor="t" anchorCtr="0">
             <a:normAutofit/>
           </a:bodyPr>
           <a:lstStyle>
@@ -5886,15 +6183,19 @@
               </a:defRPr>
             </a:lvl9pPr>
           </a:lstStyle>
-          <a:p/>
+          <a:p>
+            <a:endParaRPr/>
+          </a:p>
         </p:txBody>
       </p:sp>
       <p:sp>
         <p:nvSpPr>
           <p:cNvPr id="7" name="Google Shape;7;p1"/>
-          <p:cNvSpPr txBox="1"/>
+          <p:cNvSpPr txBox="1">
+            <a:spLocks noGrp="1"/>
+          </p:cNvSpPr>
           <p:nvPr>
-            <p:ph idx="1" type="body"/>
+            <p:ph type="body" idx="1"/>
           </p:nvPr>
         </p:nvSpPr>
         <p:spPr>
@@ -5911,11 +6212,11 @@
           </a:ln>
         </p:spPr>
         <p:txBody>
-          <a:bodyPr anchorCtr="0" anchor="t" bIns="91425" lIns="91425" spcFirstLastPara="1" rIns="91425" wrap="square" tIns="91425">
+          <a:bodyPr spcFirstLastPara="1" wrap="square" lIns="91425" tIns="91425" rIns="91425" bIns="91425" anchor="t" anchorCtr="0">
             <a:normAutofit/>
           </a:bodyPr>
           <a:lstStyle>
-            <a:lvl1pPr indent="-342900" lvl="0" marL="457200">
+            <a:lvl1pPr marL="457200" lvl="0" indent="-342900">
               <a:lnSpc>
                 <a:spcPct val="115000"/>
               </a:lnSpc>
@@ -5936,7 +6237,7 @@
                 </a:solidFill>
               </a:defRPr>
             </a:lvl1pPr>
-            <a:lvl2pPr indent="-317500" lvl="1" marL="914400">
+            <a:lvl2pPr marL="914400" lvl="1" indent="-317500">
               <a:lnSpc>
                 <a:spcPct val="115000"/>
               </a:lnSpc>
@@ -5957,7 +6258,7 @@
                 </a:solidFill>
               </a:defRPr>
             </a:lvl2pPr>
-            <a:lvl3pPr indent="-317500" lvl="2" marL="1371600">
+            <a:lvl3pPr marL="1371600" lvl="2" indent="-317500">
               <a:lnSpc>
                 <a:spcPct val="115000"/>
               </a:lnSpc>
@@ -5978,7 +6279,7 @@
                 </a:solidFill>
               </a:defRPr>
             </a:lvl3pPr>
-            <a:lvl4pPr indent="-317500" lvl="3" marL="1828800">
+            <a:lvl4pPr marL="1828800" lvl="3" indent="-317500">
               <a:lnSpc>
                 <a:spcPct val="115000"/>
               </a:lnSpc>
@@ -5999,7 +6300,7 @@
                 </a:solidFill>
               </a:defRPr>
             </a:lvl4pPr>
-            <a:lvl5pPr indent="-317500" lvl="4" marL="2286000">
+            <a:lvl5pPr marL="2286000" lvl="4" indent="-317500">
               <a:lnSpc>
                 <a:spcPct val="115000"/>
               </a:lnSpc>
@@ -6020,7 +6321,7 @@
                 </a:solidFill>
               </a:defRPr>
             </a:lvl5pPr>
-            <a:lvl6pPr indent="-317500" lvl="5" marL="2743200">
+            <a:lvl6pPr marL="2743200" lvl="5" indent="-317500">
               <a:lnSpc>
                 <a:spcPct val="115000"/>
               </a:lnSpc>
@@ -6041,7 +6342,7 @@
                 </a:solidFill>
               </a:defRPr>
             </a:lvl6pPr>
-            <a:lvl7pPr indent="-317500" lvl="6" marL="3200400">
+            <a:lvl7pPr marL="3200400" lvl="6" indent="-317500">
               <a:lnSpc>
                 <a:spcPct val="115000"/>
               </a:lnSpc>
@@ -6062,7 +6363,7 @@
                 </a:solidFill>
               </a:defRPr>
             </a:lvl7pPr>
-            <a:lvl8pPr indent="-317500" lvl="7" marL="3657600">
+            <a:lvl8pPr marL="3657600" lvl="7" indent="-317500">
               <a:lnSpc>
                 <a:spcPct val="115000"/>
               </a:lnSpc>
@@ -6083,7 +6384,7 @@
                 </a:solidFill>
               </a:defRPr>
             </a:lvl8pPr>
-            <a:lvl9pPr indent="-317500" lvl="8" marL="4114800">
+            <a:lvl9pPr marL="4114800" lvl="8" indent="-317500">
               <a:lnSpc>
                 <a:spcPct val="115000"/>
               </a:lnSpc>
@@ -6105,15 +6406,19 @@
               </a:defRPr>
             </a:lvl9pPr>
           </a:lstStyle>
-          <a:p/>
+          <a:p>
+            <a:endParaRPr/>
+          </a:p>
         </p:txBody>
       </p:sp>
       <p:sp>
         <p:nvSpPr>
           <p:cNvPr id="8" name="Google Shape;8;p1"/>
-          <p:cNvSpPr txBox="1"/>
+          <p:cNvSpPr txBox="1">
+            <a:spLocks noGrp="1"/>
+          </p:cNvSpPr>
           <p:nvPr>
-            <p:ph idx="12" type="sldNum"/>
+            <p:ph type="sldNum" idx="12"/>
           </p:nvPr>
         </p:nvSpPr>
         <p:spPr>
@@ -6130,7 +6435,7 @@
           </a:ln>
         </p:spPr>
         <p:txBody>
-          <a:bodyPr anchorCtr="0" anchor="ctr" bIns="91425" lIns="91425" spcFirstLastPara="1" rIns="91425" wrap="square" tIns="91425">
+          <a:bodyPr spcFirstLastPara="1" wrap="square" lIns="91425" tIns="91425" rIns="91425" bIns="91425" anchor="ctr" anchorCtr="0">
             <a:normAutofit/>
           </a:bodyPr>
           <a:lstStyle>
@@ -6208,7 +6513,7 @@
             </a:lvl9pPr>
           </a:lstStyle>
           <a:p>
-            <a:pPr indent="0" lvl="0" marL="0" rtl="0" algn="r">
+            <a:pPr marL="0" lvl="0" indent="0" algn="r" rtl="0">
               <a:spcBef>
                 <a:spcPts val="0"/>
               </a:spcBef>
@@ -6227,7 +6532,7 @@
       </p:sp>
     </p:spTree>
   </p:cSld>
-  <p:clrMap accent1="accent1" accent2="accent2" accent3="accent3" accent4="accent4" accent5="accent5" accent6="accent6" bg1="lt1" bg2="dk2" tx1="dk1" tx2="lt2" folHlink="folHlink" hlink="hlink"/>
+  <p:clrMap bg1="lt1" tx1="dk1" bg2="dk2" tx2="lt2" accent1="accent1" accent2="accent2" accent3="accent3" accent4="accent4" accent5="accent5" accent6="accent6" hlink="hlink" folHlink="folHlink"/>
   <p:sldLayoutIdLst>
     <p:sldLayoutId id="2147483648" r:id="rId1"/>
     <p:sldLayoutId id="2147483649" r:id="rId2"/>
@@ -6241,10 +6546,10 @@
     <p:sldLayoutId id="2147483657" r:id="rId10"/>
     <p:sldLayoutId id="2147483658" r:id="rId11"/>
   </p:sldLayoutIdLst>
-  <p:hf dt="0" ftr="0" hdr="0" sldNum="0"/>
+  <p:hf sldNum="0" hdr="0" ftr="0" dt="0"/>
   <p:txStyles>
     <p:titleStyle>
-      <a:defPPr lvl="0" marR="0" rtl="0" algn="l">
+      <a:defPPr marR="0" lvl="0" algn="l" rtl="0">
         <a:lnSpc>
           <a:spcPct val="100000"/>
         </a:lnSpc>
@@ -6255,7 +6560,7 @@
           <a:spcPts val="0"/>
         </a:spcAft>
       </a:defPPr>
-      <a:lvl1pPr lvl="0" marR="0" rtl="0" algn="l">
+      <a:lvl1pPr marR="0" lvl="0" algn="l" rtl="0">
         <a:lnSpc>
           <a:spcPct val="100000"/>
         </a:lnSpc>
@@ -6269,7 +6574,7 @@
           <a:srgbClr val="000000"/>
         </a:buClr>
         <a:buFont typeface="Arial"/>
-        <a:defRPr b="0" i="0" sz="1400" u="none" cap="none" strike="noStrike">
+        <a:defRPr sz="1400" b="0" i="0" u="none" strike="noStrike" cap="none">
           <a:solidFill>
             <a:srgbClr val="000000"/>
           </a:solidFill>
@@ -6279,7 +6584,7 @@
           <a:sym typeface="Arial"/>
         </a:defRPr>
       </a:lvl1pPr>
-      <a:lvl2pPr lvl="1" marR="0" rtl="0" algn="l">
+      <a:lvl2pPr marR="0" lvl="1" algn="l" rtl="0">
         <a:lnSpc>
           <a:spcPct val="100000"/>
         </a:lnSpc>
@@ -6293,7 +6598,7 @@
           <a:srgbClr val="000000"/>
         </a:buClr>
         <a:buFont typeface="Arial"/>
-        <a:defRPr b="0" i="0" sz="1400" u="none" cap="none" strike="noStrike">
+        <a:defRPr sz="1400" b="0" i="0" u="none" strike="noStrike" cap="none">
           <a:solidFill>
             <a:srgbClr val="000000"/>
           </a:solidFill>
@@ -6303,7 +6608,7 @@
           <a:sym typeface="Arial"/>
         </a:defRPr>
       </a:lvl2pPr>
-      <a:lvl3pPr lvl="2" marR="0" rtl="0" algn="l">
+      <a:lvl3pPr marR="0" lvl="2" algn="l" rtl="0">
         <a:lnSpc>
           <a:spcPct val="100000"/>
         </a:lnSpc>
@@ -6317,7 +6622,7 @@
           <a:srgbClr val="000000"/>
         </a:buClr>
         <a:buFont typeface="Arial"/>
-        <a:defRPr b="0" i="0" sz="1400" u="none" cap="none" strike="noStrike">
+        <a:defRPr sz="1400" b="0" i="0" u="none" strike="noStrike" cap="none">
           <a:solidFill>
             <a:srgbClr val="000000"/>
           </a:solidFill>
@@ -6327,7 +6632,7 @@
           <a:sym typeface="Arial"/>
         </a:defRPr>
       </a:lvl3pPr>
-      <a:lvl4pPr lvl="3" marR="0" rtl="0" algn="l">
+      <a:lvl4pPr marR="0" lvl="3" algn="l" rtl="0">
         <a:lnSpc>
           <a:spcPct val="100000"/>
         </a:lnSpc>
@@ -6341,7 +6646,7 @@
           <a:srgbClr val="000000"/>
         </a:buClr>
         <a:buFont typeface="Arial"/>
-        <a:defRPr b="0" i="0" sz="1400" u="none" cap="none" strike="noStrike">
+        <a:defRPr sz="1400" b="0" i="0" u="none" strike="noStrike" cap="none">
           <a:solidFill>
             <a:srgbClr val="000000"/>
           </a:solidFill>
@@ -6351,7 +6656,7 @@
           <a:sym typeface="Arial"/>
         </a:defRPr>
       </a:lvl4pPr>
-      <a:lvl5pPr lvl="4" marR="0" rtl="0" algn="l">
+      <a:lvl5pPr marR="0" lvl="4" algn="l" rtl="0">
         <a:lnSpc>
           <a:spcPct val="100000"/>
         </a:lnSpc>
@@ -6365,7 +6670,7 @@
           <a:srgbClr val="000000"/>
         </a:buClr>
         <a:buFont typeface="Arial"/>
-        <a:defRPr b="0" i="0" sz="1400" u="none" cap="none" strike="noStrike">
+        <a:defRPr sz="1400" b="0" i="0" u="none" strike="noStrike" cap="none">
           <a:solidFill>
             <a:srgbClr val="000000"/>
           </a:solidFill>
@@ -6375,7 +6680,7 @@
           <a:sym typeface="Arial"/>
         </a:defRPr>
       </a:lvl5pPr>
-      <a:lvl6pPr lvl="5" marR="0" rtl="0" algn="l">
+      <a:lvl6pPr marR="0" lvl="5" algn="l" rtl="0">
         <a:lnSpc>
           <a:spcPct val="100000"/>
         </a:lnSpc>
@@ -6389,7 +6694,7 @@
           <a:srgbClr val="000000"/>
         </a:buClr>
         <a:buFont typeface="Arial"/>
-        <a:defRPr b="0" i="0" sz="1400" u="none" cap="none" strike="noStrike">
+        <a:defRPr sz="1400" b="0" i="0" u="none" strike="noStrike" cap="none">
           <a:solidFill>
             <a:srgbClr val="000000"/>
           </a:solidFill>
@@ -6399,7 +6704,7 @@
           <a:sym typeface="Arial"/>
         </a:defRPr>
       </a:lvl6pPr>
-      <a:lvl7pPr lvl="6" marR="0" rtl="0" algn="l">
+      <a:lvl7pPr marR="0" lvl="6" algn="l" rtl="0">
         <a:lnSpc>
           <a:spcPct val="100000"/>
         </a:lnSpc>
@@ -6413,7 +6718,7 @@
           <a:srgbClr val="000000"/>
         </a:buClr>
         <a:buFont typeface="Arial"/>
-        <a:defRPr b="0" i="0" sz="1400" u="none" cap="none" strike="noStrike">
+        <a:defRPr sz="1400" b="0" i="0" u="none" strike="noStrike" cap="none">
           <a:solidFill>
             <a:srgbClr val="000000"/>
           </a:solidFill>
@@ -6423,7 +6728,7 @@
           <a:sym typeface="Arial"/>
         </a:defRPr>
       </a:lvl7pPr>
-      <a:lvl8pPr lvl="7" marR="0" rtl="0" algn="l">
+      <a:lvl8pPr marR="0" lvl="7" algn="l" rtl="0">
         <a:lnSpc>
           <a:spcPct val="100000"/>
         </a:lnSpc>
@@ -6437,7 +6742,7 @@
           <a:srgbClr val="000000"/>
         </a:buClr>
         <a:buFont typeface="Arial"/>
-        <a:defRPr b="0" i="0" sz="1400" u="none" cap="none" strike="noStrike">
+        <a:defRPr sz="1400" b="0" i="0" u="none" strike="noStrike" cap="none">
           <a:solidFill>
             <a:srgbClr val="000000"/>
           </a:solidFill>
@@ -6447,7 +6752,7 @@
           <a:sym typeface="Arial"/>
         </a:defRPr>
       </a:lvl8pPr>
-      <a:lvl9pPr lvl="8" marR="0" rtl="0" algn="l">
+      <a:lvl9pPr marR="0" lvl="8" algn="l" rtl="0">
         <a:lnSpc>
           <a:spcPct val="100000"/>
         </a:lnSpc>
@@ -6461,7 +6766,7 @@
           <a:srgbClr val="000000"/>
         </a:buClr>
         <a:buFont typeface="Arial"/>
-        <a:defRPr b="0" i="0" sz="1400" u="none" cap="none" strike="noStrike">
+        <a:defRPr sz="1400" b="0" i="0" u="none" strike="noStrike" cap="none">
           <a:solidFill>
             <a:srgbClr val="000000"/>
           </a:solidFill>
@@ -6473,7 +6778,7 @@
       </a:lvl9pPr>
     </p:titleStyle>
     <p:bodyStyle>
-      <a:defPPr lvl="0" marR="0" rtl="0" algn="l">
+      <a:defPPr marR="0" lvl="0" algn="l" rtl="0">
         <a:lnSpc>
           <a:spcPct val="100000"/>
         </a:lnSpc>
@@ -6484,7 +6789,7 @@
           <a:spcPts val="0"/>
         </a:spcAft>
       </a:defPPr>
-      <a:lvl1pPr lvl="0" marR="0" rtl="0" algn="l">
+      <a:lvl1pPr marR="0" lvl="0" algn="l" rtl="0">
         <a:lnSpc>
           <a:spcPct val="100000"/>
         </a:lnSpc>
@@ -6498,7 +6803,7 @@
           <a:srgbClr val="000000"/>
         </a:buClr>
         <a:buFont typeface="Arial"/>
-        <a:defRPr b="0" i="0" sz="1400" u="none" cap="none" strike="noStrike">
+        <a:defRPr sz="1400" b="0" i="0" u="none" strike="noStrike" cap="none">
           <a:solidFill>
             <a:srgbClr val="000000"/>
           </a:solidFill>
@@ -6508,7 +6813,7 @@
           <a:sym typeface="Arial"/>
         </a:defRPr>
       </a:lvl1pPr>
-      <a:lvl2pPr lvl="1" marR="0" rtl="0" algn="l">
+      <a:lvl2pPr marR="0" lvl="1" algn="l" rtl="0">
         <a:lnSpc>
           <a:spcPct val="100000"/>
         </a:lnSpc>
@@ -6522,7 +6827,7 @@
           <a:srgbClr val="000000"/>
         </a:buClr>
         <a:buFont typeface="Arial"/>
-        <a:defRPr b="0" i="0" sz="1400" u="none" cap="none" strike="noStrike">
+        <a:defRPr sz="1400" b="0" i="0" u="none" strike="noStrike" cap="none">
           <a:solidFill>
             <a:srgbClr val="000000"/>
           </a:solidFill>
@@ -6532,7 +6837,7 @@
           <a:sym typeface="Arial"/>
         </a:defRPr>
       </a:lvl2pPr>
-      <a:lvl3pPr lvl="2" marR="0" rtl="0" algn="l">
+      <a:lvl3pPr marR="0" lvl="2" algn="l" rtl="0">
         <a:lnSpc>
           <a:spcPct val="100000"/>
         </a:lnSpc>
@@ -6546,7 +6851,7 @@
           <a:srgbClr val="000000"/>
         </a:buClr>
         <a:buFont typeface="Arial"/>
-        <a:defRPr b="0" i="0" sz="1400" u="none" cap="none" strike="noStrike">
+        <a:defRPr sz="1400" b="0" i="0" u="none" strike="noStrike" cap="none">
           <a:solidFill>
             <a:srgbClr val="000000"/>
           </a:solidFill>
@@ -6556,7 +6861,7 @@
           <a:sym typeface="Arial"/>
         </a:defRPr>
       </a:lvl3pPr>
-      <a:lvl4pPr lvl="3" marR="0" rtl="0" algn="l">
+      <a:lvl4pPr marR="0" lvl="3" algn="l" rtl="0">
         <a:lnSpc>
           <a:spcPct val="100000"/>
         </a:lnSpc>
@@ -6570,7 +6875,7 @@
           <a:srgbClr val="000000"/>
         </a:buClr>
         <a:buFont typeface="Arial"/>
-        <a:defRPr b="0" i="0" sz="1400" u="none" cap="none" strike="noStrike">
+        <a:defRPr sz="1400" b="0" i="0" u="none" strike="noStrike" cap="none">
           <a:solidFill>
             <a:srgbClr val="000000"/>
           </a:solidFill>
@@ -6580,7 +6885,7 @@
           <a:sym typeface="Arial"/>
         </a:defRPr>
       </a:lvl4pPr>
-      <a:lvl5pPr lvl="4" marR="0" rtl="0" algn="l">
+      <a:lvl5pPr marR="0" lvl="4" algn="l" rtl="0">
         <a:lnSpc>
           <a:spcPct val="100000"/>
         </a:lnSpc>
@@ -6594,7 +6899,7 @@
           <a:srgbClr val="000000"/>
         </a:buClr>
         <a:buFont typeface="Arial"/>
-        <a:defRPr b="0" i="0" sz="1400" u="none" cap="none" strike="noStrike">
+        <a:defRPr sz="1400" b="0" i="0" u="none" strike="noStrike" cap="none">
           <a:solidFill>
             <a:srgbClr val="000000"/>
           </a:solidFill>
@@ -6604,7 +6909,7 @@
           <a:sym typeface="Arial"/>
         </a:defRPr>
       </a:lvl5pPr>
-      <a:lvl6pPr lvl="5" marR="0" rtl="0" algn="l">
+      <a:lvl6pPr marR="0" lvl="5" algn="l" rtl="0">
         <a:lnSpc>
           <a:spcPct val="100000"/>
         </a:lnSpc>
@@ -6618,7 +6923,7 @@
           <a:srgbClr val="000000"/>
         </a:buClr>
         <a:buFont typeface="Arial"/>
-        <a:defRPr b="0" i="0" sz="1400" u="none" cap="none" strike="noStrike">
+        <a:defRPr sz="1400" b="0" i="0" u="none" strike="noStrike" cap="none">
           <a:solidFill>
             <a:srgbClr val="000000"/>
           </a:solidFill>
@@ -6628,7 +6933,7 @@
           <a:sym typeface="Arial"/>
         </a:defRPr>
       </a:lvl6pPr>
-      <a:lvl7pPr lvl="6" marR="0" rtl="0" algn="l">
+      <a:lvl7pPr marR="0" lvl="6" algn="l" rtl="0">
         <a:lnSpc>
           <a:spcPct val="100000"/>
         </a:lnSpc>
@@ -6642,7 +6947,7 @@
           <a:srgbClr val="000000"/>
         </a:buClr>
         <a:buFont typeface="Arial"/>
-        <a:defRPr b="0" i="0" sz="1400" u="none" cap="none" strike="noStrike">
+        <a:defRPr sz="1400" b="0" i="0" u="none" strike="noStrike" cap="none">
           <a:solidFill>
             <a:srgbClr val="000000"/>
           </a:solidFill>
@@ -6652,7 +6957,7 @@
           <a:sym typeface="Arial"/>
         </a:defRPr>
       </a:lvl7pPr>
-      <a:lvl8pPr lvl="7" marR="0" rtl="0" algn="l">
+      <a:lvl8pPr marR="0" lvl="7" algn="l" rtl="0">
         <a:lnSpc>
           <a:spcPct val="100000"/>
         </a:lnSpc>
@@ -6666,7 +6971,7 @@
           <a:srgbClr val="000000"/>
         </a:buClr>
         <a:buFont typeface="Arial"/>
-        <a:defRPr b="0" i="0" sz="1400" u="none" cap="none" strike="noStrike">
+        <a:defRPr sz="1400" b="0" i="0" u="none" strike="noStrike" cap="none">
           <a:solidFill>
             <a:srgbClr val="000000"/>
           </a:solidFill>
@@ -6676,7 +6981,7 @@
           <a:sym typeface="Arial"/>
         </a:defRPr>
       </a:lvl8pPr>
-      <a:lvl9pPr lvl="8" marR="0" rtl="0" algn="l">
+      <a:lvl9pPr marR="0" lvl="8" algn="l" rtl="0">
         <a:lnSpc>
           <a:spcPct val="100000"/>
         </a:lnSpc>
@@ -6690,7 +6995,7 @@
           <a:srgbClr val="000000"/>
         </a:buClr>
         <a:buFont typeface="Arial"/>
-        <a:defRPr b="0" i="0" sz="1400" u="none" cap="none" strike="noStrike">
+        <a:defRPr sz="1400" b="0" i="0" u="none" strike="noStrike" cap="none">
           <a:solidFill>
             <a:srgbClr val="000000"/>
           </a:solidFill>
@@ -6702,7 +7007,7 @@
       </a:lvl9pPr>
     </p:bodyStyle>
     <p:otherStyle>
-      <a:defPPr lvl="0" marR="0" rtl="0" algn="l">
+      <a:defPPr marR="0" lvl="0" algn="l" rtl="0">
         <a:lnSpc>
           <a:spcPct val="100000"/>
         </a:lnSpc>
@@ -6713,7 +7018,7 @@
           <a:spcPts val="0"/>
         </a:spcAft>
       </a:defPPr>
-      <a:lvl1pPr lvl="0" marR="0" rtl="0" algn="l">
+      <a:lvl1pPr marR="0" lvl="0" algn="l" rtl="0">
         <a:lnSpc>
           <a:spcPct val="100000"/>
         </a:lnSpc>
@@ -6727,7 +7032,7 @@
           <a:srgbClr val="000000"/>
         </a:buClr>
         <a:buFont typeface="Arial"/>
-        <a:defRPr b="0" i="0" sz="1400" u="none" cap="none" strike="noStrike">
+        <a:defRPr sz="1400" b="0" i="0" u="none" strike="noStrike" cap="none">
           <a:solidFill>
             <a:srgbClr val="000000"/>
           </a:solidFill>
@@ -6737,7 +7042,7 @@
           <a:sym typeface="Arial"/>
         </a:defRPr>
       </a:lvl1pPr>
-      <a:lvl2pPr lvl="1" marR="0" rtl="0" algn="l">
+      <a:lvl2pPr marR="0" lvl="1" algn="l" rtl="0">
         <a:lnSpc>
           <a:spcPct val="100000"/>
         </a:lnSpc>
@@ -6751,7 +7056,7 @@
           <a:srgbClr val="000000"/>
         </a:buClr>
         <a:buFont typeface="Arial"/>
-        <a:defRPr b="0" i="0" sz="1400" u="none" cap="none" strike="noStrike">
+        <a:defRPr sz="1400" b="0" i="0" u="none" strike="noStrike" cap="none">
           <a:solidFill>
             <a:srgbClr val="000000"/>
           </a:solidFill>
@@ -6761,7 +7066,7 @@
           <a:sym typeface="Arial"/>
         </a:defRPr>
       </a:lvl2pPr>
-      <a:lvl3pPr lvl="2" marR="0" rtl="0" algn="l">
+      <a:lvl3pPr marR="0" lvl="2" algn="l" rtl="0">
         <a:lnSpc>
           <a:spcPct val="100000"/>
         </a:lnSpc>
@@ -6775,7 +7080,7 @@
           <a:srgbClr val="000000"/>
         </a:buClr>
         <a:buFont typeface="Arial"/>
-        <a:defRPr b="0" i="0" sz="1400" u="none" cap="none" strike="noStrike">
+        <a:defRPr sz="1400" b="0" i="0" u="none" strike="noStrike" cap="none">
           <a:solidFill>
             <a:srgbClr val="000000"/>
           </a:solidFill>
@@ -6785,7 +7090,7 @@
           <a:sym typeface="Arial"/>
         </a:defRPr>
       </a:lvl3pPr>
-      <a:lvl4pPr lvl="3" marR="0" rtl="0" algn="l">
+      <a:lvl4pPr marR="0" lvl="3" algn="l" rtl="0">
         <a:lnSpc>
           <a:spcPct val="100000"/>
         </a:lnSpc>
@@ -6799,7 +7104,7 @@
           <a:srgbClr val="000000"/>
         </a:buClr>
         <a:buFont typeface="Arial"/>
-        <a:defRPr b="0" i="0" sz="1400" u="none" cap="none" strike="noStrike">
+        <a:defRPr sz="1400" b="0" i="0" u="none" strike="noStrike" cap="none">
           <a:solidFill>
             <a:srgbClr val="000000"/>
           </a:solidFill>
@@ -6809,7 +7114,7 @@
           <a:sym typeface="Arial"/>
         </a:defRPr>
       </a:lvl4pPr>
-      <a:lvl5pPr lvl="4" marR="0" rtl="0" algn="l">
+      <a:lvl5pPr marR="0" lvl="4" algn="l" rtl="0">
         <a:lnSpc>
           <a:spcPct val="100000"/>
         </a:lnSpc>
@@ -6823,7 +7128,7 @@
           <a:srgbClr val="000000"/>
         </a:buClr>
         <a:buFont typeface="Arial"/>
-        <a:defRPr b="0" i="0" sz="1400" u="none" cap="none" strike="noStrike">
+        <a:defRPr sz="1400" b="0" i="0" u="none" strike="noStrike" cap="none">
           <a:solidFill>
             <a:srgbClr val="000000"/>
           </a:solidFill>
@@ -6833,7 +7138,7 @@
           <a:sym typeface="Arial"/>
         </a:defRPr>
       </a:lvl5pPr>
-      <a:lvl6pPr lvl="5" marR="0" rtl="0" algn="l">
+      <a:lvl6pPr marR="0" lvl="5" algn="l" rtl="0">
         <a:lnSpc>
           <a:spcPct val="100000"/>
         </a:lnSpc>
@@ -6847,7 +7152,7 @@
           <a:srgbClr val="000000"/>
         </a:buClr>
         <a:buFont typeface="Arial"/>
-        <a:defRPr b="0" i="0" sz="1400" u="none" cap="none" strike="noStrike">
+        <a:defRPr sz="1400" b="0" i="0" u="none" strike="noStrike" cap="none">
           <a:solidFill>
             <a:srgbClr val="000000"/>
           </a:solidFill>
@@ -6857,7 +7162,7 @@
           <a:sym typeface="Arial"/>
         </a:defRPr>
       </a:lvl6pPr>
-      <a:lvl7pPr lvl="6" marR="0" rtl="0" algn="l">
+      <a:lvl7pPr marR="0" lvl="6" algn="l" rtl="0">
         <a:lnSpc>
           <a:spcPct val="100000"/>
         </a:lnSpc>
@@ -6871,7 +7176,7 @@
           <a:srgbClr val="000000"/>
         </a:buClr>
         <a:buFont typeface="Arial"/>
-        <a:defRPr b="0" i="0" sz="1400" u="none" cap="none" strike="noStrike">
+        <a:defRPr sz="1400" b="0" i="0" u="none" strike="noStrike" cap="none">
           <a:solidFill>
             <a:srgbClr val="000000"/>
           </a:solidFill>
@@ -6881,7 +7186,7 @@
           <a:sym typeface="Arial"/>
         </a:defRPr>
       </a:lvl7pPr>
-      <a:lvl8pPr lvl="7" marR="0" rtl="0" algn="l">
+      <a:lvl8pPr marR="0" lvl="7" algn="l" rtl="0">
         <a:lnSpc>
           <a:spcPct val="100000"/>
         </a:lnSpc>
@@ -6895,7 +7200,7 @@
           <a:srgbClr val="000000"/>
         </a:buClr>
         <a:buFont typeface="Arial"/>
-        <a:defRPr b="0" i="0" sz="1400" u="none" cap="none" strike="noStrike">
+        <a:defRPr sz="1400" b="0" i="0" u="none" strike="noStrike" cap="none">
           <a:solidFill>
             <a:srgbClr val="000000"/>
           </a:solidFill>
@@ -6905,7 +7210,7 @@
           <a:sym typeface="Arial"/>
         </a:defRPr>
       </a:lvl8pPr>
-      <a:lvl9pPr lvl="8" marR="0" rtl="0" algn="l">
+      <a:lvl9pPr marR="0" lvl="8" algn="l" rtl="0">
         <a:lnSpc>
           <a:spcPct val="100000"/>
         </a:lnSpc>
@@ -6919,7 +7224,7 @@
           <a:srgbClr val="000000"/>
         </a:buClr>
         <a:buFont typeface="Arial"/>
-        <a:defRPr b="0" i="0" sz="1400" u="none" cap="none" strike="noStrike">
+        <a:defRPr sz="1400" b="0" i="0" u="none" strike="noStrike" cap="none">
           <a:solidFill>
             <a:srgbClr val="000000"/>
           </a:solidFill>
@@ -6935,11 +7240,11 @@
 </file>
 
 <file path=ppt/slides/slide1.xml><?xml version="1.0" encoding="utf-8"?>
-<p:sld xmlns:a="http://schemas.openxmlformats.org/drawingml/2006/main" xmlns:r="http://schemas.openxmlformats.org/officeDocument/2006/relationships" xmlns:mc="http://schemas.openxmlformats.org/markup-compatibility/2006" xmlns:mv="urn:schemas-microsoft-com:mac:vml" xmlns:p="http://schemas.openxmlformats.org/presentationml/2006/main" xmlns:c="http://schemas.openxmlformats.org/drawingml/2006/chart" xmlns:dgm="http://schemas.openxmlformats.org/drawingml/2006/diagram" xmlns:o="urn:schemas-microsoft-com:office:office" xmlns:v="urn:schemas-microsoft-com:vml" xmlns:pvml="urn:schemas-microsoft-com:office:powerpoint" xmlns:com="http://schemas.openxmlformats.org/drawingml/2006/compatibility" xmlns:p14="http://schemas.microsoft.com/office/powerpoint/2010/main" xmlns:p15="http://schemas.microsoft.com/office/powerpoint/2012/main" xmlns:ahyp="http://schemas.microsoft.com/office/drawing/2018/hyperlinkcolor">
+<p:sld xmlns:a="http://schemas.openxmlformats.org/drawingml/2006/main" xmlns:r="http://schemas.openxmlformats.org/officeDocument/2006/relationships" xmlns:p="http://schemas.openxmlformats.org/presentationml/2006/main">
   <p:cSld>
     <p:spTree>
       <p:nvGrpSpPr>
-        <p:cNvPr id="53" name="Shape 53"/>
+        <p:cNvPr id="1" name="Shape 53"/>
         <p:cNvGrpSpPr/>
         <p:nvPr/>
       </p:nvGrpSpPr>
@@ -6954,7 +7259,9 @@
       <p:sp>
         <p:nvSpPr>
           <p:cNvPr id="54" name="Google Shape;54;p13"/>
-          <p:cNvSpPr txBox="1"/>
+          <p:cNvSpPr txBox="1">
+            <a:spLocks noGrp="1"/>
+          </p:cNvSpPr>
           <p:nvPr>
             <p:ph type="ctrTitle"/>
           </p:nvPr>
@@ -6969,12 +7276,12 @@
           </a:prstGeom>
         </p:spPr>
         <p:txBody>
-          <a:bodyPr anchorCtr="0" anchor="b" bIns="91425" lIns="91425" spcFirstLastPara="1" rIns="91425" wrap="square" tIns="91425">
+          <a:bodyPr spcFirstLastPara="1" wrap="square" lIns="91425" tIns="91425" rIns="91425" bIns="91425" anchor="b" anchorCtr="0">
             <a:normAutofit/>
           </a:bodyPr>
           <a:lstStyle/>
           <a:p>
-            <a:pPr indent="0" lvl="0" marL="0" rtl="0" algn="ctr">
+            <a:pPr marL="0" lvl="0" indent="0" algn="ctr" rtl="0">
               <a:spcBef>
                 <a:spcPts val="0"/>
               </a:spcBef>
@@ -6994,9 +7301,11 @@
       <p:sp>
         <p:nvSpPr>
           <p:cNvPr id="55" name="Google Shape;55;p13"/>
-          <p:cNvSpPr txBox="1"/>
+          <p:cNvSpPr txBox="1">
+            <a:spLocks noGrp="1"/>
+          </p:cNvSpPr>
           <p:nvPr>
-            <p:ph idx="1" type="subTitle"/>
+            <p:ph type="subTitle" idx="1"/>
           </p:nvPr>
         </p:nvSpPr>
         <p:spPr>
@@ -7009,12 +7318,12 @@
           </a:prstGeom>
         </p:spPr>
         <p:txBody>
-          <a:bodyPr anchorCtr="0" anchor="t" bIns="91425" lIns="91425" spcFirstLastPara="1" rIns="91425" wrap="square" tIns="91425">
+          <a:bodyPr spcFirstLastPara="1" wrap="square" lIns="91425" tIns="91425" rIns="91425" bIns="91425" anchor="t" anchorCtr="0">
             <a:normAutofit/>
           </a:bodyPr>
           <a:lstStyle/>
           <a:p>
-            <a:pPr indent="0" lvl="0" marL="0" rtl="0" algn="ctr">
+            <a:pPr marL="0" lvl="0" indent="0" algn="ctr" rtl="0">
               <a:spcBef>
                 <a:spcPts val="0"/>
               </a:spcBef>
@@ -7030,7 +7339,7 @@
             <a:endParaRPr sz="1800"/>
           </a:p>
           <a:p>
-            <a:pPr indent="0" lvl="0" marL="0" rtl="0" algn="ctr">
+            <a:pPr marL="0" lvl="0" indent="0" algn="ctr" rtl="0">
               <a:spcBef>
                 <a:spcPts val="0"/>
               </a:spcBef>
@@ -7039,13 +7348,10 @@
               </a:spcAft>
               <a:buNone/>
             </a:pPr>
-            <a:r>
-              <a:t/>
-            </a:r>
             <a:endParaRPr sz="1800"/>
           </a:p>
           <a:p>
-            <a:pPr indent="0" lvl="0" marL="0" rtl="0" algn="ctr">
+            <a:pPr marL="0" lvl="0" indent="0" algn="ctr" rtl="0">
               <a:spcBef>
                 <a:spcPts val="0"/>
               </a:spcBef>
@@ -7054,13 +7360,10 @@
               </a:spcAft>
               <a:buNone/>
             </a:pPr>
-            <a:r>
-              <a:t/>
-            </a:r>
             <a:endParaRPr sz="1800"/>
           </a:p>
           <a:p>
-            <a:pPr indent="0" lvl="0" marL="0" rtl="0" algn="ctr">
+            <a:pPr marL="0" lvl="0" indent="0" algn="ctr" rtl="0">
               <a:spcBef>
                 <a:spcPts val="0"/>
               </a:spcBef>
@@ -7076,7 +7379,7 @@
             <a:endParaRPr sz="1600"/>
           </a:p>
           <a:p>
-            <a:pPr indent="0" lvl="0" marL="0" rtl="0" algn="ctr">
+            <a:pPr marL="0" lvl="0" indent="0" algn="ctr" rtl="0">
               <a:spcBef>
                 <a:spcPts val="0"/>
               </a:spcBef>
@@ -7085,9 +7388,6 @@
               </a:spcAft>
               <a:buNone/>
             </a:pPr>
-            <a:r>
-              <a:t/>
-            </a:r>
             <a:endParaRPr sz="1800"/>
           </a:p>
         </p:txBody>
@@ -7101,106 +7401,11 @@
 </file>
 
 <file path=ppt/slides/slide10.xml><?xml version="1.0" encoding="utf-8"?>
-<p:sld xmlns:a="http://schemas.openxmlformats.org/drawingml/2006/main" xmlns:r="http://schemas.openxmlformats.org/officeDocument/2006/relationships" xmlns:mc="http://schemas.openxmlformats.org/markup-compatibility/2006" xmlns:mv="urn:schemas-microsoft-com:mac:vml" xmlns:p="http://schemas.openxmlformats.org/presentationml/2006/main" xmlns:c="http://schemas.openxmlformats.org/drawingml/2006/chart" xmlns:dgm="http://schemas.openxmlformats.org/drawingml/2006/diagram" xmlns:o="urn:schemas-microsoft-com:office:office" xmlns:v="urn:schemas-microsoft-com:vml" xmlns:pvml="urn:schemas-microsoft-com:office:powerpoint" xmlns:com="http://schemas.openxmlformats.org/drawingml/2006/compatibility" xmlns:p14="http://schemas.microsoft.com/office/powerpoint/2010/main" xmlns:p15="http://schemas.microsoft.com/office/powerpoint/2012/main" xmlns:ahyp="http://schemas.microsoft.com/office/drawing/2018/hyperlinkcolor">
+<p:sld xmlns:a="http://schemas.openxmlformats.org/drawingml/2006/main" xmlns:r="http://schemas.openxmlformats.org/officeDocument/2006/relationships" xmlns:p="http://schemas.openxmlformats.org/presentationml/2006/main">
   <p:cSld>
     <p:spTree>
       <p:nvGrpSpPr>
-        <p:cNvPr id="113" name="Shape 113"/>
-        <p:cNvGrpSpPr/>
-        <p:nvPr/>
-      </p:nvGrpSpPr>
-      <p:grpSpPr>
-        <a:xfrm>
-          <a:off x="0" y="0"/>
-          <a:ext cx="0" cy="0"/>
-          <a:chOff x="0" y="0"/>
-          <a:chExt cx="0" cy="0"/>
-        </a:xfrm>
-      </p:grpSpPr>
-      <p:pic>
-        <p:nvPicPr>
-          <p:cNvPr id="114" name="Google Shape;114;p22"/>
-          <p:cNvPicPr preferRelativeResize="0"/>
-          <p:nvPr/>
-        </p:nvPicPr>
-        <p:blipFill>
-          <a:blip r:embed="rId3">
-            <a:alphaModFix/>
-          </a:blip>
-          <a:stretch>
-            <a:fillRect/>
-          </a:stretch>
-        </p:blipFill>
-        <p:spPr>
-          <a:xfrm>
-            <a:off x="393875" y="347525"/>
-            <a:ext cx="8209526" cy="4093175"/>
-          </a:xfrm>
-          <a:prstGeom prst="rect">
-            <a:avLst/>
-          </a:prstGeom>
-          <a:noFill/>
-          <a:ln>
-            <a:noFill/>
-          </a:ln>
-        </p:spPr>
-      </p:pic>
-      <p:sp>
-        <p:nvSpPr>
-          <p:cNvPr id="115" name="Google Shape;115;p22"/>
-          <p:cNvSpPr txBox="1"/>
-          <p:nvPr/>
-        </p:nvSpPr>
-        <p:spPr>
-          <a:xfrm>
-            <a:off x="780000" y="4440700"/>
-            <a:ext cx="5467800" cy="400200"/>
-          </a:xfrm>
-          <a:prstGeom prst="rect">
-            <a:avLst/>
-          </a:prstGeom>
-          <a:noFill/>
-          <a:ln>
-            <a:noFill/>
-          </a:ln>
-        </p:spPr>
-        <p:txBody>
-          <a:bodyPr anchorCtr="0" anchor="t" bIns="91425" lIns="91425" spcFirstLastPara="1" rIns="91425" wrap="square" tIns="91425">
-            <a:spAutoFit/>
-          </a:bodyPr>
-          <a:lstStyle/>
-          <a:p>
-            <a:pPr indent="0" lvl="0" marL="0" rtl="0" algn="l">
-              <a:spcBef>
-                <a:spcPts val="0"/>
-              </a:spcBef>
-              <a:spcAft>
-                <a:spcPts val="0"/>
-              </a:spcAft>
-              <a:buNone/>
-            </a:pPr>
-            <a:r>
-              <a:rPr lang="en"/>
-              <a:t>Source: Google Finance	Data from 2/13/20 to 2/10/21</a:t>
-            </a:r>
-            <a:endParaRPr/>
-          </a:p>
-        </p:txBody>
-      </p:sp>
-    </p:spTree>
-  </p:cSld>
-  <p:clrMapOvr>
-    <a:masterClrMapping/>
-  </p:clrMapOvr>
-</p:sld>
-</file>
-
-<file path=ppt/slides/slide11.xml><?xml version="1.0" encoding="utf-8"?>
-<p:sld xmlns:a="http://schemas.openxmlformats.org/drawingml/2006/main" xmlns:r="http://schemas.openxmlformats.org/officeDocument/2006/relationships" xmlns:mc="http://schemas.openxmlformats.org/markup-compatibility/2006" xmlns:mv="urn:schemas-microsoft-com:mac:vml" xmlns:p="http://schemas.openxmlformats.org/presentationml/2006/main" xmlns:c="http://schemas.openxmlformats.org/drawingml/2006/chart" xmlns:dgm="http://schemas.openxmlformats.org/drawingml/2006/diagram" xmlns:o="urn:schemas-microsoft-com:office:office" xmlns:v="urn:schemas-microsoft-com:vml" xmlns:pvml="urn:schemas-microsoft-com:office:powerpoint" xmlns:com="http://schemas.openxmlformats.org/drawingml/2006/compatibility" xmlns:p14="http://schemas.microsoft.com/office/powerpoint/2010/main" xmlns:p15="http://schemas.microsoft.com/office/powerpoint/2012/main" xmlns:ahyp="http://schemas.microsoft.com/office/drawing/2018/hyperlinkcolor">
-  <p:cSld>
-    <p:spTree>
-      <p:nvGrpSpPr>
-        <p:cNvPr id="119" name="Shape 119"/>
+        <p:cNvPr id="1" name="Shape 114"/>
         <p:cNvGrpSpPr/>
         <p:nvPr/>
       </p:nvGrpSpPr>
@@ -7214,30 +7419,30 @@
       </p:grpSpPr>
       <p:sp>
         <p:nvSpPr>
-          <p:cNvPr id="120" name="Google Shape;120;p23"/>
-          <p:cNvSpPr txBox="1"/>
-          <p:nvPr/>
+          <p:cNvPr id="115" name="Google Shape;115;p22"/>
+          <p:cNvSpPr txBox="1">
+            <a:spLocks noGrp="1"/>
+          </p:cNvSpPr>
+          <p:nvPr>
+            <p:ph type="title"/>
+          </p:nvPr>
         </p:nvSpPr>
         <p:spPr>
           <a:xfrm>
-            <a:off x="780000" y="4440700"/>
-            <a:ext cx="5467800" cy="400200"/>
+            <a:off x="541275" y="197900"/>
+            <a:ext cx="8520600" cy="572700"/>
           </a:xfrm>
           <a:prstGeom prst="rect">
             <a:avLst/>
           </a:prstGeom>
-          <a:noFill/>
-          <a:ln>
-            <a:noFill/>
-          </a:ln>
         </p:spPr>
         <p:txBody>
-          <a:bodyPr anchorCtr="0" anchor="t" bIns="91425" lIns="91425" spcFirstLastPara="1" rIns="91425" wrap="square" tIns="91425">
-            <a:spAutoFit/>
+          <a:bodyPr spcFirstLastPara="1" wrap="square" lIns="91425" tIns="91425" rIns="91425" bIns="91425" anchor="t" anchorCtr="0">
+            <a:normAutofit fontScale="90000"/>
           </a:bodyPr>
           <a:lstStyle/>
           <a:p>
-            <a:pPr indent="0" lvl="0" marL="0" rtl="0" algn="l">
+            <a:pPr marL="0" lvl="0" indent="0" algn="l" rtl="0">
               <a:spcBef>
                 <a:spcPts val="0"/>
               </a:spcBef>
@@ -7248,7 +7453,7 @@
             </a:pPr>
             <a:r>
               <a:rPr lang="en"/>
-              <a:t>Source: Google Finance	Data from 2/13/20 to 2/10/21</a:t>
+              <a:t>Analyzing Reddit’s wallstreetbets forum</a:t>
             </a:r>
             <a:endParaRPr/>
           </a:p>
@@ -7256,7 +7461,7 @@
       </p:sp>
       <p:pic>
         <p:nvPicPr>
-          <p:cNvPr id="121" name="Google Shape;121;p23"/>
+          <p:cNvPr id="116" name="Google Shape;116;p22"/>
           <p:cNvPicPr preferRelativeResize="0"/>
           <p:nvPr/>
         </p:nvPicPr>
@@ -7270,8 +7475,8 @@
         </p:blipFill>
         <p:spPr>
           <a:xfrm>
-            <a:off x="780000" y="345475"/>
-            <a:ext cx="7522201" cy="3917600"/>
+            <a:off x="541275" y="770600"/>
+            <a:ext cx="7814974" cy="3820975"/>
           </a:xfrm>
           <a:prstGeom prst="rect">
             <a:avLst/>
@@ -7282,6 +7487,64 @@
           </a:ln>
         </p:spPr>
       </p:pic>
+      <p:sp>
+        <p:nvSpPr>
+          <p:cNvPr id="117" name="Google Shape;117;p22"/>
+          <p:cNvSpPr txBox="1"/>
+          <p:nvPr/>
+        </p:nvSpPr>
+        <p:spPr>
+          <a:xfrm>
+            <a:off x="522225" y="4508225"/>
+            <a:ext cx="8520600" cy="400079"/>
+          </a:xfrm>
+          <a:prstGeom prst="rect">
+            <a:avLst/>
+          </a:prstGeom>
+          <a:noFill/>
+          <a:ln>
+            <a:noFill/>
+          </a:ln>
+        </p:spPr>
+        <p:txBody>
+          <a:bodyPr spcFirstLastPara="1" wrap="square" lIns="91425" tIns="91425" rIns="91425" bIns="91425" anchor="t" anchorCtr="0">
+            <a:spAutoFit/>
+          </a:bodyPr>
+          <a:lstStyle/>
+          <a:p>
+            <a:pPr marL="0" lvl="0" indent="0" algn="l" rtl="0">
+              <a:spcBef>
+                <a:spcPts val="0"/>
+              </a:spcBef>
+              <a:spcAft>
+                <a:spcPts val="0"/>
+              </a:spcAft>
+              <a:buNone/>
+            </a:pPr>
+            <a:r>
+              <a:rPr lang="en" dirty="0"/>
+              <a:t>Sources: Reddit, </a:t>
+            </a:r>
+            <a:r>
+              <a:rPr lang="en" dirty="0" smtClean="0"/>
+              <a:t>Kaggle        Python </a:t>
+            </a:r>
+            <a:r>
+              <a:rPr lang="en" dirty="0"/>
+              <a:t>packages: wordcloud, </a:t>
+            </a:r>
+            <a:r>
+              <a:rPr lang="en" dirty="0" smtClean="0"/>
+              <a:t>praw	Data </a:t>
+            </a:r>
+            <a:r>
+              <a:rPr lang="en" dirty="0"/>
+              <a:t>from 1/15/21 to 2/10/21</a:t>
+            </a:r>
+            <a:endParaRPr dirty="0"/>
+          </a:p>
+        </p:txBody>
+      </p:sp>
     </p:spTree>
   </p:cSld>
   <p:clrMapOvr>
@@ -7290,12 +7553,12 @@
 </p:sld>
 </file>
 
-<file path=ppt/slides/slide12.xml><?xml version="1.0" encoding="utf-8"?>
-<p:sld xmlns:a="http://schemas.openxmlformats.org/drawingml/2006/main" xmlns:r="http://schemas.openxmlformats.org/officeDocument/2006/relationships" xmlns:mc="http://schemas.openxmlformats.org/markup-compatibility/2006" xmlns:mv="urn:schemas-microsoft-com:mac:vml" xmlns:p="http://schemas.openxmlformats.org/presentationml/2006/main" xmlns:c="http://schemas.openxmlformats.org/drawingml/2006/chart" xmlns:dgm="http://schemas.openxmlformats.org/drawingml/2006/diagram" xmlns:o="urn:schemas-microsoft-com:office:office" xmlns:v="urn:schemas-microsoft-com:vml" xmlns:pvml="urn:schemas-microsoft-com:office:powerpoint" xmlns:com="http://schemas.openxmlformats.org/drawingml/2006/compatibility" xmlns:p14="http://schemas.microsoft.com/office/powerpoint/2010/main" xmlns:p15="http://schemas.microsoft.com/office/powerpoint/2012/main" xmlns:ahyp="http://schemas.microsoft.com/office/drawing/2018/hyperlinkcolor">
+<file path=ppt/slides/slide11.xml><?xml version="1.0" encoding="utf-8"?>
+<p:sld xmlns:a="http://schemas.openxmlformats.org/drawingml/2006/main" xmlns:r="http://schemas.openxmlformats.org/officeDocument/2006/relationships" xmlns:p="http://schemas.openxmlformats.org/presentationml/2006/main">
   <p:cSld>
     <p:spTree>
       <p:nvGrpSpPr>
-        <p:cNvPr id="125" name="Shape 125"/>
+        <p:cNvPr id="1" name="Shape 121"/>
         <p:cNvGrpSpPr/>
         <p:nvPr/>
       </p:nvGrpSpPr>
@@ -7309,8 +7572,200 @@
       </p:grpSpPr>
       <p:sp>
         <p:nvSpPr>
-          <p:cNvPr id="126" name="Google Shape;126;p24"/>
+          <p:cNvPr id="122" name="Google Shape;122;p23"/>
           <p:cNvSpPr txBox="1"/>
+          <p:nvPr/>
+        </p:nvSpPr>
+        <p:spPr>
+          <a:xfrm>
+            <a:off x="780000" y="4440700"/>
+            <a:ext cx="5467800" cy="400200"/>
+          </a:xfrm>
+          <a:prstGeom prst="rect">
+            <a:avLst/>
+          </a:prstGeom>
+          <a:noFill/>
+          <a:ln>
+            <a:noFill/>
+          </a:ln>
+        </p:spPr>
+        <p:txBody>
+          <a:bodyPr spcFirstLastPara="1" wrap="square" lIns="91425" tIns="91425" rIns="91425" bIns="91425" anchor="t" anchorCtr="0">
+            <a:spAutoFit/>
+          </a:bodyPr>
+          <a:lstStyle/>
+          <a:p>
+            <a:pPr marL="0" lvl="0" indent="0" algn="l" rtl="0">
+              <a:spcBef>
+                <a:spcPts val="0"/>
+              </a:spcBef>
+              <a:spcAft>
+                <a:spcPts val="0"/>
+              </a:spcAft>
+              <a:buNone/>
+            </a:pPr>
+            <a:r>
+              <a:rPr lang="en"/>
+              <a:t>Source: Google Finance	Data from 2/13/20 to 2/10/21</a:t>
+            </a:r>
+            <a:endParaRPr/>
+          </a:p>
+        </p:txBody>
+      </p:sp>
+      <p:pic>
+        <p:nvPicPr>
+          <p:cNvPr id="123" name="Google Shape;123;p23"/>
+          <p:cNvPicPr preferRelativeResize="0"/>
+          <p:nvPr/>
+        </p:nvPicPr>
+        <p:blipFill>
+          <a:blip r:embed="rId3">
+            <a:alphaModFix/>
+          </a:blip>
+          <a:stretch>
+            <a:fillRect/>
+          </a:stretch>
+        </p:blipFill>
+        <p:spPr>
+          <a:xfrm>
+            <a:off x="355250" y="301200"/>
+            <a:ext cx="8433499" cy="4139500"/>
+          </a:xfrm>
+          <a:prstGeom prst="rect">
+            <a:avLst/>
+          </a:prstGeom>
+          <a:noFill/>
+          <a:ln>
+            <a:noFill/>
+          </a:ln>
+        </p:spPr>
+      </p:pic>
+    </p:spTree>
+  </p:cSld>
+  <p:clrMapOvr>
+    <a:masterClrMapping/>
+  </p:clrMapOvr>
+</p:sld>
+</file>
+
+<file path=ppt/slides/slide12.xml><?xml version="1.0" encoding="utf-8"?>
+<p:sld xmlns:a="http://schemas.openxmlformats.org/drawingml/2006/main" xmlns:r="http://schemas.openxmlformats.org/officeDocument/2006/relationships" xmlns:p="http://schemas.openxmlformats.org/presentationml/2006/main">
+  <p:cSld>
+    <p:spTree>
+      <p:nvGrpSpPr>
+        <p:cNvPr id="1" name="Shape 127"/>
+        <p:cNvGrpSpPr/>
+        <p:nvPr/>
+      </p:nvGrpSpPr>
+      <p:grpSpPr>
+        <a:xfrm>
+          <a:off x="0" y="0"/>
+          <a:ext cx="0" cy="0"/>
+          <a:chOff x="0" y="0"/>
+          <a:chExt cx="0" cy="0"/>
+        </a:xfrm>
+      </p:grpSpPr>
+      <p:sp>
+        <p:nvSpPr>
+          <p:cNvPr id="128" name="Google Shape;128;p24"/>
+          <p:cNvSpPr txBox="1"/>
+          <p:nvPr/>
+        </p:nvSpPr>
+        <p:spPr>
+          <a:xfrm>
+            <a:off x="780000" y="4440700"/>
+            <a:ext cx="5467800" cy="400200"/>
+          </a:xfrm>
+          <a:prstGeom prst="rect">
+            <a:avLst/>
+          </a:prstGeom>
+          <a:noFill/>
+          <a:ln>
+            <a:noFill/>
+          </a:ln>
+        </p:spPr>
+        <p:txBody>
+          <a:bodyPr spcFirstLastPara="1" wrap="square" lIns="91425" tIns="91425" rIns="91425" bIns="91425" anchor="t" anchorCtr="0">
+            <a:spAutoFit/>
+          </a:bodyPr>
+          <a:lstStyle/>
+          <a:p>
+            <a:pPr marL="0" lvl="0" indent="0" algn="l" rtl="0">
+              <a:spcBef>
+                <a:spcPts val="0"/>
+              </a:spcBef>
+              <a:spcAft>
+                <a:spcPts val="0"/>
+              </a:spcAft>
+              <a:buNone/>
+            </a:pPr>
+            <a:r>
+              <a:rPr lang="en"/>
+              <a:t>Source: Google Finance	Data from 2/13/20 to 2/10/21</a:t>
+            </a:r>
+            <a:endParaRPr/>
+          </a:p>
+        </p:txBody>
+      </p:sp>
+      <p:pic>
+        <p:nvPicPr>
+          <p:cNvPr id="129" name="Google Shape;129;p24"/>
+          <p:cNvPicPr preferRelativeResize="0"/>
+          <p:nvPr/>
+        </p:nvPicPr>
+        <p:blipFill>
+          <a:blip r:embed="rId3">
+            <a:alphaModFix/>
+          </a:blip>
+          <a:stretch>
+            <a:fillRect/>
+          </a:stretch>
+        </p:blipFill>
+        <p:spPr>
+          <a:xfrm>
+            <a:off x="602400" y="152400"/>
+            <a:ext cx="7831075" cy="4195625"/>
+          </a:xfrm>
+          <a:prstGeom prst="rect">
+            <a:avLst/>
+          </a:prstGeom>
+          <a:noFill/>
+          <a:ln>
+            <a:noFill/>
+          </a:ln>
+        </p:spPr>
+      </p:pic>
+    </p:spTree>
+  </p:cSld>
+  <p:clrMapOvr>
+    <a:masterClrMapping/>
+  </p:clrMapOvr>
+</p:sld>
+</file>
+
+<file path=ppt/slides/slide13.xml><?xml version="1.0" encoding="utf-8"?>
+<p:sld xmlns:a="http://schemas.openxmlformats.org/drawingml/2006/main" xmlns:r="http://schemas.openxmlformats.org/officeDocument/2006/relationships" xmlns:p="http://schemas.openxmlformats.org/presentationml/2006/main">
+  <p:cSld>
+    <p:spTree>
+      <p:nvGrpSpPr>
+        <p:cNvPr id="1" name="Shape 133"/>
+        <p:cNvGrpSpPr/>
+        <p:nvPr/>
+      </p:nvGrpSpPr>
+      <p:grpSpPr>
+        <a:xfrm>
+          <a:off x="0" y="0"/>
+          <a:ext cx="0" cy="0"/>
+          <a:chOff x="0" y="0"/>
+          <a:chExt cx="0" cy="0"/>
+        </a:xfrm>
+      </p:grpSpPr>
+      <p:sp>
+        <p:nvSpPr>
+          <p:cNvPr id="134" name="Google Shape;134;p25"/>
+          <p:cNvSpPr txBox="1">
+            <a:spLocks noGrp="1"/>
+          </p:cNvSpPr>
           <p:nvPr>
             <p:ph type="title"/>
           </p:nvPr>
@@ -7325,12 +7780,12 @@
           </a:prstGeom>
         </p:spPr>
         <p:txBody>
-          <a:bodyPr anchorCtr="0" anchor="t" bIns="91425" lIns="91425" spcFirstLastPara="1" rIns="91425" wrap="square" tIns="91425">
+          <a:bodyPr spcFirstLastPara="1" wrap="square" lIns="91425" tIns="91425" rIns="91425" bIns="91425" anchor="t" anchorCtr="0">
             <a:normAutofit fontScale="90000"/>
           </a:bodyPr>
           <a:lstStyle/>
           <a:p>
-            <a:pPr indent="0" lvl="0" marL="0" rtl="0" algn="l">
+            <a:pPr marL="0" lvl="0" indent="0" algn="l" rtl="0">
               <a:spcBef>
                 <a:spcPts val="0"/>
               </a:spcBef>
@@ -7349,7 +7804,7 @@
       </p:sp>
       <p:pic>
         <p:nvPicPr>
-          <p:cNvPr id="127" name="Google Shape;127;p24"/>
+          <p:cNvPr id="135" name="Google Shape;135;p25"/>
           <p:cNvPicPr preferRelativeResize="0"/>
           <p:nvPr/>
         </p:nvPicPr>
@@ -7377,7 +7832,7 @@
       </p:pic>
       <p:sp>
         <p:nvSpPr>
-          <p:cNvPr id="128" name="Google Shape;128;p24"/>
+          <p:cNvPr id="136" name="Google Shape;136;p25"/>
           <p:cNvSpPr txBox="1"/>
           <p:nvPr/>
         </p:nvSpPr>
@@ -7395,12 +7850,12 @@
           </a:ln>
         </p:spPr>
         <p:txBody>
-          <a:bodyPr anchorCtr="0" anchor="t" bIns="91425" lIns="91425" spcFirstLastPara="1" rIns="91425" wrap="square" tIns="91425">
+          <a:bodyPr spcFirstLastPara="1" wrap="square" lIns="91425" tIns="91425" rIns="91425" bIns="91425" anchor="t" anchorCtr="0">
             <a:spAutoFit/>
           </a:bodyPr>
           <a:lstStyle/>
           <a:p>
-            <a:pPr indent="0" lvl="0" marL="0" rtl="0" algn="l">
+            <a:pPr marL="0" lvl="0" indent="0" algn="l" rtl="0">
               <a:spcBef>
                 <a:spcPts val="0"/>
               </a:spcBef>
@@ -7425,175 +7880,12 @@
 </p:sld>
 </file>
 
-<file path=ppt/slides/slide13.xml><?xml version="1.0" encoding="utf-8"?>
-<p:sld xmlns:a="http://schemas.openxmlformats.org/drawingml/2006/main" xmlns:r="http://schemas.openxmlformats.org/officeDocument/2006/relationships" xmlns:mc="http://schemas.openxmlformats.org/markup-compatibility/2006" xmlns:mv="urn:schemas-microsoft-com:mac:vml" xmlns:p="http://schemas.openxmlformats.org/presentationml/2006/main" xmlns:c="http://schemas.openxmlformats.org/drawingml/2006/chart" xmlns:dgm="http://schemas.openxmlformats.org/drawingml/2006/diagram" xmlns:o="urn:schemas-microsoft-com:office:office" xmlns:v="urn:schemas-microsoft-com:vml" xmlns:pvml="urn:schemas-microsoft-com:office:powerpoint" xmlns:com="http://schemas.openxmlformats.org/drawingml/2006/compatibility" xmlns:p14="http://schemas.microsoft.com/office/powerpoint/2010/main" xmlns:p15="http://schemas.microsoft.com/office/powerpoint/2012/main" xmlns:ahyp="http://schemas.microsoft.com/office/drawing/2018/hyperlinkcolor">
+<file path=ppt/slides/slide14.xml><?xml version="1.0" encoding="utf-8"?>
+<p:sld xmlns:a="http://schemas.openxmlformats.org/drawingml/2006/main" xmlns:r="http://schemas.openxmlformats.org/officeDocument/2006/relationships" xmlns:p="http://schemas.openxmlformats.org/presentationml/2006/main">
   <p:cSld>
     <p:spTree>
       <p:nvGrpSpPr>
-        <p:cNvPr id="132" name="Shape 132"/>
-        <p:cNvGrpSpPr/>
-        <p:nvPr/>
-      </p:nvGrpSpPr>
-      <p:grpSpPr>
-        <a:xfrm>
-          <a:off x="0" y="0"/>
-          <a:ext cx="0" cy="0"/>
-          <a:chOff x="0" y="0"/>
-          <a:chExt cx="0" cy="0"/>
-        </a:xfrm>
-      </p:grpSpPr>
-      <p:sp>
-        <p:nvSpPr>
-          <p:cNvPr id="133" name="Google Shape;133;p25"/>
-          <p:cNvSpPr txBox="1"/>
-          <p:nvPr>
-            <p:ph type="title"/>
-          </p:nvPr>
-        </p:nvSpPr>
-        <p:spPr>
-          <a:xfrm>
-            <a:off x="311700" y="445025"/>
-            <a:ext cx="8520600" cy="572700"/>
-          </a:xfrm>
-          <a:prstGeom prst="rect">
-            <a:avLst/>
-          </a:prstGeom>
-        </p:spPr>
-        <p:txBody>
-          <a:bodyPr anchorCtr="0" anchor="t" bIns="91425" lIns="91425" spcFirstLastPara="1" rIns="91425" wrap="square" tIns="91425">
-            <a:normAutofit fontScale="90000"/>
-          </a:bodyPr>
-          <a:lstStyle/>
-          <a:p>
-            <a:pPr indent="0" lvl="0" marL="0" rtl="0" algn="l">
-              <a:spcBef>
-                <a:spcPts val="0"/>
-              </a:spcBef>
-              <a:spcAft>
-                <a:spcPts val="0"/>
-              </a:spcAft>
-              <a:buNone/>
-            </a:pPr>
-            <a:r>
-              <a:rPr lang="en"/>
-              <a:t>Monte Carlo Simulation</a:t>
-            </a:r>
-            <a:endParaRPr/>
-          </a:p>
-        </p:txBody>
-      </p:sp>
-      <p:pic>
-        <p:nvPicPr>
-          <p:cNvPr id="134" name="Google Shape;134;p25"/>
-          <p:cNvPicPr preferRelativeResize="0"/>
-          <p:nvPr/>
-        </p:nvPicPr>
-        <p:blipFill>
-          <a:blip r:embed="rId3">
-            <a:alphaModFix/>
-          </a:blip>
-          <a:stretch>
-            <a:fillRect/>
-          </a:stretch>
-        </p:blipFill>
-        <p:spPr>
-          <a:xfrm>
-            <a:off x="342375" y="1170125"/>
-            <a:ext cx="4064349" cy="2737700"/>
-          </a:xfrm>
-          <a:prstGeom prst="rect">
-            <a:avLst/>
-          </a:prstGeom>
-          <a:noFill/>
-          <a:ln>
-            <a:noFill/>
-          </a:ln>
-        </p:spPr>
-      </p:pic>
-      <p:pic>
-        <p:nvPicPr>
-          <p:cNvPr id="135" name="Google Shape;135;p25"/>
-          <p:cNvPicPr preferRelativeResize="0"/>
-          <p:nvPr/>
-        </p:nvPicPr>
-        <p:blipFill>
-          <a:blip r:embed="rId4">
-            <a:alphaModFix/>
-          </a:blip>
-          <a:stretch>
-            <a:fillRect/>
-          </a:stretch>
-        </p:blipFill>
-        <p:spPr>
-          <a:xfrm>
-            <a:off x="4609575" y="1170125"/>
-            <a:ext cx="4232201" cy="2737700"/>
-          </a:xfrm>
-          <a:prstGeom prst="rect">
-            <a:avLst/>
-          </a:prstGeom>
-          <a:noFill/>
-          <a:ln>
-            <a:noFill/>
-          </a:ln>
-        </p:spPr>
-      </p:pic>
-      <p:sp>
-        <p:nvSpPr>
-          <p:cNvPr id="136" name="Google Shape;136;p25"/>
-          <p:cNvSpPr txBox="1"/>
-          <p:nvPr/>
-        </p:nvSpPr>
-        <p:spPr>
-          <a:xfrm>
-            <a:off x="378450" y="4595175"/>
-            <a:ext cx="5923500" cy="400200"/>
-          </a:xfrm>
-          <a:prstGeom prst="rect">
-            <a:avLst/>
-          </a:prstGeom>
-          <a:noFill/>
-          <a:ln>
-            <a:noFill/>
-          </a:ln>
-        </p:spPr>
-        <p:txBody>
-          <a:bodyPr anchorCtr="0" anchor="t" bIns="91425" lIns="91425" spcFirstLastPara="1" rIns="91425" wrap="square" tIns="91425">
-            <a:spAutoFit/>
-          </a:bodyPr>
-          <a:lstStyle/>
-          <a:p>
-            <a:pPr indent="0" lvl="0" marL="0" rtl="0" algn="l">
-              <a:spcBef>
-                <a:spcPts val="0"/>
-              </a:spcBef>
-              <a:spcAft>
-                <a:spcPts val="0"/>
-              </a:spcAft>
-              <a:buNone/>
-            </a:pPr>
-            <a:r>
-              <a:rPr lang="en"/>
-              <a:t>Source: Google Finance	Python package: MCForecastTools </a:t>
-            </a:r>
-            <a:endParaRPr/>
-          </a:p>
-        </p:txBody>
-      </p:sp>
-    </p:spTree>
-  </p:cSld>
-  <p:clrMapOvr>
-    <a:masterClrMapping/>
-  </p:clrMapOvr>
-</p:sld>
-</file>
-
-<file path=ppt/slides/slide14.xml><?xml version="1.0" encoding="utf-8"?>
-<p:sld xmlns:a="http://schemas.openxmlformats.org/drawingml/2006/main" xmlns:r="http://schemas.openxmlformats.org/officeDocument/2006/relationships" xmlns:mc="http://schemas.openxmlformats.org/markup-compatibility/2006" xmlns:mv="urn:schemas-microsoft-com:mac:vml" xmlns:p="http://schemas.openxmlformats.org/presentationml/2006/main" xmlns:c="http://schemas.openxmlformats.org/drawingml/2006/chart" xmlns:dgm="http://schemas.openxmlformats.org/drawingml/2006/diagram" xmlns:o="urn:schemas-microsoft-com:office:office" xmlns:v="urn:schemas-microsoft-com:vml" xmlns:pvml="urn:schemas-microsoft-com:office:powerpoint" xmlns:com="http://schemas.openxmlformats.org/drawingml/2006/compatibility" xmlns:p14="http://schemas.microsoft.com/office/powerpoint/2010/main" xmlns:p15="http://schemas.microsoft.com/office/powerpoint/2012/main" xmlns:ahyp="http://schemas.microsoft.com/office/drawing/2018/hyperlinkcolor">
-  <p:cSld>
-    <p:spTree>
-      <p:nvGrpSpPr>
-        <p:cNvPr id="140" name="Shape 140"/>
+        <p:cNvPr id="1" name="Shape 140"/>
         <p:cNvGrpSpPr/>
         <p:nvPr/>
       </p:nvGrpSpPr>
@@ -7608,7 +7900,9 @@
       <p:sp>
         <p:nvSpPr>
           <p:cNvPr id="141" name="Google Shape;141;p26"/>
-          <p:cNvSpPr txBox="1"/>
+          <p:cNvSpPr txBox="1">
+            <a:spLocks noGrp="1"/>
+          </p:cNvSpPr>
           <p:nvPr>
             <p:ph type="title"/>
           </p:nvPr>
@@ -7623,23 +7917,18 @@
           </a:prstGeom>
         </p:spPr>
         <p:txBody>
-          <a:bodyPr anchorCtr="0" anchor="t" bIns="91425" lIns="91425" spcFirstLastPara="1" rIns="91425" wrap="square" tIns="91425">
+          <a:bodyPr spcFirstLastPara="1" wrap="square" lIns="91425" tIns="91425" rIns="91425" bIns="91425" anchor="t" anchorCtr="0">
             <a:normAutofit fontScale="90000"/>
           </a:bodyPr>
           <a:lstStyle/>
           <a:p>
-            <a:pPr indent="0" lvl="0" marL="0" rtl="0" algn="l">
-              <a:spcBef>
-                <a:spcPts val="0"/>
-              </a:spcBef>
-              <a:spcAft>
-                <a:spcPts val="0"/>
-              </a:spcAft>
-              <a:buClr>
-                <a:schemeClr val="dk1"/>
-              </a:buClr>
-              <a:buSzPct val="39285"/>
-              <a:buFont typeface="Arial"/>
+            <a:pPr marL="0" lvl="0" indent="0" algn="l" rtl="0">
+              <a:spcBef>
+                <a:spcPts val="0"/>
+              </a:spcBef>
+              <a:spcAft>
+                <a:spcPts val="0"/>
+              </a:spcAft>
               <a:buNone/>
             </a:pPr>
             <a:r>
@@ -7666,8 +7955,8 @@
         </p:blipFill>
         <p:spPr>
           <a:xfrm>
-            <a:off x="228600" y="1170125"/>
-            <a:ext cx="4180200" cy="3046625"/>
+            <a:off x="342375" y="1170125"/>
+            <a:ext cx="4064349" cy="2737700"/>
           </a:xfrm>
           <a:prstGeom prst="rect">
             <a:avLst/>
@@ -7694,8 +7983,8 @@
         </p:blipFill>
         <p:spPr>
           <a:xfrm>
-            <a:off x="4572000" y="1170125"/>
-            <a:ext cx="4419599" cy="3046625"/>
+            <a:off x="4609575" y="1170125"/>
+            <a:ext cx="4232201" cy="2737700"/>
           </a:xfrm>
           <a:prstGeom prst="rect">
             <a:avLst/>
@@ -7715,7 +8004,7 @@
         <p:spPr>
           <a:xfrm>
             <a:off x="378450" y="4595175"/>
-            <a:ext cx="5923500" cy="400200"/>
+            <a:ext cx="8463300" cy="400200"/>
           </a:xfrm>
           <a:prstGeom prst="rect">
             <a:avLst/>
@@ -7726,12 +8015,12 @@
           </a:ln>
         </p:spPr>
         <p:txBody>
-          <a:bodyPr anchorCtr="0" anchor="t" bIns="91425" lIns="91425" spcFirstLastPara="1" rIns="91425" wrap="square" tIns="91425">
+          <a:bodyPr spcFirstLastPara="1" wrap="square" lIns="91425" tIns="91425" rIns="91425" bIns="91425" anchor="t" anchorCtr="0">
             <a:spAutoFit/>
           </a:bodyPr>
           <a:lstStyle/>
           <a:p>
-            <a:pPr indent="0" lvl="0" marL="0" rtl="0" algn="l">
+            <a:pPr marL="0" lvl="0" indent="0" algn="l" rtl="0">
               <a:spcBef>
                 <a:spcPts val="0"/>
               </a:spcBef>
@@ -7742,7 +8031,7 @@
             </a:pPr>
             <a:r>
               <a:rPr lang="en"/>
-              <a:t>Source: Google Finance	Python package: MCForecastTools </a:t>
+              <a:t>Source: Google Finance	Python package: MCForecastTools	Data from 2/13/20 to 2/11/21 </a:t>
             </a:r>
             <a:endParaRPr/>
           </a:p>
@@ -7757,11 +8046,11 @@
 </file>
 
 <file path=ppt/slides/slide15.xml><?xml version="1.0" encoding="utf-8"?>
-<p:sld xmlns:a="http://schemas.openxmlformats.org/drawingml/2006/main" xmlns:r="http://schemas.openxmlformats.org/officeDocument/2006/relationships" xmlns:mc="http://schemas.openxmlformats.org/markup-compatibility/2006" xmlns:mv="urn:schemas-microsoft-com:mac:vml" xmlns:p="http://schemas.openxmlformats.org/presentationml/2006/main" xmlns:c="http://schemas.openxmlformats.org/drawingml/2006/chart" xmlns:dgm="http://schemas.openxmlformats.org/drawingml/2006/diagram" xmlns:o="urn:schemas-microsoft-com:office:office" xmlns:v="urn:schemas-microsoft-com:vml" xmlns:pvml="urn:schemas-microsoft-com:office:powerpoint" xmlns:com="http://schemas.openxmlformats.org/drawingml/2006/compatibility" xmlns:p14="http://schemas.microsoft.com/office/powerpoint/2010/main" xmlns:p15="http://schemas.microsoft.com/office/powerpoint/2012/main" xmlns:ahyp="http://schemas.microsoft.com/office/drawing/2018/hyperlinkcolor">
+<p:sld xmlns:a="http://schemas.openxmlformats.org/drawingml/2006/main" xmlns:r="http://schemas.openxmlformats.org/officeDocument/2006/relationships" xmlns:p="http://schemas.openxmlformats.org/presentationml/2006/main">
   <p:cSld>
     <p:spTree>
       <p:nvGrpSpPr>
-        <p:cNvPr id="148" name="Shape 148"/>
+        <p:cNvPr id="1" name="Shape 148"/>
         <p:cNvGrpSpPr/>
         <p:nvPr/>
       </p:nvGrpSpPr>
@@ -7776,14 +8065,16 @@
       <p:sp>
         <p:nvSpPr>
           <p:cNvPr id="149" name="Google Shape;149;p27"/>
-          <p:cNvSpPr txBox="1"/>
+          <p:cNvSpPr txBox="1">
+            <a:spLocks noGrp="1"/>
+          </p:cNvSpPr>
           <p:nvPr>
             <p:ph type="title"/>
           </p:nvPr>
         </p:nvSpPr>
         <p:spPr>
           <a:xfrm>
-            <a:off x="311700" y="251950"/>
+            <a:off x="311700" y="445025"/>
             <a:ext cx="8520600" cy="572700"/>
           </a:xfrm>
           <a:prstGeom prst="rect">
@@ -7791,65 +8082,28 @@
           </a:prstGeom>
         </p:spPr>
         <p:txBody>
-          <a:bodyPr anchorCtr="0" anchor="t" bIns="91425" lIns="91425" spcFirstLastPara="1" rIns="91425" wrap="square" tIns="91425">
+          <a:bodyPr spcFirstLastPara="1" wrap="square" lIns="91425" tIns="91425" rIns="91425" bIns="91425" anchor="t" anchorCtr="0">
             <a:normAutofit fontScale="90000"/>
           </a:bodyPr>
           <a:lstStyle/>
           <a:p>
-            <a:pPr indent="0" lvl="0" marL="0" rtl="0" algn="l">
-              <a:spcBef>
-                <a:spcPts val="0"/>
-              </a:spcBef>
-              <a:spcAft>
-                <a:spcPts val="0"/>
-              </a:spcAft>
+            <a:pPr marL="0" lvl="0" indent="0" algn="l" rtl="0">
+              <a:spcBef>
+                <a:spcPts val="0"/>
+              </a:spcBef>
+              <a:spcAft>
+                <a:spcPts val="0"/>
+              </a:spcAft>
+              <a:buClr>
+                <a:schemeClr val="dk1"/>
+              </a:buClr>
+              <a:buSzPct val="39285"/>
+              <a:buFont typeface="Arial"/>
               <a:buNone/>
             </a:pPr>
             <a:r>
               <a:rPr lang="en"/>
-              <a:t>Next steps: Dogecoin to the moon...</a:t>
-            </a:r>
-            <a:endParaRPr/>
-          </a:p>
-        </p:txBody>
-      </p:sp>
-      <p:sp>
-        <p:nvSpPr>
-          <p:cNvPr id="150" name="Google Shape;150;p27"/>
-          <p:cNvSpPr txBox="1"/>
-          <p:nvPr/>
-        </p:nvSpPr>
-        <p:spPr>
-          <a:xfrm>
-            <a:off x="311700" y="4541100"/>
-            <a:ext cx="2973300" cy="400200"/>
-          </a:xfrm>
-          <a:prstGeom prst="rect">
-            <a:avLst/>
-          </a:prstGeom>
-          <a:noFill/>
-          <a:ln>
-            <a:noFill/>
-          </a:ln>
-        </p:spPr>
-        <p:txBody>
-          <a:bodyPr anchorCtr="0" anchor="t" bIns="91425" lIns="91425" spcFirstLastPara="1" rIns="91425" wrap="square" tIns="91425">
-            <a:spAutoFit/>
-          </a:bodyPr>
-          <a:lstStyle/>
-          <a:p>
-            <a:pPr indent="0" lvl="0" marL="0" rtl="0" algn="l">
-              <a:spcBef>
-                <a:spcPts val="0"/>
-              </a:spcBef>
-              <a:spcAft>
-                <a:spcPts val="0"/>
-              </a:spcAft>
-              <a:buNone/>
-            </a:pPr>
-            <a:r>
-              <a:rPr lang="en"/>
-              <a:t>Source: Getty</a:t>
+              <a:t>Monte Carlo Simulation</a:t>
             </a:r>
             <a:endParaRPr/>
           </a:p>
@@ -7857,7 +8111,7 @@
       </p:sp>
       <p:pic>
         <p:nvPicPr>
-          <p:cNvPr id="151" name="Google Shape;151;p27"/>
+          <p:cNvPr id="150" name="Google Shape;150;p27"/>
           <p:cNvPicPr preferRelativeResize="0"/>
           <p:nvPr/>
         </p:nvPicPr>
@@ -7871,8 +8125,8 @@
         </p:blipFill>
         <p:spPr>
           <a:xfrm>
-            <a:off x="1519350" y="904875"/>
-            <a:ext cx="5619750" cy="3333750"/>
+            <a:off x="228600" y="1170125"/>
+            <a:ext cx="4180200" cy="3046625"/>
           </a:xfrm>
           <a:prstGeom prst="rect">
             <a:avLst/>
@@ -7883,6 +8137,88 @@
           </a:ln>
         </p:spPr>
       </p:pic>
+      <p:pic>
+        <p:nvPicPr>
+          <p:cNvPr id="151" name="Google Shape;151;p27"/>
+          <p:cNvPicPr preferRelativeResize="0"/>
+          <p:nvPr/>
+        </p:nvPicPr>
+        <p:blipFill>
+          <a:blip r:embed="rId4">
+            <a:alphaModFix/>
+          </a:blip>
+          <a:stretch>
+            <a:fillRect/>
+          </a:stretch>
+        </p:blipFill>
+        <p:spPr>
+          <a:xfrm>
+            <a:off x="4572000" y="1170125"/>
+            <a:ext cx="4419599" cy="3046625"/>
+          </a:xfrm>
+          <a:prstGeom prst="rect">
+            <a:avLst/>
+          </a:prstGeom>
+          <a:noFill/>
+          <a:ln>
+            <a:noFill/>
+          </a:ln>
+        </p:spPr>
+      </p:pic>
+      <p:sp>
+        <p:nvSpPr>
+          <p:cNvPr id="152" name="Google Shape;152;p27"/>
+          <p:cNvSpPr txBox="1"/>
+          <p:nvPr/>
+        </p:nvSpPr>
+        <p:spPr>
+          <a:xfrm>
+            <a:off x="378450" y="4595175"/>
+            <a:ext cx="8098800" cy="400200"/>
+          </a:xfrm>
+          <a:prstGeom prst="rect">
+            <a:avLst/>
+          </a:prstGeom>
+          <a:noFill/>
+          <a:ln>
+            <a:noFill/>
+          </a:ln>
+        </p:spPr>
+        <p:txBody>
+          <a:bodyPr spcFirstLastPara="1" wrap="square" lIns="91425" tIns="91425" rIns="91425" bIns="91425" anchor="t" anchorCtr="0">
+            <a:spAutoFit/>
+          </a:bodyPr>
+          <a:lstStyle/>
+          <a:p>
+            <a:pPr marL="0" lvl="0" indent="0" algn="l" rtl="0">
+              <a:spcBef>
+                <a:spcPts val="0"/>
+              </a:spcBef>
+              <a:spcAft>
+                <a:spcPts val="0"/>
+              </a:spcAft>
+              <a:buNone/>
+            </a:pPr>
+            <a:r>
+              <a:rPr lang="en"/>
+              <a:t>Source: Google Finance	Python package: MCForecastTools	</a:t>
+            </a:r>
+            <a:r>
+              <a:rPr lang="en">
+                <a:solidFill>
+                  <a:schemeClr val="dk1"/>
+                </a:solidFill>
+              </a:rPr>
+              <a:t>Data from 2/13/20 to 2/11/21 </a:t>
+            </a:r>
+            <a:r>
+              <a:rPr lang="en"/>
+              <a:t> </a:t>
+            </a:r>
+            <a:endParaRPr/>
+          </a:p>
+        </p:txBody>
+      </p:sp>
     </p:spTree>
   </p:cSld>
   <p:clrMapOvr>
@@ -7892,11 +8228,11 @@
 </file>
 
 <file path=ppt/slides/slide16.xml><?xml version="1.0" encoding="utf-8"?>
-<p:sld xmlns:a="http://schemas.openxmlformats.org/drawingml/2006/main" xmlns:r="http://schemas.openxmlformats.org/officeDocument/2006/relationships" xmlns:mc="http://schemas.openxmlformats.org/markup-compatibility/2006" xmlns:mv="urn:schemas-microsoft-com:mac:vml" xmlns:p="http://schemas.openxmlformats.org/presentationml/2006/main" xmlns:c="http://schemas.openxmlformats.org/drawingml/2006/chart" xmlns:dgm="http://schemas.openxmlformats.org/drawingml/2006/diagram" xmlns:o="urn:schemas-microsoft-com:office:office" xmlns:v="urn:schemas-microsoft-com:vml" xmlns:pvml="urn:schemas-microsoft-com:office:powerpoint" xmlns:com="http://schemas.openxmlformats.org/drawingml/2006/compatibility" xmlns:p14="http://schemas.microsoft.com/office/powerpoint/2010/main" xmlns:p15="http://schemas.microsoft.com/office/powerpoint/2012/main" xmlns:ahyp="http://schemas.microsoft.com/office/drawing/2018/hyperlinkcolor">
+<p:sld xmlns:a="http://schemas.openxmlformats.org/drawingml/2006/main" xmlns:r="http://schemas.openxmlformats.org/officeDocument/2006/relationships" xmlns:p="http://schemas.openxmlformats.org/presentationml/2006/main">
   <p:cSld>
     <p:spTree>
       <p:nvGrpSpPr>
-        <p:cNvPr id="155" name="Shape 155"/>
+        <p:cNvPr id="1" name="Shape 156"/>
         <p:cNvGrpSpPr/>
         <p:nvPr/>
       </p:nvGrpSpPr>
@@ -7910,14 +8246,153 @@
       </p:grpSpPr>
       <p:sp>
         <p:nvSpPr>
-          <p:cNvPr id="156" name="Google Shape;156;p28"/>
-          <p:cNvSpPr txBox="1"/>
+          <p:cNvPr id="157" name="Google Shape;157;p28"/>
+          <p:cNvSpPr txBox="1">
+            <a:spLocks noGrp="1"/>
+          </p:cNvSpPr>
           <p:nvPr>
             <p:ph type="title"/>
           </p:nvPr>
         </p:nvSpPr>
         <p:spPr>
           <a:xfrm>
+            <a:off x="311700" y="251950"/>
+            <a:ext cx="8520600" cy="572700"/>
+          </a:xfrm>
+          <a:prstGeom prst="rect">
+            <a:avLst/>
+          </a:prstGeom>
+        </p:spPr>
+        <p:txBody>
+          <a:bodyPr spcFirstLastPara="1" wrap="square" lIns="91425" tIns="91425" rIns="91425" bIns="91425" anchor="t" anchorCtr="0">
+            <a:normAutofit fontScale="90000"/>
+          </a:bodyPr>
+          <a:lstStyle/>
+          <a:p>
+            <a:pPr marL="0" lvl="0" indent="0" algn="l" rtl="0">
+              <a:spcBef>
+                <a:spcPts val="0"/>
+              </a:spcBef>
+              <a:spcAft>
+                <a:spcPts val="0"/>
+              </a:spcAft>
+              <a:buNone/>
+            </a:pPr>
+            <a:r>
+              <a:rPr lang="en"/>
+              <a:t>Next steps: Dogecoin to the moon!</a:t>
+            </a:r>
+            <a:endParaRPr/>
+          </a:p>
+        </p:txBody>
+      </p:sp>
+      <p:sp>
+        <p:nvSpPr>
+          <p:cNvPr id="158" name="Google Shape;158;p28"/>
+          <p:cNvSpPr txBox="1"/>
+          <p:nvPr/>
+        </p:nvSpPr>
+        <p:spPr>
+          <a:xfrm>
+            <a:off x="311700" y="4541100"/>
+            <a:ext cx="2973300" cy="400200"/>
+          </a:xfrm>
+          <a:prstGeom prst="rect">
+            <a:avLst/>
+          </a:prstGeom>
+          <a:noFill/>
+          <a:ln>
+            <a:noFill/>
+          </a:ln>
+        </p:spPr>
+        <p:txBody>
+          <a:bodyPr spcFirstLastPara="1" wrap="square" lIns="91425" tIns="91425" rIns="91425" bIns="91425" anchor="t" anchorCtr="0">
+            <a:spAutoFit/>
+          </a:bodyPr>
+          <a:lstStyle/>
+          <a:p>
+            <a:pPr marL="0" lvl="0" indent="0" algn="l" rtl="0">
+              <a:spcBef>
+                <a:spcPts val="0"/>
+              </a:spcBef>
+              <a:spcAft>
+                <a:spcPts val="0"/>
+              </a:spcAft>
+              <a:buNone/>
+            </a:pPr>
+            <a:r>
+              <a:rPr lang="en"/>
+              <a:t>Source: Getty</a:t>
+            </a:r>
+            <a:endParaRPr/>
+          </a:p>
+        </p:txBody>
+      </p:sp>
+      <p:pic>
+        <p:nvPicPr>
+          <p:cNvPr id="159" name="Google Shape;159;p28"/>
+          <p:cNvPicPr preferRelativeResize="0"/>
+          <p:nvPr/>
+        </p:nvPicPr>
+        <p:blipFill>
+          <a:blip r:embed="rId3">
+            <a:alphaModFix/>
+          </a:blip>
+          <a:stretch>
+            <a:fillRect/>
+          </a:stretch>
+        </p:blipFill>
+        <p:spPr>
+          <a:xfrm>
+            <a:off x="1251100" y="864763"/>
+            <a:ext cx="6027000" cy="3636225"/>
+          </a:xfrm>
+          <a:prstGeom prst="rect">
+            <a:avLst/>
+          </a:prstGeom>
+          <a:noFill/>
+          <a:ln>
+            <a:noFill/>
+          </a:ln>
+        </p:spPr>
+      </p:pic>
+    </p:spTree>
+  </p:cSld>
+  <p:clrMapOvr>
+    <a:masterClrMapping/>
+  </p:clrMapOvr>
+</p:sld>
+</file>
+
+<file path=ppt/slides/slide17.xml><?xml version="1.0" encoding="utf-8"?>
+<p:sld xmlns:a="http://schemas.openxmlformats.org/drawingml/2006/main" xmlns:r="http://schemas.openxmlformats.org/officeDocument/2006/relationships" xmlns:p="http://schemas.openxmlformats.org/presentationml/2006/main">
+  <p:cSld>
+    <p:spTree>
+      <p:nvGrpSpPr>
+        <p:cNvPr id="1" name="Shape 163"/>
+        <p:cNvGrpSpPr/>
+        <p:nvPr/>
+      </p:nvGrpSpPr>
+      <p:grpSpPr>
+        <a:xfrm>
+          <a:off x="0" y="0"/>
+          <a:ext cx="0" cy="0"/>
+          <a:chOff x="0" y="0"/>
+          <a:chExt cx="0" cy="0"/>
+        </a:xfrm>
+      </p:grpSpPr>
+      <p:sp>
+        <p:nvSpPr>
+          <p:cNvPr id="164" name="Google Shape;164;p29"/>
+          <p:cNvSpPr txBox="1">
+            <a:spLocks noGrp="1"/>
+          </p:cNvSpPr>
+          <p:nvPr>
+            <p:ph type="title"/>
+          </p:nvPr>
+        </p:nvSpPr>
+        <p:spPr>
+          <a:xfrm>
             <a:off x="450725" y="414125"/>
             <a:ext cx="8520600" cy="572700"/>
           </a:xfrm>
@@ -7926,12 +8401,12 @@
           </a:prstGeom>
         </p:spPr>
         <p:txBody>
-          <a:bodyPr anchorCtr="0" anchor="t" bIns="91425" lIns="91425" spcFirstLastPara="1" rIns="91425" wrap="square" tIns="91425">
+          <a:bodyPr spcFirstLastPara="1" wrap="square" lIns="91425" tIns="91425" rIns="91425" bIns="91425" anchor="t" anchorCtr="0">
             <a:noAutofit/>
           </a:bodyPr>
           <a:lstStyle/>
           <a:p>
-            <a:pPr indent="0" lvl="0" marL="0" rtl="0" algn="l">
+            <a:pPr marL="0" lvl="0" indent="0" algn="l" rtl="0">
               <a:spcBef>
                 <a:spcPts val="0"/>
               </a:spcBef>
@@ -7951,8 +8426,10 @@
       </p:sp>
       <p:sp>
         <p:nvSpPr>
-          <p:cNvPr id="157" name="Google Shape;157;p28"/>
-          <p:cNvSpPr txBox="1"/>
+          <p:cNvPr id="165" name="Google Shape;165;p29"/>
+          <p:cNvSpPr txBox="1">
+            <a:spLocks noGrp="1"/>
+          </p:cNvSpPr>
           <p:nvPr>
             <p:ph type="title"/>
           </p:nvPr>
@@ -7967,12 +8444,12 @@
           </a:prstGeom>
         </p:spPr>
         <p:txBody>
-          <a:bodyPr anchorCtr="0" anchor="t" bIns="91425" lIns="91425" spcFirstLastPara="1" rIns="91425" wrap="square" tIns="91425">
+          <a:bodyPr spcFirstLastPara="1" wrap="square" lIns="91425" tIns="91425" rIns="91425" bIns="91425" anchor="t" anchorCtr="0">
             <a:normAutofit/>
           </a:bodyPr>
           <a:lstStyle/>
           <a:p>
-            <a:pPr indent="0" lvl="0" marL="0" rtl="0" algn="l">
+            <a:pPr marL="0" lvl="0" indent="0" algn="l" rtl="0">
               <a:spcBef>
                 <a:spcPts val="0"/>
               </a:spcBef>
@@ -7998,11 +8475,11 @@
 </file>
 
 <file path=ppt/slides/slide2.xml><?xml version="1.0" encoding="utf-8"?>
-<p:sld xmlns:a="http://schemas.openxmlformats.org/drawingml/2006/main" xmlns:r="http://schemas.openxmlformats.org/officeDocument/2006/relationships" xmlns:mc="http://schemas.openxmlformats.org/markup-compatibility/2006" xmlns:mv="urn:schemas-microsoft-com:mac:vml" xmlns:p="http://schemas.openxmlformats.org/presentationml/2006/main" xmlns:c="http://schemas.openxmlformats.org/drawingml/2006/chart" xmlns:dgm="http://schemas.openxmlformats.org/drawingml/2006/diagram" xmlns:o="urn:schemas-microsoft-com:office:office" xmlns:v="urn:schemas-microsoft-com:vml" xmlns:pvml="urn:schemas-microsoft-com:office:powerpoint" xmlns:com="http://schemas.openxmlformats.org/drawingml/2006/compatibility" xmlns:p14="http://schemas.microsoft.com/office/powerpoint/2010/main" xmlns:p15="http://schemas.microsoft.com/office/powerpoint/2012/main" xmlns:ahyp="http://schemas.microsoft.com/office/drawing/2018/hyperlinkcolor">
+<p:sld xmlns:a="http://schemas.openxmlformats.org/drawingml/2006/main" xmlns:r="http://schemas.openxmlformats.org/officeDocument/2006/relationships" xmlns:p="http://schemas.openxmlformats.org/presentationml/2006/main">
   <p:cSld>
     <p:spTree>
       <p:nvGrpSpPr>
-        <p:cNvPr id="59" name="Shape 59"/>
+        <p:cNvPr id="1" name="Shape 59"/>
         <p:cNvGrpSpPr/>
         <p:nvPr/>
       </p:nvGrpSpPr>
@@ -8017,7 +8494,9 @@
       <p:sp>
         <p:nvSpPr>
           <p:cNvPr id="60" name="Google Shape;60;p14"/>
-          <p:cNvSpPr txBox="1"/>
+          <p:cNvSpPr txBox="1">
+            <a:spLocks noGrp="1"/>
+          </p:cNvSpPr>
           <p:nvPr>
             <p:ph type="ctrTitle"/>
           </p:nvPr>
@@ -8032,12 +8511,12 @@
           </a:prstGeom>
         </p:spPr>
         <p:txBody>
-          <a:bodyPr anchorCtr="0" anchor="b" bIns="91425" lIns="91425" spcFirstLastPara="1" rIns="91425" wrap="square" tIns="91425">
+          <a:bodyPr spcFirstLastPara="1" wrap="square" lIns="91425" tIns="91425" rIns="91425" bIns="91425" anchor="b" anchorCtr="0">
             <a:normAutofit fontScale="90000"/>
           </a:bodyPr>
           <a:lstStyle/>
           <a:p>
-            <a:pPr indent="0" lvl="0" marL="0" rtl="0" algn="l">
+            <a:pPr marL="0" lvl="0" indent="0" algn="l" rtl="0">
               <a:spcBef>
                 <a:spcPts val="0"/>
               </a:spcBef>
@@ -8057,9 +8536,11 @@
       <p:sp>
         <p:nvSpPr>
           <p:cNvPr id="61" name="Google Shape;61;p14"/>
-          <p:cNvSpPr txBox="1"/>
+          <p:cNvSpPr txBox="1">
+            <a:spLocks noGrp="1"/>
+          </p:cNvSpPr>
           <p:nvPr>
-            <p:ph idx="1" type="subTitle"/>
+            <p:ph type="subTitle" idx="1"/>
           </p:nvPr>
         </p:nvSpPr>
         <p:spPr>
@@ -8072,12 +8553,12 @@
           </a:prstGeom>
         </p:spPr>
         <p:txBody>
-          <a:bodyPr anchorCtr="0" anchor="t" bIns="91425" lIns="91425" spcFirstLastPara="1" rIns="91425" wrap="square" tIns="91425">
-            <a:normAutofit fontScale="77500" lnSpcReduction="10000"/>
+          <a:bodyPr spcFirstLastPara="1" wrap="square" lIns="91425" tIns="91425" rIns="91425" bIns="91425" anchor="t" anchorCtr="0">
+            <a:normAutofit fontScale="77500" lnSpcReduction="20000"/>
           </a:bodyPr>
           <a:lstStyle/>
           <a:p>
-            <a:pPr indent="-346710" lvl="0" marL="457200" rtl="0" algn="l">
+            <a:pPr marL="457200" lvl="0" indent="-346710" algn="l" rtl="0">
               <a:lnSpc>
                 <a:spcPct val="115000"/>
               </a:lnSpc>
@@ -8091,13 +8572,13 @@
               <a:buAutoNum type="arabicPeriod"/>
             </a:pPr>
             <a:r>
-              <a:rPr lang="en" sz="2400"/>
+              <a:rPr lang="en" sz="2400" dirty="0"/>
               <a:t>Fundamental setup: weak metrics for GME, a brick and mortar video game company during a global pandemic</a:t>
             </a:r>
-            <a:endParaRPr sz="2400"/>
+            <a:endParaRPr sz="2400" dirty="0"/>
           </a:p>
           <a:p>
-            <a:pPr indent="0" lvl="0" marL="457200" rtl="0" algn="l">
+            <a:pPr marL="914400" lvl="0" indent="-457200" algn="l" rtl="0">
               <a:lnSpc>
                 <a:spcPct val="115000"/>
               </a:lnSpc>
@@ -8107,15 +8588,13 @@
               <a:spcAft>
                 <a:spcPts val="0"/>
               </a:spcAft>
-              <a:buNone/>
+              <a:buFont typeface="+mj-lt"/>
+              <a:buAutoNum type="arabicPeriod"/>
             </a:pPr>
-            <a:r>
-              <a:t/>
-            </a:r>
-            <a:endParaRPr sz="2400"/>
+            <a:endParaRPr sz="2400" dirty="0"/>
           </a:p>
           <a:p>
-            <a:pPr indent="-346710" lvl="0" marL="457200" rtl="0" algn="l">
+            <a:pPr marL="457200" lvl="0" indent="-346710" algn="l" rtl="0">
               <a:lnSpc>
                 <a:spcPct val="115000"/>
               </a:lnSpc>
@@ -8129,13 +8608,13 @@
               <a:buAutoNum type="arabicPeriod"/>
             </a:pPr>
             <a:r>
-              <a:rPr lang="en" sz="2400"/>
+              <a:rPr lang="en" sz="2400" dirty="0"/>
               <a:t>Technical setup: hedge funds had accumulated a very large short position</a:t>
             </a:r>
-            <a:endParaRPr sz="2400"/>
+            <a:endParaRPr sz="2400" dirty="0"/>
           </a:p>
           <a:p>
-            <a:pPr indent="0" lvl="0" marL="457200" rtl="0" algn="l">
+            <a:pPr marL="914400" lvl="0" indent="-457200" algn="l" rtl="0">
               <a:lnSpc>
                 <a:spcPct val="115000"/>
               </a:lnSpc>
@@ -8145,15 +8624,13 @@
               <a:spcAft>
                 <a:spcPts val="0"/>
               </a:spcAft>
-              <a:buNone/>
+              <a:buFont typeface="+mj-lt"/>
+              <a:buAutoNum type="arabicPeriod"/>
             </a:pPr>
-            <a:r>
-              <a:t/>
-            </a:r>
-            <a:endParaRPr sz="2400"/>
+            <a:endParaRPr sz="2400" dirty="0"/>
           </a:p>
           <a:p>
-            <a:pPr indent="-346710" lvl="0" marL="457200" rtl="0" algn="l">
+            <a:pPr marL="457200" lvl="0" indent="-346710" algn="l" rtl="0">
               <a:lnSpc>
                 <a:spcPct val="115000"/>
               </a:lnSpc>
@@ -8167,13 +8644,13 @@
               <a:buAutoNum type="arabicPeriod"/>
             </a:pPr>
             <a:r>
-              <a:rPr lang="en" sz="2400"/>
+              <a:rPr lang="en" sz="2400" dirty="0"/>
               <a:t>Sentiment analysis: daily movements in stock prices impacted by WSB posts</a:t>
             </a:r>
-            <a:endParaRPr sz="2400"/>
+            <a:endParaRPr sz="2400" dirty="0"/>
           </a:p>
           <a:p>
-            <a:pPr indent="0" lvl="0" marL="457200" rtl="0" algn="l">
+            <a:pPr marL="914400" lvl="0" indent="-457200" algn="l" rtl="0">
               <a:lnSpc>
                 <a:spcPct val="115000"/>
               </a:lnSpc>
@@ -8183,15 +8660,13 @@
               <a:spcAft>
                 <a:spcPts val="0"/>
               </a:spcAft>
-              <a:buNone/>
+              <a:buFont typeface="+mj-lt"/>
+              <a:buAutoNum type="arabicPeriod"/>
             </a:pPr>
-            <a:r>
-              <a:t/>
-            </a:r>
-            <a:endParaRPr sz="2400"/>
+            <a:endParaRPr sz="2400" dirty="0"/>
           </a:p>
           <a:p>
-            <a:pPr indent="-346710" lvl="0" marL="457200" rtl="0" algn="l">
+            <a:pPr marL="457200" lvl="0" indent="-346710" algn="l" rtl="0">
               <a:lnSpc>
                 <a:spcPct val="115000"/>
               </a:lnSpc>
@@ -8205,13 +8680,13 @@
               <a:buAutoNum type="arabicPeriod"/>
             </a:pPr>
             <a:r>
-              <a:rPr lang="en" sz="2400"/>
-              <a:t>Returns, betas, and sharpes</a:t>
+              <a:rPr lang="en" sz="2400" dirty="0"/>
+              <a:t>Returns, Betas, and Sharpes</a:t>
             </a:r>
-            <a:endParaRPr sz="2400"/>
+            <a:endParaRPr sz="2400" dirty="0"/>
           </a:p>
           <a:p>
-            <a:pPr indent="0" lvl="0" marL="457200" rtl="0" algn="l">
+            <a:pPr marL="914400" lvl="0" indent="-457200" algn="l" rtl="0">
               <a:lnSpc>
                 <a:spcPct val="115000"/>
               </a:lnSpc>
@@ -8221,15 +8696,13 @@
               <a:spcAft>
                 <a:spcPts val="0"/>
               </a:spcAft>
-              <a:buNone/>
+              <a:buFont typeface="+mj-lt"/>
+              <a:buAutoNum type="arabicPeriod"/>
             </a:pPr>
-            <a:r>
-              <a:t/>
-            </a:r>
-            <a:endParaRPr sz="2400"/>
+            <a:endParaRPr sz="2400" dirty="0"/>
           </a:p>
           <a:p>
-            <a:pPr indent="-346710" lvl="0" marL="457200" rtl="0" algn="l">
+            <a:pPr marL="457200" lvl="0" indent="-346710" algn="l" rtl="0">
               <a:lnSpc>
                 <a:spcPct val="115000"/>
               </a:lnSpc>
@@ -8243,10 +8716,10 @@
               <a:buAutoNum type="arabicPeriod"/>
             </a:pPr>
             <a:r>
-              <a:rPr lang="en" sz="2400"/>
+              <a:rPr lang="en" sz="2400" dirty="0"/>
               <a:t>Who’s next?: Monte Carlo simulation of current hot WSB stocks</a:t>
             </a:r>
-            <a:endParaRPr sz="2400"/>
+            <a:endParaRPr sz="2400" dirty="0"/>
           </a:p>
         </p:txBody>
       </p:sp>
@@ -8259,11 +8732,11 @@
 </file>
 
 <file path=ppt/slides/slide3.xml><?xml version="1.0" encoding="utf-8"?>
-<p:sld xmlns:a="http://schemas.openxmlformats.org/drawingml/2006/main" xmlns:r="http://schemas.openxmlformats.org/officeDocument/2006/relationships" xmlns:mc="http://schemas.openxmlformats.org/markup-compatibility/2006" xmlns:mv="urn:schemas-microsoft-com:mac:vml" xmlns:p="http://schemas.openxmlformats.org/presentationml/2006/main" xmlns:c="http://schemas.openxmlformats.org/drawingml/2006/chart" xmlns:dgm="http://schemas.openxmlformats.org/drawingml/2006/diagram" xmlns:o="urn:schemas-microsoft-com:office:office" xmlns:v="urn:schemas-microsoft-com:vml" xmlns:pvml="urn:schemas-microsoft-com:office:powerpoint" xmlns:com="http://schemas.openxmlformats.org/drawingml/2006/compatibility" xmlns:p14="http://schemas.microsoft.com/office/powerpoint/2010/main" xmlns:p15="http://schemas.microsoft.com/office/powerpoint/2012/main" xmlns:ahyp="http://schemas.microsoft.com/office/drawing/2018/hyperlinkcolor">
+<p:sld xmlns:a="http://schemas.openxmlformats.org/drawingml/2006/main" xmlns:r="http://schemas.openxmlformats.org/officeDocument/2006/relationships" xmlns:p="http://schemas.openxmlformats.org/presentationml/2006/main">
   <p:cSld>
     <p:spTree>
       <p:nvGrpSpPr>
-        <p:cNvPr id="65" name="Shape 65"/>
+        <p:cNvPr id="1" name="Shape 65"/>
         <p:cNvGrpSpPr/>
         <p:nvPr/>
       </p:nvGrpSpPr>
@@ -8278,7 +8751,150 @@
       <p:sp>
         <p:nvSpPr>
           <p:cNvPr id="66" name="Google Shape;66;p15"/>
+          <p:cNvSpPr txBox="1">
+            <a:spLocks noGrp="1"/>
+          </p:cNvSpPr>
+          <p:nvPr>
+            <p:ph type="ctrTitle"/>
+          </p:nvPr>
+        </p:nvSpPr>
+        <p:spPr>
+          <a:xfrm>
+            <a:off x="280800" y="242575"/>
+            <a:ext cx="8520600" cy="630000"/>
+          </a:xfrm>
+          <a:prstGeom prst="rect">
+            <a:avLst/>
+          </a:prstGeom>
+        </p:spPr>
+        <p:txBody>
+          <a:bodyPr spcFirstLastPara="1" wrap="square" lIns="91425" tIns="91425" rIns="91425" bIns="91425" anchor="b" anchorCtr="0">
+            <a:normAutofit/>
+          </a:bodyPr>
+          <a:lstStyle/>
+          <a:p>
+            <a:pPr marL="0" lvl="0" indent="0" algn="ctr" rtl="0">
+              <a:spcBef>
+                <a:spcPts val="0"/>
+              </a:spcBef>
+              <a:spcAft>
+                <a:spcPts val="0"/>
+              </a:spcAft>
+              <a:buNone/>
+            </a:pPr>
+            <a:r>
+              <a:rPr lang="en" sz="2800"/>
+              <a:t>What’s going on with GameStop (GME)?</a:t>
+            </a:r>
+            <a:endParaRPr sz="2800"/>
+          </a:p>
+        </p:txBody>
+      </p:sp>
+      <p:pic>
+        <p:nvPicPr>
+          <p:cNvPr id="67" name="Google Shape;67;p15"/>
+          <p:cNvPicPr preferRelativeResize="0"/>
+          <p:nvPr/>
+        </p:nvPicPr>
+        <p:blipFill>
+          <a:blip r:embed="rId3">
+            <a:alphaModFix/>
+          </a:blip>
+          <a:stretch>
+            <a:fillRect/>
+          </a:stretch>
+        </p:blipFill>
+        <p:spPr>
+          <a:xfrm>
+            <a:off x="583100" y="765225"/>
+            <a:ext cx="7888999" cy="3613075"/>
+          </a:xfrm>
+          <a:prstGeom prst="rect">
+            <a:avLst/>
+          </a:prstGeom>
+          <a:noFill/>
+          <a:ln>
+            <a:noFill/>
+          </a:ln>
+        </p:spPr>
+      </p:pic>
+      <p:sp>
+        <p:nvSpPr>
+          <p:cNvPr id="68" name="Google Shape;68;p15"/>
           <p:cNvSpPr txBox="1"/>
+          <p:nvPr/>
+        </p:nvSpPr>
+        <p:spPr>
+          <a:xfrm>
+            <a:off x="872700" y="4293950"/>
+            <a:ext cx="5939100" cy="400200"/>
+          </a:xfrm>
+          <a:prstGeom prst="rect">
+            <a:avLst/>
+          </a:prstGeom>
+          <a:noFill/>
+          <a:ln>
+            <a:noFill/>
+          </a:ln>
+        </p:spPr>
+        <p:txBody>
+          <a:bodyPr spcFirstLastPara="1" wrap="square" lIns="91425" tIns="91425" rIns="91425" bIns="91425" anchor="t" anchorCtr="0">
+            <a:spAutoFit/>
+          </a:bodyPr>
+          <a:lstStyle/>
+          <a:p>
+            <a:pPr marL="0" lvl="0" indent="0" algn="l" rtl="0">
+              <a:spcBef>
+                <a:spcPts val="0"/>
+              </a:spcBef>
+              <a:spcAft>
+                <a:spcPts val="0"/>
+              </a:spcAft>
+              <a:buNone/>
+            </a:pPr>
+            <a:r>
+              <a:rPr lang="en">
+                <a:solidFill>
+                  <a:schemeClr val="dk1"/>
+                </a:solidFill>
+              </a:rPr>
+              <a:t>Source: Google Finance	Data from 2/13/20 to 2/11/21</a:t>
+            </a:r>
+            <a:endParaRPr/>
+          </a:p>
+        </p:txBody>
+      </p:sp>
+    </p:spTree>
+  </p:cSld>
+  <p:clrMapOvr>
+    <a:masterClrMapping/>
+  </p:clrMapOvr>
+</p:sld>
+</file>
+
+<file path=ppt/slides/slide4.xml><?xml version="1.0" encoding="utf-8"?>
+<p:sld xmlns:a="http://schemas.openxmlformats.org/drawingml/2006/main" xmlns:r="http://schemas.openxmlformats.org/officeDocument/2006/relationships" xmlns:p="http://schemas.openxmlformats.org/presentationml/2006/main">
+  <p:cSld>
+    <p:spTree>
+      <p:nvGrpSpPr>
+        <p:cNvPr id="1" name="Shape 72"/>
+        <p:cNvGrpSpPr/>
+        <p:nvPr/>
+      </p:nvGrpSpPr>
+      <p:grpSpPr>
+        <a:xfrm>
+          <a:off x="0" y="0"/>
+          <a:ext cx="0" cy="0"/>
+          <a:chOff x="0" y="0"/>
+          <a:chExt cx="0" cy="0"/>
+        </a:xfrm>
+      </p:grpSpPr>
+      <p:sp>
+        <p:nvSpPr>
+          <p:cNvPr id="73" name="Google Shape;73;p16"/>
+          <p:cNvSpPr txBox="1">
+            <a:spLocks noGrp="1"/>
+          </p:cNvSpPr>
           <p:nvPr>
             <p:ph type="title"/>
           </p:nvPr>
@@ -8293,12 +8909,12 @@
           </a:prstGeom>
         </p:spPr>
         <p:txBody>
-          <a:bodyPr anchorCtr="0" anchor="t" bIns="91425" lIns="91425" spcFirstLastPara="1" rIns="91425" wrap="square" tIns="91425">
+          <a:bodyPr spcFirstLastPara="1" wrap="square" lIns="91425" tIns="91425" rIns="91425" bIns="91425" anchor="t" anchorCtr="0">
             <a:normAutofit/>
           </a:bodyPr>
           <a:lstStyle/>
           <a:p>
-            <a:pPr indent="0" lvl="0" marL="0" rtl="0" algn="l">
+            <a:pPr marL="0" lvl="0" indent="0" algn="l" rtl="0">
               <a:spcBef>
                 <a:spcPts val="0"/>
               </a:spcBef>
@@ -8314,7 +8930,7 @@
             <a:endParaRPr/>
           </a:p>
           <a:p>
-            <a:pPr indent="0" lvl="0" marL="0" rtl="0" algn="l">
+            <a:pPr marL="0" lvl="0" indent="0" algn="l" rtl="0">
               <a:spcBef>
                 <a:spcPts val="0"/>
               </a:spcBef>
@@ -8328,19 +8944,18 @@
               <a:buFont typeface="Arial"/>
               <a:buNone/>
             </a:pPr>
-            <a:r>
-              <a:t/>
-            </a:r>
             <a:endParaRPr/>
           </a:p>
         </p:txBody>
       </p:sp>
       <p:sp>
         <p:nvSpPr>
-          <p:cNvPr id="67" name="Google Shape;67;p15"/>
-          <p:cNvSpPr txBox="1"/>
+          <p:cNvPr id="74" name="Google Shape;74;p16"/>
+          <p:cNvSpPr txBox="1">
+            <a:spLocks noGrp="1"/>
+          </p:cNvSpPr>
           <p:nvPr>
-            <p:ph idx="1" type="body"/>
+            <p:ph type="body" idx="1"/>
           </p:nvPr>
         </p:nvSpPr>
         <p:spPr>
@@ -8353,12 +8968,12 @@
           </a:prstGeom>
         </p:spPr>
         <p:txBody>
-          <a:bodyPr anchorCtr="0" anchor="t" bIns="91425" lIns="91425" spcFirstLastPara="1" rIns="91425" wrap="square" tIns="91425">
-            <a:normAutofit fontScale="85000" lnSpcReduction="20000"/>
+          <a:bodyPr spcFirstLastPara="1" wrap="square" lIns="91425" tIns="91425" rIns="91425" bIns="91425" anchor="t" anchorCtr="0">
+            <a:normAutofit fontScale="92500" lnSpcReduction="20000"/>
           </a:bodyPr>
           <a:lstStyle/>
           <a:p>
-            <a:pPr indent="0" lvl="0" marL="0" rtl="0" algn="l">
+            <a:pPr marL="0" lvl="0" indent="0" algn="l" rtl="0">
               <a:lnSpc>
                 <a:spcPct val="90000"/>
               </a:lnSpc>
@@ -8381,7 +8996,7 @@
                   <a:schemeClr val="dk1"/>
                 </a:solidFill>
               </a:rPr>
-              <a:t>•Gamestop engages in retail selling video games, consumer electronics and merchandise related to video games in United States, Canada, &amp; Europe</a:t>
+              <a:t>•GameStop engages in retail selling video games, consumer electronics and merchandise related to video games in United States, Canada, &amp; Europe</a:t>
             </a:r>
             <a:endParaRPr sz="1900">
               <a:solidFill>
@@ -8390,7 +9005,7 @@
             </a:endParaRPr>
           </a:p>
           <a:p>
-            <a:pPr indent="0" lvl="0" marL="0" rtl="0" algn="l">
+            <a:pPr marL="0" lvl="0" indent="0" algn="l" rtl="0">
               <a:lnSpc>
                 <a:spcPct val="90000"/>
               </a:lnSpc>
@@ -8422,7 +9037,7 @@
             </a:endParaRPr>
           </a:p>
           <a:p>
-            <a:pPr indent="0" lvl="0" marL="0" rtl="0" algn="l">
+            <a:pPr marL="0" lvl="0" indent="0" algn="l" rtl="0">
               <a:lnSpc>
                 <a:spcPct val="90000"/>
               </a:lnSpc>
@@ -8454,7 +9069,7 @@
             </a:endParaRPr>
           </a:p>
           <a:p>
-            <a:pPr indent="0" lvl="0" marL="0" rtl="0" algn="l">
+            <a:pPr marL="0" lvl="0" indent="0" algn="l" rtl="0">
               <a:lnSpc>
                 <a:spcPct val="90000"/>
               </a:lnSpc>
@@ -8486,7 +9101,7 @@
             </a:endParaRPr>
           </a:p>
           <a:p>
-            <a:pPr indent="0" lvl="0" marL="0" rtl="0" algn="l">
+            <a:pPr marL="0" lvl="0" indent="0" algn="l" rtl="0">
               <a:lnSpc>
                 <a:spcPct val="90000"/>
               </a:lnSpc>
@@ -8518,7 +9133,7 @@
             </a:endParaRPr>
           </a:p>
           <a:p>
-            <a:pPr indent="0" lvl="0" marL="0" rtl="0" algn="l">
+            <a:pPr marL="0" lvl="0" indent="0" algn="l" rtl="0">
               <a:lnSpc>
                 <a:spcPct val="90000"/>
               </a:lnSpc>
@@ -8541,7 +9156,7 @@
                   <a:schemeClr val="dk1"/>
                 </a:solidFill>
               </a:rPr>
-              <a:t>•Immersion to esports Gamestop Performance Center</a:t>
+              <a:t>•Immersion to esports GameStop Performance Center</a:t>
             </a:r>
             <a:endParaRPr sz="1900">
               <a:solidFill>
@@ -8550,7 +9165,7 @@
             </a:endParaRPr>
           </a:p>
           <a:p>
-            <a:pPr indent="0" lvl="0" marL="0" rtl="0" algn="l">
+            <a:pPr marL="0" lvl="0" indent="0" algn="l" rtl="0">
               <a:spcBef>
                 <a:spcPts val="0"/>
               </a:spcBef>
@@ -8559,16 +9174,13 @@
               </a:spcAft>
               <a:buNone/>
             </a:pPr>
-            <a:r>
-              <a:t/>
-            </a:r>
             <a:endParaRPr/>
           </a:p>
         </p:txBody>
       </p:sp>
       <p:pic>
         <p:nvPicPr>
-          <p:cNvPr id="68" name="Google Shape;68;p15"/>
+          <p:cNvPr id="75" name="Google Shape;75;p16"/>
           <p:cNvPicPr preferRelativeResize="0"/>
           <p:nvPr/>
         </p:nvPicPr>
@@ -8596,7 +9208,7 @@
       </p:pic>
       <p:sp>
         <p:nvSpPr>
-          <p:cNvPr id="69" name="Google Shape;69;p15"/>
+          <p:cNvPr id="76" name="Google Shape;76;p16"/>
           <p:cNvSpPr txBox="1"/>
           <p:nvPr/>
         </p:nvSpPr>
@@ -8614,12 +9226,12 @@
           </a:ln>
         </p:spPr>
         <p:txBody>
-          <a:bodyPr anchorCtr="0" anchor="t" bIns="91425" lIns="91425" spcFirstLastPara="1" rIns="91425" wrap="square" tIns="91425">
+          <a:bodyPr spcFirstLastPara="1" wrap="square" lIns="91425" tIns="91425" rIns="91425" bIns="91425" anchor="t" anchorCtr="0">
             <a:spAutoFit/>
           </a:bodyPr>
           <a:lstStyle/>
           <a:p>
-            <a:pPr indent="0" lvl="0" marL="0" rtl="0" algn="l">
+            <a:pPr marL="0" lvl="0" indent="0" algn="l" rtl="0">
               <a:lnSpc>
                 <a:spcPct val="115000"/>
               </a:lnSpc>
@@ -8637,7 +9249,7 @@
                   <a:schemeClr val="dk1"/>
                 </a:solidFill>
               </a:rPr>
-              <a:t>Sources: Gamestop, Seeking Alpha, Bloomberg</a:t>
+              <a:t>Sources: GameStop, Seeking Alpha, Bloomberg</a:t>
             </a:r>
             <a:endParaRPr>
               <a:solidFill>
@@ -8649,7 +9261,7 @@
       </p:sp>
       <p:sp>
         <p:nvSpPr>
-          <p:cNvPr id="70" name="Google Shape;70;p15"/>
+          <p:cNvPr id="77" name="Google Shape;77;p16"/>
           <p:cNvSpPr txBox="1"/>
           <p:nvPr/>
         </p:nvSpPr>
@@ -8667,12 +9279,12 @@
           </a:ln>
         </p:spPr>
         <p:txBody>
-          <a:bodyPr anchorCtr="0" anchor="t" bIns="91425" lIns="91425" spcFirstLastPara="1" rIns="91425" wrap="square" tIns="91425">
+          <a:bodyPr spcFirstLastPara="1" wrap="square" lIns="91425" tIns="91425" rIns="91425" bIns="91425" anchor="t" anchorCtr="0">
             <a:spAutoFit/>
           </a:bodyPr>
           <a:lstStyle/>
           <a:p>
-            <a:pPr indent="0" lvl="0" marL="0" rtl="0" algn="l">
+            <a:pPr marL="0" lvl="0" indent="0" algn="l" rtl="0">
               <a:spcBef>
                 <a:spcPts val="0"/>
               </a:spcBef>
@@ -8706,12 +9318,12 @@
 </p:sld>
 </file>
 
-<file path=ppt/slides/slide4.xml><?xml version="1.0" encoding="utf-8"?>
-<p:sld xmlns:a="http://schemas.openxmlformats.org/drawingml/2006/main" xmlns:r="http://schemas.openxmlformats.org/officeDocument/2006/relationships" xmlns:mc="http://schemas.openxmlformats.org/markup-compatibility/2006" xmlns:mv="urn:schemas-microsoft-com:mac:vml" xmlns:p="http://schemas.openxmlformats.org/presentationml/2006/main" xmlns:c="http://schemas.openxmlformats.org/drawingml/2006/chart" xmlns:dgm="http://schemas.openxmlformats.org/drawingml/2006/diagram" xmlns:o="urn:schemas-microsoft-com:office:office" xmlns:v="urn:schemas-microsoft-com:vml" xmlns:pvml="urn:schemas-microsoft-com:office:powerpoint" xmlns:com="http://schemas.openxmlformats.org/drawingml/2006/compatibility" xmlns:p14="http://schemas.microsoft.com/office/powerpoint/2010/main" xmlns:p15="http://schemas.microsoft.com/office/powerpoint/2012/main" xmlns:ahyp="http://schemas.microsoft.com/office/drawing/2018/hyperlinkcolor">
+<file path=ppt/slides/slide5.xml><?xml version="1.0" encoding="utf-8"?>
+<p:sld xmlns:a="http://schemas.openxmlformats.org/drawingml/2006/main" xmlns:r="http://schemas.openxmlformats.org/officeDocument/2006/relationships" xmlns:p="http://schemas.openxmlformats.org/presentationml/2006/main">
   <p:cSld>
     <p:spTree>
       <p:nvGrpSpPr>
-        <p:cNvPr id="74" name="Shape 74"/>
+        <p:cNvPr id="1" name="Shape 81"/>
         <p:cNvGrpSpPr/>
         <p:nvPr/>
       </p:nvGrpSpPr>
@@ -8725,7 +9337,7 @@
       </p:grpSpPr>
       <p:pic>
         <p:nvPicPr>
-          <p:cNvPr id="75" name="Google Shape;75;p16"/>
+          <p:cNvPr id="82" name="Google Shape;82;p17"/>
           <p:cNvPicPr preferRelativeResize="0"/>
           <p:nvPr/>
         </p:nvPicPr>
@@ -8753,7 +9365,7 @@
       </p:pic>
       <p:sp>
         <p:nvSpPr>
-          <p:cNvPr id="76" name="Google Shape;76;p16"/>
+          <p:cNvPr id="83" name="Google Shape;83;p17"/>
           <p:cNvSpPr txBox="1"/>
           <p:nvPr/>
         </p:nvSpPr>
@@ -8771,107 +9383,12 @@
           </a:ln>
         </p:spPr>
         <p:txBody>
-          <a:bodyPr anchorCtr="0" anchor="t" bIns="91425" lIns="91425" spcFirstLastPara="1" rIns="91425" wrap="square" tIns="91425">
+          <a:bodyPr spcFirstLastPara="1" wrap="square" lIns="91425" tIns="91425" rIns="91425" bIns="91425" anchor="t" anchorCtr="0">
             <a:spAutoFit/>
           </a:bodyPr>
           <a:lstStyle/>
           <a:p>
-            <a:pPr indent="0" lvl="0" marL="0" rtl="0" algn="l">
-              <a:spcBef>
-                <a:spcPts val="0"/>
-              </a:spcBef>
-              <a:spcAft>
-                <a:spcPts val="0"/>
-              </a:spcAft>
-              <a:buNone/>
-            </a:pPr>
-            <a:r>
-              <a:rPr lang="en"/>
-              <a:t>Source: Bloomberg</a:t>
-            </a:r>
-            <a:endParaRPr/>
-          </a:p>
-        </p:txBody>
-      </p:sp>
-    </p:spTree>
-  </p:cSld>
-  <p:clrMapOvr>
-    <a:masterClrMapping/>
-  </p:clrMapOvr>
-</p:sld>
-</file>
-
-<file path=ppt/slides/slide5.xml><?xml version="1.0" encoding="utf-8"?>
-<p:sld xmlns:a="http://schemas.openxmlformats.org/drawingml/2006/main" xmlns:r="http://schemas.openxmlformats.org/officeDocument/2006/relationships" xmlns:mc="http://schemas.openxmlformats.org/markup-compatibility/2006" xmlns:mv="urn:schemas-microsoft-com:mac:vml" xmlns:p="http://schemas.openxmlformats.org/presentationml/2006/main" xmlns:c="http://schemas.openxmlformats.org/drawingml/2006/chart" xmlns:dgm="http://schemas.openxmlformats.org/drawingml/2006/diagram" xmlns:o="urn:schemas-microsoft-com:office:office" xmlns:v="urn:schemas-microsoft-com:vml" xmlns:pvml="urn:schemas-microsoft-com:office:powerpoint" xmlns:com="http://schemas.openxmlformats.org/drawingml/2006/compatibility" xmlns:p14="http://schemas.microsoft.com/office/powerpoint/2010/main" xmlns:p15="http://schemas.microsoft.com/office/powerpoint/2012/main" xmlns:ahyp="http://schemas.microsoft.com/office/drawing/2018/hyperlinkcolor">
-  <p:cSld>
-    <p:spTree>
-      <p:nvGrpSpPr>
-        <p:cNvPr id="80" name="Shape 80"/>
-        <p:cNvGrpSpPr/>
-        <p:nvPr/>
-      </p:nvGrpSpPr>
-      <p:grpSpPr>
-        <a:xfrm>
-          <a:off x="0" y="0"/>
-          <a:ext cx="0" cy="0"/>
-          <a:chOff x="0" y="0"/>
-          <a:chExt cx="0" cy="0"/>
-        </a:xfrm>
-      </p:grpSpPr>
-      <p:pic>
-        <p:nvPicPr>
-          <p:cNvPr id="81" name="Google Shape;81;p17"/>
-          <p:cNvPicPr preferRelativeResize="0"/>
-          <p:nvPr/>
-        </p:nvPicPr>
-        <p:blipFill>
-          <a:blip r:embed="rId3">
-            <a:alphaModFix/>
-          </a:blip>
-          <a:stretch>
-            <a:fillRect/>
-          </a:stretch>
-        </p:blipFill>
-        <p:spPr>
-          <a:xfrm>
-            <a:off x="227575" y="254850"/>
-            <a:ext cx="8839200" cy="4185850"/>
-          </a:xfrm>
-          <a:prstGeom prst="rect">
-            <a:avLst/>
-          </a:prstGeom>
-          <a:noFill/>
-          <a:ln>
-            <a:noFill/>
-          </a:ln>
-        </p:spPr>
-      </p:pic>
-      <p:sp>
-        <p:nvSpPr>
-          <p:cNvPr id="82" name="Google Shape;82;p17"/>
-          <p:cNvSpPr txBox="1"/>
-          <p:nvPr/>
-        </p:nvSpPr>
-        <p:spPr>
-          <a:xfrm>
-            <a:off x="370700" y="4371200"/>
-            <a:ext cx="3475200" cy="400200"/>
-          </a:xfrm>
-          <a:prstGeom prst="rect">
-            <a:avLst/>
-          </a:prstGeom>
-          <a:noFill/>
-          <a:ln>
-            <a:noFill/>
-          </a:ln>
-        </p:spPr>
-        <p:txBody>
-          <a:bodyPr anchorCtr="0" anchor="t" bIns="91425" lIns="91425" spcFirstLastPara="1" rIns="91425" wrap="square" tIns="91425">
-            <a:spAutoFit/>
-          </a:bodyPr>
-          <a:lstStyle/>
-          <a:p>
-            <a:pPr indent="0" lvl="0" marL="0" rtl="0" algn="l">
+            <a:pPr marL="0" lvl="0" indent="0" algn="l" rtl="0">
               <a:spcBef>
                 <a:spcPts val="0"/>
               </a:spcBef>
@@ -8897,11 +9414,11 @@
 </file>
 
 <file path=ppt/slides/slide6.xml><?xml version="1.0" encoding="utf-8"?>
-<p:sld xmlns:a="http://schemas.openxmlformats.org/drawingml/2006/main" xmlns:r="http://schemas.openxmlformats.org/officeDocument/2006/relationships" xmlns:mc="http://schemas.openxmlformats.org/markup-compatibility/2006" xmlns:mv="urn:schemas-microsoft-com:mac:vml" xmlns:p="http://schemas.openxmlformats.org/presentationml/2006/main" xmlns:c="http://schemas.openxmlformats.org/drawingml/2006/chart" xmlns:dgm="http://schemas.openxmlformats.org/drawingml/2006/diagram" xmlns:o="urn:schemas-microsoft-com:office:office" xmlns:v="urn:schemas-microsoft-com:vml" xmlns:pvml="urn:schemas-microsoft-com:office:powerpoint" xmlns:com="http://schemas.openxmlformats.org/drawingml/2006/compatibility" xmlns:p14="http://schemas.microsoft.com/office/powerpoint/2010/main" xmlns:p15="http://schemas.microsoft.com/office/powerpoint/2012/main" xmlns:ahyp="http://schemas.microsoft.com/office/drawing/2018/hyperlinkcolor">
+<p:sld xmlns:a="http://schemas.openxmlformats.org/drawingml/2006/main" xmlns:r="http://schemas.openxmlformats.org/officeDocument/2006/relationships" xmlns:p="http://schemas.openxmlformats.org/presentationml/2006/main">
   <p:cSld>
     <p:spTree>
       <p:nvGrpSpPr>
-        <p:cNvPr id="86" name="Shape 86"/>
+        <p:cNvPr id="1" name="Shape 87"/>
         <p:cNvGrpSpPr/>
         <p:nvPr/>
       </p:nvGrpSpPr>
@@ -8915,7 +9432,7 @@
       </p:grpSpPr>
       <p:pic>
         <p:nvPicPr>
-          <p:cNvPr id="87" name="Google Shape;87;p18"/>
+          <p:cNvPr id="88" name="Google Shape;88;p18"/>
           <p:cNvPicPr preferRelativeResize="0"/>
           <p:nvPr/>
         </p:nvPicPr>
@@ -8929,8 +9446,8 @@
         </p:blipFill>
         <p:spPr>
           <a:xfrm>
-            <a:off x="152400" y="299150"/>
-            <a:ext cx="8839200" cy="4272875"/>
+            <a:off x="227575" y="254850"/>
+            <a:ext cx="8839200" cy="4185850"/>
           </a:xfrm>
           <a:prstGeom prst="rect">
             <a:avLst/>
@@ -8943,7 +9460,7 @@
       </p:pic>
       <p:sp>
         <p:nvSpPr>
-          <p:cNvPr id="88" name="Google Shape;88;p18"/>
+          <p:cNvPr id="89" name="Google Shape;89;p18"/>
           <p:cNvSpPr txBox="1"/>
           <p:nvPr/>
         </p:nvSpPr>
@@ -8961,12 +9478,12 @@
           </a:ln>
         </p:spPr>
         <p:txBody>
-          <a:bodyPr anchorCtr="0" anchor="t" bIns="91425" lIns="91425" spcFirstLastPara="1" rIns="91425" wrap="square" tIns="91425">
+          <a:bodyPr spcFirstLastPara="1" wrap="square" lIns="91425" tIns="91425" rIns="91425" bIns="91425" anchor="t" anchorCtr="0">
             <a:spAutoFit/>
           </a:bodyPr>
           <a:lstStyle/>
           <a:p>
-            <a:pPr indent="0" lvl="0" marL="0" rtl="0" algn="l">
+            <a:pPr marL="0" lvl="0" indent="0" algn="l" rtl="0">
               <a:spcBef>
                 <a:spcPts val="0"/>
               </a:spcBef>
@@ -8992,11 +9509,11 @@
 </file>
 
 <file path=ppt/slides/slide7.xml><?xml version="1.0" encoding="utf-8"?>
-<p:sld xmlns:a="http://schemas.openxmlformats.org/drawingml/2006/main" xmlns:r="http://schemas.openxmlformats.org/officeDocument/2006/relationships" xmlns:mc="http://schemas.openxmlformats.org/markup-compatibility/2006" xmlns:mv="urn:schemas-microsoft-com:mac:vml" xmlns:p="http://schemas.openxmlformats.org/presentationml/2006/main" xmlns:c="http://schemas.openxmlformats.org/drawingml/2006/chart" xmlns:dgm="http://schemas.openxmlformats.org/drawingml/2006/diagram" xmlns:o="urn:schemas-microsoft-com:office:office" xmlns:v="urn:schemas-microsoft-com:vml" xmlns:pvml="urn:schemas-microsoft-com:office:powerpoint" xmlns:com="http://schemas.openxmlformats.org/drawingml/2006/compatibility" xmlns:p14="http://schemas.microsoft.com/office/powerpoint/2010/main" xmlns:p15="http://schemas.microsoft.com/office/powerpoint/2012/main" xmlns:ahyp="http://schemas.microsoft.com/office/drawing/2018/hyperlinkcolor">
+<p:sld xmlns:a="http://schemas.openxmlformats.org/drawingml/2006/main" xmlns:r="http://schemas.openxmlformats.org/officeDocument/2006/relationships" xmlns:p="http://schemas.openxmlformats.org/presentationml/2006/main">
   <p:cSld>
     <p:spTree>
       <p:nvGrpSpPr>
-        <p:cNvPr id="92" name="Shape 92"/>
+        <p:cNvPr id="1" name="Shape 93"/>
         <p:cNvGrpSpPr/>
         <p:nvPr/>
       </p:nvGrpSpPr>
@@ -9008,91 +9525,9 @@
           <a:chExt cx="0" cy="0"/>
         </a:xfrm>
       </p:grpSpPr>
-      <p:sp>
-        <p:nvSpPr>
-          <p:cNvPr id="93" name="Google Shape;93;p19"/>
-          <p:cNvSpPr txBox="1"/>
-          <p:nvPr>
-            <p:ph type="title"/>
-          </p:nvPr>
-        </p:nvSpPr>
-        <p:spPr>
-          <a:xfrm>
-            <a:off x="311700" y="445025"/>
-            <a:ext cx="8520600" cy="572700"/>
-          </a:xfrm>
-          <a:prstGeom prst="rect">
-            <a:avLst/>
-          </a:prstGeom>
-        </p:spPr>
-        <p:txBody>
-          <a:bodyPr anchorCtr="0" anchor="t" bIns="91425" lIns="91425" spcFirstLastPara="1" rIns="91425" wrap="square" tIns="91425">
-            <a:normAutofit fontScale="90000"/>
-          </a:bodyPr>
-          <a:lstStyle/>
-          <a:p>
-            <a:pPr indent="0" lvl="0" marL="0" rtl="0" algn="l">
-              <a:spcBef>
-                <a:spcPts val="0"/>
-              </a:spcBef>
-              <a:spcAft>
-                <a:spcPts val="0"/>
-              </a:spcAft>
-              <a:buNone/>
-            </a:pPr>
-            <a:r>
-              <a:rPr lang="en"/>
-              <a:t>Technical Setup: large hedge fund short</a:t>
-            </a:r>
-            <a:endParaRPr/>
-          </a:p>
-        </p:txBody>
-      </p:sp>
-      <p:sp>
-        <p:nvSpPr>
-          <p:cNvPr id="94" name="Google Shape;94;p19"/>
-          <p:cNvSpPr txBox="1"/>
-          <p:nvPr/>
-        </p:nvSpPr>
-        <p:spPr>
-          <a:xfrm>
-            <a:off x="370700" y="4371200"/>
-            <a:ext cx="3475200" cy="400200"/>
-          </a:xfrm>
-          <a:prstGeom prst="rect">
-            <a:avLst/>
-          </a:prstGeom>
-          <a:noFill/>
-          <a:ln>
-            <a:noFill/>
-          </a:ln>
-        </p:spPr>
-        <p:txBody>
-          <a:bodyPr anchorCtr="0" anchor="t" bIns="91425" lIns="91425" spcFirstLastPara="1" rIns="91425" wrap="square" tIns="91425">
-            <a:spAutoFit/>
-          </a:bodyPr>
-          <a:lstStyle/>
-          <a:p>
-            <a:pPr indent="0" lvl="0" marL="0" rtl="0" algn="l">
-              <a:spcBef>
-                <a:spcPts val="0"/>
-              </a:spcBef>
-              <a:spcAft>
-                <a:spcPts val="0"/>
-              </a:spcAft>
-              <a:buNone/>
-            </a:pPr>
-            <a:r>
-              <a:rPr lang="en"/>
-              <a:t>Source: Bloomberg</a:t>
-            </a:r>
-            <a:endParaRPr/>
-          </a:p>
-        </p:txBody>
-      </p:sp>
       <p:pic>
         <p:nvPicPr>
-          <p:cNvPr id="95" name="Google Shape;95;p19"/>
+          <p:cNvPr id="94" name="Google Shape;94;p19"/>
           <p:cNvPicPr preferRelativeResize="0"/>
           <p:nvPr/>
         </p:nvPicPr>
@@ -9106,8 +9541,8 @@
         </p:blipFill>
         <p:spPr>
           <a:xfrm>
-            <a:off x="641000" y="1017725"/>
-            <a:ext cx="7607124" cy="3260800"/>
+            <a:off x="152400" y="299150"/>
+            <a:ext cx="8839200" cy="4272875"/>
           </a:xfrm>
           <a:prstGeom prst="rect">
             <a:avLst/>
@@ -9118,6 +9553,48 @@
           </a:ln>
         </p:spPr>
       </p:pic>
+      <p:sp>
+        <p:nvSpPr>
+          <p:cNvPr id="95" name="Google Shape;95;p19"/>
+          <p:cNvSpPr txBox="1"/>
+          <p:nvPr/>
+        </p:nvSpPr>
+        <p:spPr>
+          <a:xfrm>
+            <a:off x="370700" y="4371200"/>
+            <a:ext cx="3475200" cy="400200"/>
+          </a:xfrm>
+          <a:prstGeom prst="rect">
+            <a:avLst/>
+          </a:prstGeom>
+          <a:noFill/>
+          <a:ln>
+            <a:noFill/>
+          </a:ln>
+        </p:spPr>
+        <p:txBody>
+          <a:bodyPr spcFirstLastPara="1" wrap="square" lIns="91425" tIns="91425" rIns="91425" bIns="91425" anchor="t" anchorCtr="0">
+            <a:spAutoFit/>
+          </a:bodyPr>
+          <a:lstStyle/>
+          <a:p>
+            <a:pPr marL="0" lvl="0" indent="0" algn="l" rtl="0">
+              <a:spcBef>
+                <a:spcPts val="0"/>
+              </a:spcBef>
+              <a:spcAft>
+                <a:spcPts val="0"/>
+              </a:spcAft>
+              <a:buNone/>
+            </a:pPr>
+            <a:r>
+              <a:rPr lang="en"/>
+              <a:t>Source: Bloomberg</a:t>
+            </a:r>
+            <a:endParaRPr/>
+          </a:p>
+        </p:txBody>
+      </p:sp>
     </p:spTree>
   </p:cSld>
   <p:clrMapOvr>
@@ -9127,11 +9604,11 @@
 </file>
 
 <file path=ppt/slides/slide8.xml><?xml version="1.0" encoding="utf-8"?>
-<p:sld xmlns:a="http://schemas.openxmlformats.org/drawingml/2006/main" xmlns:r="http://schemas.openxmlformats.org/officeDocument/2006/relationships" xmlns:mc="http://schemas.openxmlformats.org/markup-compatibility/2006" xmlns:mv="urn:schemas-microsoft-com:mac:vml" xmlns:p="http://schemas.openxmlformats.org/presentationml/2006/main" xmlns:c="http://schemas.openxmlformats.org/drawingml/2006/chart" xmlns:dgm="http://schemas.openxmlformats.org/drawingml/2006/diagram" xmlns:o="urn:schemas-microsoft-com:office:office" xmlns:v="urn:schemas-microsoft-com:vml" xmlns:pvml="urn:schemas-microsoft-com:office:powerpoint" xmlns:com="http://schemas.openxmlformats.org/drawingml/2006/compatibility" xmlns:p14="http://schemas.microsoft.com/office/powerpoint/2010/main" xmlns:p15="http://schemas.microsoft.com/office/powerpoint/2012/main" xmlns:ahyp="http://schemas.microsoft.com/office/drawing/2018/hyperlinkcolor">
+<p:sld xmlns:a="http://schemas.openxmlformats.org/drawingml/2006/main" xmlns:r="http://schemas.openxmlformats.org/officeDocument/2006/relationships" xmlns:p="http://schemas.openxmlformats.org/presentationml/2006/main">
   <p:cSld>
     <p:spTree>
       <p:nvGrpSpPr>
-        <p:cNvPr id="99" name="Shape 99"/>
+        <p:cNvPr id="1" name="Shape 99"/>
         <p:cNvGrpSpPr/>
         <p:nvPr/>
       </p:nvGrpSpPr>
@@ -9146,14 +9623,16 @@
       <p:sp>
         <p:nvSpPr>
           <p:cNvPr id="100" name="Google Shape;100;p20"/>
-          <p:cNvSpPr txBox="1"/>
+          <p:cNvSpPr txBox="1">
+            <a:spLocks noGrp="1"/>
+          </p:cNvSpPr>
           <p:nvPr>
             <p:ph type="title"/>
           </p:nvPr>
         </p:nvSpPr>
         <p:spPr>
           <a:xfrm>
-            <a:off x="541275" y="197900"/>
+            <a:off x="311700" y="445025"/>
             <a:ext cx="8520600" cy="572700"/>
           </a:xfrm>
           <a:prstGeom prst="rect">
@@ -9161,12 +9640,12 @@
           </a:prstGeom>
         </p:spPr>
         <p:txBody>
-          <a:bodyPr anchorCtr="0" anchor="t" bIns="91425" lIns="91425" spcFirstLastPara="1" rIns="91425" wrap="square" tIns="91425">
+          <a:bodyPr spcFirstLastPara="1" wrap="square" lIns="91425" tIns="91425" rIns="91425" bIns="91425" anchor="t" anchorCtr="0">
             <a:normAutofit fontScale="90000"/>
           </a:bodyPr>
           <a:lstStyle/>
           <a:p>
-            <a:pPr indent="0" lvl="0" marL="0" rtl="0" algn="l">
+            <a:pPr marL="0" lvl="0" indent="0" algn="l" rtl="0">
               <a:spcBef>
                 <a:spcPts val="0"/>
               </a:spcBef>
@@ -9177,7 +9656,49 @@
             </a:pPr>
             <a:r>
               <a:rPr lang="en"/>
-              <a:t>Analyzing Reddit’s wallstreetbets forum</a:t>
+              <a:t>Technical Setup: large hedge fund short</a:t>
+            </a:r>
+            <a:endParaRPr/>
+          </a:p>
+        </p:txBody>
+      </p:sp>
+      <p:sp>
+        <p:nvSpPr>
+          <p:cNvPr id="101" name="Google Shape;101;p20"/>
+          <p:cNvSpPr txBox="1"/>
+          <p:nvPr/>
+        </p:nvSpPr>
+        <p:spPr>
+          <a:xfrm>
+            <a:off x="370700" y="4371200"/>
+            <a:ext cx="3475200" cy="400200"/>
+          </a:xfrm>
+          <a:prstGeom prst="rect">
+            <a:avLst/>
+          </a:prstGeom>
+          <a:noFill/>
+          <a:ln>
+            <a:noFill/>
+          </a:ln>
+        </p:spPr>
+        <p:txBody>
+          <a:bodyPr spcFirstLastPara="1" wrap="square" lIns="91425" tIns="91425" rIns="91425" bIns="91425" anchor="t" anchorCtr="0">
+            <a:spAutoFit/>
+          </a:bodyPr>
+          <a:lstStyle/>
+          <a:p>
+            <a:pPr marL="0" lvl="0" indent="0" algn="l" rtl="0">
+              <a:spcBef>
+                <a:spcPts val="0"/>
+              </a:spcBef>
+              <a:spcAft>
+                <a:spcPts val="0"/>
+              </a:spcAft>
+              <a:buNone/>
+            </a:pPr>
+            <a:r>
+              <a:rPr lang="en"/>
+              <a:t>Source: Bloomberg</a:t>
             </a:r>
             <a:endParaRPr/>
           </a:p>
@@ -9185,7 +9706,7 @@
       </p:sp>
       <p:pic>
         <p:nvPicPr>
-          <p:cNvPr id="101" name="Google Shape;101;p20"/>
+          <p:cNvPr id="102" name="Google Shape;102;p20"/>
           <p:cNvPicPr preferRelativeResize="0"/>
           <p:nvPr/>
         </p:nvPicPr>
@@ -9199,8 +9720,8 @@
         </p:blipFill>
         <p:spPr>
           <a:xfrm>
-            <a:off x="541275" y="770600"/>
-            <a:ext cx="7814974" cy="3820975"/>
+            <a:off x="641000" y="1017725"/>
+            <a:ext cx="7607124" cy="3260800"/>
           </a:xfrm>
           <a:prstGeom prst="rect">
             <a:avLst/>
@@ -9211,48 +9732,39 @@
           </a:ln>
         </p:spPr>
       </p:pic>
-      <p:sp>
-        <p:nvSpPr>
-          <p:cNvPr id="102" name="Google Shape;102;p20"/>
-          <p:cNvSpPr txBox="1"/>
+      <p:cxnSp>
+        <p:nvCxnSpPr>
+          <p:cNvPr id="103" name="Google Shape;103;p20"/>
+          <p:cNvCxnSpPr/>
           <p:nvPr/>
-        </p:nvSpPr>
-        <p:spPr>
-          <a:xfrm>
-            <a:off x="541275" y="4487050"/>
-            <a:ext cx="8062200" cy="400200"/>
-          </a:xfrm>
-          <a:prstGeom prst="rect">
+        </p:nvCxnSpPr>
+        <p:spPr>
+          <a:xfrm rot="10800000" flipH="1">
+            <a:off x="5660950" y="1892125"/>
+            <a:ext cx="1336200" cy="301200"/>
+          </a:xfrm>
+          <a:prstGeom prst="straightConnector1">
             <a:avLst/>
           </a:prstGeom>
           <a:noFill/>
-          <a:ln>
-            <a:noFill/>
+          <a:ln w="9525" cap="flat" cmpd="sng">
+            <a:solidFill>
+              <a:schemeClr val="dk2"/>
+            </a:solidFill>
+            <a:prstDash val="solid"/>
+            <a:round/>
+            <a:headEnd type="none" w="med" len="med"/>
+            <a:tailEnd type="triangle" w="med" len="med"/>
           </a:ln>
-        </p:spPr>
-        <p:txBody>
-          <a:bodyPr anchorCtr="0" anchor="t" bIns="91425" lIns="91425" spcFirstLastPara="1" rIns="91425" wrap="square" tIns="91425">
-            <a:spAutoFit/>
-          </a:bodyPr>
-          <a:lstStyle/>
-          <a:p>
-            <a:pPr indent="0" lvl="0" marL="0" rtl="0" algn="l">
-              <a:spcBef>
-                <a:spcPts val="0"/>
-              </a:spcBef>
-              <a:spcAft>
-                <a:spcPts val="0"/>
-              </a:spcAft>
-              <a:buNone/>
-            </a:pPr>
-            <a:r>
-              <a:rPr lang="en"/>
-              <a:t>Sources: Reddit, Kaggle	Python package: wordcloud		Data from 1/15/21 to 2/10/21</a:t>
-            </a:r>
-            <a:endParaRPr/>
-          </a:p>
-        </p:txBody>
-      </p:sp>
+          <a:effectLst>
+            <a:outerShdw blurRad="57150" dist="19050" dir="5400000" algn="bl" rotWithShape="0">
+              <a:srgbClr val="000000">
+                <a:alpha val="40000"/>
+              </a:srgbClr>
+            </a:outerShdw>
+          </a:effectLst>
+        </p:spPr>
+      </p:cxnSp>
     </p:spTree>
   </p:cSld>
   <p:clrMapOvr>
@@ -9262,11 +9774,11 @@
 </file>
 
 <file path=ppt/slides/slide9.xml><?xml version="1.0" encoding="utf-8"?>
-<p:sld xmlns:a="http://schemas.openxmlformats.org/drawingml/2006/main" xmlns:r="http://schemas.openxmlformats.org/officeDocument/2006/relationships" xmlns:mc="http://schemas.openxmlformats.org/markup-compatibility/2006" xmlns:mv="urn:schemas-microsoft-com:mac:vml" xmlns:p="http://schemas.openxmlformats.org/presentationml/2006/main" xmlns:c="http://schemas.openxmlformats.org/drawingml/2006/chart" xmlns:dgm="http://schemas.openxmlformats.org/drawingml/2006/diagram" xmlns:o="urn:schemas-microsoft-com:office:office" xmlns:v="urn:schemas-microsoft-com:vml" xmlns:pvml="urn:schemas-microsoft-com:office:powerpoint" xmlns:com="http://schemas.openxmlformats.org/drawingml/2006/compatibility" xmlns:p14="http://schemas.microsoft.com/office/powerpoint/2010/main" xmlns:p15="http://schemas.microsoft.com/office/powerpoint/2012/main" xmlns:ahyp="http://schemas.microsoft.com/office/drawing/2018/hyperlinkcolor">
+<p:sld xmlns:a="http://schemas.openxmlformats.org/drawingml/2006/main" xmlns:r="http://schemas.openxmlformats.org/officeDocument/2006/relationships" xmlns:p="http://schemas.openxmlformats.org/presentationml/2006/main">
   <p:cSld>
     <p:spTree>
       <p:nvGrpSpPr>
-        <p:cNvPr id="106" name="Shape 106"/>
+        <p:cNvPr id="1" name="Shape 107"/>
         <p:cNvGrpSpPr/>
         <p:nvPr/>
       </p:nvGrpSpPr>
@@ -9280,8 +9792,10 @@
       </p:grpSpPr>
       <p:sp>
         <p:nvSpPr>
-          <p:cNvPr id="107" name="Google Shape;107;p21"/>
-          <p:cNvSpPr txBox="1"/>
+          <p:cNvPr id="108" name="Google Shape;108;p21"/>
+          <p:cNvSpPr txBox="1">
+            <a:spLocks noGrp="1"/>
+          </p:cNvSpPr>
           <p:nvPr>
             <p:ph type="title"/>
           </p:nvPr>
@@ -9296,12 +9810,12 @@
           </a:prstGeom>
         </p:spPr>
         <p:txBody>
-          <a:bodyPr anchorCtr="0" anchor="t" bIns="91425" lIns="91425" spcFirstLastPara="1" rIns="91425" wrap="square" tIns="91425">
+          <a:bodyPr spcFirstLastPara="1" wrap="square" lIns="91425" tIns="91425" rIns="91425" bIns="91425" anchor="t" anchorCtr="0">
             <a:normAutofit fontScale="90000"/>
           </a:bodyPr>
           <a:lstStyle/>
           <a:p>
-            <a:pPr indent="0" lvl="0" marL="0" rtl="0" algn="l">
+            <a:pPr marL="0" lvl="0" indent="0" algn="l" rtl="0">
               <a:spcBef>
                 <a:spcPts val="0"/>
               </a:spcBef>
@@ -9320,7 +9834,7 @@
       </p:sp>
       <p:pic>
         <p:nvPicPr>
-          <p:cNvPr id="108" name="Google Shape;108;p21"/>
+          <p:cNvPr id="109" name="Google Shape;109;p21"/>
           <p:cNvPicPr preferRelativeResize="0"/>
           <p:nvPr/>
         </p:nvPicPr>
@@ -9348,14 +9862,14 @@
       </p:pic>
       <p:sp>
         <p:nvSpPr>
-          <p:cNvPr id="109" name="Google Shape;109;p21"/>
+          <p:cNvPr id="110" name="Google Shape;110;p21"/>
           <p:cNvSpPr txBox="1"/>
           <p:nvPr/>
         </p:nvSpPr>
         <p:spPr>
           <a:xfrm>
             <a:off x="579225" y="4355750"/>
-            <a:ext cx="7359900" cy="400200"/>
+            <a:ext cx="8025000" cy="400200"/>
           </a:xfrm>
           <a:prstGeom prst="rect">
             <a:avLst/>
@@ -9366,12 +9880,12 @@
           </a:ln>
         </p:spPr>
         <p:txBody>
-          <a:bodyPr anchorCtr="0" anchor="t" bIns="91425" lIns="91425" spcFirstLastPara="1" rIns="91425" wrap="square" tIns="91425">
+          <a:bodyPr spcFirstLastPara="1" wrap="square" lIns="91425" tIns="91425" rIns="91425" bIns="91425" anchor="t" anchorCtr="0">
             <a:spAutoFit/>
           </a:bodyPr>
           <a:lstStyle/>
           <a:p>
-            <a:pPr indent="0" lvl="0" marL="0" rtl="0" algn="l">
+            <a:pPr marL="0" lvl="0" indent="0" algn="l" rtl="0">
               <a:spcBef>
                 <a:spcPts val="0"/>
               </a:spcBef>
@@ -9382,7 +9896,15 @@
             </a:pPr>
             <a:r>
               <a:rPr lang="en"/>
-              <a:t>Sources: Reddit, Kaggle, Google Finance	Python package: nltk</a:t>
+              <a:t>Sources: Reddit, Kaggle, Google Finance	Python package: nltk	</a:t>
+            </a:r>
+            <a:r>
+              <a:rPr lang="en">
+                <a:solidFill>
+                  <a:schemeClr val="dk1"/>
+                </a:solidFill>
+              </a:rPr>
+              <a:t>Data from 1/15/21 to 2/10/21</a:t>
             </a:r>
             <a:endParaRPr/>
           </a:p>
@@ -9397,7 +9919,7 @@
 </file>
 
 <file path=ppt/theme/theme1.xml><?xml version="1.0" encoding="utf-8"?>
-<a:theme xmlns:a="http://schemas.openxmlformats.org/drawingml/2006/main" xmlns:r="http://schemas.openxmlformats.org/officeDocument/2006/relationships" name="Simple Light">
+<a:theme xmlns:a="http://schemas.openxmlformats.org/drawingml/2006/main" name="Simple Light">
   <a:themeElements>
     <a:clrScheme name="Simple Light">
       <a:dk1>
@@ -9672,11 +10194,13 @@
       </a:bgFillStyleLst>
     </a:fmtScheme>
   </a:themeElements>
+  <a:objectDefaults/>
+  <a:extraClrSchemeLst/>
 </a:theme>
 </file>
 
 <file path=ppt/theme/theme2.xml><?xml version="1.0" encoding="utf-8"?>
-<a:theme xmlns:a="http://schemas.openxmlformats.org/drawingml/2006/main" xmlns:r="http://schemas.openxmlformats.org/officeDocument/2006/relationships">
+<a:theme xmlns:a="http://schemas.openxmlformats.org/drawingml/2006/main">
   <a:themeElements>
     <a:clrScheme name="Default">
       <a:dk1>
@@ -9951,5 +10475,7 @@
       </a:bgFillStyleLst>
     </a:fmtScheme>
   </a:themeElements>
+  <a:objectDefaults/>
+  <a:extraClrSchemeLst/>
 </a:theme>
 </file>
--- a/CF-Project1.pptx
+++ b/CF-Project1.pptx
@@ -1,35 +1,35 @@
 
 <file path=ppt/presentation.xml><?xml version="1.0" encoding="utf-8"?>
-<p:presentation xmlns:a="http://schemas.openxmlformats.org/drawingml/2006/main" xmlns:r="http://schemas.openxmlformats.org/officeDocument/2006/relationships" xmlns:p="http://schemas.openxmlformats.org/presentationml/2006/main" strictFirstAndLastChars="0" saveSubsetFonts="1" autoCompressPictures="0">
+<p:presentation xmlns:a="http://schemas.openxmlformats.org/drawingml/2006/main" xmlns:r="http://schemas.openxmlformats.org/officeDocument/2006/relationships" xmlns:mc="http://schemas.openxmlformats.org/markup-compatibility/2006" xmlns:mv="urn:schemas-microsoft-com:mac:vml" xmlns:p="http://schemas.openxmlformats.org/presentationml/2006/main" xmlns:c="http://schemas.openxmlformats.org/drawingml/2006/chart" xmlns:dgm="http://schemas.openxmlformats.org/drawingml/2006/diagram" xmlns:o="urn:schemas-microsoft-com:office:office" xmlns:v="urn:schemas-microsoft-com:vml" xmlns:pvml="urn:schemas-microsoft-com:office:powerpoint" xmlns:com="http://schemas.openxmlformats.org/drawingml/2006/compatibility" xmlns:p14="http://schemas.microsoft.com/office/powerpoint/2010/main" xmlns:p15="http://schemas.microsoft.com/office/powerpoint/2012/main" xmlns:ahyp="http://schemas.microsoft.com/office/drawing/2018/hyperlinkcolor" autoCompressPictures="0" strictFirstAndLastChars="0" saveSubsetFonts="1">
   <p:sldMasterIdLst>
-    <p:sldMasterId id="2147483659" r:id="rId1"/>
+    <p:sldMasterId id="2147483659" r:id="rId4"/>
   </p:sldMasterIdLst>
   <p:notesMasterIdLst>
-    <p:notesMasterId r:id="rId19"/>
+    <p:notesMasterId r:id="rId5"/>
   </p:notesMasterIdLst>
   <p:sldIdLst>
-    <p:sldId id="256" r:id="rId2"/>
-    <p:sldId id="257" r:id="rId3"/>
-    <p:sldId id="258" r:id="rId4"/>
-    <p:sldId id="259" r:id="rId5"/>
-    <p:sldId id="260" r:id="rId6"/>
-    <p:sldId id="261" r:id="rId7"/>
-    <p:sldId id="262" r:id="rId8"/>
-    <p:sldId id="263" r:id="rId9"/>
-    <p:sldId id="264" r:id="rId10"/>
-    <p:sldId id="265" r:id="rId11"/>
-    <p:sldId id="266" r:id="rId12"/>
-    <p:sldId id="267" r:id="rId13"/>
-    <p:sldId id="268" r:id="rId14"/>
-    <p:sldId id="269" r:id="rId15"/>
-    <p:sldId id="270" r:id="rId16"/>
-    <p:sldId id="271" r:id="rId17"/>
-    <p:sldId id="272" r:id="rId18"/>
+    <p:sldId id="256" r:id="rId6"/>
+    <p:sldId id="257" r:id="rId7"/>
+    <p:sldId id="258" r:id="rId8"/>
+    <p:sldId id="259" r:id="rId9"/>
+    <p:sldId id="260" r:id="rId10"/>
+    <p:sldId id="261" r:id="rId11"/>
+    <p:sldId id="262" r:id="rId12"/>
+    <p:sldId id="263" r:id="rId13"/>
+    <p:sldId id="264" r:id="rId14"/>
+    <p:sldId id="265" r:id="rId15"/>
+    <p:sldId id="266" r:id="rId16"/>
+    <p:sldId id="267" r:id="rId17"/>
+    <p:sldId id="268" r:id="rId18"/>
+    <p:sldId id="269" r:id="rId19"/>
+    <p:sldId id="270" r:id="rId20"/>
+    <p:sldId id="271" r:id="rId21"/>
+    <p:sldId id="272" r:id="rId22"/>
   </p:sldIdLst>
-  <p:sldSz cx="9144000" cy="5143500" type="screen16x9"/>
+  <p:sldSz cy="5143500" cx="9144000"/>
   <p:notesSz cx="6858000" cy="9144000"/>
   <p:defaultTextStyle>
-    <a:defPPr marR="0" lvl="0" algn="l" rtl="0">
+    <a:defPPr lvl="0" marR="0" rtl="0" algn="l">
       <a:lnSpc>
         <a:spcPct val="100000"/>
       </a:lnSpc>
@@ -40,7 +40,7 @@
         <a:spcPts val="0"/>
       </a:spcAft>
     </a:defPPr>
-    <a:lvl1pPr marR="0" lvl="0" algn="l" rtl="0">
+    <a:lvl1pPr lvl="0" marR="0" rtl="0" algn="l">
       <a:lnSpc>
         <a:spcPct val="100000"/>
       </a:lnSpc>
@@ -54,7 +54,7 @@
         <a:srgbClr val="000000"/>
       </a:buClr>
       <a:buFont typeface="Arial"/>
-      <a:defRPr sz="1400" b="0" i="0" u="none" strike="noStrike" cap="none">
+      <a:defRPr b="0" i="0" sz="1400" u="none" cap="none" strike="noStrike">
         <a:solidFill>
           <a:srgbClr val="000000"/>
         </a:solidFill>
@@ -64,7 +64,7 @@
         <a:sym typeface="Arial"/>
       </a:defRPr>
     </a:lvl1pPr>
-    <a:lvl2pPr marR="0" lvl="1" algn="l" rtl="0">
+    <a:lvl2pPr lvl="1" marR="0" rtl="0" algn="l">
       <a:lnSpc>
         <a:spcPct val="100000"/>
       </a:lnSpc>
@@ -78,7 +78,7 @@
         <a:srgbClr val="000000"/>
       </a:buClr>
       <a:buFont typeface="Arial"/>
-      <a:defRPr sz="1400" b="0" i="0" u="none" strike="noStrike" cap="none">
+      <a:defRPr b="0" i="0" sz="1400" u="none" cap="none" strike="noStrike">
         <a:solidFill>
           <a:srgbClr val="000000"/>
         </a:solidFill>
@@ -88,7 +88,7 @@
         <a:sym typeface="Arial"/>
       </a:defRPr>
     </a:lvl2pPr>
-    <a:lvl3pPr marR="0" lvl="2" algn="l" rtl="0">
+    <a:lvl3pPr lvl="2" marR="0" rtl="0" algn="l">
       <a:lnSpc>
         <a:spcPct val="100000"/>
       </a:lnSpc>
@@ -102,7 +102,7 @@
         <a:srgbClr val="000000"/>
       </a:buClr>
       <a:buFont typeface="Arial"/>
-      <a:defRPr sz="1400" b="0" i="0" u="none" strike="noStrike" cap="none">
+      <a:defRPr b="0" i="0" sz="1400" u="none" cap="none" strike="noStrike">
         <a:solidFill>
           <a:srgbClr val="000000"/>
         </a:solidFill>
@@ -112,7 +112,7 @@
         <a:sym typeface="Arial"/>
       </a:defRPr>
     </a:lvl3pPr>
-    <a:lvl4pPr marR="0" lvl="3" algn="l" rtl="0">
+    <a:lvl4pPr lvl="3" marR="0" rtl="0" algn="l">
       <a:lnSpc>
         <a:spcPct val="100000"/>
       </a:lnSpc>
@@ -126,7 +126,7 @@
         <a:srgbClr val="000000"/>
       </a:buClr>
       <a:buFont typeface="Arial"/>
-      <a:defRPr sz="1400" b="0" i="0" u="none" strike="noStrike" cap="none">
+      <a:defRPr b="0" i="0" sz="1400" u="none" cap="none" strike="noStrike">
         <a:solidFill>
           <a:srgbClr val="000000"/>
         </a:solidFill>
@@ -136,7 +136,7 @@
         <a:sym typeface="Arial"/>
       </a:defRPr>
     </a:lvl4pPr>
-    <a:lvl5pPr marR="0" lvl="4" algn="l" rtl="0">
+    <a:lvl5pPr lvl="4" marR="0" rtl="0" algn="l">
       <a:lnSpc>
         <a:spcPct val="100000"/>
       </a:lnSpc>
@@ -150,7 +150,7 @@
         <a:srgbClr val="000000"/>
       </a:buClr>
       <a:buFont typeface="Arial"/>
-      <a:defRPr sz="1400" b="0" i="0" u="none" strike="noStrike" cap="none">
+      <a:defRPr b="0" i="0" sz="1400" u="none" cap="none" strike="noStrike">
         <a:solidFill>
           <a:srgbClr val="000000"/>
         </a:solidFill>
@@ -160,7 +160,7 @@
         <a:sym typeface="Arial"/>
       </a:defRPr>
     </a:lvl5pPr>
-    <a:lvl6pPr marR="0" lvl="5" algn="l" rtl="0">
+    <a:lvl6pPr lvl="5" marR="0" rtl="0" algn="l">
       <a:lnSpc>
         <a:spcPct val="100000"/>
       </a:lnSpc>
@@ -174,7 +174,7 @@
         <a:srgbClr val="000000"/>
       </a:buClr>
       <a:buFont typeface="Arial"/>
-      <a:defRPr sz="1400" b="0" i="0" u="none" strike="noStrike" cap="none">
+      <a:defRPr b="0" i="0" sz="1400" u="none" cap="none" strike="noStrike">
         <a:solidFill>
           <a:srgbClr val="000000"/>
         </a:solidFill>
@@ -184,7 +184,7 @@
         <a:sym typeface="Arial"/>
       </a:defRPr>
     </a:lvl6pPr>
-    <a:lvl7pPr marR="0" lvl="6" algn="l" rtl="0">
+    <a:lvl7pPr lvl="6" marR="0" rtl="0" algn="l">
       <a:lnSpc>
         <a:spcPct val="100000"/>
       </a:lnSpc>
@@ -198,7 +198,7 @@
         <a:srgbClr val="000000"/>
       </a:buClr>
       <a:buFont typeface="Arial"/>
-      <a:defRPr sz="1400" b="0" i="0" u="none" strike="noStrike" cap="none">
+      <a:defRPr b="0" i="0" sz="1400" u="none" cap="none" strike="noStrike">
         <a:solidFill>
           <a:srgbClr val="000000"/>
         </a:solidFill>
@@ -208,7 +208,7 @@
         <a:sym typeface="Arial"/>
       </a:defRPr>
     </a:lvl7pPr>
-    <a:lvl8pPr marR="0" lvl="7" algn="l" rtl="0">
+    <a:lvl8pPr lvl="7" marR="0" rtl="0" algn="l">
       <a:lnSpc>
         <a:spcPct val="100000"/>
       </a:lnSpc>
@@ -222,7 +222,7 @@
         <a:srgbClr val="000000"/>
       </a:buClr>
       <a:buFont typeface="Arial"/>
-      <a:defRPr sz="1400" b="0" i="0" u="none" strike="noStrike" cap="none">
+      <a:defRPr b="0" i="0" sz="1400" u="none" cap="none" strike="noStrike">
         <a:solidFill>
           <a:srgbClr val="000000"/>
         </a:solidFill>
@@ -232,7 +232,7 @@
         <a:sym typeface="Arial"/>
       </a:defRPr>
     </a:lvl8pPr>
-    <a:lvl9pPr marR="0" lvl="8" algn="l" rtl="0">
+    <a:lvl9pPr lvl="8" marR="0" rtl="0" algn="l">
       <a:lnSpc>
         <a:spcPct val="100000"/>
       </a:lnSpc>
@@ -246,7 +246,7 @@
         <a:srgbClr val="000000"/>
       </a:buClr>
       <a:buFont typeface="Arial"/>
-      <a:defRPr sz="1400" b="0" i="0" u="none" strike="noStrike" cap="none">
+      <a:defRPr b="0" i="0" sz="1400" u="none" cap="none" strike="noStrike">
         <a:solidFill>
           <a:srgbClr val="000000"/>
         </a:solidFill>
@@ -259,7 +259,7 @@
   </p:defaultTextStyle>
   <p:extLst>
     <p:ext uri="{EFAFB233-063F-42B5-8137-9DF3F51BA10A}">
-      <p15:sldGuideLst xmlns:ahyp="http://schemas.microsoft.com/office/drawing/2018/hyperlinkcolor" xmlns:p15="http://schemas.microsoft.com/office/powerpoint/2012/main" xmlns:p14="http://schemas.microsoft.com/office/powerpoint/2010/main" xmlns:com="http://schemas.openxmlformats.org/drawingml/2006/compatibility" xmlns:pvml="urn:schemas-microsoft-com:office:powerpoint" xmlns:v="urn:schemas-microsoft-com:vml" xmlns:o="urn:schemas-microsoft-com:office:office" xmlns:dgm="http://schemas.openxmlformats.org/drawingml/2006/diagram" xmlns:c="http://schemas.openxmlformats.org/drawingml/2006/chart" xmlns:mv="urn:schemas-microsoft-com:mac:vml" xmlns:mc="http://schemas.openxmlformats.org/markup-compatibility/2006" xmlns="">
+      <p15:sldGuideLst>
         <p15:guide id="1" orient="horz" pos="1620">
           <p15:clr>
             <a:srgbClr val="A4A3A4"/>
@@ -277,16 +277,11 @@
 </file>
 
 <file path=ppt/notesMasters/notesMaster1.xml><?xml version="1.0" encoding="utf-8"?>
-<p:notesMaster xmlns:a="http://schemas.openxmlformats.org/drawingml/2006/main" xmlns:r="http://schemas.openxmlformats.org/officeDocument/2006/relationships" xmlns:p="http://schemas.openxmlformats.org/presentationml/2006/main">
+<p:notesMaster xmlns:a="http://schemas.openxmlformats.org/drawingml/2006/main" xmlns:r="http://schemas.openxmlformats.org/officeDocument/2006/relationships" xmlns:mc="http://schemas.openxmlformats.org/markup-compatibility/2006" xmlns:mv="urn:schemas-microsoft-com:mac:vml" xmlns:p="http://schemas.openxmlformats.org/presentationml/2006/main" xmlns:c="http://schemas.openxmlformats.org/drawingml/2006/chart" xmlns:dgm="http://schemas.openxmlformats.org/drawingml/2006/diagram" xmlns:o="urn:schemas-microsoft-com:office:office" xmlns:v="urn:schemas-microsoft-com:vml" xmlns:pvml="urn:schemas-microsoft-com:office:powerpoint" xmlns:com="http://schemas.openxmlformats.org/drawingml/2006/compatibility" xmlns:p14="http://schemas.microsoft.com/office/powerpoint/2010/main" xmlns:p15="http://schemas.microsoft.com/office/powerpoint/2012/main" xmlns:ahyp="http://schemas.microsoft.com/office/drawing/2018/hyperlinkcolor">
   <p:cSld>
-    <p:bg>
-      <p:bgRef idx="1001">
-        <a:schemeClr val="bg1"/>
-      </p:bgRef>
-    </p:bg>
     <p:spTree>
       <p:nvGrpSpPr>
-        <p:cNvPr id="1" name="Shape 2"/>
+        <p:cNvPr id="2" name="Shape 2"/>
         <p:cNvGrpSpPr/>
         <p:nvPr/>
       </p:nvGrpSpPr>
@@ -301,11 +296,9 @@
       <p:sp>
         <p:nvSpPr>
           <p:cNvPr id="3" name="Google Shape;3;n"/>
-          <p:cNvSpPr>
-            <a:spLocks noGrp="1" noRot="1" noChangeAspect="1"/>
-          </p:cNvSpPr>
+          <p:cNvSpPr/>
           <p:nvPr>
-            <p:ph type="sldImg" idx="2"/>
+            <p:ph idx="2" type="sldImg"/>
           </p:nvPr>
         </p:nvSpPr>
         <p:spPr>
@@ -314,13 +307,9 @@
             <a:ext cx="6096075" cy="3429000"/>
           </a:xfrm>
           <a:custGeom>
-            <a:avLst/>
-            <a:gdLst/>
-            <a:ahLst/>
-            <a:cxnLst/>
-            <a:rect l="l" t="t" r="r" b="b"/>
+            <a:rect b="b" l="l" r="r" t="t"/>
             <a:pathLst>
-              <a:path w="120000" h="120000" extrusionOk="0">
+              <a:path extrusionOk="0" h="120000" w="120000">
                 <a:moveTo>
                   <a:pt x="0" y="0"/>
                 </a:moveTo>
@@ -338,25 +327,23 @@
             </a:pathLst>
           </a:custGeom>
           <a:noFill/>
-          <a:ln w="9525" cap="flat" cmpd="sng">
+          <a:ln cap="flat" cmpd="sng" w="9525">
             <a:solidFill>
               <a:srgbClr val="000000"/>
             </a:solidFill>
             <a:prstDash val="solid"/>
             <a:round/>
-            <a:headEnd type="none" w="sm" len="sm"/>
-            <a:tailEnd type="none" w="sm" len="sm"/>
+            <a:headEnd len="sm" w="sm" type="none"/>
+            <a:tailEnd len="sm" w="sm" type="none"/>
           </a:ln>
         </p:spPr>
       </p:sp>
       <p:sp>
         <p:nvSpPr>
           <p:cNvPr id="4" name="Google Shape;4;n"/>
-          <p:cNvSpPr txBox="1">
-            <a:spLocks noGrp="1"/>
-          </p:cNvSpPr>
+          <p:cNvSpPr txBox="1"/>
           <p:nvPr>
-            <p:ph type="body" idx="1"/>
+            <p:ph idx="1" type="body"/>
           </p:nvPr>
         </p:nvSpPr>
         <p:spPr>
@@ -373,11 +360,11 @@
           </a:ln>
         </p:spPr>
         <p:txBody>
-          <a:bodyPr spcFirstLastPara="1" wrap="square" lIns="91425" tIns="91425" rIns="91425" bIns="91425" anchor="t" anchorCtr="0">
+          <a:bodyPr anchorCtr="0" anchor="t" bIns="91425" lIns="91425" spcFirstLastPara="1" rIns="91425" wrap="square" tIns="91425">
             <a:noAutofit/>
           </a:bodyPr>
           <a:lstStyle>
-            <a:lvl1pPr marL="457200" lvl="0" indent="-298450">
+            <a:lvl1pPr indent="-298450" lvl="0" marL="457200">
               <a:spcBef>
                 <a:spcPts val="0"/>
               </a:spcBef>
@@ -388,7 +375,7 @@
               <a:buChar char="●"/>
               <a:defRPr sz="1100"/>
             </a:lvl1pPr>
-            <a:lvl2pPr marL="914400" lvl="1" indent="-298450">
+            <a:lvl2pPr indent="-298450" lvl="1" marL="914400">
               <a:spcBef>
                 <a:spcPts val="0"/>
               </a:spcBef>
@@ -399,7 +386,7 @@
               <a:buChar char="○"/>
               <a:defRPr sz="1100"/>
             </a:lvl2pPr>
-            <a:lvl3pPr marL="1371600" lvl="2" indent="-298450">
+            <a:lvl3pPr indent="-298450" lvl="2" marL="1371600">
               <a:spcBef>
                 <a:spcPts val="0"/>
               </a:spcBef>
@@ -410,7 +397,7 @@
               <a:buChar char="■"/>
               <a:defRPr sz="1100"/>
             </a:lvl3pPr>
-            <a:lvl4pPr marL="1828800" lvl="3" indent="-298450">
+            <a:lvl4pPr indent="-298450" lvl="3" marL="1828800">
               <a:spcBef>
                 <a:spcPts val="0"/>
               </a:spcBef>
@@ -421,7 +408,7 @@
               <a:buChar char="●"/>
               <a:defRPr sz="1100"/>
             </a:lvl4pPr>
-            <a:lvl5pPr marL="2286000" lvl="4" indent="-298450">
+            <a:lvl5pPr indent="-298450" lvl="4" marL="2286000">
               <a:spcBef>
                 <a:spcPts val="0"/>
               </a:spcBef>
@@ -432,7 +419,7 @@
               <a:buChar char="○"/>
               <a:defRPr sz="1100"/>
             </a:lvl5pPr>
-            <a:lvl6pPr marL="2743200" lvl="5" indent="-298450">
+            <a:lvl6pPr indent="-298450" lvl="5" marL="2743200">
               <a:spcBef>
                 <a:spcPts val="0"/>
               </a:spcBef>
@@ -443,7 +430,7 @@
               <a:buChar char="■"/>
               <a:defRPr sz="1100"/>
             </a:lvl6pPr>
-            <a:lvl7pPr marL="3200400" lvl="6" indent="-298450">
+            <a:lvl7pPr indent="-298450" lvl="6" marL="3200400">
               <a:spcBef>
                 <a:spcPts val="0"/>
               </a:spcBef>
@@ -454,7 +441,7 @@
               <a:buChar char="●"/>
               <a:defRPr sz="1100"/>
             </a:lvl7pPr>
-            <a:lvl8pPr marL="3657600" lvl="7" indent="-298450">
+            <a:lvl8pPr indent="-298450" lvl="7" marL="3657600">
               <a:spcBef>
                 <a:spcPts val="0"/>
               </a:spcBef>
@@ -465,7 +452,7 @@
               <a:buChar char="○"/>
               <a:defRPr sz="1100"/>
             </a:lvl8pPr>
-            <a:lvl9pPr marL="4114800" lvl="8" indent="-298450">
+            <a:lvl9pPr indent="-298450" lvl="8" marL="4114800">
               <a:spcBef>
                 <a:spcPts val="0"/>
               </a:spcBef>
@@ -477,21 +464,14 @@
               <a:defRPr sz="1100"/>
             </a:lvl9pPr>
           </a:lstStyle>
-          <a:p>
-            <a:endParaRPr/>
-          </a:p>
+          <a:p/>
         </p:txBody>
       </p:sp>
     </p:spTree>
-    <p:extLst>
-      <p:ext uri="{BB962C8B-B14F-4D97-AF65-F5344CB8AC3E}">
-        <p14:creationId xmlns:p14="http://schemas.microsoft.com/office/powerpoint/2010/main" val="106210392"/>
-      </p:ext>
-    </p:extLst>
   </p:cSld>
-  <p:clrMap bg1="lt1" tx1="dk1" bg2="dk2" tx2="lt2" accent1="accent1" accent2="accent2" accent3="accent3" accent4="accent4" accent5="accent5" accent6="accent6" hlink="hlink" folHlink="folHlink"/>
+  <p:clrMap accent1="accent1" accent2="accent2" accent3="accent3" accent4="accent4" accent5="accent5" accent6="accent6" bg1="lt1" bg2="dk2" tx1="dk1" tx2="lt2" folHlink="folHlink" hlink="hlink"/>
   <p:notesStyle>
-    <a:defPPr marR="0" lvl="0" algn="l" rtl="0">
+    <a:defPPr lvl="0" marR="0" rtl="0" algn="l">
       <a:lnSpc>
         <a:spcPct val="100000"/>
       </a:lnSpc>
@@ -502,7 +482,7 @@
         <a:spcPts val="0"/>
       </a:spcAft>
     </a:defPPr>
-    <a:lvl1pPr marR="0" lvl="0" algn="l" rtl="0">
+    <a:lvl1pPr lvl="0" marR="0" rtl="0" algn="l">
       <a:lnSpc>
         <a:spcPct val="100000"/>
       </a:lnSpc>
@@ -516,7 +496,7 @@
         <a:srgbClr val="000000"/>
       </a:buClr>
       <a:buFont typeface="Arial"/>
-      <a:defRPr sz="1400" b="0" i="0" u="none" strike="noStrike" cap="none">
+      <a:defRPr b="0" i="0" sz="1400" u="none" cap="none" strike="noStrike">
         <a:solidFill>
           <a:srgbClr val="000000"/>
         </a:solidFill>
@@ -526,7 +506,7 @@
         <a:sym typeface="Arial"/>
       </a:defRPr>
     </a:lvl1pPr>
-    <a:lvl2pPr marR="0" lvl="1" algn="l" rtl="0">
+    <a:lvl2pPr lvl="1" marR="0" rtl="0" algn="l">
       <a:lnSpc>
         <a:spcPct val="100000"/>
       </a:lnSpc>
@@ -540,7 +520,7 @@
         <a:srgbClr val="000000"/>
       </a:buClr>
       <a:buFont typeface="Arial"/>
-      <a:defRPr sz="1400" b="0" i="0" u="none" strike="noStrike" cap="none">
+      <a:defRPr b="0" i="0" sz="1400" u="none" cap="none" strike="noStrike">
         <a:solidFill>
           <a:srgbClr val="000000"/>
         </a:solidFill>
@@ -550,7 +530,7 @@
         <a:sym typeface="Arial"/>
       </a:defRPr>
     </a:lvl2pPr>
-    <a:lvl3pPr marR="0" lvl="2" algn="l" rtl="0">
+    <a:lvl3pPr lvl="2" marR="0" rtl="0" algn="l">
       <a:lnSpc>
         <a:spcPct val="100000"/>
       </a:lnSpc>
@@ -564,7 +544,7 @@
         <a:srgbClr val="000000"/>
       </a:buClr>
       <a:buFont typeface="Arial"/>
-      <a:defRPr sz="1400" b="0" i="0" u="none" strike="noStrike" cap="none">
+      <a:defRPr b="0" i="0" sz="1400" u="none" cap="none" strike="noStrike">
         <a:solidFill>
           <a:srgbClr val="000000"/>
         </a:solidFill>
@@ -574,7 +554,7 @@
         <a:sym typeface="Arial"/>
       </a:defRPr>
     </a:lvl3pPr>
-    <a:lvl4pPr marR="0" lvl="3" algn="l" rtl="0">
+    <a:lvl4pPr lvl="3" marR="0" rtl="0" algn="l">
       <a:lnSpc>
         <a:spcPct val="100000"/>
       </a:lnSpc>
@@ -588,7 +568,7 @@
         <a:srgbClr val="000000"/>
       </a:buClr>
       <a:buFont typeface="Arial"/>
-      <a:defRPr sz="1400" b="0" i="0" u="none" strike="noStrike" cap="none">
+      <a:defRPr b="0" i="0" sz="1400" u="none" cap="none" strike="noStrike">
         <a:solidFill>
           <a:srgbClr val="000000"/>
         </a:solidFill>
@@ -598,7 +578,7 @@
         <a:sym typeface="Arial"/>
       </a:defRPr>
     </a:lvl4pPr>
-    <a:lvl5pPr marR="0" lvl="4" algn="l" rtl="0">
+    <a:lvl5pPr lvl="4" marR="0" rtl="0" algn="l">
       <a:lnSpc>
         <a:spcPct val="100000"/>
       </a:lnSpc>
@@ -612,7 +592,7 @@
         <a:srgbClr val="000000"/>
       </a:buClr>
       <a:buFont typeface="Arial"/>
-      <a:defRPr sz="1400" b="0" i="0" u="none" strike="noStrike" cap="none">
+      <a:defRPr b="0" i="0" sz="1400" u="none" cap="none" strike="noStrike">
         <a:solidFill>
           <a:srgbClr val="000000"/>
         </a:solidFill>
@@ -622,7 +602,7 @@
         <a:sym typeface="Arial"/>
       </a:defRPr>
     </a:lvl5pPr>
-    <a:lvl6pPr marR="0" lvl="5" algn="l" rtl="0">
+    <a:lvl6pPr lvl="5" marR="0" rtl="0" algn="l">
       <a:lnSpc>
         <a:spcPct val="100000"/>
       </a:lnSpc>
@@ -636,7 +616,7 @@
         <a:srgbClr val="000000"/>
       </a:buClr>
       <a:buFont typeface="Arial"/>
-      <a:defRPr sz="1400" b="0" i="0" u="none" strike="noStrike" cap="none">
+      <a:defRPr b="0" i="0" sz="1400" u="none" cap="none" strike="noStrike">
         <a:solidFill>
           <a:srgbClr val="000000"/>
         </a:solidFill>
@@ -646,7 +626,7 @@
         <a:sym typeface="Arial"/>
       </a:defRPr>
     </a:lvl6pPr>
-    <a:lvl7pPr marR="0" lvl="6" algn="l" rtl="0">
+    <a:lvl7pPr lvl="6" marR="0" rtl="0" algn="l">
       <a:lnSpc>
         <a:spcPct val="100000"/>
       </a:lnSpc>
@@ -660,7 +640,7 @@
         <a:srgbClr val="000000"/>
       </a:buClr>
       <a:buFont typeface="Arial"/>
-      <a:defRPr sz="1400" b="0" i="0" u="none" strike="noStrike" cap="none">
+      <a:defRPr b="0" i="0" sz="1400" u="none" cap="none" strike="noStrike">
         <a:solidFill>
           <a:srgbClr val="000000"/>
         </a:solidFill>
@@ -670,7 +650,7 @@
         <a:sym typeface="Arial"/>
       </a:defRPr>
     </a:lvl7pPr>
-    <a:lvl8pPr marR="0" lvl="7" algn="l" rtl="0">
+    <a:lvl8pPr lvl="7" marR="0" rtl="0" algn="l">
       <a:lnSpc>
         <a:spcPct val="100000"/>
       </a:lnSpc>
@@ -684,7 +664,7 @@
         <a:srgbClr val="000000"/>
       </a:buClr>
       <a:buFont typeface="Arial"/>
-      <a:defRPr sz="1400" b="0" i="0" u="none" strike="noStrike" cap="none">
+      <a:defRPr b="0" i="0" sz="1400" u="none" cap="none" strike="noStrike">
         <a:solidFill>
           <a:srgbClr val="000000"/>
         </a:solidFill>
@@ -694,7 +674,7 @@
         <a:sym typeface="Arial"/>
       </a:defRPr>
     </a:lvl8pPr>
-    <a:lvl9pPr marR="0" lvl="8" algn="l" rtl="0">
+    <a:lvl9pPr lvl="8" marR="0" rtl="0" algn="l">
       <a:lnSpc>
         <a:spcPct val="100000"/>
       </a:lnSpc>
@@ -708,7 +688,7 @@
         <a:srgbClr val="000000"/>
       </a:buClr>
       <a:buFont typeface="Arial"/>
-      <a:defRPr sz="1400" b="0" i="0" u="none" strike="noStrike" cap="none">
+      <a:defRPr b="0" i="0" sz="1400" u="none" cap="none" strike="noStrike">
         <a:solidFill>
           <a:srgbClr val="000000"/>
         </a:solidFill>
@@ -723,11 +703,11 @@
 </file>
 
 <file path=ppt/notesSlides/notesSlide1.xml><?xml version="1.0" encoding="utf-8"?>
-<p:notes xmlns:a="http://schemas.openxmlformats.org/drawingml/2006/main" xmlns:r="http://schemas.openxmlformats.org/officeDocument/2006/relationships" xmlns:p="http://schemas.openxmlformats.org/presentationml/2006/main" showMasterSp="0" showMasterPhAnim="0">
+<p:notes xmlns:a="http://schemas.openxmlformats.org/drawingml/2006/main" xmlns:r="http://schemas.openxmlformats.org/officeDocument/2006/relationships" xmlns:mc="http://schemas.openxmlformats.org/markup-compatibility/2006" xmlns:mv="urn:schemas-microsoft-com:mac:vml" xmlns:p="http://schemas.openxmlformats.org/presentationml/2006/main" xmlns:c="http://schemas.openxmlformats.org/drawingml/2006/chart" xmlns:dgm="http://schemas.openxmlformats.org/drawingml/2006/diagram" xmlns:o="urn:schemas-microsoft-com:office:office" xmlns:v="urn:schemas-microsoft-com:vml" xmlns:pvml="urn:schemas-microsoft-com:office:powerpoint" xmlns:com="http://schemas.openxmlformats.org/drawingml/2006/compatibility" xmlns:p14="http://schemas.microsoft.com/office/powerpoint/2010/main" xmlns:p15="http://schemas.microsoft.com/office/powerpoint/2012/main" xmlns:ahyp="http://schemas.microsoft.com/office/drawing/2018/hyperlinkcolor" showMasterPhAnim="0" showMasterSp="0">
   <p:cSld>
     <p:spTree>
       <p:nvGrpSpPr>
-        <p:cNvPr id="1" name="Shape 50"/>
+        <p:cNvPr id="50" name="Shape 50"/>
         <p:cNvGrpSpPr/>
         <p:nvPr/>
       </p:nvGrpSpPr>
@@ -742,26 +722,20 @@
       <p:sp>
         <p:nvSpPr>
           <p:cNvPr id="51" name="Google Shape;51;p:notes"/>
-          <p:cNvSpPr>
-            <a:spLocks noGrp="1" noRot="1" noChangeAspect="1"/>
-          </p:cNvSpPr>
+          <p:cNvSpPr/>
           <p:nvPr>
-            <p:ph type="sldImg" idx="2"/>
+            <p:ph idx="2" type="sldImg"/>
           </p:nvPr>
         </p:nvSpPr>
         <p:spPr>
           <a:xfrm>
-            <a:off x="381000" y="685800"/>
-            <a:ext cx="6096000" cy="3429000"/>
+            <a:off x="381300" y="685800"/>
+            <a:ext cx="6096075" cy="3429000"/>
           </a:xfrm>
           <a:custGeom>
-            <a:avLst/>
-            <a:gdLst/>
-            <a:ahLst/>
-            <a:cxnLst/>
-            <a:rect l="l" t="t" r="r" b="b"/>
+            <a:rect b="b" l="l" r="r" t="t"/>
             <a:pathLst>
-              <a:path w="120000" h="120000" extrusionOk="0">
+              <a:path extrusionOk="0" h="120000" w="120000">
                 <a:moveTo>
                   <a:pt x="0" y="0"/>
                 </a:moveTo>
@@ -783,11 +757,9 @@
       <p:sp>
         <p:nvSpPr>
           <p:cNvPr id="52" name="Google Shape;52;p:notes"/>
-          <p:cNvSpPr txBox="1">
-            <a:spLocks noGrp="1"/>
-          </p:cNvSpPr>
+          <p:cNvSpPr txBox="1"/>
           <p:nvPr>
-            <p:ph type="body" idx="1"/>
+            <p:ph idx="1" type="body"/>
           </p:nvPr>
         </p:nvSpPr>
         <p:spPr>
@@ -800,12 +772,12 @@
           </a:prstGeom>
         </p:spPr>
         <p:txBody>
-          <a:bodyPr spcFirstLastPara="1" wrap="square" lIns="91425" tIns="91425" rIns="91425" bIns="91425" anchor="t" anchorCtr="0">
+          <a:bodyPr anchorCtr="0" anchor="t" bIns="91425" lIns="91425" spcFirstLastPara="1" rIns="91425" wrap="square" tIns="91425">
             <a:noAutofit/>
           </a:bodyPr>
           <a:lstStyle/>
           <a:p>
-            <a:pPr marL="0" lvl="0" indent="0" algn="l" rtl="0">
+            <a:pPr indent="0" lvl="0" marL="0" rtl="0" algn="l">
               <a:spcBef>
                 <a:spcPts val="0"/>
               </a:spcBef>
@@ -814,6 +786,9 @@
               </a:spcAft>
               <a:buNone/>
             </a:pPr>
+            <a:r>
+              <a:t/>
+            </a:r>
             <a:endParaRPr/>
           </a:p>
         </p:txBody>
@@ -827,11 +802,11 @@
 </file>
 
 <file path=ppt/notesSlides/notesSlide10.xml><?xml version="1.0" encoding="utf-8"?>
-<p:notes xmlns:a="http://schemas.openxmlformats.org/drawingml/2006/main" xmlns:r="http://schemas.openxmlformats.org/officeDocument/2006/relationships" xmlns:p="http://schemas.openxmlformats.org/presentationml/2006/main" showMasterSp="0" showMasterPhAnim="0">
+<p:notes xmlns:a="http://schemas.openxmlformats.org/drawingml/2006/main" xmlns:r="http://schemas.openxmlformats.org/officeDocument/2006/relationships" xmlns:mc="http://schemas.openxmlformats.org/markup-compatibility/2006" xmlns:mv="urn:schemas-microsoft-com:mac:vml" xmlns:p="http://schemas.openxmlformats.org/presentationml/2006/main" xmlns:c="http://schemas.openxmlformats.org/drawingml/2006/chart" xmlns:dgm="http://schemas.openxmlformats.org/drawingml/2006/diagram" xmlns:o="urn:schemas-microsoft-com:office:office" xmlns:v="urn:schemas-microsoft-com:vml" xmlns:pvml="urn:schemas-microsoft-com:office:powerpoint" xmlns:com="http://schemas.openxmlformats.org/drawingml/2006/compatibility" xmlns:p14="http://schemas.microsoft.com/office/powerpoint/2010/main" xmlns:p15="http://schemas.microsoft.com/office/powerpoint/2012/main" xmlns:ahyp="http://schemas.microsoft.com/office/drawing/2018/hyperlinkcolor" showMasterPhAnim="0" showMasterSp="0">
   <p:cSld>
     <p:spTree>
       <p:nvGrpSpPr>
-        <p:cNvPr id="1" name="Shape 111"/>
+        <p:cNvPr id="111" name="Shape 111"/>
         <p:cNvGrpSpPr/>
         <p:nvPr/>
       </p:nvGrpSpPr>
@@ -846,26 +821,20 @@
       <p:sp>
         <p:nvSpPr>
           <p:cNvPr id="112" name="Google Shape;112;gbcf296bf5b_1_37:notes"/>
-          <p:cNvSpPr>
-            <a:spLocks noGrp="1" noRot="1" noChangeAspect="1"/>
-          </p:cNvSpPr>
+          <p:cNvSpPr/>
           <p:nvPr>
-            <p:ph type="sldImg" idx="2"/>
+            <p:ph idx="2" type="sldImg"/>
           </p:nvPr>
         </p:nvSpPr>
         <p:spPr>
           <a:xfrm>
-            <a:off x="381000" y="685800"/>
+            <a:off x="381300" y="685800"/>
             <a:ext cx="6096000" cy="3429000"/>
           </a:xfrm>
           <a:custGeom>
-            <a:avLst/>
-            <a:gdLst/>
-            <a:ahLst/>
-            <a:cxnLst/>
-            <a:rect l="l" t="t" r="r" b="b"/>
+            <a:rect b="b" l="l" r="r" t="t"/>
             <a:pathLst>
-              <a:path w="120000" h="120000" extrusionOk="0">
+              <a:path extrusionOk="0" h="120000" w="120000">
                 <a:moveTo>
                   <a:pt x="0" y="0"/>
                 </a:moveTo>
@@ -887,11 +856,9 @@
       <p:sp>
         <p:nvSpPr>
           <p:cNvPr id="113" name="Google Shape;113;gbcf296bf5b_1_37:notes"/>
-          <p:cNvSpPr txBox="1">
-            <a:spLocks noGrp="1"/>
-          </p:cNvSpPr>
+          <p:cNvSpPr txBox="1"/>
           <p:nvPr>
-            <p:ph type="body" idx="1"/>
+            <p:ph idx="1" type="body"/>
           </p:nvPr>
         </p:nvSpPr>
         <p:spPr>
@@ -904,12 +871,12 @@
           </a:prstGeom>
         </p:spPr>
         <p:txBody>
-          <a:bodyPr spcFirstLastPara="1" wrap="square" lIns="91425" tIns="91425" rIns="91425" bIns="91425" anchor="t" anchorCtr="0">
+          <a:bodyPr anchorCtr="0" anchor="t" bIns="91425" lIns="91425" spcFirstLastPara="1" rIns="91425" wrap="square" tIns="91425">
             <a:noAutofit/>
           </a:bodyPr>
           <a:lstStyle/>
           <a:p>
-            <a:pPr marL="0" lvl="0" indent="0" algn="l" rtl="0">
+            <a:pPr indent="0" lvl="0" marL="0" rtl="0" algn="l">
               <a:spcBef>
                 <a:spcPts val="0"/>
               </a:spcBef>
@@ -918,6 +885,9 @@
               </a:spcAft>
               <a:buNone/>
             </a:pPr>
+            <a:r>
+              <a:t/>
+            </a:r>
             <a:endParaRPr/>
           </a:p>
         </p:txBody>
@@ -931,11 +901,11 @@
 </file>
 
 <file path=ppt/notesSlides/notesSlide11.xml><?xml version="1.0" encoding="utf-8"?>
-<p:notes xmlns:a="http://schemas.openxmlformats.org/drawingml/2006/main" xmlns:r="http://schemas.openxmlformats.org/officeDocument/2006/relationships" xmlns:p="http://schemas.openxmlformats.org/presentationml/2006/main" showMasterSp="0" showMasterPhAnim="0">
+<p:notes xmlns:a="http://schemas.openxmlformats.org/drawingml/2006/main" xmlns:r="http://schemas.openxmlformats.org/officeDocument/2006/relationships" xmlns:mc="http://schemas.openxmlformats.org/markup-compatibility/2006" xmlns:mv="urn:schemas-microsoft-com:mac:vml" xmlns:p="http://schemas.openxmlformats.org/presentationml/2006/main" xmlns:c="http://schemas.openxmlformats.org/drawingml/2006/chart" xmlns:dgm="http://schemas.openxmlformats.org/drawingml/2006/diagram" xmlns:o="urn:schemas-microsoft-com:office:office" xmlns:v="urn:schemas-microsoft-com:vml" xmlns:pvml="urn:schemas-microsoft-com:office:powerpoint" xmlns:com="http://schemas.openxmlformats.org/drawingml/2006/compatibility" xmlns:p14="http://schemas.microsoft.com/office/powerpoint/2010/main" xmlns:p15="http://schemas.microsoft.com/office/powerpoint/2012/main" xmlns:ahyp="http://schemas.microsoft.com/office/drawing/2018/hyperlinkcolor" showMasterPhAnim="0" showMasterSp="0">
   <p:cSld>
     <p:spTree>
       <p:nvGrpSpPr>
-        <p:cNvPr id="1" name="Shape 118"/>
+        <p:cNvPr id="118" name="Shape 118"/>
         <p:cNvGrpSpPr/>
         <p:nvPr/>
       </p:nvGrpSpPr>
@@ -950,26 +920,20 @@
       <p:sp>
         <p:nvSpPr>
           <p:cNvPr id="119" name="Google Shape;119;gbcf296bf5b_1_32:notes"/>
-          <p:cNvSpPr>
-            <a:spLocks noGrp="1" noRot="1" noChangeAspect="1"/>
-          </p:cNvSpPr>
+          <p:cNvSpPr/>
           <p:nvPr>
-            <p:ph type="sldImg" idx="2"/>
+            <p:ph idx="2" type="sldImg"/>
           </p:nvPr>
         </p:nvSpPr>
         <p:spPr>
           <a:xfrm>
-            <a:off x="381000" y="685800"/>
+            <a:off x="381300" y="685800"/>
             <a:ext cx="6096000" cy="3429000"/>
           </a:xfrm>
           <a:custGeom>
-            <a:avLst/>
-            <a:gdLst/>
-            <a:ahLst/>
-            <a:cxnLst/>
-            <a:rect l="l" t="t" r="r" b="b"/>
+            <a:rect b="b" l="l" r="r" t="t"/>
             <a:pathLst>
-              <a:path w="120000" h="120000" extrusionOk="0">
+              <a:path extrusionOk="0" h="120000" w="120000">
                 <a:moveTo>
                   <a:pt x="0" y="0"/>
                 </a:moveTo>
@@ -991,11 +955,9 @@
       <p:sp>
         <p:nvSpPr>
           <p:cNvPr id="120" name="Google Shape;120;gbcf296bf5b_1_32:notes"/>
-          <p:cNvSpPr txBox="1">
-            <a:spLocks noGrp="1"/>
-          </p:cNvSpPr>
+          <p:cNvSpPr txBox="1"/>
           <p:nvPr>
-            <p:ph type="body" idx="1"/>
+            <p:ph idx="1" type="body"/>
           </p:nvPr>
         </p:nvSpPr>
         <p:spPr>
@@ -1008,12 +970,12 @@
           </a:prstGeom>
         </p:spPr>
         <p:txBody>
-          <a:bodyPr spcFirstLastPara="1" wrap="square" lIns="91425" tIns="91425" rIns="91425" bIns="91425" anchor="t" anchorCtr="0">
+          <a:bodyPr anchorCtr="0" anchor="t" bIns="91425" lIns="91425" spcFirstLastPara="1" rIns="91425" wrap="square" tIns="91425">
             <a:noAutofit/>
           </a:bodyPr>
           <a:lstStyle/>
           <a:p>
-            <a:pPr marL="0" lvl="0" indent="0" algn="l" rtl="0">
+            <a:pPr indent="0" lvl="0" marL="0" rtl="0" algn="l">
               <a:spcBef>
                 <a:spcPts val="0"/>
               </a:spcBef>
@@ -1022,6 +984,9 @@
               </a:spcAft>
               <a:buNone/>
             </a:pPr>
+            <a:r>
+              <a:t/>
+            </a:r>
             <a:endParaRPr/>
           </a:p>
         </p:txBody>
@@ -1035,11 +1000,11 @@
 </file>
 
 <file path=ppt/notesSlides/notesSlide12.xml><?xml version="1.0" encoding="utf-8"?>
-<p:notes xmlns:a="http://schemas.openxmlformats.org/drawingml/2006/main" xmlns:r="http://schemas.openxmlformats.org/officeDocument/2006/relationships" xmlns:p="http://schemas.openxmlformats.org/presentationml/2006/main" showMasterSp="0" showMasterPhAnim="0">
+<p:notes xmlns:a="http://schemas.openxmlformats.org/drawingml/2006/main" xmlns:r="http://schemas.openxmlformats.org/officeDocument/2006/relationships" xmlns:mc="http://schemas.openxmlformats.org/markup-compatibility/2006" xmlns:mv="urn:schemas-microsoft-com:mac:vml" xmlns:p="http://schemas.openxmlformats.org/presentationml/2006/main" xmlns:c="http://schemas.openxmlformats.org/drawingml/2006/chart" xmlns:dgm="http://schemas.openxmlformats.org/drawingml/2006/diagram" xmlns:o="urn:schemas-microsoft-com:office:office" xmlns:v="urn:schemas-microsoft-com:vml" xmlns:pvml="urn:schemas-microsoft-com:office:powerpoint" xmlns:com="http://schemas.openxmlformats.org/drawingml/2006/compatibility" xmlns:p14="http://schemas.microsoft.com/office/powerpoint/2010/main" xmlns:p15="http://schemas.microsoft.com/office/powerpoint/2012/main" xmlns:ahyp="http://schemas.microsoft.com/office/drawing/2018/hyperlinkcolor" showMasterPhAnim="0" showMasterSp="0">
   <p:cSld>
     <p:spTree>
       <p:nvGrpSpPr>
-        <p:cNvPr id="1" name="Shape 124"/>
+        <p:cNvPr id="124" name="Shape 124"/>
         <p:cNvGrpSpPr/>
         <p:nvPr/>
       </p:nvGrpSpPr>
@@ -1054,26 +1019,20 @@
       <p:sp>
         <p:nvSpPr>
           <p:cNvPr id="125" name="Google Shape;125;gbcf296bf5b_1_50:notes"/>
-          <p:cNvSpPr>
-            <a:spLocks noGrp="1" noRot="1" noChangeAspect="1"/>
-          </p:cNvSpPr>
+          <p:cNvSpPr/>
           <p:nvPr>
-            <p:ph type="sldImg" idx="2"/>
+            <p:ph idx="2" type="sldImg"/>
           </p:nvPr>
         </p:nvSpPr>
         <p:spPr>
           <a:xfrm>
-            <a:off x="381000" y="685800"/>
+            <a:off x="381300" y="685800"/>
             <a:ext cx="6096000" cy="3429000"/>
           </a:xfrm>
           <a:custGeom>
-            <a:avLst/>
-            <a:gdLst/>
-            <a:ahLst/>
-            <a:cxnLst/>
-            <a:rect l="l" t="t" r="r" b="b"/>
+            <a:rect b="b" l="l" r="r" t="t"/>
             <a:pathLst>
-              <a:path w="120000" h="120000" extrusionOk="0">
+              <a:path extrusionOk="0" h="120000" w="120000">
                 <a:moveTo>
                   <a:pt x="0" y="0"/>
                 </a:moveTo>
@@ -1095,11 +1054,9 @@
       <p:sp>
         <p:nvSpPr>
           <p:cNvPr id="126" name="Google Shape;126;gbcf296bf5b_1_50:notes"/>
-          <p:cNvSpPr txBox="1">
-            <a:spLocks noGrp="1"/>
-          </p:cNvSpPr>
+          <p:cNvSpPr txBox="1"/>
           <p:nvPr>
-            <p:ph type="body" idx="1"/>
+            <p:ph idx="1" type="body"/>
           </p:nvPr>
         </p:nvSpPr>
         <p:spPr>
@@ -1112,12 +1069,12 @@
           </a:prstGeom>
         </p:spPr>
         <p:txBody>
-          <a:bodyPr spcFirstLastPara="1" wrap="square" lIns="91425" tIns="91425" rIns="91425" bIns="91425" anchor="t" anchorCtr="0">
+          <a:bodyPr anchorCtr="0" anchor="t" bIns="91425" lIns="91425" spcFirstLastPara="1" rIns="91425" wrap="square" tIns="91425">
             <a:noAutofit/>
           </a:bodyPr>
           <a:lstStyle/>
           <a:p>
-            <a:pPr marL="0" lvl="0" indent="0" algn="l" rtl="0">
+            <a:pPr indent="0" lvl="0" marL="0" rtl="0" algn="l">
               <a:spcBef>
                 <a:spcPts val="0"/>
               </a:spcBef>
@@ -1126,6 +1083,9 @@
               </a:spcAft>
               <a:buNone/>
             </a:pPr>
+            <a:r>
+              <a:t/>
+            </a:r>
             <a:endParaRPr/>
           </a:p>
         </p:txBody>
@@ -1139,11 +1099,11 @@
 </file>
 
 <file path=ppt/notesSlides/notesSlide13.xml><?xml version="1.0" encoding="utf-8"?>
-<p:notes xmlns:a="http://schemas.openxmlformats.org/drawingml/2006/main" xmlns:r="http://schemas.openxmlformats.org/officeDocument/2006/relationships" xmlns:p="http://schemas.openxmlformats.org/presentationml/2006/main" showMasterSp="0" showMasterPhAnim="0">
+<p:notes xmlns:a="http://schemas.openxmlformats.org/drawingml/2006/main" xmlns:r="http://schemas.openxmlformats.org/officeDocument/2006/relationships" xmlns:mc="http://schemas.openxmlformats.org/markup-compatibility/2006" xmlns:mv="urn:schemas-microsoft-com:mac:vml" xmlns:p="http://schemas.openxmlformats.org/presentationml/2006/main" xmlns:c="http://schemas.openxmlformats.org/drawingml/2006/chart" xmlns:dgm="http://schemas.openxmlformats.org/drawingml/2006/diagram" xmlns:o="urn:schemas-microsoft-com:office:office" xmlns:v="urn:schemas-microsoft-com:vml" xmlns:pvml="urn:schemas-microsoft-com:office:powerpoint" xmlns:com="http://schemas.openxmlformats.org/drawingml/2006/compatibility" xmlns:p14="http://schemas.microsoft.com/office/powerpoint/2010/main" xmlns:p15="http://schemas.microsoft.com/office/powerpoint/2012/main" xmlns:ahyp="http://schemas.microsoft.com/office/drawing/2018/hyperlinkcolor" showMasterPhAnim="0" showMasterSp="0">
   <p:cSld>
     <p:spTree>
       <p:nvGrpSpPr>
-        <p:cNvPr id="1" name="Shape 130"/>
+        <p:cNvPr id="130" name="Shape 130"/>
         <p:cNvGrpSpPr/>
         <p:nvPr/>
       </p:nvGrpSpPr>
@@ -1158,26 +1118,20 @@
       <p:sp>
         <p:nvSpPr>
           <p:cNvPr id="131" name="Google Shape;131;gbcf296bf5b_1_59:notes"/>
-          <p:cNvSpPr>
-            <a:spLocks noGrp="1" noRot="1" noChangeAspect="1"/>
-          </p:cNvSpPr>
+          <p:cNvSpPr/>
           <p:nvPr>
-            <p:ph type="sldImg" idx="2"/>
+            <p:ph idx="2" type="sldImg"/>
           </p:nvPr>
         </p:nvSpPr>
         <p:spPr>
           <a:xfrm>
-            <a:off x="381000" y="685800"/>
+            <a:off x="381300" y="685800"/>
             <a:ext cx="6096000" cy="3429000"/>
           </a:xfrm>
           <a:custGeom>
-            <a:avLst/>
-            <a:gdLst/>
-            <a:ahLst/>
-            <a:cxnLst/>
-            <a:rect l="l" t="t" r="r" b="b"/>
+            <a:rect b="b" l="l" r="r" t="t"/>
             <a:pathLst>
-              <a:path w="120000" h="120000" extrusionOk="0">
+              <a:path extrusionOk="0" h="120000" w="120000">
                 <a:moveTo>
                   <a:pt x="0" y="0"/>
                 </a:moveTo>
@@ -1199,11 +1153,9 @@
       <p:sp>
         <p:nvSpPr>
           <p:cNvPr id="132" name="Google Shape;132;gbcf296bf5b_1_59:notes"/>
-          <p:cNvSpPr txBox="1">
-            <a:spLocks noGrp="1"/>
-          </p:cNvSpPr>
+          <p:cNvSpPr txBox="1"/>
           <p:nvPr>
-            <p:ph type="body" idx="1"/>
+            <p:ph idx="1" type="body"/>
           </p:nvPr>
         </p:nvSpPr>
         <p:spPr>
@@ -1216,12 +1168,12 @@
           </a:prstGeom>
         </p:spPr>
         <p:txBody>
-          <a:bodyPr spcFirstLastPara="1" wrap="square" lIns="91425" tIns="91425" rIns="91425" bIns="91425" anchor="t" anchorCtr="0">
+          <a:bodyPr anchorCtr="0" anchor="t" bIns="91425" lIns="91425" spcFirstLastPara="1" rIns="91425" wrap="square" tIns="91425">
             <a:noAutofit/>
           </a:bodyPr>
           <a:lstStyle/>
           <a:p>
-            <a:pPr marL="0" lvl="0" indent="0" algn="l" rtl="0">
+            <a:pPr indent="0" lvl="0" marL="0" rtl="0" algn="l">
               <a:spcBef>
                 <a:spcPts val="0"/>
               </a:spcBef>
@@ -1230,6 +1182,9 @@
               </a:spcAft>
               <a:buNone/>
             </a:pPr>
+            <a:r>
+              <a:t/>
+            </a:r>
             <a:endParaRPr/>
           </a:p>
         </p:txBody>
@@ -1243,11 +1198,11 @@
 </file>
 
 <file path=ppt/notesSlides/notesSlide14.xml><?xml version="1.0" encoding="utf-8"?>
-<p:notes xmlns:a="http://schemas.openxmlformats.org/drawingml/2006/main" xmlns:r="http://schemas.openxmlformats.org/officeDocument/2006/relationships" xmlns:p="http://schemas.openxmlformats.org/presentationml/2006/main" showMasterSp="0" showMasterPhAnim="0">
+<p:notes xmlns:a="http://schemas.openxmlformats.org/drawingml/2006/main" xmlns:r="http://schemas.openxmlformats.org/officeDocument/2006/relationships" xmlns:mc="http://schemas.openxmlformats.org/markup-compatibility/2006" xmlns:mv="urn:schemas-microsoft-com:mac:vml" xmlns:p="http://schemas.openxmlformats.org/presentationml/2006/main" xmlns:c="http://schemas.openxmlformats.org/drawingml/2006/chart" xmlns:dgm="http://schemas.openxmlformats.org/drawingml/2006/diagram" xmlns:o="urn:schemas-microsoft-com:office:office" xmlns:v="urn:schemas-microsoft-com:vml" xmlns:pvml="urn:schemas-microsoft-com:office:powerpoint" xmlns:com="http://schemas.openxmlformats.org/drawingml/2006/compatibility" xmlns:p14="http://schemas.microsoft.com/office/powerpoint/2010/main" xmlns:p15="http://schemas.microsoft.com/office/powerpoint/2012/main" xmlns:ahyp="http://schemas.microsoft.com/office/drawing/2018/hyperlinkcolor" showMasterPhAnim="0" showMasterSp="0">
   <p:cSld>
     <p:spTree>
       <p:nvGrpSpPr>
-        <p:cNvPr id="1" name="Shape 137"/>
+        <p:cNvPr id="137" name="Shape 137"/>
         <p:cNvGrpSpPr/>
         <p:nvPr/>
       </p:nvGrpSpPr>
@@ -1262,26 +1217,20 @@
       <p:sp>
         <p:nvSpPr>
           <p:cNvPr id="138" name="Google Shape;138;gbcf296bf5b_1_66:notes"/>
-          <p:cNvSpPr>
-            <a:spLocks noGrp="1" noRot="1" noChangeAspect="1"/>
-          </p:cNvSpPr>
+          <p:cNvSpPr/>
           <p:nvPr>
-            <p:ph type="sldImg" idx="2"/>
+            <p:ph idx="2" type="sldImg"/>
           </p:nvPr>
         </p:nvSpPr>
         <p:spPr>
           <a:xfrm>
-            <a:off x="381000" y="685800"/>
+            <a:off x="381300" y="685800"/>
             <a:ext cx="6096000" cy="3429000"/>
           </a:xfrm>
           <a:custGeom>
-            <a:avLst/>
-            <a:gdLst/>
-            <a:ahLst/>
-            <a:cxnLst/>
-            <a:rect l="l" t="t" r="r" b="b"/>
+            <a:rect b="b" l="l" r="r" t="t"/>
             <a:pathLst>
-              <a:path w="120000" h="120000" extrusionOk="0">
+              <a:path extrusionOk="0" h="120000" w="120000">
                 <a:moveTo>
                   <a:pt x="0" y="0"/>
                 </a:moveTo>
@@ -1303,11 +1252,9 @@
       <p:sp>
         <p:nvSpPr>
           <p:cNvPr id="139" name="Google Shape;139;gbcf296bf5b_1_66:notes"/>
-          <p:cNvSpPr txBox="1">
-            <a:spLocks noGrp="1"/>
-          </p:cNvSpPr>
+          <p:cNvSpPr txBox="1"/>
           <p:nvPr>
-            <p:ph type="body" idx="1"/>
+            <p:ph idx="1" type="body"/>
           </p:nvPr>
         </p:nvSpPr>
         <p:spPr>
@@ -1320,12 +1267,12 @@
           </a:prstGeom>
         </p:spPr>
         <p:txBody>
-          <a:bodyPr spcFirstLastPara="1" wrap="square" lIns="91425" tIns="91425" rIns="91425" bIns="91425" anchor="t" anchorCtr="0">
+          <a:bodyPr anchorCtr="0" anchor="t" bIns="91425" lIns="91425" spcFirstLastPara="1" rIns="91425" wrap="square" tIns="91425">
             <a:noAutofit/>
           </a:bodyPr>
           <a:lstStyle/>
           <a:p>
-            <a:pPr marL="0" lvl="0" indent="0" algn="l" rtl="0">
+            <a:pPr indent="0" lvl="0" marL="0" rtl="0" algn="l">
               <a:spcBef>
                 <a:spcPts val="0"/>
               </a:spcBef>
@@ -1334,6 +1281,9 @@
               </a:spcAft>
               <a:buNone/>
             </a:pPr>
+            <a:r>
+              <a:t/>
+            </a:r>
             <a:endParaRPr/>
           </a:p>
         </p:txBody>
@@ -1347,11 +1297,11 @@
 </file>
 
 <file path=ppt/notesSlides/notesSlide15.xml><?xml version="1.0" encoding="utf-8"?>
-<p:notes xmlns:a="http://schemas.openxmlformats.org/drawingml/2006/main" xmlns:r="http://schemas.openxmlformats.org/officeDocument/2006/relationships" xmlns:p="http://schemas.openxmlformats.org/presentationml/2006/main" showMasterSp="0" showMasterPhAnim="0">
+<p:notes xmlns:a="http://schemas.openxmlformats.org/drawingml/2006/main" xmlns:r="http://schemas.openxmlformats.org/officeDocument/2006/relationships" xmlns:mc="http://schemas.openxmlformats.org/markup-compatibility/2006" xmlns:mv="urn:schemas-microsoft-com:mac:vml" xmlns:p="http://schemas.openxmlformats.org/presentationml/2006/main" xmlns:c="http://schemas.openxmlformats.org/drawingml/2006/chart" xmlns:dgm="http://schemas.openxmlformats.org/drawingml/2006/diagram" xmlns:o="urn:schemas-microsoft-com:office:office" xmlns:v="urn:schemas-microsoft-com:vml" xmlns:pvml="urn:schemas-microsoft-com:office:powerpoint" xmlns:com="http://schemas.openxmlformats.org/drawingml/2006/compatibility" xmlns:p14="http://schemas.microsoft.com/office/powerpoint/2010/main" xmlns:p15="http://schemas.microsoft.com/office/powerpoint/2012/main" xmlns:ahyp="http://schemas.microsoft.com/office/drawing/2018/hyperlinkcolor" showMasterPhAnim="0" showMasterSp="0">
   <p:cSld>
     <p:spTree>
       <p:nvGrpSpPr>
-        <p:cNvPr id="1" name="Shape 145"/>
+        <p:cNvPr id="145" name="Shape 145"/>
         <p:cNvGrpSpPr/>
         <p:nvPr/>
       </p:nvGrpSpPr>
@@ -1366,26 +1316,20 @@
       <p:sp>
         <p:nvSpPr>
           <p:cNvPr id="146" name="Google Shape;146;gbcf296bf5b_1_101:notes"/>
-          <p:cNvSpPr>
-            <a:spLocks noGrp="1" noRot="1" noChangeAspect="1"/>
-          </p:cNvSpPr>
+          <p:cNvSpPr/>
           <p:nvPr>
-            <p:ph type="sldImg" idx="2"/>
+            <p:ph idx="2" type="sldImg"/>
           </p:nvPr>
         </p:nvSpPr>
         <p:spPr>
           <a:xfrm>
-            <a:off x="381000" y="685800"/>
+            <a:off x="381300" y="685800"/>
             <a:ext cx="6096000" cy="3429000"/>
           </a:xfrm>
           <a:custGeom>
-            <a:avLst/>
-            <a:gdLst/>
-            <a:ahLst/>
-            <a:cxnLst/>
-            <a:rect l="l" t="t" r="r" b="b"/>
+            <a:rect b="b" l="l" r="r" t="t"/>
             <a:pathLst>
-              <a:path w="120000" h="120000" extrusionOk="0">
+              <a:path extrusionOk="0" h="120000" w="120000">
                 <a:moveTo>
                   <a:pt x="0" y="0"/>
                 </a:moveTo>
@@ -1407,11 +1351,9 @@
       <p:sp>
         <p:nvSpPr>
           <p:cNvPr id="147" name="Google Shape;147;gbcf296bf5b_1_101:notes"/>
-          <p:cNvSpPr txBox="1">
-            <a:spLocks noGrp="1"/>
-          </p:cNvSpPr>
+          <p:cNvSpPr txBox="1"/>
           <p:nvPr>
-            <p:ph type="body" idx="1"/>
+            <p:ph idx="1" type="body"/>
           </p:nvPr>
         </p:nvSpPr>
         <p:spPr>
@@ -1424,12 +1366,12 @@
           </a:prstGeom>
         </p:spPr>
         <p:txBody>
-          <a:bodyPr spcFirstLastPara="1" wrap="square" lIns="91425" tIns="91425" rIns="91425" bIns="91425" anchor="t" anchorCtr="0">
+          <a:bodyPr anchorCtr="0" anchor="t" bIns="91425" lIns="91425" spcFirstLastPara="1" rIns="91425" wrap="square" tIns="91425">
             <a:noAutofit/>
           </a:bodyPr>
           <a:lstStyle/>
           <a:p>
-            <a:pPr marL="0" lvl="0" indent="0" algn="l" rtl="0">
+            <a:pPr indent="0" lvl="0" marL="0" rtl="0" algn="l">
               <a:spcBef>
                 <a:spcPts val="0"/>
               </a:spcBef>
@@ -1438,6 +1380,9 @@
               </a:spcAft>
               <a:buNone/>
             </a:pPr>
+            <a:r>
+              <a:t/>
+            </a:r>
             <a:endParaRPr/>
           </a:p>
         </p:txBody>
@@ -1451,11 +1396,11 @@
 </file>
 
 <file path=ppt/notesSlides/notesSlide16.xml><?xml version="1.0" encoding="utf-8"?>
-<p:notes xmlns:a="http://schemas.openxmlformats.org/drawingml/2006/main" xmlns:r="http://schemas.openxmlformats.org/officeDocument/2006/relationships" xmlns:p="http://schemas.openxmlformats.org/presentationml/2006/main" showMasterSp="0" showMasterPhAnim="0">
+<p:notes xmlns:a="http://schemas.openxmlformats.org/drawingml/2006/main" xmlns:r="http://schemas.openxmlformats.org/officeDocument/2006/relationships" xmlns:mc="http://schemas.openxmlformats.org/markup-compatibility/2006" xmlns:mv="urn:schemas-microsoft-com:mac:vml" xmlns:p="http://schemas.openxmlformats.org/presentationml/2006/main" xmlns:c="http://schemas.openxmlformats.org/drawingml/2006/chart" xmlns:dgm="http://schemas.openxmlformats.org/drawingml/2006/diagram" xmlns:o="urn:schemas-microsoft-com:office:office" xmlns:v="urn:schemas-microsoft-com:vml" xmlns:pvml="urn:schemas-microsoft-com:office:powerpoint" xmlns:com="http://schemas.openxmlformats.org/drawingml/2006/compatibility" xmlns:p14="http://schemas.microsoft.com/office/powerpoint/2010/main" xmlns:p15="http://schemas.microsoft.com/office/powerpoint/2012/main" xmlns:ahyp="http://schemas.microsoft.com/office/drawing/2018/hyperlinkcolor" showMasterPhAnim="0" showMasterSp="0">
   <p:cSld>
     <p:spTree>
       <p:nvGrpSpPr>
-        <p:cNvPr id="1" name="Shape 153"/>
+        <p:cNvPr id="153" name="Shape 153"/>
         <p:cNvGrpSpPr/>
         <p:nvPr/>
       </p:nvGrpSpPr>
@@ -1470,26 +1415,20 @@
       <p:sp>
         <p:nvSpPr>
           <p:cNvPr id="154" name="Google Shape;154;gbcf296bf5b_1_0:notes"/>
-          <p:cNvSpPr>
-            <a:spLocks noGrp="1" noRot="1" noChangeAspect="1"/>
-          </p:cNvSpPr>
+          <p:cNvSpPr/>
           <p:nvPr>
-            <p:ph type="sldImg" idx="2"/>
+            <p:ph idx="2" type="sldImg"/>
           </p:nvPr>
         </p:nvSpPr>
         <p:spPr>
           <a:xfrm>
-            <a:off x="381000" y="685800"/>
+            <a:off x="381300" y="685800"/>
             <a:ext cx="6096000" cy="3429000"/>
           </a:xfrm>
           <a:custGeom>
-            <a:avLst/>
-            <a:gdLst/>
-            <a:ahLst/>
-            <a:cxnLst/>
-            <a:rect l="l" t="t" r="r" b="b"/>
+            <a:rect b="b" l="l" r="r" t="t"/>
             <a:pathLst>
-              <a:path w="120000" h="120000" extrusionOk="0">
+              <a:path extrusionOk="0" h="120000" w="120000">
                 <a:moveTo>
                   <a:pt x="0" y="0"/>
                 </a:moveTo>
@@ -1511,11 +1450,9 @@
       <p:sp>
         <p:nvSpPr>
           <p:cNvPr id="155" name="Google Shape;155;gbcf296bf5b_1_0:notes"/>
-          <p:cNvSpPr txBox="1">
-            <a:spLocks noGrp="1"/>
-          </p:cNvSpPr>
+          <p:cNvSpPr txBox="1"/>
           <p:nvPr>
-            <p:ph type="body" idx="1"/>
+            <p:ph idx="1" type="body"/>
           </p:nvPr>
         </p:nvSpPr>
         <p:spPr>
@@ -1528,12 +1465,12 @@
           </a:prstGeom>
         </p:spPr>
         <p:txBody>
-          <a:bodyPr spcFirstLastPara="1" wrap="square" lIns="91425" tIns="91425" rIns="91425" bIns="91425" anchor="t" anchorCtr="0">
+          <a:bodyPr anchorCtr="0" anchor="t" bIns="91425" lIns="91425" spcFirstLastPara="1" rIns="91425" wrap="square" tIns="91425">
             <a:noAutofit/>
           </a:bodyPr>
           <a:lstStyle/>
           <a:p>
-            <a:pPr marL="0" lvl="0" indent="0" algn="l" rtl="0">
+            <a:pPr indent="0" lvl="0" marL="0" rtl="0" algn="l">
               <a:spcBef>
                 <a:spcPts val="0"/>
               </a:spcBef>
@@ -1542,6 +1479,9 @@
               </a:spcAft>
               <a:buNone/>
             </a:pPr>
+            <a:r>
+              <a:t/>
+            </a:r>
             <a:endParaRPr/>
           </a:p>
         </p:txBody>
@@ -1555,11 +1495,11 @@
 </file>
 
 <file path=ppt/notesSlides/notesSlide17.xml><?xml version="1.0" encoding="utf-8"?>
-<p:notes xmlns:a="http://schemas.openxmlformats.org/drawingml/2006/main" xmlns:r="http://schemas.openxmlformats.org/officeDocument/2006/relationships" xmlns:p="http://schemas.openxmlformats.org/presentationml/2006/main" showMasterSp="0" showMasterPhAnim="0">
+<p:notes xmlns:a="http://schemas.openxmlformats.org/drawingml/2006/main" xmlns:r="http://schemas.openxmlformats.org/officeDocument/2006/relationships" xmlns:mc="http://schemas.openxmlformats.org/markup-compatibility/2006" xmlns:mv="urn:schemas-microsoft-com:mac:vml" xmlns:p="http://schemas.openxmlformats.org/presentationml/2006/main" xmlns:c="http://schemas.openxmlformats.org/drawingml/2006/chart" xmlns:dgm="http://schemas.openxmlformats.org/drawingml/2006/diagram" xmlns:o="urn:schemas-microsoft-com:office:office" xmlns:v="urn:schemas-microsoft-com:vml" xmlns:pvml="urn:schemas-microsoft-com:office:powerpoint" xmlns:com="http://schemas.openxmlformats.org/drawingml/2006/compatibility" xmlns:p14="http://schemas.microsoft.com/office/powerpoint/2010/main" xmlns:p15="http://schemas.microsoft.com/office/powerpoint/2012/main" xmlns:ahyp="http://schemas.microsoft.com/office/drawing/2018/hyperlinkcolor" showMasterPhAnim="0" showMasterSp="0">
   <p:cSld>
     <p:spTree>
       <p:nvGrpSpPr>
-        <p:cNvPr id="1" name="Shape 160"/>
+        <p:cNvPr id="160" name="Shape 160"/>
         <p:cNvGrpSpPr/>
         <p:nvPr/>
       </p:nvGrpSpPr>
@@ -1574,26 +1514,20 @@
       <p:sp>
         <p:nvSpPr>
           <p:cNvPr id="161" name="Google Shape;161;gbcf296bf5b_1_114:notes"/>
-          <p:cNvSpPr>
-            <a:spLocks noGrp="1" noRot="1" noChangeAspect="1"/>
-          </p:cNvSpPr>
+          <p:cNvSpPr/>
           <p:nvPr>
-            <p:ph type="sldImg" idx="2"/>
+            <p:ph idx="2" type="sldImg"/>
           </p:nvPr>
         </p:nvSpPr>
         <p:spPr>
           <a:xfrm>
-            <a:off x="381000" y="685800"/>
+            <a:off x="381300" y="685800"/>
             <a:ext cx="6096000" cy="3429000"/>
           </a:xfrm>
           <a:custGeom>
-            <a:avLst/>
-            <a:gdLst/>
-            <a:ahLst/>
-            <a:cxnLst/>
-            <a:rect l="l" t="t" r="r" b="b"/>
+            <a:rect b="b" l="l" r="r" t="t"/>
             <a:pathLst>
-              <a:path w="120000" h="120000" extrusionOk="0">
+              <a:path extrusionOk="0" h="120000" w="120000">
                 <a:moveTo>
                   <a:pt x="0" y="0"/>
                 </a:moveTo>
@@ -1615,11 +1549,9 @@
       <p:sp>
         <p:nvSpPr>
           <p:cNvPr id="162" name="Google Shape;162;gbcf296bf5b_1_114:notes"/>
-          <p:cNvSpPr txBox="1">
-            <a:spLocks noGrp="1"/>
-          </p:cNvSpPr>
+          <p:cNvSpPr txBox="1"/>
           <p:nvPr>
-            <p:ph type="body" idx="1"/>
+            <p:ph idx="1" type="body"/>
           </p:nvPr>
         </p:nvSpPr>
         <p:spPr>
@@ -1632,12 +1564,12 @@
           </a:prstGeom>
         </p:spPr>
         <p:txBody>
-          <a:bodyPr spcFirstLastPara="1" wrap="square" lIns="91425" tIns="91425" rIns="91425" bIns="91425" anchor="t" anchorCtr="0">
+          <a:bodyPr anchorCtr="0" anchor="t" bIns="91425" lIns="91425" spcFirstLastPara="1" rIns="91425" wrap="square" tIns="91425">
             <a:noAutofit/>
           </a:bodyPr>
           <a:lstStyle/>
           <a:p>
-            <a:pPr marL="0" lvl="0" indent="0" algn="l" rtl="0">
+            <a:pPr indent="0" lvl="0" marL="0" rtl="0" algn="l">
               <a:spcBef>
                 <a:spcPts val="0"/>
               </a:spcBef>
@@ -1646,6 +1578,9 @@
               </a:spcAft>
               <a:buNone/>
             </a:pPr>
+            <a:r>
+              <a:t/>
+            </a:r>
             <a:endParaRPr/>
           </a:p>
         </p:txBody>
@@ -1659,11 +1594,11 @@
 </file>
 
 <file path=ppt/notesSlides/notesSlide2.xml><?xml version="1.0" encoding="utf-8"?>
-<p:notes xmlns:a="http://schemas.openxmlformats.org/drawingml/2006/main" xmlns:r="http://schemas.openxmlformats.org/officeDocument/2006/relationships" xmlns:p="http://schemas.openxmlformats.org/presentationml/2006/main" showMasterSp="0" showMasterPhAnim="0">
+<p:notes xmlns:a="http://schemas.openxmlformats.org/drawingml/2006/main" xmlns:r="http://schemas.openxmlformats.org/officeDocument/2006/relationships" xmlns:mc="http://schemas.openxmlformats.org/markup-compatibility/2006" xmlns:mv="urn:schemas-microsoft-com:mac:vml" xmlns:p="http://schemas.openxmlformats.org/presentationml/2006/main" xmlns:c="http://schemas.openxmlformats.org/drawingml/2006/chart" xmlns:dgm="http://schemas.openxmlformats.org/drawingml/2006/diagram" xmlns:o="urn:schemas-microsoft-com:office:office" xmlns:v="urn:schemas-microsoft-com:vml" xmlns:pvml="urn:schemas-microsoft-com:office:powerpoint" xmlns:com="http://schemas.openxmlformats.org/drawingml/2006/compatibility" xmlns:p14="http://schemas.microsoft.com/office/powerpoint/2010/main" xmlns:p15="http://schemas.microsoft.com/office/powerpoint/2012/main" xmlns:ahyp="http://schemas.microsoft.com/office/drawing/2018/hyperlinkcolor" showMasterPhAnim="0" showMasterSp="0">
   <p:cSld>
     <p:spTree>
       <p:nvGrpSpPr>
-        <p:cNvPr id="1" name="Shape 56"/>
+        <p:cNvPr id="56" name="Shape 56"/>
         <p:cNvGrpSpPr/>
         <p:nvPr/>
       </p:nvGrpSpPr>
@@ -1678,26 +1613,20 @@
       <p:sp>
         <p:nvSpPr>
           <p:cNvPr id="57" name="Google Shape;57;gbcf296bf5b_1_5:notes"/>
-          <p:cNvSpPr>
-            <a:spLocks noGrp="1" noRot="1" noChangeAspect="1"/>
-          </p:cNvSpPr>
+          <p:cNvSpPr/>
           <p:nvPr>
-            <p:ph type="sldImg" idx="2"/>
+            <p:ph idx="2" type="sldImg"/>
           </p:nvPr>
         </p:nvSpPr>
         <p:spPr>
           <a:xfrm>
-            <a:off x="381000" y="685800"/>
+            <a:off x="381300" y="685800"/>
             <a:ext cx="6096000" cy="3429000"/>
           </a:xfrm>
           <a:custGeom>
-            <a:avLst/>
-            <a:gdLst/>
-            <a:ahLst/>
-            <a:cxnLst/>
-            <a:rect l="l" t="t" r="r" b="b"/>
+            <a:rect b="b" l="l" r="r" t="t"/>
             <a:pathLst>
-              <a:path w="120000" h="120000" extrusionOk="0">
+              <a:path extrusionOk="0" h="120000" w="120000">
                 <a:moveTo>
                   <a:pt x="0" y="0"/>
                 </a:moveTo>
@@ -1719,11 +1648,9 @@
       <p:sp>
         <p:nvSpPr>
           <p:cNvPr id="58" name="Google Shape;58;gbcf296bf5b_1_5:notes"/>
-          <p:cNvSpPr txBox="1">
-            <a:spLocks noGrp="1"/>
-          </p:cNvSpPr>
+          <p:cNvSpPr txBox="1"/>
           <p:nvPr>
-            <p:ph type="body" idx="1"/>
+            <p:ph idx="1" type="body"/>
           </p:nvPr>
         </p:nvSpPr>
         <p:spPr>
@@ -1736,12 +1663,12 @@
           </a:prstGeom>
         </p:spPr>
         <p:txBody>
-          <a:bodyPr spcFirstLastPara="1" wrap="square" lIns="91425" tIns="91425" rIns="91425" bIns="91425" anchor="t" anchorCtr="0">
+          <a:bodyPr anchorCtr="0" anchor="t" bIns="91425" lIns="91425" spcFirstLastPara="1" rIns="91425" wrap="square" tIns="91425">
             <a:noAutofit/>
           </a:bodyPr>
           <a:lstStyle/>
           <a:p>
-            <a:pPr marL="0" lvl="0" indent="0" algn="l" rtl="0">
+            <a:pPr indent="0" lvl="0" marL="0" rtl="0" algn="l">
               <a:spcBef>
                 <a:spcPts val="0"/>
               </a:spcBef>
@@ -1750,6 +1677,9 @@
               </a:spcAft>
               <a:buNone/>
             </a:pPr>
+            <a:r>
+              <a:t/>
+            </a:r>
             <a:endParaRPr/>
           </a:p>
         </p:txBody>
@@ -1763,11 +1693,11 @@
 </file>
 
 <file path=ppt/notesSlides/notesSlide3.xml><?xml version="1.0" encoding="utf-8"?>
-<p:notes xmlns:a="http://schemas.openxmlformats.org/drawingml/2006/main" xmlns:r="http://schemas.openxmlformats.org/officeDocument/2006/relationships" xmlns:p="http://schemas.openxmlformats.org/presentationml/2006/main" showMasterSp="0" showMasterPhAnim="0">
+<p:notes xmlns:a="http://schemas.openxmlformats.org/drawingml/2006/main" xmlns:r="http://schemas.openxmlformats.org/officeDocument/2006/relationships" xmlns:mc="http://schemas.openxmlformats.org/markup-compatibility/2006" xmlns:mv="urn:schemas-microsoft-com:mac:vml" xmlns:p="http://schemas.openxmlformats.org/presentationml/2006/main" xmlns:c="http://schemas.openxmlformats.org/drawingml/2006/chart" xmlns:dgm="http://schemas.openxmlformats.org/drawingml/2006/diagram" xmlns:o="urn:schemas-microsoft-com:office:office" xmlns:v="urn:schemas-microsoft-com:vml" xmlns:pvml="urn:schemas-microsoft-com:office:powerpoint" xmlns:com="http://schemas.openxmlformats.org/drawingml/2006/compatibility" xmlns:p14="http://schemas.microsoft.com/office/powerpoint/2010/main" xmlns:p15="http://schemas.microsoft.com/office/powerpoint/2012/main" xmlns:ahyp="http://schemas.microsoft.com/office/drawing/2018/hyperlinkcolor" showMasterPhAnim="0" showMasterSp="0">
   <p:cSld>
     <p:spTree>
       <p:nvGrpSpPr>
-        <p:cNvPr id="1" name="Shape 62"/>
+        <p:cNvPr id="62" name="Shape 62"/>
         <p:cNvGrpSpPr/>
         <p:nvPr/>
       </p:nvGrpSpPr>
@@ -1782,26 +1712,20 @@
       <p:sp>
         <p:nvSpPr>
           <p:cNvPr id="63" name="Google Shape;63;gbd9c1a23f1_1_0:notes"/>
-          <p:cNvSpPr>
-            <a:spLocks noGrp="1" noRot="1" noChangeAspect="1"/>
-          </p:cNvSpPr>
+          <p:cNvSpPr/>
           <p:nvPr>
-            <p:ph type="sldImg" idx="2"/>
+            <p:ph idx="2" type="sldImg"/>
           </p:nvPr>
         </p:nvSpPr>
         <p:spPr>
           <a:xfrm>
-            <a:off x="381000" y="685800"/>
+            <a:off x="381300" y="685800"/>
             <a:ext cx="6096000" cy="3429000"/>
           </a:xfrm>
           <a:custGeom>
-            <a:avLst/>
-            <a:gdLst/>
-            <a:ahLst/>
-            <a:cxnLst/>
-            <a:rect l="l" t="t" r="r" b="b"/>
+            <a:rect b="b" l="l" r="r" t="t"/>
             <a:pathLst>
-              <a:path w="120000" h="120000" extrusionOk="0">
+              <a:path extrusionOk="0" h="120000" w="120000">
                 <a:moveTo>
                   <a:pt x="0" y="0"/>
                 </a:moveTo>
@@ -1823,11 +1747,9 @@
       <p:sp>
         <p:nvSpPr>
           <p:cNvPr id="64" name="Google Shape;64;gbd9c1a23f1_1_0:notes"/>
-          <p:cNvSpPr txBox="1">
-            <a:spLocks noGrp="1"/>
-          </p:cNvSpPr>
+          <p:cNvSpPr txBox="1"/>
           <p:nvPr>
-            <p:ph type="body" idx="1"/>
+            <p:ph idx="1" type="body"/>
           </p:nvPr>
         </p:nvSpPr>
         <p:spPr>
@@ -1840,12 +1762,12 @@
           </a:prstGeom>
         </p:spPr>
         <p:txBody>
-          <a:bodyPr spcFirstLastPara="1" wrap="square" lIns="91425" tIns="91425" rIns="91425" bIns="91425" anchor="t" anchorCtr="0">
+          <a:bodyPr anchorCtr="0" anchor="t" bIns="91425" lIns="91425" spcFirstLastPara="1" rIns="91425" wrap="square" tIns="91425">
             <a:noAutofit/>
           </a:bodyPr>
           <a:lstStyle/>
           <a:p>
-            <a:pPr marL="0" lvl="0" indent="0" algn="l" rtl="0">
+            <a:pPr indent="0" lvl="0" marL="0" rtl="0" algn="l">
               <a:spcBef>
                 <a:spcPts val="0"/>
               </a:spcBef>
@@ -1854,6 +1776,9 @@
               </a:spcAft>
               <a:buNone/>
             </a:pPr>
+            <a:r>
+              <a:t/>
+            </a:r>
             <a:endParaRPr/>
           </a:p>
         </p:txBody>
@@ -1867,11 +1792,11 @@
 </file>
 
 <file path=ppt/notesSlides/notesSlide4.xml><?xml version="1.0" encoding="utf-8"?>
-<p:notes xmlns:a="http://schemas.openxmlformats.org/drawingml/2006/main" xmlns:r="http://schemas.openxmlformats.org/officeDocument/2006/relationships" xmlns:p="http://schemas.openxmlformats.org/presentationml/2006/main" showMasterSp="0" showMasterPhAnim="0">
+<p:notes xmlns:a="http://schemas.openxmlformats.org/drawingml/2006/main" xmlns:r="http://schemas.openxmlformats.org/officeDocument/2006/relationships" xmlns:mc="http://schemas.openxmlformats.org/markup-compatibility/2006" xmlns:mv="urn:schemas-microsoft-com:mac:vml" xmlns:p="http://schemas.openxmlformats.org/presentationml/2006/main" xmlns:c="http://schemas.openxmlformats.org/drawingml/2006/chart" xmlns:dgm="http://schemas.openxmlformats.org/drawingml/2006/diagram" xmlns:o="urn:schemas-microsoft-com:office:office" xmlns:v="urn:schemas-microsoft-com:vml" xmlns:pvml="urn:schemas-microsoft-com:office:powerpoint" xmlns:com="http://schemas.openxmlformats.org/drawingml/2006/compatibility" xmlns:p14="http://schemas.microsoft.com/office/powerpoint/2010/main" xmlns:p15="http://schemas.microsoft.com/office/powerpoint/2012/main" xmlns:ahyp="http://schemas.microsoft.com/office/drawing/2018/hyperlinkcolor" showMasterPhAnim="0" showMasterSp="0">
   <p:cSld>
     <p:spTree>
       <p:nvGrpSpPr>
-        <p:cNvPr id="1" name="Shape 69"/>
+        <p:cNvPr id="69" name="Shape 69"/>
         <p:cNvGrpSpPr/>
         <p:nvPr/>
       </p:nvGrpSpPr>
@@ -1886,26 +1811,20 @@
       <p:sp>
         <p:nvSpPr>
           <p:cNvPr id="70" name="Google Shape;70;gbcf296bf5b_7_10:notes"/>
-          <p:cNvSpPr>
-            <a:spLocks noGrp="1" noRot="1" noChangeAspect="1"/>
-          </p:cNvSpPr>
+          <p:cNvSpPr/>
           <p:nvPr>
-            <p:ph type="sldImg" idx="2"/>
+            <p:ph idx="2" type="sldImg"/>
           </p:nvPr>
         </p:nvSpPr>
         <p:spPr>
           <a:xfrm>
-            <a:off x="381000" y="685800"/>
+            <a:off x="381300" y="685800"/>
             <a:ext cx="6096000" cy="3429000"/>
           </a:xfrm>
           <a:custGeom>
-            <a:avLst/>
-            <a:gdLst/>
-            <a:ahLst/>
-            <a:cxnLst/>
-            <a:rect l="l" t="t" r="r" b="b"/>
+            <a:rect b="b" l="l" r="r" t="t"/>
             <a:pathLst>
-              <a:path w="120000" h="120000" extrusionOk="0">
+              <a:path extrusionOk="0" h="120000" w="120000">
                 <a:moveTo>
                   <a:pt x="0" y="0"/>
                 </a:moveTo>
@@ -1927,11 +1846,9 @@
       <p:sp>
         <p:nvSpPr>
           <p:cNvPr id="71" name="Google Shape;71;gbcf296bf5b_7_10:notes"/>
-          <p:cNvSpPr txBox="1">
-            <a:spLocks noGrp="1"/>
-          </p:cNvSpPr>
+          <p:cNvSpPr txBox="1"/>
           <p:nvPr>
-            <p:ph type="body" idx="1"/>
+            <p:ph idx="1" type="body"/>
           </p:nvPr>
         </p:nvSpPr>
         <p:spPr>
@@ -1944,12 +1861,12 @@
           </a:prstGeom>
         </p:spPr>
         <p:txBody>
-          <a:bodyPr spcFirstLastPara="1" wrap="square" lIns="91425" tIns="91425" rIns="91425" bIns="91425" anchor="t" anchorCtr="0">
+          <a:bodyPr anchorCtr="0" anchor="t" bIns="91425" lIns="91425" spcFirstLastPara="1" rIns="91425" wrap="square" tIns="91425">
             <a:noAutofit/>
           </a:bodyPr>
           <a:lstStyle/>
           <a:p>
-            <a:pPr marL="0" lvl="0" indent="0" algn="l" rtl="0">
+            <a:pPr indent="0" lvl="0" marL="0" rtl="0" algn="l">
               <a:spcBef>
                 <a:spcPts val="0"/>
               </a:spcBef>
@@ -1958,6 +1875,9 @@
               </a:spcAft>
               <a:buNone/>
             </a:pPr>
+            <a:r>
+              <a:t/>
+            </a:r>
             <a:endParaRPr/>
           </a:p>
         </p:txBody>
@@ -1971,11 +1891,11 @@
 </file>
 
 <file path=ppt/notesSlides/notesSlide5.xml><?xml version="1.0" encoding="utf-8"?>
-<p:notes xmlns:a="http://schemas.openxmlformats.org/drawingml/2006/main" xmlns:r="http://schemas.openxmlformats.org/officeDocument/2006/relationships" xmlns:p="http://schemas.openxmlformats.org/presentationml/2006/main" showMasterSp="0" showMasterPhAnim="0">
+<p:notes xmlns:a="http://schemas.openxmlformats.org/drawingml/2006/main" xmlns:r="http://schemas.openxmlformats.org/officeDocument/2006/relationships" xmlns:mc="http://schemas.openxmlformats.org/markup-compatibility/2006" xmlns:mv="urn:schemas-microsoft-com:mac:vml" xmlns:p="http://schemas.openxmlformats.org/presentationml/2006/main" xmlns:c="http://schemas.openxmlformats.org/drawingml/2006/chart" xmlns:dgm="http://schemas.openxmlformats.org/drawingml/2006/diagram" xmlns:o="urn:schemas-microsoft-com:office:office" xmlns:v="urn:schemas-microsoft-com:vml" xmlns:pvml="urn:schemas-microsoft-com:office:powerpoint" xmlns:com="http://schemas.openxmlformats.org/drawingml/2006/compatibility" xmlns:p14="http://schemas.microsoft.com/office/powerpoint/2010/main" xmlns:p15="http://schemas.microsoft.com/office/powerpoint/2012/main" xmlns:ahyp="http://schemas.microsoft.com/office/drawing/2018/hyperlinkcolor" showMasterPhAnim="0" showMasterSp="0">
   <p:cSld>
     <p:spTree>
       <p:nvGrpSpPr>
-        <p:cNvPr id="1" name="Shape 78"/>
+        <p:cNvPr id="78" name="Shape 78"/>
         <p:cNvGrpSpPr/>
         <p:nvPr/>
       </p:nvGrpSpPr>
@@ -1990,26 +1910,20 @@
       <p:sp>
         <p:nvSpPr>
           <p:cNvPr id="79" name="Google Shape;79;gbcf296bf5b_1_10:notes"/>
-          <p:cNvSpPr>
-            <a:spLocks noGrp="1" noRot="1" noChangeAspect="1"/>
-          </p:cNvSpPr>
+          <p:cNvSpPr/>
           <p:nvPr>
-            <p:ph type="sldImg" idx="2"/>
+            <p:ph idx="2" type="sldImg"/>
           </p:nvPr>
         </p:nvSpPr>
         <p:spPr>
           <a:xfrm>
-            <a:off x="381000" y="685800"/>
+            <a:off x="381300" y="685800"/>
             <a:ext cx="6096000" cy="3429000"/>
           </a:xfrm>
           <a:custGeom>
-            <a:avLst/>
-            <a:gdLst/>
-            <a:ahLst/>
-            <a:cxnLst/>
-            <a:rect l="l" t="t" r="r" b="b"/>
+            <a:rect b="b" l="l" r="r" t="t"/>
             <a:pathLst>
-              <a:path w="120000" h="120000" extrusionOk="0">
+              <a:path extrusionOk="0" h="120000" w="120000">
                 <a:moveTo>
                   <a:pt x="0" y="0"/>
                 </a:moveTo>
@@ -2031,11 +1945,9 @@
       <p:sp>
         <p:nvSpPr>
           <p:cNvPr id="80" name="Google Shape;80;gbcf296bf5b_1_10:notes"/>
-          <p:cNvSpPr txBox="1">
-            <a:spLocks noGrp="1"/>
-          </p:cNvSpPr>
+          <p:cNvSpPr txBox="1"/>
           <p:nvPr>
-            <p:ph type="body" idx="1"/>
+            <p:ph idx="1" type="body"/>
           </p:nvPr>
         </p:nvSpPr>
         <p:spPr>
@@ -2048,12 +1960,12 @@
           </a:prstGeom>
         </p:spPr>
         <p:txBody>
-          <a:bodyPr spcFirstLastPara="1" wrap="square" lIns="91425" tIns="91425" rIns="91425" bIns="91425" anchor="t" anchorCtr="0">
+          <a:bodyPr anchorCtr="0" anchor="t" bIns="91425" lIns="91425" spcFirstLastPara="1" rIns="91425" wrap="square" tIns="91425">
             <a:noAutofit/>
           </a:bodyPr>
           <a:lstStyle/>
           <a:p>
-            <a:pPr marL="0" lvl="0" indent="0" algn="l" rtl="0">
+            <a:pPr indent="0" lvl="0" marL="0" rtl="0" algn="l">
               <a:spcBef>
                 <a:spcPts val="0"/>
               </a:spcBef>
@@ -2062,6 +1974,9 @@
               </a:spcAft>
               <a:buNone/>
             </a:pPr>
+            <a:r>
+              <a:t/>
+            </a:r>
             <a:endParaRPr/>
           </a:p>
         </p:txBody>
@@ -2075,11 +1990,11 @@
 </file>
 
 <file path=ppt/notesSlides/notesSlide6.xml><?xml version="1.0" encoding="utf-8"?>
-<p:notes xmlns:a="http://schemas.openxmlformats.org/drawingml/2006/main" xmlns:r="http://schemas.openxmlformats.org/officeDocument/2006/relationships" xmlns:p="http://schemas.openxmlformats.org/presentationml/2006/main" showMasterSp="0" showMasterPhAnim="0">
+<p:notes xmlns:a="http://schemas.openxmlformats.org/drawingml/2006/main" xmlns:r="http://schemas.openxmlformats.org/officeDocument/2006/relationships" xmlns:mc="http://schemas.openxmlformats.org/markup-compatibility/2006" xmlns:mv="urn:schemas-microsoft-com:mac:vml" xmlns:p="http://schemas.openxmlformats.org/presentationml/2006/main" xmlns:c="http://schemas.openxmlformats.org/drawingml/2006/chart" xmlns:dgm="http://schemas.openxmlformats.org/drawingml/2006/diagram" xmlns:o="urn:schemas-microsoft-com:office:office" xmlns:v="urn:schemas-microsoft-com:vml" xmlns:pvml="urn:schemas-microsoft-com:office:powerpoint" xmlns:com="http://schemas.openxmlformats.org/drawingml/2006/compatibility" xmlns:p14="http://schemas.microsoft.com/office/powerpoint/2010/main" xmlns:p15="http://schemas.microsoft.com/office/powerpoint/2012/main" xmlns:ahyp="http://schemas.microsoft.com/office/drawing/2018/hyperlinkcolor" showMasterPhAnim="0" showMasterSp="0">
   <p:cSld>
     <p:spTree>
       <p:nvGrpSpPr>
-        <p:cNvPr id="1" name="Shape 84"/>
+        <p:cNvPr id="84" name="Shape 84"/>
         <p:cNvGrpSpPr/>
         <p:nvPr/>
       </p:nvGrpSpPr>
@@ -2094,26 +2009,20 @@
       <p:sp>
         <p:nvSpPr>
           <p:cNvPr id="85" name="Google Shape;85;gbcf296bf5b_1_76:notes"/>
-          <p:cNvSpPr>
-            <a:spLocks noGrp="1" noRot="1" noChangeAspect="1"/>
-          </p:cNvSpPr>
+          <p:cNvSpPr/>
           <p:nvPr>
-            <p:ph type="sldImg" idx="2"/>
+            <p:ph idx="2" type="sldImg"/>
           </p:nvPr>
         </p:nvSpPr>
         <p:spPr>
           <a:xfrm>
-            <a:off x="381000" y="685800"/>
+            <a:off x="381300" y="685800"/>
             <a:ext cx="6096000" cy="3429000"/>
           </a:xfrm>
           <a:custGeom>
-            <a:avLst/>
-            <a:gdLst/>
-            <a:ahLst/>
-            <a:cxnLst/>
-            <a:rect l="l" t="t" r="r" b="b"/>
+            <a:rect b="b" l="l" r="r" t="t"/>
             <a:pathLst>
-              <a:path w="120000" h="120000" extrusionOk="0">
+              <a:path extrusionOk="0" h="120000" w="120000">
                 <a:moveTo>
                   <a:pt x="0" y="0"/>
                 </a:moveTo>
@@ -2135,11 +2044,9 @@
       <p:sp>
         <p:nvSpPr>
           <p:cNvPr id="86" name="Google Shape;86;gbcf296bf5b_1_76:notes"/>
-          <p:cNvSpPr txBox="1">
-            <a:spLocks noGrp="1"/>
-          </p:cNvSpPr>
+          <p:cNvSpPr txBox="1"/>
           <p:nvPr>
-            <p:ph type="body" idx="1"/>
+            <p:ph idx="1" type="body"/>
           </p:nvPr>
         </p:nvSpPr>
         <p:spPr>
@@ -2152,12 +2059,12 @@
           </a:prstGeom>
         </p:spPr>
         <p:txBody>
-          <a:bodyPr spcFirstLastPara="1" wrap="square" lIns="91425" tIns="91425" rIns="91425" bIns="91425" anchor="t" anchorCtr="0">
+          <a:bodyPr anchorCtr="0" anchor="t" bIns="91425" lIns="91425" spcFirstLastPara="1" rIns="91425" wrap="square" tIns="91425">
             <a:noAutofit/>
           </a:bodyPr>
           <a:lstStyle/>
           <a:p>
-            <a:pPr marL="0" lvl="0" indent="0" algn="l" rtl="0">
+            <a:pPr indent="0" lvl="0" marL="0" rtl="0" algn="l">
               <a:spcBef>
                 <a:spcPts val="0"/>
               </a:spcBef>
@@ -2166,6 +2073,9 @@
               </a:spcAft>
               <a:buNone/>
             </a:pPr>
+            <a:r>
+              <a:t/>
+            </a:r>
             <a:endParaRPr/>
           </a:p>
         </p:txBody>
@@ -2179,11 +2089,11 @@
 </file>
 
 <file path=ppt/notesSlides/notesSlide7.xml><?xml version="1.0" encoding="utf-8"?>
-<p:notes xmlns:a="http://schemas.openxmlformats.org/drawingml/2006/main" xmlns:r="http://schemas.openxmlformats.org/officeDocument/2006/relationships" xmlns:p="http://schemas.openxmlformats.org/presentationml/2006/main" showMasterSp="0" showMasterPhAnim="0">
+<p:notes xmlns:a="http://schemas.openxmlformats.org/drawingml/2006/main" xmlns:r="http://schemas.openxmlformats.org/officeDocument/2006/relationships" xmlns:mc="http://schemas.openxmlformats.org/markup-compatibility/2006" xmlns:mv="urn:schemas-microsoft-com:mac:vml" xmlns:p="http://schemas.openxmlformats.org/presentationml/2006/main" xmlns:c="http://schemas.openxmlformats.org/drawingml/2006/chart" xmlns:dgm="http://schemas.openxmlformats.org/drawingml/2006/diagram" xmlns:o="urn:schemas-microsoft-com:office:office" xmlns:v="urn:schemas-microsoft-com:vml" xmlns:pvml="urn:schemas-microsoft-com:office:powerpoint" xmlns:com="http://schemas.openxmlformats.org/drawingml/2006/compatibility" xmlns:p14="http://schemas.microsoft.com/office/powerpoint/2010/main" xmlns:p15="http://schemas.microsoft.com/office/powerpoint/2012/main" xmlns:ahyp="http://schemas.microsoft.com/office/drawing/2018/hyperlinkcolor" showMasterPhAnim="0" showMasterSp="0">
   <p:cSld>
     <p:spTree>
       <p:nvGrpSpPr>
-        <p:cNvPr id="1" name="Shape 90"/>
+        <p:cNvPr id="90" name="Shape 90"/>
         <p:cNvGrpSpPr/>
         <p:nvPr/>
       </p:nvGrpSpPr>
@@ -2198,26 +2108,20 @@
       <p:sp>
         <p:nvSpPr>
           <p:cNvPr id="91" name="Google Shape;91;gbcf296bf5b_1_87:notes"/>
-          <p:cNvSpPr>
-            <a:spLocks noGrp="1" noRot="1" noChangeAspect="1"/>
-          </p:cNvSpPr>
+          <p:cNvSpPr/>
           <p:nvPr>
-            <p:ph type="sldImg" idx="2"/>
+            <p:ph idx="2" type="sldImg"/>
           </p:nvPr>
         </p:nvSpPr>
         <p:spPr>
           <a:xfrm>
-            <a:off x="381000" y="685800"/>
+            <a:off x="381300" y="685800"/>
             <a:ext cx="6096000" cy="3429000"/>
           </a:xfrm>
           <a:custGeom>
-            <a:avLst/>
-            <a:gdLst/>
-            <a:ahLst/>
-            <a:cxnLst/>
-            <a:rect l="l" t="t" r="r" b="b"/>
+            <a:rect b="b" l="l" r="r" t="t"/>
             <a:pathLst>
-              <a:path w="120000" h="120000" extrusionOk="0">
+              <a:path extrusionOk="0" h="120000" w="120000">
                 <a:moveTo>
                   <a:pt x="0" y="0"/>
                 </a:moveTo>
@@ -2239,11 +2143,9 @@
       <p:sp>
         <p:nvSpPr>
           <p:cNvPr id="92" name="Google Shape;92;gbcf296bf5b_1_87:notes"/>
-          <p:cNvSpPr txBox="1">
-            <a:spLocks noGrp="1"/>
-          </p:cNvSpPr>
+          <p:cNvSpPr txBox="1"/>
           <p:nvPr>
-            <p:ph type="body" idx="1"/>
+            <p:ph idx="1" type="body"/>
           </p:nvPr>
         </p:nvSpPr>
         <p:spPr>
@@ -2256,12 +2158,12 @@
           </a:prstGeom>
         </p:spPr>
         <p:txBody>
-          <a:bodyPr spcFirstLastPara="1" wrap="square" lIns="91425" tIns="91425" rIns="91425" bIns="91425" anchor="t" anchorCtr="0">
+          <a:bodyPr anchorCtr="0" anchor="t" bIns="91425" lIns="91425" spcFirstLastPara="1" rIns="91425" wrap="square" tIns="91425">
             <a:noAutofit/>
           </a:bodyPr>
           <a:lstStyle/>
           <a:p>
-            <a:pPr marL="0" lvl="0" indent="0" algn="l" rtl="0">
+            <a:pPr indent="0" lvl="0" marL="0" rtl="0" algn="l">
               <a:spcBef>
                 <a:spcPts val="0"/>
               </a:spcBef>
@@ -2270,6 +2172,9 @@
               </a:spcAft>
               <a:buNone/>
             </a:pPr>
+            <a:r>
+              <a:t/>
+            </a:r>
             <a:endParaRPr/>
           </a:p>
         </p:txBody>
@@ -2283,11 +2188,11 @@
 </file>
 
 <file path=ppt/notesSlides/notesSlide8.xml><?xml version="1.0" encoding="utf-8"?>
-<p:notes xmlns:a="http://schemas.openxmlformats.org/drawingml/2006/main" xmlns:r="http://schemas.openxmlformats.org/officeDocument/2006/relationships" xmlns:p="http://schemas.openxmlformats.org/presentationml/2006/main" showMasterSp="0" showMasterPhAnim="0">
+<p:notes xmlns:a="http://schemas.openxmlformats.org/drawingml/2006/main" xmlns:r="http://schemas.openxmlformats.org/officeDocument/2006/relationships" xmlns:mc="http://schemas.openxmlformats.org/markup-compatibility/2006" xmlns:mv="urn:schemas-microsoft-com:mac:vml" xmlns:p="http://schemas.openxmlformats.org/presentationml/2006/main" xmlns:c="http://schemas.openxmlformats.org/drawingml/2006/chart" xmlns:dgm="http://schemas.openxmlformats.org/drawingml/2006/diagram" xmlns:o="urn:schemas-microsoft-com:office:office" xmlns:v="urn:schemas-microsoft-com:vml" xmlns:pvml="urn:schemas-microsoft-com:office:powerpoint" xmlns:com="http://schemas.openxmlformats.org/drawingml/2006/compatibility" xmlns:p14="http://schemas.microsoft.com/office/powerpoint/2010/main" xmlns:p15="http://schemas.microsoft.com/office/powerpoint/2012/main" xmlns:ahyp="http://schemas.microsoft.com/office/drawing/2018/hyperlinkcolor" showMasterPhAnim="0" showMasterSp="0">
   <p:cSld>
     <p:spTree>
       <p:nvGrpSpPr>
-        <p:cNvPr id="1" name="Shape 96"/>
+        <p:cNvPr id="96" name="Shape 96"/>
         <p:cNvGrpSpPr/>
         <p:nvPr/>
       </p:nvGrpSpPr>
@@ -2302,26 +2207,20 @@
       <p:sp>
         <p:nvSpPr>
           <p:cNvPr id="97" name="Google Shape;97;gbcf296bf5b_1_15:notes"/>
-          <p:cNvSpPr>
-            <a:spLocks noGrp="1" noRot="1" noChangeAspect="1"/>
-          </p:cNvSpPr>
+          <p:cNvSpPr/>
           <p:nvPr>
-            <p:ph type="sldImg" idx="2"/>
+            <p:ph idx="2" type="sldImg"/>
           </p:nvPr>
         </p:nvSpPr>
         <p:spPr>
           <a:xfrm>
-            <a:off x="381000" y="685800"/>
+            <a:off x="381300" y="685800"/>
             <a:ext cx="6096000" cy="3429000"/>
           </a:xfrm>
           <a:custGeom>
-            <a:avLst/>
-            <a:gdLst/>
-            <a:ahLst/>
-            <a:cxnLst/>
-            <a:rect l="l" t="t" r="r" b="b"/>
+            <a:rect b="b" l="l" r="r" t="t"/>
             <a:pathLst>
-              <a:path w="120000" h="120000" extrusionOk="0">
+              <a:path extrusionOk="0" h="120000" w="120000">
                 <a:moveTo>
                   <a:pt x="0" y="0"/>
                 </a:moveTo>
@@ -2343,11 +2242,9 @@
       <p:sp>
         <p:nvSpPr>
           <p:cNvPr id="98" name="Google Shape;98;gbcf296bf5b_1_15:notes"/>
-          <p:cNvSpPr txBox="1">
-            <a:spLocks noGrp="1"/>
-          </p:cNvSpPr>
+          <p:cNvSpPr txBox="1"/>
           <p:nvPr>
-            <p:ph type="body" idx="1"/>
+            <p:ph idx="1" type="body"/>
           </p:nvPr>
         </p:nvSpPr>
         <p:spPr>
@@ -2360,12 +2257,12 @@
           </a:prstGeom>
         </p:spPr>
         <p:txBody>
-          <a:bodyPr spcFirstLastPara="1" wrap="square" lIns="91425" tIns="91425" rIns="91425" bIns="91425" anchor="t" anchorCtr="0">
+          <a:bodyPr anchorCtr="0" anchor="t" bIns="91425" lIns="91425" spcFirstLastPara="1" rIns="91425" wrap="square" tIns="91425">
             <a:noAutofit/>
           </a:bodyPr>
           <a:lstStyle/>
           <a:p>
-            <a:pPr marL="0" lvl="0" indent="0" algn="l" rtl="0">
+            <a:pPr indent="0" lvl="0" marL="0" rtl="0" algn="l">
               <a:spcBef>
                 <a:spcPts val="0"/>
               </a:spcBef>
@@ -2374,6 +2271,9 @@
               </a:spcAft>
               <a:buNone/>
             </a:pPr>
+            <a:r>
+              <a:t/>
+            </a:r>
             <a:endParaRPr/>
           </a:p>
         </p:txBody>
@@ -2387,11 +2287,11 @@
 </file>
 
 <file path=ppt/notesSlides/notesSlide9.xml><?xml version="1.0" encoding="utf-8"?>
-<p:notes xmlns:a="http://schemas.openxmlformats.org/drawingml/2006/main" xmlns:r="http://schemas.openxmlformats.org/officeDocument/2006/relationships" xmlns:p="http://schemas.openxmlformats.org/presentationml/2006/main" showMasterSp="0" showMasterPhAnim="0">
+<p:notes xmlns:a="http://schemas.openxmlformats.org/drawingml/2006/main" xmlns:r="http://schemas.openxmlformats.org/officeDocument/2006/relationships" xmlns:mc="http://schemas.openxmlformats.org/markup-compatibility/2006" xmlns:mv="urn:schemas-microsoft-com:mac:vml" xmlns:p="http://schemas.openxmlformats.org/presentationml/2006/main" xmlns:c="http://schemas.openxmlformats.org/drawingml/2006/chart" xmlns:dgm="http://schemas.openxmlformats.org/drawingml/2006/diagram" xmlns:o="urn:schemas-microsoft-com:office:office" xmlns:v="urn:schemas-microsoft-com:vml" xmlns:pvml="urn:schemas-microsoft-com:office:powerpoint" xmlns:com="http://schemas.openxmlformats.org/drawingml/2006/compatibility" xmlns:p14="http://schemas.microsoft.com/office/powerpoint/2010/main" xmlns:p15="http://schemas.microsoft.com/office/powerpoint/2012/main" xmlns:ahyp="http://schemas.microsoft.com/office/drawing/2018/hyperlinkcolor" showMasterPhAnim="0" showMasterSp="0">
   <p:cSld>
     <p:spTree>
       <p:nvGrpSpPr>
-        <p:cNvPr id="1" name="Shape 104"/>
+        <p:cNvPr id="104" name="Shape 104"/>
         <p:cNvGrpSpPr/>
         <p:nvPr/>
       </p:nvGrpSpPr>
@@ -2406,26 +2306,20 @@
       <p:sp>
         <p:nvSpPr>
           <p:cNvPr id="105" name="Google Shape;105;gbcf296bf5b_1_20:notes"/>
-          <p:cNvSpPr>
-            <a:spLocks noGrp="1" noRot="1" noChangeAspect="1"/>
-          </p:cNvSpPr>
+          <p:cNvSpPr/>
           <p:nvPr>
-            <p:ph type="sldImg" idx="2"/>
+            <p:ph idx="2" type="sldImg"/>
           </p:nvPr>
         </p:nvSpPr>
         <p:spPr>
           <a:xfrm>
-            <a:off x="381000" y="685800"/>
+            <a:off x="381300" y="685800"/>
             <a:ext cx="6096000" cy="3429000"/>
           </a:xfrm>
           <a:custGeom>
-            <a:avLst/>
-            <a:gdLst/>
-            <a:ahLst/>
-            <a:cxnLst/>
-            <a:rect l="l" t="t" r="r" b="b"/>
+            <a:rect b="b" l="l" r="r" t="t"/>
             <a:pathLst>
-              <a:path w="120000" h="120000" extrusionOk="0">
+              <a:path extrusionOk="0" h="120000" w="120000">
                 <a:moveTo>
                   <a:pt x="0" y="0"/>
                 </a:moveTo>
@@ -2447,11 +2341,9 @@
       <p:sp>
         <p:nvSpPr>
           <p:cNvPr id="106" name="Google Shape;106;gbcf296bf5b_1_20:notes"/>
-          <p:cNvSpPr txBox="1">
-            <a:spLocks noGrp="1"/>
-          </p:cNvSpPr>
+          <p:cNvSpPr txBox="1"/>
           <p:nvPr>
-            <p:ph type="body" idx="1"/>
+            <p:ph idx="1" type="body"/>
           </p:nvPr>
         </p:nvSpPr>
         <p:spPr>
@@ -2464,12 +2356,12 @@
           </a:prstGeom>
         </p:spPr>
         <p:txBody>
-          <a:bodyPr spcFirstLastPara="1" wrap="square" lIns="91425" tIns="91425" rIns="91425" bIns="91425" anchor="t" anchorCtr="0">
+          <a:bodyPr anchorCtr="0" anchor="t" bIns="91425" lIns="91425" spcFirstLastPara="1" rIns="91425" wrap="square" tIns="91425">
             <a:noAutofit/>
           </a:bodyPr>
           <a:lstStyle/>
           <a:p>
-            <a:pPr marL="0" lvl="0" indent="0" algn="l" rtl="0">
+            <a:pPr indent="0" lvl="0" marL="0" rtl="0" algn="l">
               <a:spcBef>
                 <a:spcPts val="0"/>
               </a:spcBef>
@@ -2478,6 +2370,9 @@
               </a:spcAft>
               <a:buNone/>
             </a:pPr>
+            <a:r>
+              <a:t/>
+            </a:r>
             <a:endParaRPr/>
           </a:p>
         </p:txBody>
@@ -2491,11 +2386,11 @@
 </file>
 
 <file path=ppt/slideLayouts/slideLayout1.xml><?xml version="1.0" encoding="utf-8"?>
-<p:sldLayout xmlns:a="http://schemas.openxmlformats.org/drawingml/2006/main" xmlns:r="http://schemas.openxmlformats.org/officeDocument/2006/relationships" xmlns:p="http://schemas.openxmlformats.org/presentationml/2006/main" matchingName="Title slide" type="title">
+<p:sldLayout xmlns:a="http://schemas.openxmlformats.org/drawingml/2006/main" xmlns:r="http://schemas.openxmlformats.org/officeDocument/2006/relationships" xmlns:mc="http://schemas.openxmlformats.org/markup-compatibility/2006" xmlns:mv="urn:schemas-microsoft-com:mac:vml" xmlns:p="http://schemas.openxmlformats.org/presentationml/2006/main" xmlns:c="http://schemas.openxmlformats.org/drawingml/2006/chart" xmlns:dgm="http://schemas.openxmlformats.org/drawingml/2006/diagram" xmlns:o="urn:schemas-microsoft-com:office:office" xmlns:v="urn:schemas-microsoft-com:vml" xmlns:pvml="urn:schemas-microsoft-com:office:powerpoint" xmlns:com="http://schemas.openxmlformats.org/drawingml/2006/compatibility" xmlns:p14="http://schemas.microsoft.com/office/powerpoint/2010/main" xmlns:p15="http://schemas.microsoft.com/office/powerpoint/2012/main" xmlns:ahyp="http://schemas.microsoft.com/office/drawing/2018/hyperlinkcolor" matchingName="Title slide" type="title">
   <p:cSld name="TITLE">
     <p:spTree>
       <p:nvGrpSpPr>
-        <p:cNvPr id="1" name="Shape 9"/>
+        <p:cNvPr id="9" name="Shape 9"/>
         <p:cNvGrpSpPr/>
         <p:nvPr/>
       </p:nvGrpSpPr>
@@ -2510,9 +2405,7 @@
       <p:sp>
         <p:nvSpPr>
           <p:cNvPr id="10" name="Google Shape;10;p2"/>
-          <p:cNvSpPr txBox="1">
-            <a:spLocks noGrp="1"/>
-          </p:cNvSpPr>
+          <p:cNvSpPr txBox="1"/>
           <p:nvPr>
             <p:ph type="ctrTitle"/>
           </p:nvPr>
@@ -2527,7 +2420,7 @@
           </a:prstGeom>
         </p:spPr>
         <p:txBody>
-          <a:bodyPr spcFirstLastPara="1" wrap="square" lIns="91425" tIns="91425" rIns="91425" bIns="91425" anchor="b" anchorCtr="0">
+          <a:bodyPr anchorCtr="0" anchor="b" bIns="91425" lIns="91425" spcFirstLastPara="1" rIns="91425" wrap="square" tIns="91425">
             <a:normAutofit/>
           </a:bodyPr>
           <a:lstStyle>
@@ -2631,19 +2524,15 @@
               <a:defRPr sz="5200"/>
             </a:lvl9pPr>
           </a:lstStyle>
-          <a:p>
-            <a:endParaRPr/>
-          </a:p>
+          <a:p/>
         </p:txBody>
       </p:sp>
       <p:sp>
         <p:nvSpPr>
           <p:cNvPr id="11" name="Google Shape;11;p2"/>
-          <p:cNvSpPr txBox="1">
-            <a:spLocks noGrp="1"/>
-          </p:cNvSpPr>
+          <p:cNvSpPr txBox="1"/>
           <p:nvPr>
-            <p:ph type="subTitle" idx="1"/>
+            <p:ph idx="1" type="subTitle"/>
           </p:nvPr>
         </p:nvSpPr>
         <p:spPr>
@@ -2656,7 +2545,7 @@
           </a:prstGeom>
         </p:spPr>
         <p:txBody>
-          <a:bodyPr spcFirstLastPara="1" wrap="square" lIns="91425" tIns="91425" rIns="91425" bIns="91425" anchor="t" anchorCtr="0">
+          <a:bodyPr anchorCtr="0" anchor="t" bIns="91425" lIns="91425" spcFirstLastPara="1" rIns="91425" wrap="square" tIns="91425">
             <a:normAutofit/>
           </a:bodyPr>
           <a:lstStyle>
@@ -2787,19 +2676,15 @@
               <a:defRPr sz="2800"/>
             </a:lvl9pPr>
           </a:lstStyle>
-          <a:p>
-            <a:endParaRPr/>
-          </a:p>
+          <a:p/>
         </p:txBody>
       </p:sp>
       <p:sp>
         <p:nvSpPr>
           <p:cNvPr id="12" name="Google Shape;12;p2"/>
-          <p:cNvSpPr txBox="1">
-            <a:spLocks noGrp="1"/>
-          </p:cNvSpPr>
+          <p:cNvSpPr txBox="1"/>
           <p:nvPr>
-            <p:ph type="sldNum" idx="12"/>
+            <p:ph idx="12" type="sldNum"/>
           </p:nvPr>
         </p:nvSpPr>
         <p:spPr>
@@ -2812,7 +2697,7 @@
           </a:prstGeom>
         </p:spPr>
         <p:txBody>
-          <a:bodyPr spcFirstLastPara="1" wrap="square" lIns="91425" tIns="91425" rIns="91425" bIns="91425" anchor="ctr" anchorCtr="0">
+          <a:bodyPr anchorCtr="0" anchor="ctr" bIns="91425" lIns="91425" spcFirstLastPara="1" rIns="91425" wrap="square" tIns="91425">
             <a:normAutofit/>
           </a:bodyPr>
           <a:lstStyle>
@@ -2854,7 +2739,7 @@
             </a:lvl9pPr>
           </a:lstStyle>
           <a:p>
-            <a:pPr marL="0" lvl="0" indent="0" algn="r" rtl="0">
+            <a:pPr indent="0" lvl="0" marL="0" rtl="0" algn="r">
               <a:spcBef>
                 <a:spcPts val="0"/>
               </a:spcBef>
@@ -2880,11 +2765,11 @@
 </file>
 
 <file path=ppt/slideLayouts/slideLayout10.xml><?xml version="1.0" encoding="utf-8"?>
-<p:sldLayout xmlns:a="http://schemas.openxmlformats.org/drawingml/2006/main" xmlns:r="http://schemas.openxmlformats.org/officeDocument/2006/relationships" xmlns:p="http://schemas.openxmlformats.org/presentationml/2006/main" matchingName="Big number">
+<p:sldLayout xmlns:a="http://schemas.openxmlformats.org/drawingml/2006/main" xmlns:r="http://schemas.openxmlformats.org/officeDocument/2006/relationships" xmlns:mc="http://schemas.openxmlformats.org/markup-compatibility/2006" xmlns:mv="urn:schemas-microsoft-com:mac:vml" xmlns:p="http://schemas.openxmlformats.org/presentationml/2006/main" xmlns:c="http://schemas.openxmlformats.org/drawingml/2006/chart" xmlns:dgm="http://schemas.openxmlformats.org/drawingml/2006/diagram" xmlns:o="urn:schemas-microsoft-com:office:office" xmlns:v="urn:schemas-microsoft-com:vml" xmlns:pvml="urn:schemas-microsoft-com:office:powerpoint" xmlns:com="http://schemas.openxmlformats.org/drawingml/2006/compatibility" xmlns:p14="http://schemas.microsoft.com/office/powerpoint/2010/main" xmlns:p15="http://schemas.microsoft.com/office/powerpoint/2012/main" xmlns:ahyp="http://schemas.microsoft.com/office/drawing/2018/hyperlinkcolor" matchingName="Big number">
   <p:cSld name="BIG_NUMBER">
     <p:spTree>
       <p:nvGrpSpPr>
-        <p:cNvPr id="1" name="Shape 44"/>
+        <p:cNvPr id="44" name="Shape 44"/>
         <p:cNvGrpSpPr/>
         <p:nvPr/>
       </p:nvGrpSpPr>
@@ -2899,11 +2784,9 @@
       <p:sp>
         <p:nvSpPr>
           <p:cNvPr id="45" name="Google Shape;45;p11"/>
-          <p:cNvSpPr txBox="1">
-            <a:spLocks noGrp="1"/>
-          </p:cNvSpPr>
+          <p:cNvSpPr txBox="1"/>
           <p:nvPr>
-            <p:ph type="title" hasCustomPrompt="1"/>
+            <p:ph hasCustomPrompt="1" type="title"/>
           </p:nvPr>
         </p:nvSpPr>
         <p:spPr>
@@ -2916,7 +2799,7 @@
           </a:prstGeom>
         </p:spPr>
         <p:txBody>
-          <a:bodyPr spcFirstLastPara="1" wrap="square" lIns="91425" tIns="91425" rIns="91425" bIns="91425" anchor="b" anchorCtr="0">
+          <a:bodyPr anchorCtr="0" anchor="b" bIns="91425" lIns="91425" spcFirstLastPara="1" rIns="91425" wrap="square" tIns="91425">
             <a:normAutofit/>
           </a:bodyPr>
           <a:lstStyle>
@@ -3030,11 +2913,9 @@
       <p:sp>
         <p:nvSpPr>
           <p:cNvPr id="46" name="Google Shape;46;p11"/>
-          <p:cNvSpPr txBox="1">
-            <a:spLocks noGrp="1"/>
-          </p:cNvSpPr>
+          <p:cNvSpPr txBox="1"/>
           <p:nvPr>
-            <p:ph type="body" idx="1"/>
+            <p:ph idx="1" type="body"/>
           </p:nvPr>
         </p:nvSpPr>
         <p:spPr>
@@ -3047,11 +2928,11 @@
           </a:prstGeom>
         </p:spPr>
         <p:txBody>
-          <a:bodyPr spcFirstLastPara="1" wrap="square" lIns="91425" tIns="91425" rIns="91425" bIns="91425" anchor="t" anchorCtr="0">
+          <a:bodyPr anchorCtr="0" anchor="t" bIns="91425" lIns="91425" spcFirstLastPara="1" rIns="91425" wrap="square" tIns="91425">
             <a:normAutofit/>
           </a:bodyPr>
           <a:lstStyle>
-            <a:lvl1pPr marL="457200" lvl="0" indent="-342900" algn="ctr">
+            <a:lvl1pPr indent="-342900" lvl="0" marL="457200" algn="ctr">
               <a:spcBef>
                 <a:spcPts val="0"/>
               </a:spcBef>
@@ -3062,7 +2943,7 @@
               <a:buChar char="●"/>
               <a:defRPr/>
             </a:lvl1pPr>
-            <a:lvl2pPr marL="914400" lvl="1" indent="-317500" algn="ctr">
+            <a:lvl2pPr indent="-317500" lvl="1" marL="914400" algn="ctr">
               <a:spcBef>
                 <a:spcPts val="0"/>
               </a:spcBef>
@@ -3073,7 +2954,7 @@
               <a:buChar char="○"/>
               <a:defRPr/>
             </a:lvl2pPr>
-            <a:lvl3pPr marL="1371600" lvl="2" indent="-317500" algn="ctr">
+            <a:lvl3pPr indent="-317500" lvl="2" marL="1371600" algn="ctr">
               <a:spcBef>
                 <a:spcPts val="0"/>
               </a:spcBef>
@@ -3084,7 +2965,7 @@
               <a:buChar char="■"/>
               <a:defRPr/>
             </a:lvl3pPr>
-            <a:lvl4pPr marL="1828800" lvl="3" indent="-317500" algn="ctr">
+            <a:lvl4pPr indent="-317500" lvl="3" marL="1828800" algn="ctr">
               <a:spcBef>
                 <a:spcPts val="0"/>
               </a:spcBef>
@@ -3095,7 +2976,7 @@
               <a:buChar char="●"/>
               <a:defRPr/>
             </a:lvl4pPr>
-            <a:lvl5pPr marL="2286000" lvl="4" indent="-317500" algn="ctr">
+            <a:lvl5pPr indent="-317500" lvl="4" marL="2286000" algn="ctr">
               <a:spcBef>
                 <a:spcPts val="0"/>
               </a:spcBef>
@@ -3106,7 +2987,7 @@
               <a:buChar char="○"/>
               <a:defRPr/>
             </a:lvl5pPr>
-            <a:lvl6pPr marL="2743200" lvl="5" indent="-317500" algn="ctr">
+            <a:lvl6pPr indent="-317500" lvl="5" marL="2743200" algn="ctr">
               <a:spcBef>
                 <a:spcPts val="0"/>
               </a:spcBef>
@@ -3117,7 +2998,7 @@
               <a:buChar char="■"/>
               <a:defRPr/>
             </a:lvl6pPr>
-            <a:lvl7pPr marL="3200400" lvl="6" indent="-317500" algn="ctr">
+            <a:lvl7pPr indent="-317500" lvl="6" marL="3200400" algn="ctr">
               <a:spcBef>
                 <a:spcPts val="0"/>
               </a:spcBef>
@@ -3128,7 +3009,7 @@
               <a:buChar char="●"/>
               <a:defRPr/>
             </a:lvl7pPr>
-            <a:lvl8pPr marL="3657600" lvl="7" indent="-317500" algn="ctr">
+            <a:lvl8pPr indent="-317500" lvl="7" marL="3657600" algn="ctr">
               <a:spcBef>
                 <a:spcPts val="0"/>
               </a:spcBef>
@@ -3139,7 +3020,7 @@
               <a:buChar char="○"/>
               <a:defRPr/>
             </a:lvl8pPr>
-            <a:lvl9pPr marL="4114800" lvl="8" indent="-317500" algn="ctr">
+            <a:lvl9pPr indent="-317500" lvl="8" marL="4114800" algn="ctr">
               <a:spcBef>
                 <a:spcPts val="0"/>
               </a:spcBef>
@@ -3151,19 +3032,15 @@
               <a:defRPr/>
             </a:lvl9pPr>
           </a:lstStyle>
-          <a:p>
-            <a:endParaRPr/>
-          </a:p>
+          <a:p/>
         </p:txBody>
       </p:sp>
       <p:sp>
         <p:nvSpPr>
           <p:cNvPr id="47" name="Google Shape;47;p11"/>
-          <p:cNvSpPr txBox="1">
-            <a:spLocks noGrp="1"/>
-          </p:cNvSpPr>
+          <p:cNvSpPr txBox="1"/>
           <p:nvPr>
-            <p:ph type="sldNum" idx="12"/>
+            <p:ph idx="12" type="sldNum"/>
           </p:nvPr>
         </p:nvSpPr>
         <p:spPr>
@@ -3176,7 +3053,7 @@
           </a:prstGeom>
         </p:spPr>
         <p:txBody>
-          <a:bodyPr spcFirstLastPara="1" wrap="square" lIns="91425" tIns="91425" rIns="91425" bIns="91425" anchor="ctr" anchorCtr="0">
+          <a:bodyPr anchorCtr="0" anchor="ctr" bIns="91425" lIns="91425" spcFirstLastPara="1" rIns="91425" wrap="square" tIns="91425">
             <a:normAutofit/>
           </a:bodyPr>
           <a:lstStyle>
@@ -3218,7 +3095,7 @@
             </a:lvl9pPr>
           </a:lstStyle>
           <a:p>
-            <a:pPr marL="0" lvl="0" indent="0" algn="r" rtl="0">
+            <a:pPr indent="0" lvl="0" marL="0" rtl="0" algn="r">
               <a:spcBef>
                 <a:spcPts val="0"/>
               </a:spcBef>
@@ -3244,11 +3121,11 @@
 </file>
 
 <file path=ppt/slideLayouts/slideLayout11.xml><?xml version="1.0" encoding="utf-8"?>
-<p:sldLayout xmlns:a="http://schemas.openxmlformats.org/drawingml/2006/main" xmlns:r="http://schemas.openxmlformats.org/officeDocument/2006/relationships" xmlns:p="http://schemas.openxmlformats.org/presentationml/2006/main" matchingName="Blank" type="blank">
+<p:sldLayout xmlns:a="http://schemas.openxmlformats.org/drawingml/2006/main" xmlns:r="http://schemas.openxmlformats.org/officeDocument/2006/relationships" xmlns:mc="http://schemas.openxmlformats.org/markup-compatibility/2006" xmlns:mv="urn:schemas-microsoft-com:mac:vml" xmlns:p="http://schemas.openxmlformats.org/presentationml/2006/main" xmlns:c="http://schemas.openxmlformats.org/drawingml/2006/chart" xmlns:dgm="http://schemas.openxmlformats.org/drawingml/2006/diagram" xmlns:o="urn:schemas-microsoft-com:office:office" xmlns:v="urn:schemas-microsoft-com:vml" xmlns:pvml="urn:schemas-microsoft-com:office:powerpoint" xmlns:com="http://schemas.openxmlformats.org/drawingml/2006/compatibility" xmlns:p14="http://schemas.microsoft.com/office/powerpoint/2010/main" xmlns:p15="http://schemas.microsoft.com/office/powerpoint/2012/main" xmlns:ahyp="http://schemas.microsoft.com/office/drawing/2018/hyperlinkcolor" matchingName="Blank" type="blank">
   <p:cSld name="BLANK">
     <p:spTree>
       <p:nvGrpSpPr>
-        <p:cNvPr id="1" name="Shape 48"/>
+        <p:cNvPr id="48" name="Shape 48"/>
         <p:cNvGrpSpPr/>
         <p:nvPr/>
       </p:nvGrpSpPr>
@@ -3263,11 +3140,9 @@
       <p:sp>
         <p:nvSpPr>
           <p:cNvPr id="49" name="Google Shape;49;p12"/>
-          <p:cNvSpPr txBox="1">
-            <a:spLocks noGrp="1"/>
-          </p:cNvSpPr>
+          <p:cNvSpPr txBox="1"/>
           <p:nvPr>
-            <p:ph type="sldNum" idx="12"/>
+            <p:ph idx="12" type="sldNum"/>
           </p:nvPr>
         </p:nvSpPr>
         <p:spPr>
@@ -3280,7 +3155,7 @@
           </a:prstGeom>
         </p:spPr>
         <p:txBody>
-          <a:bodyPr spcFirstLastPara="1" wrap="square" lIns="91425" tIns="91425" rIns="91425" bIns="91425" anchor="ctr" anchorCtr="0">
+          <a:bodyPr anchorCtr="0" anchor="ctr" bIns="91425" lIns="91425" spcFirstLastPara="1" rIns="91425" wrap="square" tIns="91425">
             <a:normAutofit/>
           </a:bodyPr>
           <a:lstStyle>
@@ -3322,7 +3197,7 @@
             </a:lvl9pPr>
           </a:lstStyle>
           <a:p>
-            <a:pPr marL="0" lvl="0" indent="0" algn="r" rtl="0">
+            <a:pPr indent="0" lvl="0" marL="0" rtl="0" algn="r">
               <a:spcBef>
                 <a:spcPts val="0"/>
               </a:spcBef>
@@ -3348,11 +3223,11 @@
 </file>
 
 <file path=ppt/slideLayouts/slideLayout2.xml><?xml version="1.0" encoding="utf-8"?>
-<p:sldLayout xmlns:a="http://schemas.openxmlformats.org/drawingml/2006/main" xmlns:r="http://schemas.openxmlformats.org/officeDocument/2006/relationships" xmlns:p="http://schemas.openxmlformats.org/presentationml/2006/main" matchingName="Section header" type="secHead">
+<p:sldLayout xmlns:a="http://schemas.openxmlformats.org/drawingml/2006/main" xmlns:r="http://schemas.openxmlformats.org/officeDocument/2006/relationships" xmlns:mc="http://schemas.openxmlformats.org/markup-compatibility/2006" xmlns:mv="urn:schemas-microsoft-com:mac:vml" xmlns:p="http://schemas.openxmlformats.org/presentationml/2006/main" xmlns:c="http://schemas.openxmlformats.org/drawingml/2006/chart" xmlns:dgm="http://schemas.openxmlformats.org/drawingml/2006/diagram" xmlns:o="urn:schemas-microsoft-com:office:office" xmlns:v="urn:schemas-microsoft-com:vml" xmlns:pvml="urn:schemas-microsoft-com:office:powerpoint" xmlns:com="http://schemas.openxmlformats.org/drawingml/2006/compatibility" xmlns:p14="http://schemas.microsoft.com/office/powerpoint/2010/main" xmlns:p15="http://schemas.microsoft.com/office/powerpoint/2012/main" xmlns:ahyp="http://schemas.microsoft.com/office/drawing/2018/hyperlinkcolor" matchingName="Section header" type="secHead">
   <p:cSld name="SECTION_HEADER">
     <p:spTree>
       <p:nvGrpSpPr>
-        <p:cNvPr id="1" name="Shape 13"/>
+        <p:cNvPr id="13" name="Shape 13"/>
         <p:cNvGrpSpPr/>
         <p:nvPr/>
       </p:nvGrpSpPr>
@@ -3367,9 +3242,7 @@
       <p:sp>
         <p:nvSpPr>
           <p:cNvPr id="14" name="Google Shape;14;p3"/>
-          <p:cNvSpPr txBox="1">
-            <a:spLocks noGrp="1"/>
-          </p:cNvSpPr>
+          <p:cNvSpPr txBox="1"/>
           <p:nvPr>
             <p:ph type="title"/>
           </p:nvPr>
@@ -3384,7 +3257,7 @@
           </a:prstGeom>
         </p:spPr>
         <p:txBody>
-          <a:bodyPr spcFirstLastPara="1" wrap="square" lIns="91425" tIns="91425" rIns="91425" bIns="91425" anchor="ctr" anchorCtr="0">
+          <a:bodyPr anchorCtr="0" anchor="ctr" bIns="91425" lIns="91425" spcFirstLastPara="1" rIns="91425" wrap="square" tIns="91425">
             <a:normAutofit/>
           </a:bodyPr>
           <a:lstStyle>
@@ -3488,19 +3361,15 @@
               <a:defRPr sz="3600"/>
             </a:lvl9pPr>
           </a:lstStyle>
-          <a:p>
-            <a:endParaRPr/>
-          </a:p>
+          <a:p/>
         </p:txBody>
       </p:sp>
       <p:sp>
         <p:nvSpPr>
           <p:cNvPr id="15" name="Google Shape;15;p3"/>
-          <p:cNvSpPr txBox="1">
-            <a:spLocks noGrp="1"/>
-          </p:cNvSpPr>
+          <p:cNvSpPr txBox="1"/>
           <p:nvPr>
-            <p:ph type="sldNum" idx="12"/>
+            <p:ph idx="12" type="sldNum"/>
           </p:nvPr>
         </p:nvSpPr>
         <p:spPr>
@@ -3513,7 +3382,7 @@
           </a:prstGeom>
         </p:spPr>
         <p:txBody>
-          <a:bodyPr spcFirstLastPara="1" wrap="square" lIns="91425" tIns="91425" rIns="91425" bIns="91425" anchor="ctr" anchorCtr="0">
+          <a:bodyPr anchorCtr="0" anchor="ctr" bIns="91425" lIns="91425" spcFirstLastPara="1" rIns="91425" wrap="square" tIns="91425">
             <a:normAutofit/>
           </a:bodyPr>
           <a:lstStyle>
@@ -3555,7 +3424,7 @@
             </a:lvl9pPr>
           </a:lstStyle>
           <a:p>
-            <a:pPr marL="0" lvl="0" indent="0" algn="r" rtl="0">
+            <a:pPr indent="0" lvl="0" marL="0" rtl="0" algn="r">
               <a:spcBef>
                 <a:spcPts val="0"/>
               </a:spcBef>
@@ -3581,11 +3450,11 @@
 </file>
 
 <file path=ppt/slideLayouts/slideLayout3.xml><?xml version="1.0" encoding="utf-8"?>
-<p:sldLayout xmlns:a="http://schemas.openxmlformats.org/drawingml/2006/main" xmlns:r="http://schemas.openxmlformats.org/officeDocument/2006/relationships" xmlns:p="http://schemas.openxmlformats.org/presentationml/2006/main" matchingName="Title and body" type="tx">
+<p:sldLayout xmlns:a="http://schemas.openxmlformats.org/drawingml/2006/main" xmlns:r="http://schemas.openxmlformats.org/officeDocument/2006/relationships" xmlns:mc="http://schemas.openxmlformats.org/markup-compatibility/2006" xmlns:mv="urn:schemas-microsoft-com:mac:vml" xmlns:p="http://schemas.openxmlformats.org/presentationml/2006/main" xmlns:c="http://schemas.openxmlformats.org/drawingml/2006/chart" xmlns:dgm="http://schemas.openxmlformats.org/drawingml/2006/diagram" xmlns:o="urn:schemas-microsoft-com:office:office" xmlns:v="urn:schemas-microsoft-com:vml" xmlns:pvml="urn:schemas-microsoft-com:office:powerpoint" xmlns:com="http://schemas.openxmlformats.org/drawingml/2006/compatibility" xmlns:p14="http://schemas.microsoft.com/office/powerpoint/2010/main" xmlns:p15="http://schemas.microsoft.com/office/powerpoint/2012/main" xmlns:ahyp="http://schemas.microsoft.com/office/drawing/2018/hyperlinkcolor" matchingName="Title and body" type="tx">
   <p:cSld name="TITLE_AND_BODY">
     <p:spTree>
       <p:nvGrpSpPr>
-        <p:cNvPr id="1" name="Shape 16"/>
+        <p:cNvPr id="16" name="Shape 16"/>
         <p:cNvGrpSpPr/>
         <p:nvPr/>
       </p:nvGrpSpPr>
@@ -3600,9 +3469,7 @@
       <p:sp>
         <p:nvSpPr>
           <p:cNvPr id="17" name="Google Shape;17;p4"/>
-          <p:cNvSpPr txBox="1">
-            <a:spLocks noGrp="1"/>
-          </p:cNvSpPr>
+          <p:cNvSpPr txBox="1"/>
           <p:nvPr>
             <p:ph type="title"/>
           </p:nvPr>
@@ -3617,7 +3484,7 @@
           </a:prstGeom>
         </p:spPr>
         <p:txBody>
-          <a:bodyPr spcFirstLastPara="1" wrap="square" lIns="91425" tIns="91425" rIns="91425" bIns="91425" anchor="t" anchorCtr="0">
+          <a:bodyPr anchorCtr="0" anchor="t" bIns="91425" lIns="91425" spcFirstLastPara="1" rIns="91425" wrap="square" tIns="91425">
             <a:normAutofit/>
           </a:bodyPr>
           <a:lstStyle>
@@ -3721,19 +3588,15 @@
               <a:defRPr/>
             </a:lvl9pPr>
           </a:lstStyle>
-          <a:p>
-            <a:endParaRPr/>
-          </a:p>
+          <a:p/>
         </p:txBody>
       </p:sp>
       <p:sp>
         <p:nvSpPr>
           <p:cNvPr id="18" name="Google Shape;18;p4"/>
-          <p:cNvSpPr txBox="1">
-            <a:spLocks noGrp="1"/>
-          </p:cNvSpPr>
+          <p:cNvSpPr txBox="1"/>
           <p:nvPr>
-            <p:ph type="body" idx="1"/>
+            <p:ph idx="1" type="body"/>
           </p:nvPr>
         </p:nvSpPr>
         <p:spPr>
@@ -3746,11 +3609,11 @@
           </a:prstGeom>
         </p:spPr>
         <p:txBody>
-          <a:bodyPr spcFirstLastPara="1" wrap="square" lIns="91425" tIns="91425" rIns="91425" bIns="91425" anchor="t" anchorCtr="0">
+          <a:bodyPr anchorCtr="0" anchor="t" bIns="91425" lIns="91425" spcFirstLastPara="1" rIns="91425" wrap="square" tIns="91425">
             <a:normAutofit/>
           </a:bodyPr>
           <a:lstStyle>
-            <a:lvl1pPr marL="457200" lvl="0" indent="-342900">
+            <a:lvl1pPr indent="-342900" lvl="0" marL="457200">
               <a:spcBef>
                 <a:spcPts val="0"/>
               </a:spcBef>
@@ -3761,7 +3624,7 @@
               <a:buChar char="●"/>
               <a:defRPr/>
             </a:lvl1pPr>
-            <a:lvl2pPr marL="914400" lvl="1" indent="-317500">
+            <a:lvl2pPr indent="-317500" lvl="1" marL="914400">
               <a:spcBef>
                 <a:spcPts val="0"/>
               </a:spcBef>
@@ -3772,7 +3635,7 @@
               <a:buChar char="○"/>
               <a:defRPr/>
             </a:lvl2pPr>
-            <a:lvl3pPr marL="1371600" lvl="2" indent="-317500">
+            <a:lvl3pPr indent="-317500" lvl="2" marL="1371600">
               <a:spcBef>
                 <a:spcPts val="0"/>
               </a:spcBef>
@@ -3783,7 +3646,7 @@
               <a:buChar char="■"/>
               <a:defRPr/>
             </a:lvl3pPr>
-            <a:lvl4pPr marL="1828800" lvl="3" indent="-317500">
+            <a:lvl4pPr indent="-317500" lvl="3" marL="1828800">
               <a:spcBef>
                 <a:spcPts val="0"/>
               </a:spcBef>
@@ -3794,7 +3657,7 @@
               <a:buChar char="●"/>
               <a:defRPr/>
             </a:lvl4pPr>
-            <a:lvl5pPr marL="2286000" lvl="4" indent="-317500">
+            <a:lvl5pPr indent="-317500" lvl="4" marL="2286000">
               <a:spcBef>
                 <a:spcPts val="0"/>
               </a:spcBef>
@@ -3805,7 +3668,7 @@
               <a:buChar char="○"/>
               <a:defRPr/>
             </a:lvl5pPr>
-            <a:lvl6pPr marL="2743200" lvl="5" indent="-317500">
+            <a:lvl6pPr indent="-317500" lvl="5" marL="2743200">
               <a:spcBef>
                 <a:spcPts val="0"/>
               </a:spcBef>
@@ -3816,7 +3679,7 @@
               <a:buChar char="■"/>
               <a:defRPr/>
             </a:lvl6pPr>
-            <a:lvl7pPr marL="3200400" lvl="6" indent="-317500">
+            <a:lvl7pPr indent="-317500" lvl="6" marL="3200400">
               <a:spcBef>
                 <a:spcPts val="0"/>
               </a:spcBef>
@@ -3827,7 +3690,7 @@
               <a:buChar char="●"/>
               <a:defRPr/>
             </a:lvl7pPr>
-            <a:lvl8pPr marL="3657600" lvl="7" indent="-317500">
+            <a:lvl8pPr indent="-317500" lvl="7" marL="3657600">
               <a:spcBef>
                 <a:spcPts val="0"/>
               </a:spcBef>
@@ -3838,7 +3701,7 @@
               <a:buChar char="○"/>
               <a:defRPr/>
             </a:lvl8pPr>
-            <a:lvl9pPr marL="4114800" lvl="8" indent="-317500">
+            <a:lvl9pPr indent="-317500" lvl="8" marL="4114800">
               <a:spcBef>
                 <a:spcPts val="0"/>
               </a:spcBef>
@@ -3850,19 +3713,15 @@
               <a:defRPr/>
             </a:lvl9pPr>
           </a:lstStyle>
-          <a:p>
-            <a:endParaRPr/>
-          </a:p>
+          <a:p/>
         </p:txBody>
       </p:sp>
       <p:sp>
         <p:nvSpPr>
           <p:cNvPr id="19" name="Google Shape;19;p4"/>
-          <p:cNvSpPr txBox="1">
-            <a:spLocks noGrp="1"/>
-          </p:cNvSpPr>
+          <p:cNvSpPr txBox="1"/>
           <p:nvPr>
-            <p:ph type="sldNum" idx="12"/>
+            <p:ph idx="12" type="sldNum"/>
           </p:nvPr>
         </p:nvSpPr>
         <p:spPr>
@@ -3875,7 +3734,7 @@
           </a:prstGeom>
         </p:spPr>
         <p:txBody>
-          <a:bodyPr spcFirstLastPara="1" wrap="square" lIns="91425" tIns="91425" rIns="91425" bIns="91425" anchor="ctr" anchorCtr="0">
+          <a:bodyPr anchorCtr="0" anchor="ctr" bIns="91425" lIns="91425" spcFirstLastPara="1" rIns="91425" wrap="square" tIns="91425">
             <a:normAutofit/>
           </a:bodyPr>
           <a:lstStyle>
@@ -3917,7 +3776,7 @@
             </a:lvl9pPr>
           </a:lstStyle>
           <a:p>
-            <a:pPr marL="0" lvl="0" indent="0" algn="r" rtl="0">
+            <a:pPr indent="0" lvl="0" marL="0" rtl="0" algn="r">
               <a:spcBef>
                 <a:spcPts val="0"/>
               </a:spcBef>
@@ -3943,11 +3802,11 @@
 </file>
 
 <file path=ppt/slideLayouts/slideLayout4.xml><?xml version="1.0" encoding="utf-8"?>
-<p:sldLayout xmlns:a="http://schemas.openxmlformats.org/drawingml/2006/main" xmlns:r="http://schemas.openxmlformats.org/officeDocument/2006/relationships" xmlns:p="http://schemas.openxmlformats.org/presentationml/2006/main" matchingName="Title and two columns" type="twoColTx">
+<p:sldLayout xmlns:a="http://schemas.openxmlformats.org/drawingml/2006/main" xmlns:r="http://schemas.openxmlformats.org/officeDocument/2006/relationships" xmlns:mc="http://schemas.openxmlformats.org/markup-compatibility/2006" xmlns:mv="urn:schemas-microsoft-com:mac:vml" xmlns:p="http://schemas.openxmlformats.org/presentationml/2006/main" xmlns:c="http://schemas.openxmlformats.org/drawingml/2006/chart" xmlns:dgm="http://schemas.openxmlformats.org/drawingml/2006/diagram" xmlns:o="urn:schemas-microsoft-com:office:office" xmlns:v="urn:schemas-microsoft-com:vml" xmlns:pvml="urn:schemas-microsoft-com:office:powerpoint" xmlns:com="http://schemas.openxmlformats.org/drawingml/2006/compatibility" xmlns:p14="http://schemas.microsoft.com/office/powerpoint/2010/main" xmlns:p15="http://schemas.microsoft.com/office/powerpoint/2012/main" xmlns:ahyp="http://schemas.microsoft.com/office/drawing/2018/hyperlinkcolor" matchingName="Title and two columns" type="twoColTx">
   <p:cSld name="TITLE_AND_TWO_COLUMNS">
     <p:spTree>
       <p:nvGrpSpPr>
-        <p:cNvPr id="1" name="Shape 20"/>
+        <p:cNvPr id="20" name="Shape 20"/>
         <p:cNvGrpSpPr/>
         <p:nvPr/>
       </p:nvGrpSpPr>
@@ -3962,9 +3821,7 @@
       <p:sp>
         <p:nvSpPr>
           <p:cNvPr id="21" name="Google Shape;21;p5"/>
-          <p:cNvSpPr txBox="1">
-            <a:spLocks noGrp="1"/>
-          </p:cNvSpPr>
+          <p:cNvSpPr txBox="1"/>
           <p:nvPr>
             <p:ph type="title"/>
           </p:nvPr>
@@ -3979,7 +3836,7 @@
           </a:prstGeom>
         </p:spPr>
         <p:txBody>
-          <a:bodyPr spcFirstLastPara="1" wrap="square" lIns="91425" tIns="91425" rIns="91425" bIns="91425" anchor="t" anchorCtr="0">
+          <a:bodyPr anchorCtr="0" anchor="t" bIns="91425" lIns="91425" spcFirstLastPara="1" rIns="91425" wrap="square" tIns="91425">
             <a:normAutofit/>
           </a:bodyPr>
           <a:lstStyle>
@@ -4083,19 +3940,15 @@
               <a:defRPr/>
             </a:lvl9pPr>
           </a:lstStyle>
-          <a:p>
-            <a:endParaRPr/>
-          </a:p>
+          <a:p/>
         </p:txBody>
       </p:sp>
       <p:sp>
         <p:nvSpPr>
           <p:cNvPr id="22" name="Google Shape;22;p5"/>
-          <p:cNvSpPr txBox="1">
-            <a:spLocks noGrp="1"/>
-          </p:cNvSpPr>
+          <p:cNvSpPr txBox="1"/>
           <p:nvPr>
-            <p:ph type="body" idx="1"/>
+            <p:ph idx="1" type="body"/>
           </p:nvPr>
         </p:nvSpPr>
         <p:spPr>
@@ -4108,11 +3961,11 @@
           </a:prstGeom>
         </p:spPr>
         <p:txBody>
-          <a:bodyPr spcFirstLastPara="1" wrap="square" lIns="91425" tIns="91425" rIns="91425" bIns="91425" anchor="t" anchorCtr="0">
+          <a:bodyPr anchorCtr="0" anchor="t" bIns="91425" lIns="91425" spcFirstLastPara="1" rIns="91425" wrap="square" tIns="91425">
             <a:normAutofit/>
           </a:bodyPr>
           <a:lstStyle>
-            <a:lvl1pPr marL="457200" lvl="0" indent="-317500">
+            <a:lvl1pPr indent="-317500" lvl="0" marL="457200">
               <a:spcBef>
                 <a:spcPts val="0"/>
               </a:spcBef>
@@ -4123,7 +3976,7 @@
               <a:buChar char="●"/>
               <a:defRPr sz="1400"/>
             </a:lvl1pPr>
-            <a:lvl2pPr marL="914400" lvl="1" indent="-304800">
+            <a:lvl2pPr indent="-304800" lvl="1" marL="914400">
               <a:spcBef>
                 <a:spcPts val="0"/>
               </a:spcBef>
@@ -4134,7 +3987,7 @@
               <a:buChar char="○"/>
               <a:defRPr sz="1200"/>
             </a:lvl2pPr>
-            <a:lvl3pPr marL="1371600" lvl="2" indent="-304800">
+            <a:lvl3pPr indent="-304800" lvl="2" marL="1371600">
               <a:spcBef>
                 <a:spcPts val="0"/>
               </a:spcBef>
@@ -4145,7 +3998,7 @@
               <a:buChar char="■"/>
               <a:defRPr sz="1200"/>
             </a:lvl3pPr>
-            <a:lvl4pPr marL="1828800" lvl="3" indent="-304800">
+            <a:lvl4pPr indent="-304800" lvl="3" marL="1828800">
               <a:spcBef>
                 <a:spcPts val="0"/>
               </a:spcBef>
@@ -4156,7 +4009,7 @@
               <a:buChar char="●"/>
               <a:defRPr sz="1200"/>
             </a:lvl4pPr>
-            <a:lvl5pPr marL="2286000" lvl="4" indent="-304800">
+            <a:lvl5pPr indent="-304800" lvl="4" marL="2286000">
               <a:spcBef>
                 <a:spcPts val="0"/>
               </a:spcBef>
@@ -4167,7 +4020,7 @@
               <a:buChar char="○"/>
               <a:defRPr sz="1200"/>
             </a:lvl5pPr>
-            <a:lvl6pPr marL="2743200" lvl="5" indent="-304800">
+            <a:lvl6pPr indent="-304800" lvl="5" marL="2743200">
               <a:spcBef>
                 <a:spcPts val="0"/>
               </a:spcBef>
@@ -4178,7 +4031,7 @@
               <a:buChar char="■"/>
               <a:defRPr sz="1200"/>
             </a:lvl6pPr>
-            <a:lvl7pPr marL="3200400" lvl="6" indent="-304800">
+            <a:lvl7pPr indent="-304800" lvl="6" marL="3200400">
               <a:spcBef>
                 <a:spcPts val="0"/>
               </a:spcBef>
@@ -4189,7 +4042,7 @@
               <a:buChar char="●"/>
               <a:defRPr sz="1200"/>
             </a:lvl7pPr>
-            <a:lvl8pPr marL="3657600" lvl="7" indent="-304800">
+            <a:lvl8pPr indent="-304800" lvl="7" marL="3657600">
               <a:spcBef>
                 <a:spcPts val="0"/>
               </a:spcBef>
@@ -4200,7 +4053,7 @@
               <a:buChar char="○"/>
               <a:defRPr sz="1200"/>
             </a:lvl8pPr>
-            <a:lvl9pPr marL="4114800" lvl="8" indent="-304800">
+            <a:lvl9pPr indent="-304800" lvl="8" marL="4114800">
               <a:spcBef>
                 <a:spcPts val="0"/>
               </a:spcBef>
@@ -4212,19 +4065,15 @@
               <a:defRPr sz="1200"/>
             </a:lvl9pPr>
           </a:lstStyle>
-          <a:p>
-            <a:endParaRPr/>
-          </a:p>
+          <a:p/>
         </p:txBody>
       </p:sp>
       <p:sp>
         <p:nvSpPr>
           <p:cNvPr id="23" name="Google Shape;23;p5"/>
-          <p:cNvSpPr txBox="1">
-            <a:spLocks noGrp="1"/>
-          </p:cNvSpPr>
+          <p:cNvSpPr txBox="1"/>
           <p:nvPr>
-            <p:ph type="body" idx="2"/>
+            <p:ph idx="2" type="body"/>
           </p:nvPr>
         </p:nvSpPr>
         <p:spPr>
@@ -4237,11 +4086,11 @@
           </a:prstGeom>
         </p:spPr>
         <p:txBody>
-          <a:bodyPr spcFirstLastPara="1" wrap="square" lIns="91425" tIns="91425" rIns="91425" bIns="91425" anchor="t" anchorCtr="0">
+          <a:bodyPr anchorCtr="0" anchor="t" bIns="91425" lIns="91425" spcFirstLastPara="1" rIns="91425" wrap="square" tIns="91425">
             <a:normAutofit/>
           </a:bodyPr>
           <a:lstStyle>
-            <a:lvl1pPr marL="457200" lvl="0" indent="-317500">
+            <a:lvl1pPr indent="-317500" lvl="0" marL="457200">
               <a:spcBef>
                 <a:spcPts val="0"/>
               </a:spcBef>
@@ -4252,7 +4101,7 @@
               <a:buChar char="●"/>
               <a:defRPr sz="1400"/>
             </a:lvl1pPr>
-            <a:lvl2pPr marL="914400" lvl="1" indent="-304800">
+            <a:lvl2pPr indent="-304800" lvl="1" marL="914400">
               <a:spcBef>
                 <a:spcPts val="0"/>
               </a:spcBef>
@@ -4263,7 +4112,7 @@
               <a:buChar char="○"/>
               <a:defRPr sz="1200"/>
             </a:lvl2pPr>
-            <a:lvl3pPr marL="1371600" lvl="2" indent="-304800">
+            <a:lvl3pPr indent="-304800" lvl="2" marL="1371600">
               <a:spcBef>
                 <a:spcPts val="0"/>
               </a:spcBef>
@@ -4274,7 +4123,7 @@
               <a:buChar char="■"/>
               <a:defRPr sz="1200"/>
             </a:lvl3pPr>
-            <a:lvl4pPr marL="1828800" lvl="3" indent="-304800">
+            <a:lvl4pPr indent="-304800" lvl="3" marL="1828800">
               <a:spcBef>
                 <a:spcPts val="0"/>
               </a:spcBef>
@@ -4285,7 +4134,7 @@
               <a:buChar char="●"/>
               <a:defRPr sz="1200"/>
             </a:lvl4pPr>
-            <a:lvl5pPr marL="2286000" lvl="4" indent="-304800">
+            <a:lvl5pPr indent="-304800" lvl="4" marL="2286000">
               <a:spcBef>
                 <a:spcPts val="0"/>
               </a:spcBef>
@@ -4296,7 +4145,7 @@
               <a:buChar char="○"/>
               <a:defRPr sz="1200"/>
             </a:lvl5pPr>
-            <a:lvl6pPr marL="2743200" lvl="5" indent="-304800">
+            <a:lvl6pPr indent="-304800" lvl="5" marL="2743200">
               <a:spcBef>
                 <a:spcPts val="0"/>
               </a:spcBef>
@@ -4307,7 +4156,7 @@
               <a:buChar char="■"/>
               <a:defRPr sz="1200"/>
             </a:lvl6pPr>
-            <a:lvl7pPr marL="3200400" lvl="6" indent="-304800">
+            <a:lvl7pPr indent="-304800" lvl="6" marL="3200400">
               <a:spcBef>
                 <a:spcPts val="0"/>
               </a:spcBef>
@@ -4318,7 +4167,7 @@
               <a:buChar char="●"/>
               <a:defRPr sz="1200"/>
             </a:lvl7pPr>
-            <a:lvl8pPr marL="3657600" lvl="7" indent="-304800">
+            <a:lvl8pPr indent="-304800" lvl="7" marL="3657600">
               <a:spcBef>
                 <a:spcPts val="0"/>
               </a:spcBef>
@@ -4329,7 +4178,7 @@
               <a:buChar char="○"/>
               <a:defRPr sz="1200"/>
             </a:lvl8pPr>
-            <a:lvl9pPr marL="4114800" lvl="8" indent="-304800">
+            <a:lvl9pPr indent="-304800" lvl="8" marL="4114800">
               <a:spcBef>
                 <a:spcPts val="0"/>
               </a:spcBef>
@@ -4341,19 +4190,15 @@
               <a:defRPr sz="1200"/>
             </a:lvl9pPr>
           </a:lstStyle>
-          <a:p>
-            <a:endParaRPr/>
-          </a:p>
+          <a:p/>
         </p:txBody>
       </p:sp>
       <p:sp>
         <p:nvSpPr>
           <p:cNvPr id="24" name="Google Shape;24;p5"/>
-          <p:cNvSpPr txBox="1">
-            <a:spLocks noGrp="1"/>
-          </p:cNvSpPr>
+          <p:cNvSpPr txBox="1"/>
           <p:nvPr>
-            <p:ph type="sldNum" idx="12"/>
+            <p:ph idx="12" type="sldNum"/>
           </p:nvPr>
         </p:nvSpPr>
         <p:spPr>
@@ -4366,7 +4211,7 @@
           </a:prstGeom>
         </p:spPr>
         <p:txBody>
-          <a:bodyPr spcFirstLastPara="1" wrap="square" lIns="91425" tIns="91425" rIns="91425" bIns="91425" anchor="ctr" anchorCtr="0">
+          <a:bodyPr anchorCtr="0" anchor="ctr" bIns="91425" lIns="91425" spcFirstLastPara="1" rIns="91425" wrap="square" tIns="91425">
             <a:normAutofit/>
           </a:bodyPr>
           <a:lstStyle>
@@ -4408,7 +4253,7 @@
             </a:lvl9pPr>
           </a:lstStyle>
           <a:p>
-            <a:pPr marL="0" lvl="0" indent="0" algn="r" rtl="0">
+            <a:pPr indent="0" lvl="0" marL="0" rtl="0" algn="r">
               <a:spcBef>
                 <a:spcPts val="0"/>
               </a:spcBef>
@@ -4434,11 +4279,11 @@
 </file>
 
 <file path=ppt/slideLayouts/slideLayout5.xml><?xml version="1.0" encoding="utf-8"?>
-<p:sldLayout xmlns:a="http://schemas.openxmlformats.org/drawingml/2006/main" xmlns:r="http://schemas.openxmlformats.org/officeDocument/2006/relationships" xmlns:p="http://schemas.openxmlformats.org/presentationml/2006/main" matchingName="Title only" type="titleOnly">
+<p:sldLayout xmlns:a="http://schemas.openxmlformats.org/drawingml/2006/main" xmlns:r="http://schemas.openxmlformats.org/officeDocument/2006/relationships" xmlns:mc="http://schemas.openxmlformats.org/markup-compatibility/2006" xmlns:mv="urn:schemas-microsoft-com:mac:vml" xmlns:p="http://schemas.openxmlformats.org/presentationml/2006/main" xmlns:c="http://schemas.openxmlformats.org/drawingml/2006/chart" xmlns:dgm="http://schemas.openxmlformats.org/drawingml/2006/diagram" xmlns:o="urn:schemas-microsoft-com:office:office" xmlns:v="urn:schemas-microsoft-com:vml" xmlns:pvml="urn:schemas-microsoft-com:office:powerpoint" xmlns:com="http://schemas.openxmlformats.org/drawingml/2006/compatibility" xmlns:p14="http://schemas.microsoft.com/office/powerpoint/2010/main" xmlns:p15="http://schemas.microsoft.com/office/powerpoint/2012/main" xmlns:ahyp="http://schemas.microsoft.com/office/drawing/2018/hyperlinkcolor" matchingName="Title only" type="titleOnly">
   <p:cSld name="TITLE_ONLY">
     <p:spTree>
       <p:nvGrpSpPr>
-        <p:cNvPr id="1" name="Shape 25"/>
+        <p:cNvPr id="25" name="Shape 25"/>
         <p:cNvGrpSpPr/>
         <p:nvPr/>
       </p:nvGrpSpPr>
@@ -4453,9 +4298,7 @@
       <p:sp>
         <p:nvSpPr>
           <p:cNvPr id="26" name="Google Shape;26;p6"/>
-          <p:cNvSpPr txBox="1">
-            <a:spLocks noGrp="1"/>
-          </p:cNvSpPr>
+          <p:cNvSpPr txBox="1"/>
           <p:nvPr>
             <p:ph type="title"/>
           </p:nvPr>
@@ -4470,7 +4313,7 @@
           </a:prstGeom>
         </p:spPr>
         <p:txBody>
-          <a:bodyPr spcFirstLastPara="1" wrap="square" lIns="91425" tIns="91425" rIns="91425" bIns="91425" anchor="t" anchorCtr="0">
+          <a:bodyPr anchorCtr="0" anchor="t" bIns="91425" lIns="91425" spcFirstLastPara="1" rIns="91425" wrap="square" tIns="91425">
             <a:normAutofit/>
           </a:bodyPr>
           <a:lstStyle>
@@ -4574,19 +4417,15 @@
               <a:defRPr/>
             </a:lvl9pPr>
           </a:lstStyle>
-          <a:p>
-            <a:endParaRPr/>
-          </a:p>
+          <a:p/>
         </p:txBody>
       </p:sp>
       <p:sp>
         <p:nvSpPr>
           <p:cNvPr id="27" name="Google Shape;27;p6"/>
-          <p:cNvSpPr txBox="1">
-            <a:spLocks noGrp="1"/>
-          </p:cNvSpPr>
+          <p:cNvSpPr txBox="1"/>
           <p:nvPr>
-            <p:ph type="sldNum" idx="12"/>
+            <p:ph idx="12" type="sldNum"/>
           </p:nvPr>
         </p:nvSpPr>
         <p:spPr>
@@ -4599,7 +4438,7 @@
           </a:prstGeom>
         </p:spPr>
         <p:txBody>
-          <a:bodyPr spcFirstLastPara="1" wrap="square" lIns="91425" tIns="91425" rIns="91425" bIns="91425" anchor="ctr" anchorCtr="0">
+          <a:bodyPr anchorCtr="0" anchor="ctr" bIns="91425" lIns="91425" spcFirstLastPara="1" rIns="91425" wrap="square" tIns="91425">
             <a:normAutofit/>
           </a:bodyPr>
           <a:lstStyle>
@@ -4641,7 +4480,7 @@
             </a:lvl9pPr>
           </a:lstStyle>
           <a:p>
-            <a:pPr marL="0" lvl="0" indent="0" algn="r" rtl="0">
+            <a:pPr indent="0" lvl="0" marL="0" rtl="0" algn="r">
               <a:spcBef>
                 <a:spcPts val="0"/>
               </a:spcBef>
@@ -4667,11 +4506,11 @@
 </file>
 
 <file path=ppt/slideLayouts/slideLayout6.xml><?xml version="1.0" encoding="utf-8"?>
-<p:sldLayout xmlns:a="http://schemas.openxmlformats.org/drawingml/2006/main" xmlns:r="http://schemas.openxmlformats.org/officeDocument/2006/relationships" xmlns:p="http://schemas.openxmlformats.org/presentationml/2006/main" matchingName="One column text">
+<p:sldLayout xmlns:a="http://schemas.openxmlformats.org/drawingml/2006/main" xmlns:r="http://schemas.openxmlformats.org/officeDocument/2006/relationships" xmlns:mc="http://schemas.openxmlformats.org/markup-compatibility/2006" xmlns:mv="urn:schemas-microsoft-com:mac:vml" xmlns:p="http://schemas.openxmlformats.org/presentationml/2006/main" xmlns:c="http://schemas.openxmlformats.org/drawingml/2006/chart" xmlns:dgm="http://schemas.openxmlformats.org/drawingml/2006/diagram" xmlns:o="urn:schemas-microsoft-com:office:office" xmlns:v="urn:schemas-microsoft-com:vml" xmlns:pvml="urn:schemas-microsoft-com:office:powerpoint" xmlns:com="http://schemas.openxmlformats.org/drawingml/2006/compatibility" xmlns:p14="http://schemas.microsoft.com/office/powerpoint/2010/main" xmlns:p15="http://schemas.microsoft.com/office/powerpoint/2012/main" xmlns:ahyp="http://schemas.microsoft.com/office/drawing/2018/hyperlinkcolor" matchingName="One column text">
   <p:cSld name="ONE_COLUMN_TEXT">
     <p:spTree>
       <p:nvGrpSpPr>
-        <p:cNvPr id="1" name="Shape 28"/>
+        <p:cNvPr id="28" name="Shape 28"/>
         <p:cNvGrpSpPr/>
         <p:nvPr/>
       </p:nvGrpSpPr>
@@ -4686,9 +4525,7 @@
       <p:sp>
         <p:nvSpPr>
           <p:cNvPr id="29" name="Google Shape;29;p7"/>
-          <p:cNvSpPr txBox="1">
-            <a:spLocks noGrp="1"/>
-          </p:cNvSpPr>
+          <p:cNvSpPr txBox="1"/>
           <p:nvPr>
             <p:ph type="title"/>
           </p:nvPr>
@@ -4703,7 +4540,7 @@
           </a:prstGeom>
         </p:spPr>
         <p:txBody>
-          <a:bodyPr spcFirstLastPara="1" wrap="square" lIns="91425" tIns="91425" rIns="91425" bIns="91425" anchor="b" anchorCtr="0">
+          <a:bodyPr anchorCtr="0" anchor="b" bIns="91425" lIns="91425" spcFirstLastPara="1" rIns="91425" wrap="square" tIns="91425">
             <a:normAutofit/>
           </a:bodyPr>
           <a:lstStyle>
@@ -4807,19 +4644,15 @@
               <a:defRPr sz="2400"/>
             </a:lvl9pPr>
           </a:lstStyle>
-          <a:p>
-            <a:endParaRPr/>
-          </a:p>
+          <a:p/>
         </p:txBody>
       </p:sp>
       <p:sp>
         <p:nvSpPr>
           <p:cNvPr id="30" name="Google Shape;30;p7"/>
-          <p:cNvSpPr txBox="1">
-            <a:spLocks noGrp="1"/>
-          </p:cNvSpPr>
+          <p:cNvSpPr txBox="1"/>
           <p:nvPr>
-            <p:ph type="body" idx="1"/>
+            <p:ph idx="1" type="body"/>
           </p:nvPr>
         </p:nvSpPr>
         <p:spPr>
@@ -4832,11 +4665,11 @@
           </a:prstGeom>
         </p:spPr>
         <p:txBody>
-          <a:bodyPr spcFirstLastPara="1" wrap="square" lIns="91425" tIns="91425" rIns="91425" bIns="91425" anchor="t" anchorCtr="0">
+          <a:bodyPr anchorCtr="0" anchor="t" bIns="91425" lIns="91425" spcFirstLastPara="1" rIns="91425" wrap="square" tIns="91425">
             <a:normAutofit/>
           </a:bodyPr>
           <a:lstStyle>
-            <a:lvl1pPr marL="457200" lvl="0" indent="-304800">
+            <a:lvl1pPr indent="-304800" lvl="0" marL="457200">
               <a:spcBef>
                 <a:spcPts val="0"/>
               </a:spcBef>
@@ -4847,7 +4680,7 @@
               <a:buChar char="●"/>
               <a:defRPr sz="1200"/>
             </a:lvl1pPr>
-            <a:lvl2pPr marL="914400" lvl="1" indent="-304800">
+            <a:lvl2pPr indent="-304800" lvl="1" marL="914400">
               <a:spcBef>
                 <a:spcPts val="0"/>
               </a:spcBef>
@@ -4858,7 +4691,7 @@
               <a:buChar char="○"/>
               <a:defRPr sz="1200"/>
             </a:lvl2pPr>
-            <a:lvl3pPr marL="1371600" lvl="2" indent="-304800">
+            <a:lvl3pPr indent="-304800" lvl="2" marL="1371600">
               <a:spcBef>
                 <a:spcPts val="0"/>
               </a:spcBef>
@@ -4869,7 +4702,7 @@
               <a:buChar char="■"/>
               <a:defRPr sz="1200"/>
             </a:lvl3pPr>
-            <a:lvl4pPr marL="1828800" lvl="3" indent="-304800">
+            <a:lvl4pPr indent="-304800" lvl="3" marL="1828800">
               <a:spcBef>
                 <a:spcPts val="0"/>
               </a:spcBef>
@@ -4880,7 +4713,7 @@
               <a:buChar char="●"/>
               <a:defRPr sz="1200"/>
             </a:lvl4pPr>
-            <a:lvl5pPr marL="2286000" lvl="4" indent="-304800">
+            <a:lvl5pPr indent="-304800" lvl="4" marL="2286000">
               <a:spcBef>
                 <a:spcPts val="0"/>
               </a:spcBef>
@@ -4891,7 +4724,7 @@
               <a:buChar char="○"/>
               <a:defRPr sz="1200"/>
             </a:lvl5pPr>
-            <a:lvl6pPr marL="2743200" lvl="5" indent="-304800">
+            <a:lvl6pPr indent="-304800" lvl="5" marL="2743200">
               <a:spcBef>
                 <a:spcPts val="0"/>
               </a:spcBef>
@@ -4902,7 +4735,7 @@
               <a:buChar char="■"/>
               <a:defRPr sz="1200"/>
             </a:lvl6pPr>
-            <a:lvl7pPr marL="3200400" lvl="6" indent="-304800">
+            <a:lvl7pPr indent="-304800" lvl="6" marL="3200400">
               <a:spcBef>
                 <a:spcPts val="0"/>
               </a:spcBef>
@@ -4913,7 +4746,7 @@
               <a:buChar char="●"/>
               <a:defRPr sz="1200"/>
             </a:lvl7pPr>
-            <a:lvl8pPr marL="3657600" lvl="7" indent="-304800">
+            <a:lvl8pPr indent="-304800" lvl="7" marL="3657600">
               <a:spcBef>
                 <a:spcPts val="0"/>
               </a:spcBef>
@@ -4924,7 +4757,7 @@
               <a:buChar char="○"/>
               <a:defRPr sz="1200"/>
             </a:lvl8pPr>
-            <a:lvl9pPr marL="4114800" lvl="8" indent="-304800">
+            <a:lvl9pPr indent="-304800" lvl="8" marL="4114800">
               <a:spcBef>
                 <a:spcPts val="0"/>
               </a:spcBef>
@@ -4936,19 +4769,15 @@
               <a:defRPr sz="1200"/>
             </a:lvl9pPr>
           </a:lstStyle>
-          <a:p>
-            <a:endParaRPr/>
-          </a:p>
+          <a:p/>
         </p:txBody>
       </p:sp>
       <p:sp>
         <p:nvSpPr>
           <p:cNvPr id="31" name="Google Shape;31;p7"/>
-          <p:cNvSpPr txBox="1">
-            <a:spLocks noGrp="1"/>
-          </p:cNvSpPr>
+          <p:cNvSpPr txBox="1"/>
           <p:nvPr>
-            <p:ph type="sldNum" idx="12"/>
+            <p:ph idx="12" type="sldNum"/>
           </p:nvPr>
         </p:nvSpPr>
         <p:spPr>
@@ -4961,7 +4790,7 @@
           </a:prstGeom>
         </p:spPr>
         <p:txBody>
-          <a:bodyPr spcFirstLastPara="1" wrap="square" lIns="91425" tIns="91425" rIns="91425" bIns="91425" anchor="ctr" anchorCtr="0">
+          <a:bodyPr anchorCtr="0" anchor="ctr" bIns="91425" lIns="91425" spcFirstLastPara="1" rIns="91425" wrap="square" tIns="91425">
             <a:normAutofit/>
           </a:bodyPr>
           <a:lstStyle>
@@ -5003,7 +4832,7 @@
             </a:lvl9pPr>
           </a:lstStyle>
           <a:p>
-            <a:pPr marL="0" lvl="0" indent="0" algn="r" rtl="0">
+            <a:pPr indent="0" lvl="0" marL="0" rtl="0" algn="r">
               <a:spcBef>
                 <a:spcPts val="0"/>
               </a:spcBef>
@@ -5029,11 +4858,11 @@
 </file>
 
 <file path=ppt/slideLayouts/slideLayout7.xml><?xml version="1.0" encoding="utf-8"?>
-<p:sldLayout xmlns:a="http://schemas.openxmlformats.org/drawingml/2006/main" xmlns:r="http://schemas.openxmlformats.org/officeDocument/2006/relationships" xmlns:p="http://schemas.openxmlformats.org/presentationml/2006/main" matchingName="Main point">
+<p:sldLayout xmlns:a="http://schemas.openxmlformats.org/drawingml/2006/main" xmlns:r="http://schemas.openxmlformats.org/officeDocument/2006/relationships" xmlns:mc="http://schemas.openxmlformats.org/markup-compatibility/2006" xmlns:mv="urn:schemas-microsoft-com:mac:vml" xmlns:p="http://schemas.openxmlformats.org/presentationml/2006/main" xmlns:c="http://schemas.openxmlformats.org/drawingml/2006/chart" xmlns:dgm="http://schemas.openxmlformats.org/drawingml/2006/diagram" xmlns:o="urn:schemas-microsoft-com:office:office" xmlns:v="urn:schemas-microsoft-com:vml" xmlns:pvml="urn:schemas-microsoft-com:office:powerpoint" xmlns:com="http://schemas.openxmlformats.org/drawingml/2006/compatibility" xmlns:p14="http://schemas.microsoft.com/office/powerpoint/2010/main" xmlns:p15="http://schemas.microsoft.com/office/powerpoint/2012/main" xmlns:ahyp="http://schemas.microsoft.com/office/drawing/2018/hyperlinkcolor" matchingName="Main point">
   <p:cSld name="MAIN_POINT">
     <p:spTree>
       <p:nvGrpSpPr>
-        <p:cNvPr id="1" name="Shape 32"/>
+        <p:cNvPr id="32" name="Shape 32"/>
         <p:cNvGrpSpPr/>
         <p:nvPr/>
       </p:nvGrpSpPr>
@@ -5048,9 +4877,7 @@
       <p:sp>
         <p:nvSpPr>
           <p:cNvPr id="33" name="Google Shape;33;p8"/>
-          <p:cNvSpPr txBox="1">
-            <a:spLocks noGrp="1"/>
-          </p:cNvSpPr>
+          <p:cNvSpPr txBox="1"/>
           <p:nvPr>
             <p:ph type="title"/>
           </p:nvPr>
@@ -5065,7 +4892,7 @@
           </a:prstGeom>
         </p:spPr>
         <p:txBody>
-          <a:bodyPr spcFirstLastPara="1" wrap="square" lIns="91425" tIns="91425" rIns="91425" bIns="91425" anchor="ctr" anchorCtr="0">
+          <a:bodyPr anchorCtr="0" anchor="ctr" bIns="91425" lIns="91425" spcFirstLastPara="1" rIns="91425" wrap="square" tIns="91425">
             <a:normAutofit/>
           </a:bodyPr>
           <a:lstStyle>
@@ -5169,19 +4996,15 @@
               <a:defRPr sz="4800"/>
             </a:lvl9pPr>
           </a:lstStyle>
-          <a:p>
-            <a:endParaRPr/>
-          </a:p>
+          <a:p/>
         </p:txBody>
       </p:sp>
       <p:sp>
         <p:nvSpPr>
           <p:cNvPr id="34" name="Google Shape;34;p8"/>
-          <p:cNvSpPr txBox="1">
-            <a:spLocks noGrp="1"/>
-          </p:cNvSpPr>
+          <p:cNvSpPr txBox="1"/>
           <p:nvPr>
-            <p:ph type="sldNum" idx="12"/>
+            <p:ph idx="12" type="sldNum"/>
           </p:nvPr>
         </p:nvSpPr>
         <p:spPr>
@@ -5194,7 +5017,7 @@
           </a:prstGeom>
         </p:spPr>
         <p:txBody>
-          <a:bodyPr spcFirstLastPara="1" wrap="square" lIns="91425" tIns="91425" rIns="91425" bIns="91425" anchor="ctr" anchorCtr="0">
+          <a:bodyPr anchorCtr="0" anchor="ctr" bIns="91425" lIns="91425" spcFirstLastPara="1" rIns="91425" wrap="square" tIns="91425">
             <a:normAutofit/>
           </a:bodyPr>
           <a:lstStyle>
@@ -5236,7 +5059,7 @@
             </a:lvl9pPr>
           </a:lstStyle>
           <a:p>
-            <a:pPr marL="0" lvl="0" indent="0" algn="r" rtl="0">
+            <a:pPr indent="0" lvl="0" marL="0" rtl="0" algn="r">
               <a:spcBef>
                 <a:spcPts val="0"/>
               </a:spcBef>
@@ -5262,11 +5085,11 @@
 </file>
 
 <file path=ppt/slideLayouts/slideLayout8.xml><?xml version="1.0" encoding="utf-8"?>
-<p:sldLayout xmlns:a="http://schemas.openxmlformats.org/drawingml/2006/main" xmlns:r="http://schemas.openxmlformats.org/officeDocument/2006/relationships" xmlns:p="http://schemas.openxmlformats.org/presentationml/2006/main" matchingName="Section title and description">
+<p:sldLayout xmlns:a="http://schemas.openxmlformats.org/drawingml/2006/main" xmlns:r="http://schemas.openxmlformats.org/officeDocument/2006/relationships" xmlns:mc="http://schemas.openxmlformats.org/markup-compatibility/2006" xmlns:mv="urn:schemas-microsoft-com:mac:vml" xmlns:p="http://schemas.openxmlformats.org/presentationml/2006/main" xmlns:c="http://schemas.openxmlformats.org/drawingml/2006/chart" xmlns:dgm="http://schemas.openxmlformats.org/drawingml/2006/diagram" xmlns:o="urn:schemas-microsoft-com:office:office" xmlns:v="urn:schemas-microsoft-com:vml" xmlns:pvml="urn:schemas-microsoft-com:office:powerpoint" xmlns:com="http://schemas.openxmlformats.org/drawingml/2006/compatibility" xmlns:p14="http://schemas.microsoft.com/office/powerpoint/2010/main" xmlns:p15="http://schemas.microsoft.com/office/powerpoint/2012/main" xmlns:ahyp="http://schemas.microsoft.com/office/drawing/2018/hyperlinkcolor" matchingName="Section title and description">
   <p:cSld name="SECTION_TITLE_AND_DESCRIPTION">
     <p:spTree>
       <p:nvGrpSpPr>
-        <p:cNvPr id="1" name="Shape 35"/>
+        <p:cNvPr id="35" name="Shape 35"/>
         <p:cNvGrpSpPr/>
         <p:nvPr/>
       </p:nvGrpSpPr>
@@ -5300,12 +5123,12 @@
           </a:ln>
         </p:spPr>
         <p:txBody>
-          <a:bodyPr spcFirstLastPara="1" wrap="square" lIns="91425" tIns="91425" rIns="91425" bIns="91425" anchor="ctr" anchorCtr="0">
+          <a:bodyPr anchorCtr="0" anchor="ctr" bIns="91425" lIns="91425" spcFirstLastPara="1" rIns="91425" wrap="square" tIns="91425">
             <a:noAutofit/>
           </a:bodyPr>
           <a:lstStyle/>
           <a:p>
-            <a:pPr marL="0" lvl="0" indent="0" algn="l" rtl="0">
+            <a:pPr indent="0" lvl="0" marL="0" rtl="0" algn="l">
               <a:spcBef>
                 <a:spcPts val="0"/>
               </a:spcBef>
@@ -5314,6 +5137,9 @@
               </a:spcAft>
               <a:buNone/>
             </a:pPr>
+            <a:r>
+              <a:t/>
+            </a:r>
             <a:endParaRPr/>
           </a:p>
         </p:txBody>
@@ -5321,9 +5147,7 @@
       <p:sp>
         <p:nvSpPr>
           <p:cNvPr id="37" name="Google Shape;37;p9"/>
-          <p:cNvSpPr txBox="1">
-            <a:spLocks noGrp="1"/>
-          </p:cNvSpPr>
+          <p:cNvSpPr txBox="1"/>
           <p:nvPr>
             <p:ph type="title"/>
           </p:nvPr>
@@ -5338,7 +5162,7 @@
           </a:prstGeom>
         </p:spPr>
         <p:txBody>
-          <a:bodyPr spcFirstLastPara="1" wrap="square" lIns="91425" tIns="91425" rIns="91425" bIns="91425" anchor="b" anchorCtr="0">
+          <a:bodyPr anchorCtr="0" anchor="b" bIns="91425" lIns="91425" spcFirstLastPara="1" rIns="91425" wrap="square" tIns="91425">
             <a:normAutofit/>
           </a:bodyPr>
           <a:lstStyle>
@@ -5442,19 +5266,15 @@
               <a:defRPr sz="4200"/>
             </a:lvl9pPr>
           </a:lstStyle>
-          <a:p>
-            <a:endParaRPr/>
-          </a:p>
+          <a:p/>
         </p:txBody>
       </p:sp>
       <p:sp>
         <p:nvSpPr>
           <p:cNvPr id="38" name="Google Shape;38;p9"/>
-          <p:cNvSpPr txBox="1">
-            <a:spLocks noGrp="1"/>
-          </p:cNvSpPr>
+          <p:cNvSpPr txBox="1"/>
           <p:nvPr>
-            <p:ph type="subTitle" idx="1"/>
+            <p:ph idx="1" type="subTitle"/>
           </p:nvPr>
         </p:nvSpPr>
         <p:spPr>
@@ -5467,7 +5287,7 @@
           </a:prstGeom>
         </p:spPr>
         <p:txBody>
-          <a:bodyPr spcFirstLastPara="1" wrap="square" lIns="91425" tIns="91425" rIns="91425" bIns="91425" anchor="t" anchorCtr="0">
+          <a:bodyPr anchorCtr="0" anchor="t" bIns="91425" lIns="91425" spcFirstLastPara="1" rIns="91425" wrap="square" tIns="91425">
             <a:normAutofit/>
           </a:bodyPr>
           <a:lstStyle>
@@ -5598,19 +5418,15 @@
               <a:defRPr sz="2100"/>
             </a:lvl9pPr>
           </a:lstStyle>
-          <a:p>
-            <a:endParaRPr/>
-          </a:p>
+          <a:p/>
         </p:txBody>
       </p:sp>
       <p:sp>
         <p:nvSpPr>
           <p:cNvPr id="39" name="Google Shape;39;p9"/>
-          <p:cNvSpPr txBox="1">
-            <a:spLocks noGrp="1"/>
-          </p:cNvSpPr>
+          <p:cNvSpPr txBox="1"/>
           <p:nvPr>
-            <p:ph type="body" idx="2"/>
+            <p:ph idx="2" type="body"/>
           </p:nvPr>
         </p:nvSpPr>
         <p:spPr>
@@ -5623,11 +5439,11 @@
           </a:prstGeom>
         </p:spPr>
         <p:txBody>
-          <a:bodyPr spcFirstLastPara="1" wrap="square" lIns="91425" tIns="91425" rIns="91425" bIns="91425" anchor="ctr" anchorCtr="0">
+          <a:bodyPr anchorCtr="0" anchor="ctr" bIns="91425" lIns="91425" spcFirstLastPara="1" rIns="91425" wrap="square" tIns="91425">
             <a:normAutofit/>
           </a:bodyPr>
           <a:lstStyle>
-            <a:lvl1pPr marL="457200" lvl="0" indent="-342900">
+            <a:lvl1pPr indent="-342900" lvl="0" marL="457200">
               <a:spcBef>
                 <a:spcPts val="0"/>
               </a:spcBef>
@@ -5638,7 +5454,7 @@
               <a:buChar char="●"/>
               <a:defRPr/>
             </a:lvl1pPr>
-            <a:lvl2pPr marL="914400" lvl="1" indent="-317500">
+            <a:lvl2pPr indent="-317500" lvl="1" marL="914400">
               <a:spcBef>
                 <a:spcPts val="0"/>
               </a:spcBef>
@@ -5649,7 +5465,7 @@
               <a:buChar char="○"/>
               <a:defRPr/>
             </a:lvl2pPr>
-            <a:lvl3pPr marL="1371600" lvl="2" indent="-317500">
+            <a:lvl3pPr indent="-317500" lvl="2" marL="1371600">
               <a:spcBef>
                 <a:spcPts val="0"/>
               </a:spcBef>
@@ -5660,7 +5476,7 @@
               <a:buChar char="■"/>
               <a:defRPr/>
             </a:lvl3pPr>
-            <a:lvl4pPr marL="1828800" lvl="3" indent="-317500">
+            <a:lvl4pPr indent="-317500" lvl="3" marL="1828800">
               <a:spcBef>
                 <a:spcPts val="0"/>
               </a:spcBef>
@@ -5671,7 +5487,7 @@
               <a:buChar char="●"/>
               <a:defRPr/>
             </a:lvl4pPr>
-            <a:lvl5pPr marL="2286000" lvl="4" indent="-317500">
+            <a:lvl5pPr indent="-317500" lvl="4" marL="2286000">
               <a:spcBef>
                 <a:spcPts val="0"/>
               </a:spcBef>
@@ -5682,7 +5498,7 @@
               <a:buChar char="○"/>
               <a:defRPr/>
             </a:lvl5pPr>
-            <a:lvl6pPr marL="2743200" lvl="5" indent="-317500">
+            <a:lvl6pPr indent="-317500" lvl="5" marL="2743200">
               <a:spcBef>
                 <a:spcPts val="0"/>
               </a:spcBef>
@@ -5693,7 +5509,7 @@
               <a:buChar char="■"/>
               <a:defRPr/>
             </a:lvl6pPr>
-            <a:lvl7pPr marL="3200400" lvl="6" indent="-317500">
+            <a:lvl7pPr indent="-317500" lvl="6" marL="3200400">
               <a:spcBef>
                 <a:spcPts val="0"/>
               </a:spcBef>
@@ -5704,7 +5520,7 @@
               <a:buChar char="●"/>
               <a:defRPr/>
             </a:lvl7pPr>
-            <a:lvl8pPr marL="3657600" lvl="7" indent="-317500">
+            <a:lvl8pPr indent="-317500" lvl="7" marL="3657600">
               <a:spcBef>
                 <a:spcPts val="0"/>
               </a:spcBef>
@@ -5715,7 +5531,7 @@
               <a:buChar char="○"/>
               <a:defRPr/>
             </a:lvl8pPr>
-            <a:lvl9pPr marL="4114800" lvl="8" indent="-317500">
+            <a:lvl9pPr indent="-317500" lvl="8" marL="4114800">
               <a:spcBef>
                 <a:spcPts val="0"/>
               </a:spcBef>
@@ -5727,19 +5543,15 @@
               <a:defRPr/>
             </a:lvl9pPr>
           </a:lstStyle>
-          <a:p>
-            <a:endParaRPr/>
-          </a:p>
+          <a:p/>
         </p:txBody>
       </p:sp>
       <p:sp>
         <p:nvSpPr>
           <p:cNvPr id="40" name="Google Shape;40;p9"/>
-          <p:cNvSpPr txBox="1">
-            <a:spLocks noGrp="1"/>
-          </p:cNvSpPr>
+          <p:cNvSpPr txBox="1"/>
           <p:nvPr>
-            <p:ph type="sldNum" idx="12"/>
+            <p:ph idx="12" type="sldNum"/>
           </p:nvPr>
         </p:nvSpPr>
         <p:spPr>
@@ -5752,7 +5564,7 @@
           </a:prstGeom>
         </p:spPr>
         <p:txBody>
-          <a:bodyPr spcFirstLastPara="1" wrap="square" lIns="91425" tIns="91425" rIns="91425" bIns="91425" anchor="ctr" anchorCtr="0">
+          <a:bodyPr anchorCtr="0" anchor="ctr" bIns="91425" lIns="91425" spcFirstLastPara="1" rIns="91425" wrap="square" tIns="91425">
             <a:normAutofit/>
           </a:bodyPr>
           <a:lstStyle>
@@ -5794,7 +5606,7 @@
             </a:lvl9pPr>
           </a:lstStyle>
           <a:p>
-            <a:pPr marL="0" lvl="0" indent="0" algn="r" rtl="0">
+            <a:pPr indent="0" lvl="0" marL="0" rtl="0" algn="r">
               <a:spcBef>
                 <a:spcPts val="0"/>
               </a:spcBef>
@@ -5820,11 +5632,11 @@
 </file>
 
 <file path=ppt/slideLayouts/slideLayout9.xml><?xml version="1.0" encoding="utf-8"?>
-<p:sldLayout xmlns:a="http://schemas.openxmlformats.org/drawingml/2006/main" xmlns:r="http://schemas.openxmlformats.org/officeDocument/2006/relationships" xmlns:p="http://schemas.openxmlformats.org/presentationml/2006/main" matchingName="Caption">
+<p:sldLayout xmlns:a="http://schemas.openxmlformats.org/drawingml/2006/main" xmlns:r="http://schemas.openxmlformats.org/officeDocument/2006/relationships" xmlns:mc="http://schemas.openxmlformats.org/markup-compatibility/2006" xmlns:mv="urn:schemas-microsoft-com:mac:vml" xmlns:p="http://schemas.openxmlformats.org/presentationml/2006/main" xmlns:c="http://schemas.openxmlformats.org/drawingml/2006/chart" xmlns:dgm="http://schemas.openxmlformats.org/drawingml/2006/diagram" xmlns:o="urn:schemas-microsoft-com:office:office" xmlns:v="urn:schemas-microsoft-com:vml" xmlns:pvml="urn:schemas-microsoft-com:office:powerpoint" xmlns:com="http://schemas.openxmlformats.org/drawingml/2006/compatibility" xmlns:p14="http://schemas.microsoft.com/office/powerpoint/2010/main" xmlns:p15="http://schemas.microsoft.com/office/powerpoint/2012/main" xmlns:ahyp="http://schemas.microsoft.com/office/drawing/2018/hyperlinkcolor" matchingName="Caption">
   <p:cSld name="CAPTION_ONLY">
     <p:spTree>
       <p:nvGrpSpPr>
-        <p:cNvPr id="1" name="Shape 41"/>
+        <p:cNvPr id="41" name="Shape 41"/>
         <p:cNvGrpSpPr/>
         <p:nvPr/>
       </p:nvGrpSpPr>
@@ -5839,11 +5651,9 @@
       <p:sp>
         <p:nvSpPr>
           <p:cNvPr id="42" name="Google Shape;42;p10"/>
-          <p:cNvSpPr txBox="1">
-            <a:spLocks noGrp="1"/>
-          </p:cNvSpPr>
+          <p:cNvSpPr txBox="1"/>
           <p:nvPr>
-            <p:ph type="body" idx="1"/>
+            <p:ph idx="1" type="body"/>
           </p:nvPr>
         </p:nvSpPr>
         <p:spPr>
@@ -5856,11 +5666,11 @@
           </a:prstGeom>
         </p:spPr>
         <p:txBody>
-          <a:bodyPr spcFirstLastPara="1" wrap="square" lIns="91425" tIns="91425" rIns="91425" bIns="91425" anchor="ctr" anchorCtr="0">
+          <a:bodyPr anchorCtr="0" anchor="ctr" bIns="91425" lIns="91425" spcFirstLastPara="1" rIns="91425" wrap="square" tIns="91425">
             <a:normAutofit/>
           </a:bodyPr>
           <a:lstStyle>
-            <a:lvl1pPr marL="457200" lvl="0" indent="-228600">
+            <a:lvl1pPr indent="-228600" lvl="0" marL="457200">
               <a:lnSpc>
                 <a:spcPct val="100000"/>
               </a:lnSpc>
@@ -5875,19 +5685,15 @@
               <a:defRPr/>
             </a:lvl1pPr>
           </a:lstStyle>
-          <a:p>
-            <a:endParaRPr/>
-          </a:p>
+          <a:p/>
         </p:txBody>
       </p:sp>
       <p:sp>
         <p:nvSpPr>
           <p:cNvPr id="43" name="Google Shape;43;p10"/>
-          <p:cNvSpPr txBox="1">
-            <a:spLocks noGrp="1"/>
-          </p:cNvSpPr>
+          <p:cNvSpPr txBox="1"/>
           <p:nvPr>
-            <p:ph type="sldNum" idx="12"/>
+            <p:ph idx="12" type="sldNum"/>
           </p:nvPr>
         </p:nvSpPr>
         <p:spPr>
@@ -5900,7 +5706,7 @@
           </a:prstGeom>
         </p:spPr>
         <p:txBody>
-          <a:bodyPr spcFirstLastPara="1" wrap="square" lIns="91425" tIns="91425" rIns="91425" bIns="91425" anchor="ctr" anchorCtr="0">
+          <a:bodyPr anchorCtr="0" anchor="ctr" bIns="91425" lIns="91425" spcFirstLastPara="1" rIns="91425" wrap="square" tIns="91425">
             <a:normAutofit/>
           </a:bodyPr>
           <a:lstStyle>
@@ -5942,7 +5748,7 @@
             </a:lvl9pPr>
           </a:lstStyle>
           <a:p>
-            <a:pPr marL="0" lvl="0" indent="0" algn="r" rtl="0">
+            <a:pPr indent="0" lvl="0" marL="0" rtl="0" algn="r">
               <a:spcBef>
                 <a:spcPts val="0"/>
               </a:spcBef>
@@ -5968,19 +5774,18 @@
 </file>
 
 <file path=ppt/slideMasters/slideMaster1.xml><?xml version="1.0" encoding="utf-8"?>
-<p:sldMaster xmlns:a="http://schemas.openxmlformats.org/drawingml/2006/main" xmlns:r="http://schemas.openxmlformats.org/officeDocument/2006/relationships" xmlns:p="http://schemas.openxmlformats.org/presentationml/2006/main">
+<p:sldMaster xmlns:a="http://schemas.openxmlformats.org/drawingml/2006/main" xmlns:r="http://schemas.openxmlformats.org/officeDocument/2006/relationships" xmlns:mc="http://schemas.openxmlformats.org/markup-compatibility/2006" xmlns:mv="urn:schemas-microsoft-com:mac:vml" xmlns:p="http://schemas.openxmlformats.org/presentationml/2006/main" xmlns:c="http://schemas.openxmlformats.org/drawingml/2006/chart" xmlns:dgm="http://schemas.openxmlformats.org/drawingml/2006/diagram" xmlns:o="urn:schemas-microsoft-com:office:office" xmlns:v="urn:schemas-microsoft-com:vml" xmlns:pvml="urn:schemas-microsoft-com:office:powerpoint" xmlns:com="http://schemas.openxmlformats.org/drawingml/2006/compatibility" xmlns:p14="http://schemas.microsoft.com/office/powerpoint/2010/main" xmlns:p15="http://schemas.microsoft.com/office/powerpoint/2012/main" xmlns:ahyp="http://schemas.microsoft.com/office/drawing/2018/hyperlinkcolor">
   <p:cSld name="simple-light-2">
     <p:bg>
       <p:bgPr>
         <a:solidFill>
           <a:schemeClr val="lt1"/>
         </a:solidFill>
-        <a:effectLst/>
       </p:bgPr>
     </p:bg>
     <p:spTree>
       <p:nvGrpSpPr>
-        <p:cNvPr id="1" name="Shape 5"/>
+        <p:cNvPr id="5" name="Shape 5"/>
         <p:cNvGrpSpPr/>
         <p:nvPr/>
       </p:nvGrpSpPr>
@@ -5995,9 +5800,7 @@
       <p:sp>
         <p:nvSpPr>
           <p:cNvPr id="6" name="Google Shape;6;p1"/>
-          <p:cNvSpPr txBox="1">
-            <a:spLocks noGrp="1"/>
-          </p:cNvSpPr>
+          <p:cNvSpPr txBox="1"/>
           <p:nvPr>
             <p:ph type="title"/>
           </p:nvPr>
@@ -6016,7 +5819,7 @@
           </a:ln>
         </p:spPr>
         <p:txBody>
-          <a:bodyPr spcFirstLastPara="1" wrap="square" lIns="91425" tIns="91425" rIns="91425" bIns="91425" anchor="t" anchorCtr="0">
+          <a:bodyPr anchorCtr="0" anchor="t" bIns="91425" lIns="91425" spcFirstLastPara="1" rIns="91425" wrap="square" tIns="91425">
             <a:normAutofit/>
           </a:bodyPr>
           <a:lstStyle>
@@ -6183,19 +5986,15 @@
               </a:defRPr>
             </a:lvl9pPr>
           </a:lstStyle>
-          <a:p>
-            <a:endParaRPr/>
-          </a:p>
+          <a:p/>
         </p:txBody>
       </p:sp>
       <p:sp>
         <p:nvSpPr>
           <p:cNvPr id="7" name="Google Shape;7;p1"/>
-          <p:cNvSpPr txBox="1">
-            <a:spLocks noGrp="1"/>
-          </p:cNvSpPr>
+          <p:cNvSpPr txBox="1"/>
           <p:nvPr>
-            <p:ph type="body" idx="1"/>
+            <p:ph idx="1" type="body"/>
           </p:nvPr>
         </p:nvSpPr>
         <p:spPr>
@@ -6212,11 +6011,11 @@
           </a:ln>
         </p:spPr>
         <p:txBody>
-          <a:bodyPr spcFirstLastPara="1" wrap="square" lIns="91425" tIns="91425" rIns="91425" bIns="91425" anchor="t" anchorCtr="0">
+          <a:bodyPr anchorCtr="0" anchor="t" bIns="91425" lIns="91425" spcFirstLastPara="1" rIns="91425" wrap="square" tIns="91425">
             <a:normAutofit/>
           </a:bodyPr>
           <a:lstStyle>
-            <a:lvl1pPr marL="457200" lvl="0" indent="-342900">
+            <a:lvl1pPr indent="-342900" lvl="0" marL="457200">
               <a:lnSpc>
                 <a:spcPct val="115000"/>
               </a:lnSpc>
@@ -6237,7 +6036,7 @@
                 </a:solidFill>
               </a:defRPr>
             </a:lvl1pPr>
-            <a:lvl2pPr marL="914400" lvl="1" indent="-317500">
+            <a:lvl2pPr indent="-317500" lvl="1" marL="914400">
               <a:lnSpc>
                 <a:spcPct val="115000"/>
               </a:lnSpc>
@@ -6258,7 +6057,7 @@
                 </a:solidFill>
               </a:defRPr>
             </a:lvl2pPr>
-            <a:lvl3pPr marL="1371600" lvl="2" indent="-317500">
+            <a:lvl3pPr indent="-317500" lvl="2" marL="1371600">
               <a:lnSpc>
                 <a:spcPct val="115000"/>
               </a:lnSpc>
@@ -6279,7 +6078,7 @@
                 </a:solidFill>
               </a:defRPr>
             </a:lvl3pPr>
-            <a:lvl4pPr marL="1828800" lvl="3" indent="-317500">
+            <a:lvl4pPr indent="-317500" lvl="3" marL="1828800">
               <a:lnSpc>
                 <a:spcPct val="115000"/>
               </a:lnSpc>
@@ -6300,7 +6099,7 @@
                 </a:solidFill>
               </a:defRPr>
             </a:lvl4pPr>
-            <a:lvl5pPr marL="2286000" lvl="4" indent="-317500">
+            <a:lvl5pPr indent="-317500" lvl="4" marL="2286000">
               <a:lnSpc>
                 <a:spcPct val="115000"/>
               </a:lnSpc>
@@ -6321,7 +6120,7 @@
                 </a:solidFill>
               </a:defRPr>
             </a:lvl5pPr>
-            <a:lvl6pPr marL="2743200" lvl="5" indent="-317500">
+            <a:lvl6pPr indent="-317500" lvl="5" marL="2743200">
               <a:lnSpc>
                 <a:spcPct val="115000"/>
               </a:lnSpc>
@@ -6342,7 +6141,7 @@
                 </a:solidFill>
               </a:defRPr>
             </a:lvl6pPr>
-            <a:lvl7pPr marL="3200400" lvl="6" indent="-317500">
+            <a:lvl7pPr indent="-317500" lvl="6" marL="3200400">
               <a:lnSpc>
                 <a:spcPct val="115000"/>
               </a:lnSpc>
@@ -6363,7 +6162,7 @@
                 </a:solidFill>
               </a:defRPr>
             </a:lvl7pPr>
-            <a:lvl8pPr marL="3657600" lvl="7" indent="-317500">
+            <a:lvl8pPr indent="-317500" lvl="7" marL="3657600">
               <a:lnSpc>
                 <a:spcPct val="115000"/>
               </a:lnSpc>
@@ -6384,7 +6183,7 @@
                 </a:solidFill>
               </a:defRPr>
             </a:lvl8pPr>
-            <a:lvl9pPr marL="4114800" lvl="8" indent="-317500">
+            <a:lvl9pPr indent="-317500" lvl="8" marL="4114800">
               <a:lnSpc>
                 <a:spcPct val="115000"/>
               </a:lnSpc>
@@ -6406,19 +6205,15 @@
               </a:defRPr>
             </a:lvl9pPr>
           </a:lstStyle>
-          <a:p>
-            <a:endParaRPr/>
-          </a:p>
+          <a:p/>
         </p:txBody>
       </p:sp>
       <p:sp>
         <p:nvSpPr>
           <p:cNvPr id="8" name="Google Shape;8;p1"/>
-          <p:cNvSpPr txBox="1">
-            <a:spLocks noGrp="1"/>
-          </p:cNvSpPr>
+          <p:cNvSpPr txBox="1"/>
           <p:nvPr>
-            <p:ph type="sldNum" idx="12"/>
+            <p:ph idx="12" type="sldNum"/>
           </p:nvPr>
         </p:nvSpPr>
         <p:spPr>
@@ -6435,7 +6230,7 @@
           </a:ln>
         </p:spPr>
         <p:txBody>
-          <a:bodyPr spcFirstLastPara="1" wrap="square" lIns="91425" tIns="91425" rIns="91425" bIns="91425" anchor="ctr" anchorCtr="0">
+          <a:bodyPr anchorCtr="0" anchor="ctr" bIns="91425" lIns="91425" spcFirstLastPara="1" rIns="91425" wrap="square" tIns="91425">
             <a:normAutofit/>
           </a:bodyPr>
           <a:lstStyle>
@@ -6513,7 +6308,7 @@
             </a:lvl9pPr>
           </a:lstStyle>
           <a:p>
-            <a:pPr marL="0" lvl="0" indent="0" algn="r" rtl="0">
+            <a:pPr indent="0" lvl="0" marL="0" rtl="0" algn="r">
               <a:spcBef>
                 <a:spcPts val="0"/>
               </a:spcBef>
@@ -6532,7 +6327,7 @@
       </p:sp>
     </p:spTree>
   </p:cSld>
-  <p:clrMap bg1="lt1" tx1="dk1" bg2="dk2" tx2="lt2" accent1="accent1" accent2="accent2" accent3="accent3" accent4="accent4" accent5="accent5" accent6="accent6" hlink="hlink" folHlink="folHlink"/>
+  <p:clrMap accent1="accent1" accent2="accent2" accent3="accent3" accent4="accent4" accent5="accent5" accent6="accent6" bg1="lt1" bg2="dk2" tx1="dk1" tx2="lt2" folHlink="folHlink" hlink="hlink"/>
   <p:sldLayoutIdLst>
     <p:sldLayoutId id="2147483648" r:id="rId1"/>
     <p:sldLayoutId id="2147483649" r:id="rId2"/>
@@ -6546,10 +6341,10 @@
     <p:sldLayoutId id="2147483657" r:id="rId10"/>
     <p:sldLayoutId id="2147483658" r:id="rId11"/>
   </p:sldLayoutIdLst>
-  <p:hf sldNum="0" hdr="0" ftr="0" dt="0"/>
+  <p:hf dt="0" ftr="0" hdr="0" sldNum="0"/>
   <p:txStyles>
     <p:titleStyle>
-      <a:defPPr marR="0" lvl="0" algn="l" rtl="0">
+      <a:defPPr lvl="0" marR="0" rtl="0" algn="l">
         <a:lnSpc>
           <a:spcPct val="100000"/>
         </a:lnSpc>
@@ -6560,7 +6355,7 @@
           <a:spcPts val="0"/>
         </a:spcAft>
       </a:defPPr>
-      <a:lvl1pPr marR="0" lvl="0" algn="l" rtl="0">
+      <a:lvl1pPr lvl="0" marR="0" rtl="0" algn="l">
         <a:lnSpc>
           <a:spcPct val="100000"/>
         </a:lnSpc>
@@ -6574,7 +6369,7 @@
           <a:srgbClr val="000000"/>
         </a:buClr>
         <a:buFont typeface="Arial"/>
-        <a:defRPr sz="1400" b="0" i="0" u="none" strike="noStrike" cap="none">
+        <a:defRPr b="0" i="0" sz="1400" u="none" cap="none" strike="noStrike">
           <a:solidFill>
             <a:srgbClr val="000000"/>
           </a:solidFill>
@@ -6584,7 +6379,7 @@
           <a:sym typeface="Arial"/>
         </a:defRPr>
       </a:lvl1pPr>
-      <a:lvl2pPr marR="0" lvl="1" algn="l" rtl="0">
+      <a:lvl2pPr lvl="1" marR="0" rtl="0" algn="l">
         <a:lnSpc>
           <a:spcPct val="100000"/>
         </a:lnSpc>
@@ -6598,7 +6393,7 @@
           <a:srgbClr val="000000"/>
         </a:buClr>
         <a:buFont typeface="Arial"/>
-        <a:defRPr sz="1400" b="0" i="0" u="none" strike="noStrike" cap="none">
+        <a:defRPr b="0" i="0" sz="1400" u="none" cap="none" strike="noStrike">
           <a:solidFill>
             <a:srgbClr val="000000"/>
           </a:solidFill>
@@ -6608,7 +6403,7 @@
           <a:sym typeface="Arial"/>
         </a:defRPr>
       </a:lvl2pPr>
-      <a:lvl3pPr marR="0" lvl="2" algn="l" rtl="0">
+      <a:lvl3pPr lvl="2" marR="0" rtl="0" algn="l">
         <a:lnSpc>
           <a:spcPct val="100000"/>
         </a:lnSpc>
@@ -6622,7 +6417,7 @@
           <a:srgbClr val="000000"/>
         </a:buClr>
         <a:buFont typeface="Arial"/>
-        <a:defRPr sz="1400" b="0" i="0" u="none" strike="noStrike" cap="none">
+        <a:defRPr b="0" i="0" sz="1400" u="none" cap="none" strike="noStrike">
           <a:solidFill>
             <a:srgbClr val="000000"/>
           </a:solidFill>
@@ -6632,7 +6427,7 @@
           <a:sym typeface="Arial"/>
         </a:defRPr>
       </a:lvl3pPr>
-      <a:lvl4pPr marR="0" lvl="3" algn="l" rtl="0">
+      <a:lvl4pPr lvl="3" marR="0" rtl="0" algn="l">
         <a:lnSpc>
           <a:spcPct val="100000"/>
         </a:lnSpc>
@@ -6646,7 +6441,7 @@
           <a:srgbClr val="000000"/>
         </a:buClr>
         <a:buFont typeface="Arial"/>
-        <a:defRPr sz="1400" b="0" i="0" u="none" strike="noStrike" cap="none">
+        <a:defRPr b="0" i="0" sz="1400" u="none" cap="none" strike="noStrike">
           <a:solidFill>
             <a:srgbClr val="000000"/>
           </a:solidFill>
@@ -6656,7 +6451,7 @@
           <a:sym typeface="Arial"/>
         </a:defRPr>
       </a:lvl4pPr>
-      <a:lvl5pPr marR="0" lvl="4" algn="l" rtl="0">
+      <a:lvl5pPr lvl="4" marR="0" rtl="0" algn="l">
         <a:lnSpc>
           <a:spcPct val="100000"/>
         </a:lnSpc>
@@ -6670,7 +6465,7 @@
           <a:srgbClr val="000000"/>
         </a:buClr>
         <a:buFont typeface="Arial"/>
-        <a:defRPr sz="1400" b="0" i="0" u="none" strike="noStrike" cap="none">
+        <a:defRPr b="0" i="0" sz="1400" u="none" cap="none" strike="noStrike">
           <a:solidFill>
             <a:srgbClr val="000000"/>
           </a:solidFill>
@@ -6680,7 +6475,7 @@
           <a:sym typeface="Arial"/>
         </a:defRPr>
       </a:lvl5pPr>
-      <a:lvl6pPr marR="0" lvl="5" algn="l" rtl="0">
+      <a:lvl6pPr lvl="5" marR="0" rtl="0" algn="l">
         <a:lnSpc>
           <a:spcPct val="100000"/>
         </a:lnSpc>
@@ -6694,7 +6489,7 @@
           <a:srgbClr val="000000"/>
         </a:buClr>
         <a:buFont typeface="Arial"/>
-        <a:defRPr sz="1400" b="0" i="0" u="none" strike="noStrike" cap="none">
+        <a:defRPr b="0" i="0" sz="1400" u="none" cap="none" strike="noStrike">
           <a:solidFill>
             <a:srgbClr val="000000"/>
           </a:solidFill>
@@ -6704,7 +6499,7 @@
           <a:sym typeface="Arial"/>
         </a:defRPr>
       </a:lvl6pPr>
-      <a:lvl7pPr marR="0" lvl="6" algn="l" rtl="0">
+      <a:lvl7pPr lvl="6" marR="0" rtl="0" algn="l">
         <a:lnSpc>
           <a:spcPct val="100000"/>
         </a:lnSpc>
@@ -6718,7 +6513,7 @@
           <a:srgbClr val="000000"/>
         </a:buClr>
         <a:buFont typeface="Arial"/>
-        <a:defRPr sz="1400" b="0" i="0" u="none" strike="noStrike" cap="none">
+        <a:defRPr b="0" i="0" sz="1400" u="none" cap="none" strike="noStrike">
           <a:solidFill>
             <a:srgbClr val="000000"/>
           </a:solidFill>
@@ -6728,7 +6523,7 @@
           <a:sym typeface="Arial"/>
         </a:defRPr>
       </a:lvl7pPr>
-      <a:lvl8pPr marR="0" lvl="7" algn="l" rtl="0">
+      <a:lvl8pPr lvl="7" marR="0" rtl="0" algn="l">
         <a:lnSpc>
           <a:spcPct val="100000"/>
         </a:lnSpc>
@@ -6742,7 +6537,7 @@
           <a:srgbClr val="000000"/>
         </a:buClr>
         <a:buFont typeface="Arial"/>
-        <a:defRPr sz="1400" b="0" i="0" u="none" strike="noStrike" cap="none">
+        <a:defRPr b="0" i="0" sz="1400" u="none" cap="none" strike="noStrike">
           <a:solidFill>
             <a:srgbClr val="000000"/>
           </a:solidFill>
@@ -6752,7 +6547,7 @@
           <a:sym typeface="Arial"/>
         </a:defRPr>
       </a:lvl8pPr>
-      <a:lvl9pPr marR="0" lvl="8" algn="l" rtl="0">
+      <a:lvl9pPr lvl="8" marR="0" rtl="0" algn="l">
         <a:lnSpc>
           <a:spcPct val="100000"/>
         </a:lnSpc>
@@ -6766,7 +6561,7 @@
           <a:srgbClr val="000000"/>
         </a:buClr>
         <a:buFont typeface="Arial"/>
-        <a:defRPr sz="1400" b="0" i="0" u="none" strike="noStrike" cap="none">
+        <a:defRPr b="0" i="0" sz="1400" u="none" cap="none" strike="noStrike">
           <a:solidFill>
             <a:srgbClr val="000000"/>
           </a:solidFill>
@@ -6778,7 +6573,7 @@
       </a:lvl9pPr>
     </p:titleStyle>
     <p:bodyStyle>
-      <a:defPPr marR="0" lvl="0" algn="l" rtl="0">
+      <a:defPPr lvl="0" marR="0" rtl="0" algn="l">
         <a:lnSpc>
           <a:spcPct val="100000"/>
         </a:lnSpc>
@@ -6789,7 +6584,7 @@
           <a:spcPts val="0"/>
         </a:spcAft>
       </a:defPPr>
-      <a:lvl1pPr marR="0" lvl="0" algn="l" rtl="0">
+      <a:lvl1pPr lvl="0" marR="0" rtl="0" algn="l">
         <a:lnSpc>
           <a:spcPct val="100000"/>
         </a:lnSpc>
@@ -6803,7 +6598,7 @@
           <a:srgbClr val="000000"/>
         </a:buClr>
         <a:buFont typeface="Arial"/>
-        <a:defRPr sz="1400" b="0" i="0" u="none" strike="noStrike" cap="none">
+        <a:defRPr b="0" i="0" sz="1400" u="none" cap="none" strike="noStrike">
           <a:solidFill>
             <a:srgbClr val="000000"/>
           </a:solidFill>
@@ -6813,7 +6608,7 @@
           <a:sym typeface="Arial"/>
         </a:defRPr>
       </a:lvl1pPr>
-      <a:lvl2pPr marR="0" lvl="1" algn="l" rtl="0">
+      <a:lvl2pPr lvl="1" marR="0" rtl="0" algn="l">
         <a:lnSpc>
           <a:spcPct val="100000"/>
         </a:lnSpc>
@@ -6827,7 +6622,7 @@
           <a:srgbClr val="000000"/>
         </a:buClr>
         <a:buFont typeface="Arial"/>
-        <a:defRPr sz="1400" b="0" i="0" u="none" strike="noStrike" cap="none">
+        <a:defRPr b="0" i="0" sz="1400" u="none" cap="none" strike="noStrike">
           <a:solidFill>
             <a:srgbClr val="000000"/>
           </a:solidFill>
@@ -6837,7 +6632,7 @@
           <a:sym typeface="Arial"/>
         </a:defRPr>
       </a:lvl2pPr>
-      <a:lvl3pPr marR="0" lvl="2" algn="l" rtl="0">
+      <a:lvl3pPr lvl="2" marR="0" rtl="0" algn="l">
         <a:lnSpc>
           <a:spcPct val="100000"/>
         </a:lnSpc>
@@ -6851,7 +6646,7 @@
           <a:srgbClr val="000000"/>
         </a:buClr>
         <a:buFont typeface="Arial"/>
-        <a:defRPr sz="1400" b="0" i="0" u="none" strike="noStrike" cap="none">
+        <a:defRPr b="0" i="0" sz="1400" u="none" cap="none" strike="noStrike">
           <a:solidFill>
             <a:srgbClr val="000000"/>
           </a:solidFill>
@@ -6861,7 +6656,7 @@
           <a:sym typeface="Arial"/>
         </a:defRPr>
       </a:lvl3pPr>
-      <a:lvl4pPr marR="0" lvl="3" algn="l" rtl="0">
+      <a:lvl4pPr lvl="3" marR="0" rtl="0" algn="l">
         <a:lnSpc>
           <a:spcPct val="100000"/>
         </a:lnSpc>
@@ -6875,7 +6670,7 @@
           <a:srgbClr val="000000"/>
         </a:buClr>
         <a:buFont typeface="Arial"/>
-        <a:defRPr sz="1400" b="0" i="0" u="none" strike="noStrike" cap="none">
+        <a:defRPr b="0" i="0" sz="1400" u="none" cap="none" strike="noStrike">
           <a:solidFill>
             <a:srgbClr val="000000"/>
           </a:solidFill>
@@ -6885,7 +6680,7 @@
           <a:sym typeface="Arial"/>
         </a:defRPr>
       </a:lvl4pPr>
-      <a:lvl5pPr marR="0" lvl="4" algn="l" rtl="0">
+      <a:lvl5pPr lvl="4" marR="0" rtl="0" algn="l">
         <a:lnSpc>
           <a:spcPct val="100000"/>
         </a:lnSpc>
@@ -6899,7 +6694,7 @@
           <a:srgbClr val="000000"/>
         </a:buClr>
         <a:buFont typeface="Arial"/>
-        <a:defRPr sz="1400" b="0" i="0" u="none" strike="noStrike" cap="none">
+        <a:defRPr b="0" i="0" sz="1400" u="none" cap="none" strike="noStrike">
           <a:solidFill>
             <a:srgbClr val="000000"/>
           </a:solidFill>
@@ -6909,7 +6704,7 @@
           <a:sym typeface="Arial"/>
         </a:defRPr>
       </a:lvl5pPr>
-      <a:lvl6pPr marR="0" lvl="5" algn="l" rtl="0">
+      <a:lvl6pPr lvl="5" marR="0" rtl="0" algn="l">
         <a:lnSpc>
           <a:spcPct val="100000"/>
         </a:lnSpc>
@@ -6923,7 +6718,7 @@
           <a:srgbClr val="000000"/>
         </a:buClr>
         <a:buFont typeface="Arial"/>
-        <a:defRPr sz="1400" b="0" i="0" u="none" strike="noStrike" cap="none">
+        <a:defRPr b="0" i="0" sz="1400" u="none" cap="none" strike="noStrike">
           <a:solidFill>
             <a:srgbClr val="000000"/>
           </a:solidFill>
@@ -6933,7 +6728,7 @@
           <a:sym typeface="Arial"/>
         </a:defRPr>
       </a:lvl6pPr>
-      <a:lvl7pPr marR="0" lvl="6" algn="l" rtl="0">
+      <a:lvl7pPr lvl="6" marR="0" rtl="0" algn="l">
         <a:lnSpc>
           <a:spcPct val="100000"/>
         </a:lnSpc>
@@ -6947,7 +6742,7 @@
           <a:srgbClr val="000000"/>
         </a:buClr>
         <a:buFont typeface="Arial"/>
-        <a:defRPr sz="1400" b="0" i="0" u="none" strike="noStrike" cap="none">
+        <a:defRPr b="0" i="0" sz="1400" u="none" cap="none" strike="noStrike">
           <a:solidFill>
             <a:srgbClr val="000000"/>
           </a:solidFill>
@@ -6957,7 +6752,7 @@
           <a:sym typeface="Arial"/>
         </a:defRPr>
       </a:lvl7pPr>
-      <a:lvl8pPr marR="0" lvl="7" algn="l" rtl="0">
+      <a:lvl8pPr lvl="7" marR="0" rtl="0" algn="l">
         <a:lnSpc>
           <a:spcPct val="100000"/>
         </a:lnSpc>
@@ -6971,7 +6766,7 @@
           <a:srgbClr val="000000"/>
         </a:buClr>
         <a:buFont typeface="Arial"/>
-        <a:defRPr sz="1400" b="0" i="0" u="none" strike="noStrike" cap="none">
+        <a:defRPr b="0" i="0" sz="1400" u="none" cap="none" strike="noStrike">
           <a:solidFill>
             <a:srgbClr val="000000"/>
           </a:solidFill>
@@ -6981,7 +6776,7 @@
           <a:sym typeface="Arial"/>
         </a:defRPr>
       </a:lvl8pPr>
-      <a:lvl9pPr marR="0" lvl="8" algn="l" rtl="0">
+      <a:lvl9pPr lvl="8" marR="0" rtl="0" algn="l">
         <a:lnSpc>
           <a:spcPct val="100000"/>
         </a:lnSpc>
@@ -6995,7 +6790,7 @@
           <a:srgbClr val="000000"/>
         </a:buClr>
         <a:buFont typeface="Arial"/>
-        <a:defRPr sz="1400" b="0" i="0" u="none" strike="noStrike" cap="none">
+        <a:defRPr b="0" i="0" sz="1400" u="none" cap="none" strike="noStrike">
           <a:solidFill>
             <a:srgbClr val="000000"/>
           </a:solidFill>
@@ -7007,7 +6802,7 @@
       </a:lvl9pPr>
     </p:bodyStyle>
     <p:otherStyle>
-      <a:defPPr marR="0" lvl="0" algn="l" rtl="0">
+      <a:defPPr lvl="0" marR="0" rtl="0" algn="l">
         <a:lnSpc>
           <a:spcPct val="100000"/>
         </a:lnSpc>
@@ -7018,7 +6813,7 @@
           <a:spcPts val="0"/>
         </a:spcAft>
       </a:defPPr>
-      <a:lvl1pPr marR="0" lvl="0" algn="l" rtl="0">
+      <a:lvl1pPr lvl="0" marR="0" rtl="0" algn="l">
         <a:lnSpc>
           <a:spcPct val="100000"/>
         </a:lnSpc>
@@ -7032,7 +6827,7 @@
           <a:srgbClr val="000000"/>
         </a:buClr>
         <a:buFont typeface="Arial"/>
-        <a:defRPr sz="1400" b="0" i="0" u="none" strike="noStrike" cap="none">
+        <a:defRPr b="0" i="0" sz="1400" u="none" cap="none" strike="noStrike">
           <a:solidFill>
             <a:srgbClr val="000000"/>
           </a:solidFill>
@@ -7042,7 +6837,7 @@
           <a:sym typeface="Arial"/>
         </a:defRPr>
       </a:lvl1pPr>
-      <a:lvl2pPr marR="0" lvl="1" algn="l" rtl="0">
+      <a:lvl2pPr lvl="1" marR="0" rtl="0" algn="l">
         <a:lnSpc>
           <a:spcPct val="100000"/>
         </a:lnSpc>
@@ -7056,7 +6851,7 @@
           <a:srgbClr val="000000"/>
         </a:buClr>
         <a:buFont typeface="Arial"/>
-        <a:defRPr sz="1400" b="0" i="0" u="none" strike="noStrike" cap="none">
+        <a:defRPr b="0" i="0" sz="1400" u="none" cap="none" strike="noStrike">
           <a:solidFill>
             <a:srgbClr val="000000"/>
           </a:solidFill>
@@ -7066,7 +6861,7 @@
           <a:sym typeface="Arial"/>
         </a:defRPr>
       </a:lvl2pPr>
-      <a:lvl3pPr marR="0" lvl="2" algn="l" rtl="0">
+      <a:lvl3pPr lvl="2" marR="0" rtl="0" algn="l">
         <a:lnSpc>
           <a:spcPct val="100000"/>
         </a:lnSpc>
@@ -7080,7 +6875,7 @@
           <a:srgbClr val="000000"/>
         </a:buClr>
         <a:buFont typeface="Arial"/>
-        <a:defRPr sz="1400" b="0" i="0" u="none" strike="noStrike" cap="none">
+        <a:defRPr b="0" i="0" sz="1400" u="none" cap="none" strike="noStrike">
           <a:solidFill>
             <a:srgbClr val="000000"/>
           </a:solidFill>
@@ -7090,7 +6885,7 @@
           <a:sym typeface="Arial"/>
         </a:defRPr>
       </a:lvl3pPr>
-      <a:lvl4pPr marR="0" lvl="3" algn="l" rtl="0">
+      <a:lvl4pPr lvl="3" marR="0" rtl="0" algn="l">
         <a:lnSpc>
           <a:spcPct val="100000"/>
         </a:lnSpc>
@@ -7104,7 +6899,7 @@
           <a:srgbClr val="000000"/>
         </a:buClr>
         <a:buFont typeface="Arial"/>
-        <a:defRPr sz="1400" b="0" i="0" u="none" strike="noStrike" cap="none">
+        <a:defRPr b="0" i="0" sz="1400" u="none" cap="none" strike="noStrike">
           <a:solidFill>
             <a:srgbClr val="000000"/>
           </a:solidFill>
@@ -7114,7 +6909,7 @@
           <a:sym typeface="Arial"/>
         </a:defRPr>
       </a:lvl4pPr>
-      <a:lvl5pPr marR="0" lvl="4" algn="l" rtl="0">
+      <a:lvl5pPr lvl="4" marR="0" rtl="0" algn="l">
         <a:lnSpc>
           <a:spcPct val="100000"/>
         </a:lnSpc>
@@ -7128,7 +6923,7 @@
           <a:srgbClr val="000000"/>
         </a:buClr>
         <a:buFont typeface="Arial"/>
-        <a:defRPr sz="1400" b="0" i="0" u="none" strike="noStrike" cap="none">
+        <a:defRPr b="0" i="0" sz="1400" u="none" cap="none" strike="noStrike">
           <a:solidFill>
             <a:srgbClr val="000000"/>
           </a:solidFill>
@@ -7138,7 +6933,7 @@
           <a:sym typeface="Arial"/>
         </a:defRPr>
       </a:lvl5pPr>
-      <a:lvl6pPr marR="0" lvl="5" algn="l" rtl="0">
+      <a:lvl6pPr lvl="5" marR="0" rtl="0" algn="l">
         <a:lnSpc>
           <a:spcPct val="100000"/>
         </a:lnSpc>
@@ -7152,7 +6947,7 @@
           <a:srgbClr val="000000"/>
         </a:buClr>
         <a:buFont typeface="Arial"/>
-        <a:defRPr sz="1400" b="0" i="0" u="none" strike="noStrike" cap="none">
+        <a:defRPr b="0" i="0" sz="1400" u="none" cap="none" strike="noStrike">
           <a:solidFill>
             <a:srgbClr val="000000"/>
           </a:solidFill>
@@ -7162,7 +6957,7 @@
           <a:sym typeface="Arial"/>
         </a:defRPr>
       </a:lvl6pPr>
-      <a:lvl7pPr marR="0" lvl="6" algn="l" rtl="0">
+      <a:lvl7pPr lvl="6" marR="0" rtl="0" algn="l">
         <a:lnSpc>
           <a:spcPct val="100000"/>
         </a:lnSpc>
@@ -7176,7 +6971,7 @@
           <a:srgbClr val="000000"/>
         </a:buClr>
         <a:buFont typeface="Arial"/>
-        <a:defRPr sz="1400" b="0" i="0" u="none" strike="noStrike" cap="none">
+        <a:defRPr b="0" i="0" sz="1400" u="none" cap="none" strike="noStrike">
           <a:solidFill>
             <a:srgbClr val="000000"/>
           </a:solidFill>
@@ -7186,7 +6981,7 @@
           <a:sym typeface="Arial"/>
         </a:defRPr>
       </a:lvl7pPr>
-      <a:lvl8pPr marR="0" lvl="7" algn="l" rtl="0">
+      <a:lvl8pPr lvl="7" marR="0" rtl="0" algn="l">
         <a:lnSpc>
           <a:spcPct val="100000"/>
         </a:lnSpc>
@@ -7200,7 +6995,7 @@
           <a:srgbClr val="000000"/>
         </a:buClr>
         <a:buFont typeface="Arial"/>
-        <a:defRPr sz="1400" b="0" i="0" u="none" strike="noStrike" cap="none">
+        <a:defRPr b="0" i="0" sz="1400" u="none" cap="none" strike="noStrike">
           <a:solidFill>
             <a:srgbClr val="000000"/>
           </a:solidFill>
@@ -7210,7 +7005,7 @@
           <a:sym typeface="Arial"/>
         </a:defRPr>
       </a:lvl8pPr>
-      <a:lvl9pPr marR="0" lvl="8" algn="l" rtl="0">
+      <a:lvl9pPr lvl="8" marR="0" rtl="0" algn="l">
         <a:lnSpc>
           <a:spcPct val="100000"/>
         </a:lnSpc>
@@ -7224,7 +7019,7 @@
           <a:srgbClr val="000000"/>
         </a:buClr>
         <a:buFont typeface="Arial"/>
-        <a:defRPr sz="1400" b="0" i="0" u="none" strike="noStrike" cap="none">
+        <a:defRPr b="0" i="0" sz="1400" u="none" cap="none" strike="noStrike">
           <a:solidFill>
             <a:srgbClr val="000000"/>
           </a:solidFill>
@@ -7240,11 +7035,11 @@
 </file>
 
 <file path=ppt/slides/slide1.xml><?xml version="1.0" encoding="utf-8"?>
-<p:sld xmlns:a="http://schemas.openxmlformats.org/drawingml/2006/main" xmlns:r="http://schemas.openxmlformats.org/officeDocument/2006/relationships" xmlns:p="http://schemas.openxmlformats.org/presentationml/2006/main">
+<p:sld xmlns:a="http://schemas.openxmlformats.org/drawingml/2006/main" xmlns:r="http://schemas.openxmlformats.org/officeDocument/2006/relationships" xmlns:mc="http://schemas.openxmlformats.org/markup-compatibility/2006" xmlns:mv="urn:schemas-microsoft-com:mac:vml" xmlns:p="http://schemas.openxmlformats.org/presentationml/2006/main" xmlns:c="http://schemas.openxmlformats.org/drawingml/2006/chart" xmlns:dgm="http://schemas.openxmlformats.org/drawingml/2006/diagram" xmlns:o="urn:schemas-microsoft-com:office:office" xmlns:v="urn:schemas-microsoft-com:vml" xmlns:pvml="urn:schemas-microsoft-com:office:powerpoint" xmlns:com="http://schemas.openxmlformats.org/drawingml/2006/compatibility" xmlns:p14="http://schemas.microsoft.com/office/powerpoint/2010/main" xmlns:p15="http://schemas.microsoft.com/office/powerpoint/2012/main" xmlns:ahyp="http://schemas.microsoft.com/office/drawing/2018/hyperlinkcolor">
   <p:cSld>
     <p:spTree>
       <p:nvGrpSpPr>
-        <p:cNvPr id="1" name="Shape 53"/>
+        <p:cNvPr id="53" name="Shape 53"/>
         <p:cNvGrpSpPr/>
         <p:nvPr/>
       </p:nvGrpSpPr>
@@ -7259,9 +7054,7 @@
       <p:sp>
         <p:nvSpPr>
           <p:cNvPr id="54" name="Google Shape;54;p13"/>
-          <p:cNvSpPr txBox="1">
-            <a:spLocks noGrp="1"/>
-          </p:cNvSpPr>
+          <p:cNvSpPr txBox="1"/>
           <p:nvPr>
             <p:ph type="ctrTitle"/>
           </p:nvPr>
@@ -7276,12 +7069,12 @@
           </a:prstGeom>
         </p:spPr>
         <p:txBody>
-          <a:bodyPr spcFirstLastPara="1" wrap="square" lIns="91425" tIns="91425" rIns="91425" bIns="91425" anchor="b" anchorCtr="0">
+          <a:bodyPr anchorCtr="0" anchor="b" bIns="91425" lIns="91425" spcFirstLastPara="1" rIns="91425" wrap="square" tIns="91425">
             <a:normAutofit/>
           </a:bodyPr>
           <a:lstStyle/>
           <a:p>
-            <a:pPr marL="0" lvl="0" indent="0" algn="ctr" rtl="0">
+            <a:pPr indent="0" lvl="0" marL="0" rtl="0" algn="ctr">
               <a:spcBef>
                 <a:spcPts val="0"/>
               </a:spcBef>
@@ -7301,11 +7094,9 @@
       <p:sp>
         <p:nvSpPr>
           <p:cNvPr id="55" name="Google Shape;55;p13"/>
-          <p:cNvSpPr txBox="1">
-            <a:spLocks noGrp="1"/>
-          </p:cNvSpPr>
+          <p:cNvSpPr txBox="1"/>
           <p:nvPr>
-            <p:ph type="subTitle" idx="1"/>
+            <p:ph idx="1" type="subTitle"/>
           </p:nvPr>
         </p:nvSpPr>
         <p:spPr>
@@ -7318,12 +7109,12 @@
           </a:prstGeom>
         </p:spPr>
         <p:txBody>
-          <a:bodyPr spcFirstLastPara="1" wrap="square" lIns="91425" tIns="91425" rIns="91425" bIns="91425" anchor="t" anchorCtr="0">
+          <a:bodyPr anchorCtr="0" anchor="t" bIns="91425" lIns="91425" spcFirstLastPara="1" rIns="91425" wrap="square" tIns="91425">
             <a:normAutofit/>
           </a:bodyPr>
           <a:lstStyle/>
           <a:p>
-            <a:pPr marL="0" lvl="0" indent="0" algn="ctr" rtl="0">
+            <a:pPr indent="0" lvl="0" marL="0" rtl="0" algn="ctr">
               <a:spcBef>
                 <a:spcPts val="0"/>
               </a:spcBef>
@@ -7339,7 +7130,7 @@
             <a:endParaRPr sz="1800"/>
           </a:p>
           <a:p>
-            <a:pPr marL="0" lvl="0" indent="0" algn="ctr" rtl="0">
+            <a:pPr indent="0" lvl="0" marL="0" rtl="0" algn="ctr">
               <a:spcBef>
                 <a:spcPts val="0"/>
               </a:spcBef>
@@ -7348,10 +7139,13 @@
               </a:spcAft>
               <a:buNone/>
             </a:pPr>
+            <a:r>
+              <a:t/>
+            </a:r>
             <a:endParaRPr sz="1800"/>
           </a:p>
           <a:p>
-            <a:pPr marL="0" lvl="0" indent="0" algn="ctr" rtl="0">
+            <a:pPr indent="0" lvl="0" marL="0" rtl="0" algn="ctr">
               <a:spcBef>
                 <a:spcPts val="0"/>
               </a:spcBef>
@@ -7360,10 +7154,13 @@
               </a:spcAft>
               <a:buNone/>
             </a:pPr>
+            <a:r>
+              <a:t/>
+            </a:r>
             <a:endParaRPr sz="1800"/>
           </a:p>
           <a:p>
-            <a:pPr marL="0" lvl="0" indent="0" algn="ctr" rtl="0">
+            <a:pPr indent="0" lvl="0" marL="0" rtl="0" algn="ctr">
               <a:spcBef>
                 <a:spcPts val="0"/>
               </a:spcBef>
@@ -7379,7 +7176,7 @@
             <a:endParaRPr sz="1600"/>
           </a:p>
           <a:p>
-            <a:pPr marL="0" lvl="0" indent="0" algn="ctr" rtl="0">
+            <a:pPr indent="0" lvl="0" marL="0" rtl="0" algn="ctr">
               <a:spcBef>
                 <a:spcPts val="0"/>
               </a:spcBef>
@@ -7388,6 +7185,9 @@
               </a:spcAft>
               <a:buNone/>
             </a:pPr>
+            <a:r>
+              <a:t/>
+            </a:r>
             <a:endParaRPr sz="1800"/>
           </a:p>
         </p:txBody>
@@ -7401,11 +7201,11 @@
 </file>
 
 <file path=ppt/slides/slide10.xml><?xml version="1.0" encoding="utf-8"?>
-<p:sld xmlns:a="http://schemas.openxmlformats.org/drawingml/2006/main" xmlns:r="http://schemas.openxmlformats.org/officeDocument/2006/relationships" xmlns:p="http://schemas.openxmlformats.org/presentationml/2006/main">
+<p:sld xmlns:a="http://schemas.openxmlformats.org/drawingml/2006/main" xmlns:r="http://schemas.openxmlformats.org/officeDocument/2006/relationships" xmlns:mc="http://schemas.openxmlformats.org/markup-compatibility/2006" xmlns:mv="urn:schemas-microsoft-com:mac:vml" xmlns:p="http://schemas.openxmlformats.org/presentationml/2006/main" xmlns:c="http://schemas.openxmlformats.org/drawingml/2006/chart" xmlns:dgm="http://schemas.openxmlformats.org/drawingml/2006/diagram" xmlns:o="urn:schemas-microsoft-com:office:office" xmlns:v="urn:schemas-microsoft-com:vml" xmlns:pvml="urn:schemas-microsoft-com:office:powerpoint" xmlns:com="http://schemas.openxmlformats.org/drawingml/2006/compatibility" xmlns:p14="http://schemas.microsoft.com/office/powerpoint/2010/main" xmlns:p15="http://schemas.microsoft.com/office/powerpoint/2012/main" xmlns:ahyp="http://schemas.microsoft.com/office/drawing/2018/hyperlinkcolor">
   <p:cSld>
     <p:spTree>
       <p:nvGrpSpPr>
-        <p:cNvPr id="1" name="Shape 114"/>
+        <p:cNvPr id="114" name="Shape 114"/>
         <p:cNvGrpSpPr/>
         <p:nvPr/>
       </p:nvGrpSpPr>
@@ -7420,9 +7220,7 @@
       <p:sp>
         <p:nvSpPr>
           <p:cNvPr id="115" name="Google Shape;115;p22"/>
-          <p:cNvSpPr txBox="1">
-            <a:spLocks noGrp="1"/>
-          </p:cNvSpPr>
+          <p:cNvSpPr txBox="1"/>
           <p:nvPr>
             <p:ph type="title"/>
           </p:nvPr>
@@ -7437,12 +7235,12 @@
           </a:prstGeom>
         </p:spPr>
         <p:txBody>
-          <a:bodyPr spcFirstLastPara="1" wrap="square" lIns="91425" tIns="91425" rIns="91425" bIns="91425" anchor="t" anchorCtr="0">
+          <a:bodyPr anchorCtr="0" anchor="t" bIns="91425" lIns="91425" spcFirstLastPara="1" rIns="91425" wrap="square" tIns="91425">
             <a:normAutofit fontScale="90000"/>
           </a:bodyPr>
           <a:lstStyle/>
           <a:p>
-            <a:pPr marL="0" lvl="0" indent="0" algn="l" rtl="0">
+            <a:pPr indent="0" lvl="0" marL="0" rtl="0" algn="l">
               <a:spcBef>
                 <a:spcPts val="0"/>
               </a:spcBef>
@@ -7496,7 +7294,7 @@
         <p:spPr>
           <a:xfrm>
             <a:off x="522225" y="4508225"/>
-            <a:ext cx="8520600" cy="400079"/>
+            <a:ext cx="8520600" cy="400200"/>
           </a:xfrm>
           <a:prstGeom prst="rect">
             <a:avLst/>
@@ -7507,12 +7305,12 @@
           </a:ln>
         </p:spPr>
         <p:txBody>
-          <a:bodyPr spcFirstLastPara="1" wrap="square" lIns="91425" tIns="91425" rIns="91425" bIns="91425" anchor="t" anchorCtr="0">
+          <a:bodyPr anchorCtr="0" anchor="t" bIns="91425" lIns="91425" spcFirstLastPara="1" rIns="91425" wrap="square" tIns="91425">
             <a:spAutoFit/>
           </a:bodyPr>
           <a:lstStyle/>
           <a:p>
-            <a:pPr marL="0" lvl="0" indent="0" algn="l" rtl="0">
+            <a:pPr indent="0" lvl="0" marL="0" rtl="0" algn="l">
               <a:spcBef>
                 <a:spcPts val="0"/>
               </a:spcBef>
@@ -7522,26 +7320,10 @@
               <a:buNone/>
             </a:pPr>
             <a:r>
-              <a:rPr lang="en" dirty="0"/>
-              <a:t>Sources: Reddit, </a:t>
+              <a:rPr lang="en"/>
+              <a:t>Sources: Reddit, Kaggle	Python packages: wordcloud, praw	Data from 1/15/21 to 2/10/21</a:t>
             </a:r>
-            <a:r>
-              <a:rPr lang="en" dirty="0" smtClean="0"/>
-              <a:t>Kaggle        Python </a:t>
-            </a:r>
-            <a:r>
-              <a:rPr lang="en" dirty="0"/>
-              <a:t>packages: wordcloud, </a:t>
-            </a:r>
-            <a:r>
-              <a:rPr lang="en" dirty="0" smtClean="0"/>
-              <a:t>praw	Data </a:t>
-            </a:r>
-            <a:r>
-              <a:rPr lang="en" dirty="0"/>
-              <a:t>from 1/15/21 to 2/10/21</a:t>
-            </a:r>
-            <a:endParaRPr dirty="0"/>
+            <a:endParaRPr/>
           </a:p>
         </p:txBody>
       </p:sp>
@@ -7554,11 +7336,11 @@
 </file>
 
 <file path=ppt/slides/slide11.xml><?xml version="1.0" encoding="utf-8"?>
-<p:sld xmlns:a="http://schemas.openxmlformats.org/drawingml/2006/main" xmlns:r="http://schemas.openxmlformats.org/officeDocument/2006/relationships" xmlns:p="http://schemas.openxmlformats.org/presentationml/2006/main">
+<p:sld xmlns:a="http://schemas.openxmlformats.org/drawingml/2006/main" xmlns:r="http://schemas.openxmlformats.org/officeDocument/2006/relationships" xmlns:mc="http://schemas.openxmlformats.org/markup-compatibility/2006" xmlns:mv="urn:schemas-microsoft-com:mac:vml" xmlns:p="http://schemas.openxmlformats.org/presentationml/2006/main" xmlns:c="http://schemas.openxmlformats.org/drawingml/2006/chart" xmlns:dgm="http://schemas.openxmlformats.org/drawingml/2006/diagram" xmlns:o="urn:schemas-microsoft-com:office:office" xmlns:v="urn:schemas-microsoft-com:vml" xmlns:pvml="urn:schemas-microsoft-com:office:powerpoint" xmlns:com="http://schemas.openxmlformats.org/drawingml/2006/compatibility" xmlns:p14="http://schemas.microsoft.com/office/powerpoint/2010/main" xmlns:p15="http://schemas.microsoft.com/office/powerpoint/2012/main" xmlns:ahyp="http://schemas.microsoft.com/office/drawing/2018/hyperlinkcolor">
   <p:cSld>
     <p:spTree>
       <p:nvGrpSpPr>
-        <p:cNvPr id="1" name="Shape 121"/>
+        <p:cNvPr id="121" name="Shape 121"/>
         <p:cNvGrpSpPr/>
         <p:nvPr/>
       </p:nvGrpSpPr>
@@ -7590,12 +7372,12 @@
           </a:ln>
         </p:spPr>
         <p:txBody>
-          <a:bodyPr spcFirstLastPara="1" wrap="square" lIns="91425" tIns="91425" rIns="91425" bIns="91425" anchor="t" anchorCtr="0">
+          <a:bodyPr anchorCtr="0" anchor="t" bIns="91425" lIns="91425" spcFirstLastPara="1" rIns="91425" wrap="square" tIns="91425">
             <a:spAutoFit/>
           </a:bodyPr>
           <a:lstStyle/>
           <a:p>
-            <a:pPr marL="0" lvl="0" indent="0" algn="l" rtl="0">
+            <a:pPr indent="0" lvl="0" marL="0" rtl="0" algn="l">
               <a:spcBef>
                 <a:spcPts val="0"/>
               </a:spcBef>
@@ -7649,11 +7431,11 @@
 </file>
 
 <file path=ppt/slides/slide12.xml><?xml version="1.0" encoding="utf-8"?>
-<p:sld xmlns:a="http://schemas.openxmlformats.org/drawingml/2006/main" xmlns:r="http://schemas.openxmlformats.org/officeDocument/2006/relationships" xmlns:p="http://schemas.openxmlformats.org/presentationml/2006/main">
+<p:sld xmlns:a="http://schemas.openxmlformats.org/drawingml/2006/main" xmlns:r="http://schemas.openxmlformats.org/officeDocument/2006/relationships" xmlns:mc="http://schemas.openxmlformats.org/markup-compatibility/2006" xmlns:mv="urn:schemas-microsoft-com:mac:vml" xmlns:p="http://schemas.openxmlformats.org/presentationml/2006/main" xmlns:c="http://schemas.openxmlformats.org/drawingml/2006/chart" xmlns:dgm="http://schemas.openxmlformats.org/drawingml/2006/diagram" xmlns:o="urn:schemas-microsoft-com:office:office" xmlns:v="urn:schemas-microsoft-com:vml" xmlns:pvml="urn:schemas-microsoft-com:office:powerpoint" xmlns:com="http://schemas.openxmlformats.org/drawingml/2006/compatibility" xmlns:p14="http://schemas.microsoft.com/office/powerpoint/2010/main" xmlns:p15="http://schemas.microsoft.com/office/powerpoint/2012/main" xmlns:ahyp="http://schemas.microsoft.com/office/drawing/2018/hyperlinkcolor">
   <p:cSld>
     <p:spTree>
       <p:nvGrpSpPr>
-        <p:cNvPr id="1" name="Shape 127"/>
+        <p:cNvPr id="127" name="Shape 127"/>
         <p:cNvGrpSpPr/>
         <p:nvPr/>
       </p:nvGrpSpPr>
@@ -7685,12 +7467,12 @@
           </a:ln>
         </p:spPr>
         <p:txBody>
-          <a:bodyPr spcFirstLastPara="1" wrap="square" lIns="91425" tIns="91425" rIns="91425" bIns="91425" anchor="t" anchorCtr="0">
+          <a:bodyPr anchorCtr="0" anchor="t" bIns="91425" lIns="91425" spcFirstLastPara="1" rIns="91425" wrap="square" tIns="91425">
             <a:spAutoFit/>
           </a:bodyPr>
           <a:lstStyle/>
           <a:p>
-            <a:pPr marL="0" lvl="0" indent="0" algn="l" rtl="0">
+            <a:pPr indent="0" lvl="0" marL="0" rtl="0" algn="l">
               <a:spcBef>
                 <a:spcPts val="0"/>
               </a:spcBef>
@@ -7744,11 +7526,11 @@
 </file>
 
 <file path=ppt/slides/slide13.xml><?xml version="1.0" encoding="utf-8"?>
-<p:sld xmlns:a="http://schemas.openxmlformats.org/drawingml/2006/main" xmlns:r="http://schemas.openxmlformats.org/officeDocument/2006/relationships" xmlns:p="http://schemas.openxmlformats.org/presentationml/2006/main">
+<p:sld xmlns:a="http://schemas.openxmlformats.org/drawingml/2006/main" xmlns:r="http://schemas.openxmlformats.org/officeDocument/2006/relationships" xmlns:mc="http://schemas.openxmlformats.org/markup-compatibility/2006" xmlns:mv="urn:schemas-microsoft-com:mac:vml" xmlns:p="http://schemas.openxmlformats.org/presentationml/2006/main" xmlns:c="http://schemas.openxmlformats.org/drawingml/2006/chart" xmlns:dgm="http://schemas.openxmlformats.org/drawingml/2006/diagram" xmlns:o="urn:schemas-microsoft-com:office:office" xmlns:v="urn:schemas-microsoft-com:vml" xmlns:pvml="urn:schemas-microsoft-com:office:powerpoint" xmlns:com="http://schemas.openxmlformats.org/drawingml/2006/compatibility" xmlns:p14="http://schemas.microsoft.com/office/powerpoint/2010/main" xmlns:p15="http://schemas.microsoft.com/office/powerpoint/2012/main" xmlns:ahyp="http://schemas.microsoft.com/office/drawing/2018/hyperlinkcolor">
   <p:cSld>
     <p:spTree>
       <p:nvGrpSpPr>
-        <p:cNvPr id="1" name="Shape 133"/>
+        <p:cNvPr id="133" name="Shape 133"/>
         <p:cNvGrpSpPr/>
         <p:nvPr/>
       </p:nvGrpSpPr>
@@ -7763,9 +7545,7 @@
       <p:sp>
         <p:nvSpPr>
           <p:cNvPr id="134" name="Google Shape;134;p25"/>
-          <p:cNvSpPr txBox="1">
-            <a:spLocks noGrp="1"/>
-          </p:cNvSpPr>
+          <p:cNvSpPr txBox="1"/>
           <p:nvPr>
             <p:ph type="title"/>
           </p:nvPr>
@@ -7780,12 +7560,12 @@
           </a:prstGeom>
         </p:spPr>
         <p:txBody>
-          <a:bodyPr spcFirstLastPara="1" wrap="square" lIns="91425" tIns="91425" rIns="91425" bIns="91425" anchor="t" anchorCtr="0">
+          <a:bodyPr anchorCtr="0" anchor="t" bIns="91425" lIns="91425" spcFirstLastPara="1" rIns="91425" wrap="square" tIns="91425">
             <a:normAutofit fontScale="90000"/>
           </a:bodyPr>
           <a:lstStyle/>
           <a:p>
-            <a:pPr marL="0" lvl="0" indent="0" algn="l" rtl="0">
+            <a:pPr indent="0" lvl="0" marL="0" rtl="0" algn="l">
               <a:spcBef>
                 <a:spcPts val="0"/>
               </a:spcBef>
@@ -7850,12 +7630,12 @@
           </a:ln>
         </p:spPr>
         <p:txBody>
-          <a:bodyPr spcFirstLastPara="1" wrap="square" lIns="91425" tIns="91425" rIns="91425" bIns="91425" anchor="t" anchorCtr="0">
+          <a:bodyPr anchorCtr="0" anchor="t" bIns="91425" lIns="91425" spcFirstLastPara="1" rIns="91425" wrap="square" tIns="91425">
             <a:spAutoFit/>
           </a:bodyPr>
           <a:lstStyle/>
           <a:p>
-            <a:pPr marL="0" lvl="0" indent="0" algn="l" rtl="0">
+            <a:pPr indent="0" lvl="0" marL="0" rtl="0" algn="l">
               <a:spcBef>
                 <a:spcPts val="0"/>
               </a:spcBef>
@@ -7881,11 +7661,11 @@
 </file>
 
 <file path=ppt/slides/slide14.xml><?xml version="1.0" encoding="utf-8"?>
-<p:sld xmlns:a="http://schemas.openxmlformats.org/drawingml/2006/main" xmlns:r="http://schemas.openxmlformats.org/officeDocument/2006/relationships" xmlns:p="http://schemas.openxmlformats.org/presentationml/2006/main">
+<p:sld xmlns:a="http://schemas.openxmlformats.org/drawingml/2006/main" xmlns:r="http://schemas.openxmlformats.org/officeDocument/2006/relationships" xmlns:mc="http://schemas.openxmlformats.org/markup-compatibility/2006" xmlns:mv="urn:schemas-microsoft-com:mac:vml" xmlns:p="http://schemas.openxmlformats.org/presentationml/2006/main" xmlns:c="http://schemas.openxmlformats.org/drawingml/2006/chart" xmlns:dgm="http://schemas.openxmlformats.org/drawingml/2006/diagram" xmlns:o="urn:schemas-microsoft-com:office:office" xmlns:v="urn:schemas-microsoft-com:vml" xmlns:pvml="urn:schemas-microsoft-com:office:powerpoint" xmlns:com="http://schemas.openxmlformats.org/drawingml/2006/compatibility" xmlns:p14="http://schemas.microsoft.com/office/powerpoint/2010/main" xmlns:p15="http://schemas.microsoft.com/office/powerpoint/2012/main" xmlns:ahyp="http://schemas.microsoft.com/office/drawing/2018/hyperlinkcolor">
   <p:cSld>
     <p:spTree>
       <p:nvGrpSpPr>
-        <p:cNvPr id="1" name="Shape 140"/>
+        <p:cNvPr id="140" name="Shape 140"/>
         <p:cNvGrpSpPr/>
         <p:nvPr/>
       </p:nvGrpSpPr>
@@ -7900,9 +7680,7 @@
       <p:sp>
         <p:nvSpPr>
           <p:cNvPr id="141" name="Google Shape;141;p26"/>
-          <p:cNvSpPr txBox="1">
-            <a:spLocks noGrp="1"/>
-          </p:cNvSpPr>
+          <p:cNvSpPr txBox="1"/>
           <p:nvPr>
             <p:ph type="title"/>
           </p:nvPr>
@@ -7917,12 +7695,12 @@
           </a:prstGeom>
         </p:spPr>
         <p:txBody>
-          <a:bodyPr spcFirstLastPara="1" wrap="square" lIns="91425" tIns="91425" rIns="91425" bIns="91425" anchor="t" anchorCtr="0">
+          <a:bodyPr anchorCtr="0" anchor="t" bIns="91425" lIns="91425" spcFirstLastPara="1" rIns="91425" wrap="square" tIns="91425">
             <a:normAutofit fontScale="90000"/>
           </a:bodyPr>
           <a:lstStyle/>
           <a:p>
-            <a:pPr marL="0" lvl="0" indent="0" algn="l" rtl="0">
+            <a:pPr indent="0" lvl="0" marL="0" rtl="0" algn="l">
               <a:spcBef>
                 <a:spcPts val="0"/>
               </a:spcBef>
@@ -8015,12 +7793,12 @@
           </a:ln>
         </p:spPr>
         <p:txBody>
-          <a:bodyPr spcFirstLastPara="1" wrap="square" lIns="91425" tIns="91425" rIns="91425" bIns="91425" anchor="t" anchorCtr="0">
+          <a:bodyPr anchorCtr="0" anchor="t" bIns="91425" lIns="91425" spcFirstLastPara="1" rIns="91425" wrap="square" tIns="91425">
             <a:spAutoFit/>
           </a:bodyPr>
           <a:lstStyle/>
           <a:p>
-            <a:pPr marL="0" lvl="0" indent="0" algn="l" rtl="0">
+            <a:pPr indent="0" lvl="0" marL="0" rtl="0" algn="l">
               <a:spcBef>
                 <a:spcPts val="0"/>
               </a:spcBef>
@@ -8046,11 +7824,11 @@
 </file>
 
 <file path=ppt/slides/slide15.xml><?xml version="1.0" encoding="utf-8"?>
-<p:sld xmlns:a="http://schemas.openxmlformats.org/drawingml/2006/main" xmlns:r="http://schemas.openxmlformats.org/officeDocument/2006/relationships" xmlns:p="http://schemas.openxmlformats.org/presentationml/2006/main">
+<p:sld xmlns:a="http://schemas.openxmlformats.org/drawingml/2006/main" xmlns:r="http://schemas.openxmlformats.org/officeDocument/2006/relationships" xmlns:mc="http://schemas.openxmlformats.org/markup-compatibility/2006" xmlns:mv="urn:schemas-microsoft-com:mac:vml" xmlns:p="http://schemas.openxmlformats.org/presentationml/2006/main" xmlns:c="http://schemas.openxmlformats.org/drawingml/2006/chart" xmlns:dgm="http://schemas.openxmlformats.org/drawingml/2006/diagram" xmlns:o="urn:schemas-microsoft-com:office:office" xmlns:v="urn:schemas-microsoft-com:vml" xmlns:pvml="urn:schemas-microsoft-com:office:powerpoint" xmlns:com="http://schemas.openxmlformats.org/drawingml/2006/compatibility" xmlns:p14="http://schemas.microsoft.com/office/powerpoint/2010/main" xmlns:p15="http://schemas.microsoft.com/office/powerpoint/2012/main" xmlns:ahyp="http://schemas.microsoft.com/office/drawing/2018/hyperlinkcolor">
   <p:cSld>
     <p:spTree>
       <p:nvGrpSpPr>
-        <p:cNvPr id="1" name="Shape 148"/>
+        <p:cNvPr id="148" name="Shape 148"/>
         <p:cNvGrpSpPr/>
         <p:nvPr/>
       </p:nvGrpSpPr>
@@ -8065,9 +7843,7 @@
       <p:sp>
         <p:nvSpPr>
           <p:cNvPr id="149" name="Google Shape;149;p27"/>
-          <p:cNvSpPr txBox="1">
-            <a:spLocks noGrp="1"/>
-          </p:cNvSpPr>
+          <p:cNvSpPr txBox="1"/>
           <p:nvPr>
             <p:ph type="title"/>
           </p:nvPr>
@@ -8082,12 +7858,12 @@
           </a:prstGeom>
         </p:spPr>
         <p:txBody>
-          <a:bodyPr spcFirstLastPara="1" wrap="square" lIns="91425" tIns="91425" rIns="91425" bIns="91425" anchor="t" anchorCtr="0">
+          <a:bodyPr anchorCtr="0" anchor="t" bIns="91425" lIns="91425" spcFirstLastPara="1" rIns="91425" wrap="square" tIns="91425">
             <a:normAutofit fontScale="90000"/>
           </a:bodyPr>
           <a:lstStyle/>
           <a:p>
-            <a:pPr marL="0" lvl="0" indent="0" algn="l" rtl="0">
+            <a:pPr indent="0" lvl="0" marL="0" rtl="0" algn="l">
               <a:spcBef>
                 <a:spcPts val="0"/>
               </a:spcBef>
@@ -8185,12 +7961,12 @@
           </a:ln>
         </p:spPr>
         <p:txBody>
-          <a:bodyPr spcFirstLastPara="1" wrap="square" lIns="91425" tIns="91425" rIns="91425" bIns="91425" anchor="t" anchorCtr="0">
+          <a:bodyPr anchorCtr="0" anchor="t" bIns="91425" lIns="91425" spcFirstLastPara="1" rIns="91425" wrap="square" tIns="91425">
             <a:spAutoFit/>
           </a:bodyPr>
           <a:lstStyle/>
           <a:p>
-            <a:pPr marL="0" lvl="0" indent="0" algn="l" rtl="0">
+            <a:pPr indent="0" lvl="0" marL="0" rtl="0" algn="l">
               <a:spcBef>
                 <a:spcPts val="0"/>
               </a:spcBef>
@@ -8228,11 +8004,11 @@
 </file>
 
 <file path=ppt/slides/slide16.xml><?xml version="1.0" encoding="utf-8"?>
-<p:sld xmlns:a="http://schemas.openxmlformats.org/drawingml/2006/main" xmlns:r="http://schemas.openxmlformats.org/officeDocument/2006/relationships" xmlns:p="http://schemas.openxmlformats.org/presentationml/2006/main">
+<p:sld xmlns:a="http://schemas.openxmlformats.org/drawingml/2006/main" xmlns:r="http://schemas.openxmlformats.org/officeDocument/2006/relationships" xmlns:mc="http://schemas.openxmlformats.org/markup-compatibility/2006" xmlns:mv="urn:schemas-microsoft-com:mac:vml" xmlns:p="http://schemas.openxmlformats.org/presentationml/2006/main" xmlns:c="http://schemas.openxmlformats.org/drawingml/2006/chart" xmlns:dgm="http://schemas.openxmlformats.org/drawingml/2006/diagram" xmlns:o="urn:schemas-microsoft-com:office:office" xmlns:v="urn:schemas-microsoft-com:vml" xmlns:pvml="urn:schemas-microsoft-com:office:powerpoint" xmlns:com="http://schemas.openxmlformats.org/drawingml/2006/compatibility" xmlns:p14="http://schemas.microsoft.com/office/powerpoint/2010/main" xmlns:p15="http://schemas.microsoft.com/office/powerpoint/2012/main" xmlns:ahyp="http://schemas.microsoft.com/office/drawing/2018/hyperlinkcolor">
   <p:cSld>
     <p:spTree>
       <p:nvGrpSpPr>
-        <p:cNvPr id="1" name="Shape 156"/>
+        <p:cNvPr id="156" name="Shape 156"/>
         <p:cNvGrpSpPr/>
         <p:nvPr/>
       </p:nvGrpSpPr>
@@ -8247,9 +8023,7 @@
       <p:sp>
         <p:nvSpPr>
           <p:cNvPr id="157" name="Google Shape;157;p28"/>
-          <p:cNvSpPr txBox="1">
-            <a:spLocks noGrp="1"/>
-          </p:cNvSpPr>
+          <p:cNvSpPr txBox="1"/>
           <p:nvPr>
             <p:ph type="title"/>
           </p:nvPr>
@@ -8264,12 +8038,12 @@
           </a:prstGeom>
         </p:spPr>
         <p:txBody>
-          <a:bodyPr spcFirstLastPara="1" wrap="square" lIns="91425" tIns="91425" rIns="91425" bIns="91425" anchor="t" anchorCtr="0">
+          <a:bodyPr anchorCtr="0" anchor="t" bIns="91425" lIns="91425" spcFirstLastPara="1" rIns="91425" wrap="square" tIns="91425">
             <a:normAutofit fontScale="90000"/>
           </a:bodyPr>
           <a:lstStyle/>
           <a:p>
-            <a:pPr marL="0" lvl="0" indent="0" algn="l" rtl="0">
+            <a:pPr indent="0" lvl="0" marL="0" rtl="0" algn="l">
               <a:spcBef>
                 <a:spcPts val="0"/>
               </a:spcBef>
@@ -8306,12 +8080,12 @@
           </a:ln>
         </p:spPr>
         <p:txBody>
-          <a:bodyPr spcFirstLastPara="1" wrap="square" lIns="91425" tIns="91425" rIns="91425" bIns="91425" anchor="t" anchorCtr="0">
+          <a:bodyPr anchorCtr="0" anchor="t" bIns="91425" lIns="91425" spcFirstLastPara="1" rIns="91425" wrap="square" tIns="91425">
             <a:spAutoFit/>
           </a:bodyPr>
           <a:lstStyle/>
           <a:p>
-            <a:pPr marL="0" lvl="0" indent="0" algn="l" rtl="0">
+            <a:pPr indent="0" lvl="0" marL="0" rtl="0" algn="l">
               <a:spcBef>
                 <a:spcPts val="0"/>
               </a:spcBef>
@@ -8365,11 +8139,11 @@
 </file>
 
 <file path=ppt/slides/slide17.xml><?xml version="1.0" encoding="utf-8"?>
-<p:sld xmlns:a="http://schemas.openxmlformats.org/drawingml/2006/main" xmlns:r="http://schemas.openxmlformats.org/officeDocument/2006/relationships" xmlns:p="http://schemas.openxmlformats.org/presentationml/2006/main">
+<p:sld xmlns:a="http://schemas.openxmlformats.org/drawingml/2006/main" xmlns:r="http://schemas.openxmlformats.org/officeDocument/2006/relationships" xmlns:mc="http://schemas.openxmlformats.org/markup-compatibility/2006" xmlns:mv="urn:schemas-microsoft-com:mac:vml" xmlns:p="http://schemas.openxmlformats.org/presentationml/2006/main" xmlns:c="http://schemas.openxmlformats.org/drawingml/2006/chart" xmlns:dgm="http://schemas.openxmlformats.org/drawingml/2006/diagram" xmlns:o="urn:schemas-microsoft-com:office:office" xmlns:v="urn:schemas-microsoft-com:vml" xmlns:pvml="urn:schemas-microsoft-com:office:powerpoint" xmlns:com="http://schemas.openxmlformats.org/drawingml/2006/compatibility" xmlns:p14="http://schemas.microsoft.com/office/powerpoint/2010/main" xmlns:p15="http://schemas.microsoft.com/office/powerpoint/2012/main" xmlns:ahyp="http://schemas.microsoft.com/office/drawing/2018/hyperlinkcolor">
   <p:cSld>
     <p:spTree>
       <p:nvGrpSpPr>
-        <p:cNvPr id="1" name="Shape 163"/>
+        <p:cNvPr id="163" name="Shape 163"/>
         <p:cNvGrpSpPr/>
         <p:nvPr/>
       </p:nvGrpSpPr>
@@ -8384,9 +8158,7 @@
       <p:sp>
         <p:nvSpPr>
           <p:cNvPr id="164" name="Google Shape;164;p29"/>
-          <p:cNvSpPr txBox="1">
-            <a:spLocks noGrp="1"/>
-          </p:cNvSpPr>
+          <p:cNvSpPr txBox="1"/>
           <p:nvPr>
             <p:ph type="title"/>
           </p:nvPr>
@@ -8401,12 +8173,12 @@
           </a:prstGeom>
         </p:spPr>
         <p:txBody>
-          <a:bodyPr spcFirstLastPara="1" wrap="square" lIns="91425" tIns="91425" rIns="91425" bIns="91425" anchor="t" anchorCtr="0">
+          <a:bodyPr anchorCtr="0" anchor="t" bIns="91425" lIns="91425" spcFirstLastPara="1" rIns="91425" wrap="square" tIns="91425">
             <a:noAutofit/>
           </a:bodyPr>
           <a:lstStyle/>
           <a:p>
-            <a:pPr marL="0" lvl="0" indent="0" algn="l" rtl="0">
+            <a:pPr indent="0" lvl="0" marL="0" rtl="0" algn="l">
               <a:spcBef>
                 <a:spcPts val="0"/>
               </a:spcBef>
@@ -8427,9 +8199,7 @@
       <p:sp>
         <p:nvSpPr>
           <p:cNvPr id="165" name="Google Shape;165;p29"/>
-          <p:cNvSpPr txBox="1">
-            <a:spLocks noGrp="1"/>
-          </p:cNvSpPr>
+          <p:cNvSpPr txBox="1"/>
           <p:nvPr>
             <p:ph type="title"/>
           </p:nvPr>
@@ -8444,12 +8214,12 @@
           </a:prstGeom>
         </p:spPr>
         <p:txBody>
-          <a:bodyPr spcFirstLastPara="1" wrap="square" lIns="91425" tIns="91425" rIns="91425" bIns="91425" anchor="t" anchorCtr="0">
+          <a:bodyPr anchorCtr="0" anchor="t" bIns="91425" lIns="91425" spcFirstLastPara="1" rIns="91425" wrap="square" tIns="91425">
             <a:normAutofit/>
           </a:bodyPr>
           <a:lstStyle/>
           <a:p>
-            <a:pPr marL="0" lvl="0" indent="0" algn="l" rtl="0">
+            <a:pPr indent="0" lvl="0" marL="0" rtl="0" algn="l">
               <a:spcBef>
                 <a:spcPts val="0"/>
               </a:spcBef>
@@ -8475,11 +8245,11 @@
 </file>
 
 <file path=ppt/slides/slide2.xml><?xml version="1.0" encoding="utf-8"?>
-<p:sld xmlns:a="http://schemas.openxmlformats.org/drawingml/2006/main" xmlns:r="http://schemas.openxmlformats.org/officeDocument/2006/relationships" xmlns:p="http://schemas.openxmlformats.org/presentationml/2006/main">
+<p:sld xmlns:a="http://schemas.openxmlformats.org/drawingml/2006/main" xmlns:r="http://schemas.openxmlformats.org/officeDocument/2006/relationships" xmlns:mc="http://schemas.openxmlformats.org/markup-compatibility/2006" xmlns:mv="urn:schemas-microsoft-com:mac:vml" xmlns:p="http://schemas.openxmlformats.org/presentationml/2006/main" xmlns:c="http://schemas.openxmlformats.org/drawingml/2006/chart" xmlns:dgm="http://schemas.openxmlformats.org/drawingml/2006/diagram" xmlns:o="urn:schemas-microsoft-com:office:office" xmlns:v="urn:schemas-microsoft-com:vml" xmlns:pvml="urn:schemas-microsoft-com:office:powerpoint" xmlns:com="http://schemas.openxmlformats.org/drawingml/2006/compatibility" xmlns:p14="http://schemas.microsoft.com/office/powerpoint/2010/main" xmlns:p15="http://schemas.microsoft.com/office/powerpoint/2012/main" xmlns:ahyp="http://schemas.microsoft.com/office/drawing/2018/hyperlinkcolor">
   <p:cSld>
     <p:spTree>
       <p:nvGrpSpPr>
-        <p:cNvPr id="1" name="Shape 59"/>
+        <p:cNvPr id="59" name="Shape 59"/>
         <p:cNvGrpSpPr/>
         <p:nvPr/>
       </p:nvGrpSpPr>
@@ -8494,9 +8264,7 @@
       <p:sp>
         <p:nvSpPr>
           <p:cNvPr id="60" name="Google Shape;60;p14"/>
-          <p:cNvSpPr txBox="1">
-            <a:spLocks noGrp="1"/>
-          </p:cNvSpPr>
+          <p:cNvSpPr txBox="1"/>
           <p:nvPr>
             <p:ph type="ctrTitle"/>
           </p:nvPr>
@@ -8511,12 +8279,12 @@
           </a:prstGeom>
         </p:spPr>
         <p:txBody>
-          <a:bodyPr spcFirstLastPara="1" wrap="square" lIns="91425" tIns="91425" rIns="91425" bIns="91425" anchor="b" anchorCtr="0">
+          <a:bodyPr anchorCtr="0" anchor="b" bIns="91425" lIns="91425" spcFirstLastPara="1" rIns="91425" wrap="square" tIns="91425">
             <a:normAutofit fontScale="90000"/>
           </a:bodyPr>
           <a:lstStyle/>
           <a:p>
-            <a:pPr marL="0" lvl="0" indent="0" algn="l" rtl="0">
+            <a:pPr indent="0" lvl="0" marL="0" rtl="0" algn="l">
               <a:spcBef>
                 <a:spcPts val="0"/>
               </a:spcBef>
@@ -8536,11 +8304,9 @@
       <p:sp>
         <p:nvSpPr>
           <p:cNvPr id="61" name="Google Shape;61;p14"/>
-          <p:cNvSpPr txBox="1">
-            <a:spLocks noGrp="1"/>
-          </p:cNvSpPr>
+          <p:cNvSpPr txBox="1"/>
           <p:nvPr>
-            <p:ph type="subTitle" idx="1"/>
+            <p:ph idx="1" type="subTitle"/>
           </p:nvPr>
         </p:nvSpPr>
         <p:spPr>
@@ -8553,12 +8319,12 @@
           </a:prstGeom>
         </p:spPr>
         <p:txBody>
-          <a:bodyPr spcFirstLastPara="1" wrap="square" lIns="91425" tIns="91425" rIns="91425" bIns="91425" anchor="t" anchorCtr="0">
-            <a:normAutofit fontScale="77500" lnSpcReduction="20000"/>
+          <a:bodyPr anchorCtr="0" anchor="t" bIns="91425" lIns="91425" spcFirstLastPara="1" rIns="91425" wrap="square" tIns="91425">
+            <a:normAutofit fontScale="77500" lnSpcReduction="10000"/>
           </a:bodyPr>
           <a:lstStyle/>
           <a:p>
-            <a:pPr marL="457200" lvl="0" indent="-346710" algn="l" rtl="0">
+            <a:pPr indent="-346710" lvl="0" marL="457200" rtl="0" algn="l">
               <a:lnSpc>
                 <a:spcPct val="115000"/>
               </a:lnSpc>
@@ -8572,13 +8338,13 @@
               <a:buAutoNum type="arabicPeriod"/>
             </a:pPr>
             <a:r>
-              <a:rPr lang="en" sz="2400" dirty="0"/>
+              <a:rPr lang="en" sz="2400"/>
               <a:t>Fundamental setup: weak metrics for GME, a brick and mortar video game company during a global pandemic</a:t>
             </a:r>
-            <a:endParaRPr sz="2400" dirty="0"/>
+            <a:endParaRPr sz="2400"/>
           </a:p>
           <a:p>
-            <a:pPr marL="914400" lvl="0" indent="-457200" algn="l" rtl="0">
+            <a:pPr indent="0" lvl="0" marL="457200" rtl="0" algn="l">
               <a:lnSpc>
                 <a:spcPct val="115000"/>
               </a:lnSpc>
@@ -8588,13 +8354,15 @@
               <a:spcAft>
                 <a:spcPts val="0"/>
               </a:spcAft>
-              <a:buFont typeface="+mj-lt"/>
-              <a:buAutoNum type="arabicPeriod"/>
+              <a:buNone/>
             </a:pPr>
-            <a:endParaRPr sz="2400" dirty="0"/>
+            <a:r>
+              <a:t/>
+            </a:r>
+            <a:endParaRPr sz="2400"/>
           </a:p>
           <a:p>
-            <a:pPr marL="457200" lvl="0" indent="-346710" algn="l" rtl="0">
+            <a:pPr indent="-346710" lvl="0" marL="457200" rtl="0" algn="l">
               <a:lnSpc>
                 <a:spcPct val="115000"/>
               </a:lnSpc>
@@ -8608,13 +8376,13 @@
               <a:buAutoNum type="arabicPeriod"/>
             </a:pPr>
             <a:r>
-              <a:rPr lang="en" sz="2400" dirty="0"/>
+              <a:rPr lang="en" sz="2400"/>
               <a:t>Technical setup: hedge funds had accumulated a very large short position</a:t>
             </a:r>
-            <a:endParaRPr sz="2400" dirty="0"/>
+            <a:endParaRPr sz="2400"/>
           </a:p>
           <a:p>
-            <a:pPr marL="914400" lvl="0" indent="-457200" algn="l" rtl="0">
+            <a:pPr indent="0" lvl="0" marL="457200" rtl="0" algn="l">
               <a:lnSpc>
                 <a:spcPct val="115000"/>
               </a:lnSpc>
@@ -8624,13 +8392,15 @@
               <a:spcAft>
                 <a:spcPts val="0"/>
               </a:spcAft>
-              <a:buFont typeface="+mj-lt"/>
-              <a:buAutoNum type="arabicPeriod"/>
+              <a:buNone/>
             </a:pPr>
-            <a:endParaRPr sz="2400" dirty="0"/>
+            <a:r>
+              <a:t/>
+            </a:r>
+            <a:endParaRPr sz="2400"/>
           </a:p>
           <a:p>
-            <a:pPr marL="457200" lvl="0" indent="-346710" algn="l" rtl="0">
+            <a:pPr indent="-346710" lvl="0" marL="457200" rtl="0" algn="l">
               <a:lnSpc>
                 <a:spcPct val="115000"/>
               </a:lnSpc>
@@ -8644,13 +8414,13 @@
               <a:buAutoNum type="arabicPeriod"/>
             </a:pPr>
             <a:r>
-              <a:rPr lang="en" sz="2400" dirty="0"/>
+              <a:rPr lang="en" sz="2400"/>
               <a:t>Sentiment analysis: daily movements in stock prices impacted by WSB posts</a:t>
             </a:r>
-            <a:endParaRPr sz="2400" dirty="0"/>
+            <a:endParaRPr sz="2400"/>
           </a:p>
           <a:p>
-            <a:pPr marL="914400" lvl="0" indent="-457200" algn="l" rtl="0">
+            <a:pPr indent="0" lvl="0" marL="457200" rtl="0" algn="l">
               <a:lnSpc>
                 <a:spcPct val="115000"/>
               </a:lnSpc>
@@ -8660,13 +8430,15 @@
               <a:spcAft>
                 <a:spcPts val="0"/>
               </a:spcAft>
-              <a:buFont typeface="+mj-lt"/>
-              <a:buAutoNum type="arabicPeriod"/>
+              <a:buNone/>
             </a:pPr>
-            <a:endParaRPr sz="2400" dirty="0"/>
+            <a:r>
+              <a:t/>
+            </a:r>
+            <a:endParaRPr sz="2400"/>
           </a:p>
           <a:p>
-            <a:pPr marL="457200" lvl="0" indent="-346710" algn="l" rtl="0">
+            <a:pPr indent="-346710" lvl="0" marL="457200" rtl="0" algn="l">
               <a:lnSpc>
                 <a:spcPct val="115000"/>
               </a:lnSpc>
@@ -8680,13 +8452,13 @@
               <a:buAutoNum type="arabicPeriod"/>
             </a:pPr>
             <a:r>
-              <a:rPr lang="en" sz="2400" dirty="0"/>
+              <a:rPr lang="en" sz="2400"/>
               <a:t>Returns, Betas, and Sharpes</a:t>
             </a:r>
-            <a:endParaRPr sz="2400" dirty="0"/>
+            <a:endParaRPr sz="2400"/>
           </a:p>
           <a:p>
-            <a:pPr marL="914400" lvl="0" indent="-457200" algn="l" rtl="0">
+            <a:pPr indent="0" lvl="0" marL="457200" rtl="0" algn="l">
               <a:lnSpc>
                 <a:spcPct val="115000"/>
               </a:lnSpc>
@@ -8696,13 +8468,15 @@
               <a:spcAft>
                 <a:spcPts val="0"/>
               </a:spcAft>
-              <a:buFont typeface="+mj-lt"/>
-              <a:buAutoNum type="arabicPeriod"/>
+              <a:buNone/>
             </a:pPr>
-            <a:endParaRPr sz="2400" dirty="0"/>
+            <a:r>
+              <a:t/>
+            </a:r>
+            <a:endParaRPr sz="2400"/>
           </a:p>
           <a:p>
-            <a:pPr marL="457200" lvl="0" indent="-346710" algn="l" rtl="0">
+            <a:pPr indent="-346710" lvl="0" marL="457200" rtl="0" algn="l">
               <a:lnSpc>
                 <a:spcPct val="115000"/>
               </a:lnSpc>
@@ -8716,10 +8490,10 @@
               <a:buAutoNum type="arabicPeriod"/>
             </a:pPr>
             <a:r>
-              <a:rPr lang="en" sz="2400" dirty="0"/>
+              <a:rPr lang="en" sz="2400"/>
               <a:t>Who’s next?: Monte Carlo simulation of current hot WSB stocks</a:t>
             </a:r>
-            <a:endParaRPr sz="2400" dirty="0"/>
+            <a:endParaRPr sz="2400"/>
           </a:p>
         </p:txBody>
       </p:sp>
@@ -8732,11 +8506,11 @@
 </file>
 
 <file path=ppt/slides/slide3.xml><?xml version="1.0" encoding="utf-8"?>
-<p:sld xmlns:a="http://schemas.openxmlformats.org/drawingml/2006/main" xmlns:r="http://schemas.openxmlformats.org/officeDocument/2006/relationships" xmlns:p="http://schemas.openxmlformats.org/presentationml/2006/main">
+<p:sld xmlns:a="http://schemas.openxmlformats.org/drawingml/2006/main" xmlns:r="http://schemas.openxmlformats.org/officeDocument/2006/relationships" xmlns:mc="http://schemas.openxmlformats.org/markup-compatibility/2006" xmlns:mv="urn:schemas-microsoft-com:mac:vml" xmlns:p="http://schemas.openxmlformats.org/presentationml/2006/main" xmlns:c="http://schemas.openxmlformats.org/drawingml/2006/chart" xmlns:dgm="http://schemas.openxmlformats.org/drawingml/2006/diagram" xmlns:o="urn:schemas-microsoft-com:office:office" xmlns:v="urn:schemas-microsoft-com:vml" xmlns:pvml="urn:schemas-microsoft-com:office:powerpoint" xmlns:com="http://schemas.openxmlformats.org/drawingml/2006/compatibility" xmlns:p14="http://schemas.microsoft.com/office/powerpoint/2010/main" xmlns:p15="http://schemas.microsoft.com/office/powerpoint/2012/main" xmlns:ahyp="http://schemas.microsoft.com/office/drawing/2018/hyperlinkcolor">
   <p:cSld>
     <p:spTree>
       <p:nvGrpSpPr>
-        <p:cNvPr id="1" name="Shape 65"/>
+        <p:cNvPr id="65" name="Shape 65"/>
         <p:cNvGrpSpPr/>
         <p:nvPr/>
       </p:nvGrpSpPr>
@@ -8751,9 +8525,7 @@
       <p:sp>
         <p:nvSpPr>
           <p:cNvPr id="66" name="Google Shape;66;p15"/>
-          <p:cNvSpPr txBox="1">
-            <a:spLocks noGrp="1"/>
-          </p:cNvSpPr>
+          <p:cNvSpPr txBox="1"/>
           <p:nvPr>
             <p:ph type="ctrTitle"/>
           </p:nvPr>
@@ -8768,12 +8540,12 @@
           </a:prstGeom>
         </p:spPr>
         <p:txBody>
-          <a:bodyPr spcFirstLastPara="1" wrap="square" lIns="91425" tIns="91425" rIns="91425" bIns="91425" anchor="b" anchorCtr="0">
+          <a:bodyPr anchorCtr="0" anchor="b" bIns="91425" lIns="91425" spcFirstLastPara="1" rIns="91425" wrap="square" tIns="91425">
             <a:normAutofit/>
           </a:bodyPr>
           <a:lstStyle/>
           <a:p>
-            <a:pPr marL="0" lvl="0" indent="0" algn="ctr" rtl="0">
+            <a:pPr indent="0" lvl="0" marL="0" rtl="0" algn="ctr">
               <a:spcBef>
                 <a:spcPts val="0"/>
               </a:spcBef>
@@ -8838,12 +8610,12 @@
           </a:ln>
         </p:spPr>
         <p:txBody>
-          <a:bodyPr spcFirstLastPara="1" wrap="square" lIns="91425" tIns="91425" rIns="91425" bIns="91425" anchor="t" anchorCtr="0">
+          <a:bodyPr anchorCtr="0" anchor="t" bIns="91425" lIns="91425" spcFirstLastPara="1" rIns="91425" wrap="square" tIns="91425">
             <a:spAutoFit/>
           </a:bodyPr>
           <a:lstStyle/>
           <a:p>
-            <a:pPr marL="0" lvl="0" indent="0" algn="l" rtl="0">
+            <a:pPr indent="0" lvl="0" marL="0" rtl="0" algn="l">
               <a:spcBef>
                 <a:spcPts val="0"/>
               </a:spcBef>
@@ -8873,11 +8645,11 @@
 </file>
 
 <file path=ppt/slides/slide4.xml><?xml version="1.0" encoding="utf-8"?>
-<p:sld xmlns:a="http://schemas.openxmlformats.org/drawingml/2006/main" xmlns:r="http://schemas.openxmlformats.org/officeDocument/2006/relationships" xmlns:p="http://schemas.openxmlformats.org/presentationml/2006/main">
+<p:sld xmlns:a="http://schemas.openxmlformats.org/drawingml/2006/main" xmlns:r="http://schemas.openxmlformats.org/officeDocument/2006/relationships" xmlns:mc="http://schemas.openxmlformats.org/markup-compatibility/2006" xmlns:mv="urn:schemas-microsoft-com:mac:vml" xmlns:p="http://schemas.openxmlformats.org/presentationml/2006/main" xmlns:c="http://schemas.openxmlformats.org/drawingml/2006/chart" xmlns:dgm="http://schemas.openxmlformats.org/drawingml/2006/diagram" xmlns:o="urn:schemas-microsoft-com:office:office" xmlns:v="urn:schemas-microsoft-com:vml" xmlns:pvml="urn:schemas-microsoft-com:office:powerpoint" xmlns:com="http://schemas.openxmlformats.org/drawingml/2006/compatibility" xmlns:p14="http://schemas.microsoft.com/office/powerpoint/2010/main" xmlns:p15="http://schemas.microsoft.com/office/powerpoint/2012/main" xmlns:ahyp="http://schemas.microsoft.com/office/drawing/2018/hyperlinkcolor">
   <p:cSld>
     <p:spTree>
       <p:nvGrpSpPr>
-        <p:cNvPr id="1" name="Shape 72"/>
+        <p:cNvPr id="72" name="Shape 72"/>
         <p:cNvGrpSpPr/>
         <p:nvPr/>
       </p:nvGrpSpPr>
@@ -8892,9 +8664,7 @@
       <p:sp>
         <p:nvSpPr>
           <p:cNvPr id="73" name="Google Shape;73;p16"/>
-          <p:cNvSpPr txBox="1">
-            <a:spLocks noGrp="1"/>
-          </p:cNvSpPr>
+          <p:cNvSpPr txBox="1"/>
           <p:nvPr>
             <p:ph type="title"/>
           </p:nvPr>
@@ -8909,12 +8679,12 @@
           </a:prstGeom>
         </p:spPr>
         <p:txBody>
-          <a:bodyPr spcFirstLastPara="1" wrap="square" lIns="91425" tIns="91425" rIns="91425" bIns="91425" anchor="t" anchorCtr="0">
+          <a:bodyPr anchorCtr="0" anchor="t" bIns="91425" lIns="91425" spcFirstLastPara="1" rIns="91425" wrap="square" tIns="91425">
             <a:normAutofit/>
           </a:bodyPr>
           <a:lstStyle/>
           <a:p>
-            <a:pPr marL="0" lvl="0" indent="0" algn="l" rtl="0">
+            <a:pPr indent="0" lvl="0" marL="0" rtl="0" algn="l">
               <a:spcBef>
                 <a:spcPts val="0"/>
               </a:spcBef>
@@ -8930,7 +8700,7 @@
             <a:endParaRPr/>
           </a:p>
           <a:p>
-            <a:pPr marL="0" lvl="0" indent="0" algn="l" rtl="0">
+            <a:pPr indent="0" lvl="0" marL="0" rtl="0" algn="l">
               <a:spcBef>
                 <a:spcPts val="0"/>
               </a:spcBef>
@@ -8944,6 +8714,9 @@
               <a:buFont typeface="Arial"/>
               <a:buNone/>
             </a:pPr>
+            <a:r>
+              <a:t/>
+            </a:r>
             <a:endParaRPr/>
           </a:p>
         </p:txBody>
@@ -8951,11 +8724,9 @@
       <p:sp>
         <p:nvSpPr>
           <p:cNvPr id="74" name="Google Shape;74;p16"/>
-          <p:cNvSpPr txBox="1">
-            <a:spLocks noGrp="1"/>
-          </p:cNvSpPr>
+          <p:cNvSpPr txBox="1"/>
           <p:nvPr>
-            <p:ph type="body" idx="1"/>
+            <p:ph idx="1" type="body"/>
           </p:nvPr>
         </p:nvSpPr>
         <p:spPr>
@@ -8968,12 +8739,12 @@
           </a:prstGeom>
         </p:spPr>
         <p:txBody>
-          <a:bodyPr spcFirstLastPara="1" wrap="square" lIns="91425" tIns="91425" rIns="91425" bIns="91425" anchor="t" anchorCtr="0">
-            <a:normAutofit fontScale="92500" lnSpcReduction="20000"/>
+          <a:bodyPr anchorCtr="0" anchor="t" bIns="91425" lIns="91425" spcFirstLastPara="1" rIns="91425" wrap="square" tIns="91425">
+            <a:normAutofit fontScale="85000" lnSpcReduction="20000"/>
           </a:bodyPr>
           <a:lstStyle/>
           <a:p>
-            <a:pPr marL="0" lvl="0" indent="0" algn="l" rtl="0">
+            <a:pPr indent="0" lvl="0" marL="0" rtl="0" algn="l">
               <a:lnSpc>
                 <a:spcPct val="90000"/>
               </a:lnSpc>
@@ -8996,7 +8767,7 @@
                   <a:schemeClr val="dk1"/>
                 </a:solidFill>
               </a:rPr>
-              <a:t>•GameStop engages in retail selling video games, consumer electronics and merchandise related to video games in United States, Canada, &amp; Europe</a:t>
+              <a:t>•GameStop sells video games, consumer electronics, and merchandise related to video games in the United States, Canada, &amp; Europe</a:t>
             </a:r>
             <a:endParaRPr sz="1900">
               <a:solidFill>
@@ -9005,7 +8776,7 @@
             </a:endParaRPr>
           </a:p>
           <a:p>
-            <a:pPr marL="0" lvl="0" indent="0" algn="l" rtl="0">
+            <a:pPr indent="0" lvl="0" marL="0" rtl="0" algn="l">
               <a:lnSpc>
                 <a:spcPct val="90000"/>
               </a:lnSpc>
@@ -9037,7 +8808,7 @@
             </a:endParaRPr>
           </a:p>
           <a:p>
-            <a:pPr marL="0" lvl="0" indent="0" algn="l" rtl="0">
+            <a:pPr indent="0" lvl="0" marL="0" rtl="0" algn="l">
               <a:lnSpc>
                 <a:spcPct val="90000"/>
               </a:lnSpc>
@@ -9069,7 +8840,7 @@
             </a:endParaRPr>
           </a:p>
           <a:p>
-            <a:pPr marL="0" lvl="0" indent="0" algn="l" rtl="0">
+            <a:pPr indent="0" lvl="0" marL="0" rtl="0" algn="l">
               <a:lnSpc>
                 <a:spcPct val="90000"/>
               </a:lnSpc>
@@ -9101,7 +8872,7 @@
             </a:endParaRPr>
           </a:p>
           <a:p>
-            <a:pPr marL="0" lvl="0" indent="0" algn="l" rtl="0">
+            <a:pPr indent="0" lvl="0" marL="0" rtl="0" algn="l">
               <a:lnSpc>
                 <a:spcPct val="90000"/>
               </a:lnSpc>
@@ -9133,7 +8904,7 @@
             </a:endParaRPr>
           </a:p>
           <a:p>
-            <a:pPr marL="0" lvl="0" indent="0" algn="l" rtl="0">
+            <a:pPr indent="0" lvl="0" marL="0" rtl="0" algn="l">
               <a:lnSpc>
                 <a:spcPct val="90000"/>
               </a:lnSpc>
@@ -9165,7 +8936,7 @@
             </a:endParaRPr>
           </a:p>
           <a:p>
-            <a:pPr marL="0" lvl="0" indent="0" algn="l" rtl="0">
+            <a:pPr indent="0" lvl="0" marL="0" rtl="0" algn="l">
               <a:spcBef>
                 <a:spcPts val="0"/>
               </a:spcBef>
@@ -9174,6 +8945,9 @@
               </a:spcAft>
               <a:buNone/>
             </a:pPr>
+            <a:r>
+              <a:t/>
+            </a:r>
             <a:endParaRPr/>
           </a:p>
         </p:txBody>
@@ -9226,12 +9000,12 @@
           </a:ln>
         </p:spPr>
         <p:txBody>
-          <a:bodyPr spcFirstLastPara="1" wrap="square" lIns="91425" tIns="91425" rIns="91425" bIns="91425" anchor="t" anchorCtr="0">
+          <a:bodyPr anchorCtr="0" anchor="t" bIns="91425" lIns="91425" spcFirstLastPara="1" rIns="91425" wrap="square" tIns="91425">
             <a:spAutoFit/>
           </a:bodyPr>
           <a:lstStyle/>
           <a:p>
-            <a:pPr marL="0" lvl="0" indent="0" algn="l" rtl="0">
+            <a:pPr indent="0" lvl="0" marL="0" rtl="0" algn="l">
               <a:lnSpc>
                 <a:spcPct val="115000"/>
               </a:lnSpc>
@@ -9279,12 +9053,12 @@
           </a:ln>
         </p:spPr>
         <p:txBody>
-          <a:bodyPr spcFirstLastPara="1" wrap="square" lIns="91425" tIns="91425" rIns="91425" bIns="91425" anchor="t" anchorCtr="0">
+          <a:bodyPr anchorCtr="0" anchor="t" bIns="91425" lIns="91425" spcFirstLastPara="1" rIns="91425" wrap="square" tIns="91425">
             <a:spAutoFit/>
           </a:bodyPr>
           <a:lstStyle/>
           <a:p>
-            <a:pPr marL="0" lvl="0" indent="0" algn="l" rtl="0">
+            <a:pPr indent="0" lvl="0" marL="0" rtl="0" algn="l">
               <a:spcBef>
                 <a:spcPts val="0"/>
               </a:spcBef>
@@ -9319,11 +9093,11 @@
 </file>
 
 <file path=ppt/slides/slide5.xml><?xml version="1.0" encoding="utf-8"?>
-<p:sld xmlns:a="http://schemas.openxmlformats.org/drawingml/2006/main" xmlns:r="http://schemas.openxmlformats.org/officeDocument/2006/relationships" xmlns:p="http://schemas.openxmlformats.org/presentationml/2006/main">
+<p:sld xmlns:a="http://schemas.openxmlformats.org/drawingml/2006/main" xmlns:r="http://schemas.openxmlformats.org/officeDocument/2006/relationships" xmlns:mc="http://schemas.openxmlformats.org/markup-compatibility/2006" xmlns:mv="urn:schemas-microsoft-com:mac:vml" xmlns:p="http://schemas.openxmlformats.org/presentationml/2006/main" xmlns:c="http://schemas.openxmlformats.org/drawingml/2006/chart" xmlns:dgm="http://schemas.openxmlformats.org/drawingml/2006/diagram" xmlns:o="urn:schemas-microsoft-com:office:office" xmlns:v="urn:schemas-microsoft-com:vml" xmlns:pvml="urn:schemas-microsoft-com:office:powerpoint" xmlns:com="http://schemas.openxmlformats.org/drawingml/2006/compatibility" xmlns:p14="http://schemas.microsoft.com/office/powerpoint/2010/main" xmlns:p15="http://schemas.microsoft.com/office/powerpoint/2012/main" xmlns:ahyp="http://schemas.microsoft.com/office/drawing/2018/hyperlinkcolor">
   <p:cSld>
     <p:spTree>
       <p:nvGrpSpPr>
-        <p:cNvPr id="1" name="Shape 81"/>
+        <p:cNvPr id="81" name="Shape 81"/>
         <p:cNvGrpSpPr/>
         <p:nvPr/>
       </p:nvGrpSpPr>
@@ -9383,12 +9157,12 @@
           </a:ln>
         </p:spPr>
         <p:txBody>
-          <a:bodyPr spcFirstLastPara="1" wrap="square" lIns="91425" tIns="91425" rIns="91425" bIns="91425" anchor="t" anchorCtr="0">
+          <a:bodyPr anchorCtr="0" anchor="t" bIns="91425" lIns="91425" spcFirstLastPara="1" rIns="91425" wrap="square" tIns="91425">
             <a:spAutoFit/>
           </a:bodyPr>
           <a:lstStyle/>
           <a:p>
-            <a:pPr marL="0" lvl="0" indent="0" algn="l" rtl="0">
+            <a:pPr indent="0" lvl="0" marL="0" rtl="0" algn="l">
               <a:spcBef>
                 <a:spcPts val="0"/>
               </a:spcBef>
@@ -9414,11 +9188,11 @@
 </file>
 
 <file path=ppt/slides/slide6.xml><?xml version="1.0" encoding="utf-8"?>
-<p:sld xmlns:a="http://schemas.openxmlformats.org/drawingml/2006/main" xmlns:r="http://schemas.openxmlformats.org/officeDocument/2006/relationships" xmlns:p="http://schemas.openxmlformats.org/presentationml/2006/main">
+<p:sld xmlns:a="http://schemas.openxmlformats.org/drawingml/2006/main" xmlns:r="http://schemas.openxmlformats.org/officeDocument/2006/relationships" xmlns:mc="http://schemas.openxmlformats.org/markup-compatibility/2006" xmlns:mv="urn:schemas-microsoft-com:mac:vml" xmlns:p="http://schemas.openxmlformats.org/presentationml/2006/main" xmlns:c="http://schemas.openxmlformats.org/drawingml/2006/chart" xmlns:dgm="http://schemas.openxmlformats.org/drawingml/2006/diagram" xmlns:o="urn:schemas-microsoft-com:office:office" xmlns:v="urn:schemas-microsoft-com:vml" xmlns:pvml="urn:schemas-microsoft-com:office:powerpoint" xmlns:com="http://schemas.openxmlformats.org/drawingml/2006/compatibility" xmlns:p14="http://schemas.microsoft.com/office/powerpoint/2010/main" xmlns:p15="http://schemas.microsoft.com/office/powerpoint/2012/main" xmlns:ahyp="http://schemas.microsoft.com/office/drawing/2018/hyperlinkcolor">
   <p:cSld>
     <p:spTree>
       <p:nvGrpSpPr>
-        <p:cNvPr id="1" name="Shape 87"/>
+        <p:cNvPr id="87" name="Shape 87"/>
         <p:cNvGrpSpPr/>
         <p:nvPr/>
       </p:nvGrpSpPr>
@@ -9478,12 +9252,12 @@
           </a:ln>
         </p:spPr>
         <p:txBody>
-          <a:bodyPr spcFirstLastPara="1" wrap="square" lIns="91425" tIns="91425" rIns="91425" bIns="91425" anchor="t" anchorCtr="0">
+          <a:bodyPr anchorCtr="0" anchor="t" bIns="91425" lIns="91425" spcFirstLastPara="1" rIns="91425" wrap="square" tIns="91425">
             <a:spAutoFit/>
           </a:bodyPr>
           <a:lstStyle/>
           <a:p>
-            <a:pPr marL="0" lvl="0" indent="0" algn="l" rtl="0">
+            <a:pPr indent="0" lvl="0" marL="0" rtl="0" algn="l">
               <a:spcBef>
                 <a:spcPts val="0"/>
               </a:spcBef>
@@ -9509,11 +9283,11 @@
 </file>
 
 <file path=ppt/slides/slide7.xml><?xml version="1.0" encoding="utf-8"?>
-<p:sld xmlns:a="http://schemas.openxmlformats.org/drawingml/2006/main" xmlns:r="http://schemas.openxmlformats.org/officeDocument/2006/relationships" xmlns:p="http://schemas.openxmlformats.org/presentationml/2006/main">
+<p:sld xmlns:a="http://schemas.openxmlformats.org/drawingml/2006/main" xmlns:r="http://schemas.openxmlformats.org/officeDocument/2006/relationships" xmlns:mc="http://schemas.openxmlformats.org/markup-compatibility/2006" xmlns:mv="urn:schemas-microsoft-com:mac:vml" xmlns:p="http://schemas.openxmlformats.org/presentationml/2006/main" xmlns:c="http://schemas.openxmlformats.org/drawingml/2006/chart" xmlns:dgm="http://schemas.openxmlformats.org/drawingml/2006/diagram" xmlns:o="urn:schemas-microsoft-com:office:office" xmlns:v="urn:schemas-microsoft-com:vml" xmlns:pvml="urn:schemas-microsoft-com:office:powerpoint" xmlns:com="http://schemas.openxmlformats.org/drawingml/2006/compatibility" xmlns:p14="http://schemas.microsoft.com/office/powerpoint/2010/main" xmlns:p15="http://schemas.microsoft.com/office/powerpoint/2012/main" xmlns:ahyp="http://schemas.microsoft.com/office/drawing/2018/hyperlinkcolor">
   <p:cSld>
     <p:spTree>
       <p:nvGrpSpPr>
-        <p:cNvPr id="1" name="Shape 93"/>
+        <p:cNvPr id="93" name="Shape 93"/>
         <p:cNvGrpSpPr/>
         <p:nvPr/>
       </p:nvGrpSpPr>
@@ -9573,12 +9347,12 @@
           </a:ln>
         </p:spPr>
         <p:txBody>
-          <a:bodyPr spcFirstLastPara="1" wrap="square" lIns="91425" tIns="91425" rIns="91425" bIns="91425" anchor="t" anchorCtr="0">
+          <a:bodyPr anchorCtr="0" anchor="t" bIns="91425" lIns="91425" spcFirstLastPara="1" rIns="91425" wrap="square" tIns="91425">
             <a:spAutoFit/>
           </a:bodyPr>
           <a:lstStyle/>
           <a:p>
-            <a:pPr marL="0" lvl="0" indent="0" algn="l" rtl="0">
+            <a:pPr indent="0" lvl="0" marL="0" rtl="0" algn="l">
               <a:spcBef>
                 <a:spcPts val="0"/>
               </a:spcBef>
@@ -9604,11 +9378,11 @@
 </file>
 
 <file path=ppt/slides/slide8.xml><?xml version="1.0" encoding="utf-8"?>
-<p:sld xmlns:a="http://schemas.openxmlformats.org/drawingml/2006/main" xmlns:r="http://schemas.openxmlformats.org/officeDocument/2006/relationships" xmlns:p="http://schemas.openxmlformats.org/presentationml/2006/main">
+<p:sld xmlns:a="http://schemas.openxmlformats.org/drawingml/2006/main" xmlns:r="http://schemas.openxmlformats.org/officeDocument/2006/relationships" xmlns:mc="http://schemas.openxmlformats.org/markup-compatibility/2006" xmlns:mv="urn:schemas-microsoft-com:mac:vml" xmlns:p="http://schemas.openxmlformats.org/presentationml/2006/main" xmlns:c="http://schemas.openxmlformats.org/drawingml/2006/chart" xmlns:dgm="http://schemas.openxmlformats.org/drawingml/2006/diagram" xmlns:o="urn:schemas-microsoft-com:office:office" xmlns:v="urn:schemas-microsoft-com:vml" xmlns:pvml="urn:schemas-microsoft-com:office:powerpoint" xmlns:com="http://schemas.openxmlformats.org/drawingml/2006/compatibility" xmlns:p14="http://schemas.microsoft.com/office/powerpoint/2010/main" xmlns:p15="http://schemas.microsoft.com/office/powerpoint/2012/main" xmlns:ahyp="http://schemas.microsoft.com/office/drawing/2018/hyperlinkcolor">
   <p:cSld>
     <p:spTree>
       <p:nvGrpSpPr>
-        <p:cNvPr id="1" name="Shape 99"/>
+        <p:cNvPr id="99" name="Shape 99"/>
         <p:cNvGrpSpPr/>
         <p:nvPr/>
       </p:nvGrpSpPr>
@@ -9623,9 +9397,7 @@
       <p:sp>
         <p:nvSpPr>
           <p:cNvPr id="100" name="Google Shape;100;p20"/>
-          <p:cNvSpPr txBox="1">
-            <a:spLocks noGrp="1"/>
-          </p:cNvSpPr>
+          <p:cNvSpPr txBox="1"/>
           <p:nvPr>
             <p:ph type="title"/>
           </p:nvPr>
@@ -9640,12 +9412,12 @@
           </a:prstGeom>
         </p:spPr>
         <p:txBody>
-          <a:bodyPr spcFirstLastPara="1" wrap="square" lIns="91425" tIns="91425" rIns="91425" bIns="91425" anchor="t" anchorCtr="0">
+          <a:bodyPr anchorCtr="0" anchor="t" bIns="91425" lIns="91425" spcFirstLastPara="1" rIns="91425" wrap="square" tIns="91425">
             <a:normAutofit fontScale="90000"/>
           </a:bodyPr>
           <a:lstStyle/>
           <a:p>
-            <a:pPr marL="0" lvl="0" indent="0" algn="l" rtl="0">
+            <a:pPr indent="0" lvl="0" marL="0" rtl="0" algn="l">
               <a:spcBef>
                 <a:spcPts val="0"/>
               </a:spcBef>
@@ -9682,12 +9454,12 @@
           </a:ln>
         </p:spPr>
         <p:txBody>
-          <a:bodyPr spcFirstLastPara="1" wrap="square" lIns="91425" tIns="91425" rIns="91425" bIns="91425" anchor="t" anchorCtr="0">
+          <a:bodyPr anchorCtr="0" anchor="t" bIns="91425" lIns="91425" spcFirstLastPara="1" rIns="91425" wrap="square" tIns="91425">
             <a:spAutoFit/>
           </a:bodyPr>
           <a:lstStyle/>
           <a:p>
-            <a:pPr marL="0" lvl="0" indent="0" algn="l" rtl="0">
+            <a:pPr indent="0" lvl="0" marL="0" rtl="0" algn="l">
               <a:spcBef>
                 <a:spcPts val="0"/>
               </a:spcBef>
@@ -9739,7 +9511,7 @@
           <p:nvPr/>
         </p:nvCxnSpPr>
         <p:spPr>
-          <a:xfrm rot="10800000" flipH="1">
+          <a:xfrm flipH="1" rot="10800000">
             <a:off x="5660950" y="1892125"/>
             <a:ext cx="1336200" cy="301200"/>
           </a:xfrm>
@@ -9747,17 +9519,17 @@
             <a:avLst/>
           </a:prstGeom>
           <a:noFill/>
-          <a:ln w="9525" cap="flat" cmpd="sng">
+          <a:ln cap="flat" cmpd="sng" w="9525">
             <a:solidFill>
               <a:schemeClr val="dk2"/>
             </a:solidFill>
             <a:prstDash val="solid"/>
             <a:round/>
-            <a:headEnd type="none" w="med" len="med"/>
-            <a:tailEnd type="triangle" w="med" len="med"/>
+            <a:headEnd len="med" w="med" type="none"/>
+            <a:tailEnd len="med" w="med" type="triangle"/>
           </a:ln>
           <a:effectLst>
-            <a:outerShdw blurRad="57150" dist="19050" dir="5400000" algn="bl" rotWithShape="0">
+            <a:outerShdw blurRad="57150" rotWithShape="0" algn="bl" dir="5400000" dist="19050">
               <a:srgbClr val="000000">
                 <a:alpha val="40000"/>
               </a:srgbClr>
@@ -9774,11 +9546,11 @@
 </file>
 
 <file path=ppt/slides/slide9.xml><?xml version="1.0" encoding="utf-8"?>
-<p:sld xmlns:a="http://schemas.openxmlformats.org/drawingml/2006/main" xmlns:r="http://schemas.openxmlformats.org/officeDocument/2006/relationships" xmlns:p="http://schemas.openxmlformats.org/presentationml/2006/main">
+<p:sld xmlns:a="http://schemas.openxmlformats.org/drawingml/2006/main" xmlns:r="http://schemas.openxmlformats.org/officeDocument/2006/relationships" xmlns:mc="http://schemas.openxmlformats.org/markup-compatibility/2006" xmlns:mv="urn:schemas-microsoft-com:mac:vml" xmlns:p="http://schemas.openxmlformats.org/presentationml/2006/main" xmlns:c="http://schemas.openxmlformats.org/drawingml/2006/chart" xmlns:dgm="http://schemas.openxmlformats.org/drawingml/2006/diagram" xmlns:o="urn:schemas-microsoft-com:office:office" xmlns:v="urn:schemas-microsoft-com:vml" xmlns:pvml="urn:schemas-microsoft-com:office:powerpoint" xmlns:com="http://schemas.openxmlformats.org/drawingml/2006/compatibility" xmlns:p14="http://schemas.microsoft.com/office/powerpoint/2010/main" xmlns:p15="http://schemas.microsoft.com/office/powerpoint/2012/main" xmlns:ahyp="http://schemas.microsoft.com/office/drawing/2018/hyperlinkcolor">
   <p:cSld>
     <p:spTree>
       <p:nvGrpSpPr>
-        <p:cNvPr id="1" name="Shape 107"/>
+        <p:cNvPr id="107" name="Shape 107"/>
         <p:cNvGrpSpPr/>
         <p:nvPr/>
       </p:nvGrpSpPr>
@@ -9793,9 +9565,7 @@
       <p:sp>
         <p:nvSpPr>
           <p:cNvPr id="108" name="Google Shape;108;p21"/>
-          <p:cNvSpPr txBox="1">
-            <a:spLocks noGrp="1"/>
-          </p:cNvSpPr>
+          <p:cNvSpPr txBox="1"/>
           <p:nvPr>
             <p:ph type="title"/>
           </p:nvPr>
@@ -9810,12 +9580,12 @@
           </a:prstGeom>
         </p:spPr>
         <p:txBody>
-          <a:bodyPr spcFirstLastPara="1" wrap="square" lIns="91425" tIns="91425" rIns="91425" bIns="91425" anchor="t" anchorCtr="0">
+          <a:bodyPr anchorCtr="0" anchor="t" bIns="91425" lIns="91425" spcFirstLastPara="1" rIns="91425" wrap="square" tIns="91425">
             <a:normAutofit fontScale="90000"/>
           </a:bodyPr>
           <a:lstStyle/>
           <a:p>
-            <a:pPr marL="0" lvl="0" indent="0" algn="l" rtl="0">
+            <a:pPr indent="0" lvl="0" marL="0" rtl="0" algn="l">
               <a:spcBef>
                 <a:spcPts val="0"/>
               </a:spcBef>
@@ -9880,12 +9650,12 @@
           </a:ln>
         </p:spPr>
         <p:txBody>
-          <a:bodyPr spcFirstLastPara="1" wrap="square" lIns="91425" tIns="91425" rIns="91425" bIns="91425" anchor="t" anchorCtr="0">
+          <a:bodyPr anchorCtr="0" anchor="t" bIns="91425" lIns="91425" spcFirstLastPara="1" rIns="91425" wrap="square" tIns="91425">
             <a:spAutoFit/>
           </a:bodyPr>
           <a:lstStyle/>
           <a:p>
-            <a:pPr marL="0" lvl="0" indent="0" algn="l" rtl="0">
+            <a:pPr indent="0" lvl="0" marL="0" rtl="0" algn="l">
               <a:spcBef>
                 <a:spcPts val="0"/>
               </a:spcBef>
@@ -9919,7 +9689,286 @@
 </file>
 
 <file path=ppt/theme/theme1.xml><?xml version="1.0" encoding="utf-8"?>
-<a:theme xmlns:a="http://schemas.openxmlformats.org/drawingml/2006/main" name="Simple Light">
+<a:theme xmlns:a="http://schemas.openxmlformats.org/drawingml/2006/main" xmlns:r="http://schemas.openxmlformats.org/officeDocument/2006/relationships">
+  <a:themeElements>
+    <a:clrScheme name="Default">
+      <a:dk1>
+        <a:srgbClr val="000000"/>
+      </a:dk1>
+      <a:lt1>
+        <a:srgbClr val="FFFFFF"/>
+      </a:lt1>
+      <a:dk2>
+        <a:srgbClr val="158158"/>
+      </a:dk2>
+      <a:lt2>
+        <a:srgbClr val="F3F3F3"/>
+      </a:lt2>
+      <a:accent1>
+        <a:srgbClr val="058DC7"/>
+      </a:accent1>
+      <a:accent2>
+        <a:srgbClr val="50B432"/>
+      </a:accent2>
+      <a:accent3>
+        <a:srgbClr val="ED561B"/>
+      </a:accent3>
+      <a:accent4>
+        <a:srgbClr val="EDEF00"/>
+      </a:accent4>
+      <a:accent5>
+        <a:srgbClr val="24CBE5"/>
+      </a:accent5>
+      <a:accent6>
+        <a:srgbClr val="64E572"/>
+      </a:accent6>
+      <a:hlink>
+        <a:srgbClr val="2200CC"/>
+      </a:hlink>
+      <a:folHlink>
+        <a:srgbClr val="551A8B"/>
+      </a:folHlink>
+    </a:clrScheme>
+    <a:fontScheme name="Office">
+      <a:majorFont>
+        <a:latin typeface="Arial"/>
+        <a:ea typeface=""/>
+        <a:cs typeface=""/>
+        <a:font script="Jpan" typeface="ＭＳ Ｐゴシック"/>
+        <a:font script="Hang" typeface="맑은 고딕"/>
+        <a:font script="Hans" typeface="宋体"/>
+        <a:font script="Hant" typeface="新細明體"/>
+        <a:font script="Arab" typeface="Times New Roman"/>
+        <a:font script="Hebr" typeface="Times New Roman"/>
+        <a:font script="Thai" typeface="Angsana New"/>
+        <a:font script="Ethi" typeface="Nyala"/>
+        <a:font script="Beng" typeface="Vrinda"/>
+        <a:font script="Gujr" typeface="Shruti"/>
+        <a:font script="Khmr" typeface="MoolBoran"/>
+        <a:font script="Knda" typeface="Tunga"/>
+        <a:font script="Guru" typeface="Raavi"/>
+        <a:font script="Cans" typeface="Euphemia"/>
+        <a:font script="Cher" typeface="Plantagenet Cherokee"/>
+        <a:font script="Yiii" typeface="Microsoft Yi Baiti"/>
+        <a:font script="Tibt" typeface="Microsoft Himalaya"/>
+        <a:font script="Thaa" typeface="MV Boli"/>
+        <a:font script="Deva" typeface="Mangal"/>
+        <a:font script="Telu" typeface="Gautami"/>
+        <a:font script="Taml" typeface="Latha"/>
+        <a:font script="Syrc" typeface="Estrangelo Edessa"/>
+        <a:font script="Orya" typeface="Kalinga"/>
+        <a:font script="Mlym" typeface="Kartika"/>
+        <a:font script="Laoo" typeface="DokChampa"/>
+        <a:font script="Sinh" typeface="Iskoola Pota"/>
+        <a:font script="Mong" typeface="Mongolian Baiti"/>
+        <a:font script="Viet" typeface="Times New Roman"/>
+        <a:font script="Uigh" typeface="Microsoft Uighur"/>
+        <a:font script="Geor" typeface="Sylfaen"/>
+      </a:majorFont>
+      <a:minorFont>
+        <a:latin typeface="Arial"/>
+        <a:ea typeface=""/>
+        <a:cs typeface=""/>
+        <a:font script="Jpan" typeface="ＭＳ Ｐゴシック"/>
+        <a:font script="Hang" typeface="맑은 고딕"/>
+        <a:font script="Hans" typeface="宋体"/>
+        <a:font script="Hant" typeface="新細明體"/>
+        <a:font script="Arab" typeface="Arial"/>
+        <a:font script="Hebr" typeface="Arial"/>
+        <a:font script="Thai" typeface="Cordia New"/>
+        <a:font script="Ethi" typeface="Nyala"/>
+        <a:font script="Beng" typeface="Vrinda"/>
+        <a:font script="Gujr" typeface="Shruti"/>
+        <a:font script="Khmr" typeface="DaunPenh"/>
+        <a:font script="Knda" typeface="Tunga"/>
+        <a:font script="Guru" typeface="Raavi"/>
+        <a:font script="Cans" typeface="Euphemia"/>
+        <a:font script="Cher" typeface="Plantagenet Cherokee"/>
+        <a:font script="Yiii" typeface="Microsoft Yi Baiti"/>
+        <a:font script="Tibt" typeface="Microsoft Himalaya"/>
+        <a:font script="Thaa" typeface="MV Boli"/>
+        <a:font script="Deva" typeface="Mangal"/>
+        <a:font script="Telu" typeface="Gautami"/>
+        <a:font script="Taml" typeface="Latha"/>
+        <a:font script="Syrc" typeface="Estrangelo Edessa"/>
+        <a:font script="Orya" typeface="Kalinga"/>
+        <a:font script="Mlym" typeface="Kartika"/>
+        <a:font script="Laoo" typeface="DokChampa"/>
+        <a:font script="Sinh" typeface="Iskoola Pota"/>
+        <a:font script="Mong" typeface="Mongolian Baiti"/>
+        <a:font script="Viet" typeface="Arial"/>
+        <a:font script="Uigh" typeface="Microsoft Uighur"/>
+        <a:font script="Geor" typeface="Sylfaen"/>
+      </a:minorFont>
+    </a:fontScheme>
+    <a:fmtScheme name="Office">
+      <a:fillStyleLst>
+        <a:solidFill>
+          <a:schemeClr val="phClr"/>
+        </a:solidFill>
+        <a:gradFill rotWithShape="1">
+          <a:gsLst>
+            <a:gs pos="0">
+              <a:schemeClr val="phClr">
+                <a:tint val="50000"/>
+                <a:satMod val="300000"/>
+              </a:schemeClr>
+            </a:gs>
+            <a:gs pos="35000">
+              <a:schemeClr val="phClr">
+                <a:tint val="37000"/>
+                <a:satMod val="300000"/>
+              </a:schemeClr>
+            </a:gs>
+            <a:gs pos="100000">
+              <a:schemeClr val="phClr">
+                <a:tint val="15000"/>
+                <a:satMod val="350000"/>
+              </a:schemeClr>
+            </a:gs>
+          </a:gsLst>
+          <a:lin ang="16200000" scaled="1"/>
+        </a:gradFill>
+        <a:gradFill rotWithShape="1">
+          <a:gsLst>
+            <a:gs pos="0">
+              <a:schemeClr val="phClr">
+                <a:tint val="100000"/>
+                <a:shade val="100000"/>
+                <a:satMod val="130000"/>
+              </a:schemeClr>
+            </a:gs>
+            <a:gs pos="100000">
+              <a:schemeClr val="phClr">
+                <a:tint val="50000"/>
+                <a:shade val="100000"/>
+                <a:satMod val="350000"/>
+              </a:schemeClr>
+            </a:gs>
+          </a:gsLst>
+          <a:lin ang="16200000" scaled="0"/>
+        </a:gradFill>
+      </a:fillStyleLst>
+      <a:lnStyleLst>
+        <a:ln w="9525" cap="flat" cmpd="sng" algn="ctr">
+          <a:solidFill>
+            <a:schemeClr val="phClr">
+              <a:shade val="95000"/>
+              <a:satMod val="105000"/>
+            </a:schemeClr>
+          </a:solidFill>
+          <a:prstDash val="solid"/>
+        </a:ln>
+        <a:ln w="25400" cap="flat" cmpd="sng" algn="ctr">
+          <a:solidFill>
+            <a:schemeClr val="phClr"/>
+          </a:solidFill>
+          <a:prstDash val="solid"/>
+        </a:ln>
+        <a:ln w="38100" cap="flat" cmpd="sng" algn="ctr">
+          <a:solidFill>
+            <a:schemeClr val="phClr"/>
+          </a:solidFill>
+          <a:prstDash val="solid"/>
+        </a:ln>
+      </a:lnStyleLst>
+      <a:effectStyleLst>
+        <a:effectStyle>
+          <a:effectLst>
+            <a:outerShdw blurRad="40000" dist="20000" dir="5400000" rotWithShape="0">
+              <a:srgbClr val="000000">
+                <a:alpha val="38000"/>
+              </a:srgbClr>
+            </a:outerShdw>
+          </a:effectLst>
+        </a:effectStyle>
+        <a:effectStyle>
+          <a:effectLst>
+            <a:outerShdw blurRad="40000" dist="23000" dir="5400000" rotWithShape="0">
+              <a:srgbClr val="000000">
+                <a:alpha val="35000"/>
+              </a:srgbClr>
+            </a:outerShdw>
+          </a:effectLst>
+        </a:effectStyle>
+        <a:effectStyle>
+          <a:effectLst>
+            <a:outerShdw blurRad="40000" dist="23000" dir="5400000" rotWithShape="0">
+              <a:srgbClr val="000000">
+                <a:alpha val="35000"/>
+              </a:srgbClr>
+            </a:outerShdw>
+          </a:effectLst>
+          <a:scene3d>
+            <a:camera prst="orthographicFront">
+              <a:rot lat="0" lon="0" rev="0"/>
+            </a:camera>
+            <a:lightRig rig="threePt" dir="t">
+              <a:rot lat="0" lon="0" rev="1200000"/>
+            </a:lightRig>
+          </a:scene3d>
+          <a:sp3d>
+            <a:bevelT w="63500" h="25400"/>
+          </a:sp3d>
+        </a:effectStyle>
+      </a:effectStyleLst>
+      <a:bgFillStyleLst>
+        <a:solidFill>
+          <a:schemeClr val="phClr"/>
+        </a:solidFill>
+        <a:gradFill rotWithShape="1">
+          <a:gsLst>
+            <a:gs pos="0">
+              <a:schemeClr val="phClr">
+                <a:tint val="40000"/>
+                <a:satMod val="350000"/>
+              </a:schemeClr>
+            </a:gs>
+            <a:gs pos="40000">
+              <a:schemeClr val="phClr">
+                <a:tint val="45000"/>
+                <a:shade val="99000"/>
+                <a:satMod val="350000"/>
+              </a:schemeClr>
+            </a:gs>
+            <a:gs pos="100000">
+              <a:schemeClr val="phClr">
+                <a:shade val="20000"/>
+                <a:satMod val="255000"/>
+              </a:schemeClr>
+            </a:gs>
+          </a:gsLst>
+          <a:path path="circle">
+            <a:fillToRect l="50000" t="-80000" r="50000" b="180000"/>
+          </a:path>
+        </a:gradFill>
+        <a:gradFill rotWithShape="1">
+          <a:gsLst>
+            <a:gs pos="0">
+              <a:schemeClr val="phClr">
+                <a:tint val="80000"/>
+                <a:satMod val="300000"/>
+              </a:schemeClr>
+            </a:gs>
+            <a:gs pos="100000">
+              <a:schemeClr val="phClr">
+                <a:shade val="30000"/>
+                <a:satMod val="200000"/>
+              </a:schemeClr>
+            </a:gs>
+          </a:gsLst>
+          <a:path path="circle">
+            <a:fillToRect l="50000" t="50000" r="50000" b="50000"/>
+          </a:path>
+        </a:gradFill>
+      </a:bgFillStyleLst>
+    </a:fmtScheme>
+  </a:themeElements>
+</a:theme>
+</file>
+
+<file path=ppt/theme/theme2.xml><?xml version="1.0" encoding="utf-8"?>
+<a:theme xmlns:a="http://schemas.openxmlformats.org/drawingml/2006/main" xmlns:r="http://schemas.openxmlformats.org/officeDocument/2006/relationships" name="Simple Light">
   <a:themeElements>
     <a:clrScheme name="Simple Light">
       <a:dk1>
@@ -10194,288 +10243,5 @@
       </a:bgFillStyleLst>
     </a:fmtScheme>
   </a:themeElements>
-  <a:objectDefaults/>
-  <a:extraClrSchemeLst/>
-</a:theme>
-</file>
-
-<file path=ppt/theme/theme2.xml><?xml version="1.0" encoding="utf-8"?>
-<a:theme xmlns:a="http://schemas.openxmlformats.org/drawingml/2006/main">
-  <a:themeElements>
-    <a:clrScheme name="Default">
-      <a:dk1>
-        <a:srgbClr val="000000"/>
-      </a:dk1>
-      <a:lt1>
-        <a:srgbClr val="FFFFFF"/>
-      </a:lt1>
-      <a:dk2>
-        <a:srgbClr val="158158"/>
-      </a:dk2>
-      <a:lt2>
-        <a:srgbClr val="F3F3F3"/>
-      </a:lt2>
-      <a:accent1>
-        <a:srgbClr val="058DC7"/>
-      </a:accent1>
-      <a:accent2>
-        <a:srgbClr val="50B432"/>
-      </a:accent2>
-      <a:accent3>
-        <a:srgbClr val="ED561B"/>
-      </a:accent3>
-      <a:accent4>
-        <a:srgbClr val="EDEF00"/>
-      </a:accent4>
-      <a:accent5>
-        <a:srgbClr val="24CBE5"/>
-      </a:accent5>
-      <a:accent6>
-        <a:srgbClr val="64E572"/>
-      </a:accent6>
-      <a:hlink>
-        <a:srgbClr val="2200CC"/>
-      </a:hlink>
-      <a:folHlink>
-        <a:srgbClr val="551A8B"/>
-      </a:folHlink>
-    </a:clrScheme>
-    <a:fontScheme name="Office">
-      <a:majorFont>
-        <a:latin typeface="Arial"/>
-        <a:ea typeface=""/>
-        <a:cs typeface=""/>
-        <a:font script="Jpan" typeface="ＭＳ Ｐゴシック"/>
-        <a:font script="Hang" typeface="맑은 고딕"/>
-        <a:font script="Hans" typeface="宋体"/>
-        <a:font script="Hant" typeface="新細明體"/>
-        <a:font script="Arab" typeface="Times New Roman"/>
-        <a:font script="Hebr" typeface="Times New Roman"/>
-        <a:font script="Thai" typeface="Angsana New"/>
-        <a:font script="Ethi" typeface="Nyala"/>
-        <a:font script="Beng" typeface="Vrinda"/>
-        <a:font script="Gujr" typeface="Shruti"/>
-        <a:font script="Khmr" typeface="MoolBoran"/>
-        <a:font script="Knda" typeface="Tunga"/>
-        <a:font script="Guru" typeface="Raavi"/>
-        <a:font script="Cans" typeface="Euphemia"/>
-        <a:font script="Cher" typeface="Plantagenet Cherokee"/>
-        <a:font script="Yiii" typeface="Microsoft Yi Baiti"/>
-        <a:font script="Tibt" typeface="Microsoft Himalaya"/>
-        <a:font script="Thaa" typeface="MV Boli"/>
-        <a:font script="Deva" typeface="Mangal"/>
-        <a:font script="Telu" typeface="Gautami"/>
-        <a:font script="Taml" typeface="Latha"/>
-        <a:font script="Syrc" typeface="Estrangelo Edessa"/>
-        <a:font script="Orya" typeface="Kalinga"/>
-        <a:font script="Mlym" typeface="Kartika"/>
-        <a:font script="Laoo" typeface="DokChampa"/>
-        <a:font script="Sinh" typeface="Iskoola Pota"/>
-        <a:font script="Mong" typeface="Mongolian Baiti"/>
-        <a:font script="Viet" typeface="Times New Roman"/>
-        <a:font script="Uigh" typeface="Microsoft Uighur"/>
-        <a:font script="Geor" typeface="Sylfaen"/>
-      </a:majorFont>
-      <a:minorFont>
-        <a:latin typeface="Arial"/>
-        <a:ea typeface=""/>
-        <a:cs typeface=""/>
-        <a:font script="Jpan" typeface="ＭＳ Ｐゴシック"/>
-        <a:font script="Hang" typeface="맑은 고딕"/>
-        <a:font script="Hans" typeface="宋体"/>
-        <a:font script="Hant" typeface="新細明體"/>
-        <a:font script="Arab" typeface="Arial"/>
-        <a:font script="Hebr" typeface="Arial"/>
-        <a:font script="Thai" typeface="Cordia New"/>
-        <a:font script="Ethi" typeface="Nyala"/>
-        <a:font script="Beng" typeface="Vrinda"/>
-        <a:font script="Gujr" typeface="Shruti"/>
-        <a:font script="Khmr" typeface="DaunPenh"/>
-        <a:font script="Knda" typeface="Tunga"/>
-        <a:font script="Guru" typeface="Raavi"/>
-        <a:font script="Cans" typeface="Euphemia"/>
-        <a:font script="Cher" typeface="Plantagenet Cherokee"/>
-        <a:font script="Yiii" typeface="Microsoft Yi Baiti"/>
-        <a:font script="Tibt" typeface="Microsoft Himalaya"/>
-        <a:font script="Thaa" typeface="MV Boli"/>
-        <a:font script="Deva" typeface="Mangal"/>
-        <a:font script="Telu" typeface="Gautami"/>
-        <a:font script="Taml" typeface="Latha"/>
-        <a:font script="Syrc" typeface="Estrangelo Edessa"/>
-        <a:font script="Orya" typeface="Kalinga"/>
-        <a:font script="Mlym" typeface="Kartika"/>
-        <a:font script="Laoo" typeface="DokChampa"/>
-        <a:font script="Sinh" typeface="Iskoola Pota"/>
-        <a:font script="Mong" typeface="Mongolian Baiti"/>
-        <a:font script="Viet" typeface="Arial"/>
-        <a:font script="Uigh" typeface="Microsoft Uighur"/>
-        <a:font script="Geor" typeface="Sylfaen"/>
-      </a:minorFont>
-    </a:fontScheme>
-    <a:fmtScheme name="Office">
-      <a:fillStyleLst>
-        <a:solidFill>
-          <a:schemeClr val="phClr"/>
-        </a:solidFill>
-        <a:gradFill rotWithShape="1">
-          <a:gsLst>
-            <a:gs pos="0">
-              <a:schemeClr val="phClr">
-                <a:tint val="50000"/>
-                <a:satMod val="300000"/>
-              </a:schemeClr>
-            </a:gs>
-            <a:gs pos="35000">
-              <a:schemeClr val="phClr">
-                <a:tint val="37000"/>
-                <a:satMod val="300000"/>
-              </a:schemeClr>
-            </a:gs>
-            <a:gs pos="100000">
-              <a:schemeClr val="phClr">
-                <a:tint val="15000"/>
-                <a:satMod val="350000"/>
-              </a:schemeClr>
-            </a:gs>
-          </a:gsLst>
-          <a:lin ang="16200000" scaled="1"/>
-        </a:gradFill>
-        <a:gradFill rotWithShape="1">
-          <a:gsLst>
-            <a:gs pos="0">
-              <a:schemeClr val="phClr">
-                <a:tint val="100000"/>
-                <a:shade val="100000"/>
-                <a:satMod val="130000"/>
-              </a:schemeClr>
-            </a:gs>
-            <a:gs pos="100000">
-              <a:schemeClr val="phClr">
-                <a:tint val="50000"/>
-                <a:shade val="100000"/>
-                <a:satMod val="350000"/>
-              </a:schemeClr>
-            </a:gs>
-          </a:gsLst>
-          <a:lin ang="16200000" scaled="0"/>
-        </a:gradFill>
-      </a:fillStyleLst>
-      <a:lnStyleLst>
-        <a:ln w="9525" cap="flat" cmpd="sng" algn="ctr">
-          <a:solidFill>
-            <a:schemeClr val="phClr">
-              <a:shade val="95000"/>
-              <a:satMod val="105000"/>
-            </a:schemeClr>
-          </a:solidFill>
-          <a:prstDash val="solid"/>
-        </a:ln>
-        <a:ln w="25400" cap="flat" cmpd="sng" algn="ctr">
-          <a:solidFill>
-            <a:schemeClr val="phClr"/>
-          </a:solidFill>
-          <a:prstDash val="solid"/>
-        </a:ln>
-        <a:ln w="38100" cap="flat" cmpd="sng" algn="ctr">
-          <a:solidFill>
-            <a:schemeClr val="phClr"/>
-          </a:solidFill>
-          <a:prstDash val="solid"/>
-        </a:ln>
-      </a:lnStyleLst>
-      <a:effectStyleLst>
-        <a:effectStyle>
-          <a:effectLst>
-            <a:outerShdw blurRad="40000" dist="20000" dir="5400000" rotWithShape="0">
-              <a:srgbClr val="000000">
-                <a:alpha val="38000"/>
-              </a:srgbClr>
-            </a:outerShdw>
-          </a:effectLst>
-        </a:effectStyle>
-        <a:effectStyle>
-          <a:effectLst>
-            <a:outerShdw blurRad="40000" dist="23000" dir="5400000" rotWithShape="0">
-              <a:srgbClr val="000000">
-                <a:alpha val="35000"/>
-              </a:srgbClr>
-            </a:outerShdw>
-          </a:effectLst>
-        </a:effectStyle>
-        <a:effectStyle>
-          <a:effectLst>
-            <a:outerShdw blurRad="40000" dist="23000" dir="5400000" rotWithShape="0">
-              <a:srgbClr val="000000">
-                <a:alpha val="35000"/>
-              </a:srgbClr>
-            </a:outerShdw>
-          </a:effectLst>
-          <a:scene3d>
-            <a:camera prst="orthographicFront">
-              <a:rot lat="0" lon="0" rev="0"/>
-            </a:camera>
-            <a:lightRig rig="threePt" dir="t">
-              <a:rot lat="0" lon="0" rev="1200000"/>
-            </a:lightRig>
-          </a:scene3d>
-          <a:sp3d>
-            <a:bevelT w="63500" h="25400"/>
-          </a:sp3d>
-        </a:effectStyle>
-      </a:effectStyleLst>
-      <a:bgFillStyleLst>
-        <a:solidFill>
-          <a:schemeClr val="phClr"/>
-        </a:solidFill>
-        <a:gradFill rotWithShape="1">
-          <a:gsLst>
-            <a:gs pos="0">
-              <a:schemeClr val="phClr">
-                <a:tint val="40000"/>
-                <a:satMod val="350000"/>
-              </a:schemeClr>
-            </a:gs>
-            <a:gs pos="40000">
-              <a:schemeClr val="phClr">
-                <a:tint val="45000"/>
-                <a:shade val="99000"/>
-                <a:satMod val="350000"/>
-              </a:schemeClr>
-            </a:gs>
-            <a:gs pos="100000">
-              <a:schemeClr val="phClr">
-                <a:shade val="20000"/>
-                <a:satMod val="255000"/>
-              </a:schemeClr>
-            </a:gs>
-          </a:gsLst>
-          <a:path path="circle">
-            <a:fillToRect l="50000" t="-80000" r="50000" b="180000"/>
-          </a:path>
-        </a:gradFill>
-        <a:gradFill rotWithShape="1">
-          <a:gsLst>
-            <a:gs pos="0">
-              <a:schemeClr val="phClr">
-                <a:tint val="80000"/>
-                <a:satMod val="300000"/>
-              </a:schemeClr>
-            </a:gs>
-            <a:gs pos="100000">
-              <a:schemeClr val="phClr">
-                <a:shade val="30000"/>
-                <a:satMod val="200000"/>
-              </a:schemeClr>
-            </a:gs>
-          </a:gsLst>
-          <a:path path="circle">
-            <a:fillToRect l="50000" t="50000" r="50000" b="50000"/>
-          </a:path>
-        </a:gradFill>
-      </a:bgFillStyleLst>
-    </a:fmtScheme>
-  </a:themeElements>
-  <a:objectDefaults/>
-  <a:extraClrSchemeLst/>
 </a:theme>
 </file>
--- a/CF-Project1.pptx
+++ b/CF-Project1.pptx
@@ -1,35 +1,35 @@
 
 <file path=ppt/presentation.xml><?xml version="1.0" encoding="utf-8"?>
-<p:presentation xmlns:a="http://schemas.openxmlformats.org/drawingml/2006/main" xmlns:r="http://schemas.openxmlformats.org/officeDocument/2006/relationships" xmlns:mc="http://schemas.openxmlformats.org/markup-compatibility/2006" xmlns:mv="urn:schemas-microsoft-com:mac:vml" xmlns:p="http://schemas.openxmlformats.org/presentationml/2006/main" xmlns:c="http://schemas.openxmlformats.org/drawingml/2006/chart" xmlns:dgm="http://schemas.openxmlformats.org/drawingml/2006/diagram" xmlns:o="urn:schemas-microsoft-com:office:office" xmlns:v="urn:schemas-microsoft-com:vml" xmlns:pvml="urn:schemas-microsoft-com:office:powerpoint" xmlns:com="http://schemas.openxmlformats.org/drawingml/2006/compatibility" xmlns:p14="http://schemas.microsoft.com/office/powerpoint/2010/main" xmlns:p15="http://schemas.microsoft.com/office/powerpoint/2012/main" xmlns:ahyp="http://schemas.microsoft.com/office/drawing/2018/hyperlinkcolor" autoCompressPictures="0" strictFirstAndLastChars="0" saveSubsetFonts="1">
+<p:presentation xmlns:a="http://schemas.openxmlformats.org/drawingml/2006/main" xmlns:r="http://schemas.openxmlformats.org/officeDocument/2006/relationships" xmlns:p="http://schemas.openxmlformats.org/presentationml/2006/main" strictFirstAndLastChars="0" saveSubsetFonts="1" autoCompressPictures="0">
   <p:sldMasterIdLst>
-    <p:sldMasterId id="2147483659" r:id="rId4"/>
+    <p:sldMasterId id="2147483659" r:id="rId1"/>
   </p:sldMasterIdLst>
   <p:notesMasterIdLst>
-    <p:notesMasterId r:id="rId5"/>
+    <p:notesMasterId r:id="rId19"/>
   </p:notesMasterIdLst>
   <p:sldIdLst>
-    <p:sldId id="256" r:id="rId6"/>
-    <p:sldId id="257" r:id="rId7"/>
-    <p:sldId id="258" r:id="rId8"/>
-    <p:sldId id="259" r:id="rId9"/>
-    <p:sldId id="260" r:id="rId10"/>
-    <p:sldId id="261" r:id="rId11"/>
-    <p:sldId id="262" r:id="rId12"/>
-    <p:sldId id="263" r:id="rId13"/>
-    <p:sldId id="264" r:id="rId14"/>
-    <p:sldId id="265" r:id="rId15"/>
-    <p:sldId id="266" r:id="rId16"/>
-    <p:sldId id="267" r:id="rId17"/>
-    <p:sldId id="268" r:id="rId18"/>
-    <p:sldId id="269" r:id="rId19"/>
-    <p:sldId id="270" r:id="rId20"/>
-    <p:sldId id="271" r:id="rId21"/>
-    <p:sldId id="272" r:id="rId22"/>
+    <p:sldId id="256" r:id="rId2"/>
+    <p:sldId id="257" r:id="rId3"/>
+    <p:sldId id="258" r:id="rId4"/>
+    <p:sldId id="259" r:id="rId5"/>
+    <p:sldId id="260" r:id="rId6"/>
+    <p:sldId id="261" r:id="rId7"/>
+    <p:sldId id="262" r:id="rId8"/>
+    <p:sldId id="263" r:id="rId9"/>
+    <p:sldId id="264" r:id="rId10"/>
+    <p:sldId id="265" r:id="rId11"/>
+    <p:sldId id="266" r:id="rId12"/>
+    <p:sldId id="267" r:id="rId13"/>
+    <p:sldId id="268" r:id="rId14"/>
+    <p:sldId id="269" r:id="rId15"/>
+    <p:sldId id="270" r:id="rId16"/>
+    <p:sldId id="271" r:id="rId17"/>
+    <p:sldId id="272" r:id="rId18"/>
   </p:sldIdLst>
-  <p:sldSz cy="5143500" cx="9144000"/>
+  <p:sldSz cx="9144000" cy="5143500" type="screen16x9"/>
   <p:notesSz cx="6858000" cy="9144000"/>
   <p:defaultTextStyle>
-    <a:defPPr lvl="0" marR="0" rtl="0" algn="l">
+    <a:defPPr marR="0" lvl="0" algn="l" rtl="0">
       <a:lnSpc>
         <a:spcPct val="100000"/>
       </a:lnSpc>
@@ -40,7 +40,7 @@
         <a:spcPts val="0"/>
       </a:spcAft>
     </a:defPPr>
-    <a:lvl1pPr lvl="0" marR="0" rtl="0" algn="l">
+    <a:lvl1pPr marR="0" lvl="0" algn="l" rtl="0">
       <a:lnSpc>
         <a:spcPct val="100000"/>
       </a:lnSpc>
@@ -54,7 +54,7 @@
         <a:srgbClr val="000000"/>
       </a:buClr>
       <a:buFont typeface="Arial"/>
-      <a:defRPr b="0" i="0" sz="1400" u="none" cap="none" strike="noStrike">
+      <a:defRPr sz="1400" b="0" i="0" u="none" strike="noStrike" cap="none">
         <a:solidFill>
           <a:srgbClr val="000000"/>
         </a:solidFill>
@@ -64,7 +64,7 @@
         <a:sym typeface="Arial"/>
       </a:defRPr>
     </a:lvl1pPr>
-    <a:lvl2pPr lvl="1" marR="0" rtl="0" algn="l">
+    <a:lvl2pPr marR="0" lvl="1" algn="l" rtl="0">
       <a:lnSpc>
         <a:spcPct val="100000"/>
       </a:lnSpc>
@@ -78,7 +78,7 @@
         <a:srgbClr val="000000"/>
       </a:buClr>
       <a:buFont typeface="Arial"/>
-      <a:defRPr b="0" i="0" sz="1400" u="none" cap="none" strike="noStrike">
+      <a:defRPr sz="1400" b="0" i="0" u="none" strike="noStrike" cap="none">
         <a:solidFill>
           <a:srgbClr val="000000"/>
         </a:solidFill>
@@ -88,7 +88,7 @@
         <a:sym typeface="Arial"/>
       </a:defRPr>
     </a:lvl2pPr>
-    <a:lvl3pPr lvl="2" marR="0" rtl="0" algn="l">
+    <a:lvl3pPr marR="0" lvl="2" algn="l" rtl="0">
       <a:lnSpc>
         <a:spcPct val="100000"/>
       </a:lnSpc>
@@ -102,7 +102,7 @@
         <a:srgbClr val="000000"/>
       </a:buClr>
       <a:buFont typeface="Arial"/>
-      <a:defRPr b="0" i="0" sz="1400" u="none" cap="none" strike="noStrike">
+      <a:defRPr sz="1400" b="0" i="0" u="none" strike="noStrike" cap="none">
         <a:solidFill>
           <a:srgbClr val="000000"/>
         </a:solidFill>
@@ -112,7 +112,7 @@
         <a:sym typeface="Arial"/>
       </a:defRPr>
     </a:lvl3pPr>
-    <a:lvl4pPr lvl="3" marR="0" rtl="0" algn="l">
+    <a:lvl4pPr marR="0" lvl="3" algn="l" rtl="0">
       <a:lnSpc>
         <a:spcPct val="100000"/>
       </a:lnSpc>
@@ -126,7 +126,7 @@
         <a:srgbClr val="000000"/>
       </a:buClr>
       <a:buFont typeface="Arial"/>
-      <a:defRPr b="0" i="0" sz="1400" u="none" cap="none" strike="noStrike">
+      <a:defRPr sz="1400" b="0" i="0" u="none" strike="noStrike" cap="none">
         <a:solidFill>
           <a:srgbClr val="000000"/>
         </a:solidFill>
@@ -136,7 +136,7 @@
         <a:sym typeface="Arial"/>
       </a:defRPr>
     </a:lvl4pPr>
-    <a:lvl5pPr lvl="4" marR="0" rtl="0" algn="l">
+    <a:lvl5pPr marR="0" lvl="4" algn="l" rtl="0">
       <a:lnSpc>
         <a:spcPct val="100000"/>
       </a:lnSpc>
@@ -150,7 +150,7 @@
         <a:srgbClr val="000000"/>
       </a:buClr>
       <a:buFont typeface="Arial"/>
-      <a:defRPr b="0" i="0" sz="1400" u="none" cap="none" strike="noStrike">
+      <a:defRPr sz="1400" b="0" i="0" u="none" strike="noStrike" cap="none">
         <a:solidFill>
           <a:srgbClr val="000000"/>
         </a:solidFill>
@@ -160,7 +160,7 @@
         <a:sym typeface="Arial"/>
       </a:defRPr>
     </a:lvl5pPr>
-    <a:lvl6pPr lvl="5" marR="0" rtl="0" algn="l">
+    <a:lvl6pPr marR="0" lvl="5" algn="l" rtl="0">
       <a:lnSpc>
         <a:spcPct val="100000"/>
       </a:lnSpc>
@@ -174,7 +174,7 @@
         <a:srgbClr val="000000"/>
       </a:buClr>
       <a:buFont typeface="Arial"/>
-      <a:defRPr b="0" i="0" sz="1400" u="none" cap="none" strike="noStrike">
+      <a:defRPr sz="1400" b="0" i="0" u="none" strike="noStrike" cap="none">
         <a:solidFill>
           <a:srgbClr val="000000"/>
         </a:solidFill>
@@ -184,7 +184,7 @@
         <a:sym typeface="Arial"/>
       </a:defRPr>
     </a:lvl6pPr>
-    <a:lvl7pPr lvl="6" marR="0" rtl="0" algn="l">
+    <a:lvl7pPr marR="0" lvl="6" algn="l" rtl="0">
       <a:lnSpc>
         <a:spcPct val="100000"/>
       </a:lnSpc>
@@ -198,7 +198,7 @@
         <a:srgbClr val="000000"/>
       </a:buClr>
       <a:buFont typeface="Arial"/>
-      <a:defRPr b="0" i="0" sz="1400" u="none" cap="none" strike="noStrike">
+      <a:defRPr sz="1400" b="0" i="0" u="none" strike="noStrike" cap="none">
         <a:solidFill>
           <a:srgbClr val="000000"/>
         </a:solidFill>
@@ -208,7 +208,7 @@
         <a:sym typeface="Arial"/>
       </a:defRPr>
     </a:lvl7pPr>
-    <a:lvl8pPr lvl="7" marR="0" rtl="0" algn="l">
+    <a:lvl8pPr marR="0" lvl="7" algn="l" rtl="0">
       <a:lnSpc>
         <a:spcPct val="100000"/>
       </a:lnSpc>
@@ -222,7 +222,7 @@
         <a:srgbClr val="000000"/>
       </a:buClr>
       <a:buFont typeface="Arial"/>
-      <a:defRPr b="0" i="0" sz="1400" u="none" cap="none" strike="noStrike">
+      <a:defRPr sz="1400" b="0" i="0" u="none" strike="noStrike" cap="none">
         <a:solidFill>
           <a:srgbClr val="000000"/>
         </a:solidFill>
@@ -232,7 +232,7 @@
         <a:sym typeface="Arial"/>
       </a:defRPr>
     </a:lvl8pPr>
-    <a:lvl9pPr lvl="8" marR="0" rtl="0" algn="l">
+    <a:lvl9pPr marR="0" lvl="8" algn="l" rtl="0">
       <a:lnSpc>
         <a:spcPct val="100000"/>
       </a:lnSpc>
@@ -246,7 +246,7 @@
         <a:srgbClr val="000000"/>
       </a:buClr>
       <a:buFont typeface="Arial"/>
-      <a:defRPr b="0" i="0" sz="1400" u="none" cap="none" strike="noStrike">
+      <a:defRPr sz="1400" b="0" i="0" u="none" strike="noStrike" cap="none">
         <a:solidFill>
           <a:srgbClr val="000000"/>
         </a:solidFill>
@@ -259,7 +259,7 @@
   </p:defaultTextStyle>
   <p:extLst>
     <p:ext uri="{EFAFB233-063F-42B5-8137-9DF3F51BA10A}">
-      <p15:sldGuideLst>
+      <p15:sldGuideLst xmlns:ahyp="http://schemas.microsoft.com/office/drawing/2018/hyperlinkcolor" xmlns:p15="http://schemas.microsoft.com/office/powerpoint/2012/main" xmlns:p14="http://schemas.microsoft.com/office/powerpoint/2010/main" xmlns:com="http://schemas.openxmlformats.org/drawingml/2006/compatibility" xmlns:pvml="urn:schemas-microsoft-com:office:powerpoint" xmlns:v="urn:schemas-microsoft-com:vml" xmlns:o="urn:schemas-microsoft-com:office:office" xmlns:dgm="http://schemas.openxmlformats.org/drawingml/2006/diagram" xmlns:c="http://schemas.openxmlformats.org/drawingml/2006/chart" xmlns:mv="urn:schemas-microsoft-com:mac:vml" xmlns:mc="http://schemas.openxmlformats.org/markup-compatibility/2006" xmlns="">
         <p15:guide id="1" orient="horz" pos="1620">
           <p15:clr>
             <a:srgbClr val="A4A3A4"/>
@@ -277,11 +277,16 @@
 </file>
 
 <file path=ppt/notesMasters/notesMaster1.xml><?xml version="1.0" encoding="utf-8"?>
-<p:notesMaster xmlns:a="http://schemas.openxmlformats.org/drawingml/2006/main" xmlns:r="http://schemas.openxmlformats.org/officeDocument/2006/relationships" xmlns:mc="http://schemas.openxmlformats.org/markup-compatibility/2006" xmlns:mv="urn:schemas-microsoft-com:mac:vml" xmlns:p="http://schemas.openxmlformats.org/presentationml/2006/main" xmlns:c="http://schemas.openxmlformats.org/drawingml/2006/chart" xmlns:dgm="http://schemas.openxmlformats.org/drawingml/2006/diagram" xmlns:o="urn:schemas-microsoft-com:office:office" xmlns:v="urn:schemas-microsoft-com:vml" xmlns:pvml="urn:schemas-microsoft-com:office:powerpoint" xmlns:com="http://schemas.openxmlformats.org/drawingml/2006/compatibility" xmlns:p14="http://schemas.microsoft.com/office/powerpoint/2010/main" xmlns:p15="http://schemas.microsoft.com/office/powerpoint/2012/main" xmlns:ahyp="http://schemas.microsoft.com/office/drawing/2018/hyperlinkcolor">
+<p:notesMaster xmlns:a="http://schemas.openxmlformats.org/drawingml/2006/main" xmlns:r="http://schemas.openxmlformats.org/officeDocument/2006/relationships" xmlns:p="http://schemas.openxmlformats.org/presentationml/2006/main">
   <p:cSld>
+    <p:bg>
+      <p:bgRef idx="1001">
+        <a:schemeClr val="bg1"/>
+      </p:bgRef>
+    </p:bg>
     <p:spTree>
       <p:nvGrpSpPr>
-        <p:cNvPr id="2" name="Shape 2"/>
+        <p:cNvPr id="1" name="Shape 2"/>
         <p:cNvGrpSpPr/>
         <p:nvPr/>
       </p:nvGrpSpPr>
@@ -296,9 +301,11 @@
       <p:sp>
         <p:nvSpPr>
           <p:cNvPr id="3" name="Google Shape;3;n"/>
-          <p:cNvSpPr/>
+          <p:cNvSpPr>
+            <a:spLocks noGrp="1" noRot="1" noChangeAspect="1"/>
+          </p:cNvSpPr>
           <p:nvPr>
-            <p:ph idx="2" type="sldImg"/>
+            <p:ph type="sldImg" idx="2"/>
           </p:nvPr>
         </p:nvSpPr>
         <p:spPr>
@@ -307,9 +314,13 @@
             <a:ext cx="6096075" cy="3429000"/>
           </a:xfrm>
           <a:custGeom>
-            <a:rect b="b" l="l" r="r" t="t"/>
+            <a:avLst/>
+            <a:gdLst/>
+            <a:ahLst/>
+            <a:cxnLst/>
+            <a:rect l="l" t="t" r="r" b="b"/>
             <a:pathLst>
-              <a:path extrusionOk="0" h="120000" w="120000">
+              <a:path w="120000" h="120000" extrusionOk="0">
                 <a:moveTo>
                   <a:pt x="0" y="0"/>
                 </a:moveTo>
@@ -327,23 +338,25 @@
             </a:pathLst>
           </a:custGeom>
           <a:noFill/>
-          <a:ln cap="flat" cmpd="sng" w="9525">
+          <a:ln w="9525" cap="flat" cmpd="sng">
             <a:solidFill>
               <a:srgbClr val="000000"/>
             </a:solidFill>
             <a:prstDash val="solid"/>
             <a:round/>
-            <a:headEnd len="sm" w="sm" type="none"/>
-            <a:tailEnd len="sm" w="sm" type="none"/>
+            <a:headEnd type="none" w="sm" len="sm"/>
+            <a:tailEnd type="none" w="sm" len="sm"/>
           </a:ln>
         </p:spPr>
       </p:sp>
       <p:sp>
         <p:nvSpPr>
           <p:cNvPr id="4" name="Google Shape;4;n"/>
-          <p:cNvSpPr txBox="1"/>
+          <p:cNvSpPr txBox="1">
+            <a:spLocks noGrp="1"/>
+          </p:cNvSpPr>
           <p:nvPr>
-            <p:ph idx="1" type="body"/>
+            <p:ph type="body" idx="1"/>
           </p:nvPr>
         </p:nvSpPr>
         <p:spPr>
@@ -360,11 +373,11 @@
           </a:ln>
         </p:spPr>
         <p:txBody>
-          <a:bodyPr anchorCtr="0" anchor="t" bIns="91425" lIns="91425" spcFirstLastPara="1" rIns="91425" wrap="square" tIns="91425">
+          <a:bodyPr spcFirstLastPara="1" wrap="square" lIns="91425" tIns="91425" rIns="91425" bIns="91425" anchor="t" anchorCtr="0">
             <a:noAutofit/>
           </a:bodyPr>
           <a:lstStyle>
-            <a:lvl1pPr indent="-298450" lvl="0" marL="457200">
+            <a:lvl1pPr marL="457200" lvl="0" indent="-298450">
               <a:spcBef>
                 <a:spcPts val="0"/>
               </a:spcBef>
@@ -375,7 +388,7 @@
               <a:buChar char="●"/>
               <a:defRPr sz="1100"/>
             </a:lvl1pPr>
-            <a:lvl2pPr indent="-298450" lvl="1" marL="914400">
+            <a:lvl2pPr marL="914400" lvl="1" indent="-298450">
               <a:spcBef>
                 <a:spcPts val="0"/>
               </a:spcBef>
@@ -386,7 +399,7 @@
               <a:buChar char="○"/>
               <a:defRPr sz="1100"/>
             </a:lvl2pPr>
-            <a:lvl3pPr indent="-298450" lvl="2" marL="1371600">
+            <a:lvl3pPr marL="1371600" lvl="2" indent="-298450">
               <a:spcBef>
                 <a:spcPts val="0"/>
               </a:spcBef>
@@ -397,7 +410,7 @@
               <a:buChar char="■"/>
               <a:defRPr sz="1100"/>
             </a:lvl3pPr>
-            <a:lvl4pPr indent="-298450" lvl="3" marL="1828800">
+            <a:lvl4pPr marL="1828800" lvl="3" indent="-298450">
               <a:spcBef>
                 <a:spcPts val="0"/>
               </a:spcBef>
@@ -408,7 +421,7 @@
               <a:buChar char="●"/>
               <a:defRPr sz="1100"/>
             </a:lvl4pPr>
-            <a:lvl5pPr indent="-298450" lvl="4" marL="2286000">
+            <a:lvl5pPr marL="2286000" lvl="4" indent="-298450">
               <a:spcBef>
                 <a:spcPts val="0"/>
               </a:spcBef>
@@ -419,7 +432,7 @@
               <a:buChar char="○"/>
               <a:defRPr sz="1100"/>
             </a:lvl5pPr>
-            <a:lvl6pPr indent="-298450" lvl="5" marL="2743200">
+            <a:lvl6pPr marL="2743200" lvl="5" indent="-298450">
               <a:spcBef>
                 <a:spcPts val="0"/>
               </a:spcBef>
@@ -430,7 +443,7 @@
               <a:buChar char="■"/>
               <a:defRPr sz="1100"/>
             </a:lvl6pPr>
-            <a:lvl7pPr indent="-298450" lvl="6" marL="3200400">
+            <a:lvl7pPr marL="3200400" lvl="6" indent="-298450">
               <a:spcBef>
                 <a:spcPts val="0"/>
               </a:spcBef>
@@ -441,7 +454,7 @@
               <a:buChar char="●"/>
               <a:defRPr sz="1100"/>
             </a:lvl7pPr>
-            <a:lvl8pPr indent="-298450" lvl="7" marL="3657600">
+            <a:lvl8pPr marL="3657600" lvl="7" indent="-298450">
               <a:spcBef>
                 <a:spcPts val="0"/>
               </a:spcBef>
@@ -452,7 +465,7 @@
               <a:buChar char="○"/>
               <a:defRPr sz="1100"/>
             </a:lvl8pPr>
-            <a:lvl9pPr indent="-298450" lvl="8" marL="4114800">
+            <a:lvl9pPr marL="4114800" lvl="8" indent="-298450">
               <a:spcBef>
                 <a:spcPts val="0"/>
               </a:spcBef>
@@ -464,14 +477,21 @@
               <a:defRPr sz="1100"/>
             </a:lvl9pPr>
           </a:lstStyle>
-          <a:p/>
+          <a:p>
+            <a:endParaRPr/>
+          </a:p>
         </p:txBody>
       </p:sp>
     </p:spTree>
+    <p:extLst>
+      <p:ext uri="{BB962C8B-B14F-4D97-AF65-F5344CB8AC3E}">
+        <p14:creationId xmlns:p14="http://schemas.microsoft.com/office/powerpoint/2010/main" val="3316721928"/>
+      </p:ext>
+    </p:extLst>
   </p:cSld>
-  <p:clrMap accent1="accent1" accent2="accent2" accent3="accent3" accent4="accent4" accent5="accent5" accent6="accent6" bg1="lt1" bg2="dk2" tx1="dk1" tx2="lt2" folHlink="folHlink" hlink="hlink"/>
+  <p:clrMap bg1="lt1" tx1="dk1" bg2="dk2" tx2="lt2" accent1="accent1" accent2="accent2" accent3="accent3" accent4="accent4" accent5="accent5" accent6="accent6" hlink="hlink" folHlink="folHlink"/>
   <p:notesStyle>
-    <a:defPPr lvl="0" marR="0" rtl="0" algn="l">
+    <a:defPPr marR="0" lvl="0" algn="l" rtl="0">
       <a:lnSpc>
         <a:spcPct val="100000"/>
       </a:lnSpc>
@@ -482,7 +502,7 @@
         <a:spcPts val="0"/>
       </a:spcAft>
     </a:defPPr>
-    <a:lvl1pPr lvl="0" marR="0" rtl="0" algn="l">
+    <a:lvl1pPr marR="0" lvl="0" algn="l" rtl="0">
       <a:lnSpc>
         <a:spcPct val="100000"/>
       </a:lnSpc>
@@ -496,7 +516,7 @@
         <a:srgbClr val="000000"/>
       </a:buClr>
       <a:buFont typeface="Arial"/>
-      <a:defRPr b="0" i="0" sz="1400" u="none" cap="none" strike="noStrike">
+      <a:defRPr sz="1400" b="0" i="0" u="none" strike="noStrike" cap="none">
         <a:solidFill>
           <a:srgbClr val="000000"/>
         </a:solidFill>
@@ -506,7 +526,7 @@
         <a:sym typeface="Arial"/>
       </a:defRPr>
     </a:lvl1pPr>
-    <a:lvl2pPr lvl="1" marR="0" rtl="0" algn="l">
+    <a:lvl2pPr marR="0" lvl="1" algn="l" rtl="0">
       <a:lnSpc>
         <a:spcPct val="100000"/>
       </a:lnSpc>
@@ -520,7 +540,7 @@
         <a:srgbClr val="000000"/>
       </a:buClr>
       <a:buFont typeface="Arial"/>
-      <a:defRPr b="0" i="0" sz="1400" u="none" cap="none" strike="noStrike">
+      <a:defRPr sz="1400" b="0" i="0" u="none" strike="noStrike" cap="none">
         <a:solidFill>
           <a:srgbClr val="000000"/>
         </a:solidFill>
@@ -530,7 +550,7 @@
         <a:sym typeface="Arial"/>
       </a:defRPr>
     </a:lvl2pPr>
-    <a:lvl3pPr lvl="2" marR="0" rtl="0" algn="l">
+    <a:lvl3pPr marR="0" lvl="2" algn="l" rtl="0">
       <a:lnSpc>
         <a:spcPct val="100000"/>
       </a:lnSpc>
@@ -544,7 +564,7 @@
         <a:srgbClr val="000000"/>
       </a:buClr>
       <a:buFont typeface="Arial"/>
-      <a:defRPr b="0" i="0" sz="1400" u="none" cap="none" strike="noStrike">
+      <a:defRPr sz="1400" b="0" i="0" u="none" strike="noStrike" cap="none">
         <a:solidFill>
           <a:srgbClr val="000000"/>
         </a:solidFill>
@@ -554,7 +574,7 @@
         <a:sym typeface="Arial"/>
       </a:defRPr>
     </a:lvl3pPr>
-    <a:lvl4pPr lvl="3" marR="0" rtl="0" algn="l">
+    <a:lvl4pPr marR="0" lvl="3" algn="l" rtl="0">
       <a:lnSpc>
         <a:spcPct val="100000"/>
       </a:lnSpc>
@@ -568,7 +588,7 @@
         <a:srgbClr val="000000"/>
       </a:buClr>
       <a:buFont typeface="Arial"/>
-      <a:defRPr b="0" i="0" sz="1400" u="none" cap="none" strike="noStrike">
+      <a:defRPr sz="1400" b="0" i="0" u="none" strike="noStrike" cap="none">
         <a:solidFill>
           <a:srgbClr val="000000"/>
         </a:solidFill>
@@ -578,7 +598,7 @@
         <a:sym typeface="Arial"/>
       </a:defRPr>
     </a:lvl4pPr>
-    <a:lvl5pPr lvl="4" marR="0" rtl="0" algn="l">
+    <a:lvl5pPr marR="0" lvl="4" algn="l" rtl="0">
       <a:lnSpc>
         <a:spcPct val="100000"/>
       </a:lnSpc>
@@ -592,7 +612,7 @@
         <a:srgbClr val="000000"/>
       </a:buClr>
       <a:buFont typeface="Arial"/>
-      <a:defRPr b="0" i="0" sz="1400" u="none" cap="none" strike="noStrike">
+      <a:defRPr sz="1400" b="0" i="0" u="none" strike="noStrike" cap="none">
         <a:solidFill>
           <a:srgbClr val="000000"/>
         </a:solidFill>
@@ -602,7 +622,7 @@
         <a:sym typeface="Arial"/>
       </a:defRPr>
     </a:lvl5pPr>
-    <a:lvl6pPr lvl="5" marR="0" rtl="0" algn="l">
+    <a:lvl6pPr marR="0" lvl="5" algn="l" rtl="0">
       <a:lnSpc>
         <a:spcPct val="100000"/>
       </a:lnSpc>
@@ -616,7 +636,7 @@
         <a:srgbClr val="000000"/>
       </a:buClr>
       <a:buFont typeface="Arial"/>
-      <a:defRPr b="0" i="0" sz="1400" u="none" cap="none" strike="noStrike">
+      <a:defRPr sz="1400" b="0" i="0" u="none" strike="noStrike" cap="none">
         <a:solidFill>
           <a:srgbClr val="000000"/>
         </a:solidFill>
@@ -626,7 +646,7 @@
         <a:sym typeface="Arial"/>
       </a:defRPr>
     </a:lvl6pPr>
-    <a:lvl7pPr lvl="6" marR="0" rtl="0" algn="l">
+    <a:lvl7pPr marR="0" lvl="6" algn="l" rtl="0">
       <a:lnSpc>
         <a:spcPct val="100000"/>
       </a:lnSpc>
@@ -640,7 +660,7 @@
         <a:srgbClr val="000000"/>
       </a:buClr>
       <a:buFont typeface="Arial"/>
-      <a:defRPr b="0" i="0" sz="1400" u="none" cap="none" strike="noStrike">
+      <a:defRPr sz="1400" b="0" i="0" u="none" strike="noStrike" cap="none">
         <a:solidFill>
           <a:srgbClr val="000000"/>
         </a:solidFill>
@@ -650,7 +670,7 @@
         <a:sym typeface="Arial"/>
       </a:defRPr>
     </a:lvl7pPr>
-    <a:lvl8pPr lvl="7" marR="0" rtl="0" algn="l">
+    <a:lvl8pPr marR="0" lvl="7" algn="l" rtl="0">
       <a:lnSpc>
         <a:spcPct val="100000"/>
       </a:lnSpc>
@@ -664,7 +684,7 @@
         <a:srgbClr val="000000"/>
       </a:buClr>
       <a:buFont typeface="Arial"/>
-      <a:defRPr b="0" i="0" sz="1400" u="none" cap="none" strike="noStrike">
+      <a:defRPr sz="1400" b="0" i="0" u="none" strike="noStrike" cap="none">
         <a:solidFill>
           <a:srgbClr val="000000"/>
         </a:solidFill>
@@ -674,7 +694,7 @@
         <a:sym typeface="Arial"/>
       </a:defRPr>
     </a:lvl8pPr>
-    <a:lvl9pPr lvl="8" marR="0" rtl="0" algn="l">
+    <a:lvl9pPr marR="0" lvl="8" algn="l" rtl="0">
       <a:lnSpc>
         <a:spcPct val="100000"/>
       </a:lnSpc>
@@ -688,7 +708,7 @@
         <a:srgbClr val="000000"/>
       </a:buClr>
       <a:buFont typeface="Arial"/>
-      <a:defRPr b="0" i="0" sz="1400" u="none" cap="none" strike="noStrike">
+      <a:defRPr sz="1400" b="0" i="0" u="none" strike="noStrike" cap="none">
         <a:solidFill>
           <a:srgbClr val="000000"/>
         </a:solidFill>
@@ -703,11 +723,11 @@
 </file>
 
 <file path=ppt/notesSlides/notesSlide1.xml><?xml version="1.0" encoding="utf-8"?>
-<p:notes xmlns:a="http://schemas.openxmlformats.org/drawingml/2006/main" xmlns:r="http://schemas.openxmlformats.org/officeDocument/2006/relationships" xmlns:mc="http://schemas.openxmlformats.org/markup-compatibility/2006" xmlns:mv="urn:schemas-microsoft-com:mac:vml" xmlns:p="http://schemas.openxmlformats.org/presentationml/2006/main" xmlns:c="http://schemas.openxmlformats.org/drawingml/2006/chart" xmlns:dgm="http://schemas.openxmlformats.org/drawingml/2006/diagram" xmlns:o="urn:schemas-microsoft-com:office:office" xmlns:v="urn:schemas-microsoft-com:vml" xmlns:pvml="urn:schemas-microsoft-com:office:powerpoint" xmlns:com="http://schemas.openxmlformats.org/drawingml/2006/compatibility" xmlns:p14="http://schemas.microsoft.com/office/powerpoint/2010/main" xmlns:p15="http://schemas.microsoft.com/office/powerpoint/2012/main" xmlns:ahyp="http://schemas.microsoft.com/office/drawing/2018/hyperlinkcolor" showMasterPhAnim="0" showMasterSp="0">
+<p:notes xmlns:a="http://schemas.openxmlformats.org/drawingml/2006/main" xmlns:r="http://schemas.openxmlformats.org/officeDocument/2006/relationships" xmlns:p="http://schemas.openxmlformats.org/presentationml/2006/main" showMasterSp="0" showMasterPhAnim="0">
   <p:cSld>
     <p:spTree>
       <p:nvGrpSpPr>
-        <p:cNvPr id="50" name="Shape 50"/>
+        <p:cNvPr id="1" name="Shape 50"/>
         <p:cNvGrpSpPr/>
         <p:nvPr/>
       </p:nvGrpSpPr>
@@ -722,9 +742,11 @@
       <p:sp>
         <p:nvSpPr>
           <p:cNvPr id="51" name="Google Shape;51;p:notes"/>
-          <p:cNvSpPr/>
+          <p:cNvSpPr>
+            <a:spLocks noGrp="1" noRot="1" noChangeAspect="1"/>
+          </p:cNvSpPr>
           <p:nvPr>
-            <p:ph idx="2" type="sldImg"/>
+            <p:ph type="sldImg" idx="2"/>
           </p:nvPr>
         </p:nvSpPr>
         <p:spPr>
@@ -733,9 +755,13 @@
             <a:ext cx="6096075" cy="3429000"/>
           </a:xfrm>
           <a:custGeom>
-            <a:rect b="b" l="l" r="r" t="t"/>
+            <a:avLst/>
+            <a:gdLst/>
+            <a:ahLst/>
+            <a:cxnLst/>
+            <a:rect l="l" t="t" r="r" b="b"/>
             <a:pathLst>
-              <a:path extrusionOk="0" h="120000" w="120000">
+              <a:path w="120000" h="120000" extrusionOk="0">
                 <a:moveTo>
                   <a:pt x="0" y="0"/>
                 </a:moveTo>
@@ -757,9 +783,11 @@
       <p:sp>
         <p:nvSpPr>
           <p:cNvPr id="52" name="Google Shape;52;p:notes"/>
-          <p:cNvSpPr txBox="1"/>
+          <p:cNvSpPr txBox="1">
+            <a:spLocks noGrp="1"/>
+          </p:cNvSpPr>
           <p:nvPr>
-            <p:ph idx="1" type="body"/>
+            <p:ph type="body" idx="1"/>
           </p:nvPr>
         </p:nvSpPr>
         <p:spPr>
@@ -772,12 +800,12 @@
           </a:prstGeom>
         </p:spPr>
         <p:txBody>
-          <a:bodyPr anchorCtr="0" anchor="t" bIns="91425" lIns="91425" spcFirstLastPara="1" rIns="91425" wrap="square" tIns="91425">
+          <a:bodyPr spcFirstLastPara="1" wrap="square" lIns="91425" tIns="91425" rIns="91425" bIns="91425" anchor="t" anchorCtr="0">
             <a:noAutofit/>
           </a:bodyPr>
           <a:lstStyle/>
           <a:p>
-            <a:pPr indent="0" lvl="0" marL="0" rtl="0" algn="l">
+            <a:pPr marL="0" lvl="0" indent="0" algn="l" rtl="0">
               <a:spcBef>
                 <a:spcPts val="0"/>
               </a:spcBef>
@@ -786,9 +814,6 @@
               </a:spcAft>
               <a:buNone/>
             </a:pPr>
-            <a:r>
-              <a:t/>
-            </a:r>
             <a:endParaRPr/>
           </a:p>
         </p:txBody>
@@ -802,11 +827,11 @@
 </file>
 
 <file path=ppt/notesSlides/notesSlide10.xml><?xml version="1.0" encoding="utf-8"?>
-<p:notes xmlns:a="http://schemas.openxmlformats.org/drawingml/2006/main" xmlns:r="http://schemas.openxmlformats.org/officeDocument/2006/relationships" xmlns:mc="http://schemas.openxmlformats.org/markup-compatibility/2006" xmlns:mv="urn:schemas-microsoft-com:mac:vml" xmlns:p="http://schemas.openxmlformats.org/presentationml/2006/main" xmlns:c="http://schemas.openxmlformats.org/drawingml/2006/chart" xmlns:dgm="http://schemas.openxmlformats.org/drawingml/2006/diagram" xmlns:o="urn:schemas-microsoft-com:office:office" xmlns:v="urn:schemas-microsoft-com:vml" xmlns:pvml="urn:schemas-microsoft-com:office:powerpoint" xmlns:com="http://schemas.openxmlformats.org/drawingml/2006/compatibility" xmlns:p14="http://schemas.microsoft.com/office/powerpoint/2010/main" xmlns:p15="http://schemas.microsoft.com/office/powerpoint/2012/main" xmlns:ahyp="http://schemas.microsoft.com/office/drawing/2018/hyperlinkcolor" showMasterPhAnim="0" showMasterSp="0">
+<p:notes xmlns:a="http://schemas.openxmlformats.org/drawingml/2006/main" xmlns:r="http://schemas.openxmlformats.org/officeDocument/2006/relationships" xmlns:p="http://schemas.openxmlformats.org/presentationml/2006/main" showMasterSp="0" showMasterPhAnim="0">
   <p:cSld>
     <p:spTree>
       <p:nvGrpSpPr>
-        <p:cNvPr id="111" name="Shape 111"/>
+        <p:cNvPr id="1" name="Shape 111"/>
         <p:cNvGrpSpPr/>
         <p:nvPr/>
       </p:nvGrpSpPr>
@@ -821,9 +846,11 @@
       <p:sp>
         <p:nvSpPr>
           <p:cNvPr id="112" name="Google Shape;112;gbcf296bf5b_1_37:notes"/>
-          <p:cNvSpPr/>
+          <p:cNvSpPr>
+            <a:spLocks noGrp="1" noRot="1" noChangeAspect="1"/>
+          </p:cNvSpPr>
           <p:nvPr>
-            <p:ph idx="2" type="sldImg"/>
+            <p:ph type="sldImg" idx="2"/>
           </p:nvPr>
         </p:nvSpPr>
         <p:spPr>
@@ -832,9 +859,13 @@
             <a:ext cx="6096000" cy="3429000"/>
           </a:xfrm>
           <a:custGeom>
-            <a:rect b="b" l="l" r="r" t="t"/>
+            <a:avLst/>
+            <a:gdLst/>
+            <a:ahLst/>
+            <a:cxnLst/>
+            <a:rect l="l" t="t" r="r" b="b"/>
             <a:pathLst>
-              <a:path extrusionOk="0" h="120000" w="120000">
+              <a:path w="120000" h="120000" extrusionOk="0">
                 <a:moveTo>
                   <a:pt x="0" y="0"/>
                 </a:moveTo>
@@ -856,9 +887,11 @@
       <p:sp>
         <p:nvSpPr>
           <p:cNvPr id="113" name="Google Shape;113;gbcf296bf5b_1_37:notes"/>
-          <p:cNvSpPr txBox="1"/>
+          <p:cNvSpPr txBox="1">
+            <a:spLocks noGrp="1"/>
+          </p:cNvSpPr>
           <p:nvPr>
-            <p:ph idx="1" type="body"/>
+            <p:ph type="body" idx="1"/>
           </p:nvPr>
         </p:nvSpPr>
         <p:spPr>
@@ -871,12 +904,12 @@
           </a:prstGeom>
         </p:spPr>
         <p:txBody>
-          <a:bodyPr anchorCtr="0" anchor="t" bIns="91425" lIns="91425" spcFirstLastPara="1" rIns="91425" wrap="square" tIns="91425">
+          <a:bodyPr spcFirstLastPara="1" wrap="square" lIns="91425" tIns="91425" rIns="91425" bIns="91425" anchor="t" anchorCtr="0">
             <a:noAutofit/>
           </a:bodyPr>
           <a:lstStyle/>
           <a:p>
-            <a:pPr indent="0" lvl="0" marL="0" rtl="0" algn="l">
+            <a:pPr marL="0" lvl="0" indent="0" algn="l" rtl="0">
               <a:spcBef>
                 <a:spcPts val="0"/>
               </a:spcBef>
@@ -885,9 +918,6 @@
               </a:spcAft>
               <a:buNone/>
             </a:pPr>
-            <a:r>
-              <a:t/>
-            </a:r>
             <a:endParaRPr/>
           </a:p>
         </p:txBody>
@@ -901,11 +931,11 @@
 </file>
 
 <file path=ppt/notesSlides/notesSlide11.xml><?xml version="1.0" encoding="utf-8"?>
-<p:notes xmlns:a="http://schemas.openxmlformats.org/drawingml/2006/main" xmlns:r="http://schemas.openxmlformats.org/officeDocument/2006/relationships" xmlns:mc="http://schemas.openxmlformats.org/markup-compatibility/2006" xmlns:mv="urn:schemas-microsoft-com:mac:vml" xmlns:p="http://schemas.openxmlformats.org/presentationml/2006/main" xmlns:c="http://schemas.openxmlformats.org/drawingml/2006/chart" xmlns:dgm="http://schemas.openxmlformats.org/drawingml/2006/diagram" xmlns:o="urn:schemas-microsoft-com:office:office" xmlns:v="urn:schemas-microsoft-com:vml" xmlns:pvml="urn:schemas-microsoft-com:office:powerpoint" xmlns:com="http://schemas.openxmlformats.org/drawingml/2006/compatibility" xmlns:p14="http://schemas.microsoft.com/office/powerpoint/2010/main" xmlns:p15="http://schemas.microsoft.com/office/powerpoint/2012/main" xmlns:ahyp="http://schemas.microsoft.com/office/drawing/2018/hyperlinkcolor" showMasterPhAnim="0" showMasterSp="0">
+<p:notes xmlns:a="http://schemas.openxmlformats.org/drawingml/2006/main" xmlns:r="http://schemas.openxmlformats.org/officeDocument/2006/relationships" xmlns:p="http://schemas.openxmlformats.org/presentationml/2006/main" showMasterSp="0" showMasterPhAnim="0">
   <p:cSld>
     <p:spTree>
       <p:nvGrpSpPr>
-        <p:cNvPr id="118" name="Shape 118"/>
+        <p:cNvPr id="1" name="Shape 118"/>
         <p:cNvGrpSpPr/>
         <p:nvPr/>
       </p:nvGrpSpPr>
@@ -920,9 +950,11 @@
       <p:sp>
         <p:nvSpPr>
           <p:cNvPr id="119" name="Google Shape;119;gbcf296bf5b_1_32:notes"/>
-          <p:cNvSpPr/>
+          <p:cNvSpPr>
+            <a:spLocks noGrp="1" noRot="1" noChangeAspect="1"/>
+          </p:cNvSpPr>
           <p:nvPr>
-            <p:ph idx="2" type="sldImg"/>
+            <p:ph type="sldImg" idx="2"/>
           </p:nvPr>
         </p:nvSpPr>
         <p:spPr>
@@ -931,9 +963,13 @@
             <a:ext cx="6096000" cy="3429000"/>
           </a:xfrm>
           <a:custGeom>
-            <a:rect b="b" l="l" r="r" t="t"/>
+            <a:avLst/>
+            <a:gdLst/>
+            <a:ahLst/>
+            <a:cxnLst/>
+            <a:rect l="l" t="t" r="r" b="b"/>
             <a:pathLst>
-              <a:path extrusionOk="0" h="120000" w="120000">
+              <a:path w="120000" h="120000" extrusionOk="0">
                 <a:moveTo>
                   <a:pt x="0" y="0"/>
                 </a:moveTo>
@@ -955,9 +991,11 @@
       <p:sp>
         <p:nvSpPr>
           <p:cNvPr id="120" name="Google Shape;120;gbcf296bf5b_1_32:notes"/>
-          <p:cNvSpPr txBox="1"/>
+          <p:cNvSpPr txBox="1">
+            <a:spLocks noGrp="1"/>
+          </p:cNvSpPr>
           <p:nvPr>
-            <p:ph idx="1" type="body"/>
+            <p:ph type="body" idx="1"/>
           </p:nvPr>
         </p:nvSpPr>
         <p:spPr>
@@ -970,12 +1008,12 @@
           </a:prstGeom>
         </p:spPr>
         <p:txBody>
-          <a:bodyPr anchorCtr="0" anchor="t" bIns="91425" lIns="91425" spcFirstLastPara="1" rIns="91425" wrap="square" tIns="91425">
+          <a:bodyPr spcFirstLastPara="1" wrap="square" lIns="91425" tIns="91425" rIns="91425" bIns="91425" anchor="t" anchorCtr="0">
             <a:noAutofit/>
           </a:bodyPr>
           <a:lstStyle/>
           <a:p>
-            <a:pPr indent="0" lvl="0" marL="0" rtl="0" algn="l">
+            <a:pPr marL="0" lvl="0" indent="0" algn="l" rtl="0">
               <a:spcBef>
                 <a:spcPts val="0"/>
               </a:spcBef>
@@ -984,9 +1022,6 @@
               </a:spcAft>
               <a:buNone/>
             </a:pPr>
-            <a:r>
-              <a:t/>
-            </a:r>
             <a:endParaRPr/>
           </a:p>
         </p:txBody>
@@ -1000,11 +1035,11 @@
 </file>
 
 <file path=ppt/notesSlides/notesSlide12.xml><?xml version="1.0" encoding="utf-8"?>
-<p:notes xmlns:a="http://schemas.openxmlformats.org/drawingml/2006/main" xmlns:r="http://schemas.openxmlformats.org/officeDocument/2006/relationships" xmlns:mc="http://schemas.openxmlformats.org/markup-compatibility/2006" xmlns:mv="urn:schemas-microsoft-com:mac:vml" xmlns:p="http://schemas.openxmlformats.org/presentationml/2006/main" xmlns:c="http://schemas.openxmlformats.org/drawingml/2006/chart" xmlns:dgm="http://schemas.openxmlformats.org/drawingml/2006/diagram" xmlns:o="urn:schemas-microsoft-com:office:office" xmlns:v="urn:schemas-microsoft-com:vml" xmlns:pvml="urn:schemas-microsoft-com:office:powerpoint" xmlns:com="http://schemas.openxmlformats.org/drawingml/2006/compatibility" xmlns:p14="http://schemas.microsoft.com/office/powerpoint/2010/main" xmlns:p15="http://schemas.microsoft.com/office/powerpoint/2012/main" xmlns:ahyp="http://schemas.microsoft.com/office/drawing/2018/hyperlinkcolor" showMasterPhAnim="0" showMasterSp="0">
+<p:notes xmlns:a="http://schemas.openxmlformats.org/drawingml/2006/main" xmlns:r="http://schemas.openxmlformats.org/officeDocument/2006/relationships" xmlns:p="http://schemas.openxmlformats.org/presentationml/2006/main" showMasterSp="0" showMasterPhAnim="0">
   <p:cSld>
     <p:spTree>
       <p:nvGrpSpPr>
-        <p:cNvPr id="124" name="Shape 124"/>
+        <p:cNvPr id="1" name="Shape 124"/>
         <p:cNvGrpSpPr/>
         <p:nvPr/>
       </p:nvGrpSpPr>
@@ -1019,9 +1054,11 @@
       <p:sp>
         <p:nvSpPr>
           <p:cNvPr id="125" name="Google Shape;125;gbcf296bf5b_1_50:notes"/>
-          <p:cNvSpPr/>
+          <p:cNvSpPr>
+            <a:spLocks noGrp="1" noRot="1" noChangeAspect="1"/>
+          </p:cNvSpPr>
           <p:nvPr>
-            <p:ph idx="2" type="sldImg"/>
+            <p:ph type="sldImg" idx="2"/>
           </p:nvPr>
         </p:nvSpPr>
         <p:spPr>
@@ -1030,9 +1067,13 @@
             <a:ext cx="6096000" cy="3429000"/>
           </a:xfrm>
           <a:custGeom>
-            <a:rect b="b" l="l" r="r" t="t"/>
+            <a:avLst/>
+            <a:gdLst/>
+            <a:ahLst/>
+            <a:cxnLst/>
+            <a:rect l="l" t="t" r="r" b="b"/>
             <a:pathLst>
-              <a:path extrusionOk="0" h="120000" w="120000">
+              <a:path w="120000" h="120000" extrusionOk="0">
                 <a:moveTo>
                   <a:pt x="0" y="0"/>
                 </a:moveTo>
@@ -1054,9 +1095,11 @@
       <p:sp>
         <p:nvSpPr>
           <p:cNvPr id="126" name="Google Shape;126;gbcf296bf5b_1_50:notes"/>
-          <p:cNvSpPr txBox="1"/>
+          <p:cNvSpPr txBox="1">
+            <a:spLocks noGrp="1"/>
+          </p:cNvSpPr>
           <p:nvPr>
-            <p:ph idx="1" type="body"/>
+            <p:ph type="body" idx="1"/>
           </p:nvPr>
         </p:nvSpPr>
         <p:spPr>
@@ -1069,12 +1112,12 @@
           </a:prstGeom>
         </p:spPr>
         <p:txBody>
-          <a:bodyPr anchorCtr="0" anchor="t" bIns="91425" lIns="91425" spcFirstLastPara="1" rIns="91425" wrap="square" tIns="91425">
+          <a:bodyPr spcFirstLastPara="1" wrap="square" lIns="91425" tIns="91425" rIns="91425" bIns="91425" anchor="t" anchorCtr="0">
             <a:noAutofit/>
           </a:bodyPr>
           <a:lstStyle/>
           <a:p>
-            <a:pPr indent="0" lvl="0" marL="0" rtl="0" algn="l">
+            <a:pPr marL="0" lvl="0" indent="0" algn="l" rtl="0">
               <a:spcBef>
                 <a:spcPts val="0"/>
               </a:spcBef>
@@ -1083,9 +1126,6 @@
               </a:spcAft>
               <a:buNone/>
             </a:pPr>
-            <a:r>
-              <a:t/>
-            </a:r>
             <a:endParaRPr/>
           </a:p>
         </p:txBody>
@@ -1099,11 +1139,11 @@
 </file>
 
 <file path=ppt/notesSlides/notesSlide13.xml><?xml version="1.0" encoding="utf-8"?>
-<p:notes xmlns:a="http://schemas.openxmlformats.org/drawingml/2006/main" xmlns:r="http://schemas.openxmlformats.org/officeDocument/2006/relationships" xmlns:mc="http://schemas.openxmlformats.org/markup-compatibility/2006" xmlns:mv="urn:schemas-microsoft-com:mac:vml" xmlns:p="http://schemas.openxmlformats.org/presentationml/2006/main" xmlns:c="http://schemas.openxmlformats.org/drawingml/2006/chart" xmlns:dgm="http://schemas.openxmlformats.org/drawingml/2006/diagram" xmlns:o="urn:schemas-microsoft-com:office:office" xmlns:v="urn:schemas-microsoft-com:vml" xmlns:pvml="urn:schemas-microsoft-com:office:powerpoint" xmlns:com="http://schemas.openxmlformats.org/drawingml/2006/compatibility" xmlns:p14="http://schemas.microsoft.com/office/powerpoint/2010/main" xmlns:p15="http://schemas.microsoft.com/office/powerpoint/2012/main" xmlns:ahyp="http://schemas.microsoft.com/office/drawing/2018/hyperlinkcolor" showMasterPhAnim="0" showMasterSp="0">
+<p:notes xmlns:a="http://schemas.openxmlformats.org/drawingml/2006/main" xmlns:r="http://schemas.openxmlformats.org/officeDocument/2006/relationships" xmlns:p="http://schemas.openxmlformats.org/presentationml/2006/main" showMasterSp="0" showMasterPhAnim="0">
   <p:cSld>
     <p:spTree>
       <p:nvGrpSpPr>
-        <p:cNvPr id="130" name="Shape 130"/>
+        <p:cNvPr id="1" name="Shape 130"/>
         <p:cNvGrpSpPr/>
         <p:nvPr/>
       </p:nvGrpSpPr>
@@ -1118,9 +1158,11 @@
       <p:sp>
         <p:nvSpPr>
           <p:cNvPr id="131" name="Google Shape;131;gbcf296bf5b_1_59:notes"/>
-          <p:cNvSpPr/>
+          <p:cNvSpPr>
+            <a:spLocks noGrp="1" noRot="1" noChangeAspect="1"/>
+          </p:cNvSpPr>
           <p:nvPr>
-            <p:ph idx="2" type="sldImg"/>
+            <p:ph type="sldImg" idx="2"/>
           </p:nvPr>
         </p:nvSpPr>
         <p:spPr>
@@ -1129,9 +1171,13 @@
             <a:ext cx="6096000" cy="3429000"/>
           </a:xfrm>
           <a:custGeom>
-            <a:rect b="b" l="l" r="r" t="t"/>
+            <a:avLst/>
+            <a:gdLst/>
+            <a:ahLst/>
+            <a:cxnLst/>
+            <a:rect l="l" t="t" r="r" b="b"/>
             <a:pathLst>
-              <a:path extrusionOk="0" h="120000" w="120000">
+              <a:path w="120000" h="120000" extrusionOk="0">
                 <a:moveTo>
                   <a:pt x="0" y="0"/>
                 </a:moveTo>
@@ -1153,9 +1199,11 @@
       <p:sp>
         <p:nvSpPr>
           <p:cNvPr id="132" name="Google Shape;132;gbcf296bf5b_1_59:notes"/>
-          <p:cNvSpPr txBox="1"/>
+          <p:cNvSpPr txBox="1">
+            <a:spLocks noGrp="1"/>
+          </p:cNvSpPr>
           <p:nvPr>
-            <p:ph idx="1" type="body"/>
+            <p:ph type="body" idx="1"/>
           </p:nvPr>
         </p:nvSpPr>
         <p:spPr>
@@ -1168,12 +1216,12 @@
           </a:prstGeom>
         </p:spPr>
         <p:txBody>
-          <a:bodyPr anchorCtr="0" anchor="t" bIns="91425" lIns="91425" spcFirstLastPara="1" rIns="91425" wrap="square" tIns="91425">
+          <a:bodyPr spcFirstLastPara="1" wrap="square" lIns="91425" tIns="91425" rIns="91425" bIns="91425" anchor="t" anchorCtr="0">
             <a:noAutofit/>
           </a:bodyPr>
           <a:lstStyle/>
           <a:p>
-            <a:pPr indent="0" lvl="0" marL="0" rtl="0" algn="l">
+            <a:pPr marL="0" lvl="0" indent="0" algn="l" rtl="0">
               <a:spcBef>
                 <a:spcPts val="0"/>
               </a:spcBef>
@@ -1182,9 +1230,6 @@
               </a:spcAft>
               <a:buNone/>
             </a:pPr>
-            <a:r>
-              <a:t/>
-            </a:r>
             <a:endParaRPr/>
           </a:p>
         </p:txBody>
@@ -1198,11 +1243,11 @@
 </file>
 
 <file path=ppt/notesSlides/notesSlide14.xml><?xml version="1.0" encoding="utf-8"?>
-<p:notes xmlns:a="http://schemas.openxmlformats.org/drawingml/2006/main" xmlns:r="http://schemas.openxmlformats.org/officeDocument/2006/relationships" xmlns:mc="http://schemas.openxmlformats.org/markup-compatibility/2006" xmlns:mv="urn:schemas-microsoft-com:mac:vml" xmlns:p="http://schemas.openxmlformats.org/presentationml/2006/main" xmlns:c="http://schemas.openxmlformats.org/drawingml/2006/chart" xmlns:dgm="http://schemas.openxmlformats.org/drawingml/2006/diagram" xmlns:o="urn:schemas-microsoft-com:office:office" xmlns:v="urn:schemas-microsoft-com:vml" xmlns:pvml="urn:schemas-microsoft-com:office:powerpoint" xmlns:com="http://schemas.openxmlformats.org/drawingml/2006/compatibility" xmlns:p14="http://schemas.microsoft.com/office/powerpoint/2010/main" xmlns:p15="http://schemas.microsoft.com/office/powerpoint/2012/main" xmlns:ahyp="http://schemas.microsoft.com/office/drawing/2018/hyperlinkcolor" showMasterPhAnim="0" showMasterSp="0">
+<p:notes xmlns:a="http://schemas.openxmlformats.org/drawingml/2006/main" xmlns:r="http://schemas.openxmlformats.org/officeDocument/2006/relationships" xmlns:p="http://schemas.openxmlformats.org/presentationml/2006/main" showMasterSp="0" showMasterPhAnim="0">
   <p:cSld>
     <p:spTree>
       <p:nvGrpSpPr>
-        <p:cNvPr id="137" name="Shape 137"/>
+        <p:cNvPr id="1" name="Shape 137"/>
         <p:cNvGrpSpPr/>
         <p:nvPr/>
       </p:nvGrpSpPr>
@@ -1217,9 +1262,11 @@
       <p:sp>
         <p:nvSpPr>
           <p:cNvPr id="138" name="Google Shape;138;gbcf296bf5b_1_66:notes"/>
-          <p:cNvSpPr/>
+          <p:cNvSpPr>
+            <a:spLocks noGrp="1" noRot="1" noChangeAspect="1"/>
+          </p:cNvSpPr>
           <p:nvPr>
-            <p:ph idx="2" type="sldImg"/>
+            <p:ph type="sldImg" idx="2"/>
           </p:nvPr>
         </p:nvSpPr>
         <p:spPr>
@@ -1228,9 +1275,13 @@
             <a:ext cx="6096000" cy="3429000"/>
           </a:xfrm>
           <a:custGeom>
-            <a:rect b="b" l="l" r="r" t="t"/>
+            <a:avLst/>
+            <a:gdLst/>
+            <a:ahLst/>
+            <a:cxnLst/>
+            <a:rect l="l" t="t" r="r" b="b"/>
             <a:pathLst>
-              <a:path extrusionOk="0" h="120000" w="120000">
+              <a:path w="120000" h="120000" extrusionOk="0">
                 <a:moveTo>
                   <a:pt x="0" y="0"/>
                 </a:moveTo>
@@ -1252,9 +1303,11 @@
       <p:sp>
         <p:nvSpPr>
           <p:cNvPr id="139" name="Google Shape;139;gbcf296bf5b_1_66:notes"/>
-          <p:cNvSpPr txBox="1"/>
+          <p:cNvSpPr txBox="1">
+            <a:spLocks noGrp="1"/>
+          </p:cNvSpPr>
           <p:nvPr>
-            <p:ph idx="1" type="body"/>
+            <p:ph type="body" idx="1"/>
           </p:nvPr>
         </p:nvSpPr>
         <p:spPr>
@@ -1267,12 +1320,12 @@
           </a:prstGeom>
         </p:spPr>
         <p:txBody>
-          <a:bodyPr anchorCtr="0" anchor="t" bIns="91425" lIns="91425" spcFirstLastPara="1" rIns="91425" wrap="square" tIns="91425">
+          <a:bodyPr spcFirstLastPara="1" wrap="square" lIns="91425" tIns="91425" rIns="91425" bIns="91425" anchor="t" anchorCtr="0">
             <a:noAutofit/>
           </a:bodyPr>
           <a:lstStyle/>
           <a:p>
-            <a:pPr indent="0" lvl="0" marL="0" rtl="0" algn="l">
+            <a:pPr marL="0" lvl="0" indent="0" algn="l" rtl="0">
               <a:spcBef>
                 <a:spcPts val="0"/>
               </a:spcBef>
@@ -1281,9 +1334,6 @@
               </a:spcAft>
               <a:buNone/>
             </a:pPr>
-            <a:r>
-              <a:t/>
-            </a:r>
             <a:endParaRPr/>
           </a:p>
         </p:txBody>
@@ -1297,11 +1347,11 @@
 </file>
 
 <file path=ppt/notesSlides/notesSlide15.xml><?xml version="1.0" encoding="utf-8"?>
-<p:notes xmlns:a="http://schemas.openxmlformats.org/drawingml/2006/main" xmlns:r="http://schemas.openxmlformats.org/officeDocument/2006/relationships" xmlns:mc="http://schemas.openxmlformats.org/markup-compatibility/2006" xmlns:mv="urn:schemas-microsoft-com:mac:vml" xmlns:p="http://schemas.openxmlformats.org/presentationml/2006/main" xmlns:c="http://schemas.openxmlformats.org/drawingml/2006/chart" xmlns:dgm="http://schemas.openxmlformats.org/drawingml/2006/diagram" xmlns:o="urn:schemas-microsoft-com:office:office" xmlns:v="urn:schemas-microsoft-com:vml" xmlns:pvml="urn:schemas-microsoft-com:office:powerpoint" xmlns:com="http://schemas.openxmlformats.org/drawingml/2006/compatibility" xmlns:p14="http://schemas.microsoft.com/office/powerpoint/2010/main" xmlns:p15="http://schemas.microsoft.com/office/powerpoint/2012/main" xmlns:ahyp="http://schemas.microsoft.com/office/drawing/2018/hyperlinkcolor" showMasterPhAnim="0" showMasterSp="0">
+<p:notes xmlns:a="http://schemas.openxmlformats.org/drawingml/2006/main" xmlns:r="http://schemas.openxmlformats.org/officeDocument/2006/relationships" xmlns:p="http://schemas.openxmlformats.org/presentationml/2006/main" showMasterSp="0" showMasterPhAnim="0">
   <p:cSld>
     <p:spTree>
       <p:nvGrpSpPr>
-        <p:cNvPr id="145" name="Shape 145"/>
+        <p:cNvPr id="1" name="Shape 145"/>
         <p:cNvGrpSpPr/>
         <p:nvPr/>
       </p:nvGrpSpPr>
@@ -1316,9 +1366,11 @@
       <p:sp>
         <p:nvSpPr>
           <p:cNvPr id="146" name="Google Shape;146;gbcf296bf5b_1_101:notes"/>
-          <p:cNvSpPr/>
+          <p:cNvSpPr>
+            <a:spLocks noGrp="1" noRot="1" noChangeAspect="1"/>
+          </p:cNvSpPr>
           <p:nvPr>
-            <p:ph idx="2" type="sldImg"/>
+            <p:ph type="sldImg" idx="2"/>
           </p:nvPr>
         </p:nvSpPr>
         <p:spPr>
@@ -1327,9 +1379,13 @@
             <a:ext cx="6096000" cy="3429000"/>
           </a:xfrm>
           <a:custGeom>
-            <a:rect b="b" l="l" r="r" t="t"/>
+            <a:avLst/>
+            <a:gdLst/>
+            <a:ahLst/>
+            <a:cxnLst/>
+            <a:rect l="l" t="t" r="r" b="b"/>
             <a:pathLst>
-              <a:path extrusionOk="0" h="120000" w="120000">
+              <a:path w="120000" h="120000" extrusionOk="0">
                 <a:moveTo>
                   <a:pt x="0" y="0"/>
                 </a:moveTo>
@@ -1351,9 +1407,11 @@
       <p:sp>
         <p:nvSpPr>
           <p:cNvPr id="147" name="Google Shape;147;gbcf296bf5b_1_101:notes"/>
-          <p:cNvSpPr txBox="1"/>
+          <p:cNvSpPr txBox="1">
+            <a:spLocks noGrp="1"/>
+          </p:cNvSpPr>
           <p:nvPr>
-            <p:ph idx="1" type="body"/>
+            <p:ph type="body" idx="1"/>
           </p:nvPr>
         </p:nvSpPr>
         <p:spPr>
@@ -1366,12 +1424,12 @@
           </a:prstGeom>
         </p:spPr>
         <p:txBody>
-          <a:bodyPr anchorCtr="0" anchor="t" bIns="91425" lIns="91425" spcFirstLastPara="1" rIns="91425" wrap="square" tIns="91425">
+          <a:bodyPr spcFirstLastPara="1" wrap="square" lIns="91425" tIns="91425" rIns="91425" bIns="91425" anchor="t" anchorCtr="0">
             <a:noAutofit/>
           </a:bodyPr>
           <a:lstStyle/>
           <a:p>
-            <a:pPr indent="0" lvl="0" marL="0" rtl="0" algn="l">
+            <a:pPr marL="0" lvl="0" indent="0" algn="l" rtl="0">
               <a:spcBef>
                 <a:spcPts val="0"/>
               </a:spcBef>
@@ -1380,9 +1438,6 @@
               </a:spcAft>
               <a:buNone/>
             </a:pPr>
-            <a:r>
-              <a:t/>
-            </a:r>
             <a:endParaRPr/>
           </a:p>
         </p:txBody>
@@ -1396,11 +1451,11 @@
 </file>
 
 <file path=ppt/notesSlides/notesSlide16.xml><?xml version="1.0" encoding="utf-8"?>
-<p:notes xmlns:a="http://schemas.openxmlformats.org/drawingml/2006/main" xmlns:r="http://schemas.openxmlformats.org/officeDocument/2006/relationships" xmlns:mc="http://schemas.openxmlformats.org/markup-compatibility/2006" xmlns:mv="urn:schemas-microsoft-com:mac:vml" xmlns:p="http://schemas.openxmlformats.org/presentationml/2006/main" xmlns:c="http://schemas.openxmlformats.org/drawingml/2006/chart" xmlns:dgm="http://schemas.openxmlformats.org/drawingml/2006/diagram" xmlns:o="urn:schemas-microsoft-com:office:office" xmlns:v="urn:schemas-microsoft-com:vml" xmlns:pvml="urn:schemas-microsoft-com:office:powerpoint" xmlns:com="http://schemas.openxmlformats.org/drawingml/2006/compatibility" xmlns:p14="http://schemas.microsoft.com/office/powerpoint/2010/main" xmlns:p15="http://schemas.microsoft.com/office/powerpoint/2012/main" xmlns:ahyp="http://schemas.microsoft.com/office/drawing/2018/hyperlinkcolor" showMasterPhAnim="0" showMasterSp="0">
+<p:notes xmlns:a="http://schemas.openxmlformats.org/drawingml/2006/main" xmlns:r="http://schemas.openxmlformats.org/officeDocument/2006/relationships" xmlns:p="http://schemas.openxmlformats.org/presentationml/2006/main" showMasterSp="0" showMasterPhAnim="0">
   <p:cSld>
     <p:spTree>
       <p:nvGrpSpPr>
-        <p:cNvPr id="153" name="Shape 153"/>
+        <p:cNvPr id="1" name="Shape 153"/>
         <p:cNvGrpSpPr/>
         <p:nvPr/>
       </p:nvGrpSpPr>
@@ -1415,9 +1470,11 @@
       <p:sp>
         <p:nvSpPr>
           <p:cNvPr id="154" name="Google Shape;154;gbcf296bf5b_1_0:notes"/>
-          <p:cNvSpPr/>
+          <p:cNvSpPr>
+            <a:spLocks noGrp="1" noRot="1" noChangeAspect="1"/>
+          </p:cNvSpPr>
           <p:nvPr>
-            <p:ph idx="2" type="sldImg"/>
+            <p:ph type="sldImg" idx="2"/>
           </p:nvPr>
         </p:nvSpPr>
         <p:spPr>
@@ -1426,9 +1483,13 @@
             <a:ext cx="6096000" cy="3429000"/>
           </a:xfrm>
           <a:custGeom>
-            <a:rect b="b" l="l" r="r" t="t"/>
+            <a:avLst/>
+            <a:gdLst/>
+            <a:ahLst/>
+            <a:cxnLst/>
+            <a:rect l="l" t="t" r="r" b="b"/>
             <a:pathLst>
-              <a:path extrusionOk="0" h="120000" w="120000">
+              <a:path w="120000" h="120000" extrusionOk="0">
                 <a:moveTo>
                   <a:pt x="0" y="0"/>
                 </a:moveTo>
@@ -1450,9 +1511,11 @@
       <p:sp>
         <p:nvSpPr>
           <p:cNvPr id="155" name="Google Shape;155;gbcf296bf5b_1_0:notes"/>
-          <p:cNvSpPr txBox="1"/>
+          <p:cNvSpPr txBox="1">
+            <a:spLocks noGrp="1"/>
+          </p:cNvSpPr>
           <p:nvPr>
-            <p:ph idx="1" type="body"/>
+            <p:ph type="body" idx="1"/>
           </p:nvPr>
         </p:nvSpPr>
         <p:spPr>
@@ -1465,12 +1528,12 @@
           </a:prstGeom>
         </p:spPr>
         <p:txBody>
-          <a:bodyPr anchorCtr="0" anchor="t" bIns="91425" lIns="91425" spcFirstLastPara="1" rIns="91425" wrap="square" tIns="91425">
+          <a:bodyPr spcFirstLastPara="1" wrap="square" lIns="91425" tIns="91425" rIns="91425" bIns="91425" anchor="t" anchorCtr="0">
             <a:noAutofit/>
           </a:bodyPr>
           <a:lstStyle/>
           <a:p>
-            <a:pPr indent="0" lvl="0" marL="0" rtl="0" algn="l">
+            <a:pPr marL="0" lvl="0" indent="0" algn="l" rtl="0">
               <a:spcBef>
                 <a:spcPts val="0"/>
               </a:spcBef>
@@ -1479,9 +1542,6 @@
               </a:spcAft>
               <a:buNone/>
             </a:pPr>
-            <a:r>
-              <a:t/>
-            </a:r>
             <a:endParaRPr/>
           </a:p>
         </p:txBody>
@@ -1495,11 +1555,11 @@
 </file>
 
 <file path=ppt/notesSlides/notesSlide17.xml><?xml version="1.0" encoding="utf-8"?>
-<p:notes xmlns:a="http://schemas.openxmlformats.org/drawingml/2006/main" xmlns:r="http://schemas.openxmlformats.org/officeDocument/2006/relationships" xmlns:mc="http://schemas.openxmlformats.org/markup-compatibility/2006" xmlns:mv="urn:schemas-microsoft-com:mac:vml" xmlns:p="http://schemas.openxmlformats.org/presentationml/2006/main" xmlns:c="http://schemas.openxmlformats.org/drawingml/2006/chart" xmlns:dgm="http://schemas.openxmlformats.org/drawingml/2006/diagram" xmlns:o="urn:schemas-microsoft-com:office:office" xmlns:v="urn:schemas-microsoft-com:vml" xmlns:pvml="urn:schemas-microsoft-com:office:powerpoint" xmlns:com="http://schemas.openxmlformats.org/drawingml/2006/compatibility" xmlns:p14="http://schemas.microsoft.com/office/powerpoint/2010/main" xmlns:p15="http://schemas.microsoft.com/office/powerpoint/2012/main" xmlns:ahyp="http://schemas.microsoft.com/office/drawing/2018/hyperlinkcolor" showMasterPhAnim="0" showMasterSp="0">
+<p:notes xmlns:a="http://schemas.openxmlformats.org/drawingml/2006/main" xmlns:r="http://schemas.openxmlformats.org/officeDocument/2006/relationships" xmlns:p="http://schemas.openxmlformats.org/presentationml/2006/main" showMasterSp="0" showMasterPhAnim="0">
   <p:cSld>
     <p:spTree>
       <p:nvGrpSpPr>
-        <p:cNvPr id="160" name="Shape 160"/>
+        <p:cNvPr id="1" name="Shape 160"/>
         <p:cNvGrpSpPr/>
         <p:nvPr/>
       </p:nvGrpSpPr>
@@ -1514,9 +1574,11 @@
       <p:sp>
         <p:nvSpPr>
           <p:cNvPr id="161" name="Google Shape;161;gbcf296bf5b_1_114:notes"/>
-          <p:cNvSpPr/>
+          <p:cNvSpPr>
+            <a:spLocks noGrp="1" noRot="1" noChangeAspect="1"/>
+          </p:cNvSpPr>
           <p:nvPr>
-            <p:ph idx="2" type="sldImg"/>
+            <p:ph type="sldImg" idx="2"/>
           </p:nvPr>
         </p:nvSpPr>
         <p:spPr>
@@ -1525,9 +1587,13 @@
             <a:ext cx="6096000" cy="3429000"/>
           </a:xfrm>
           <a:custGeom>
-            <a:rect b="b" l="l" r="r" t="t"/>
+            <a:avLst/>
+            <a:gdLst/>
+            <a:ahLst/>
+            <a:cxnLst/>
+            <a:rect l="l" t="t" r="r" b="b"/>
             <a:pathLst>
-              <a:path extrusionOk="0" h="120000" w="120000">
+              <a:path w="120000" h="120000" extrusionOk="0">
                 <a:moveTo>
                   <a:pt x="0" y="0"/>
                 </a:moveTo>
@@ -1549,9 +1615,11 @@
       <p:sp>
         <p:nvSpPr>
           <p:cNvPr id="162" name="Google Shape;162;gbcf296bf5b_1_114:notes"/>
-          <p:cNvSpPr txBox="1"/>
+          <p:cNvSpPr txBox="1">
+            <a:spLocks noGrp="1"/>
+          </p:cNvSpPr>
           <p:nvPr>
-            <p:ph idx="1" type="body"/>
+            <p:ph type="body" idx="1"/>
           </p:nvPr>
         </p:nvSpPr>
         <p:spPr>
@@ -1564,12 +1632,12 @@
           </a:prstGeom>
         </p:spPr>
         <p:txBody>
-          <a:bodyPr anchorCtr="0" anchor="t" bIns="91425" lIns="91425" spcFirstLastPara="1" rIns="91425" wrap="square" tIns="91425">
+          <a:bodyPr spcFirstLastPara="1" wrap="square" lIns="91425" tIns="91425" rIns="91425" bIns="91425" anchor="t" anchorCtr="0">
             <a:noAutofit/>
           </a:bodyPr>
           <a:lstStyle/>
           <a:p>
-            <a:pPr indent="0" lvl="0" marL="0" rtl="0" algn="l">
+            <a:pPr marL="0" lvl="0" indent="0" algn="l" rtl="0">
               <a:spcBef>
                 <a:spcPts val="0"/>
               </a:spcBef>
@@ -1578,9 +1646,6 @@
               </a:spcAft>
               <a:buNone/>
             </a:pPr>
-            <a:r>
-              <a:t/>
-            </a:r>
             <a:endParaRPr/>
           </a:p>
         </p:txBody>
@@ -1594,11 +1659,11 @@
 </file>
 
 <file path=ppt/notesSlides/notesSlide2.xml><?xml version="1.0" encoding="utf-8"?>
-<p:notes xmlns:a="http://schemas.openxmlformats.org/drawingml/2006/main" xmlns:r="http://schemas.openxmlformats.org/officeDocument/2006/relationships" xmlns:mc="http://schemas.openxmlformats.org/markup-compatibility/2006" xmlns:mv="urn:schemas-microsoft-com:mac:vml" xmlns:p="http://schemas.openxmlformats.org/presentationml/2006/main" xmlns:c="http://schemas.openxmlformats.org/drawingml/2006/chart" xmlns:dgm="http://schemas.openxmlformats.org/drawingml/2006/diagram" xmlns:o="urn:schemas-microsoft-com:office:office" xmlns:v="urn:schemas-microsoft-com:vml" xmlns:pvml="urn:schemas-microsoft-com:office:powerpoint" xmlns:com="http://schemas.openxmlformats.org/drawingml/2006/compatibility" xmlns:p14="http://schemas.microsoft.com/office/powerpoint/2010/main" xmlns:p15="http://schemas.microsoft.com/office/powerpoint/2012/main" xmlns:ahyp="http://schemas.microsoft.com/office/drawing/2018/hyperlinkcolor" showMasterPhAnim="0" showMasterSp="0">
+<p:notes xmlns:a="http://schemas.openxmlformats.org/drawingml/2006/main" xmlns:r="http://schemas.openxmlformats.org/officeDocument/2006/relationships" xmlns:p="http://schemas.openxmlformats.org/presentationml/2006/main" showMasterSp="0" showMasterPhAnim="0">
   <p:cSld>
     <p:spTree>
       <p:nvGrpSpPr>
-        <p:cNvPr id="56" name="Shape 56"/>
+        <p:cNvPr id="1" name="Shape 56"/>
         <p:cNvGrpSpPr/>
         <p:nvPr/>
       </p:nvGrpSpPr>
@@ -1613,20 +1678,26 @@
       <p:sp>
         <p:nvSpPr>
           <p:cNvPr id="57" name="Google Shape;57;gbcf296bf5b_1_5:notes"/>
-          <p:cNvSpPr/>
+          <p:cNvSpPr>
+            <a:spLocks noGrp="1" noRot="1" noChangeAspect="1"/>
+          </p:cNvSpPr>
           <p:nvPr>
-            <p:ph idx="2" type="sldImg"/>
+            <p:ph type="sldImg" idx="2"/>
           </p:nvPr>
         </p:nvSpPr>
         <p:spPr>
           <a:xfrm>
-            <a:off x="381300" y="685800"/>
+            <a:off x="381000" y="685800"/>
             <a:ext cx="6096000" cy="3429000"/>
           </a:xfrm>
           <a:custGeom>
-            <a:rect b="b" l="l" r="r" t="t"/>
+            <a:avLst/>
+            <a:gdLst/>
+            <a:ahLst/>
+            <a:cxnLst/>
+            <a:rect l="l" t="t" r="r" b="b"/>
             <a:pathLst>
-              <a:path extrusionOk="0" h="120000" w="120000">
+              <a:path w="120000" h="120000" extrusionOk="0">
                 <a:moveTo>
                   <a:pt x="0" y="0"/>
                 </a:moveTo>
@@ -1648,9 +1719,11 @@
       <p:sp>
         <p:nvSpPr>
           <p:cNvPr id="58" name="Google Shape;58;gbcf296bf5b_1_5:notes"/>
-          <p:cNvSpPr txBox="1"/>
+          <p:cNvSpPr txBox="1">
+            <a:spLocks noGrp="1"/>
+          </p:cNvSpPr>
           <p:nvPr>
-            <p:ph idx="1" type="body"/>
+            <p:ph type="body" idx="1"/>
           </p:nvPr>
         </p:nvSpPr>
         <p:spPr>
@@ -1663,12 +1736,12 @@
           </a:prstGeom>
         </p:spPr>
         <p:txBody>
-          <a:bodyPr anchorCtr="0" anchor="t" bIns="91425" lIns="91425" spcFirstLastPara="1" rIns="91425" wrap="square" tIns="91425">
+          <a:bodyPr spcFirstLastPara="1" wrap="square" lIns="91425" tIns="91425" rIns="91425" bIns="91425" anchor="t" anchorCtr="0">
             <a:noAutofit/>
           </a:bodyPr>
           <a:lstStyle/>
           <a:p>
-            <a:pPr indent="0" lvl="0" marL="0" rtl="0" algn="l">
+            <a:pPr marL="0" lvl="0" indent="0" algn="l" rtl="0">
               <a:spcBef>
                 <a:spcPts val="0"/>
               </a:spcBef>
@@ -1677,9 +1750,6 @@
               </a:spcAft>
               <a:buNone/>
             </a:pPr>
-            <a:r>
-              <a:t/>
-            </a:r>
             <a:endParaRPr/>
           </a:p>
         </p:txBody>
@@ -1693,11 +1763,11 @@
 </file>
 
 <file path=ppt/notesSlides/notesSlide3.xml><?xml version="1.0" encoding="utf-8"?>
-<p:notes xmlns:a="http://schemas.openxmlformats.org/drawingml/2006/main" xmlns:r="http://schemas.openxmlformats.org/officeDocument/2006/relationships" xmlns:mc="http://schemas.openxmlformats.org/markup-compatibility/2006" xmlns:mv="urn:schemas-microsoft-com:mac:vml" xmlns:p="http://schemas.openxmlformats.org/presentationml/2006/main" xmlns:c="http://schemas.openxmlformats.org/drawingml/2006/chart" xmlns:dgm="http://schemas.openxmlformats.org/drawingml/2006/diagram" xmlns:o="urn:schemas-microsoft-com:office:office" xmlns:v="urn:schemas-microsoft-com:vml" xmlns:pvml="urn:schemas-microsoft-com:office:powerpoint" xmlns:com="http://schemas.openxmlformats.org/drawingml/2006/compatibility" xmlns:p14="http://schemas.microsoft.com/office/powerpoint/2010/main" xmlns:p15="http://schemas.microsoft.com/office/powerpoint/2012/main" xmlns:ahyp="http://schemas.microsoft.com/office/drawing/2018/hyperlinkcolor" showMasterPhAnim="0" showMasterSp="0">
+<p:notes xmlns:a="http://schemas.openxmlformats.org/drawingml/2006/main" xmlns:r="http://schemas.openxmlformats.org/officeDocument/2006/relationships" xmlns:p="http://schemas.openxmlformats.org/presentationml/2006/main" showMasterSp="0" showMasterPhAnim="0">
   <p:cSld>
     <p:spTree>
       <p:nvGrpSpPr>
-        <p:cNvPr id="62" name="Shape 62"/>
+        <p:cNvPr id="1" name="Shape 62"/>
         <p:cNvGrpSpPr/>
         <p:nvPr/>
       </p:nvGrpSpPr>
@@ -1712,9 +1782,11 @@
       <p:sp>
         <p:nvSpPr>
           <p:cNvPr id="63" name="Google Shape;63;gbd9c1a23f1_1_0:notes"/>
-          <p:cNvSpPr/>
+          <p:cNvSpPr>
+            <a:spLocks noGrp="1" noRot="1" noChangeAspect="1"/>
+          </p:cNvSpPr>
           <p:nvPr>
-            <p:ph idx="2" type="sldImg"/>
+            <p:ph type="sldImg" idx="2"/>
           </p:nvPr>
         </p:nvSpPr>
         <p:spPr>
@@ -1723,9 +1795,13 @@
             <a:ext cx="6096000" cy="3429000"/>
           </a:xfrm>
           <a:custGeom>
-            <a:rect b="b" l="l" r="r" t="t"/>
+            <a:avLst/>
+            <a:gdLst/>
+            <a:ahLst/>
+            <a:cxnLst/>
+            <a:rect l="l" t="t" r="r" b="b"/>
             <a:pathLst>
-              <a:path extrusionOk="0" h="120000" w="120000">
+              <a:path w="120000" h="120000" extrusionOk="0">
                 <a:moveTo>
                   <a:pt x="0" y="0"/>
                 </a:moveTo>
@@ -1747,9 +1823,11 @@
       <p:sp>
         <p:nvSpPr>
           <p:cNvPr id="64" name="Google Shape;64;gbd9c1a23f1_1_0:notes"/>
-          <p:cNvSpPr txBox="1"/>
+          <p:cNvSpPr txBox="1">
+            <a:spLocks noGrp="1"/>
+          </p:cNvSpPr>
           <p:nvPr>
-            <p:ph idx="1" type="body"/>
+            <p:ph type="body" idx="1"/>
           </p:nvPr>
         </p:nvSpPr>
         <p:spPr>
@@ -1762,12 +1840,12 @@
           </a:prstGeom>
         </p:spPr>
         <p:txBody>
-          <a:bodyPr anchorCtr="0" anchor="t" bIns="91425" lIns="91425" spcFirstLastPara="1" rIns="91425" wrap="square" tIns="91425">
+          <a:bodyPr spcFirstLastPara="1" wrap="square" lIns="91425" tIns="91425" rIns="91425" bIns="91425" anchor="t" anchorCtr="0">
             <a:noAutofit/>
           </a:bodyPr>
           <a:lstStyle/>
           <a:p>
-            <a:pPr indent="0" lvl="0" marL="0" rtl="0" algn="l">
+            <a:pPr marL="0" lvl="0" indent="0" algn="l" rtl="0">
               <a:spcBef>
                 <a:spcPts val="0"/>
               </a:spcBef>
@@ -1776,9 +1854,6 @@
               </a:spcAft>
               <a:buNone/>
             </a:pPr>
-            <a:r>
-              <a:t/>
-            </a:r>
             <a:endParaRPr/>
           </a:p>
         </p:txBody>
@@ -1792,11 +1867,11 @@
 </file>
 
 <file path=ppt/notesSlides/notesSlide4.xml><?xml version="1.0" encoding="utf-8"?>
-<p:notes xmlns:a="http://schemas.openxmlformats.org/drawingml/2006/main" xmlns:r="http://schemas.openxmlformats.org/officeDocument/2006/relationships" xmlns:mc="http://schemas.openxmlformats.org/markup-compatibility/2006" xmlns:mv="urn:schemas-microsoft-com:mac:vml" xmlns:p="http://schemas.openxmlformats.org/presentationml/2006/main" xmlns:c="http://schemas.openxmlformats.org/drawingml/2006/chart" xmlns:dgm="http://schemas.openxmlformats.org/drawingml/2006/diagram" xmlns:o="urn:schemas-microsoft-com:office:office" xmlns:v="urn:schemas-microsoft-com:vml" xmlns:pvml="urn:schemas-microsoft-com:office:powerpoint" xmlns:com="http://schemas.openxmlformats.org/drawingml/2006/compatibility" xmlns:p14="http://schemas.microsoft.com/office/powerpoint/2010/main" xmlns:p15="http://schemas.microsoft.com/office/powerpoint/2012/main" xmlns:ahyp="http://schemas.microsoft.com/office/drawing/2018/hyperlinkcolor" showMasterPhAnim="0" showMasterSp="0">
+<p:notes xmlns:a="http://schemas.openxmlformats.org/drawingml/2006/main" xmlns:r="http://schemas.openxmlformats.org/officeDocument/2006/relationships" xmlns:p="http://schemas.openxmlformats.org/presentationml/2006/main" showMasterSp="0" showMasterPhAnim="0">
   <p:cSld>
     <p:spTree>
       <p:nvGrpSpPr>
-        <p:cNvPr id="69" name="Shape 69"/>
+        <p:cNvPr id="1" name="Shape 69"/>
         <p:cNvGrpSpPr/>
         <p:nvPr/>
       </p:nvGrpSpPr>
@@ -1811,9 +1886,11 @@
       <p:sp>
         <p:nvSpPr>
           <p:cNvPr id="70" name="Google Shape;70;gbcf296bf5b_7_10:notes"/>
-          <p:cNvSpPr/>
+          <p:cNvSpPr>
+            <a:spLocks noGrp="1" noRot="1" noChangeAspect="1"/>
+          </p:cNvSpPr>
           <p:nvPr>
-            <p:ph idx="2" type="sldImg"/>
+            <p:ph type="sldImg" idx="2"/>
           </p:nvPr>
         </p:nvSpPr>
         <p:spPr>
@@ -1822,9 +1899,13 @@
             <a:ext cx="6096000" cy="3429000"/>
           </a:xfrm>
           <a:custGeom>
-            <a:rect b="b" l="l" r="r" t="t"/>
+            <a:avLst/>
+            <a:gdLst/>
+            <a:ahLst/>
+            <a:cxnLst/>
+            <a:rect l="l" t="t" r="r" b="b"/>
             <a:pathLst>
-              <a:path extrusionOk="0" h="120000" w="120000">
+              <a:path w="120000" h="120000" extrusionOk="0">
                 <a:moveTo>
                   <a:pt x="0" y="0"/>
                 </a:moveTo>
@@ -1846,9 +1927,11 @@
       <p:sp>
         <p:nvSpPr>
           <p:cNvPr id="71" name="Google Shape;71;gbcf296bf5b_7_10:notes"/>
-          <p:cNvSpPr txBox="1"/>
+          <p:cNvSpPr txBox="1">
+            <a:spLocks noGrp="1"/>
+          </p:cNvSpPr>
           <p:nvPr>
-            <p:ph idx="1" type="body"/>
+            <p:ph type="body" idx="1"/>
           </p:nvPr>
         </p:nvSpPr>
         <p:spPr>
@@ -1861,12 +1944,12 @@
           </a:prstGeom>
         </p:spPr>
         <p:txBody>
-          <a:bodyPr anchorCtr="0" anchor="t" bIns="91425" lIns="91425" spcFirstLastPara="1" rIns="91425" wrap="square" tIns="91425">
+          <a:bodyPr spcFirstLastPara="1" wrap="square" lIns="91425" tIns="91425" rIns="91425" bIns="91425" anchor="t" anchorCtr="0">
             <a:noAutofit/>
           </a:bodyPr>
           <a:lstStyle/>
           <a:p>
-            <a:pPr indent="0" lvl="0" marL="0" rtl="0" algn="l">
+            <a:pPr marL="0" lvl="0" indent="0" algn="l" rtl="0">
               <a:spcBef>
                 <a:spcPts val="0"/>
               </a:spcBef>
@@ -1875,9 +1958,6 @@
               </a:spcAft>
               <a:buNone/>
             </a:pPr>
-            <a:r>
-              <a:t/>
-            </a:r>
             <a:endParaRPr/>
           </a:p>
         </p:txBody>
@@ -1891,11 +1971,11 @@
 </file>
 
 <file path=ppt/notesSlides/notesSlide5.xml><?xml version="1.0" encoding="utf-8"?>
-<p:notes xmlns:a="http://schemas.openxmlformats.org/drawingml/2006/main" xmlns:r="http://schemas.openxmlformats.org/officeDocument/2006/relationships" xmlns:mc="http://schemas.openxmlformats.org/markup-compatibility/2006" xmlns:mv="urn:schemas-microsoft-com:mac:vml" xmlns:p="http://schemas.openxmlformats.org/presentationml/2006/main" xmlns:c="http://schemas.openxmlformats.org/drawingml/2006/chart" xmlns:dgm="http://schemas.openxmlformats.org/drawingml/2006/diagram" xmlns:o="urn:schemas-microsoft-com:office:office" xmlns:v="urn:schemas-microsoft-com:vml" xmlns:pvml="urn:schemas-microsoft-com:office:powerpoint" xmlns:com="http://schemas.openxmlformats.org/drawingml/2006/compatibility" xmlns:p14="http://schemas.microsoft.com/office/powerpoint/2010/main" xmlns:p15="http://schemas.microsoft.com/office/powerpoint/2012/main" xmlns:ahyp="http://schemas.microsoft.com/office/drawing/2018/hyperlinkcolor" showMasterPhAnim="0" showMasterSp="0">
+<p:notes xmlns:a="http://schemas.openxmlformats.org/drawingml/2006/main" xmlns:r="http://schemas.openxmlformats.org/officeDocument/2006/relationships" xmlns:p="http://schemas.openxmlformats.org/presentationml/2006/main" showMasterSp="0" showMasterPhAnim="0">
   <p:cSld>
     <p:spTree>
       <p:nvGrpSpPr>
-        <p:cNvPr id="78" name="Shape 78"/>
+        <p:cNvPr id="1" name="Shape 78"/>
         <p:cNvGrpSpPr/>
         <p:nvPr/>
       </p:nvGrpSpPr>
@@ -1910,9 +1990,11 @@
       <p:sp>
         <p:nvSpPr>
           <p:cNvPr id="79" name="Google Shape;79;gbcf296bf5b_1_10:notes"/>
-          <p:cNvSpPr/>
+          <p:cNvSpPr>
+            <a:spLocks noGrp="1" noRot="1" noChangeAspect="1"/>
+          </p:cNvSpPr>
           <p:nvPr>
-            <p:ph idx="2" type="sldImg"/>
+            <p:ph type="sldImg" idx="2"/>
           </p:nvPr>
         </p:nvSpPr>
         <p:spPr>
@@ -1921,9 +2003,13 @@
             <a:ext cx="6096000" cy="3429000"/>
           </a:xfrm>
           <a:custGeom>
-            <a:rect b="b" l="l" r="r" t="t"/>
+            <a:avLst/>
+            <a:gdLst/>
+            <a:ahLst/>
+            <a:cxnLst/>
+            <a:rect l="l" t="t" r="r" b="b"/>
             <a:pathLst>
-              <a:path extrusionOk="0" h="120000" w="120000">
+              <a:path w="120000" h="120000" extrusionOk="0">
                 <a:moveTo>
                   <a:pt x="0" y="0"/>
                 </a:moveTo>
@@ -1945,9 +2031,11 @@
       <p:sp>
         <p:nvSpPr>
           <p:cNvPr id="80" name="Google Shape;80;gbcf296bf5b_1_10:notes"/>
-          <p:cNvSpPr txBox="1"/>
+          <p:cNvSpPr txBox="1">
+            <a:spLocks noGrp="1"/>
+          </p:cNvSpPr>
           <p:nvPr>
-            <p:ph idx="1" type="body"/>
+            <p:ph type="body" idx="1"/>
           </p:nvPr>
         </p:nvSpPr>
         <p:spPr>
@@ -1960,12 +2048,12 @@
           </a:prstGeom>
         </p:spPr>
         <p:txBody>
-          <a:bodyPr anchorCtr="0" anchor="t" bIns="91425" lIns="91425" spcFirstLastPara="1" rIns="91425" wrap="square" tIns="91425">
+          <a:bodyPr spcFirstLastPara="1" wrap="square" lIns="91425" tIns="91425" rIns="91425" bIns="91425" anchor="t" anchorCtr="0">
             <a:noAutofit/>
           </a:bodyPr>
           <a:lstStyle/>
           <a:p>
-            <a:pPr indent="0" lvl="0" marL="0" rtl="0" algn="l">
+            <a:pPr marL="0" lvl="0" indent="0" algn="l" rtl="0">
               <a:spcBef>
                 <a:spcPts val="0"/>
               </a:spcBef>
@@ -1974,9 +2062,6 @@
               </a:spcAft>
               <a:buNone/>
             </a:pPr>
-            <a:r>
-              <a:t/>
-            </a:r>
             <a:endParaRPr/>
           </a:p>
         </p:txBody>
@@ -1990,11 +2075,11 @@
 </file>
 
 <file path=ppt/notesSlides/notesSlide6.xml><?xml version="1.0" encoding="utf-8"?>
-<p:notes xmlns:a="http://schemas.openxmlformats.org/drawingml/2006/main" xmlns:r="http://schemas.openxmlformats.org/officeDocument/2006/relationships" xmlns:mc="http://schemas.openxmlformats.org/markup-compatibility/2006" xmlns:mv="urn:schemas-microsoft-com:mac:vml" xmlns:p="http://schemas.openxmlformats.org/presentationml/2006/main" xmlns:c="http://schemas.openxmlformats.org/drawingml/2006/chart" xmlns:dgm="http://schemas.openxmlformats.org/drawingml/2006/diagram" xmlns:o="urn:schemas-microsoft-com:office:office" xmlns:v="urn:schemas-microsoft-com:vml" xmlns:pvml="urn:schemas-microsoft-com:office:powerpoint" xmlns:com="http://schemas.openxmlformats.org/drawingml/2006/compatibility" xmlns:p14="http://schemas.microsoft.com/office/powerpoint/2010/main" xmlns:p15="http://schemas.microsoft.com/office/powerpoint/2012/main" xmlns:ahyp="http://schemas.microsoft.com/office/drawing/2018/hyperlinkcolor" showMasterPhAnim="0" showMasterSp="0">
+<p:notes xmlns:a="http://schemas.openxmlformats.org/drawingml/2006/main" xmlns:r="http://schemas.openxmlformats.org/officeDocument/2006/relationships" xmlns:p="http://schemas.openxmlformats.org/presentationml/2006/main" showMasterSp="0" showMasterPhAnim="0">
   <p:cSld>
     <p:spTree>
       <p:nvGrpSpPr>
-        <p:cNvPr id="84" name="Shape 84"/>
+        <p:cNvPr id="1" name="Shape 84"/>
         <p:cNvGrpSpPr/>
         <p:nvPr/>
       </p:nvGrpSpPr>
@@ -2009,9 +2094,11 @@
       <p:sp>
         <p:nvSpPr>
           <p:cNvPr id="85" name="Google Shape;85;gbcf296bf5b_1_76:notes"/>
-          <p:cNvSpPr/>
+          <p:cNvSpPr>
+            <a:spLocks noGrp="1" noRot="1" noChangeAspect="1"/>
+          </p:cNvSpPr>
           <p:nvPr>
-            <p:ph idx="2" type="sldImg"/>
+            <p:ph type="sldImg" idx="2"/>
           </p:nvPr>
         </p:nvSpPr>
         <p:spPr>
@@ -2020,9 +2107,13 @@
             <a:ext cx="6096000" cy="3429000"/>
           </a:xfrm>
           <a:custGeom>
-            <a:rect b="b" l="l" r="r" t="t"/>
+            <a:avLst/>
+            <a:gdLst/>
+            <a:ahLst/>
+            <a:cxnLst/>
+            <a:rect l="l" t="t" r="r" b="b"/>
             <a:pathLst>
-              <a:path extrusionOk="0" h="120000" w="120000">
+              <a:path w="120000" h="120000" extrusionOk="0">
                 <a:moveTo>
                   <a:pt x="0" y="0"/>
                 </a:moveTo>
@@ -2044,9 +2135,11 @@
       <p:sp>
         <p:nvSpPr>
           <p:cNvPr id="86" name="Google Shape;86;gbcf296bf5b_1_76:notes"/>
-          <p:cNvSpPr txBox="1"/>
+          <p:cNvSpPr txBox="1">
+            <a:spLocks noGrp="1"/>
+          </p:cNvSpPr>
           <p:nvPr>
-            <p:ph idx="1" type="body"/>
+            <p:ph type="body" idx="1"/>
           </p:nvPr>
         </p:nvSpPr>
         <p:spPr>
@@ -2059,12 +2152,12 @@
           </a:prstGeom>
         </p:spPr>
         <p:txBody>
-          <a:bodyPr anchorCtr="0" anchor="t" bIns="91425" lIns="91425" spcFirstLastPara="1" rIns="91425" wrap="square" tIns="91425">
+          <a:bodyPr spcFirstLastPara="1" wrap="square" lIns="91425" tIns="91425" rIns="91425" bIns="91425" anchor="t" anchorCtr="0">
             <a:noAutofit/>
           </a:bodyPr>
           <a:lstStyle/>
           <a:p>
-            <a:pPr indent="0" lvl="0" marL="0" rtl="0" algn="l">
+            <a:pPr marL="0" lvl="0" indent="0" algn="l" rtl="0">
               <a:spcBef>
                 <a:spcPts val="0"/>
               </a:spcBef>
@@ -2073,9 +2166,6 @@
               </a:spcAft>
               <a:buNone/>
             </a:pPr>
-            <a:r>
-              <a:t/>
-            </a:r>
             <a:endParaRPr/>
           </a:p>
         </p:txBody>
@@ -2089,11 +2179,11 @@
 </file>
 
 <file path=ppt/notesSlides/notesSlide7.xml><?xml version="1.0" encoding="utf-8"?>
-<p:notes xmlns:a="http://schemas.openxmlformats.org/drawingml/2006/main" xmlns:r="http://schemas.openxmlformats.org/officeDocument/2006/relationships" xmlns:mc="http://schemas.openxmlformats.org/markup-compatibility/2006" xmlns:mv="urn:schemas-microsoft-com:mac:vml" xmlns:p="http://schemas.openxmlformats.org/presentationml/2006/main" xmlns:c="http://schemas.openxmlformats.org/drawingml/2006/chart" xmlns:dgm="http://schemas.openxmlformats.org/drawingml/2006/diagram" xmlns:o="urn:schemas-microsoft-com:office:office" xmlns:v="urn:schemas-microsoft-com:vml" xmlns:pvml="urn:schemas-microsoft-com:office:powerpoint" xmlns:com="http://schemas.openxmlformats.org/drawingml/2006/compatibility" xmlns:p14="http://schemas.microsoft.com/office/powerpoint/2010/main" xmlns:p15="http://schemas.microsoft.com/office/powerpoint/2012/main" xmlns:ahyp="http://schemas.microsoft.com/office/drawing/2018/hyperlinkcolor" showMasterPhAnim="0" showMasterSp="0">
+<p:notes xmlns:a="http://schemas.openxmlformats.org/drawingml/2006/main" xmlns:r="http://schemas.openxmlformats.org/officeDocument/2006/relationships" xmlns:p="http://schemas.openxmlformats.org/presentationml/2006/main" showMasterSp="0" showMasterPhAnim="0">
   <p:cSld>
     <p:spTree>
       <p:nvGrpSpPr>
-        <p:cNvPr id="90" name="Shape 90"/>
+        <p:cNvPr id="1" name="Shape 90"/>
         <p:cNvGrpSpPr/>
         <p:nvPr/>
       </p:nvGrpSpPr>
@@ -2108,9 +2198,11 @@
       <p:sp>
         <p:nvSpPr>
           <p:cNvPr id="91" name="Google Shape;91;gbcf296bf5b_1_87:notes"/>
-          <p:cNvSpPr/>
+          <p:cNvSpPr>
+            <a:spLocks noGrp="1" noRot="1" noChangeAspect="1"/>
+          </p:cNvSpPr>
           <p:nvPr>
-            <p:ph idx="2" type="sldImg"/>
+            <p:ph type="sldImg" idx="2"/>
           </p:nvPr>
         </p:nvSpPr>
         <p:spPr>
@@ -2119,9 +2211,13 @@
             <a:ext cx="6096000" cy="3429000"/>
           </a:xfrm>
           <a:custGeom>
-            <a:rect b="b" l="l" r="r" t="t"/>
+            <a:avLst/>
+            <a:gdLst/>
+            <a:ahLst/>
+            <a:cxnLst/>
+            <a:rect l="l" t="t" r="r" b="b"/>
             <a:pathLst>
-              <a:path extrusionOk="0" h="120000" w="120000">
+              <a:path w="120000" h="120000" extrusionOk="0">
                 <a:moveTo>
                   <a:pt x="0" y="0"/>
                 </a:moveTo>
@@ -2143,9 +2239,11 @@
       <p:sp>
         <p:nvSpPr>
           <p:cNvPr id="92" name="Google Shape;92;gbcf296bf5b_1_87:notes"/>
-          <p:cNvSpPr txBox="1"/>
+          <p:cNvSpPr txBox="1">
+            <a:spLocks noGrp="1"/>
+          </p:cNvSpPr>
           <p:nvPr>
-            <p:ph idx="1" type="body"/>
+            <p:ph type="body" idx="1"/>
           </p:nvPr>
         </p:nvSpPr>
         <p:spPr>
@@ -2158,12 +2256,12 @@
           </a:prstGeom>
         </p:spPr>
         <p:txBody>
-          <a:bodyPr anchorCtr="0" anchor="t" bIns="91425" lIns="91425" spcFirstLastPara="1" rIns="91425" wrap="square" tIns="91425">
+          <a:bodyPr spcFirstLastPara="1" wrap="square" lIns="91425" tIns="91425" rIns="91425" bIns="91425" anchor="t" anchorCtr="0">
             <a:noAutofit/>
           </a:bodyPr>
           <a:lstStyle/>
           <a:p>
-            <a:pPr indent="0" lvl="0" marL="0" rtl="0" algn="l">
+            <a:pPr marL="0" lvl="0" indent="0" algn="l" rtl="0">
               <a:spcBef>
                 <a:spcPts val="0"/>
               </a:spcBef>
@@ -2172,9 +2270,6 @@
               </a:spcAft>
               <a:buNone/>
             </a:pPr>
-            <a:r>
-              <a:t/>
-            </a:r>
             <a:endParaRPr/>
           </a:p>
         </p:txBody>
@@ -2188,11 +2283,11 @@
 </file>
 
 <file path=ppt/notesSlides/notesSlide8.xml><?xml version="1.0" encoding="utf-8"?>
-<p:notes xmlns:a="http://schemas.openxmlformats.org/drawingml/2006/main" xmlns:r="http://schemas.openxmlformats.org/officeDocument/2006/relationships" xmlns:mc="http://schemas.openxmlformats.org/markup-compatibility/2006" xmlns:mv="urn:schemas-microsoft-com:mac:vml" xmlns:p="http://schemas.openxmlformats.org/presentationml/2006/main" xmlns:c="http://schemas.openxmlformats.org/drawingml/2006/chart" xmlns:dgm="http://schemas.openxmlformats.org/drawingml/2006/diagram" xmlns:o="urn:schemas-microsoft-com:office:office" xmlns:v="urn:schemas-microsoft-com:vml" xmlns:pvml="urn:schemas-microsoft-com:office:powerpoint" xmlns:com="http://schemas.openxmlformats.org/drawingml/2006/compatibility" xmlns:p14="http://schemas.microsoft.com/office/powerpoint/2010/main" xmlns:p15="http://schemas.microsoft.com/office/powerpoint/2012/main" xmlns:ahyp="http://schemas.microsoft.com/office/drawing/2018/hyperlinkcolor" showMasterPhAnim="0" showMasterSp="0">
+<p:notes xmlns:a="http://schemas.openxmlformats.org/drawingml/2006/main" xmlns:r="http://schemas.openxmlformats.org/officeDocument/2006/relationships" xmlns:p="http://schemas.openxmlformats.org/presentationml/2006/main" showMasterSp="0" showMasterPhAnim="0">
   <p:cSld>
     <p:spTree>
       <p:nvGrpSpPr>
-        <p:cNvPr id="96" name="Shape 96"/>
+        <p:cNvPr id="1" name="Shape 96"/>
         <p:cNvGrpSpPr/>
         <p:nvPr/>
       </p:nvGrpSpPr>
@@ -2207,9 +2302,11 @@
       <p:sp>
         <p:nvSpPr>
           <p:cNvPr id="97" name="Google Shape;97;gbcf296bf5b_1_15:notes"/>
-          <p:cNvSpPr/>
+          <p:cNvSpPr>
+            <a:spLocks noGrp="1" noRot="1" noChangeAspect="1"/>
+          </p:cNvSpPr>
           <p:nvPr>
-            <p:ph idx="2" type="sldImg"/>
+            <p:ph type="sldImg" idx="2"/>
           </p:nvPr>
         </p:nvSpPr>
         <p:spPr>
@@ -2218,9 +2315,13 @@
             <a:ext cx="6096000" cy="3429000"/>
           </a:xfrm>
           <a:custGeom>
-            <a:rect b="b" l="l" r="r" t="t"/>
+            <a:avLst/>
+            <a:gdLst/>
+            <a:ahLst/>
+            <a:cxnLst/>
+            <a:rect l="l" t="t" r="r" b="b"/>
             <a:pathLst>
-              <a:path extrusionOk="0" h="120000" w="120000">
+              <a:path w="120000" h="120000" extrusionOk="0">
                 <a:moveTo>
                   <a:pt x="0" y="0"/>
                 </a:moveTo>
@@ -2242,9 +2343,11 @@
       <p:sp>
         <p:nvSpPr>
           <p:cNvPr id="98" name="Google Shape;98;gbcf296bf5b_1_15:notes"/>
-          <p:cNvSpPr txBox="1"/>
+          <p:cNvSpPr txBox="1">
+            <a:spLocks noGrp="1"/>
+          </p:cNvSpPr>
           <p:nvPr>
-            <p:ph idx="1" type="body"/>
+            <p:ph type="body" idx="1"/>
           </p:nvPr>
         </p:nvSpPr>
         <p:spPr>
@@ -2257,12 +2360,12 @@
           </a:prstGeom>
         </p:spPr>
         <p:txBody>
-          <a:bodyPr anchorCtr="0" anchor="t" bIns="91425" lIns="91425" spcFirstLastPara="1" rIns="91425" wrap="square" tIns="91425">
+          <a:bodyPr spcFirstLastPara="1" wrap="square" lIns="91425" tIns="91425" rIns="91425" bIns="91425" anchor="t" anchorCtr="0">
             <a:noAutofit/>
           </a:bodyPr>
           <a:lstStyle/>
           <a:p>
-            <a:pPr indent="0" lvl="0" marL="0" rtl="0" algn="l">
+            <a:pPr marL="0" lvl="0" indent="0" algn="l" rtl="0">
               <a:spcBef>
                 <a:spcPts val="0"/>
               </a:spcBef>
@@ -2271,9 +2374,6 @@
               </a:spcAft>
               <a:buNone/>
             </a:pPr>
-            <a:r>
-              <a:t/>
-            </a:r>
             <a:endParaRPr/>
           </a:p>
         </p:txBody>
@@ -2287,11 +2387,11 @@
 </file>
 
 <file path=ppt/notesSlides/notesSlide9.xml><?xml version="1.0" encoding="utf-8"?>
-<p:notes xmlns:a="http://schemas.openxmlformats.org/drawingml/2006/main" xmlns:r="http://schemas.openxmlformats.org/officeDocument/2006/relationships" xmlns:mc="http://schemas.openxmlformats.org/markup-compatibility/2006" xmlns:mv="urn:schemas-microsoft-com:mac:vml" xmlns:p="http://schemas.openxmlformats.org/presentationml/2006/main" xmlns:c="http://schemas.openxmlformats.org/drawingml/2006/chart" xmlns:dgm="http://schemas.openxmlformats.org/drawingml/2006/diagram" xmlns:o="urn:schemas-microsoft-com:office:office" xmlns:v="urn:schemas-microsoft-com:vml" xmlns:pvml="urn:schemas-microsoft-com:office:powerpoint" xmlns:com="http://schemas.openxmlformats.org/drawingml/2006/compatibility" xmlns:p14="http://schemas.microsoft.com/office/powerpoint/2010/main" xmlns:p15="http://schemas.microsoft.com/office/powerpoint/2012/main" xmlns:ahyp="http://schemas.microsoft.com/office/drawing/2018/hyperlinkcolor" showMasterPhAnim="0" showMasterSp="0">
+<p:notes xmlns:a="http://schemas.openxmlformats.org/drawingml/2006/main" xmlns:r="http://schemas.openxmlformats.org/officeDocument/2006/relationships" xmlns:p="http://schemas.openxmlformats.org/presentationml/2006/main" showMasterSp="0" showMasterPhAnim="0">
   <p:cSld>
     <p:spTree>
       <p:nvGrpSpPr>
-        <p:cNvPr id="104" name="Shape 104"/>
+        <p:cNvPr id="1" name="Shape 104"/>
         <p:cNvGrpSpPr/>
         <p:nvPr/>
       </p:nvGrpSpPr>
@@ -2306,9 +2406,11 @@
       <p:sp>
         <p:nvSpPr>
           <p:cNvPr id="105" name="Google Shape;105;gbcf296bf5b_1_20:notes"/>
-          <p:cNvSpPr/>
+          <p:cNvSpPr>
+            <a:spLocks noGrp="1" noRot="1" noChangeAspect="1"/>
+          </p:cNvSpPr>
           <p:nvPr>
-            <p:ph idx="2" type="sldImg"/>
+            <p:ph type="sldImg" idx="2"/>
           </p:nvPr>
         </p:nvSpPr>
         <p:spPr>
@@ -2317,9 +2419,13 @@
             <a:ext cx="6096000" cy="3429000"/>
           </a:xfrm>
           <a:custGeom>
-            <a:rect b="b" l="l" r="r" t="t"/>
+            <a:avLst/>
+            <a:gdLst/>
+            <a:ahLst/>
+            <a:cxnLst/>
+            <a:rect l="l" t="t" r="r" b="b"/>
             <a:pathLst>
-              <a:path extrusionOk="0" h="120000" w="120000">
+              <a:path w="120000" h="120000" extrusionOk="0">
                 <a:moveTo>
                   <a:pt x="0" y="0"/>
                 </a:moveTo>
@@ -2341,9 +2447,11 @@
       <p:sp>
         <p:nvSpPr>
           <p:cNvPr id="106" name="Google Shape;106;gbcf296bf5b_1_20:notes"/>
-          <p:cNvSpPr txBox="1"/>
+          <p:cNvSpPr txBox="1">
+            <a:spLocks noGrp="1"/>
+          </p:cNvSpPr>
           <p:nvPr>
-            <p:ph idx="1" type="body"/>
+            <p:ph type="body" idx="1"/>
           </p:nvPr>
         </p:nvSpPr>
         <p:spPr>
@@ -2356,12 +2464,12 @@
           </a:prstGeom>
         </p:spPr>
         <p:txBody>
-          <a:bodyPr anchorCtr="0" anchor="t" bIns="91425" lIns="91425" spcFirstLastPara="1" rIns="91425" wrap="square" tIns="91425">
+          <a:bodyPr spcFirstLastPara="1" wrap="square" lIns="91425" tIns="91425" rIns="91425" bIns="91425" anchor="t" anchorCtr="0">
             <a:noAutofit/>
           </a:bodyPr>
           <a:lstStyle/>
           <a:p>
-            <a:pPr indent="0" lvl="0" marL="0" rtl="0" algn="l">
+            <a:pPr marL="0" lvl="0" indent="0" algn="l" rtl="0">
               <a:spcBef>
                 <a:spcPts val="0"/>
               </a:spcBef>
@@ -2370,9 +2478,6 @@
               </a:spcAft>
               <a:buNone/>
             </a:pPr>
-            <a:r>
-              <a:t/>
-            </a:r>
             <a:endParaRPr/>
           </a:p>
         </p:txBody>
@@ -2386,11 +2491,11 @@
 </file>
 
 <file path=ppt/slideLayouts/slideLayout1.xml><?xml version="1.0" encoding="utf-8"?>
-<p:sldLayout xmlns:a="http://schemas.openxmlformats.org/drawingml/2006/main" xmlns:r="http://schemas.openxmlformats.org/officeDocument/2006/relationships" xmlns:mc="http://schemas.openxmlformats.org/markup-compatibility/2006" xmlns:mv="urn:schemas-microsoft-com:mac:vml" xmlns:p="http://schemas.openxmlformats.org/presentationml/2006/main" xmlns:c="http://schemas.openxmlformats.org/drawingml/2006/chart" xmlns:dgm="http://schemas.openxmlformats.org/drawingml/2006/diagram" xmlns:o="urn:schemas-microsoft-com:office:office" xmlns:v="urn:schemas-microsoft-com:vml" xmlns:pvml="urn:schemas-microsoft-com:office:powerpoint" xmlns:com="http://schemas.openxmlformats.org/drawingml/2006/compatibility" xmlns:p14="http://schemas.microsoft.com/office/powerpoint/2010/main" xmlns:p15="http://schemas.microsoft.com/office/powerpoint/2012/main" xmlns:ahyp="http://schemas.microsoft.com/office/drawing/2018/hyperlinkcolor" matchingName="Title slide" type="title">
+<p:sldLayout xmlns:a="http://schemas.openxmlformats.org/drawingml/2006/main" xmlns:r="http://schemas.openxmlformats.org/officeDocument/2006/relationships" xmlns:p="http://schemas.openxmlformats.org/presentationml/2006/main" matchingName="Title slide" type="title">
   <p:cSld name="TITLE">
     <p:spTree>
       <p:nvGrpSpPr>
-        <p:cNvPr id="9" name="Shape 9"/>
+        <p:cNvPr id="1" name="Shape 9"/>
         <p:cNvGrpSpPr/>
         <p:nvPr/>
       </p:nvGrpSpPr>
@@ -2405,7 +2510,9 @@
       <p:sp>
         <p:nvSpPr>
           <p:cNvPr id="10" name="Google Shape;10;p2"/>
-          <p:cNvSpPr txBox="1"/>
+          <p:cNvSpPr txBox="1">
+            <a:spLocks noGrp="1"/>
+          </p:cNvSpPr>
           <p:nvPr>
             <p:ph type="ctrTitle"/>
           </p:nvPr>
@@ -2420,7 +2527,7 @@
           </a:prstGeom>
         </p:spPr>
         <p:txBody>
-          <a:bodyPr anchorCtr="0" anchor="b" bIns="91425" lIns="91425" spcFirstLastPara="1" rIns="91425" wrap="square" tIns="91425">
+          <a:bodyPr spcFirstLastPara="1" wrap="square" lIns="91425" tIns="91425" rIns="91425" bIns="91425" anchor="b" anchorCtr="0">
             <a:normAutofit/>
           </a:bodyPr>
           <a:lstStyle>
@@ -2524,15 +2631,19 @@
               <a:defRPr sz="5200"/>
             </a:lvl9pPr>
           </a:lstStyle>
-          <a:p/>
+          <a:p>
+            <a:endParaRPr/>
+          </a:p>
         </p:txBody>
       </p:sp>
       <p:sp>
         <p:nvSpPr>
           <p:cNvPr id="11" name="Google Shape;11;p2"/>
-          <p:cNvSpPr txBox="1"/>
+          <p:cNvSpPr txBox="1">
+            <a:spLocks noGrp="1"/>
+          </p:cNvSpPr>
           <p:nvPr>
-            <p:ph idx="1" type="subTitle"/>
+            <p:ph type="subTitle" idx="1"/>
           </p:nvPr>
         </p:nvSpPr>
         <p:spPr>
@@ -2545,7 +2656,7 @@
           </a:prstGeom>
         </p:spPr>
         <p:txBody>
-          <a:bodyPr anchorCtr="0" anchor="t" bIns="91425" lIns="91425" spcFirstLastPara="1" rIns="91425" wrap="square" tIns="91425">
+          <a:bodyPr spcFirstLastPara="1" wrap="square" lIns="91425" tIns="91425" rIns="91425" bIns="91425" anchor="t" anchorCtr="0">
             <a:normAutofit/>
           </a:bodyPr>
           <a:lstStyle>
@@ -2676,15 +2787,19 @@
               <a:defRPr sz="2800"/>
             </a:lvl9pPr>
           </a:lstStyle>
-          <a:p/>
+          <a:p>
+            <a:endParaRPr/>
+          </a:p>
         </p:txBody>
       </p:sp>
       <p:sp>
         <p:nvSpPr>
           <p:cNvPr id="12" name="Google Shape;12;p2"/>
-          <p:cNvSpPr txBox="1"/>
+          <p:cNvSpPr txBox="1">
+            <a:spLocks noGrp="1"/>
+          </p:cNvSpPr>
           <p:nvPr>
-            <p:ph idx="12" type="sldNum"/>
+            <p:ph type="sldNum" idx="12"/>
           </p:nvPr>
         </p:nvSpPr>
         <p:spPr>
@@ -2697,7 +2812,7 @@
           </a:prstGeom>
         </p:spPr>
         <p:txBody>
-          <a:bodyPr anchorCtr="0" anchor="ctr" bIns="91425" lIns="91425" spcFirstLastPara="1" rIns="91425" wrap="square" tIns="91425">
+          <a:bodyPr spcFirstLastPara="1" wrap="square" lIns="91425" tIns="91425" rIns="91425" bIns="91425" anchor="ctr" anchorCtr="0">
             <a:normAutofit/>
           </a:bodyPr>
           <a:lstStyle>
@@ -2739,7 +2854,7 @@
             </a:lvl9pPr>
           </a:lstStyle>
           <a:p>
-            <a:pPr indent="0" lvl="0" marL="0" rtl="0" algn="r">
+            <a:pPr marL="0" lvl="0" indent="0" algn="r" rtl="0">
               <a:spcBef>
                 <a:spcPts val="0"/>
               </a:spcBef>
@@ -2765,11 +2880,11 @@
 </file>
 
 <file path=ppt/slideLayouts/slideLayout10.xml><?xml version="1.0" encoding="utf-8"?>
-<p:sldLayout xmlns:a="http://schemas.openxmlformats.org/drawingml/2006/main" xmlns:r="http://schemas.openxmlformats.org/officeDocument/2006/relationships" xmlns:mc="http://schemas.openxmlformats.org/markup-compatibility/2006" xmlns:mv="urn:schemas-microsoft-com:mac:vml" xmlns:p="http://schemas.openxmlformats.org/presentationml/2006/main" xmlns:c="http://schemas.openxmlformats.org/drawingml/2006/chart" xmlns:dgm="http://schemas.openxmlformats.org/drawingml/2006/diagram" xmlns:o="urn:schemas-microsoft-com:office:office" xmlns:v="urn:schemas-microsoft-com:vml" xmlns:pvml="urn:schemas-microsoft-com:office:powerpoint" xmlns:com="http://schemas.openxmlformats.org/drawingml/2006/compatibility" xmlns:p14="http://schemas.microsoft.com/office/powerpoint/2010/main" xmlns:p15="http://schemas.microsoft.com/office/powerpoint/2012/main" xmlns:ahyp="http://schemas.microsoft.com/office/drawing/2018/hyperlinkcolor" matchingName="Big number">
+<p:sldLayout xmlns:a="http://schemas.openxmlformats.org/drawingml/2006/main" xmlns:r="http://schemas.openxmlformats.org/officeDocument/2006/relationships" xmlns:p="http://schemas.openxmlformats.org/presentationml/2006/main" matchingName="Big number">
   <p:cSld name="BIG_NUMBER">
     <p:spTree>
       <p:nvGrpSpPr>
-        <p:cNvPr id="44" name="Shape 44"/>
+        <p:cNvPr id="1" name="Shape 44"/>
         <p:cNvGrpSpPr/>
         <p:nvPr/>
       </p:nvGrpSpPr>
@@ -2784,9 +2899,11 @@
       <p:sp>
         <p:nvSpPr>
           <p:cNvPr id="45" name="Google Shape;45;p11"/>
-          <p:cNvSpPr txBox="1"/>
+          <p:cNvSpPr txBox="1">
+            <a:spLocks noGrp="1"/>
+          </p:cNvSpPr>
           <p:nvPr>
-            <p:ph hasCustomPrompt="1" type="title"/>
+            <p:ph type="title" hasCustomPrompt="1"/>
           </p:nvPr>
         </p:nvSpPr>
         <p:spPr>
@@ -2799,7 +2916,7 @@
           </a:prstGeom>
         </p:spPr>
         <p:txBody>
-          <a:bodyPr anchorCtr="0" anchor="b" bIns="91425" lIns="91425" spcFirstLastPara="1" rIns="91425" wrap="square" tIns="91425">
+          <a:bodyPr spcFirstLastPara="1" wrap="square" lIns="91425" tIns="91425" rIns="91425" bIns="91425" anchor="b" anchorCtr="0">
             <a:normAutofit/>
           </a:bodyPr>
           <a:lstStyle>
@@ -2913,9 +3030,11 @@
       <p:sp>
         <p:nvSpPr>
           <p:cNvPr id="46" name="Google Shape;46;p11"/>
-          <p:cNvSpPr txBox="1"/>
+          <p:cNvSpPr txBox="1">
+            <a:spLocks noGrp="1"/>
+          </p:cNvSpPr>
           <p:nvPr>
-            <p:ph idx="1" type="body"/>
+            <p:ph type="body" idx="1"/>
           </p:nvPr>
         </p:nvSpPr>
         <p:spPr>
@@ -2928,11 +3047,11 @@
           </a:prstGeom>
         </p:spPr>
         <p:txBody>
-          <a:bodyPr anchorCtr="0" anchor="t" bIns="91425" lIns="91425" spcFirstLastPara="1" rIns="91425" wrap="square" tIns="91425">
+          <a:bodyPr spcFirstLastPara="1" wrap="square" lIns="91425" tIns="91425" rIns="91425" bIns="91425" anchor="t" anchorCtr="0">
             <a:normAutofit/>
           </a:bodyPr>
           <a:lstStyle>
-            <a:lvl1pPr indent="-342900" lvl="0" marL="457200" algn="ctr">
+            <a:lvl1pPr marL="457200" lvl="0" indent="-342900" algn="ctr">
               <a:spcBef>
                 <a:spcPts val="0"/>
               </a:spcBef>
@@ -2943,7 +3062,7 @@
               <a:buChar char="●"/>
               <a:defRPr/>
             </a:lvl1pPr>
-            <a:lvl2pPr indent="-317500" lvl="1" marL="914400" algn="ctr">
+            <a:lvl2pPr marL="914400" lvl="1" indent="-317500" algn="ctr">
               <a:spcBef>
                 <a:spcPts val="0"/>
               </a:spcBef>
@@ -2954,7 +3073,7 @@
               <a:buChar char="○"/>
               <a:defRPr/>
             </a:lvl2pPr>
-            <a:lvl3pPr indent="-317500" lvl="2" marL="1371600" algn="ctr">
+            <a:lvl3pPr marL="1371600" lvl="2" indent="-317500" algn="ctr">
               <a:spcBef>
                 <a:spcPts val="0"/>
               </a:spcBef>
@@ -2965,7 +3084,7 @@
               <a:buChar char="■"/>
               <a:defRPr/>
             </a:lvl3pPr>
-            <a:lvl4pPr indent="-317500" lvl="3" marL="1828800" algn="ctr">
+            <a:lvl4pPr marL="1828800" lvl="3" indent="-317500" algn="ctr">
               <a:spcBef>
                 <a:spcPts val="0"/>
               </a:spcBef>
@@ -2976,7 +3095,7 @@
               <a:buChar char="●"/>
               <a:defRPr/>
             </a:lvl4pPr>
-            <a:lvl5pPr indent="-317500" lvl="4" marL="2286000" algn="ctr">
+            <a:lvl5pPr marL="2286000" lvl="4" indent="-317500" algn="ctr">
               <a:spcBef>
                 <a:spcPts val="0"/>
               </a:spcBef>
@@ -2987,7 +3106,7 @@
               <a:buChar char="○"/>
               <a:defRPr/>
             </a:lvl5pPr>
-            <a:lvl6pPr indent="-317500" lvl="5" marL="2743200" algn="ctr">
+            <a:lvl6pPr marL="2743200" lvl="5" indent="-317500" algn="ctr">
               <a:spcBef>
                 <a:spcPts val="0"/>
               </a:spcBef>
@@ -2998,7 +3117,7 @@
               <a:buChar char="■"/>
               <a:defRPr/>
             </a:lvl6pPr>
-            <a:lvl7pPr indent="-317500" lvl="6" marL="3200400" algn="ctr">
+            <a:lvl7pPr marL="3200400" lvl="6" indent="-317500" algn="ctr">
               <a:spcBef>
                 <a:spcPts val="0"/>
               </a:spcBef>
@@ -3009,7 +3128,7 @@
               <a:buChar char="●"/>
               <a:defRPr/>
             </a:lvl7pPr>
-            <a:lvl8pPr indent="-317500" lvl="7" marL="3657600" algn="ctr">
+            <a:lvl8pPr marL="3657600" lvl="7" indent="-317500" algn="ctr">
               <a:spcBef>
                 <a:spcPts val="0"/>
               </a:spcBef>
@@ -3020,7 +3139,7 @@
               <a:buChar char="○"/>
               <a:defRPr/>
             </a:lvl8pPr>
-            <a:lvl9pPr indent="-317500" lvl="8" marL="4114800" algn="ctr">
+            <a:lvl9pPr marL="4114800" lvl="8" indent="-317500" algn="ctr">
               <a:spcBef>
                 <a:spcPts val="0"/>
               </a:spcBef>
@@ -3032,15 +3151,19 @@
               <a:defRPr/>
             </a:lvl9pPr>
           </a:lstStyle>
-          <a:p/>
+          <a:p>
+            <a:endParaRPr/>
+          </a:p>
         </p:txBody>
       </p:sp>
       <p:sp>
         <p:nvSpPr>
           <p:cNvPr id="47" name="Google Shape;47;p11"/>
-          <p:cNvSpPr txBox="1"/>
+          <p:cNvSpPr txBox="1">
+            <a:spLocks noGrp="1"/>
+          </p:cNvSpPr>
           <p:nvPr>
-            <p:ph idx="12" type="sldNum"/>
+            <p:ph type="sldNum" idx="12"/>
           </p:nvPr>
         </p:nvSpPr>
         <p:spPr>
@@ -3053,7 +3176,7 @@
           </a:prstGeom>
         </p:spPr>
         <p:txBody>
-          <a:bodyPr anchorCtr="0" anchor="ctr" bIns="91425" lIns="91425" spcFirstLastPara="1" rIns="91425" wrap="square" tIns="91425">
+          <a:bodyPr spcFirstLastPara="1" wrap="square" lIns="91425" tIns="91425" rIns="91425" bIns="91425" anchor="ctr" anchorCtr="0">
             <a:normAutofit/>
           </a:bodyPr>
           <a:lstStyle>
@@ -3095,7 +3218,7 @@
             </a:lvl9pPr>
           </a:lstStyle>
           <a:p>
-            <a:pPr indent="0" lvl="0" marL="0" rtl="0" algn="r">
+            <a:pPr marL="0" lvl="0" indent="0" algn="r" rtl="0">
               <a:spcBef>
                 <a:spcPts val="0"/>
               </a:spcBef>
@@ -3121,11 +3244,11 @@
 </file>
 
 <file path=ppt/slideLayouts/slideLayout11.xml><?xml version="1.0" encoding="utf-8"?>
-<p:sldLayout xmlns:a="http://schemas.openxmlformats.org/drawingml/2006/main" xmlns:r="http://schemas.openxmlformats.org/officeDocument/2006/relationships" xmlns:mc="http://schemas.openxmlformats.org/markup-compatibility/2006" xmlns:mv="urn:schemas-microsoft-com:mac:vml" xmlns:p="http://schemas.openxmlformats.org/presentationml/2006/main" xmlns:c="http://schemas.openxmlformats.org/drawingml/2006/chart" xmlns:dgm="http://schemas.openxmlformats.org/drawingml/2006/diagram" xmlns:o="urn:schemas-microsoft-com:office:office" xmlns:v="urn:schemas-microsoft-com:vml" xmlns:pvml="urn:schemas-microsoft-com:office:powerpoint" xmlns:com="http://schemas.openxmlformats.org/drawingml/2006/compatibility" xmlns:p14="http://schemas.microsoft.com/office/powerpoint/2010/main" xmlns:p15="http://schemas.microsoft.com/office/powerpoint/2012/main" xmlns:ahyp="http://schemas.microsoft.com/office/drawing/2018/hyperlinkcolor" matchingName="Blank" type="blank">
+<p:sldLayout xmlns:a="http://schemas.openxmlformats.org/drawingml/2006/main" xmlns:r="http://schemas.openxmlformats.org/officeDocument/2006/relationships" xmlns:p="http://schemas.openxmlformats.org/presentationml/2006/main" matchingName="Blank" type="blank">
   <p:cSld name="BLANK">
     <p:spTree>
       <p:nvGrpSpPr>
-        <p:cNvPr id="48" name="Shape 48"/>
+        <p:cNvPr id="1" name="Shape 48"/>
         <p:cNvGrpSpPr/>
         <p:nvPr/>
       </p:nvGrpSpPr>
@@ -3140,9 +3263,11 @@
       <p:sp>
         <p:nvSpPr>
           <p:cNvPr id="49" name="Google Shape;49;p12"/>
-          <p:cNvSpPr txBox="1"/>
+          <p:cNvSpPr txBox="1">
+            <a:spLocks noGrp="1"/>
+          </p:cNvSpPr>
           <p:nvPr>
-            <p:ph idx="12" type="sldNum"/>
+            <p:ph type="sldNum" idx="12"/>
           </p:nvPr>
         </p:nvSpPr>
         <p:spPr>
@@ -3155,7 +3280,7 @@
           </a:prstGeom>
         </p:spPr>
         <p:txBody>
-          <a:bodyPr anchorCtr="0" anchor="ctr" bIns="91425" lIns="91425" spcFirstLastPara="1" rIns="91425" wrap="square" tIns="91425">
+          <a:bodyPr spcFirstLastPara="1" wrap="square" lIns="91425" tIns="91425" rIns="91425" bIns="91425" anchor="ctr" anchorCtr="0">
             <a:normAutofit/>
           </a:bodyPr>
           <a:lstStyle>
@@ -3197,7 +3322,7 @@
             </a:lvl9pPr>
           </a:lstStyle>
           <a:p>
-            <a:pPr indent="0" lvl="0" marL="0" rtl="0" algn="r">
+            <a:pPr marL="0" lvl="0" indent="0" algn="r" rtl="0">
               <a:spcBef>
                 <a:spcPts val="0"/>
               </a:spcBef>
@@ -3223,11 +3348,11 @@
 </file>
 
 <file path=ppt/slideLayouts/slideLayout2.xml><?xml version="1.0" encoding="utf-8"?>
-<p:sldLayout xmlns:a="http://schemas.openxmlformats.org/drawingml/2006/main" xmlns:r="http://schemas.openxmlformats.org/officeDocument/2006/relationships" xmlns:mc="http://schemas.openxmlformats.org/markup-compatibility/2006" xmlns:mv="urn:schemas-microsoft-com:mac:vml" xmlns:p="http://schemas.openxmlformats.org/presentationml/2006/main" xmlns:c="http://schemas.openxmlformats.org/drawingml/2006/chart" xmlns:dgm="http://schemas.openxmlformats.org/drawingml/2006/diagram" xmlns:o="urn:schemas-microsoft-com:office:office" xmlns:v="urn:schemas-microsoft-com:vml" xmlns:pvml="urn:schemas-microsoft-com:office:powerpoint" xmlns:com="http://schemas.openxmlformats.org/drawingml/2006/compatibility" xmlns:p14="http://schemas.microsoft.com/office/powerpoint/2010/main" xmlns:p15="http://schemas.microsoft.com/office/powerpoint/2012/main" xmlns:ahyp="http://schemas.microsoft.com/office/drawing/2018/hyperlinkcolor" matchingName="Section header" type="secHead">
+<p:sldLayout xmlns:a="http://schemas.openxmlformats.org/drawingml/2006/main" xmlns:r="http://schemas.openxmlformats.org/officeDocument/2006/relationships" xmlns:p="http://schemas.openxmlformats.org/presentationml/2006/main" matchingName="Section header" type="secHead">
   <p:cSld name="SECTION_HEADER">
     <p:spTree>
       <p:nvGrpSpPr>
-        <p:cNvPr id="13" name="Shape 13"/>
+        <p:cNvPr id="1" name="Shape 13"/>
         <p:cNvGrpSpPr/>
         <p:nvPr/>
       </p:nvGrpSpPr>
@@ -3242,7 +3367,9 @@
       <p:sp>
         <p:nvSpPr>
           <p:cNvPr id="14" name="Google Shape;14;p3"/>
-          <p:cNvSpPr txBox="1"/>
+          <p:cNvSpPr txBox="1">
+            <a:spLocks noGrp="1"/>
+          </p:cNvSpPr>
           <p:nvPr>
             <p:ph type="title"/>
           </p:nvPr>
@@ -3257,7 +3384,7 @@
           </a:prstGeom>
         </p:spPr>
         <p:txBody>
-          <a:bodyPr anchorCtr="0" anchor="ctr" bIns="91425" lIns="91425" spcFirstLastPara="1" rIns="91425" wrap="square" tIns="91425">
+          <a:bodyPr spcFirstLastPara="1" wrap="square" lIns="91425" tIns="91425" rIns="91425" bIns="91425" anchor="ctr" anchorCtr="0">
             <a:normAutofit/>
           </a:bodyPr>
           <a:lstStyle>
@@ -3361,15 +3488,19 @@
               <a:defRPr sz="3600"/>
             </a:lvl9pPr>
           </a:lstStyle>
-          <a:p/>
+          <a:p>
+            <a:endParaRPr/>
+          </a:p>
         </p:txBody>
       </p:sp>
       <p:sp>
         <p:nvSpPr>
           <p:cNvPr id="15" name="Google Shape;15;p3"/>
-          <p:cNvSpPr txBox="1"/>
+          <p:cNvSpPr txBox="1">
+            <a:spLocks noGrp="1"/>
+          </p:cNvSpPr>
           <p:nvPr>
-            <p:ph idx="12" type="sldNum"/>
+            <p:ph type="sldNum" idx="12"/>
           </p:nvPr>
         </p:nvSpPr>
         <p:spPr>
@@ -3382,7 +3513,7 @@
           </a:prstGeom>
         </p:spPr>
         <p:txBody>
-          <a:bodyPr anchorCtr="0" anchor="ctr" bIns="91425" lIns="91425" spcFirstLastPara="1" rIns="91425" wrap="square" tIns="91425">
+          <a:bodyPr spcFirstLastPara="1" wrap="square" lIns="91425" tIns="91425" rIns="91425" bIns="91425" anchor="ctr" anchorCtr="0">
             <a:normAutofit/>
           </a:bodyPr>
           <a:lstStyle>
@@ -3424,7 +3555,7 @@
             </a:lvl9pPr>
           </a:lstStyle>
           <a:p>
-            <a:pPr indent="0" lvl="0" marL="0" rtl="0" algn="r">
+            <a:pPr marL="0" lvl="0" indent="0" algn="r" rtl="0">
               <a:spcBef>
                 <a:spcPts val="0"/>
               </a:spcBef>
@@ -3450,11 +3581,11 @@
 </file>
 
 <file path=ppt/slideLayouts/slideLayout3.xml><?xml version="1.0" encoding="utf-8"?>
-<p:sldLayout xmlns:a="http://schemas.openxmlformats.org/drawingml/2006/main" xmlns:r="http://schemas.openxmlformats.org/officeDocument/2006/relationships" xmlns:mc="http://schemas.openxmlformats.org/markup-compatibility/2006" xmlns:mv="urn:schemas-microsoft-com:mac:vml" xmlns:p="http://schemas.openxmlformats.org/presentationml/2006/main" xmlns:c="http://schemas.openxmlformats.org/drawingml/2006/chart" xmlns:dgm="http://schemas.openxmlformats.org/drawingml/2006/diagram" xmlns:o="urn:schemas-microsoft-com:office:office" xmlns:v="urn:schemas-microsoft-com:vml" xmlns:pvml="urn:schemas-microsoft-com:office:powerpoint" xmlns:com="http://schemas.openxmlformats.org/drawingml/2006/compatibility" xmlns:p14="http://schemas.microsoft.com/office/powerpoint/2010/main" xmlns:p15="http://schemas.microsoft.com/office/powerpoint/2012/main" xmlns:ahyp="http://schemas.microsoft.com/office/drawing/2018/hyperlinkcolor" matchingName="Title and body" type="tx">
+<p:sldLayout xmlns:a="http://schemas.openxmlformats.org/drawingml/2006/main" xmlns:r="http://schemas.openxmlformats.org/officeDocument/2006/relationships" xmlns:p="http://schemas.openxmlformats.org/presentationml/2006/main" matchingName="Title and body" type="tx">
   <p:cSld name="TITLE_AND_BODY">
     <p:spTree>
       <p:nvGrpSpPr>
-        <p:cNvPr id="16" name="Shape 16"/>
+        <p:cNvPr id="1" name="Shape 16"/>
         <p:cNvGrpSpPr/>
         <p:nvPr/>
       </p:nvGrpSpPr>
@@ -3469,7 +3600,9 @@
       <p:sp>
         <p:nvSpPr>
           <p:cNvPr id="17" name="Google Shape;17;p4"/>
-          <p:cNvSpPr txBox="1"/>
+          <p:cNvSpPr txBox="1">
+            <a:spLocks noGrp="1"/>
+          </p:cNvSpPr>
           <p:nvPr>
             <p:ph type="title"/>
           </p:nvPr>
@@ -3484,7 +3617,7 @@
           </a:prstGeom>
         </p:spPr>
         <p:txBody>
-          <a:bodyPr anchorCtr="0" anchor="t" bIns="91425" lIns="91425" spcFirstLastPara="1" rIns="91425" wrap="square" tIns="91425">
+          <a:bodyPr spcFirstLastPara="1" wrap="square" lIns="91425" tIns="91425" rIns="91425" bIns="91425" anchor="t" anchorCtr="0">
             <a:normAutofit/>
           </a:bodyPr>
           <a:lstStyle>
@@ -3588,15 +3721,19 @@
               <a:defRPr/>
             </a:lvl9pPr>
           </a:lstStyle>
-          <a:p/>
+          <a:p>
+            <a:endParaRPr/>
+          </a:p>
         </p:txBody>
       </p:sp>
       <p:sp>
         <p:nvSpPr>
           <p:cNvPr id="18" name="Google Shape;18;p4"/>
-          <p:cNvSpPr txBox="1"/>
+          <p:cNvSpPr txBox="1">
+            <a:spLocks noGrp="1"/>
+          </p:cNvSpPr>
           <p:nvPr>
-            <p:ph idx="1" type="body"/>
+            <p:ph type="body" idx="1"/>
           </p:nvPr>
         </p:nvSpPr>
         <p:spPr>
@@ -3609,11 +3746,11 @@
           </a:prstGeom>
         </p:spPr>
         <p:txBody>
-          <a:bodyPr anchorCtr="0" anchor="t" bIns="91425" lIns="91425" spcFirstLastPara="1" rIns="91425" wrap="square" tIns="91425">
+          <a:bodyPr spcFirstLastPara="1" wrap="square" lIns="91425" tIns="91425" rIns="91425" bIns="91425" anchor="t" anchorCtr="0">
             <a:normAutofit/>
           </a:bodyPr>
           <a:lstStyle>
-            <a:lvl1pPr indent="-342900" lvl="0" marL="457200">
+            <a:lvl1pPr marL="457200" lvl="0" indent="-342900">
               <a:spcBef>
                 <a:spcPts val="0"/>
               </a:spcBef>
@@ -3624,7 +3761,7 @@
               <a:buChar char="●"/>
               <a:defRPr/>
             </a:lvl1pPr>
-            <a:lvl2pPr indent="-317500" lvl="1" marL="914400">
+            <a:lvl2pPr marL="914400" lvl="1" indent="-317500">
               <a:spcBef>
                 <a:spcPts val="0"/>
               </a:spcBef>
@@ -3635,7 +3772,7 @@
               <a:buChar char="○"/>
               <a:defRPr/>
             </a:lvl2pPr>
-            <a:lvl3pPr indent="-317500" lvl="2" marL="1371600">
+            <a:lvl3pPr marL="1371600" lvl="2" indent="-317500">
               <a:spcBef>
                 <a:spcPts val="0"/>
               </a:spcBef>
@@ -3646,7 +3783,7 @@
               <a:buChar char="■"/>
               <a:defRPr/>
             </a:lvl3pPr>
-            <a:lvl4pPr indent="-317500" lvl="3" marL="1828800">
+            <a:lvl4pPr marL="1828800" lvl="3" indent="-317500">
               <a:spcBef>
                 <a:spcPts val="0"/>
               </a:spcBef>
@@ -3657,7 +3794,7 @@
               <a:buChar char="●"/>
               <a:defRPr/>
             </a:lvl4pPr>
-            <a:lvl5pPr indent="-317500" lvl="4" marL="2286000">
+            <a:lvl5pPr marL="2286000" lvl="4" indent="-317500">
               <a:spcBef>
                 <a:spcPts val="0"/>
               </a:spcBef>
@@ -3668,7 +3805,7 @@
               <a:buChar char="○"/>
               <a:defRPr/>
             </a:lvl5pPr>
-            <a:lvl6pPr indent="-317500" lvl="5" marL="2743200">
+            <a:lvl6pPr marL="2743200" lvl="5" indent="-317500">
               <a:spcBef>
                 <a:spcPts val="0"/>
               </a:spcBef>
@@ -3679,7 +3816,7 @@
               <a:buChar char="■"/>
               <a:defRPr/>
             </a:lvl6pPr>
-            <a:lvl7pPr indent="-317500" lvl="6" marL="3200400">
+            <a:lvl7pPr marL="3200400" lvl="6" indent="-317500">
               <a:spcBef>
                 <a:spcPts val="0"/>
               </a:spcBef>
@@ -3690,7 +3827,7 @@
               <a:buChar char="●"/>
               <a:defRPr/>
             </a:lvl7pPr>
-            <a:lvl8pPr indent="-317500" lvl="7" marL="3657600">
+            <a:lvl8pPr marL="3657600" lvl="7" indent="-317500">
               <a:spcBef>
                 <a:spcPts val="0"/>
               </a:spcBef>
@@ -3701,7 +3838,7 @@
               <a:buChar char="○"/>
               <a:defRPr/>
             </a:lvl8pPr>
-            <a:lvl9pPr indent="-317500" lvl="8" marL="4114800">
+            <a:lvl9pPr marL="4114800" lvl="8" indent="-317500">
               <a:spcBef>
                 <a:spcPts val="0"/>
               </a:spcBef>
@@ -3713,15 +3850,19 @@
               <a:defRPr/>
             </a:lvl9pPr>
           </a:lstStyle>
-          <a:p/>
+          <a:p>
+            <a:endParaRPr/>
+          </a:p>
         </p:txBody>
       </p:sp>
       <p:sp>
         <p:nvSpPr>
           <p:cNvPr id="19" name="Google Shape;19;p4"/>
-          <p:cNvSpPr txBox="1"/>
+          <p:cNvSpPr txBox="1">
+            <a:spLocks noGrp="1"/>
+          </p:cNvSpPr>
           <p:nvPr>
-            <p:ph idx="12" type="sldNum"/>
+            <p:ph type="sldNum" idx="12"/>
           </p:nvPr>
         </p:nvSpPr>
         <p:spPr>
@@ -3734,7 +3875,7 @@
           </a:prstGeom>
         </p:spPr>
         <p:txBody>
-          <a:bodyPr anchorCtr="0" anchor="ctr" bIns="91425" lIns="91425" spcFirstLastPara="1" rIns="91425" wrap="square" tIns="91425">
+          <a:bodyPr spcFirstLastPara="1" wrap="square" lIns="91425" tIns="91425" rIns="91425" bIns="91425" anchor="ctr" anchorCtr="0">
             <a:normAutofit/>
           </a:bodyPr>
           <a:lstStyle>
@@ -3776,7 +3917,7 @@
             </a:lvl9pPr>
           </a:lstStyle>
           <a:p>
-            <a:pPr indent="0" lvl="0" marL="0" rtl="0" algn="r">
+            <a:pPr marL="0" lvl="0" indent="0" algn="r" rtl="0">
               <a:spcBef>
                 <a:spcPts val="0"/>
               </a:spcBef>
@@ -3802,11 +3943,11 @@
 </file>
 
 <file path=ppt/slideLayouts/slideLayout4.xml><?xml version="1.0" encoding="utf-8"?>
-<p:sldLayout xmlns:a="http://schemas.openxmlformats.org/drawingml/2006/main" xmlns:r="http://schemas.openxmlformats.org/officeDocument/2006/relationships" xmlns:mc="http://schemas.openxmlformats.org/markup-compatibility/2006" xmlns:mv="urn:schemas-microsoft-com:mac:vml" xmlns:p="http://schemas.openxmlformats.org/presentationml/2006/main" xmlns:c="http://schemas.openxmlformats.org/drawingml/2006/chart" xmlns:dgm="http://schemas.openxmlformats.org/drawingml/2006/diagram" xmlns:o="urn:schemas-microsoft-com:office:office" xmlns:v="urn:schemas-microsoft-com:vml" xmlns:pvml="urn:schemas-microsoft-com:office:powerpoint" xmlns:com="http://schemas.openxmlformats.org/drawingml/2006/compatibility" xmlns:p14="http://schemas.microsoft.com/office/powerpoint/2010/main" xmlns:p15="http://schemas.microsoft.com/office/powerpoint/2012/main" xmlns:ahyp="http://schemas.microsoft.com/office/drawing/2018/hyperlinkcolor" matchingName="Title and two columns" type="twoColTx">
+<p:sldLayout xmlns:a="http://schemas.openxmlformats.org/drawingml/2006/main" xmlns:r="http://schemas.openxmlformats.org/officeDocument/2006/relationships" xmlns:p="http://schemas.openxmlformats.org/presentationml/2006/main" matchingName="Title and two columns" type="twoColTx">
   <p:cSld name="TITLE_AND_TWO_COLUMNS">
     <p:spTree>
       <p:nvGrpSpPr>
-        <p:cNvPr id="20" name="Shape 20"/>
+        <p:cNvPr id="1" name="Shape 20"/>
         <p:cNvGrpSpPr/>
         <p:nvPr/>
       </p:nvGrpSpPr>
@@ -3821,7 +3962,9 @@
       <p:sp>
         <p:nvSpPr>
           <p:cNvPr id="21" name="Google Shape;21;p5"/>
-          <p:cNvSpPr txBox="1"/>
+          <p:cNvSpPr txBox="1">
+            <a:spLocks noGrp="1"/>
+          </p:cNvSpPr>
           <p:nvPr>
             <p:ph type="title"/>
           </p:nvPr>
@@ -3836,7 +3979,7 @@
           </a:prstGeom>
         </p:spPr>
         <p:txBody>
-          <a:bodyPr anchorCtr="0" anchor="t" bIns="91425" lIns="91425" spcFirstLastPara="1" rIns="91425" wrap="square" tIns="91425">
+          <a:bodyPr spcFirstLastPara="1" wrap="square" lIns="91425" tIns="91425" rIns="91425" bIns="91425" anchor="t" anchorCtr="0">
             <a:normAutofit/>
           </a:bodyPr>
           <a:lstStyle>
@@ -3940,15 +4083,19 @@
               <a:defRPr/>
             </a:lvl9pPr>
           </a:lstStyle>
-          <a:p/>
+          <a:p>
+            <a:endParaRPr/>
+          </a:p>
         </p:txBody>
       </p:sp>
       <p:sp>
         <p:nvSpPr>
           <p:cNvPr id="22" name="Google Shape;22;p5"/>
-          <p:cNvSpPr txBox="1"/>
+          <p:cNvSpPr txBox="1">
+            <a:spLocks noGrp="1"/>
+          </p:cNvSpPr>
           <p:nvPr>
-            <p:ph idx="1" type="body"/>
+            <p:ph type="body" idx="1"/>
           </p:nvPr>
         </p:nvSpPr>
         <p:spPr>
@@ -3961,11 +4108,11 @@
           </a:prstGeom>
         </p:spPr>
         <p:txBody>
-          <a:bodyPr anchorCtr="0" anchor="t" bIns="91425" lIns="91425" spcFirstLastPara="1" rIns="91425" wrap="square" tIns="91425">
+          <a:bodyPr spcFirstLastPara="1" wrap="square" lIns="91425" tIns="91425" rIns="91425" bIns="91425" anchor="t" anchorCtr="0">
             <a:normAutofit/>
           </a:bodyPr>
           <a:lstStyle>
-            <a:lvl1pPr indent="-317500" lvl="0" marL="457200">
+            <a:lvl1pPr marL="457200" lvl="0" indent="-317500">
               <a:spcBef>
                 <a:spcPts val="0"/>
               </a:spcBef>
@@ -3976,7 +4123,7 @@
               <a:buChar char="●"/>
               <a:defRPr sz="1400"/>
             </a:lvl1pPr>
-            <a:lvl2pPr indent="-304800" lvl="1" marL="914400">
+            <a:lvl2pPr marL="914400" lvl="1" indent="-304800">
               <a:spcBef>
                 <a:spcPts val="0"/>
               </a:spcBef>
@@ -3987,7 +4134,7 @@
               <a:buChar char="○"/>
               <a:defRPr sz="1200"/>
             </a:lvl2pPr>
-            <a:lvl3pPr indent="-304800" lvl="2" marL="1371600">
+            <a:lvl3pPr marL="1371600" lvl="2" indent="-304800">
               <a:spcBef>
                 <a:spcPts val="0"/>
               </a:spcBef>
@@ -3998,7 +4145,7 @@
               <a:buChar char="■"/>
               <a:defRPr sz="1200"/>
             </a:lvl3pPr>
-            <a:lvl4pPr indent="-304800" lvl="3" marL="1828800">
+            <a:lvl4pPr marL="1828800" lvl="3" indent="-304800">
               <a:spcBef>
                 <a:spcPts val="0"/>
               </a:spcBef>
@@ -4009,7 +4156,7 @@
               <a:buChar char="●"/>
               <a:defRPr sz="1200"/>
             </a:lvl4pPr>
-            <a:lvl5pPr indent="-304800" lvl="4" marL="2286000">
+            <a:lvl5pPr marL="2286000" lvl="4" indent="-304800">
               <a:spcBef>
                 <a:spcPts val="0"/>
               </a:spcBef>
@@ -4020,7 +4167,7 @@
               <a:buChar char="○"/>
               <a:defRPr sz="1200"/>
             </a:lvl5pPr>
-            <a:lvl6pPr indent="-304800" lvl="5" marL="2743200">
+            <a:lvl6pPr marL="2743200" lvl="5" indent="-304800">
               <a:spcBef>
                 <a:spcPts val="0"/>
               </a:spcBef>
@@ -4031,7 +4178,7 @@
               <a:buChar char="■"/>
               <a:defRPr sz="1200"/>
             </a:lvl6pPr>
-            <a:lvl7pPr indent="-304800" lvl="6" marL="3200400">
+            <a:lvl7pPr marL="3200400" lvl="6" indent="-304800">
               <a:spcBef>
                 <a:spcPts val="0"/>
               </a:spcBef>
@@ -4042,7 +4189,7 @@
               <a:buChar char="●"/>
               <a:defRPr sz="1200"/>
             </a:lvl7pPr>
-            <a:lvl8pPr indent="-304800" lvl="7" marL="3657600">
+            <a:lvl8pPr marL="3657600" lvl="7" indent="-304800">
               <a:spcBef>
                 <a:spcPts val="0"/>
               </a:spcBef>
@@ -4053,7 +4200,7 @@
               <a:buChar char="○"/>
               <a:defRPr sz="1200"/>
             </a:lvl8pPr>
-            <a:lvl9pPr indent="-304800" lvl="8" marL="4114800">
+            <a:lvl9pPr marL="4114800" lvl="8" indent="-304800">
               <a:spcBef>
                 <a:spcPts val="0"/>
               </a:spcBef>
@@ -4065,15 +4212,19 @@
               <a:defRPr sz="1200"/>
             </a:lvl9pPr>
           </a:lstStyle>
-          <a:p/>
+          <a:p>
+            <a:endParaRPr/>
+          </a:p>
         </p:txBody>
       </p:sp>
       <p:sp>
         <p:nvSpPr>
           <p:cNvPr id="23" name="Google Shape;23;p5"/>
-          <p:cNvSpPr txBox="1"/>
+          <p:cNvSpPr txBox="1">
+            <a:spLocks noGrp="1"/>
+          </p:cNvSpPr>
           <p:nvPr>
-            <p:ph idx="2" type="body"/>
+            <p:ph type="body" idx="2"/>
           </p:nvPr>
         </p:nvSpPr>
         <p:spPr>
@@ -4086,11 +4237,11 @@
           </a:prstGeom>
         </p:spPr>
         <p:txBody>
-          <a:bodyPr anchorCtr="0" anchor="t" bIns="91425" lIns="91425" spcFirstLastPara="1" rIns="91425" wrap="square" tIns="91425">
+          <a:bodyPr spcFirstLastPara="1" wrap="square" lIns="91425" tIns="91425" rIns="91425" bIns="91425" anchor="t" anchorCtr="0">
             <a:normAutofit/>
           </a:bodyPr>
           <a:lstStyle>
-            <a:lvl1pPr indent="-317500" lvl="0" marL="457200">
+            <a:lvl1pPr marL="457200" lvl="0" indent="-317500">
               <a:spcBef>
                 <a:spcPts val="0"/>
               </a:spcBef>
@@ -4101,7 +4252,7 @@
               <a:buChar char="●"/>
               <a:defRPr sz="1400"/>
             </a:lvl1pPr>
-            <a:lvl2pPr indent="-304800" lvl="1" marL="914400">
+            <a:lvl2pPr marL="914400" lvl="1" indent="-304800">
               <a:spcBef>
                 <a:spcPts val="0"/>
               </a:spcBef>
@@ -4112,7 +4263,7 @@
               <a:buChar char="○"/>
               <a:defRPr sz="1200"/>
             </a:lvl2pPr>
-            <a:lvl3pPr indent="-304800" lvl="2" marL="1371600">
+            <a:lvl3pPr marL="1371600" lvl="2" indent="-304800">
               <a:spcBef>
                 <a:spcPts val="0"/>
               </a:spcBef>
@@ -4123,7 +4274,7 @@
               <a:buChar char="■"/>
               <a:defRPr sz="1200"/>
             </a:lvl3pPr>
-            <a:lvl4pPr indent="-304800" lvl="3" marL="1828800">
+            <a:lvl4pPr marL="1828800" lvl="3" indent="-304800">
               <a:spcBef>
                 <a:spcPts val="0"/>
               </a:spcBef>
@@ -4134,7 +4285,7 @@
               <a:buChar char="●"/>
               <a:defRPr sz="1200"/>
             </a:lvl4pPr>
-            <a:lvl5pPr indent="-304800" lvl="4" marL="2286000">
+            <a:lvl5pPr marL="2286000" lvl="4" indent="-304800">
               <a:spcBef>
                 <a:spcPts val="0"/>
               </a:spcBef>
@@ -4145,7 +4296,7 @@
               <a:buChar char="○"/>
               <a:defRPr sz="1200"/>
             </a:lvl5pPr>
-            <a:lvl6pPr indent="-304800" lvl="5" marL="2743200">
+            <a:lvl6pPr marL="2743200" lvl="5" indent="-304800">
               <a:spcBef>
                 <a:spcPts val="0"/>
               </a:spcBef>
@@ -4156,7 +4307,7 @@
               <a:buChar char="■"/>
               <a:defRPr sz="1200"/>
             </a:lvl6pPr>
-            <a:lvl7pPr indent="-304800" lvl="6" marL="3200400">
+            <a:lvl7pPr marL="3200400" lvl="6" indent="-304800">
               <a:spcBef>
                 <a:spcPts val="0"/>
               </a:spcBef>
@@ -4167,7 +4318,7 @@
               <a:buChar char="●"/>
               <a:defRPr sz="1200"/>
             </a:lvl7pPr>
-            <a:lvl8pPr indent="-304800" lvl="7" marL="3657600">
+            <a:lvl8pPr marL="3657600" lvl="7" indent="-304800">
               <a:spcBef>
                 <a:spcPts val="0"/>
               </a:spcBef>
@@ -4178,7 +4329,7 @@
               <a:buChar char="○"/>
               <a:defRPr sz="1200"/>
             </a:lvl8pPr>
-            <a:lvl9pPr indent="-304800" lvl="8" marL="4114800">
+            <a:lvl9pPr marL="4114800" lvl="8" indent="-304800">
               <a:spcBef>
                 <a:spcPts val="0"/>
               </a:spcBef>
@@ -4190,15 +4341,19 @@
               <a:defRPr sz="1200"/>
             </a:lvl9pPr>
           </a:lstStyle>
-          <a:p/>
+          <a:p>
+            <a:endParaRPr/>
+          </a:p>
         </p:txBody>
       </p:sp>
       <p:sp>
         <p:nvSpPr>
           <p:cNvPr id="24" name="Google Shape;24;p5"/>
-          <p:cNvSpPr txBox="1"/>
+          <p:cNvSpPr txBox="1">
+            <a:spLocks noGrp="1"/>
+          </p:cNvSpPr>
           <p:nvPr>
-            <p:ph idx="12" type="sldNum"/>
+            <p:ph type="sldNum" idx="12"/>
           </p:nvPr>
         </p:nvSpPr>
         <p:spPr>
@@ -4211,7 +4366,7 @@
           </a:prstGeom>
         </p:spPr>
         <p:txBody>
-          <a:bodyPr anchorCtr="0" anchor="ctr" bIns="91425" lIns="91425" spcFirstLastPara="1" rIns="91425" wrap="square" tIns="91425">
+          <a:bodyPr spcFirstLastPara="1" wrap="square" lIns="91425" tIns="91425" rIns="91425" bIns="91425" anchor="ctr" anchorCtr="0">
             <a:normAutofit/>
           </a:bodyPr>
           <a:lstStyle>
@@ -4253,7 +4408,7 @@
             </a:lvl9pPr>
           </a:lstStyle>
           <a:p>
-            <a:pPr indent="0" lvl="0" marL="0" rtl="0" algn="r">
+            <a:pPr marL="0" lvl="0" indent="0" algn="r" rtl="0">
               <a:spcBef>
                 <a:spcPts val="0"/>
               </a:spcBef>
@@ -4279,11 +4434,11 @@
 </file>
 
 <file path=ppt/slideLayouts/slideLayout5.xml><?xml version="1.0" encoding="utf-8"?>
-<p:sldLayout xmlns:a="http://schemas.openxmlformats.org/drawingml/2006/main" xmlns:r="http://schemas.openxmlformats.org/officeDocument/2006/relationships" xmlns:mc="http://schemas.openxmlformats.org/markup-compatibility/2006" xmlns:mv="urn:schemas-microsoft-com:mac:vml" xmlns:p="http://schemas.openxmlformats.org/presentationml/2006/main" xmlns:c="http://schemas.openxmlformats.org/drawingml/2006/chart" xmlns:dgm="http://schemas.openxmlformats.org/drawingml/2006/diagram" xmlns:o="urn:schemas-microsoft-com:office:office" xmlns:v="urn:schemas-microsoft-com:vml" xmlns:pvml="urn:schemas-microsoft-com:office:powerpoint" xmlns:com="http://schemas.openxmlformats.org/drawingml/2006/compatibility" xmlns:p14="http://schemas.microsoft.com/office/powerpoint/2010/main" xmlns:p15="http://schemas.microsoft.com/office/powerpoint/2012/main" xmlns:ahyp="http://schemas.microsoft.com/office/drawing/2018/hyperlinkcolor" matchingName="Title only" type="titleOnly">
+<p:sldLayout xmlns:a="http://schemas.openxmlformats.org/drawingml/2006/main" xmlns:r="http://schemas.openxmlformats.org/officeDocument/2006/relationships" xmlns:p="http://schemas.openxmlformats.org/presentationml/2006/main" matchingName="Title only" type="titleOnly">
   <p:cSld name="TITLE_ONLY">
     <p:spTree>
       <p:nvGrpSpPr>
-        <p:cNvPr id="25" name="Shape 25"/>
+        <p:cNvPr id="1" name="Shape 25"/>
         <p:cNvGrpSpPr/>
         <p:nvPr/>
       </p:nvGrpSpPr>
@@ -4298,7 +4453,9 @@
       <p:sp>
         <p:nvSpPr>
           <p:cNvPr id="26" name="Google Shape;26;p6"/>
-          <p:cNvSpPr txBox="1"/>
+          <p:cNvSpPr txBox="1">
+            <a:spLocks noGrp="1"/>
+          </p:cNvSpPr>
           <p:nvPr>
             <p:ph type="title"/>
           </p:nvPr>
@@ -4313,7 +4470,7 @@
           </a:prstGeom>
         </p:spPr>
         <p:txBody>
-          <a:bodyPr anchorCtr="0" anchor="t" bIns="91425" lIns="91425" spcFirstLastPara="1" rIns="91425" wrap="square" tIns="91425">
+          <a:bodyPr spcFirstLastPara="1" wrap="square" lIns="91425" tIns="91425" rIns="91425" bIns="91425" anchor="t" anchorCtr="0">
             <a:normAutofit/>
           </a:bodyPr>
           <a:lstStyle>
@@ -4417,15 +4574,19 @@
               <a:defRPr/>
             </a:lvl9pPr>
           </a:lstStyle>
-          <a:p/>
+          <a:p>
+            <a:endParaRPr/>
+          </a:p>
         </p:txBody>
       </p:sp>
       <p:sp>
         <p:nvSpPr>
           <p:cNvPr id="27" name="Google Shape;27;p6"/>
-          <p:cNvSpPr txBox="1"/>
+          <p:cNvSpPr txBox="1">
+            <a:spLocks noGrp="1"/>
+          </p:cNvSpPr>
           <p:nvPr>
-            <p:ph idx="12" type="sldNum"/>
+            <p:ph type="sldNum" idx="12"/>
           </p:nvPr>
         </p:nvSpPr>
         <p:spPr>
@@ -4438,7 +4599,7 @@
           </a:prstGeom>
         </p:spPr>
         <p:txBody>
-          <a:bodyPr anchorCtr="0" anchor="ctr" bIns="91425" lIns="91425" spcFirstLastPara="1" rIns="91425" wrap="square" tIns="91425">
+          <a:bodyPr spcFirstLastPara="1" wrap="square" lIns="91425" tIns="91425" rIns="91425" bIns="91425" anchor="ctr" anchorCtr="0">
             <a:normAutofit/>
           </a:bodyPr>
           <a:lstStyle>
@@ -4480,7 +4641,7 @@
             </a:lvl9pPr>
           </a:lstStyle>
           <a:p>
-            <a:pPr indent="0" lvl="0" marL="0" rtl="0" algn="r">
+            <a:pPr marL="0" lvl="0" indent="0" algn="r" rtl="0">
               <a:spcBef>
                 <a:spcPts val="0"/>
               </a:spcBef>
@@ -4506,11 +4667,11 @@
 </file>
 
 <file path=ppt/slideLayouts/slideLayout6.xml><?xml version="1.0" encoding="utf-8"?>
-<p:sldLayout xmlns:a="http://schemas.openxmlformats.org/drawingml/2006/main" xmlns:r="http://schemas.openxmlformats.org/officeDocument/2006/relationships" xmlns:mc="http://schemas.openxmlformats.org/markup-compatibility/2006" xmlns:mv="urn:schemas-microsoft-com:mac:vml" xmlns:p="http://schemas.openxmlformats.org/presentationml/2006/main" xmlns:c="http://schemas.openxmlformats.org/drawingml/2006/chart" xmlns:dgm="http://schemas.openxmlformats.org/drawingml/2006/diagram" xmlns:o="urn:schemas-microsoft-com:office:office" xmlns:v="urn:schemas-microsoft-com:vml" xmlns:pvml="urn:schemas-microsoft-com:office:powerpoint" xmlns:com="http://schemas.openxmlformats.org/drawingml/2006/compatibility" xmlns:p14="http://schemas.microsoft.com/office/powerpoint/2010/main" xmlns:p15="http://schemas.microsoft.com/office/powerpoint/2012/main" xmlns:ahyp="http://schemas.microsoft.com/office/drawing/2018/hyperlinkcolor" matchingName="One column text">
+<p:sldLayout xmlns:a="http://schemas.openxmlformats.org/drawingml/2006/main" xmlns:r="http://schemas.openxmlformats.org/officeDocument/2006/relationships" xmlns:p="http://schemas.openxmlformats.org/presentationml/2006/main" matchingName="One column text">
   <p:cSld name="ONE_COLUMN_TEXT">
     <p:spTree>
       <p:nvGrpSpPr>
-        <p:cNvPr id="28" name="Shape 28"/>
+        <p:cNvPr id="1" name="Shape 28"/>
         <p:cNvGrpSpPr/>
         <p:nvPr/>
       </p:nvGrpSpPr>
@@ -4525,7 +4686,9 @@
       <p:sp>
         <p:nvSpPr>
           <p:cNvPr id="29" name="Google Shape;29;p7"/>
-          <p:cNvSpPr txBox="1"/>
+          <p:cNvSpPr txBox="1">
+            <a:spLocks noGrp="1"/>
+          </p:cNvSpPr>
           <p:nvPr>
             <p:ph type="title"/>
           </p:nvPr>
@@ -4540,7 +4703,7 @@
           </a:prstGeom>
         </p:spPr>
         <p:txBody>
-          <a:bodyPr anchorCtr="0" anchor="b" bIns="91425" lIns="91425" spcFirstLastPara="1" rIns="91425" wrap="square" tIns="91425">
+          <a:bodyPr spcFirstLastPara="1" wrap="square" lIns="91425" tIns="91425" rIns="91425" bIns="91425" anchor="b" anchorCtr="0">
             <a:normAutofit/>
           </a:bodyPr>
           <a:lstStyle>
@@ -4644,15 +4807,19 @@
               <a:defRPr sz="2400"/>
             </a:lvl9pPr>
           </a:lstStyle>
-          <a:p/>
+          <a:p>
+            <a:endParaRPr/>
+          </a:p>
         </p:txBody>
       </p:sp>
       <p:sp>
         <p:nvSpPr>
           <p:cNvPr id="30" name="Google Shape;30;p7"/>
-          <p:cNvSpPr txBox="1"/>
+          <p:cNvSpPr txBox="1">
+            <a:spLocks noGrp="1"/>
+          </p:cNvSpPr>
           <p:nvPr>
-            <p:ph idx="1" type="body"/>
+            <p:ph type="body" idx="1"/>
           </p:nvPr>
         </p:nvSpPr>
         <p:spPr>
@@ -4665,11 +4832,11 @@
           </a:prstGeom>
         </p:spPr>
         <p:txBody>
-          <a:bodyPr anchorCtr="0" anchor="t" bIns="91425" lIns="91425" spcFirstLastPara="1" rIns="91425" wrap="square" tIns="91425">
+          <a:bodyPr spcFirstLastPara="1" wrap="square" lIns="91425" tIns="91425" rIns="91425" bIns="91425" anchor="t" anchorCtr="0">
             <a:normAutofit/>
           </a:bodyPr>
           <a:lstStyle>
-            <a:lvl1pPr indent="-304800" lvl="0" marL="457200">
+            <a:lvl1pPr marL="457200" lvl="0" indent="-304800">
               <a:spcBef>
                 <a:spcPts val="0"/>
               </a:spcBef>
@@ -4680,7 +4847,7 @@
               <a:buChar char="●"/>
               <a:defRPr sz="1200"/>
             </a:lvl1pPr>
-            <a:lvl2pPr indent="-304800" lvl="1" marL="914400">
+            <a:lvl2pPr marL="914400" lvl="1" indent="-304800">
               <a:spcBef>
                 <a:spcPts val="0"/>
               </a:spcBef>
@@ -4691,7 +4858,7 @@
               <a:buChar char="○"/>
               <a:defRPr sz="1200"/>
             </a:lvl2pPr>
-            <a:lvl3pPr indent="-304800" lvl="2" marL="1371600">
+            <a:lvl3pPr marL="1371600" lvl="2" indent="-304800">
               <a:spcBef>
                 <a:spcPts val="0"/>
               </a:spcBef>
@@ -4702,7 +4869,7 @@
               <a:buChar char="■"/>
               <a:defRPr sz="1200"/>
             </a:lvl3pPr>
-            <a:lvl4pPr indent="-304800" lvl="3" marL="1828800">
+            <a:lvl4pPr marL="1828800" lvl="3" indent="-304800">
               <a:spcBef>
                 <a:spcPts val="0"/>
               </a:spcBef>
@@ -4713,7 +4880,7 @@
               <a:buChar char="●"/>
               <a:defRPr sz="1200"/>
             </a:lvl4pPr>
-            <a:lvl5pPr indent="-304800" lvl="4" marL="2286000">
+            <a:lvl5pPr marL="2286000" lvl="4" indent="-304800">
               <a:spcBef>
                 <a:spcPts val="0"/>
               </a:spcBef>
@@ -4724,7 +4891,7 @@
               <a:buChar char="○"/>
               <a:defRPr sz="1200"/>
             </a:lvl5pPr>
-            <a:lvl6pPr indent="-304800" lvl="5" marL="2743200">
+            <a:lvl6pPr marL="2743200" lvl="5" indent="-304800">
               <a:spcBef>
                 <a:spcPts val="0"/>
               </a:spcBef>
@@ -4735,7 +4902,7 @@
               <a:buChar char="■"/>
               <a:defRPr sz="1200"/>
             </a:lvl6pPr>
-            <a:lvl7pPr indent="-304800" lvl="6" marL="3200400">
+            <a:lvl7pPr marL="3200400" lvl="6" indent="-304800">
               <a:spcBef>
                 <a:spcPts val="0"/>
               </a:spcBef>
@@ -4746,7 +4913,7 @@
               <a:buChar char="●"/>
               <a:defRPr sz="1200"/>
             </a:lvl7pPr>
-            <a:lvl8pPr indent="-304800" lvl="7" marL="3657600">
+            <a:lvl8pPr marL="3657600" lvl="7" indent="-304800">
               <a:spcBef>
                 <a:spcPts val="0"/>
               </a:spcBef>
@@ -4757,7 +4924,7 @@
               <a:buChar char="○"/>
               <a:defRPr sz="1200"/>
             </a:lvl8pPr>
-            <a:lvl9pPr indent="-304800" lvl="8" marL="4114800">
+            <a:lvl9pPr marL="4114800" lvl="8" indent="-304800">
               <a:spcBef>
                 <a:spcPts val="0"/>
               </a:spcBef>
@@ -4769,15 +4936,19 @@
               <a:defRPr sz="1200"/>
             </a:lvl9pPr>
           </a:lstStyle>
-          <a:p/>
+          <a:p>
+            <a:endParaRPr/>
+          </a:p>
         </p:txBody>
       </p:sp>
       <p:sp>
         <p:nvSpPr>
           <p:cNvPr id="31" name="Google Shape;31;p7"/>
-          <p:cNvSpPr txBox="1"/>
+          <p:cNvSpPr txBox="1">
+            <a:spLocks noGrp="1"/>
+          </p:cNvSpPr>
           <p:nvPr>
-            <p:ph idx="12" type="sldNum"/>
+            <p:ph type="sldNum" idx="12"/>
           </p:nvPr>
         </p:nvSpPr>
         <p:spPr>
@@ -4790,7 +4961,7 @@
           </a:prstGeom>
         </p:spPr>
         <p:txBody>
-          <a:bodyPr anchorCtr="0" anchor="ctr" bIns="91425" lIns="91425" spcFirstLastPara="1" rIns="91425" wrap="square" tIns="91425">
+          <a:bodyPr spcFirstLastPara="1" wrap="square" lIns="91425" tIns="91425" rIns="91425" bIns="91425" anchor="ctr" anchorCtr="0">
             <a:normAutofit/>
           </a:bodyPr>
           <a:lstStyle>
@@ -4832,7 +5003,7 @@
             </a:lvl9pPr>
           </a:lstStyle>
           <a:p>
-            <a:pPr indent="0" lvl="0" marL="0" rtl="0" algn="r">
+            <a:pPr marL="0" lvl="0" indent="0" algn="r" rtl="0">
               <a:spcBef>
                 <a:spcPts val="0"/>
               </a:spcBef>
@@ -4858,11 +5029,11 @@
 </file>
 
 <file path=ppt/slideLayouts/slideLayout7.xml><?xml version="1.0" encoding="utf-8"?>
-<p:sldLayout xmlns:a="http://schemas.openxmlformats.org/drawingml/2006/main" xmlns:r="http://schemas.openxmlformats.org/officeDocument/2006/relationships" xmlns:mc="http://schemas.openxmlformats.org/markup-compatibility/2006" xmlns:mv="urn:schemas-microsoft-com:mac:vml" xmlns:p="http://schemas.openxmlformats.org/presentationml/2006/main" xmlns:c="http://schemas.openxmlformats.org/drawingml/2006/chart" xmlns:dgm="http://schemas.openxmlformats.org/drawingml/2006/diagram" xmlns:o="urn:schemas-microsoft-com:office:office" xmlns:v="urn:schemas-microsoft-com:vml" xmlns:pvml="urn:schemas-microsoft-com:office:powerpoint" xmlns:com="http://schemas.openxmlformats.org/drawingml/2006/compatibility" xmlns:p14="http://schemas.microsoft.com/office/powerpoint/2010/main" xmlns:p15="http://schemas.microsoft.com/office/powerpoint/2012/main" xmlns:ahyp="http://schemas.microsoft.com/office/drawing/2018/hyperlinkcolor" matchingName="Main point">
+<p:sldLayout xmlns:a="http://schemas.openxmlformats.org/drawingml/2006/main" xmlns:r="http://schemas.openxmlformats.org/officeDocument/2006/relationships" xmlns:p="http://schemas.openxmlformats.org/presentationml/2006/main" matchingName="Main point">
   <p:cSld name="MAIN_POINT">
     <p:spTree>
       <p:nvGrpSpPr>
-        <p:cNvPr id="32" name="Shape 32"/>
+        <p:cNvPr id="1" name="Shape 32"/>
         <p:cNvGrpSpPr/>
         <p:nvPr/>
       </p:nvGrpSpPr>
@@ -4877,7 +5048,9 @@
       <p:sp>
         <p:nvSpPr>
           <p:cNvPr id="33" name="Google Shape;33;p8"/>
-          <p:cNvSpPr txBox="1"/>
+          <p:cNvSpPr txBox="1">
+            <a:spLocks noGrp="1"/>
+          </p:cNvSpPr>
           <p:nvPr>
             <p:ph type="title"/>
           </p:nvPr>
@@ -4892,7 +5065,7 @@
           </a:prstGeom>
         </p:spPr>
         <p:txBody>
-          <a:bodyPr anchorCtr="0" anchor="ctr" bIns="91425" lIns="91425" spcFirstLastPara="1" rIns="91425" wrap="square" tIns="91425">
+          <a:bodyPr spcFirstLastPara="1" wrap="square" lIns="91425" tIns="91425" rIns="91425" bIns="91425" anchor="ctr" anchorCtr="0">
             <a:normAutofit/>
           </a:bodyPr>
           <a:lstStyle>
@@ -4996,15 +5169,19 @@
               <a:defRPr sz="4800"/>
             </a:lvl9pPr>
           </a:lstStyle>
-          <a:p/>
+          <a:p>
+            <a:endParaRPr/>
+          </a:p>
         </p:txBody>
       </p:sp>
       <p:sp>
         <p:nvSpPr>
           <p:cNvPr id="34" name="Google Shape;34;p8"/>
-          <p:cNvSpPr txBox="1"/>
+          <p:cNvSpPr txBox="1">
+            <a:spLocks noGrp="1"/>
+          </p:cNvSpPr>
           <p:nvPr>
-            <p:ph idx="12" type="sldNum"/>
+            <p:ph type="sldNum" idx="12"/>
           </p:nvPr>
         </p:nvSpPr>
         <p:spPr>
@@ -5017,7 +5194,7 @@
           </a:prstGeom>
         </p:spPr>
         <p:txBody>
-          <a:bodyPr anchorCtr="0" anchor="ctr" bIns="91425" lIns="91425" spcFirstLastPara="1" rIns="91425" wrap="square" tIns="91425">
+          <a:bodyPr spcFirstLastPara="1" wrap="square" lIns="91425" tIns="91425" rIns="91425" bIns="91425" anchor="ctr" anchorCtr="0">
             <a:normAutofit/>
           </a:bodyPr>
           <a:lstStyle>
@@ -5059,7 +5236,7 @@
             </a:lvl9pPr>
           </a:lstStyle>
           <a:p>
-            <a:pPr indent="0" lvl="0" marL="0" rtl="0" algn="r">
+            <a:pPr marL="0" lvl="0" indent="0" algn="r" rtl="0">
               <a:spcBef>
                 <a:spcPts val="0"/>
               </a:spcBef>
@@ -5085,11 +5262,11 @@
 </file>
 
 <file path=ppt/slideLayouts/slideLayout8.xml><?xml version="1.0" encoding="utf-8"?>
-<p:sldLayout xmlns:a="http://schemas.openxmlformats.org/drawingml/2006/main" xmlns:r="http://schemas.openxmlformats.org/officeDocument/2006/relationships" xmlns:mc="http://schemas.openxmlformats.org/markup-compatibility/2006" xmlns:mv="urn:schemas-microsoft-com:mac:vml" xmlns:p="http://schemas.openxmlformats.org/presentationml/2006/main" xmlns:c="http://schemas.openxmlformats.org/drawingml/2006/chart" xmlns:dgm="http://schemas.openxmlformats.org/drawingml/2006/diagram" xmlns:o="urn:schemas-microsoft-com:office:office" xmlns:v="urn:schemas-microsoft-com:vml" xmlns:pvml="urn:schemas-microsoft-com:office:powerpoint" xmlns:com="http://schemas.openxmlformats.org/drawingml/2006/compatibility" xmlns:p14="http://schemas.microsoft.com/office/powerpoint/2010/main" xmlns:p15="http://schemas.microsoft.com/office/powerpoint/2012/main" xmlns:ahyp="http://schemas.microsoft.com/office/drawing/2018/hyperlinkcolor" matchingName="Section title and description">
+<p:sldLayout xmlns:a="http://schemas.openxmlformats.org/drawingml/2006/main" xmlns:r="http://schemas.openxmlformats.org/officeDocument/2006/relationships" xmlns:p="http://schemas.openxmlformats.org/presentationml/2006/main" matchingName="Section title and description">
   <p:cSld name="SECTION_TITLE_AND_DESCRIPTION">
     <p:spTree>
       <p:nvGrpSpPr>
-        <p:cNvPr id="35" name="Shape 35"/>
+        <p:cNvPr id="1" name="Shape 35"/>
         <p:cNvGrpSpPr/>
         <p:nvPr/>
       </p:nvGrpSpPr>
@@ -5123,12 +5300,12 @@
           </a:ln>
         </p:spPr>
         <p:txBody>
-          <a:bodyPr anchorCtr="0" anchor="ctr" bIns="91425" lIns="91425" spcFirstLastPara="1" rIns="91425" wrap="square" tIns="91425">
+          <a:bodyPr spcFirstLastPara="1" wrap="square" lIns="91425" tIns="91425" rIns="91425" bIns="91425" anchor="ctr" anchorCtr="0">
             <a:noAutofit/>
           </a:bodyPr>
           <a:lstStyle/>
           <a:p>
-            <a:pPr indent="0" lvl="0" marL="0" rtl="0" algn="l">
+            <a:pPr marL="0" lvl="0" indent="0" algn="l" rtl="0">
               <a:spcBef>
                 <a:spcPts val="0"/>
               </a:spcBef>
@@ -5137,9 +5314,6 @@
               </a:spcAft>
               <a:buNone/>
             </a:pPr>
-            <a:r>
-              <a:t/>
-            </a:r>
             <a:endParaRPr/>
           </a:p>
         </p:txBody>
@@ -5147,7 +5321,9 @@
       <p:sp>
         <p:nvSpPr>
           <p:cNvPr id="37" name="Google Shape;37;p9"/>
-          <p:cNvSpPr txBox="1"/>
+          <p:cNvSpPr txBox="1">
+            <a:spLocks noGrp="1"/>
+          </p:cNvSpPr>
           <p:nvPr>
             <p:ph type="title"/>
           </p:nvPr>
@@ -5162,7 +5338,7 @@
           </a:prstGeom>
         </p:spPr>
         <p:txBody>
-          <a:bodyPr anchorCtr="0" anchor="b" bIns="91425" lIns="91425" spcFirstLastPara="1" rIns="91425" wrap="square" tIns="91425">
+          <a:bodyPr spcFirstLastPara="1" wrap="square" lIns="91425" tIns="91425" rIns="91425" bIns="91425" anchor="b" anchorCtr="0">
             <a:normAutofit/>
           </a:bodyPr>
           <a:lstStyle>
@@ -5266,15 +5442,19 @@
               <a:defRPr sz="4200"/>
             </a:lvl9pPr>
           </a:lstStyle>
-          <a:p/>
+          <a:p>
+            <a:endParaRPr/>
+          </a:p>
         </p:txBody>
       </p:sp>
       <p:sp>
         <p:nvSpPr>
           <p:cNvPr id="38" name="Google Shape;38;p9"/>
-          <p:cNvSpPr txBox="1"/>
+          <p:cNvSpPr txBox="1">
+            <a:spLocks noGrp="1"/>
+          </p:cNvSpPr>
           <p:nvPr>
-            <p:ph idx="1" type="subTitle"/>
+            <p:ph type="subTitle" idx="1"/>
           </p:nvPr>
         </p:nvSpPr>
         <p:spPr>
@@ -5287,7 +5467,7 @@
           </a:prstGeom>
         </p:spPr>
         <p:txBody>
-          <a:bodyPr anchorCtr="0" anchor="t" bIns="91425" lIns="91425" spcFirstLastPara="1" rIns="91425" wrap="square" tIns="91425">
+          <a:bodyPr spcFirstLastPara="1" wrap="square" lIns="91425" tIns="91425" rIns="91425" bIns="91425" anchor="t" anchorCtr="0">
             <a:normAutofit/>
           </a:bodyPr>
           <a:lstStyle>
@@ -5418,15 +5598,19 @@
               <a:defRPr sz="2100"/>
             </a:lvl9pPr>
           </a:lstStyle>
-          <a:p/>
+          <a:p>
+            <a:endParaRPr/>
+          </a:p>
         </p:txBody>
       </p:sp>
       <p:sp>
         <p:nvSpPr>
           <p:cNvPr id="39" name="Google Shape;39;p9"/>
-          <p:cNvSpPr txBox="1"/>
+          <p:cNvSpPr txBox="1">
+            <a:spLocks noGrp="1"/>
+          </p:cNvSpPr>
           <p:nvPr>
-            <p:ph idx="2" type="body"/>
+            <p:ph type="body" idx="2"/>
           </p:nvPr>
         </p:nvSpPr>
         <p:spPr>
@@ -5439,11 +5623,11 @@
           </a:prstGeom>
         </p:spPr>
         <p:txBody>
-          <a:bodyPr anchorCtr="0" anchor="ctr" bIns="91425" lIns="91425" spcFirstLastPara="1" rIns="91425" wrap="square" tIns="91425">
+          <a:bodyPr spcFirstLastPara="1" wrap="square" lIns="91425" tIns="91425" rIns="91425" bIns="91425" anchor="ctr" anchorCtr="0">
             <a:normAutofit/>
           </a:bodyPr>
           <a:lstStyle>
-            <a:lvl1pPr indent="-342900" lvl="0" marL="457200">
+            <a:lvl1pPr marL="457200" lvl="0" indent="-342900">
               <a:spcBef>
                 <a:spcPts val="0"/>
               </a:spcBef>
@@ -5454,7 +5638,7 @@
               <a:buChar char="●"/>
               <a:defRPr/>
             </a:lvl1pPr>
-            <a:lvl2pPr indent="-317500" lvl="1" marL="914400">
+            <a:lvl2pPr marL="914400" lvl="1" indent="-317500">
               <a:spcBef>
                 <a:spcPts val="0"/>
               </a:spcBef>
@@ -5465,7 +5649,7 @@
               <a:buChar char="○"/>
               <a:defRPr/>
             </a:lvl2pPr>
-            <a:lvl3pPr indent="-317500" lvl="2" marL="1371600">
+            <a:lvl3pPr marL="1371600" lvl="2" indent="-317500">
               <a:spcBef>
                 <a:spcPts val="0"/>
               </a:spcBef>
@@ -5476,7 +5660,7 @@
               <a:buChar char="■"/>
               <a:defRPr/>
             </a:lvl3pPr>
-            <a:lvl4pPr indent="-317500" lvl="3" marL="1828800">
+            <a:lvl4pPr marL="1828800" lvl="3" indent="-317500">
               <a:spcBef>
                 <a:spcPts val="0"/>
               </a:spcBef>
@@ -5487,7 +5671,7 @@
               <a:buChar char="●"/>
               <a:defRPr/>
             </a:lvl4pPr>
-            <a:lvl5pPr indent="-317500" lvl="4" marL="2286000">
+            <a:lvl5pPr marL="2286000" lvl="4" indent="-317500">
               <a:spcBef>
                 <a:spcPts val="0"/>
               </a:spcBef>
@@ -5498,7 +5682,7 @@
               <a:buChar char="○"/>
               <a:defRPr/>
             </a:lvl5pPr>
-            <a:lvl6pPr indent="-317500" lvl="5" marL="2743200">
+            <a:lvl6pPr marL="2743200" lvl="5" indent="-317500">
               <a:spcBef>
                 <a:spcPts val="0"/>
               </a:spcBef>
@@ -5509,7 +5693,7 @@
               <a:buChar char="■"/>
               <a:defRPr/>
             </a:lvl6pPr>
-            <a:lvl7pPr indent="-317500" lvl="6" marL="3200400">
+            <a:lvl7pPr marL="3200400" lvl="6" indent="-317500">
               <a:spcBef>
                 <a:spcPts val="0"/>
               </a:spcBef>
@@ -5520,7 +5704,7 @@
               <a:buChar char="●"/>
               <a:defRPr/>
             </a:lvl7pPr>
-            <a:lvl8pPr indent="-317500" lvl="7" marL="3657600">
+            <a:lvl8pPr marL="3657600" lvl="7" indent="-317500">
               <a:spcBef>
                 <a:spcPts val="0"/>
               </a:spcBef>
@@ -5531,7 +5715,7 @@
               <a:buChar char="○"/>
               <a:defRPr/>
             </a:lvl8pPr>
-            <a:lvl9pPr indent="-317500" lvl="8" marL="4114800">
+            <a:lvl9pPr marL="4114800" lvl="8" indent="-317500">
               <a:spcBef>
                 <a:spcPts val="0"/>
               </a:spcBef>
@@ -5543,15 +5727,19 @@
               <a:defRPr/>
             </a:lvl9pPr>
           </a:lstStyle>
-          <a:p/>
+          <a:p>
+            <a:endParaRPr/>
+          </a:p>
         </p:txBody>
       </p:sp>
       <p:sp>
         <p:nvSpPr>
           <p:cNvPr id="40" name="Google Shape;40;p9"/>
-          <p:cNvSpPr txBox="1"/>
+          <p:cNvSpPr txBox="1">
+            <a:spLocks noGrp="1"/>
+          </p:cNvSpPr>
           <p:nvPr>
-            <p:ph idx="12" type="sldNum"/>
+            <p:ph type="sldNum" idx="12"/>
           </p:nvPr>
         </p:nvSpPr>
         <p:spPr>
@@ -5564,7 +5752,7 @@
           </a:prstGeom>
         </p:spPr>
         <p:txBody>
-          <a:bodyPr anchorCtr="0" anchor="ctr" bIns="91425" lIns="91425" spcFirstLastPara="1" rIns="91425" wrap="square" tIns="91425">
+          <a:bodyPr spcFirstLastPara="1" wrap="square" lIns="91425" tIns="91425" rIns="91425" bIns="91425" anchor="ctr" anchorCtr="0">
             <a:normAutofit/>
           </a:bodyPr>
           <a:lstStyle>
@@ -5606,7 +5794,7 @@
             </a:lvl9pPr>
           </a:lstStyle>
           <a:p>
-            <a:pPr indent="0" lvl="0" marL="0" rtl="0" algn="r">
+            <a:pPr marL="0" lvl="0" indent="0" algn="r" rtl="0">
               <a:spcBef>
                 <a:spcPts val="0"/>
               </a:spcBef>
@@ -5632,11 +5820,11 @@
 </file>
 
 <file path=ppt/slideLayouts/slideLayout9.xml><?xml version="1.0" encoding="utf-8"?>
-<p:sldLayout xmlns:a="http://schemas.openxmlformats.org/drawingml/2006/main" xmlns:r="http://schemas.openxmlformats.org/officeDocument/2006/relationships" xmlns:mc="http://schemas.openxmlformats.org/markup-compatibility/2006" xmlns:mv="urn:schemas-microsoft-com:mac:vml" xmlns:p="http://schemas.openxmlformats.org/presentationml/2006/main" xmlns:c="http://schemas.openxmlformats.org/drawingml/2006/chart" xmlns:dgm="http://schemas.openxmlformats.org/drawingml/2006/diagram" xmlns:o="urn:schemas-microsoft-com:office:office" xmlns:v="urn:schemas-microsoft-com:vml" xmlns:pvml="urn:schemas-microsoft-com:office:powerpoint" xmlns:com="http://schemas.openxmlformats.org/drawingml/2006/compatibility" xmlns:p14="http://schemas.microsoft.com/office/powerpoint/2010/main" xmlns:p15="http://schemas.microsoft.com/office/powerpoint/2012/main" xmlns:ahyp="http://schemas.microsoft.com/office/drawing/2018/hyperlinkcolor" matchingName="Caption">
+<p:sldLayout xmlns:a="http://schemas.openxmlformats.org/drawingml/2006/main" xmlns:r="http://schemas.openxmlformats.org/officeDocument/2006/relationships" xmlns:p="http://schemas.openxmlformats.org/presentationml/2006/main" matchingName="Caption">
   <p:cSld name="CAPTION_ONLY">
     <p:spTree>
       <p:nvGrpSpPr>
-        <p:cNvPr id="41" name="Shape 41"/>
+        <p:cNvPr id="1" name="Shape 41"/>
         <p:cNvGrpSpPr/>
         <p:nvPr/>
       </p:nvGrpSpPr>
@@ -5651,9 +5839,11 @@
       <p:sp>
         <p:nvSpPr>
           <p:cNvPr id="42" name="Google Shape;42;p10"/>
-          <p:cNvSpPr txBox="1"/>
+          <p:cNvSpPr txBox="1">
+            <a:spLocks noGrp="1"/>
+          </p:cNvSpPr>
           <p:nvPr>
-            <p:ph idx="1" type="body"/>
+            <p:ph type="body" idx="1"/>
           </p:nvPr>
         </p:nvSpPr>
         <p:spPr>
@@ -5666,11 +5856,11 @@
           </a:prstGeom>
         </p:spPr>
         <p:txBody>
-          <a:bodyPr anchorCtr="0" anchor="ctr" bIns="91425" lIns="91425" spcFirstLastPara="1" rIns="91425" wrap="square" tIns="91425">
+          <a:bodyPr spcFirstLastPara="1" wrap="square" lIns="91425" tIns="91425" rIns="91425" bIns="91425" anchor="ctr" anchorCtr="0">
             <a:normAutofit/>
           </a:bodyPr>
           <a:lstStyle>
-            <a:lvl1pPr indent="-228600" lvl="0" marL="457200">
+            <a:lvl1pPr marL="457200" lvl="0" indent="-228600">
               <a:lnSpc>
                 <a:spcPct val="100000"/>
               </a:lnSpc>
@@ -5685,15 +5875,19 @@
               <a:defRPr/>
             </a:lvl1pPr>
           </a:lstStyle>
-          <a:p/>
+          <a:p>
+            <a:endParaRPr/>
+          </a:p>
         </p:txBody>
       </p:sp>
       <p:sp>
         <p:nvSpPr>
           <p:cNvPr id="43" name="Google Shape;43;p10"/>
-          <p:cNvSpPr txBox="1"/>
+          <p:cNvSpPr txBox="1">
+            <a:spLocks noGrp="1"/>
+          </p:cNvSpPr>
           <p:nvPr>
-            <p:ph idx="12" type="sldNum"/>
+            <p:ph type="sldNum" idx="12"/>
           </p:nvPr>
         </p:nvSpPr>
         <p:spPr>
@@ -5706,7 +5900,7 @@
           </a:prstGeom>
         </p:spPr>
         <p:txBody>
-          <a:bodyPr anchorCtr="0" anchor="ctr" bIns="91425" lIns="91425" spcFirstLastPara="1" rIns="91425" wrap="square" tIns="91425">
+          <a:bodyPr spcFirstLastPara="1" wrap="square" lIns="91425" tIns="91425" rIns="91425" bIns="91425" anchor="ctr" anchorCtr="0">
             <a:normAutofit/>
           </a:bodyPr>
           <a:lstStyle>
@@ -5748,7 +5942,7 @@
             </a:lvl9pPr>
           </a:lstStyle>
           <a:p>
-            <a:pPr indent="0" lvl="0" marL="0" rtl="0" algn="r">
+            <a:pPr marL="0" lvl="0" indent="0" algn="r" rtl="0">
               <a:spcBef>
                 <a:spcPts val="0"/>
               </a:spcBef>
@@ -5774,18 +5968,19 @@
 </file>
 
 <file path=ppt/slideMasters/slideMaster1.xml><?xml version="1.0" encoding="utf-8"?>
-<p:sldMaster xmlns:a="http://schemas.openxmlformats.org/drawingml/2006/main" xmlns:r="http://schemas.openxmlformats.org/officeDocument/2006/relationships" xmlns:mc="http://schemas.openxmlformats.org/markup-compatibility/2006" xmlns:mv="urn:schemas-microsoft-com:mac:vml" xmlns:p="http://schemas.openxmlformats.org/presentationml/2006/main" xmlns:c="http://schemas.openxmlformats.org/drawingml/2006/chart" xmlns:dgm="http://schemas.openxmlformats.org/drawingml/2006/diagram" xmlns:o="urn:schemas-microsoft-com:office:office" xmlns:v="urn:schemas-microsoft-com:vml" xmlns:pvml="urn:schemas-microsoft-com:office:powerpoint" xmlns:com="http://schemas.openxmlformats.org/drawingml/2006/compatibility" xmlns:p14="http://schemas.microsoft.com/office/powerpoint/2010/main" xmlns:p15="http://schemas.microsoft.com/office/powerpoint/2012/main" xmlns:ahyp="http://schemas.microsoft.com/office/drawing/2018/hyperlinkcolor">
+<p:sldMaster xmlns:a="http://schemas.openxmlformats.org/drawingml/2006/main" xmlns:r="http://schemas.openxmlformats.org/officeDocument/2006/relationships" xmlns:p="http://schemas.openxmlformats.org/presentationml/2006/main">
   <p:cSld name="simple-light-2">
     <p:bg>
       <p:bgPr>
         <a:solidFill>
           <a:schemeClr val="lt1"/>
         </a:solidFill>
+        <a:effectLst/>
       </p:bgPr>
     </p:bg>
     <p:spTree>
       <p:nvGrpSpPr>
-        <p:cNvPr id="5" name="Shape 5"/>
+        <p:cNvPr id="1" name="Shape 5"/>
         <p:cNvGrpSpPr/>
         <p:nvPr/>
       </p:nvGrpSpPr>
@@ -5800,7 +5995,9 @@
       <p:sp>
         <p:nvSpPr>
           <p:cNvPr id="6" name="Google Shape;6;p1"/>
-          <p:cNvSpPr txBox="1"/>
+          <p:cNvSpPr txBox="1">
+            <a:spLocks noGrp="1"/>
+          </p:cNvSpPr>
           <p:nvPr>
             <p:ph type="title"/>
           </p:nvPr>
@@ -5819,7 +6016,7 @@
           </a:ln>
         </p:spPr>
         <p:txBody>
-          <a:bodyPr anchorCtr="0" anchor="t" bIns="91425" lIns="91425" spcFirstLastPara="1" rIns="91425" wrap="square" tIns="91425">
+          <a:bodyPr spcFirstLastPara="1" wrap="square" lIns="91425" tIns="91425" rIns="91425" bIns="91425" anchor="t" anchorCtr="0">
             <a:normAutofit/>
           </a:bodyPr>
           <a:lstStyle>
@@ -5986,15 +6183,19 @@
               </a:defRPr>
             </a:lvl9pPr>
           </a:lstStyle>
-          <a:p/>
+          <a:p>
+            <a:endParaRPr/>
+          </a:p>
         </p:txBody>
       </p:sp>
       <p:sp>
         <p:nvSpPr>
           <p:cNvPr id="7" name="Google Shape;7;p1"/>
-          <p:cNvSpPr txBox="1"/>
+          <p:cNvSpPr txBox="1">
+            <a:spLocks noGrp="1"/>
+          </p:cNvSpPr>
           <p:nvPr>
-            <p:ph idx="1" type="body"/>
+            <p:ph type="body" idx="1"/>
           </p:nvPr>
         </p:nvSpPr>
         <p:spPr>
@@ -6011,11 +6212,11 @@
           </a:ln>
         </p:spPr>
         <p:txBody>
-          <a:bodyPr anchorCtr="0" anchor="t" bIns="91425" lIns="91425" spcFirstLastPara="1" rIns="91425" wrap="square" tIns="91425">
+          <a:bodyPr spcFirstLastPara="1" wrap="square" lIns="91425" tIns="91425" rIns="91425" bIns="91425" anchor="t" anchorCtr="0">
             <a:normAutofit/>
           </a:bodyPr>
           <a:lstStyle>
-            <a:lvl1pPr indent="-342900" lvl="0" marL="457200">
+            <a:lvl1pPr marL="457200" lvl="0" indent="-342900">
               <a:lnSpc>
                 <a:spcPct val="115000"/>
               </a:lnSpc>
@@ -6036,7 +6237,7 @@
                 </a:solidFill>
               </a:defRPr>
             </a:lvl1pPr>
-            <a:lvl2pPr indent="-317500" lvl="1" marL="914400">
+            <a:lvl2pPr marL="914400" lvl="1" indent="-317500">
               <a:lnSpc>
                 <a:spcPct val="115000"/>
               </a:lnSpc>
@@ -6057,7 +6258,7 @@
                 </a:solidFill>
               </a:defRPr>
             </a:lvl2pPr>
-            <a:lvl3pPr indent="-317500" lvl="2" marL="1371600">
+            <a:lvl3pPr marL="1371600" lvl="2" indent="-317500">
               <a:lnSpc>
                 <a:spcPct val="115000"/>
               </a:lnSpc>
@@ -6078,7 +6279,7 @@
                 </a:solidFill>
               </a:defRPr>
             </a:lvl3pPr>
-            <a:lvl4pPr indent="-317500" lvl="3" marL="1828800">
+            <a:lvl4pPr marL="1828800" lvl="3" indent="-317500">
               <a:lnSpc>
                 <a:spcPct val="115000"/>
               </a:lnSpc>
@@ -6099,7 +6300,7 @@
                 </a:solidFill>
               </a:defRPr>
             </a:lvl4pPr>
-            <a:lvl5pPr indent="-317500" lvl="4" marL="2286000">
+            <a:lvl5pPr marL="2286000" lvl="4" indent="-317500">
               <a:lnSpc>
                 <a:spcPct val="115000"/>
               </a:lnSpc>
@@ -6120,7 +6321,7 @@
                 </a:solidFill>
               </a:defRPr>
             </a:lvl5pPr>
-            <a:lvl6pPr indent="-317500" lvl="5" marL="2743200">
+            <a:lvl6pPr marL="2743200" lvl="5" indent="-317500">
               <a:lnSpc>
                 <a:spcPct val="115000"/>
               </a:lnSpc>
@@ -6141,7 +6342,7 @@
                 </a:solidFill>
               </a:defRPr>
             </a:lvl6pPr>
-            <a:lvl7pPr indent="-317500" lvl="6" marL="3200400">
+            <a:lvl7pPr marL="3200400" lvl="6" indent="-317500">
               <a:lnSpc>
                 <a:spcPct val="115000"/>
               </a:lnSpc>
@@ -6162,7 +6363,7 @@
                 </a:solidFill>
               </a:defRPr>
             </a:lvl7pPr>
-            <a:lvl8pPr indent="-317500" lvl="7" marL="3657600">
+            <a:lvl8pPr marL="3657600" lvl="7" indent="-317500">
               <a:lnSpc>
                 <a:spcPct val="115000"/>
               </a:lnSpc>
@@ -6183,7 +6384,7 @@
                 </a:solidFill>
               </a:defRPr>
             </a:lvl8pPr>
-            <a:lvl9pPr indent="-317500" lvl="8" marL="4114800">
+            <a:lvl9pPr marL="4114800" lvl="8" indent="-317500">
               <a:lnSpc>
                 <a:spcPct val="115000"/>
               </a:lnSpc>
@@ -6205,15 +6406,19 @@
               </a:defRPr>
             </a:lvl9pPr>
           </a:lstStyle>
-          <a:p/>
+          <a:p>
+            <a:endParaRPr/>
+          </a:p>
         </p:txBody>
       </p:sp>
       <p:sp>
         <p:nvSpPr>
           <p:cNvPr id="8" name="Google Shape;8;p1"/>
-          <p:cNvSpPr txBox="1"/>
+          <p:cNvSpPr txBox="1">
+            <a:spLocks noGrp="1"/>
+          </p:cNvSpPr>
           <p:nvPr>
-            <p:ph idx="12" type="sldNum"/>
+            <p:ph type="sldNum" idx="12"/>
           </p:nvPr>
         </p:nvSpPr>
         <p:spPr>
@@ -6230,7 +6435,7 @@
           </a:ln>
         </p:spPr>
         <p:txBody>
-          <a:bodyPr anchorCtr="0" anchor="ctr" bIns="91425" lIns="91425" spcFirstLastPara="1" rIns="91425" wrap="square" tIns="91425">
+          <a:bodyPr spcFirstLastPara="1" wrap="square" lIns="91425" tIns="91425" rIns="91425" bIns="91425" anchor="ctr" anchorCtr="0">
             <a:normAutofit/>
           </a:bodyPr>
           <a:lstStyle>
@@ -6308,7 +6513,7 @@
             </a:lvl9pPr>
           </a:lstStyle>
           <a:p>
-            <a:pPr indent="0" lvl="0" marL="0" rtl="0" algn="r">
+            <a:pPr marL="0" lvl="0" indent="0" algn="r" rtl="0">
               <a:spcBef>
                 <a:spcPts val="0"/>
               </a:spcBef>
@@ -6327,7 +6532,7 @@
       </p:sp>
     </p:spTree>
   </p:cSld>
-  <p:clrMap accent1="accent1" accent2="accent2" accent3="accent3" accent4="accent4" accent5="accent5" accent6="accent6" bg1="lt1" bg2="dk2" tx1="dk1" tx2="lt2" folHlink="folHlink" hlink="hlink"/>
+  <p:clrMap bg1="lt1" tx1="dk1" bg2="dk2" tx2="lt2" accent1="accent1" accent2="accent2" accent3="accent3" accent4="accent4" accent5="accent5" accent6="accent6" hlink="hlink" folHlink="folHlink"/>
   <p:sldLayoutIdLst>
     <p:sldLayoutId id="2147483648" r:id="rId1"/>
     <p:sldLayoutId id="2147483649" r:id="rId2"/>
@@ -6341,10 +6546,10 @@
     <p:sldLayoutId id="2147483657" r:id="rId10"/>
     <p:sldLayoutId id="2147483658" r:id="rId11"/>
   </p:sldLayoutIdLst>
-  <p:hf dt="0" ftr="0" hdr="0" sldNum="0"/>
+  <p:hf sldNum="0" hdr="0" ftr="0" dt="0"/>
   <p:txStyles>
     <p:titleStyle>
-      <a:defPPr lvl="0" marR="0" rtl="0" algn="l">
+      <a:defPPr marR="0" lvl="0" algn="l" rtl="0">
         <a:lnSpc>
           <a:spcPct val="100000"/>
         </a:lnSpc>
@@ -6355,7 +6560,7 @@
           <a:spcPts val="0"/>
         </a:spcAft>
       </a:defPPr>
-      <a:lvl1pPr lvl="0" marR="0" rtl="0" algn="l">
+      <a:lvl1pPr marR="0" lvl="0" algn="l" rtl="0">
         <a:lnSpc>
           <a:spcPct val="100000"/>
         </a:lnSpc>
@@ -6369,7 +6574,7 @@
           <a:srgbClr val="000000"/>
         </a:buClr>
         <a:buFont typeface="Arial"/>
-        <a:defRPr b="0" i="0" sz="1400" u="none" cap="none" strike="noStrike">
+        <a:defRPr sz="1400" b="0" i="0" u="none" strike="noStrike" cap="none">
           <a:solidFill>
             <a:srgbClr val="000000"/>
           </a:solidFill>
@@ -6379,7 +6584,7 @@
           <a:sym typeface="Arial"/>
         </a:defRPr>
       </a:lvl1pPr>
-      <a:lvl2pPr lvl="1" marR="0" rtl="0" algn="l">
+      <a:lvl2pPr marR="0" lvl="1" algn="l" rtl="0">
         <a:lnSpc>
           <a:spcPct val="100000"/>
         </a:lnSpc>
@@ -6393,7 +6598,7 @@
           <a:srgbClr val="000000"/>
         </a:buClr>
         <a:buFont typeface="Arial"/>
-        <a:defRPr b="0" i="0" sz="1400" u="none" cap="none" strike="noStrike">
+        <a:defRPr sz="1400" b="0" i="0" u="none" strike="noStrike" cap="none">
           <a:solidFill>
             <a:srgbClr val="000000"/>
           </a:solidFill>
@@ -6403,7 +6608,7 @@
           <a:sym typeface="Arial"/>
         </a:defRPr>
       </a:lvl2pPr>
-      <a:lvl3pPr lvl="2" marR="0" rtl="0" algn="l">
+      <a:lvl3pPr marR="0" lvl="2" algn="l" rtl="0">
         <a:lnSpc>
           <a:spcPct val="100000"/>
         </a:lnSpc>
@@ -6417,7 +6622,7 @@
           <a:srgbClr val="000000"/>
         </a:buClr>
         <a:buFont typeface="Arial"/>
-        <a:defRPr b="0" i="0" sz="1400" u="none" cap="none" strike="noStrike">
+        <a:defRPr sz="1400" b="0" i="0" u="none" strike="noStrike" cap="none">
           <a:solidFill>
             <a:srgbClr val="000000"/>
           </a:solidFill>
@@ -6427,7 +6632,7 @@
           <a:sym typeface="Arial"/>
         </a:defRPr>
       </a:lvl3pPr>
-      <a:lvl4pPr lvl="3" marR="0" rtl="0" algn="l">
+      <a:lvl4pPr marR="0" lvl="3" algn="l" rtl="0">
         <a:lnSpc>
           <a:spcPct val="100000"/>
         </a:lnSpc>
@@ -6441,7 +6646,7 @@
           <a:srgbClr val="000000"/>
         </a:buClr>
         <a:buFont typeface="Arial"/>
-        <a:defRPr b="0" i="0" sz="1400" u="none" cap="none" strike="noStrike">
+        <a:defRPr sz="1400" b="0" i="0" u="none" strike="noStrike" cap="none">
           <a:solidFill>
             <a:srgbClr val="000000"/>
           </a:solidFill>
@@ -6451,7 +6656,7 @@
           <a:sym typeface="Arial"/>
         </a:defRPr>
       </a:lvl4pPr>
-      <a:lvl5pPr lvl="4" marR="0" rtl="0" algn="l">
+      <a:lvl5pPr marR="0" lvl="4" algn="l" rtl="0">
         <a:lnSpc>
           <a:spcPct val="100000"/>
         </a:lnSpc>
@@ -6465,7 +6670,7 @@
           <a:srgbClr val="000000"/>
         </a:buClr>
         <a:buFont typeface="Arial"/>
-        <a:defRPr b="0" i="0" sz="1400" u="none" cap="none" strike="noStrike">
+        <a:defRPr sz="1400" b="0" i="0" u="none" strike="noStrike" cap="none">
           <a:solidFill>
             <a:srgbClr val="000000"/>
           </a:solidFill>
@@ -6475,7 +6680,7 @@
           <a:sym typeface="Arial"/>
         </a:defRPr>
       </a:lvl5pPr>
-      <a:lvl6pPr lvl="5" marR="0" rtl="0" algn="l">
+      <a:lvl6pPr marR="0" lvl="5" algn="l" rtl="0">
         <a:lnSpc>
           <a:spcPct val="100000"/>
         </a:lnSpc>
@@ -6489,7 +6694,7 @@
           <a:srgbClr val="000000"/>
         </a:buClr>
         <a:buFont typeface="Arial"/>
-        <a:defRPr b="0" i="0" sz="1400" u="none" cap="none" strike="noStrike">
+        <a:defRPr sz="1400" b="0" i="0" u="none" strike="noStrike" cap="none">
           <a:solidFill>
             <a:srgbClr val="000000"/>
           </a:solidFill>
@@ -6499,7 +6704,7 @@
           <a:sym typeface="Arial"/>
         </a:defRPr>
       </a:lvl6pPr>
-      <a:lvl7pPr lvl="6" marR="0" rtl="0" algn="l">
+      <a:lvl7pPr marR="0" lvl="6" algn="l" rtl="0">
         <a:lnSpc>
           <a:spcPct val="100000"/>
         </a:lnSpc>
@@ -6513,7 +6718,7 @@
           <a:srgbClr val="000000"/>
         </a:buClr>
         <a:buFont typeface="Arial"/>
-        <a:defRPr b="0" i="0" sz="1400" u="none" cap="none" strike="noStrike">
+        <a:defRPr sz="1400" b="0" i="0" u="none" strike="noStrike" cap="none">
           <a:solidFill>
             <a:srgbClr val="000000"/>
           </a:solidFill>
@@ -6523,7 +6728,7 @@
           <a:sym typeface="Arial"/>
         </a:defRPr>
       </a:lvl7pPr>
-      <a:lvl8pPr lvl="7" marR="0" rtl="0" algn="l">
+      <a:lvl8pPr marR="0" lvl="7" algn="l" rtl="0">
         <a:lnSpc>
           <a:spcPct val="100000"/>
         </a:lnSpc>
@@ -6537,7 +6742,7 @@
           <a:srgbClr val="000000"/>
         </a:buClr>
         <a:buFont typeface="Arial"/>
-        <a:defRPr b="0" i="0" sz="1400" u="none" cap="none" strike="noStrike">
+        <a:defRPr sz="1400" b="0" i="0" u="none" strike="noStrike" cap="none">
           <a:solidFill>
             <a:srgbClr val="000000"/>
           </a:solidFill>
@@ -6547,7 +6752,7 @@
           <a:sym typeface="Arial"/>
         </a:defRPr>
       </a:lvl8pPr>
-      <a:lvl9pPr lvl="8" marR="0" rtl="0" algn="l">
+      <a:lvl9pPr marR="0" lvl="8" algn="l" rtl="0">
         <a:lnSpc>
           <a:spcPct val="100000"/>
         </a:lnSpc>
@@ -6561,7 +6766,7 @@
           <a:srgbClr val="000000"/>
         </a:buClr>
         <a:buFont typeface="Arial"/>
-        <a:defRPr b="0" i="0" sz="1400" u="none" cap="none" strike="noStrike">
+        <a:defRPr sz="1400" b="0" i="0" u="none" strike="noStrike" cap="none">
           <a:solidFill>
             <a:srgbClr val="000000"/>
           </a:solidFill>
@@ -6573,7 +6778,7 @@
       </a:lvl9pPr>
     </p:titleStyle>
     <p:bodyStyle>
-      <a:defPPr lvl="0" marR="0" rtl="0" algn="l">
+      <a:defPPr marR="0" lvl="0" algn="l" rtl="0">
         <a:lnSpc>
           <a:spcPct val="100000"/>
         </a:lnSpc>
@@ -6584,7 +6789,7 @@
           <a:spcPts val="0"/>
         </a:spcAft>
       </a:defPPr>
-      <a:lvl1pPr lvl="0" marR="0" rtl="0" algn="l">
+      <a:lvl1pPr marR="0" lvl="0" algn="l" rtl="0">
         <a:lnSpc>
           <a:spcPct val="100000"/>
         </a:lnSpc>
@@ -6598,7 +6803,7 @@
           <a:srgbClr val="000000"/>
         </a:buClr>
         <a:buFont typeface="Arial"/>
-        <a:defRPr b="0" i="0" sz="1400" u="none" cap="none" strike="noStrike">
+        <a:defRPr sz="1400" b="0" i="0" u="none" strike="noStrike" cap="none">
           <a:solidFill>
             <a:srgbClr val="000000"/>
           </a:solidFill>
@@ -6608,7 +6813,7 @@
           <a:sym typeface="Arial"/>
         </a:defRPr>
       </a:lvl1pPr>
-      <a:lvl2pPr lvl="1" marR="0" rtl="0" algn="l">
+      <a:lvl2pPr marR="0" lvl="1" algn="l" rtl="0">
         <a:lnSpc>
           <a:spcPct val="100000"/>
         </a:lnSpc>
@@ -6622,7 +6827,7 @@
           <a:srgbClr val="000000"/>
         </a:buClr>
         <a:buFont typeface="Arial"/>
-        <a:defRPr b="0" i="0" sz="1400" u="none" cap="none" strike="noStrike">
+        <a:defRPr sz="1400" b="0" i="0" u="none" strike="noStrike" cap="none">
           <a:solidFill>
             <a:srgbClr val="000000"/>
           </a:solidFill>
@@ -6632,7 +6837,7 @@
           <a:sym typeface="Arial"/>
         </a:defRPr>
       </a:lvl2pPr>
-      <a:lvl3pPr lvl="2" marR="0" rtl="0" algn="l">
+      <a:lvl3pPr marR="0" lvl="2" algn="l" rtl="0">
         <a:lnSpc>
           <a:spcPct val="100000"/>
         </a:lnSpc>
@@ -6646,7 +6851,7 @@
           <a:srgbClr val="000000"/>
         </a:buClr>
         <a:buFont typeface="Arial"/>
-        <a:defRPr b="0" i="0" sz="1400" u="none" cap="none" strike="noStrike">
+        <a:defRPr sz="1400" b="0" i="0" u="none" strike="noStrike" cap="none">
           <a:solidFill>
             <a:srgbClr val="000000"/>
           </a:solidFill>
@@ -6656,7 +6861,7 @@
           <a:sym typeface="Arial"/>
         </a:defRPr>
       </a:lvl3pPr>
-      <a:lvl4pPr lvl="3" marR="0" rtl="0" algn="l">
+      <a:lvl4pPr marR="0" lvl="3" algn="l" rtl="0">
         <a:lnSpc>
           <a:spcPct val="100000"/>
         </a:lnSpc>
@@ -6670,7 +6875,7 @@
           <a:srgbClr val="000000"/>
         </a:buClr>
         <a:buFont typeface="Arial"/>
-        <a:defRPr b="0" i="0" sz="1400" u="none" cap="none" strike="noStrike">
+        <a:defRPr sz="1400" b="0" i="0" u="none" strike="noStrike" cap="none">
           <a:solidFill>
             <a:srgbClr val="000000"/>
           </a:solidFill>
@@ -6680,7 +6885,7 @@
           <a:sym typeface="Arial"/>
         </a:defRPr>
       </a:lvl4pPr>
-      <a:lvl5pPr lvl="4" marR="0" rtl="0" algn="l">
+      <a:lvl5pPr marR="0" lvl="4" algn="l" rtl="0">
         <a:lnSpc>
           <a:spcPct val="100000"/>
         </a:lnSpc>
@@ -6694,7 +6899,7 @@
           <a:srgbClr val="000000"/>
         </a:buClr>
         <a:buFont typeface="Arial"/>
-        <a:defRPr b="0" i="0" sz="1400" u="none" cap="none" strike="noStrike">
+        <a:defRPr sz="1400" b="0" i="0" u="none" strike="noStrike" cap="none">
           <a:solidFill>
             <a:srgbClr val="000000"/>
           </a:solidFill>
@@ -6704,7 +6909,7 @@
           <a:sym typeface="Arial"/>
         </a:defRPr>
       </a:lvl5pPr>
-      <a:lvl6pPr lvl="5" marR="0" rtl="0" algn="l">
+      <a:lvl6pPr marR="0" lvl="5" algn="l" rtl="0">
         <a:lnSpc>
           <a:spcPct val="100000"/>
         </a:lnSpc>
@@ -6718,7 +6923,7 @@
           <a:srgbClr val="000000"/>
         </a:buClr>
         <a:buFont typeface="Arial"/>
-        <a:defRPr b="0" i="0" sz="1400" u="none" cap="none" strike="noStrike">
+        <a:defRPr sz="1400" b="0" i="0" u="none" strike="noStrike" cap="none">
           <a:solidFill>
             <a:srgbClr val="000000"/>
           </a:solidFill>
@@ -6728,7 +6933,7 @@
           <a:sym typeface="Arial"/>
         </a:defRPr>
       </a:lvl6pPr>
-      <a:lvl7pPr lvl="6" marR="0" rtl="0" algn="l">
+      <a:lvl7pPr marR="0" lvl="6" algn="l" rtl="0">
         <a:lnSpc>
           <a:spcPct val="100000"/>
         </a:lnSpc>
@@ -6742,7 +6947,7 @@
           <a:srgbClr val="000000"/>
         </a:buClr>
         <a:buFont typeface="Arial"/>
-        <a:defRPr b="0" i="0" sz="1400" u="none" cap="none" strike="noStrike">
+        <a:defRPr sz="1400" b="0" i="0" u="none" strike="noStrike" cap="none">
           <a:solidFill>
             <a:srgbClr val="000000"/>
           </a:solidFill>
@@ -6752,7 +6957,7 @@
           <a:sym typeface="Arial"/>
         </a:defRPr>
       </a:lvl7pPr>
-      <a:lvl8pPr lvl="7" marR="0" rtl="0" algn="l">
+      <a:lvl8pPr marR="0" lvl="7" algn="l" rtl="0">
         <a:lnSpc>
           <a:spcPct val="100000"/>
         </a:lnSpc>
@@ -6766,7 +6971,7 @@
           <a:srgbClr val="000000"/>
         </a:buClr>
         <a:buFont typeface="Arial"/>
-        <a:defRPr b="0" i="0" sz="1400" u="none" cap="none" strike="noStrike">
+        <a:defRPr sz="1400" b="0" i="0" u="none" strike="noStrike" cap="none">
           <a:solidFill>
             <a:srgbClr val="000000"/>
           </a:solidFill>
@@ -6776,7 +6981,7 @@
           <a:sym typeface="Arial"/>
         </a:defRPr>
       </a:lvl8pPr>
-      <a:lvl9pPr lvl="8" marR="0" rtl="0" algn="l">
+      <a:lvl9pPr marR="0" lvl="8" algn="l" rtl="0">
         <a:lnSpc>
           <a:spcPct val="100000"/>
         </a:lnSpc>
@@ -6790,7 +6995,7 @@
           <a:srgbClr val="000000"/>
         </a:buClr>
         <a:buFont typeface="Arial"/>
-        <a:defRPr b="0" i="0" sz="1400" u="none" cap="none" strike="noStrike">
+        <a:defRPr sz="1400" b="0" i="0" u="none" strike="noStrike" cap="none">
           <a:solidFill>
             <a:srgbClr val="000000"/>
           </a:solidFill>
@@ -6802,7 +7007,7 @@
       </a:lvl9pPr>
     </p:bodyStyle>
     <p:otherStyle>
-      <a:defPPr lvl="0" marR="0" rtl="0" algn="l">
+      <a:defPPr marR="0" lvl="0" algn="l" rtl="0">
         <a:lnSpc>
           <a:spcPct val="100000"/>
         </a:lnSpc>
@@ -6813,7 +7018,7 @@
           <a:spcPts val="0"/>
         </a:spcAft>
       </a:defPPr>
-      <a:lvl1pPr lvl="0" marR="0" rtl="0" algn="l">
+      <a:lvl1pPr marR="0" lvl="0" algn="l" rtl="0">
         <a:lnSpc>
           <a:spcPct val="100000"/>
         </a:lnSpc>
@@ -6827,7 +7032,7 @@
           <a:srgbClr val="000000"/>
         </a:buClr>
         <a:buFont typeface="Arial"/>
-        <a:defRPr b="0" i="0" sz="1400" u="none" cap="none" strike="noStrike">
+        <a:defRPr sz="1400" b="0" i="0" u="none" strike="noStrike" cap="none">
           <a:solidFill>
             <a:srgbClr val="000000"/>
           </a:solidFill>
@@ -6837,7 +7042,7 @@
           <a:sym typeface="Arial"/>
         </a:defRPr>
       </a:lvl1pPr>
-      <a:lvl2pPr lvl="1" marR="0" rtl="0" algn="l">
+      <a:lvl2pPr marR="0" lvl="1" algn="l" rtl="0">
         <a:lnSpc>
           <a:spcPct val="100000"/>
         </a:lnSpc>
@@ -6851,7 +7056,7 @@
           <a:srgbClr val="000000"/>
         </a:buClr>
         <a:buFont typeface="Arial"/>
-        <a:defRPr b="0" i="0" sz="1400" u="none" cap="none" strike="noStrike">
+        <a:defRPr sz="1400" b="0" i="0" u="none" strike="noStrike" cap="none">
           <a:solidFill>
             <a:srgbClr val="000000"/>
           </a:solidFill>
@@ -6861,7 +7066,7 @@
           <a:sym typeface="Arial"/>
         </a:defRPr>
       </a:lvl2pPr>
-      <a:lvl3pPr lvl="2" marR="0" rtl="0" algn="l">
+      <a:lvl3pPr marR="0" lvl="2" algn="l" rtl="0">
         <a:lnSpc>
           <a:spcPct val="100000"/>
         </a:lnSpc>
@@ -6875,7 +7080,7 @@
           <a:srgbClr val="000000"/>
         </a:buClr>
         <a:buFont typeface="Arial"/>
-        <a:defRPr b="0" i="0" sz="1400" u="none" cap="none" strike="noStrike">
+        <a:defRPr sz="1400" b="0" i="0" u="none" strike="noStrike" cap="none">
           <a:solidFill>
             <a:srgbClr val="000000"/>
           </a:solidFill>
@@ -6885,7 +7090,7 @@
           <a:sym typeface="Arial"/>
         </a:defRPr>
       </a:lvl3pPr>
-      <a:lvl4pPr lvl="3" marR="0" rtl="0" algn="l">
+      <a:lvl4pPr marR="0" lvl="3" algn="l" rtl="0">
         <a:lnSpc>
           <a:spcPct val="100000"/>
         </a:lnSpc>
@@ -6899,7 +7104,7 @@
           <a:srgbClr val="000000"/>
         </a:buClr>
         <a:buFont typeface="Arial"/>
-        <a:defRPr b="0" i="0" sz="1400" u="none" cap="none" strike="noStrike">
+        <a:defRPr sz="1400" b="0" i="0" u="none" strike="noStrike" cap="none">
           <a:solidFill>
             <a:srgbClr val="000000"/>
           </a:solidFill>
@@ -6909,7 +7114,7 @@
           <a:sym typeface="Arial"/>
         </a:defRPr>
       </a:lvl4pPr>
-      <a:lvl5pPr lvl="4" marR="0" rtl="0" algn="l">
+      <a:lvl5pPr marR="0" lvl="4" algn="l" rtl="0">
         <a:lnSpc>
           <a:spcPct val="100000"/>
         </a:lnSpc>
@@ -6923,7 +7128,7 @@
           <a:srgbClr val="000000"/>
         </a:buClr>
         <a:buFont typeface="Arial"/>
-        <a:defRPr b="0" i="0" sz="1400" u="none" cap="none" strike="noStrike">
+        <a:defRPr sz="1400" b="0" i="0" u="none" strike="noStrike" cap="none">
           <a:solidFill>
             <a:srgbClr val="000000"/>
           </a:solidFill>
@@ -6933,7 +7138,7 @@
           <a:sym typeface="Arial"/>
         </a:defRPr>
       </a:lvl5pPr>
-      <a:lvl6pPr lvl="5" marR="0" rtl="0" algn="l">
+      <a:lvl6pPr marR="0" lvl="5" algn="l" rtl="0">
         <a:lnSpc>
           <a:spcPct val="100000"/>
         </a:lnSpc>
@@ -6947,7 +7152,7 @@
           <a:srgbClr val="000000"/>
         </a:buClr>
         <a:buFont typeface="Arial"/>
-        <a:defRPr b="0" i="0" sz="1400" u="none" cap="none" strike="noStrike">
+        <a:defRPr sz="1400" b="0" i="0" u="none" strike="noStrike" cap="none">
           <a:solidFill>
             <a:srgbClr val="000000"/>
           </a:solidFill>
@@ -6957,7 +7162,7 @@
           <a:sym typeface="Arial"/>
         </a:defRPr>
       </a:lvl6pPr>
-      <a:lvl7pPr lvl="6" marR="0" rtl="0" algn="l">
+      <a:lvl7pPr marR="0" lvl="6" algn="l" rtl="0">
         <a:lnSpc>
           <a:spcPct val="100000"/>
         </a:lnSpc>
@@ -6971,7 +7176,7 @@
           <a:srgbClr val="000000"/>
         </a:buClr>
         <a:buFont typeface="Arial"/>
-        <a:defRPr b="0" i="0" sz="1400" u="none" cap="none" strike="noStrike">
+        <a:defRPr sz="1400" b="0" i="0" u="none" strike="noStrike" cap="none">
           <a:solidFill>
             <a:srgbClr val="000000"/>
           </a:solidFill>
@@ -6981,7 +7186,7 @@
           <a:sym typeface="Arial"/>
         </a:defRPr>
       </a:lvl7pPr>
-      <a:lvl8pPr lvl="7" marR="0" rtl="0" algn="l">
+      <a:lvl8pPr marR="0" lvl="7" algn="l" rtl="0">
         <a:lnSpc>
           <a:spcPct val="100000"/>
         </a:lnSpc>
@@ -6995,7 +7200,7 @@
           <a:srgbClr val="000000"/>
         </a:buClr>
         <a:buFont typeface="Arial"/>
-        <a:defRPr b="0" i="0" sz="1400" u="none" cap="none" strike="noStrike">
+        <a:defRPr sz="1400" b="0" i="0" u="none" strike="noStrike" cap="none">
           <a:solidFill>
             <a:srgbClr val="000000"/>
           </a:solidFill>
@@ -7005,7 +7210,7 @@
           <a:sym typeface="Arial"/>
         </a:defRPr>
       </a:lvl8pPr>
-      <a:lvl9pPr lvl="8" marR="0" rtl="0" algn="l">
+      <a:lvl9pPr marR="0" lvl="8" algn="l" rtl="0">
         <a:lnSpc>
           <a:spcPct val="100000"/>
         </a:lnSpc>
@@ -7019,7 +7224,7 @@
           <a:srgbClr val="000000"/>
         </a:buClr>
         <a:buFont typeface="Arial"/>
-        <a:defRPr b="0" i="0" sz="1400" u="none" cap="none" strike="noStrike">
+        <a:defRPr sz="1400" b="0" i="0" u="none" strike="noStrike" cap="none">
           <a:solidFill>
             <a:srgbClr val="000000"/>
           </a:solidFill>
@@ -7035,11 +7240,11 @@
 </file>
 
 <file path=ppt/slides/slide1.xml><?xml version="1.0" encoding="utf-8"?>
-<p:sld xmlns:a="http://schemas.openxmlformats.org/drawingml/2006/main" xmlns:r="http://schemas.openxmlformats.org/officeDocument/2006/relationships" xmlns:mc="http://schemas.openxmlformats.org/markup-compatibility/2006" xmlns:mv="urn:schemas-microsoft-com:mac:vml" xmlns:p="http://schemas.openxmlformats.org/presentationml/2006/main" xmlns:c="http://schemas.openxmlformats.org/drawingml/2006/chart" xmlns:dgm="http://schemas.openxmlformats.org/drawingml/2006/diagram" xmlns:o="urn:schemas-microsoft-com:office:office" xmlns:v="urn:schemas-microsoft-com:vml" xmlns:pvml="urn:schemas-microsoft-com:office:powerpoint" xmlns:com="http://schemas.openxmlformats.org/drawingml/2006/compatibility" xmlns:p14="http://schemas.microsoft.com/office/powerpoint/2010/main" xmlns:p15="http://schemas.microsoft.com/office/powerpoint/2012/main" xmlns:ahyp="http://schemas.microsoft.com/office/drawing/2018/hyperlinkcolor">
+<p:sld xmlns:a="http://schemas.openxmlformats.org/drawingml/2006/main" xmlns:r="http://schemas.openxmlformats.org/officeDocument/2006/relationships" xmlns:p="http://schemas.openxmlformats.org/presentationml/2006/main">
   <p:cSld>
     <p:spTree>
       <p:nvGrpSpPr>
-        <p:cNvPr id="53" name="Shape 53"/>
+        <p:cNvPr id="1" name="Shape 53"/>
         <p:cNvGrpSpPr/>
         <p:nvPr/>
       </p:nvGrpSpPr>
@@ -7054,7 +7259,9 @@
       <p:sp>
         <p:nvSpPr>
           <p:cNvPr id="54" name="Google Shape;54;p13"/>
-          <p:cNvSpPr txBox="1"/>
+          <p:cNvSpPr txBox="1">
+            <a:spLocks noGrp="1"/>
+          </p:cNvSpPr>
           <p:nvPr>
             <p:ph type="ctrTitle"/>
           </p:nvPr>
@@ -7069,12 +7276,12 @@
           </a:prstGeom>
         </p:spPr>
         <p:txBody>
-          <a:bodyPr anchorCtr="0" anchor="b" bIns="91425" lIns="91425" spcFirstLastPara="1" rIns="91425" wrap="square" tIns="91425">
+          <a:bodyPr spcFirstLastPara="1" wrap="square" lIns="91425" tIns="91425" rIns="91425" bIns="91425" anchor="b" anchorCtr="0">
             <a:normAutofit/>
           </a:bodyPr>
           <a:lstStyle/>
           <a:p>
-            <a:pPr indent="0" lvl="0" marL="0" rtl="0" algn="ctr">
+            <a:pPr marL="0" lvl="0" indent="0" algn="ctr" rtl="0">
               <a:spcBef>
                 <a:spcPts val="0"/>
               </a:spcBef>
@@ -7094,9 +7301,11 @@
       <p:sp>
         <p:nvSpPr>
           <p:cNvPr id="55" name="Google Shape;55;p13"/>
-          <p:cNvSpPr txBox="1"/>
+          <p:cNvSpPr txBox="1">
+            <a:spLocks noGrp="1"/>
+          </p:cNvSpPr>
           <p:nvPr>
-            <p:ph idx="1" type="subTitle"/>
+            <p:ph type="subTitle" idx="1"/>
           </p:nvPr>
         </p:nvSpPr>
         <p:spPr>
@@ -7109,12 +7318,12 @@
           </a:prstGeom>
         </p:spPr>
         <p:txBody>
-          <a:bodyPr anchorCtr="0" anchor="t" bIns="91425" lIns="91425" spcFirstLastPara="1" rIns="91425" wrap="square" tIns="91425">
+          <a:bodyPr spcFirstLastPara="1" wrap="square" lIns="91425" tIns="91425" rIns="91425" bIns="91425" anchor="t" anchorCtr="0">
             <a:normAutofit/>
           </a:bodyPr>
           <a:lstStyle/>
           <a:p>
-            <a:pPr indent="0" lvl="0" marL="0" rtl="0" algn="ctr">
+            <a:pPr marL="0" lvl="0" indent="0" algn="ctr" rtl="0">
               <a:spcBef>
                 <a:spcPts val="0"/>
               </a:spcBef>
@@ -7130,7 +7339,7 @@
             <a:endParaRPr sz="1800"/>
           </a:p>
           <a:p>
-            <a:pPr indent="0" lvl="0" marL="0" rtl="0" algn="ctr">
+            <a:pPr marL="0" lvl="0" indent="0" algn="ctr" rtl="0">
               <a:spcBef>
                 <a:spcPts val="0"/>
               </a:spcBef>
@@ -7139,13 +7348,10 @@
               </a:spcAft>
               <a:buNone/>
             </a:pPr>
-            <a:r>
-              <a:t/>
-            </a:r>
             <a:endParaRPr sz="1800"/>
           </a:p>
           <a:p>
-            <a:pPr indent="0" lvl="0" marL="0" rtl="0" algn="ctr">
+            <a:pPr marL="0" lvl="0" indent="0" algn="ctr" rtl="0">
               <a:spcBef>
                 <a:spcPts val="0"/>
               </a:spcBef>
@@ -7154,13 +7360,10 @@
               </a:spcAft>
               <a:buNone/>
             </a:pPr>
-            <a:r>
-              <a:t/>
-            </a:r>
             <a:endParaRPr sz="1800"/>
           </a:p>
           <a:p>
-            <a:pPr indent="0" lvl="0" marL="0" rtl="0" algn="ctr">
+            <a:pPr marL="0" lvl="0" indent="0" algn="ctr" rtl="0">
               <a:spcBef>
                 <a:spcPts val="0"/>
               </a:spcBef>
@@ -7176,7 +7379,7 @@
             <a:endParaRPr sz="1600"/>
           </a:p>
           <a:p>
-            <a:pPr indent="0" lvl="0" marL="0" rtl="0" algn="ctr">
+            <a:pPr marL="0" lvl="0" indent="0" algn="ctr" rtl="0">
               <a:spcBef>
                 <a:spcPts val="0"/>
               </a:spcBef>
@@ -7185,9 +7388,6 @@
               </a:spcAft>
               <a:buNone/>
             </a:pPr>
-            <a:r>
-              <a:t/>
-            </a:r>
             <a:endParaRPr sz="1800"/>
           </a:p>
         </p:txBody>
@@ -7201,11 +7401,11 @@
 </file>
 
 <file path=ppt/slides/slide10.xml><?xml version="1.0" encoding="utf-8"?>
-<p:sld xmlns:a="http://schemas.openxmlformats.org/drawingml/2006/main" xmlns:r="http://schemas.openxmlformats.org/officeDocument/2006/relationships" xmlns:mc="http://schemas.openxmlformats.org/markup-compatibility/2006" xmlns:mv="urn:schemas-microsoft-com:mac:vml" xmlns:p="http://schemas.openxmlformats.org/presentationml/2006/main" xmlns:c="http://schemas.openxmlformats.org/drawingml/2006/chart" xmlns:dgm="http://schemas.openxmlformats.org/drawingml/2006/diagram" xmlns:o="urn:schemas-microsoft-com:office:office" xmlns:v="urn:schemas-microsoft-com:vml" xmlns:pvml="urn:schemas-microsoft-com:office:powerpoint" xmlns:com="http://schemas.openxmlformats.org/drawingml/2006/compatibility" xmlns:p14="http://schemas.microsoft.com/office/powerpoint/2010/main" xmlns:p15="http://schemas.microsoft.com/office/powerpoint/2012/main" xmlns:ahyp="http://schemas.microsoft.com/office/drawing/2018/hyperlinkcolor">
+<p:sld xmlns:a="http://schemas.openxmlformats.org/drawingml/2006/main" xmlns:r="http://schemas.openxmlformats.org/officeDocument/2006/relationships" xmlns:p="http://schemas.openxmlformats.org/presentationml/2006/main">
   <p:cSld>
     <p:spTree>
       <p:nvGrpSpPr>
-        <p:cNvPr id="114" name="Shape 114"/>
+        <p:cNvPr id="1" name="Shape 114"/>
         <p:cNvGrpSpPr/>
         <p:nvPr/>
       </p:nvGrpSpPr>
@@ -7220,7 +7420,9 @@
       <p:sp>
         <p:nvSpPr>
           <p:cNvPr id="115" name="Google Shape;115;p22"/>
-          <p:cNvSpPr txBox="1"/>
+          <p:cNvSpPr txBox="1">
+            <a:spLocks noGrp="1"/>
+          </p:cNvSpPr>
           <p:nvPr>
             <p:ph type="title"/>
           </p:nvPr>
@@ -7235,12 +7437,12 @@
           </a:prstGeom>
         </p:spPr>
         <p:txBody>
-          <a:bodyPr anchorCtr="0" anchor="t" bIns="91425" lIns="91425" spcFirstLastPara="1" rIns="91425" wrap="square" tIns="91425">
+          <a:bodyPr spcFirstLastPara="1" wrap="square" lIns="91425" tIns="91425" rIns="91425" bIns="91425" anchor="t" anchorCtr="0">
             <a:normAutofit fontScale="90000"/>
           </a:bodyPr>
           <a:lstStyle/>
           <a:p>
-            <a:pPr indent="0" lvl="0" marL="0" rtl="0" algn="l">
+            <a:pPr marL="0" lvl="0" indent="0" algn="l" rtl="0">
               <a:spcBef>
                 <a:spcPts val="0"/>
               </a:spcBef>
@@ -7305,12 +7507,12 @@
           </a:ln>
         </p:spPr>
         <p:txBody>
-          <a:bodyPr anchorCtr="0" anchor="t" bIns="91425" lIns="91425" spcFirstLastPara="1" rIns="91425" wrap="square" tIns="91425">
+          <a:bodyPr spcFirstLastPara="1" wrap="square" lIns="91425" tIns="91425" rIns="91425" bIns="91425" anchor="t" anchorCtr="0">
             <a:spAutoFit/>
           </a:bodyPr>
           <a:lstStyle/>
           <a:p>
-            <a:pPr indent="0" lvl="0" marL="0" rtl="0" algn="l">
+            <a:pPr marL="0" lvl="0" indent="0" algn="l" rtl="0">
               <a:spcBef>
                 <a:spcPts val="0"/>
               </a:spcBef>
@@ -7336,11 +7538,11 @@
 </file>
 
 <file path=ppt/slides/slide11.xml><?xml version="1.0" encoding="utf-8"?>
-<p:sld xmlns:a="http://schemas.openxmlformats.org/drawingml/2006/main" xmlns:r="http://schemas.openxmlformats.org/officeDocument/2006/relationships" xmlns:mc="http://schemas.openxmlformats.org/markup-compatibility/2006" xmlns:mv="urn:schemas-microsoft-com:mac:vml" xmlns:p="http://schemas.openxmlformats.org/presentationml/2006/main" xmlns:c="http://schemas.openxmlformats.org/drawingml/2006/chart" xmlns:dgm="http://schemas.openxmlformats.org/drawingml/2006/diagram" xmlns:o="urn:schemas-microsoft-com:office:office" xmlns:v="urn:schemas-microsoft-com:vml" xmlns:pvml="urn:schemas-microsoft-com:office:powerpoint" xmlns:com="http://schemas.openxmlformats.org/drawingml/2006/compatibility" xmlns:p14="http://schemas.microsoft.com/office/powerpoint/2010/main" xmlns:p15="http://schemas.microsoft.com/office/powerpoint/2012/main" xmlns:ahyp="http://schemas.microsoft.com/office/drawing/2018/hyperlinkcolor">
+<p:sld xmlns:a="http://schemas.openxmlformats.org/drawingml/2006/main" xmlns:r="http://schemas.openxmlformats.org/officeDocument/2006/relationships" xmlns:p="http://schemas.openxmlformats.org/presentationml/2006/main">
   <p:cSld>
     <p:spTree>
       <p:nvGrpSpPr>
-        <p:cNvPr id="121" name="Shape 121"/>
+        <p:cNvPr id="1" name="Shape 121"/>
         <p:cNvGrpSpPr/>
         <p:nvPr/>
       </p:nvGrpSpPr>
@@ -7372,12 +7574,12 @@
           </a:ln>
         </p:spPr>
         <p:txBody>
-          <a:bodyPr anchorCtr="0" anchor="t" bIns="91425" lIns="91425" spcFirstLastPara="1" rIns="91425" wrap="square" tIns="91425">
+          <a:bodyPr spcFirstLastPara="1" wrap="square" lIns="91425" tIns="91425" rIns="91425" bIns="91425" anchor="t" anchorCtr="0">
             <a:spAutoFit/>
           </a:bodyPr>
           <a:lstStyle/>
           <a:p>
-            <a:pPr indent="0" lvl="0" marL="0" rtl="0" algn="l">
+            <a:pPr marL="0" lvl="0" indent="0" algn="l" rtl="0">
               <a:spcBef>
                 <a:spcPts val="0"/>
               </a:spcBef>
@@ -7431,11 +7633,11 @@
 </file>
 
 <file path=ppt/slides/slide12.xml><?xml version="1.0" encoding="utf-8"?>
-<p:sld xmlns:a="http://schemas.openxmlformats.org/drawingml/2006/main" xmlns:r="http://schemas.openxmlformats.org/officeDocument/2006/relationships" xmlns:mc="http://schemas.openxmlformats.org/markup-compatibility/2006" xmlns:mv="urn:schemas-microsoft-com:mac:vml" xmlns:p="http://schemas.openxmlformats.org/presentationml/2006/main" xmlns:c="http://schemas.openxmlformats.org/drawingml/2006/chart" xmlns:dgm="http://schemas.openxmlformats.org/drawingml/2006/diagram" xmlns:o="urn:schemas-microsoft-com:office:office" xmlns:v="urn:schemas-microsoft-com:vml" xmlns:pvml="urn:schemas-microsoft-com:office:powerpoint" xmlns:com="http://schemas.openxmlformats.org/drawingml/2006/compatibility" xmlns:p14="http://schemas.microsoft.com/office/powerpoint/2010/main" xmlns:p15="http://schemas.microsoft.com/office/powerpoint/2012/main" xmlns:ahyp="http://schemas.microsoft.com/office/drawing/2018/hyperlinkcolor">
+<p:sld xmlns:a="http://schemas.openxmlformats.org/drawingml/2006/main" xmlns:r="http://schemas.openxmlformats.org/officeDocument/2006/relationships" xmlns:p="http://schemas.openxmlformats.org/presentationml/2006/main">
   <p:cSld>
     <p:spTree>
       <p:nvGrpSpPr>
-        <p:cNvPr id="127" name="Shape 127"/>
+        <p:cNvPr id="1" name="Shape 127"/>
         <p:cNvGrpSpPr/>
         <p:nvPr/>
       </p:nvGrpSpPr>
@@ -7467,12 +7669,12 @@
           </a:ln>
         </p:spPr>
         <p:txBody>
-          <a:bodyPr anchorCtr="0" anchor="t" bIns="91425" lIns="91425" spcFirstLastPara="1" rIns="91425" wrap="square" tIns="91425">
+          <a:bodyPr spcFirstLastPara="1" wrap="square" lIns="91425" tIns="91425" rIns="91425" bIns="91425" anchor="t" anchorCtr="0">
             <a:spAutoFit/>
           </a:bodyPr>
           <a:lstStyle/>
           <a:p>
-            <a:pPr indent="0" lvl="0" marL="0" rtl="0" algn="l">
+            <a:pPr marL="0" lvl="0" indent="0" algn="l" rtl="0">
               <a:spcBef>
                 <a:spcPts val="0"/>
               </a:spcBef>
@@ -7526,11 +7728,11 @@
 </file>
 
 <file path=ppt/slides/slide13.xml><?xml version="1.0" encoding="utf-8"?>
-<p:sld xmlns:a="http://schemas.openxmlformats.org/drawingml/2006/main" xmlns:r="http://schemas.openxmlformats.org/officeDocument/2006/relationships" xmlns:mc="http://schemas.openxmlformats.org/markup-compatibility/2006" xmlns:mv="urn:schemas-microsoft-com:mac:vml" xmlns:p="http://schemas.openxmlformats.org/presentationml/2006/main" xmlns:c="http://schemas.openxmlformats.org/drawingml/2006/chart" xmlns:dgm="http://schemas.openxmlformats.org/drawingml/2006/diagram" xmlns:o="urn:schemas-microsoft-com:office:office" xmlns:v="urn:schemas-microsoft-com:vml" xmlns:pvml="urn:schemas-microsoft-com:office:powerpoint" xmlns:com="http://schemas.openxmlformats.org/drawingml/2006/compatibility" xmlns:p14="http://schemas.microsoft.com/office/powerpoint/2010/main" xmlns:p15="http://schemas.microsoft.com/office/powerpoint/2012/main" xmlns:ahyp="http://schemas.microsoft.com/office/drawing/2018/hyperlinkcolor">
+<p:sld xmlns:a="http://schemas.openxmlformats.org/drawingml/2006/main" xmlns:r="http://schemas.openxmlformats.org/officeDocument/2006/relationships" xmlns:p="http://schemas.openxmlformats.org/presentationml/2006/main">
   <p:cSld>
     <p:spTree>
       <p:nvGrpSpPr>
-        <p:cNvPr id="133" name="Shape 133"/>
+        <p:cNvPr id="1" name="Shape 133"/>
         <p:cNvGrpSpPr/>
         <p:nvPr/>
       </p:nvGrpSpPr>
@@ -7545,7 +7747,9 @@
       <p:sp>
         <p:nvSpPr>
           <p:cNvPr id="134" name="Google Shape;134;p25"/>
-          <p:cNvSpPr txBox="1"/>
+          <p:cNvSpPr txBox="1">
+            <a:spLocks noGrp="1"/>
+          </p:cNvSpPr>
           <p:nvPr>
             <p:ph type="title"/>
           </p:nvPr>
@@ -7560,12 +7764,12 @@
           </a:prstGeom>
         </p:spPr>
         <p:txBody>
-          <a:bodyPr anchorCtr="0" anchor="t" bIns="91425" lIns="91425" spcFirstLastPara="1" rIns="91425" wrap="square" tIns="91425">
+          <a:bodyPr spcFirstLastPara="1" wrap="square" lIns="91425" tIns="91425" rIns="91425" bIns="91425" anchor="t" anchorCtr="0">
             <a:normAutofit fontScale="90000"/>
           </a:bodyPr>
           <a:lstStyle/>
           <a:p>
-            <a:pPr indent="0" lvl="0" marL="0" rtl="0" algn="l">
+            <a:pPr marL="0" lvl="0" indent="0" algn="l" rtl="0">
               <a:spcBef>
                 <a:spcPts val="0"/>
               </a:spcBef>
@@ -7630,12 +7834,12 @@
           </a:ln>
         </p:spPr>
         <p:txBody>
-          <a:bodyPr anchorCtr="0" anchor="t" bIns="91425" lIns="91425" spcFirstLastPara="1" rIns="91425" wrap="square" tIns="91425">
+          <a:bodyPr spcFirstLastPara="1" wrap="square" lIns="91425" tIns="91425" rIns="91425" bIns="91425" anchor="t" anchorCtr="0">
             <a:spAutoFit/>
           </a:bodyPr>
           <a:lstStyle/>
           <a:p>
-            <a:pPr indent="0" lvl="0" marL="0" rtl="0" algn="l">
+            <a:pPr marL="0" lvl="0" indent="0" algn="l" rtl="0">
               <a:spcBef>
                 <a:spcPts val="0"/>
               </a:spcBef>
@@ -7661,11 +7865,11 @@
 </file>
 
 <file path=ppt/slides/slide14.xml><?xml version="1.0" encoding="utf-8"?>
-<p:sld xmlns:a="http://schemas.openxmlformats.org/drawingml/2006/main" xmlns:r="http://schemas.openxmlformats.org/officeDocument/2006/relationships" xmlns:mc="http://schemas.openxmlformats.org/markup-compatibility/2006" xmlns:mv="urn:schemas-microsoft-com:mac:vml" xmlns:p="http://schemas.openxmlformats.org/presentationml/2006/main" xmlns:c="http://schemas.openxmlformats.org/drawingml/2006/chart" xmlns:dgm="http://schemas.openxmlformats.org/drawingml/2006/diagram" xmlns:o="urn:schemas-microsoft-com:office:office" xmlns:v="urn:schemas-microsoft-com:vml" xmlns:pvml="urn:schemas-microsoft-com:office:powerpoint" xmlns:com="http://schemas.openxmlformats.org/drawingml/2006/compatibility" xmlns:p14="http://schemas.microsoft.com/office/powerpoint/2010/main" xmlns:p15="http://schemas.microsoft.com/office/powerpoint/2012/main" xmlns:ahyp="http://schemas.microsoft.com/office/drawing/2018/hyperlinkcolor">
+<p:sld xmlns:a="http://schemas.openxmlformats.org/drawingml/2006/main" xmlns:r="http://schemas.openxmlformats.org/officeDocument/2006/relationships" xmlns:p="http://schemas.openxmlformats.org/presentationml/2006/main">
   <p:cSld>
     <p:spTree>
       <p:nvGrpSpPr>
-        <p:cNvPr id="140" name="Shape 140"/>
+        <p:cNvPr id="1" name="Shape 140"/>
         <p:cNvGrpSpPr/>
         <p:nvPr/>
       </p:nvGrpSpPr>
@@ -7680,7 +7884,9 @@
       <p:sp>
         <p:nvSpPr>
           <p:cNvPr id="141" name="Google Shape;141;p26"/>
-          <p:cNvSpPr txBox="1"/>
+          <p:cNvSpPr txBox="1">
+            <a:spLocks noGrp="1"/>
+          </p:cNvSpPr>
           <p:nvPr>
             <p:ph type="title"/>
           </p:nvPr>
@@ -7695,12 +7901,12 @@
           </a:prstGeom>
         </p:spPr>
         <p:txBody>
-          <a:bodyPr anchorCtr="0" anchor="t" bIns="91425" lIns="91425" spcFirstLastPara="1" rIns="91425" wrap="square" tIns="91425">
+          <a:bodyPr spcFirstLastPara="1" wrap="square" lIns="91425" tIns="91425" rIns="91425" bIns="91425" anchor="t" anchorCtr="0">
             <a:normAutofit fontScale="90000"/>
           </a:bodyPr>
           <a:lstStyle/>
           <a:p>
-            <a:pPr indent="0" lvl="0" marL="0" rtl="0" algn="l">
+            <a:pPr marL="0" lvl="0" indent="0" algn="l" rtl="0">
               <a:spcBef>
                 <a:spcPts val="0"/>
               </a:spcBef>
@@ -7717,9 +7923,51 @@
           </a:p>
         </p:txBody>
       </p:sp>
+      <p:sp>
+        <p:nvSpPr>
+          <p:cNvPr id="142" name="Google Shape;142;p26"/>
+          <p:cNvSpPr txBox="1"/>
+          <p:nvPr/>
+        </p:nvSpPr>
+        <p:spPr>
+          <a:xfrm>
+            <a:off x="378450" y="4595175"/>
+            <a:ext cx="8463300" cy="400200"/>
+          </a:xfrm>
+          <a:prstGeom prst="rect">
+            <a:avLst/>
+          </a:prstGeom>
+          <a:noFill/>
+          <a:ln>
+            <a:noFill/>
+          </a:ln>
+        </p:spPr>
+        <p:txBody>
+          <a:bodyPr spcFirstLastPara="1" wrap="square" lIns="91425" tIns="91425" rIns="91425" bIns="91425" anchor="t" anchorCtr="0">
+            <a:spAutoFit/>
+          </a:bodyPr>
+          <a:lstStyle/>
+          <a:p>
+            <a:pPr marL="0" lvl="0" indent="0" algn="l" rtl="0">
+              <a:spcBef>
+                <a:spcPts val="0"/>
+              </a:spcBef>
+              <a:spcAft>
+                <a:spcPts val="0"/>
+              </a:spcAft>
+              <a:buNone/>
+            </a:pPr>
+            <a:r>
+              <a:rPr lang="en"/>
+              <a:t>Source: Google Finance	Python package: MCForecastTools	Data from 2/13/20 to 2/11/21 </a:t>
+            </a:r>
+            <a:endParaRPr/>
+          </a:p>
+        </p:txBody>
+      </p:sp>
       <p:pic>
         <p:nvPicPr>
-          <p:cNvPr id="142" name="Google Shape;142;p26"/>
+          <p:cNvPr id="143" name="Google Shape;143;p26"/>
           <p:cNvPicPr preferRelativeResize="0"/>
           <p:nvPr/>
         </p:nvPicPr>
@@ -7733,8 +7981,8 @@
         </p:blipFill>
         <p:spPr>
           <a:xfrm>
-            <a:off x="342375" y="1170125"/>
-            <a:ext cx="4064349" cy="2737700"/>
+            <a:off x="152400" y="1017725"/>
+            <a:ext cx="4382025" cy="3191300"/>
           </a:xfrm>
           <a:prstGeom prst="rect">
             <a:avLst/>
@@ -7747,7 +7995,7 @@
       </p:pic>
       <p:pic>
         <p:nvPicPr>
-          <p:cNvPr id="143" name="Google Shape;143;p26"/>
+          <p:cNvPr id="144" name="Google Shape;144;p26"/>
           <p:cNvPicPr preferRelativeResize="0"/>
           <p:nvPr/>
         </p:nvPicPr>
@@ -7761,8 +8009,8 @@
         </p:blipFill>
         <p:spPr>
           <a:xfrm>
-            <a:off x="4609575" y="1170125"/>
-            <a:ext cx="4232201" cy="2737700"/>
+            <a:off x="4609575" y="1017725"/>
+            <a:ext cx="4382025" cy="3160399"/>
           </a:xfrm>
           <a:prstGeom prst="rect">
             <a:avLst/>
@@ -7773,48 +8021,6 @@
           </a:ln>
         </p:spPr>
       </p:pic>
-      <p:sp>
-        <p:nvSpPr>
-          <p:cNvPr id="144" name="Google Shape;144;p26"/>
-          <p:cNvSpPr txBox="1"/>
-          <p:nvPr/>
-        </p:nvSpPr>
-        <p:spPr>
-          <a:xfrm>
-            <a:off x="378450" y="4595175"/>
-            <a:ext cx="8463300" cy="400200"/>
-          </a:xfrm>
-          <a:prstGeom prst="rect">
-            <a:avLst/>
-          </a:prstGeom>
-          <a:noFill/>
-          <a:ln>
-            <a:noFill/>
-          </a:ln>
-        </p:spPr>
-        <p:txBody>
-          <a:bodyPr anchorCtr="0" anchor="t" bIns="91425" lIns="91425" spcFirstLastPara="1" rIns="91425" wrap="square" tIns="91425">
-            <a:spAutoFit/>
-          </a:bodyPr>
-          <a:lstStyle/>
-          <a:p>
-            <a:pPr indent="0" lvl="0" marL="0" rtl="0" algn="l">
-              <a:spcBef>
-                <a:spcPts val="0"/>
-              </a:spcBef>
-              <a:spcAft>
-                <a:spcPts val="0"/>
-              </a:spcAft>
-              <a:buNone/>
-            </a:pPr>
-            <a:r>
-              <a:rPr lang="en"/>
-              <a:t>Source: Google Finance	Python package: MCForecastTools	Data from 2/13/20 to 2/11/21 </a:t>
-            </a:r>
-            <a:endParaRPr/>
-          </a:p>
-        </p:txBody>
-      </p:sp>
     </p:spTree>
   </p:cSld>
   <p:clrMapOvr>
@@ -7824,11 +8030,11 @@
 </file>
 
 <file path=ppt/slides/slide15.xml><?xml version="1.0" encoding="utf-8"?>
-<p:sld xmlns:a="http://schemas.openxmlformats.org/drawingml/2006/main" xmlns:r="http://schemas.openxmlformats.org/officeDocument/2006/relationships" xmlns:mc="http://schemas.openxmlformats.org/markup-compatibility/2006" xmlns:mv="urn:schemas-microsoft-com:mac:vml" xmlns:p="http://schemas.openxmlformats.org/presentationml/2006/main" xmlns:c="http://schemas.openxmlformats.org/drawingml/2006/chart" xmlns:dgm="http://schemas.openxmlformats.org/drawingml/2006/diagram" xmlns:o="urn:schemas-microsoft-com:office:office" xmlns:v="urn:schemas-microsoft-com:vml" xmlns:pvml="urn:schemas-microsoft-com:office:powerpoint" xmlns:com="http://schemas.openxmlformats.org/drawingml/2006/compatibility" xmlns:p14="http://schemas.microsoft.com/office/powerpoint/2010/main" xmlns:p15="http://schemas.microsoft.com/office/powerpoint/2012/main" xmlns:ahyp="http://schemas.microsoft.com/office/drawing/2018/hyperlinkcolor">
+<p:sld xmlns:a="http://schemas.openxmlformats.org/drawingml/2006/main" xmlns:r="http://schemas.openxmlformats.org/officeDocument/2006/relationships" xmlns:p="http://schemas.openxmlformats.org/presentationml/2006/main">
   <p:cSld>
     <p:spTree>
       <p:nvGrpSpPr>
-        <p:cNvPr id="148" name="Shape 148"/>
+        <p:cNvPr id="1" name="Shape 148"/>
         <p:cNvGrpSpPr/>
         <p:nvPr/>
       </p:nvGrpSpPr>
@@ -7843,7 +8049,9 @@
       <p:sp>
         <p:nvSpPr>
           <p:cNvPr id="149" name="Google Shape;149;p27"/>
-          <p:cNvSpPr txBox="1"/>
+          <p:cNvSpPr txBox="1">
+            <a:spLocks noGrp="1"/>
+          </p:cNvSpPr>
           <p:nvPr>
             <p:ph type="title"/>
           </p:nvPr>
@@ -7858,12 +8066,12 @@
           </a:prstGeom>
         </p:spPr>
         <p:txBody>
-          <a:bodyPr anchorCtr="0" anchor="t" bIns="91425" lIns="91425" spcFirstLastPara="1" rIns="91425" wrap="square" tIns="91425">
+          <a:bodyPr spcFirstLastPara="1" wrap="square" lIns="91425" tIns="91425" rIns="91425" bIns="91425" anchor="t" anchorCtr="0">
             <a:normAutofit fontScale="90000"/>
           </a:bodyPr>
           <a:lstStyle/>
           <a:p>
-            <a:pPr indent="0" lvl="0" marL="0" rtl="0" algn="l">
+            <a:pPr marL="0" lvl="0" indent="0" algn="l" rtl="0">
               <a:spcBef>
                 <a:spcPts val="0"/>
               </a:spcBef>
@@ -7885,24 +8093,16 @@
           </a:p>
         </p:txBody>
       </p:sp>
-      <p:pic>
-        <p:nvPicPr>
+      <p:sp>
+        <p:nvSpPr>
           <p:cNvPr id="150" name="Google Shape;150;p27"/>
-          <p:cNvPicPr preferRelativeResize="0"/>
+          <p:cNvSpPr txBox="1"/>
           <p:nvPr/>
-        </p:nvPicPr>
-        <p:blipFill>
-          <a:blip r:embed="rId3">
-            <a:alphaModFix/>
-          </a:blip>
-          <a:stretch>
-            <a:fillRect/>
-          </a:stretch>
-        </p:blipFill>
-        <p:spPr>
-          <a:xfrm>
-            <a:off x="228600" y="1170125"/>
-            <a:ext cx="4180200" cy="3046625"/>
+        </p:nvSpPr>
+        <p:spPr>
+          <a:xfrm>
+            <a:off x="378450" y="4595175"/>
+            <a:ext cx="8098800" cy="400200"/>
           </a:xfrm>
           <a:prstGeom prst="rect">
             <a:avLst/>
@@ -7912,61 +8112,13 @@
             <a:noFill/>
           </a:ln>
         </p:spPr>
-      </p:pic>
-      <p:pic>
-        <p:nvPicPr>
-          <p:cNvPr id="151" name="Google Shape;151;p27"/>
-          <p:cNvPicPr preferRelativeResize="0"/>
-          <p:nvPr/>
-        </p:nvPicPr>
-        <p:blipFill>
-          <a:blip r:embed="rId4">
-            <a:alphaModFix/>
-          </a:blip>
-          <a:stretch>
-            <a:fillRect/>
-          </a:stretch>
-        </p:blipFill>
-        <p:spPr>
-          <a:xfrm>
-            <a:off x="4572000" y="1170125"/>
-            <a:ext cx="4419599" cy="3046625"/>
-          </a:xfrm>
-          <a:prstGeom prst="rect">
-            <a:avLst/>
-          </a:prstGeom>
-          <a:noFill/>
-          <a:ln>
-            <a:noFill/>
-          </a:ln>
-        </p:spPr>
-      </p:pic>
-      <p:sp>
-        <p:nvSpPr>
-          <p:cNvPr id="152" name="Google Shape;152;p27"/>
-          <p:cNvSpPr txBox="1"/>
-          <p:nvPr/>
-        </p:nvSpPr>
-        <p:spPr>
-          <a:xfrm>
-            <a:off x="378450" y="4595175"/>
-            <a:ext cx="8098800" cy="400200"/>
-          </a:xfrm>
-          <a:prstGeom prst="rect">
-            <a:avLst/>
-          </a:prstGeom>
-          <a:noFill/>
-          <a:ln>
-            <a:noFill/>
-          </a:ln>
-        </p:spPr>
         <p:txBody>
-          <a:bodyPr anchorCtr="0" anchor="t" bIns="91425" lIns="91425" spcFirstLastPara="1" rIns="91425" wrap="square" tIns="91425">
+          <a:bodyPr spcFirstLastPara="1" wrap="square" lIns="91425" tIns="91425" rIns="91425" bIns="91425" anchor="t" anchorCtr="0">
             <a:spAutoFit/>
           </a:bodyPr>
           <a:lstStyle/>
           <a:p>
-            <a:pPr indent="0" lvl="0" marL="0" rtl="0" algn="l">
+            <a:pPr marL="0" lvl="0" indent="0" algn="l" rtl="0">
               <a:spcBef>
                 <a:spcPts val="0"/>
               </a:spcBef>
@@ -7995,6 +8147,62 @@
           </a:p>
         </p:txBody>
       </p:sp>
+      <p:pic>
+        <p:nvPicPr>
+          <p:cNvPr id="151" name="Google Shape;151;p27"/>
+          <p:cNvPicPr preferRelativeResize="0"/>
+          <p:nvPr/>
+        </p:nvPicPr>
+        <p:blipFill>
+          <a:blip r:embed="rId3">
+            <a:alphaModFix/>
+          </a:blip>
+          <a:stretch>
+            <a:fillRect/>
+          </a:stretch>
+        </p:blipFill>
+        <p:spPr>
+          <a:xfrm>
+            <a:off x="152400" y="1017725"/>
+            <a:ext cx="4319201" cy="3199025"/>
+          </a:xfrm>
+          <a:prstGeom prst="rect">
+            <a:avLst/>
+          </a:prstGeom>
+          <a:noFill/>
+          <a:ln>
+            <a:noFill/>
+          </a:ln>
+        </p:spPr>
+      </p:pic>
+      <p:pic>
+        <p:nvPicPr>
+          <p:cNvPr id="152" name="Google Shape;152;p27"/>
+          <p:cNvPicPr preferRelativeResize="0"/>
+          <p:nvPr/>
+        </p:nvPicPr>
+        <p:blipFill>
+          <a:blip r:embed="rId4">
+            <a:alphaModFix/>
+          </a:blip>
+          <a:stretch>
+            <a:fillRect/>
+          </a:stretch>
+        </p:blipFill>
+        <p:spPr>
+          <a:xfrm>
+            <a:off x="4672400" y="1017725"/>
+            <a:ext cx="4319201" cy="3137224"/>
+          </a:xfrm>
+          <a:prstGeom prst="rect">
+            <a:avLst/>
+          </a:prstGeom>
+          <a:noFill/>
+          <a:ln>
+            <a:noFill/>
+          </a:ln>
+        </p:spPr>
+      </p:pic>
     </p:spTree>
   </p:cSld>
   <p:clrMapOvr>
@@ -8004,11 +8212,11 @@
 </file>
 
 <file path=ppt/slides/slide16.xml><?xml version="1.0" encoding="utf-8"?>
-<p:sld xmlns:a="http://schemas.openxmlformats.org/drawingml/2006/main" xmlns:r="http://schemas.openxmlformats.org/officeDocument/2006/relationships" xmlns:mc="http://schemas.openxmlformats.org/markup-compatibility/2006" xmlns:mv="urn:schemas-microsoft-com:mac:vml" xmlns:p="http://schemas.openxmlformats.org/presentationml/2006/main" xmlns:c="http://schemas.openxmlformats.org/drawingml/2006/chart" xmlns:dgm="http://schemas.openxmlformats.org/drawingml/2006/diagram" xmlns:o="urn:schemas-microsoft-com:office:office" xmlns:v="urn:schemas-microsoft-com:vml" xmlns:pvml="urn:schemas-microsoft-com:office:powerpoint" xmlns:com="http://schemas.openxmlformats.org/drawingml/2006/compatibility" xmlns:p14="http://schemas.microsoft.com/office/powerpoint/2010/main" xmlns:p15="http://schemas.microsoft.com/office/powerpoint/2012/main" xmlns:ahyp="http://schemas.microsoft.com/office/drawing/2018/hyperlinkcolor">
+<p:sld xmlns:a="http://schemas.openxmlformats.org/drawingml/2006/main" xmlns:r="http://schemas.openxmlformats.org/officeDocument/2006/relationships" xmlns:p="http://schemas.openxmlformats.org/presentationml/2006/main">
   <p:cSld>
     <p:spTree>
       <p:nvGrpSpPr>
-        <p:cNvPr id="156" name="Shape 156"/>
+        <p:cNvPr id="1" name="Shape 156"/>
         <p:cNvGrpSpPr/>
         <p:nvPr/>
       </p:nvGrpSpPr>
@@ -8023,7 +8231,9 @@
       <p:sp>
         <p:nvSpPr>
           <p:cNvPr id="157" name="Google Shape;157;p28"/>
-          <p:cNvSpPr txBox="1"/>
+          <p:cNvSpPr txBox="1">
+            <a:spLocks noGrp="1"/>
+          </p:cNvSpPr>
           <p:nvPr>
             <p:ph type="title"/>
           </p:nvPr>
@@ -8038,12 +8248,12 @@
           </a:prstGeom>
         </p:spPr>
         <p:txBody>
-          <a:bodyPr anchorCtr="0" anchor="t" bIns="91425" lIns="91425" spcFirstLastPara="1" rIns="91425" wrap="square" tIns="91425">
+          <a:bodyPr spcFirstLastPara="1" wrap="square" lIns="91425" tIns="91425" rIns="91425" bIns="91425" anchor="t" anchorCtr="0">
             <a:normAutofit fontScale="90000"/>
           </a:bodyPr>
           <a:lstStyle/>
           <a:p>
-            <a:pPr indent="0" lvl="0" marL="0" rtl="0" algn="l">
+            <a:pPr marL="0" lvl="0" indent="0" algn="l" rtl="0">
               <a:spcBef>
                 <a:spcPts val="0"/>
               </a:spcBef>
@@ -8080,12 +8290,12 @@
           </a:ln>
         </p:spPr>
         <p:txBody>
-          <a:bodyPr anchorCtr="0" anchor="t" bIns="91425" lIns="91425" spcFirstLastPara="1" rIns="91425" wrap="square" tIns="91425">
+          <a:bodyPr spcFirstLastPara="1" wrap="square" lIns="91425" tIns="91425" rIns="91425" bIns="91425" anchor="t" anchorCtr="0">
             <a:spAutoFit/>
           </a:bodyPr>
           <a:lstStyle/>
           <a:p>
-            <a:pPr indent="0" lvl="0" marL="0" rtl="0" algn="l">
+            <a:pPr marL="0" lvl="0" indent="0" algn="l" rtl="0">
               <a:spcBef>
                 <a:spcPts val="0"/>
               </a:spcBef>
@@ -8139,11 +8349,11 @@
 </file>
 
 <file path=ppt/slides/slide17.xml><?xml version="1.0" encoding="utf-8"?>
-<p:sld xmlns:a="http://schemas.openxmlformats.org/drawingml/2006/main" xmlns:r="http://schemas.openxmlformats.org/officeDocument/2006/relationships" xmlns:mc="http://schemas.openxmlformats.org/markup-compatibility/2006" xmlns:mv="urn:schemas-microsoft-com:mac:vml" xmlns:p="http://schemas.openxmlformats.org/presentationml/2006/main" xmlns:c="http://schemas.openxmlformats.org/drawingml/2006/chart" xmlns:dgm="http://schemas.openxmlformats.org/drawingml/2006/diagram" xmlns:o="urn:schemas-microsoft-com:office:office" xmlns:v="urn:schemas-microsoft-com:vml" xmlns:pvml="urn:schemas-microsoft-com:office:powerpoint" xmlns:com="http://schemas.openxmlformats.org/drawingml/2006/compatibility" xmlns:p14="http://schemas.microsoft.com/office/powerpoint/2010/main" xmlns:p15="http://schemas.microsoft.com/office/powerpoint/2012/main" xmlns:ahyp="http://schemas.microsoft.com/office/drawing/2018/hyperlinkcolor">
+<p:sld xmlns:a="http://schemas.openxmlformats.org/drawingml/2006/main" xmlns:r="http://schemas.openxmlformats.org/officeDocument/2006/relationships" xmlns:p="http://schemas.openxmlformats.org/presentationml/2006/main">
   <p:cSld>
     <p:spTree>
       <p:nvGrpSpPr>
-        <p:cNvPr id="163" name="Shape 163"/>
+        <p:cNvPr id="1" name="Shape 163"/>
         <p:cNvGrpSpPr/>
         <p:nvPr/>
       </p:nvGrpSpPr>
@@ -8158,7 +8368,9 @@
       <p:sp>
         <p:nvSpPr>
           <p:cNvPr id="164" name="Google Shape;164;p29"/>
-          <p:cNvSpPr txBox="1"/>
+          <p:cNvSpPr txBox="1">
+            <a:spLocks noGrp="1"/>
+          </p:cNvSpPr>
           <p:nvPr>
             <p:ph type="title"/>
           </p:nvPr>
@@ -8173,12 +8385,12 @@
           </a:prstGeom>
         </p:spPr>
         <p:txBody>
-          <a:bodyPr anchorCtr="0" anchor="t" bIns="91425" lIns="91425" spcFirstLastPara="1" rIns="91425" wrap="square" tIns="91425">
+          <a:bodyPr spcFirstLastPara="1" wrap="square" lIns="91425" tIns="91425" rIns="91425" bIns="91425" anchor="t" anchorCtr="0">
             <a:noAutofit/>
           </a:bodyPr>
           <a:lstStyle/>
           <a:p>
-            <a:pPr indent="0" lvl="0" marL="0" rtl="0" algn="l">
+            <a:pPr marL="0" lvl="0" indent="0" algn="l" rtl="0">
               <a:spcBef>
                 <a:spcPts val="0"/>
               </a:spcBef>
@@ -8199,7 +8411,9 @@
       <p:sp>
         <p:nvSpPr>
           <p:cNvPr id="165" name="Google Shape;165;p29"/>
-          <p:cNvSpPr txBox="1"/>
+          <p:cNvSpPr txBox="1">
+            <a:spLocks noGrp="1"/>
+          </p:cNvSpPr>
           <p:nvPr>
             <p:ph type="title"/>
           </p:nvPr>
@@ -8214,12 +8428,12 @@
           </a:prstGeom>
         </p:spPr>
         <p:txBody>
-          <a:bodyPr anchorCtr="0" anchor="t" bIns="91425" lIns="91425" spcFirstLastPara="1" rIns="91425" wrap="square" tIns="91425">
+          <a:bodyPr spcFirstLastPara="1" wrap="square" lIns="91425" tIns="91425" rIns="91425" bIns="91425" anchor="t" anchorCtr="0">
             <a:normAutofit/>
           </a:bodyPr>
           <a:lstStyle/>
           <a:p>
-            <a:pPr indent="0" lvl="0" marL="0" rtl="0" algn="l">
+            <a:pPr marL="0" lvl="0" indent="0" algn="l" rtl="0">
               <a:spcBef>
                 <a:spcPts val="0"/>
               </a:spcBef>
@@ -8245,11 +8459,11 @@
 </file>
 
 <file path=ppt/slides/slide2.xml><?xml version="1.0" encoding="utf-8"?>
-<p:sld xmlns:a="http://schemas.openxmlformats.org/drawingml/2006/main" xmlns:r="http://schemas.openxmlformats.org/officeDocument/2006/relationships" xmlns:mc="http://schemas.openxmlformats.org/markup-compatibility/2006" xmlns:mv="urn:schemas-microsoft-com:mac:vml" xmlns:p="http://schemas.openxmlformats.org/presentationml/2006/main" xmlns:c="http://schemas.openxmlformats.org/drawingml/2006/chart" xmlns:dgm="http://schemas.openxmlformats.org/drawingml/2006/diagram" xmlns:o="urn:schemas-microsoft-com:office:office" xmlns:v="urn:schemas-microsoft-com:vml" xmlns:pvml="urn:schemas-microsoft-com:office:powerpoint" xmlns:com="http://schemas.openxmlformats.org/drawingml/2006/compatibility" xmlns:p14="http://schemas.microsoft.com/office/powerpoint/2010/main" xmlns:p15="http://schemas.microsoft.com/office/powerpoint/2012/main" xmlns:ahyp="http://schemas.microsoft.com/office/drawing/2018/hyperlinkcolor">
+<p:sld xmlns:a="http://schemas.openxmlformats.org/drawingml/2006/main" xmlns:r="http://schemas.openxmlformats.org/officeDocument/2006/relationships" xmlns:p="http://schemas.openxmlformats.org/presentationml/2006/main">
   <p:cSld>
     <p:spTree>
       <p:nvGrpSpPr>
-        <p:cNvPr id="59" name="Shape 59"/>
+        <p:cNvPr id="1" name="Shape 59"/>
         <p:cNvGrpSpPr/>
         <p:nvPr/>
       </p:nvGrpSpPr>
@@ -8264,7 +8478,9 @@
       <p:sp>
         <p:nvSpPr>
           <p:cNvPr id="60" name="Google Shape;60;p14"/>
-          <p:cNvSpPr txBox="1"/>
+          <p:cNvSpPr txBox="1">
+            <a:spLocks noGrp="1"/>
+          </p:cNvSpPr>
           <p:nvPr>
             <p:ph type="ctrTitle"/>
           </p:nvPr>
@@ -8279,12 +8495,12 @@
           </a:prstGeom>
         </p:spPr>
         <p:txBody>
-          <a:bodyPr anchorCtr="0" anchor="b" bIns="91425" lIns="91425" spcFirstLastPara="1" rIns="91425" wrap="square" tIns="91425">
+          <a:bodyPr spcFirstLastPara="1" wrap="square" lIns="91425" tIns="91425" rIns="91425" bIns="91425" anchor="b" anchorCtr="0">
             <a:normAutofit fontScale="90000"/>
           </a:bodyPr>
           <a:lstStyle/>
           <a:p>
-            <a:pPr indent="0" lvl="0" marL="0" rtl="0" algn="l">
+            <a:pPr marL="0" lvl="0" indent="0" algn="l" rtl="0">
               <a:spcBef>
                 <a:spcPts val="0"/>
               </a:spcBef>
@@ -8294,19 +8510,21 @@
               <a:buNone/>
             </a:pPr>
             <a:r>
-              <a:rPr lang="en" sz="3000"/>
+              <a:rPr lang="en" sz="3000" dirty="0"/>
               <a:t>How has wallstreetbets impacted stock movements?</a:t>
             </a:r>
-            <a:endParaRPr sz="3000"/>
+            <a:endParaRPr sz="3000" dirty="0"/>
           </a:p>
         </p:txBody>
       </p:sp>
       <p:sp>
         <p:nvSpPr>
           <p:cNvPr id="61" name="Google Shape;61;p14"/>
-          <p:cNvSpPr txBox="1"/>
+          <p:cNvSpPr txBox="1">
+            <a:spLocks noGrp="1"/>
+          </p:cNvSpPr>
           <p:nvPr>
-            <p:ph idx="1" type="subTitle"/>
+            <p:ph type="subTitle" idx="1"/>
           </p:nvPr>
         </p:nvSpPr>
         <p:spPr>
@@ -8319,12 +8537,12 @@
           </a:prstGeom>
         </p:spPr>
         <p:txBody>
-          <a:bodyPr anchorCtr="0" anchor="t" bIns="91425" lIns="91425" spcFirstLastPara="1" rIns="91425" wrap="square" tIns="91425">
-            <a:normAutofit fontScale="77500" lnSpcReduction="10000"/>
+          <a:bodyPr spcFirstLastPara="1" wrap="square" lIns="91425" tIns="91425" rIns="91425" bIns="91425" anchor="t" anchorCtr="0">
+            <a:normAutofit fontScale="77500" lnSpcReduction="20000"/>
           </a:bodyPr>
           <a:lstStyle/>
           <a:p>
-            <a:pPr indent="-346710" lvl="0" marL="457200" rtl="0" algn="l">
+            <a:pPr marL="457200" lvl="0" indent="-346710" algn="l" rtl="0">
               <a:lnSpc>
                 <a:spcPct val="115000"/>
               </a:lnSpc>
@@ -8338,13 +8556,13 @@
               <a:buAutoNum type="arabicPeriod"/>
             </a:pPr>
             <a:r>
-              <a:rPr lang="en" sz="2400"/>
+              <a:rPr lang="en" sz="2400" dirty="0"/>
               <a:t>Fundamental setup: weak metrics for GME, a brick and mortar video game company during a global pandemic</a:t>
             </a:r>
-            <a:endParaRPr sz="2400"/>
+            <a:endParaRPr sz="2400" dirty="0"/>
           </a:p>
           <a:p>
-            <a:pPr indent="0" lvl="0" marL="457200" rtl="0" algn="l">
+            <a:pPr marL="914400" lvl="0" indent="-457200" algn="l" rtl="0">
               <a:lnSpc>
                 <a:spcPct val="115000"/>
               </a:lnSpc>
@@ -8354,15 +8572,13 @@
               <a:spcAft>
                 <a:spcPts val="0"/>
               </a:spcAft>
-              <a:buNone/>
+              <a:buFont typeface="+mj-lt"/>
+              <a:buAutoNum type="arabicPeriod"/>
             </a:pPr>
-            <a:r>
-              <a:t/>
-            </a:r>
-            <a:endParaRPr sz="2400"/>
+            <a:endParaRPr sz="2400" dirty="0"/>
           </a:p>
           <a:p>
-            <a:pPr indent="-346710" lvl="0" marL="457200" rtl="0" algn="l">
+            <a:pPr marL="457200" lvl="0" indent="-346710" algn="l" rtl="0">
               <a:lnSpc>
                 <a:spcPct val="115000"/>
               </a:lnSpc>
@@ -8376,13 +8592,13 @@
               <a:buAutoNum type="arabicPeriod"/>
             </a:pPr>
             <a:r>
-              <a:rPr lang="en" sz="2400"/>
+              <a:rPr lang="en" sz="2400" dirty="0"/>
               <a:t>Technical setup: hedge funds had accumulated a very large short position</a:t>
             </a:r>
-            <a:endParaRPr sz="2400"/>
+            <a:endParaRPr sz="2400" dirty="0"/>
           </a:p>
           <a:p>
-            <a:pPr indent="0" lvl="0" marL="457200" rtl="0" algn="l">
+            <a:pPr marL="914400" lvl="0" indent="-457200" algn="l" rtl="0">
               <a:lnSpc>
                 <a:spcPct val="115000"/>
               </a:lnSpc>
@@ -8392,15 +8608,13 @@
               <a:spcAft>
                 <a:spcPts val="0"/>
               </a:spcAft>
-              <a:buNone/>
+              <a:buFont typeface="+mj-lt"/>
+              <a:buAutoNum type="arabicPeriod"/>
             </a:pPr>
-            <a:r>
-              <a:t/>
-            </a:r>
-            <a:endParaRPr sz="2400"/>
+            <a:endParaRPr sz="2400" dirty="0"/>
           </a:p>
           <a:p>
-            <a:pPr indent="-346710" lvl="0" marL="457200" rtl="0" algn="l">
+            <a:pPr marL="457200" lvl="0" indent="-346710" algn="l" rtl="0">
               <a:lnSpc>
                 <a:spcPct val="115000"/>
               </a:lnSpc>
@@ -8414,13 +8628,13 @@
               <a:buAutoNum type="arabicPeriod"/>
             </a:pPr>
             <a:r>
-              <a:rPr lang="en" sz="2400"/>
+              <a:rPr lang="en" sz="2400" dirty="0"/>
               <a:t>Sentiment analysis: daily movements in stock prices impacted by WSB posts</a:t>
             </a:r>
-            <a:endParaRPr sz="2400"/>
+            <a:endParaRPr sz="2400" dirty="0"/>
           </a:p>
           <a:p>
-            <a:pPr indent="0" lvl="0" marL="457200" rtl="0" algn="l">
+            <a:pPr marL="914400" lvl="0" indent="-457200" algn="l" rtl="0">
               <a:lnSpc>
                 <a:spcPct val="115000"/>
               </a:lnSpc>
@@ -8430,15 +8644,13 @@
               <a:spcAft>
                 <a:spcPts val="0"/>
               </a:spcAft>
-              <a:buNone/>
+              <a:buFont typeface="+mj-lt"/>
+              <a:buAutoNum type="arabicPeriod"/>
             </a:pPr>
-            <a:r>
-              <a:t/>
-            </a:r>
-            <a:endParaRPr sz="2400"/>
+            <a:endParaRPr sz="2400" dirty="0"/>
           </a:p>
           <a:p>
-            <a:pPr indent="-346710" lvl="0" marL="457200" rtl="0" algn="l">
+            <a:pPr marL="457200" lvl="0" indent="-346710" algn="l" rtl="0">
               <a:lnSpc>
                 <a:spcPct val="115000"/>
               </a:lnSpc>
@@ -8452,13 +8664,13 @@
               <a:buAutoNum type="arabicPeriod"/>
             </a:pPr>
             <a:r>
-              <a:rPr lang="en" sz="2400"/>
+              <a:rPr lang="en" sz="2400" dirty="0"/>
               <a:t>Returns, Betas, and Sharpes</a:t>
             </a:r>
-            <a:endParaRPr sz="2400"/>
+            <a:endParaRPr sz="2400" dirty="0"/>
           </a:p>
           <a:p>
-            <a:pPr indent="0" lvl="0" marL="457200" rtl="0" algn="l">
+            <a:pPr marL="914400" lvl="0" indent="-457200" algn="l" rtl="0">
               <a:lnSpc>
                 <a:spcPct val="115000"/>
               </a:lnSpc>
@@ -8468,15 +8680,13 @@
               <a:spcAft>
                 <a:spcPts val="0"/>
               </a:spcAft>
-              <a:buNone/>
+              <a:buFont typeface="+mj-lt"/>
+              <a:buAutoNum type="arabicPeriod"/>
             </a:pPr>
-            <a:r>
-              <a:t/>
-            </a:r>
-            <a:endParaRPr sz="2400"/>
+            <a:endParaRPr sz="2400" dirty="0"/>
           </a:p>
           <a:p>
-            <a:pPr indent="-346710" lvl="0" marL="457200" rtl="0" algn="l">
+            <a:pPr marL="457200" lvl="0" indent="-346710" algn="l" rtl="0">
               <a:lnSpc>
                 <a:spcPct val="115000"/>
               </a:lnSpc>
@@ -8490,10 +8700,10 @@
               <a:buAutoNum type="arabicPeriod"/>
             </a:pPr>
             <a:r>
-              <a:rPr lang="en" sz="2400"/>
+              <a:rPr lang="en" sz="2400" dirty="0"/>
               <a:t>Who’s next?: Monte Carlo simulation of current hot WSB stocks</a:t>
             </a:r>
-            <a:endParaRPr sz="2400"/>
+            <a:endParaRPr sz="2400" dirty="0"/>
           </a:p>
         </p:txBody>
       </p:sp>
@@ -8506,11 +8716,11 @@
 </file>
 
 <file path=ppt/slides/slide3.xml><?xml version="1.0" encoding="utf-8"?>
-<p:sld xmlns:a="http://schemas.openxmlformats.org/drawingml/2006/main" xmlns:r="http://schemas.openxmlformats.org/officeDocument/2006/relationships" xmlns:mc="http://schemas.openxmlformats.org/markup-compatibility/2006" xmlns:mv="urn:schemas-microsoft-com:mac:vml" xmlns:p="http://schemas.openxmlformats.org/presentationml/2006/main" xmlns:c="http://schemas.openxmlformats.org/drawingml/2006/chart" xmlns:dgm="http://schemas.openxmlformats.org/drawingml/2006/diagram" xmlns:o="urn:schemas-microsoft-com:office:office" xmlns:v="urn:schemas-microsoft-com:vml" xmlns:pvml="urn:schemas-microsoft-com:office:powerpoint" xmlns:com="http://schemas.openxmlformats.org/drawingml/2006/compatibility" xmlns:p14="http://schemas.microsoft.com/office/powerpoint/2010/main" xmlns:p15="http://schemas.microsoft.com/office/powerpoint/2012/main" xmlns:ahyp="http://schemas.microsoft.com/office/drawing/2018/hyperlinkcolor">
+<p:sld xmlns:a="http://schemas.openxmlformats.org/drawingml/2006/main" xmlns:r="http://schemas.openxmlformats.org/officeDocument/2006/relationships" xmlns:p="http://schemas.openxmlformats.org/presentationml/2006/main">
   <p:cSld>
     <p:spTree>
       <p:nvGrpSpPr>
-        <p:cNvPr id="65" name="Shape 65"/>
+        <p:cNvPr id="1" name="Shape 65"/>
         <p:cNvGrpSpPr/>
         <p:nvPr/>
       </p:nvGrpSpPr>
@@ -8525,7 +8735,9 @@
       <p:sp>
         <p:nvSpPr>
           <p:cNvPr id="66" name="Google Shape;66;p15"/>
-          <p:cNvSpPr txBox="1"/>
+          <p:cNvSpPr txBox="1">
+            <a:spLocks noGrp="1"/>
+          </p:cNvSpPr>
           <p:nvPr>
             <p:ph type="ctrTitle"/>
           </p:nvPr>
@@ -8540,12 +8752,12 @@
           </a:prstGeom>
         </p:spPr>
         <p:txBody>
-          <a:bodyPr anchorCtr="0" anchor="b" bIns="91425" lIns="91425" spcFirstLastPara="1" rIns="91425" wrap="square" tIns="91425">
+          <a:bodyPr spcFirstLastPara="1" wrap="square" lIns="91425" tIns="91425" rIns="91425" bIns="91425" anchor="b" anchorCtr="0">
             <a:normAutofit/>
           </a:bodyPr>
           <a:lstStyle/>
           <a:p>
-            <a:pPr indent="0" lvl="0" marL="0" rtl="0" algn="ctr">
+            <a:pPr marL="0" lvl="0" indent="0" algn="ctr" rtl="0">
               <a:spcBef>
                 <a:spcPts val="0"/>
               </a:spcBef>
@@ -8610,12 +8822,12 @@
           </a:ln>
         </p:spPr>
         <p:txBody>
-          <a:bodyPr anchorCtr="0" anchor="t" bIns="91425" lIns="91425" spcFirstLastPara="1" rIns="91425" wrap="square" tIns="91425">
+          <a:bodyPr spcFirstLastPara="1" wrap="square" lIns="91425" tIns="91425" rIns="91425" bIns="91425" anchor="t" anchorCtr="0">
             <a:spAutoFit/>
           </a:bodyPr>
           <a:lstStyle/>
           <a:p>
-            <a:pPr indent="0" lvl="0" marL="0" rtl="0" algn="l">
+            <a:pPr marL="0" lvl="0" indent="0" algn="l" rtl="0">
               <a:spcBef>
                 <a:spcPts val="0"/>
               </a:spcBef>
@@ -8645,11 +8857,11 @@
 </file>
 
 <file path=ppt/slides/slide4.xml><?xml version="1.0" encoding="utf-8"?>
-<p:sld xmlns:a="http://schemas.openxmlformats.org/drawingml/2006/main" xmlns:r="http://schemas.openxmlformats.org/officeDocument/2006/relationships" xmlns:mc="http://schemas.openxmlformats.org/markup-compatibility/2006" xmlns:mv="urn:schemas-microsoft-com:mac:vml" xmlns:p="http://schemas.openxmlformats.org/presentationml/2006/main" xmlns:c="http://schemas.openxmlformats.org/drawingml/2006/chart" xmlns:dgm="http://schemas.openxmlformats.org/drawingml/2006/diagram" xmlns:o="urn:schemas-microsoft-com:office:office" xmlns:v="urn:schemas-microsoft-com:vml" xmlns:pvml="urn:schemas-microsoft-com:office:powerpoint" xmlns:com="http://schemas.openxmlformats.org/drawingml/2006/compatibility" xmlns:p14="http://schemas.microsoft.com/office/powerpoint/2010/main" xmlns:p15="http://schemas.microsoft.com/office/powerpoint/2012/main" xmlns:ahyp="http://schemas.microsoft.com/office/drawing/2018/hyperlinkcolor">
+<p:sld xmlns:a="http://schemas.openxmlformats.org/drawingml/2006/main" xmlns:r="http://schemas.openxmlformats.org/officeDocument/2006/relationships" xmlns:p="http://schemas.openxmlformats.org/presentationml/2006/main">
   <p:cSld>
     <p:spTree>
       <p:nvGrpSpPr>
-        <p:cNvPr id="72" name="Shape 72"/>
+        <p:cNvPr id="1" name="Shape 72"/>
         <p:cNvGrpSpPr/>
         <p:nvPr/>
       </p:nvGrpSpPr>
@@ -8664,7 +8876,9 @@
       <p:sp>
         <p:nvSpPr>
           <p:cNvPr id="73" name="Google Shape;73;p16"/>
-          <p:cNvSpPr txBox="1"/>
+          <p:cNvSpPr txBox="1">
+            <a:spLocks noGrp="1"/>
+          </p:cNvSpPr>
           <p:nvPr>
             <p:ph type="title"/>
           </p:nvPr>
@@ -8679,12 +8893,12 @@
           </a:prstGeom>
         </p:spPr>
         <p:txBody>
-          <a:bodyPr anchorCtr="0" anchor="t" bIns="91425" lIns="91425" spcFirstLastPara="1" rIns="91425" wrap="square" tIns="91425">
+          <a:bodyPr spcFirstLastPara="1" wrap="square" lIns="91425" tIns="91425" rIns="91425" bIns="91425" anchor="t" anchorCtr="0">
             <a:normAutofit/>
           </a:bodyPr>
           <a:lstStyle/>
           <a:p>
-            <a:pPr indent="0" lvl="0" marL="0" rtl="0" algn="l">
+            <a:pPr marL="0" lvl="0" indent="0" algn="l" rtl="0">
               <a:spcBef>
                 <a:spcPts val="0"/>
               </a:spcBef>
@@ -8700,7 +8914,7 @@
             <a:endParaRPr/>
           </a:p>
           <a:p>
-            <a:pPr indent="0" lvl="0" marL="0" rtl="0" algn="l">
+            <a:pPr marL="0" lvl="0" indent="0" algn="l" rtl="0">
               <a:spcBef>
                 <a:spcPts val="0"/>
               </a:spcBef>
@@ -8714,9 +8928,6 @@
               <a:buFont typeface="Arial"/>
               <a:buNone/>
             </a:pPr>
-            <a:r>
-              <a:t/>
-            </a:r>
             <a:endParaRPr/>
           </a:p>
         </p:txBody>
@@ -8724,9 +8935,11 @@
       <p:sp>
         <p:nvSpPr>
           <p:cNvPr id="74" name="Google Shape;74;p16"/>
-          <p:cNvSpPr txBox="1"/>
+          <p:cNvSpPr txBox="1">
+            <a:spLocks noGrp="1"/>
+          </p:cNvSpPr>
           <p:nvPr>
-            <p:ph idx="1" type="body"/>
+            <p:ph type="body" idx="1"/>
           </p:nvPr>
         </p:nvSpPr>
         <p:spPr>
@@ -8739,12 +8952,12 @@
           </a:prstGeom>
         </p:spPr>
         <p:txBody>
-          <a:bodyPr anchorCtr="0" anchor="t" bIns="91425" lIns="91425" spcFirstLastPara="1" rIns="91425" wrap="square" tIns="91425">
-            <a:normAutofit fontScale="85000" lnSpcReduction="20000"/>
+          <a:bodyPr spcFirstLastPara="1" wrap="square" lIns="91425" tIns="91425" rIns="91425" bIns="91425" anchor="t" anchorCtr="0">
+            <a:normAutofit fontScale="92500" lnSpcReduction="20000"/>
           </a:bodyPr>
           <a:lstStyle/>
           <a:p>
-            <a:pPr indent="0" lvl="0" marL="0" rtl="0" algn="l">
+            <a:pPr marL="0" lvl="0" indent="0" algn="l" rtl="0">
               <a:lnSpc>
                 <a:spcPct val="90000"/>
               </a:lnSpc>
@@ -8776,7 +8989,7 @@
             </a:endParaRPr>
           </a:p>
           <a:p>
-            <a:pPr indent="0" lvl="0" marL="0" rtl="0" algn="l">
+            <a:pPr marL="0" lvl="0" indent="0" algn="l" rtl="0">
               <a:lnSpc>
                 <a:spcPct val="90000"/>
               </a:lnSpc>
@@ -8808,7 +9021,7 @@
             </a:endParaRPr>
           </a:p>
           <a:p>
-            <a:pPr indent="0" lvl="0" marL="0" rtl="0" algn="l">
+            <a:pPr marL="0" lvl="0" indent="0" algn="l" rtl="0">
               <a:lnSpc>
                 <a:spcPct val="90000"/>
               </a:lnSpc>
@@ -8840,7 +9053,7 @@
             </a:endParaRPr>
           </a:p>
           <a:p>
-            <a:pPr indent="0" lvl="0" marL="0" rtl="0" algn="l">
+            <a:pPr marL="0" lvl="0" indent="0" algn="l" rtl="0">
               <a:lnSpc>
                 <a:spcPct val="90000"/>
               </a:lnSpc>
@@ -8872,7 +9085,7 @@
             </a:endParaRPr>
           </a:p>
           <a:p>
-            <a:pPr indent="0" lvl="0" marL="0" rtl="0" algn="l">
+            <a:pPr marL="0" lvl="0" indent="0" algn="l" rtl="0">
               <a:lnSpc>
                 <a:spcPct val="90000"/>
               </a:lnSpc>
@@ -8904,7 +9117,7 @@
             </a:endParaRPr>
           </a:p>
           <a:p>
-            <a:pPr indent="0" lvl="0" marL="0" rtl="0" algn="l">
+            <a:pPr marL="0" lvl="0" indent="0" algn="l" rtl="0">
               <a:lnSpc>
                 <a:spcPct val="90000"/>
               </a:lnSpc>
@@ -8936,7 +9149,7 @@
             </a:endParaRPr>
           </a:p>
           <a:p>
-            <a:pPr indent="0" lvl="0" marL="0" rtl="0" algn="l">
+            <a:pPr marL="0" lvl="0" indent="0" algn="l" rtl="0">
               <a:spcBef>
                 <a:spcPts val="0"/>
               </a:spcBef>
@@ -8945,9 +9158,6 @@
               </a:spcAft>
               <a:buNone/>
             </a:pPr>
-            <a:r>
-              <a:t/>
-            </a:r>
             <a:endParaRPr/>
           </a:p>
         </p:txBody>
@@ -9000,12 +9210,12 @@
           </a:ln>
         </p:spPr>
         <p:txBody>
-          <a:bodyPr anchorCtr="0" anchor="t" bIns="91425" lIns="91425" spcFirstLastPara="1" rIns="91425" wrap="square" tIns="91425">
+          <a:bodyPr spcFirstLastPara="1" wrap="square" lIns="91425" tIns="91425" rIns="91425" bIns="91425" anchor="t" anchorCtr="0">
             <a:spAutoFit/>
           </a:bodyPr>
           <a:lstStyle/>
           <a:p>
-            <a:pPr indent="0" lvl="0" marL="0" rtl="0" algn="l">
+            <a:pPr marL="0" lvl="0" indent="0" algn="l" rtl="0">
               <a:lnSpc>
                 <a:spcPct val="115000"/>
               </a:lnSpc>
@@ -9053,12 +9263,12 @@
           </a:ln>
         </p:spPr>
         <p:txBody>
-          <a:bodyPr anchorCtr="0" anchor="t" bIns="91425" lIns="91425" spcFirstLastPara="1" rIns="91425" wrap="square" tIns="91425">
+          <a:bodyPr spcFirstLastPara="1" wrap="square" lIns="91425" tIns="91425" rIns="91425" bIns="91425" anchor="t" anchorCtr="0">
             <a:spAutoFit/>
           </a:bodyPr>
           <a:lstStyle/>
           <a:p>
-            <a:pPr indent="0" lvl="0" marL="0" rtl="0" algn="l">
+            <a:pPr marL="0" lvl="0" indent="0" algn="l" rtl="0">
               <a:spcBef>
                 <a:spcPts val="0"/>
               </a:spcBef>
@@ -9093,11 +9303,11 @@
 </file>
 
 <file path=ppt/slides/slide5.xml><?xml version="1.0" encoding="utf-8"?>
-<p:sld xmlns:a="http://schemas.openxmlformats.org/drawingml/2006/main" xmlns:r="http://schemas.openxmlformats.org/officeDocument/2006/relationships" xmlns:mc="http://schemas.openxmlformats.org/markup-compatibility/2006" xmlns:mv="urn:schemas-microsoft-com:mac:vml" xmlns:p="http://schemas.openxmlformats.org/presentationml/2006/main" xmlns:c="http://schemas.openxmlformats.org/drawingml/2006/chart" xmlns:dgm="http://schemas.openxmlformats.org/drawingml/2006/diagram" xmlns:o="urn:schemas-microsoft-com:office:office" xmlns:v="urn:schemas-microsoft-com:vml" xmlns:pvml="urn:schemas-microsoft-com:office:powerpoint" xmlns:com="http://schemas.openxmlformats.org/drawingml/2006/compatibility" xmlns:p14="http://schemas.microsoft.com/office/powerpoint/2010/main" xmlns:p15="http://schemas.microsoft.com/office/powerpoint/2012/main" xmlns:ahyp="http://schemas.microsoft.com/office/drawing/2018/hyperlinkcolor">
+<p:sld xmlns:a="http://schemas.openxmlformats.org/drawingml/2006/main" xmlns:r="http://schemas.openxmlformats.org/officeDocument/2006/relationships" xmlns:p="http://schemas.openxmlformats.org/presentationml/2006/main">
   <p:cSld>
     <p:spTree>
       <p:nvGrpSpPr>
-        <p:cNvPr id="81" name="Shape 81"/>
+        <p:cNvPr id="1" name="Shape 81"/>
         <p:cNvGrpSpPr/>
         <p:nvPr/>
       </p:nvGrpSpPr>
@@ -9157,12 +9367,12 @@
           </a:ln>
         </p:spPr>
         <p:txBody>
-          <a:bodyPr anchorCtr="0" anchor="t" bIns="91425" lIns="91425" spcFirstLastPara="1" rIns="91425" wrap="square" tIns="91425">
+          <a:bodyPr spcFirstLastPara="1" wrap="square" lIns="91425" tIns="91425" rIns="91425" bIns="91425" anchor="t" anchorCtr="0">
             <a:spAutoFit/>
           </a:bodyPr>
           <a:lstStyle/>
           <a:p>
-            <a:pPr indent="0" lvl="0" marL="0" rtl="0" algn="l">
+            <a:pPr marL="0" lvl="0" indent="0" algn="l" rtl="0">
               <a:spcBef>
                 <a:spcPts val="0"/>
               </a:spcBef>
@@ -9188,11 +9398,11 @@
 </file>
 
 <file path=ppt/slides/slide6.xml><?xml version="1.0" encoding="utf-8"?>
-<p:sld xmlns:a="http://schemas.openxmlformats.org/drawingml/2006/main" xmlns:r="http://schemas.openxmlformats.org/officeDocument/2006/relationships" xmlns:mc="http://schemas.openxmlformats.org/markup-compatibility/2006" xmlns:mv="urn:schemas-microsoft-com:mac:vml" xmlns:p="http://schemas.openxmlformats.org/presentationml/2006/main" xmlns:c="http://schemas.openxmlformats.org/drawingml/2006/chart" xmlns:dgm="http://schemas.openxmlformats.org/drawingml/2006/diagram" xmlns:o="urn:schemas-microsoft-com:office:office" xmlns:v="urn:schemas-microsoft-com:vml" xmlns:pvml="urn:schemas-microsoft-com:office:powerpoint" xmlns:com="http://schemas.openxmlformats.org/drawingml/2006/compatibility" xmlns:p14="http://schemas.microsoft.com/office/powerpoint/2010/main" xmlns:p15="http://schemas.microsoft.com/office/powerpoint/2012/main" xmlns:ahyp="http://schemas.microsoft.com/office/drawing/2018/hyperlinkcolor">
+<p:sld xmlns:a="http://schemas.openxmlformats.org/drawingml/2006/main" xmlns:r="http://schemas.openxmlformats.org/officeDocument/2006/relationships" xmlns:p="http://schemas.openxmlformats.org/presentationml/2006/main">
   <p:cSld>
     <p:spTree>
       <p:nvGrpSpPr>
-        <p:cNvPr id="87" name="Shape 87"/>
+        <p:cNvPr id="1" name="Shape 87"/>
         <p:cNvGrpSpPr/>
         <p:nvPr/>
       </p:nvGrpSpPr>
@@ -9252,12 +9462,12 @@
           </a:ln>
         </p:spPr>
         <p:txBody>
-          <a:bodyPr anchorCtr="0" anchor="t" bIns="91425" lIns="91425" spcFirstLastPara="1" rIns="91425" wrap="square" tIns="91425">
+          <a:bodyPr spcFirstLastPara="1" wrap="square" lIns="91425" tIns="91425" rIns="91425" bIns="91425" anchor="t" anchorCtr="0">
             <a:spAutoFit/>
           </a:bodyPr>
           <a:lstStyle/>
           <a:p>
-            <a:pPr indent="0" lvl="0" marL="0" rtl="0" algn="l">
+            <a:pPr marL="0" lvl="0" indent="0" algn="l" rtl="0">
               <a:spcBef>
                 <a:spcPts val="0"/>
               </a:spcBef>
@@ -9283,11 +9493,11 @@
 </file>
 
 <file path=ppt/slides/slide7.xml><?xml version="1.0" encoding="utf-8"?>
-<p:sld xmlns:a="http://schemas.openxmlformats.org/drawingml/2006/main" xmlns:r="http://schemas.openxmlformats.org/officeDocument/2006/relationships" xmlns:mc="http://schemas.openxmlformats.org/markup-compatibility/2006" xmlns:mv="urn:schemas-microsoft-com:mac:vml" xmlns:p="http://schemas.openxmlformats.org/presentationml/2006/main" xmlns:c="http://schemas.openxmlformats.org/drawingml/2006/chart" xmlns:dgm="http://schemas.openxmlformats.org/drawingml/2006/diagram" xmlns:o="urn:schemas-microsoft-com:office:office" xmlns:v="urn:schemas-microsoft-com:vml" xmlns:pvml="urn:schemas-microsoft-com:office:powerpoint" xmlns:com="http://schemas.openxmlformats.org/drawingml/2006/compatibility" xmlns:p14="http://schemas.microsoft.com/office/powerpoint/2010/main" xmlns:p15="http://schemas.microsoft.com/office/powerpoint/2012/main" xmlns:ahyp="http://schemas.microsoft.com/office/drawing/2018/hyperlinkcolor">
+<p:sld xmlns:a="http://schemas.openxmlformats.org/drawingml/2006/main" xmlns:r="http://schemas.openxmlformats.org/officeDocument/2006/relationships" xmlns:p="http://schemas.openxmlformats.org/presentationml/2006/main">
   <p:cSld>
     <p:spTree>
       <p:nvGrpSpPr>
-        <p:cNvPr id="93" name="Shape 93"/>
+        <p:cNvPr id="1" name="Shape 93"/>
         <p:cNvGrpSpPr/>
         <p:nvPr/>
       </p:nvGrpSpPr>
@@ -9347,12 +9557,12 @@
           </a:ln>
         </p:spPr>
         <p:txBody>
-          <a:bodyPr anchorCtr="0" anchor="t" bIns="91425" lIns="91425" spcFirstLastPara="1" rIns="91425" wrap="square" tIns="91425">
+          <a:bodyPr spcFirstLastPara="1" wrap="square" lIns="91425" tIns="91425" rIns="91425" bIns="91425" anchor="t" anchorCtr="0">
             <a:spAutoFit/>
           </a:bodyPr>
           <a:lstStyle/>
           <a:p>
-            <a:pPr indent="0" lvl="0" marL="0" rtl="0" algn="l">
+            <a:pPr marL="0" lvl="0" indent="0" algn="l" rtl="0">
               <a:spcBef>
                 <a:spcPts val="0"/>
               </a:spcBef>
@@ -9378,11 +9588,11 @@
 </file>
 
 <file path=ppt/slides/slide8.xml><?xml version="1.0" encoding="utf-8"?>
-<p:sld xmlns:a="http://schemas.openxmlformats.org/drawingml/2006/main" xmlns:r="http://schemas.openxmlformats.org/officeDocument/2006/relationships" xmlns:mc="http://schemas.openxmlformats.org/markup-compatibility/2006" xmlns:mv="urn:schemas-microsoft-com:mac:vml" xmlns:p="http://schemas.openxmlformats.org/presentationml/2006/main" xmlns:c="http://schemas.openxmlformats.org/drawingml/2006/chart" xmlns:dgm="http://schemas.openxmlformats.org/drawingml/2006/diagram" xmlns:o="urn:schemas-microsoft-com:office:office" xmlns:v="urn:schemas-microsoft-com:vml" xmlns:pvml="urn:schemas-microsoft-com:office:powerpoint" xmlns:com="http://schemas.openxmlformats.org/drawingml/2006/compatibility" xmlns:p14="http://schemas.microsoft.com/office/powerpoint/2010/main" xmlns:p15="http://schemas.microsoft.com/office/powerpoint/2012/main" xmlns:ahyp="http://schemas.microsoft.com/office/drawing/2018/hyperlinkcolor">
+<p:sld xmlns:a="http://schemas.openxmlformats.org/drawingml/2006/main" xmlns:r="http://schemas.openxmlformats.org/officeDocument/2006/relationships" xmlns:p="http://schemas.openxmlformats.org/presentationml/2006/main">
   <p:cSld>
     <p:spTree>
       <p:nvGrpSpPr>
-        <p:cNvPr id="99" name="Shape 99"/>
+        <p:cNvPr id="1" name="Shape 99"/>
         <p:cNvGrpSpPr/>
         <p:nvPr/>
       </p:nvGrpSpPr>
@@ -9397,7 +9607,9 @@
       <p:sp>
         <p:nvSpPr>
           <p:cNvPr id="100" name="Google Shape;100;p20"/>
-          <p:cNvSpPr txBox="1"/>
+          <p:cNvSpPr txBox="1">
+            <a:spLocks noGrp="1"/>
+          </p:cNvSpPr>
           <p:nvPr>
             <p:ph type="title"/>
           </p:nvPr>
@@ -9412,12 +9624,12 @@
           </a:prstGeom>
         </p:spPr>
         <p:txBody>
-          <a:bodyPr anchorCtr="0" anchor="t" bIns="91425" lIns="91425" spcFirstLastPara="1" rIns="91425" wrap="square" tIns="91425">
+          <a:bodyPr spcFirstLastPara="1" wrap="square" lIns="91425" tIns="91425" rIns="91425" bIns="91425" anchor="t" anchorCtr="0">
             <a:normAutofit fontScale="90000"/>
           </a:bodyPr>
           <a:lstStyle/>
           <a:p>
-            <a:pPr indent="0" lvl="0" marL="0" rtl="0" algn="l">
+            <a:pPr marL="0" lvl="0" indent="0" algn="l" rtl="0">
               <a:spcBef>
                 <a:spcPts val="0"/>
               </a:spcBef>
@@ -9454,12 +9666,12 @@
           </a:ln>
         </p:spPr>
         <p:txBody>
-          <a:bodyPr anchorCtr="0" anchor="t" bIns="91425" lIns="91425" spcFirstLastPara="1" rIns="91425" wrap="square" tIns="91425">
+          <a:bodyPr spcFirstLastPara="1" wrap="square" lIns="91425" tIns="91425" rIns="91425" bIns="91425" anchor="t" anchorCtr="0">
             <a:spAutoFit/>
           </a:bodyPr>
           <a:lstStyle/>
           <a:p>
-            <a:pPr indent="0" lvl="0" marL="0" rtl="0" algn="l">
+            <a:pPr marL="0" lvl="0" indent="0" algn="l" rtl="0">
               <a:spcBef>
                 <a:spcPts val="0"/>
               </a:spcBef>
@@ -9511,7 +9723,7 @@
           <p:nvPr/>
         </p:nvCxnSpPr>
         <p:spPr>
-          <a:xfrm flipH="1" rot="10800000">
+          <a:xfrm rot="10800000" flipH="1">
             <a:off x="5660950" y="1892125"/>
             <a:ext cx="1336200" cy="301200"/>
           </a:xfrm>
@@ -9519,17 +9731,17 @@
             <a:avLst/>
           </a:prstGeom>
           <a:noFill/>
-          <a:ln cap="flat" cmpd="sng" w="9525">
+          <a:ln w="9525" cap="flat" cmpd="sng">
             <a:solidFill>
               <a:schemeClr val="dk2"/>
             </a:solidFill>
             <a:prstDash val="solid"/>
             <a:round/>
-            <a:headEnd len="med" w="med" type="none"/>
-            <a:tailEnd len="med" w="med" type="triangle"/>
+            <a:headEnd type="none" w="med" len="med"/>
+            <a:tailEnd type="triangle" w="med" len="med"/>
           </a:ln>
           <a:effectLst>
-            <a:outerShdw blurRad="57150" rotWithShape="0" algn="bl" dir="5400000" dist="19050">
+            <a:outerShdw blurRad="57150" dist="19050" dir="5400000" algn="bl" rotWithShape="0">
               <a:srgbClr val="000000">
                 <a:alpha val="40000"/>
               </a:srgbClr>
@@ -9546,11 +9758,11 @@
 </file>
 
 <file path=ppt/slides/slide9.xml><?xml version="1.0" encoding="utf-8"?>
-<p:sld xmlns:a="http://schemas.openxmlformats.org/drawingml/2006/main" xmlns:r="http://schemas.openxmlformats.org/officeDocument/2006/relationships" xmlns:mc="http://schemas.openxmlformats.org/markup-compatibility/2006" xmlns:mv="urn:schemas-microsoft-com:mac:vml" xmlns:p="http://schemas.openxmlformats.org/presentationml/2006/main" xmlns:c="http://schemas.openxmlformats.org/drawingml/2006/chart" xmlns:dgm="http://schemas.openxmlformats.org/drawingml/2006/diagram" xmlns:o="urn:schemas-microsoft-com:office:office" xmlns:v="urn:schemas-microsoft-com:vml" xmlns:pvml="urn:schemas-microsoft-com:office:powerpoint" xmlns:com="http://schemas.openxmlformats.org/drawingml/2006/compatibility" xmlns:p14="http://schemas.microsoft.com/office/powerpoint/2010/main" xmlns:p15="http://schemas.microsoft.com/office/powerpoint/2012/main" xmlns:ahyp="http://schemas.microsoft.com/office/drawing/2018/hyperlinkcolor">
+<p:sld xmlns:a="http://schemas.openxmlformats.org/drawingml/2006/main" xmlns:r="http://schemas.openxmlformats.org/officeDocument/2006/relationships" xmlns:p="http://schemas.openxmlformats.org/presentationml/2006/main">
   <p:cSld>
     <p:spTree>
       <p:nvGrpSpPr>
-        <p:cNvPr id="107" name="Shape 107"/>
+        <p:cNvPr id="1" name="Shape 107"/>
         <p:cNvGrpSpPr/>
         <p:nvPr/>
       </p:nvGrpSpPr>
@@ -9565,7 +9777,9 @@
       <p:sp>
         <p:nvSpPr>
           <p:cNvPr id="108" name="Google Shape;108;p21"/>
-          <p:cNvSpPr txBox="1"/>
+          <p:cNvSpPr txBox="1">
+            <a:spLocks noGrp="1"/>
+          </p:cNvSpPr>
           <p:nvPr>
             <p:ph type="title"/>
           </p:nvPr>
@@ -9580,12 +9794,12 @@
           </a:prstGeom>
         </p:spPr>
         <p:txBody>
-          <a:bodyPr anchorCtr="0" anchor="t" bIns="91425" lIns="91425" spcFirstLastPara="1" rIns="91425" wrap="square" tIns="91425">
+          <a:bodyPr spcFirstLastPara="1" wrap="square" lIns="91425" tIns="91425" rIns="91425" bIns="91425" anchor="t" anchorCtr="0">
             <a:normAutofit fontScale="90000"/>
           </a:bodyPr>
           <a:lstStyle/>
           <a:p>
-            <a:pPr indent="0" lvl="0" marL="0" rtl="0" algn="l">
+            <a:pPr marL="0" lvl="0" indent="0" algn="l" rtl="0">
               <a:spcBef>
                 <a:spcPts val="0"/>
               </a:spcBef>
@@ -9650,12 +9864,12 @@
           </a:ln>
         </p:spPr>
         <p:txBody>
-          <a:bodyPr anchorCtr="0" anchor="t" bIns="91425" lIns="91425" spcFirstLastPara="1" rIns="91425" wrap="square" tIns="91425">
+          <a:bodyPr spcFirstLastPara="1" wrap="square" lIns="91425" tIns="91425" rIns="91425" bIns="91425" anchor="t" anchorCtr="0">
             <a:spAutoFit/>
           </a:bodyPr>
           <a:lstStyle/>
           <a:p>
-            <a:pPr indent="0" lvl="0" marL="0" rtl="0" algn="l">
+            <a:pPr marL="0" lvl="0" indent="0" algn="l" rtl="0">
               <a:spcBef>
                 <a:spcPts val="0"/>
               </a:spcBef>
@@ -9689,7 +9903,288 @@
 </file>
 
 <file path=ppt/theme/theme1.xml><?xml version="1.0" encoding="utf-8"?>
-<a:theme xmlns:a="http://schemas.openxmlformats.org/drawingml/2006/main" xmlns:r="http://schemas.openxmlformats.org/officeDocument/2006/relationships">
+<a:theme xmlns:a="http://schemas.openxmlformats.org/drawingml/2006/main" name="Simple Light">
+  <a:themeElements>
+    <a:clrScheme name="Simple Light">
+      <a:dk1>
+        <a:srgbClr val="000000"/>
+      </a:dk1>
+      <a:lt1>
+        <a:srgbClr val="FFFFFF"/>
+      </a:lt1>
+      <a:dk2>
+        <a:srgbClr val="595959"/>
+      </a:dk2>
+      <a:lt2>
+        <a:srgbClr val="EEEEEE"/>
+      </a:lt2>
+      <a:accent1>
+        <a:srgbClr val="4285F4"/>
+      </a:accent1>
+      <a:accent2>
+        <a:srgbClr val="212121"/>
+      </a:accent2>
+      <a:accent3>
+        <a:srgbClr val="78909C"/>
+      </a:accent3>
+      <a:accent4>
+        <a:srgbClr val="FFAB40"/>
+      </a:accent4>
+      <a:accent5>
+        <a:srgbClr val="0097A7"/>
+      </a:accent5>
+      <a:accent6>
+        <a:srgbClr val="EEFF41"/>
+      </a:accent6>
+      <a:hlink>
+        <a:srgbClr val="0097A7"/>
+      </a:hlink>
+      <a:folHlink>
+        <a:srgbClr val="0097A7"/>
+      </a:folHlink>
+    </a:clrScheme>
+    <a:fontScheme name="Office">
+      <a:majorFont>
+        <a:latin typeface="Arial"/>
+        <a:ea typeface=""/>
+        <a:cs typeface=""/>
+        <a:font script="Jpan" typeface="ＭＳ Ｐゴシック"/>
+        <a:font script="Hang" typeface="맑은 고딕"/>
+        <a:font script="Hans" typeface="宋体"/>
+        <a:font script="Hant" typeface="新細明體"/>
+        <a:font script="Arab" typeface="Times New Roman"/>
+        <a:font script="Hebr" typeface="Times New Roman"/>
+        <a:font script="Thai" typeface="Angsana New"/>
+        <a:font script="Ethi" typeface="Nyala"/>
+        <a:font script="Beng" typeface="Vrinda"/>
+        <a:font script="Gujr" typeface="Shruti"/>
+        <a:font script="Khmr" typeface="MoolBoran"/>
+        <a:font script="Knda" typeface="Tunga"/>
+        <a:font script="Guru" typeface="Raavi"/>
+        <a:font script="Cans" typeface="Euphemia"/>
+        <a:font script="Cher" typeface="Plantagenet Cherokee"/>
+        <a:font script="Yiii" typeface="Microsoft Yi Baiti"/>
+        <a:font script="Tibt" typeface="Microsoft Himalaya"/>
+        <a:font script="Thaa" typeface="MV Boli"/>
+        <a:font script="Deva" typeface="Mangal"/>
+        <a:font script="Telu" typeface="Gautami"/>
+        <a:font script="Taml" typeface="Latha"/>
+        <a:font script="Syrc" typeface="Estrangelo Edessa"/>
+        <a:font script="Orya" typeface="Kalinga"/>
+        <a:font script="Mlym" typeface="Kartika"/>
+        <a:font script="Laoo" typeface="DokChampa"/>
+        <a:font script="Sinh" typeface="Iskoola Pota"/>
+        <a:font script="Mong" typeface="Mongolian Baiti"/>
+        <a:font script="Viet" typeface="Times New Roman"/>
+        <a:font script="Uigh" typeface="Microsoft Uighur"/>
+        <a:font script="Geor" typeface="Sylfaen"/>
+      </a:majorFont>
+      <a:minorFont>
+        <a:latin typeface="Arial"/>
+        <a:ea typeface=""/>
+        <a:cs typeface=""/>
+        <a:font script="Jpan" typeface="ＭＳ Ｐゴシック"/>
+        <a:font script="Hang" typeface="맑은 고딕"/>
+        <a:font script="Hans" typeface="宋体"/>
+        <a:font script="Hant" typeface="新細明體"/>
+        <a:font script="Arab" typeface="Arial"/>
+        <a:font script="Hebr" typeface="Arial"/>
+        <a:font script="Thai" typeface="Cordia New"/>
+        <a:font script="Ethi" typeface="Nyala"/>
+        <a:font script="Beng" typeface="Vrinda"/>
+        <a:font script="Gujr" typeface="Shruti"/>
+        <a:font script="Khmr" typeface="DaunPenh"/>
+        <a:font script="Knda" typeface="Tunga"/>
+        <a:font script="Guru" typeface="Raavi"/>
+        <a:font script="Cans" typeface="Euphemia"/>
+        <a:font script="Cher" typeface="Plantagenet Cherokee"/>
+        <a:font script="Yiii" typeface="Microsoft Yi Baiti"/>
+        <a:font script="Tibt" typeface="Microsoft Himalaya"/>
+        <a:font script="Thaa" typeface="MV Boli"/>
+        <a:font script="Deva" typeface="Mangal"/>
+        <a:font script="Telu" typeface="Gautami"/>
+        <a:font script="Taml" typeface="Latha"/>
+        <a:font script="Syrc" typeface="Estrangelo Edessa"/>
+        <a:font script="Orya" typeface="Kalinga"/>
+        <a:font script="Mlym" typeface="Kartika"/>
+        <a:font script="Laoo" typeface="DokChampa"/>
+        <a:font script="Sinh" typeface="Iskoola Pota"/>
+        <a:font script="Mong" typeface="Mongolian Baiti"/>
+        <a:font script="Viet" typeface="Arial"/>
+        <a:font script="Uigh" typeface="Microsoft Uighur"/>
+        <a:font script="Geor" typeface="Sylfaen"/>
+      </a:minorFont>
+    </a:fontScheme>
+    <a:fmtScheme name="Office">
+      <a:fillStyleLst>
+        <a:solidFill>
+          <a:schemeClr val="phClr"/>
+        </a:solidFill>
+        <a:gradFill rotWithShape="1">
+          <a:gsLst>
+            <a:gs pos="0">
+              <a:schemeClr val="phClr">
+                <a:tint val="50000"/>
+                <a:satMod val="300000"/>
+              </a:schemeClr>
+            </a:gs>
+            <a:gs pos="35000">
+              <a:schemeClr val="phClr">
+                <a:tint val="37000"/>
+                <a:satMod val="300000"/>
+              </a:schemeClr>
+            </a:gs>
+            <a:gs pos="100000">
+              <a:schemeClr val="phClr">
+                <a:tint val="15000"/>
+                <a:satMod val="350000"/>
+              </a:schemeClr>
+            </a:gs>
+          </a:gsLst>
+          <a:lin ang="16200000" scaled="1"/>
+        </a:gradFill>
+        <a:gradFill rotWithShape="1">
+          <a:gsLst>
+            <a:gs pos="0">
+              <a:schemeClr val="phClr">
+                <a:tint val="100000"/>
+                <a:shade val="100000"/>
+                <a:satMod val="130000"/>
+              </a:schemeClr>
+            </a:gs>
+            <a:gs pos="100000">
+              <a:schemeClr val="phClr">
+                <a:tint val="50000"/>
+                <a:shade val="100000"/>
+                <a:satMod val="350000"/>
+              </a:schemeClr>
+            </a:gs>
+          </a:gsLst>
+          <a:lin ang="16200000" scaled="0"/>
+        </a:gradFill>
+      </a:fillStyleLst>
+      <a:lnStyleLst>
+        <a:ln w="9525" cap="flat" cmpd="sng" algn="ctr">
+          <a:solidFill>
+            <a:schemeClr val="phClr">
+              <a:shade val="95000"/>
+              <a:satMod val="105000"/>
+            </a:schemeClr>
+          </a:solidFill>
+          <a:prstDash val="solid"/>
+        </a:ln>
+        <a:ln w="25400" cap="flat" cmpd="sng" algn="ctr">
+          <a:solidFill>
+            <a:schemeClr val="phClr"/>
+          </a:solidFill>
+          <a:prstDash val="solid"/>
+        </a:ln>
+        <a:ln w="38100" cap="flat" cmpd="sng" algn="ctr">
+          <a:solidFill>
+            <a:schemeClr val="phClr"/>
+          </a:solidFill>
+          <a:prstDash val="solid"/>
+        </a:ln>
+      </a:lnStyleLst>
+      <a:effectStyleLst>
+        <a:effectStyle>
+          <a:effectLst>
+            <a:outerShdw blurRad="40000" dist="20000" dir="5400000" rotWithShape="0">
+              <a:srgbClr val="000000">
+                <a:alpha val="38000"/>
+              </a:srgbClr>
+            </a:outerShdw>
+          </a:effectLst>
+        </a:effectStyle>
+        <a:effectStyle>
+          <a:effectLst>
+            <a:outerShdw blurRad="40000" dist="23000" dir="5400000" rotWithShape="0">
+              <a:srgbClr val="000000">
+                <a:alpha val="35000"/>
+              </a:srgbClr>
+            </a:outerShdw>
+          </a:effectLst>
+        </a:effectStyle>
+        <a:effectStyle>
+          <a:effectLst>
+            <a:outerShdw blurRad="40000" dist="23000" dir="5400000" rotWithShape="0">
+              <a:srgbClr val="000000">
+                <a:alpha val="35000"/>
+              </a:srgbClr>
+            </a:outerShdw>
+          </a:effectLst>
+          <a:scene3d>
+            <a:camera prst="orthographicFront">
+              <a:rot lat="0" lon="0" rev="0"/>
+            </a:camera>
+            <a:lightRig rig="threePt" dir="t">
+              <a:rot lat="0" lon="0" rev="1200000"/>
+            </a:lightRig>
+          </a:scene3d>
+          <a:sp3d>
+            <a:bevelT w="63500" h="25400"/>
+          </a:sp3d>
+        </a:effectStyle>
+      </a:effectStyleLst>
+      <a:bgFillStyleLst>
+        <a:solidFill>
+          <a:schemeClr val="phClr"/>
+        </a:solidFill>
+        <a:gradFill rotWithShape="1">
+          <a:gsLst>
+            <a:gs pos="0">
+              <a:schemeClr val="phClr">
+                <a:tint val="40000"/>
+                <a:satMod val="350000"/>
+              </a:schemeClr>
+            </a:gs>
+            <a:gs pos="40000">
+              <a:schemeClr val="phClr">
+                <a:tint val="45000"/>
+                <a:shade val="99000"/>
+                <a:satMod val="350000"/>
+              </a:schemeClr>
+            </a:gs>
+            <a:gs pos="100000">
+              <a:schemeClr val="phClr">
+                <a:shade val="20000"/>
+                <a:satMod val="255000"/>
+              </a:schemeClr>
+            </a:gs>
+          </a:gsLst>
+          <a:path path="circle">
+            <a:fillToRect l="50000" t="-80000" r="50000" b="180000"/>
+          </a:path>
+        </a:gradFill>
+        <a:gradFill rotWithShape="1">
+          <a:gsLst>
+            <a:gs pos="0">
+              <a:schemeClr val="phClr">
+                <a:tint val="80000"/>
+                <a:satMod val="300000"/>
+              </a:schemeClr>
+            </a:gs>
+            <a:gs pos="100000">
+              <a:schemeClr val="phClr">
+                <a:shade val="30000"/>
+                <a:satMod val="200000"/>
+              </a:schemeClr>
+            </a:gs>
+          </a:gsLst>
+          <a:path path="circle">
+            <a:fillToRect l="50000" t="50000" r="50000" b="50000"/>
+          </a:path>
+        </a:gradFill>
+      </a:bgFillStyleLst>
+    </a:fmtScheme>
+  </a:themeElements>
+  <a:objectDefaults/>
+  <a:extraClrSchemeLst/>
+</a:theme>
+</file>
+
+<file path=ppt/theme/theme2.xml><?xml version="1.0" encoding="utf-8"?>
+<a:theme xmlns:a="http://schemas.openxmlformats.org/drawingml/2006/main">
   <a:themeElements>
     <a:clrScheme name="Default">
       <a:dk1>
@@ -9964,284 +10459,7 @@
       </a:bgFillStyleLst>
     </a:fmtScheme>
   </a:themeElements>
-</a:theme>
-</file>
-
-<file path=ppt/theme/theme2.xml><?xml version="1.0" encoding="utf-8"?>
-<a:theme xmlns:a="http://schemas.openxmlformats.org/drawingml/2006/main" xmlns:r="http://schemas.openxmlformats.org/officeDocument/2006/relationships" name="Simple Light">
-  <a:themeElements>
-    <a:clrScheme name="Simple Light">
-      <a:dk1>
-        <a:srgbClr val="000000"/>
-      </a:dk1>
-      <a:lt1>
-        <a:srgbClr val="FFFFFF"/>
-      </a:lt1>
-      <a:dk2>
-        <a:srgbClr val="595959"/>
-      </a:dk2>
-      <a:lt2>
-        <a:srgbClr val="EEEEEE"/>
-      </a:lt2>
-      <a:accent1>
-        <a:srgbClr val="4285F4"/>
-      </a:accent1>
-      <a:accent2>
-        <a:srgbClr val="212121"/>
-      </a:accent2>
-      <a:accent3>
-        <a:srgbClr val="78909C"/>
-      </a:accent3>
-      <a:accent4>
-        <a:srgbClr val="FFAB40"/>
-      </a:accent4>
-      <a:accent5>
-        <a:srgbClr val="0097A7"/>
-      </a:accent5>
-      <a:accent6>
-        <a:srgbClr val="EEFF41"/>
-      </a:accent6>
-      <a:hlink>
-        <a:srgbClr val="0097A7"/>
-      </a:hlink>
-      <a:folHlink>
-        <a:srgbClr val="0097A7"/>
-      </a:folHlink>
-    </a:clrScheme>
-    <a:fontScheme name="Office">
-      <a:majorFont>
-        <a:latin typeface="Arial"/>
-        <a:ea typeface=""/>
-        <a:cs typeface=""/>
-        <a:font script="Jpan" typeface="ＭＳ Ｐゴシック"/>
-        <a:font script="Hang" typeface="맑은 고딕"/>
-        <a:font script="Hans" typeface="宋体"/>
-        <a:font script="Hant" typeface="新細明體"/>
-        <a:font script="Arab" typeface="Times New Roman"/>
-        <a:font script="Hebr" typeface="Times New Roman"/>
-        <a:font script="Thai" typeface="Angsana New"/>
-        <a:font script="Ethi" typeface="Nyala"/>
-        <a:font script="Beng" typeface="Vrinda"/>
-        <a:font script="Gujr" typeface="Shruti"/>
-        <a:font script="Khmr" typeface="MoolBoran"/>
-        <a:font script="Knda" typeface="Tunga"/>
-        <a:font script="Guru" typeface="Raavi"/>
-        <a:font script="Cans" typeface="Euphemia"/>
-        <a:font script="Cher" typeface="Plantagenet Cherokee"/>
-        <a:font script="Yiii" typeface="Microsoft Yi Baiti"/>
-        <a:font script="Tibt" typeface="Microsoft Himalaya"/>
-        <a:font script="Thaa" typeface="MV Boli"/>
-        <a:font script="Deva" typeface="Mangal"/>
-        <a:font script="Telu" typeface="Gautami"/>
-        <a:font script="Taml" typeface="Latha"/>
-        <a:font script="Syrc" typeface="Estrangelo Edessa"/>
-        <a:font script="Orya" typeface="Kalinga"/>
-        <a:font script="Mlym" typeface="Kartika"/>
-        <a:font script="Laoo" typeface="DokChampa"/>
-        <a:font script="Sinh" typeface="Iskoola Pota"/>
-        <a:font script="Mong" typeface="Mongolian Baiti"/>
-        <a:font script="Viet" typeface="Times New Roman"/>
-        <a:font script="Uigh" typeface="Microsoft Uighur"/>
-        <a:font script="Geor" typeface="Sylfaen"/>
-      </a:majorFont>
-      <a:minorFont>
-        <a:latin typeface="Arial"/>
-        <a:ea typeface=""/>
-        <a:cs typeface=""/>
-        <a:font script="Jpan" typeface="ＭＳ Ｐゴシック"/>
-        <a:font script="Hang" typeface="맑은 고딕"/>
-        <a:font script="Hans" typeface="宋体"/>
-        <a:font script="Hant" typeface="新細明體"/>
-        <a:font script="Arab" typeface="Arial"/>
-        <a:font script="Hebr" typeface="Arial"/>
-        <a:font script="Thai" typeface="Cordia New"/>
-        <a:font script="Ethi" typeface="Nyala"/>
-        <a:font script="Beng" typeface="Vrinda"/>
-        <a:font script="Gujr" typeface="Shruti"/>
-        <a:font script="Khmr" typeface="DaunPenh"/>
-        <a:font script="Knda" typeface="Tunga"/>
-        <a:font script="Guru" typeface="Raavi"/>
-        <a:font script="Cans" typeface="Euphemia"/>
-        <a:font script="Cher" typeface="Plantagenet Cherokee"/>
-        <a:font script="Yiii" typeface="Microsoft Yi Baiti"/>
-        <a:font script="Tibt" typeface="Microsoft Himalaya"/>
-        <a:font script="Thaa" typeface="MV Boli"/>
-        <a:font script="Deva" typeface="Mangal"/>
-        <a:font script="Telu" typeface="Gautami"/>
-        <a:font script="Taml" typeface="Latha"/>
-        <a:font script="Syrc" typeface="Estrangelo Edessa"/>
-        <a:font script="Orya" typeface="Kalinga"/>
-        <a:font script="Mlym" typeface="Kartika"/>
-        <a:font script="Laoo" typeface="DokChampa"/>
-        <a:font script="Sinh" typeface="Iskoola Pota"/>
-        <a:font script="Mong" typeface="Mongolian Baiti"/>
-        <a:font script="Viet" typeface="Arial"/>
-        <a:font script="Uigh" typeface="Microsoft Uighur"/>
-        <a:font script="Geor" typeface="Sylfaen"/>
-      </a:minorFont>
-    </a:fontScheme>
-    <a:fmtScheme name="Office">
-      <a:fillStyleLst>
-        <a:solidFill>
-          <a:schemeClr val="phClr"/>
-        </a:solidFill>
-        <a:gradFill rotWithShape="1">
-          <a:gsLst>
-            <a:gs pos="0">
-              <a:schemeClr val="phClr">
-                <a:tint val="50000"/>
-                <a:satMod val="300000"/>
-              </a:schemeClr>
-            </a:gs>
-            <a:gs pos="35000">
-              <a:schemeClr val="phClr">
-                <a:tint val="37000"/>
-                <a:satMod val="300000"/>
-              </a:schemeClr>
-            </a:gs>
-            <a:gs pos="100000">
-              <a:schemeClr val="phClr">
-                <a:tint val="15000"/>
-                <a:satMod val="350000"/>
-              </a:schemeClr>
-            </a:gs>
-          </a:gsLst>
-          <a:lin ang="16200000" scaled="1"/>
-        </a:gradFill>
-        <a:gradFill rotWithShape="1">
-          <a:gsLst>
-            <a:gs pos="0">
-              <a:schemeClr val="phClr">
-                <a:tint val="100000"/>
-                <a:shade val="100000"/>
-                <a:satMod val="130000"/>
-              </a:schemeClr>
-            </a:gs>
-            <a:gs pos="100000">
-              <a:schemeClr val="phClr">
-                <a:tint val="50000"/>
-                <a:shade val="100000"/>
-                <a:satMod val="350000"/>
-              </a:schemeClr>
-            </a:gs>
-          </a:gsLst>
-          <a:lin ang="16200000" scaled="0"/>
-        </a:gradFill>
-      </a:fillStyleLst>
-      <a:lnStyleLst>
-        <a:ln w="9525" cap="flat" cmpd="sng" algn="ctr">
-          <a:solidFill>
-            <a:schemeClr val="phClr">
-              <a:shade val="95000"/>
-              <a:satMod val="105000"/>
-            </a:schemeClr>
-          </a:solidFill>
-          <a:prstDash val="solid"/>
-        </a:ln>
-        <a:ln w="25400" cap="flat" cmpd="sng" algn="ctr">
-          <a:solidFill>
-            <a:schemeClr val="phClr"/>
-          </a:solidFill>
-          <a:prstDash val="solid"/>
-        </a:ln>
-        <a:ln w="38100" cap="flat" cmpd="sng" algn="ctr">
-          <a:solidFill>
-            <a:schemeClr val="phClr"/>
-          </a:solidFill>
-          <a:prstDash val="solid"/>
-        </a:ln>
-      </a:lnStyleLst>
-      <a:effectStyleLst>
-        <a:effectStyle>
-          <a:effectLst>
-            <a:outerShdw blurRad="40000" dist="20000" dir="5400000" rotWithShape="0">
-              <a:srgbClr val="000000">
-                <a:alpha val="38000"/>
-              </a:srgbClr>
-            </a:outerShdw>
-          </a:effectLst>
-        </a:effectStyle>
-        <a:effectStyle>
-          <a:effectLst>
-            <a:outerShdw blurRad="40000" dist="23000" dir="5400000" rotWithShape="0">
-              <a:srgbClr val="000000">
-                <a:alpha val="35000"/>
-              </a:srgbClr>
-            </a:outerShdw>
-          </a:effectLst>
-        </a:effectStyle>
-        <a:effectStyle>
-          <a:effectLst>
-            <a:outerShdw blurRad="40000" dist="23000" dir="5400000" rotWithShape="0">
-              <a:srgbClr val="000000">
-                <a:alpha val="35000"/>
-              </a:srgbClr>
-            </a:outerShdw>
-          </a:effectLst>
-          <a:scene3d>
-            <a:camera prst="orthographicFront">
-              <a:rot lat="0" lon="0" rev="0"/>
-            </a:camera>
-            <a:lightRig rig="threePt" dir="t">
-              <a:rot lat="0" lon="0" rev="1200000"/>
-            </a:lightRig>
-          </a:scene3d>
-          <a:sp3d>
-            <a:bevelT w="63500" h="25400"/>
-          </a:sp3d>
-        </a:effectStyle>
-      </a:effectStyleLst>
-      <a:bgFillStyleLst>
-        <a:solidFill>
-          <a:schemeClr val="phClr"/>
-        </a:solidFill>
-        <a:gradFill rotWithShape="1">
-          <a:gsLst>
-            <a:gs pos="0">
-              <a:schemeClr val="phClr">
-                <a:tint val="40000"/>
-                <a:satMod val="350000"/>
-              </a:schemeClr>
-            </a:gs>
-            <a:gs pos="40000">
-              <a:schemeClr val="phClr">
-                <a:tint val="45000"/>
-                <a:shade val="99000"/>
-                <a:satMod val="350000"/>
-              </a:schemeClr>
-            </a:gs>
-            <a:gs pos="100000">
-              <a:schemeClr val="phClr">
-                <a:shade val="20000"/>
-                <a:satMod val="255000"/>
-              </a:schemeClr>
-            </a:gs>
-          </a:gsLst>
-          <a:path path="circle">
-            <a:fillToRect l="50000" t="-80000" r="50000" b="180000"/>
-          </a:path>
-        </a:gradFill>
-        <a:gradFill rotWithShape="1">
-          <a:gsLst>
-            <a:gs pos="0">
-              <a:schemeClr val="phClr">
-                <a:tint val="80000"/>
-                <a:satMod val="300000"/>
-              </a:schemeClr>
-            </a:gs>
-            <a:gs pos="100000">
-              <a:schemeClr val="phClr">
-                <a:shade val="30000"/>
-                <a:satMod val="200000"/>
-              </a:schemeClr>
-            </a:gs>
-          </a:gsLst>
-          <a:path path="circle">
-            <a:fillToRect l="50000" t="50000" r="50000" b="50000"/>
-          </a:path>
-        </a:gradFill>
-      </a:bgFillStyleLst>
-    </a:fmtScheme>
-  </a:themeElements>
+  <a:objectDefaults/>
+  <a:extraClrSchemeLst/>
 </a:theme>
 </file>
--- a/CF-Project1.pptx
+++ b/CF-Project1.pptx
@@ -259,7 +259,7 @@
   </p:defaultTextStyle>
   <p:extLst>
     <p:ext uri="{EFAFB233-063F-42B5-8137-9DF3F51BA10A}">
-      <p15:sldGuideLst xmlns:ahyp="http://schemas.microsoft.com/office/drawing/2018/hyperlinkcolor" xmlns:p15="http://schemas.microsoft.com/office/powerpoint/2012/main" xmlns:p14="http://schemas.microsoft.com/office/powerpoint/2010/main" xmlns:com="http://schemas.openxmlformats.org/drawingml/2006/compatibility" xmlns:pvml="urn:schemas-microsoft-com:office:powerpoint" xmlns:v="urn:schemas-microsoft-com:vml" xmlns:o="urn:schemas-microsoft-com:office:office" xmlns:dgm="http://schemas.openxmlformats.org/drawingml/2006/diagram" xmlns:c="http://schemas.openxmlformats.org/drawingml/2006/chart" xmlns:mv="urn:schemas-microsoft-com:mac:vml" xmlns:mc="http://schemas.openxmlformats.org/markup-compatibility/2006" xmlns="">
+      <p15:sldGuideLst xmlns="" xmlns:mc="http://schemas.openxmlformats.org/markup-compatibility/2006" xmlns:mv="urn:schemas-microsoft-com:mac:vml" xmlns:c="http://schemas.openxmlformats.org/drawingml/2006/chart" xmlns:dgm="http://schemas.openxmlformats.org/drawingml/2006/diagram" xmlns:o="urn:schemas-microsoft-com:office:office" xmlns:v="urn:schemas-microsoft-com:vml" xmlns:pvml="urn:schemas-microsoft-com:office:powerpoint" xmlns:com="http://schemas.openxmlformats.org/drawingml/2006/compatibility" xmlns:p14="http://schemas.microsoft.com/office/powerpoint/2010/main" xmlns:p15="http://schemas.microsoft.com/office/powerpoint/2012/main" xmlns:ahyp="http://schemas.microsoft.com/office/drawing/2018/hyperlinkcolor">
         <p15:guide id="1" orient="horz" pos="1620">
           <p15:clr>
             <a:srgbClr val="A4A3A4"/>
@@ -855,7 +855,7 @@
         </p:nvSpPr>
         <p:spPr>
           <a:xfrm>
-            <a:off x="381300" y="685800"/>
+            <a:off x="381000" y="685800"/>
             <a:ext cx="6096000" cy="3429000"/>
           </a:xfrm>
           <a:custGeom>
@@ -1271,7 +1271,7 @@
         </p:nvSpPr>
         <p:spPr>
           <a:xfrm>
-            <a:off x="381300" y="685800"/>
+            <a:off x="381000" y="685800"/>
             <a:ext cx="6096000" cy="3429000"/>
           </a:xfrm>
           <a:custGeom>
@@ -1375,7 +1375,7 @@
         </p:nvSpPr>
         <p:spPr>
           <a:xfrm>
-            <a:off x="381300" y="685800"/>
+            <a:off x="381000" y="685800"/>
             <a:ext cx="6096000" cy="3429000"/>
           </a:xfrm>
           <a:custGeom>
@@ -1479,7 +1479,7 @@
         </p:nvSpPr>
         <p:spPr>
           <a:xfrm>
-            <a:off x="381300" y="685800"/>
+            <a:off x="381000" y="685800"/>
             <a:ext cx="6096000" cy="3429000"/>
           </a:xfrm>
           <a:custGeom>
@@ -1791,7 +1791,7 @@
         </p:nvSpPr>
         <p:spPr>
           <a:xfrm>
-            <a:off x="381300" y="685800"/>
+            <a:off x="381000" y="685800"/>
             <a:ext cx="6096000" cy="3429000"/>
           </a:xfrm>
           <a:custGeom>
@@ -7397,6 +7397,13 @@
   <p:clrMapOvr>
     <a:masterClrMapping/>
   </p:clrMapOvr>
+  <p:timing>
+    <p:tnLst>
+      <p:par>
+        <p:cTn id="1" dur="indefinite" restart="never" nodeType="tmRoot"/>
+      </p:par>
+    </p:tnLst>
+  </p:timing>
 </p:sld>
 </file>
 
@@ -7522,10 +7529,18 @@
               <a:buNone/>
             </a:pPr>
             <a:r>
-              <a:rPr lang="en"/>
-              <a:t>Sources: Reddit, Kaggle	Python packages: wordcloud, praw	Data from 1/15/21 to 2/10/21</a:t>
+              <a:rPr lang="en" dirty="0"/>
+              <a:t>Sources: Reddit, </a:t>
             </a:r>
-            <a:endParaRPr/>
+            <a:r>
+              <a:rPr lang="en" dirty="0" smtClean="0"/>
+              <a:t>Kaggle       Python </a:t>
+            </a:r>
+            <a:r>
+              <a:rPr lang="en" dirty="0"/>
+              <a:t>packages: wordcloud, praw	Data from 1/15/21 to 2/10/21</a:t>
+            </a:r>
+            <a:endParaRPr dirty="0"/>
           </a:p>
         </p:txBody>
       </p:sp>
@@ -7534,6 +7549,13 @@
   <p:clrMapOvr>
     <a:masterClrMapping/>
   </p:clrMapOvr>
+  <p:timing>
+    <p:tnLst>
+      <p:par>
+        <p:cTn id="1" dur="indefinite" restart="never" nodeType="tmRoot"/>
+      </p:par>
+    </p:tnLst>
+  </p:timing>
 </p:sld>
 </file>
 
@@ -7629,6 +7651,13 @@
   <p:clrMapOvr>
     <a:masterClrMapping/>
   </p:clrMapOvr>
+  <p:timing>
+    <p:tnLst>
+      <p:par>
+        <p:cTn id="1" dur="indefinite" restart="never" nodeType="tmRoot"/>
+      </p:par>
+    </p:tnLst>
+  </p:timing>
 </p:sld>
 </file>
 
@@ -7724,6 +7753,13 @@
   <p:clrMapOvr>
     <a:masterClrMapping/>
   </p:clrMapOvr>
+  <p:timing>
+    <p:tnLst>
+      <p:par>
+        <p:cTn id="1" dur="indefinite" restart="never" nodeType="tmRoot"/>
+      </p:par>
+    </p:tnLst>
+  </p:timing>
 </p:sld>
 </file>
 
@@ -7861,6 +7897,13 @@
   <p:clrMapOvr>
     <a:masterClrMapping/>
   </p:clrMapOvr>
+  <p:timing>
+    <p:tnLst>
+      <p:par>
+        <p:cTn id="1" dur="indefinite" restart="never" nodeType="tmRoot"/>
+      </p:par>
+    </p:tnLst>
+  </p:timing>
 </p:sld>
 </file>
 
@@ -7958,10 +8001,18 @@
               <a:buNone/>
             </a:pPr>
             <a:r>
-              <a:rPr lang="en"/>
-              <a:t>Source: Google Finance	Python package: MCForecastTools	Data from 2/13/20 to 2/11/21 </a:t>
+              <a:rPr lang="en" dirty="0"/>
+              <a:t>Source: Google </a:t>
             </a:r>
-            <a:endParaRPr/>
+            <a:r>
+              <a:rPr lang="en" dirty="0" smtClean="0"/>
+              <a:t>Finance         Python </a:t>
+            </a:r>
+            <a:r>
+              <a:rPr lang="en" dirty="0"/>
+              <a:t>package: MCForecastTools	Data from 2/13/20 to 2/11/21 </a:t>
+            </a:r>
+            <a:endParaRPr dirty="0"/>
           </a:p>
         </p:txBody>
       </p:sp>
@@ -7981,8 +8032,8 @@
         </p:blipFill>
         <p:spPr>
           <a:xfrm>
-            <a:off x="152400" y="1017725"/>
-            <a:ext cx="4382025" cy="3191300"/>
+            <a:off x="252919" y="1017725"/>
+            <a:ext cx="4287991" cy="3191300"/>
           </a:xfrm>
           <a:prstGeom prst="rect">
             <a:avLst/>
@@ -8026,6 +8077,13 @@
   <p:clrMapOvr>
     <a:masterClrMapping/>
   </p:clrMapOvr>
+  <p:timing>
+    <p:tnLst>
+      <p:par>
+        <p:cTn id="1" dur="indefinite" restart="never" nodeType="tmRoot"/>
+      </p:par>
+    </p:tnLst>
+  </p:timing>
 </p:sld>
 </file>
 
@@ -8128,11 +8186,19 @@
               <a:buNone/>
             </a:pPr>
             <a:r>
-              <a:rPr lang="en"/>
-              <a:t>Source: Google Finance	Python package: MCForecastTools	</a:t>
+              <a:rPr lang="en" dirty="0"/>
+              <a:t>Source: Google </a:t>
             </a:r>
             <a:r>
-              <a:rPr lang="en">
+              <a:rPr lang="en" dirty="0" smtClean="0"/>
+              <a:t>Finance       Python </a:t>
+            </a:r>
+            <a:r>
+              <a:rPr lang="en" dirty="0"/>
+              <a:t>package: MCForecastTools	</a:t>
+            </a:r>
+            <a:r>
+              <a:rPr lang="en" dirty="0">
                 <a:solidFill>
                   <a:schemeClr val="dk1"/>
                 </a:solidFill>
@@ -8140,10 +8206,10 @@
               <a:t>Data from 2/13/20 to 2/11/21 </a:t>
             </a:r>
             <a:r>
-              <a:rPr lang="en"/>
+              <a:rPr lang="en" dirty="0"/>
               <a:t> </a:t>
             </a:r>
-            <a:endParaRPr/>
+            <a:endParaRPr dirty="0"/>
           </a:p>
         </p:txBody>
       </p:sp>
@@ -8163,7 +8229,7 @@
         </p:blipFill>
         <p:spPr>
           <a:xfrm>
-            <a:off x="152400" y="1017725"/>
+            <a:off x="308040" y="1017725"/>
             <a:ext cx="4319201" cy="3199025"/>
           </a:xfrm>
           <a:prstGeom prst="rect">
@@ -8208,6 +8274,13 @@
   <p:clrMapOvr>
     <a:masterClrMapping/>
   </p:clrMapOvr>
+  <p:timing>
+    <p:tnLst>
+      <p:par>
+        <p:cTn id="1" dur="indefinite" restart="never" nodeType="tmRoot"/>
+      </p:par>
+    </p:tnLst>
+  </p:timing>
 </p:sld>
 </file>
 
@@ -8328,7 +8401,7 @@
         </p:blipFill>
         <p:spPr>
           <a:xfrm>
-            <a:off x="1251100" y="864763"/>
+            <a:off x="1328920" y="864763"/>
             <a:ext cx="6027000" cy="3636225"/>
           </a:xfrm>
           <a:prstGeom prst="rect">
@@ -8345,6 +8418,13 @@
   <p:clrMapOvr>
     <a:masterClrMapping/>
   </p:clrMapOvr>
+  <p:timing>
+    <p:tnLst>
+      <p:par>
+        <p:cTn id="1" dur="indefinite" restart="never" nodeType="tmRoot"/>
+      </p:par>
+    </p:tnLst>
+  </p:timing>
 </p:sld>
 </file>
 
@@ -8455,6 +8535,13 @@
   <p:clrMapOvr>
     <a:masterClrMapping/>
   </p:clrMapOvr>
+  <p:timing>
+    <p:tnLst>
+      <p:par>
+        <p:cTn id="1" dur="indefinite" restart="never" nodeType="tmRoot"/>
+      </p:par>
+    </p:tnLst>
+  </p:timing>
 </p:sld>
 </file>
 
@@ -8712,6 +8799,13 @@
   <p:clrMapOvr>
     <a:masterClrMapping/>
   </p:clrMapOvr>
+  <p:timing>
+    <p:tnLst>
+      <p:par>
+        <p:cTn id="1" dur="indefinite" restart="never" nodeType="tmRoot"/>
+      </p:par>
+    </p:tnLst>
+  </p:timing>
 </p:sld>
 </file>
 
@@ -8767,10 +8861,10 @@
               <a:buNone/>
             </a:pPr>
             <a:r>
-              <a:rPr lang="en" sz="2800"/>
+              <a:rPr lang="en" sz="2800" dirty="0"/>
               <a:t>What’s going on with GameStop (GME)?</a:t>
             </a:r>
-            <a:endParaRPr sz="2800"/>
+            <a:endParaRPr sz="2800" dirty="0"/>
           </a:p>
         </p:txBody>
       </p:sp>
@@ -8790,8 +8884,8 @@
         </p:blipFill>
         <p:spPr>
           <a:xfrm>
-            <a:off x="583100" y="765225"/>
-            <a:ext cx="7888999" cy="3613075"/>
+            <a:off x="583100" y="836579"/>
+            <a:ext cx="7888999" cy="3541721"/>
           </a:xfrm>
           <a:prstGeom prst="rect">
             <a:avLst/>
@@ -8853,6 +8947,13 @@
   <p:clrMapOvr>
     <a:masterClrMapping/>
   </p:clrMapOvr>
+  <p:timing>
+    <p:tnLst>
+      <p:par>
+        <p:cTn id="1" dur="indefinite" restart="never" nodeType="tmRoot"/>
+      </p:par>
+    </p:tnLst>
+  </p:timing>
 </p:sld>
 </file>
 
@@ -9299,6 +9400,13 @@
   <p:clrMapOvr>
     <a:masterClrMapping/>
   </p:clrMapOvr>
+  <p:timing>
+    <p:tnLst>
+      <p:par>
+        <p:cTn id="1" dur="indefinite" restart="never" nodeType="tmRoot"/>
+      </p:par>
+    </p:tnLst>
+  </p:timing>
 </p:sld>
 </file>
 
@@ -9394,6 +9502,13 @@
   <p:clrMapOvr>
     <a:masterClrMapping/>
   </p:clrMapOvr>
+  <p:timing>
+    <p:tnLst>
+      <p:par>
+        <p:cTn id="1" dur="indefinite" restart="never" nodeType="tmRoot"/>
+      </p:par>
+    </p:tnLst>
+  </p:timing>
 </p:sld>
 </file>
 
@@ -9489,6 +9604,13 @@
   <p:clrMapOvr>
     <a:masterClrMapping/>
   </p:clrMapOvr>
+  <p:timing>
+    <p:tnLst>
+      <p:par>
+        <p:cTn id="1" dur="indefinite" restart="never" nodeType="tmRoot"/>
+      </p:par>
+    </p:tnLst>
+  </p:timing>
 </p:sld>
 </file>
 
@@ -9584,6 +9706,13 @@
   <p:clrMapOvr>
     <a:masterClrMapping/>
   </p:clrMapOvr>
+  <p:timing>
+    <p:tnLst>
+      <p:par>
+        <p:cTn id="1" dur="indefinite" restart="never" nodeType="tmRoot"/>
+      </p:par>
+    </p:tnLst>
+  </p:timing>
 </p:sld>
 </file>
 
@@ -9754,6 +9883,13 @@
   <p:clrMapOvr>
     <a:masterClrMapping/>
   </p:clrMapOvr>
+  <p:timing>
+    <p:tnLst>
+      <p:par>
+        <p:cTn id="1" dur="indefinite" restart="never" nodeType="tmRoot"/>
+      </p:par>
+    </p:tnLst>
+  </p:timing>
 </p:sld>
 </file>
 
@@ -9899,6 +10035,13 @@
   <p:clrMapOvr>
     <a:masterClrMapping/>
   </p:clrMapOvr>
+  <p:timing>
+    <p:tnLst>
+      <p:par>
+        <p:cTn id="1" dur="indefinite" restart="never" nodeType="tmRoot"/>
+      </p:par>
+    </p:tnLst>
+  </p:timing>
 </p:sld>
 </file>
 
